--- a/documentation/presentation.pptx
+++ b/documentation/presentation.pptx
@@ -14,10 +14,16 @@
     <p:sldId id="266" r:id="rId8"/>
     <p:sldId id="267" r:id="rId9"/>
     <p:sldId id="268" r:id="rId10"/>
-    <p:sldId id="269" r:id="rId11"/>
-    <p:sldId id="270" r:id="rId12"/>
-    <p:sldId id="271" r:id="rId13"/>
-    <p:sldId id="259" r:id="rId14"/>
+    <p:sldId id="272" r:id="rId11"/>
+    <p:sldId id="273" r:id="rId12"/>
+    <p:sldId id="269" r:id="rId13"/>
+    <p:sldId id="275" r:id="rId14"/>
+    <p:sldId id="270" r:id="rId15"/>
+    <p:sldId id="274" r:id="rId16"/>
+    <p:sldId id="271" r:id="rId17"/>
+    <p:sldId id="276" r:id="rId18"/>
+    <p:sldId id="277" r:id="rId19"/>
+    <p:sldId id="259" r:id="rId20"/>
   </p:sldIdLst>
   <p:sldSz cx="12192000" cy="6858000"/>
   <p:notesSz cx="6858000" cy="9144000"/>
@@ -116,6 +122,11 @@
       </a:defRPr>
     </a:lvl9pPr>
   </p:defaultTextStyle>
+  <p:extLst>
+    <p:ext uri="{EFAFB233-063F-42B5-8137-9DF3F51BA10A}">
+      <p15:sldGuideLst xmlns:p15="http://schemas.microsoft.com/office/powerpoint/2012/main"/>
+    </p:ext>
+  </p:extLst>
 </p:presentation>
 </file>
 
@@ -268,7 +279,7 @@
           <a:p>
             <a:fld id="{CF74EDA2-A3D8-44A3-A89B-0F29AADCE6D8}" type="datetimeFigureOut">
               <a:rPr lang="it-IT" smtClean="0"/>
-              <a:t>06/01/2024</a:t>
+              <a:t>07/01/2024</a:t>
             </a:fld>
             <a:endParaRPr lang="it-IT"/>
           </a:p>
@@ -322,7 +333,7 @@
           <a:p>
             <a:fld id="{56FCA6E2-E168-450F-A79D-65183BD15D2A}" type="slidenum">
               <a:rPr lang="it-IT" smtClean="0"/>
-              <a:t>‹#›</a:t>
+              <a:t>‹N›</a:t>
             </a:fld>
             <a:endParaRPr lang="it-IT"/>
           </a:p>
@@ -468,7 +479,7 @@
           <a:p>
             <a:fld id="{CF74EDA2-A3D8-44A3-A89B-0F29AADCE6D8}" type="datetimeFigureOut">
               <a:rPr lang="it-IT" smtClean="0"/>
-              <a:t>06/01/2024</a:t>
+              <a:t>07/01/2024</a:t>
             </a:fld>
             <a:endParaRPr lang="it-IT"/>
           </a:p>
@@ -522,7 +533,7 @@
           <a:p>
             <a:fld id="{56FCA6E2-E168-450F-A79D-65183BD15D2A}" type="slidenum">
               <a:rPr lang="it-IT" smtClean="0"/>
-              <a:t>‹#›</a:t>
+              <a:t>‹N›</a:t>
             </a:fld>
             <a:endParaRPr lang="it-IT"/>
           </a:p>
@@ -678,7 +689,7 @@
           <a:p>
             <a:fld id="{CF74EDA2-A3D8-44A3-A89B-0F29AADCE6D8}" type="datetimeFigureOut">
               <a:rPr lang="it-IT" smtClean="0"/>
-              <a:t>06/01/2024</a:t>
+              <a:t>07/01/2024</a:t>
             </a:fld>
             <a:endParaRPr lang="it-IT"/>
           </a:p>
@@ -732,7 +743,7 @@
           <a:p>
             <a:fld id="{56FCA6E2-E168-450F-A79D-65183BD15D2A}" type="slidenum">
               <a:rPr lang="it-IT" smtClean="0"/>
-              <a:t>‹#›</a:t>
+              <a:t>‹N›</a:t>
             </a:fld>
             <a:endParaRPr lang="it-IT"/>
           </a:p>
@@ -878,7 +889,7 @@
           <a:p>
             <a:fld id="{CF74EDA2-A3D8-44A3-A89B-0F29AADCE6D8}" type="datetimeFigureOut">
               <a:rPr lang="it-IT" smtClean="0"/>
-              <a:t>06/01/2024</a:t>
+              <a:t>07/01/2024</a:t>
             </a:fld>
             <a:endParaRPr lang="it-IT"/>
           </a:p>
@@ -932,7 +943,7 @@
           <a:p>
             <a:fld id="{56FCA6E2-E168-450F-A79D-65183BD15D2A}" type="slidenum">
               <a:rPr lang="it-IT" smtClean="0"/>
-              <a:t>‹#›</a:t>
+              <a:t>‹N›</a:t>
             </a:fld>
             <a:endParaRPr lang="it-IT"/>
           </a:p>
@@ -1154,7 +1165,7 @@
           <a:p>
             <a:fld id="{CF74EDA2-A3D8-44A3-A89B-0F29AADCE6D8}" type="datetimeFigureOut">
               <a:rPr lang="it-IT" smtClean="0"/>
-              <a:t>06/01/2024</a:t>
+              <a:t>07/01/2024</a:t>
             </a:fld>
             <a:endParaRPr lang="it-IT"/>
           </a:p>
@@ -1208,7 +1219,7 @@
           <a:p>
             <a:fld id="{56FCA6E2-E168-450F-A79D-65183BD15D2A}" type="slidenum">
               <a:rPr lang="it-IT" smtClean="0"/>
-              <a:t>‹#›</a:t>
+              <a:t>‹N›</a:t>
             </a:fld>
             <a:endParaRPr lang="it-IT"/>
           </a:p>
@@ -1422,7 +1433,7 @@
           <a:p>
             <a:fld id="{CF74EDA2-A3D8-44A3-A89B-0F29AADCE6D8}" type="datetimeFigureOut">
               <a:rPr lang="it-IT" smtClean="0"/>
-              <a:t>06/01/2024</a:t>
+              <a:t>07/01/2024</a:t>
             </a:fld>
             <a:endParaRPr lang="it-IT"/>
           </a:p>
@@ -1476,7 +1487,7 @@
           <a:p>
             <a:fld id="{56FCA6E2-E168-450F-A79D-65183BD15D2A}" type="slidenum">
               <a:rPr lang="it-IT" smtClean="0"/>
-              <a:t>‹#›</a:t>
+              <a:t>‹N›</a:t>
             </a:fld>
             <a:endParaRPr lang="it-IT"/>
           </a:p>
@@ -1837,7 +1848,7 @@
           <a:p>
             <a:fld id="{CF74EDA2-A3D8-44A3-A89B-0F29AADCE6D8}" type="datetimeFigureOut">
               <a:rPr lang="it-IT" smtClean="0"/>
-              <a:t>06/01/2024</a:t>
+              <a:t>07/01/2024</a:t>
             </a:fld>
             <a:endParaRPr lang="it-IT"/>
           </a:p>
@@ -1891,7 +1902,7 @@
           <a:p>
             <a:fld id="{56FCA6E2-E168-450F-A79D-65183BD15D2A}" type="slidenum">
               <a:rPr lang="it-IT" smtClean="0"/>
-              <a:t>‹#›</a:t>
+              <a:t>‹N›</a:t>
             </a:fld>
             <a:endParaRPr lang="it-IT"/>
           </a:p>
@@ -1979,7 +1990,7 @@
           <a:p>
             <a:fld id="{CF74EDA2-A3D8-44A3-A89B-0F29AADCE6D8}" type="datetimeFigureOut">
               <a:rPr lang="it-IT" smtClean="0"/>
-              <a:t>06/01/2024</a:t>
+              <a:t>07/01/2024</a:t>
             </a:fld>
             <a:endParaRPr lang="it-IT"/>
           </a:p>
@@ -2033,7 +2044,7 @@
           <a:p>
             <a:fld id="{56FCA6E2-E168-450F-A79D-65183BD15D2A}" type="slidenum">
               <a:rPr lang="it-IT" smtClean="0"/>
-              <a:t>‹#›</a:t>
+              <a:t>‹N›</a:t>
             </a:fld>
             <a:endParaRPr lang="it-IT"/>
           </a:p>
@@ -2092,7 +2103,7 @@
           <a:p>
             <a:fld id="{CF74EDA2-A3D8-44A3-A89B-0F29AADCE6D8}" type="datetimeFigureOut">
               <a:rPr lang="it-IT" smtClean="0"/>
-              <a:t>06/01/2024</a:t>
+              <a:t>07/01/2024</a:t>
             </a:fld>
             <a:endParaRPr lang="it-IT"/>
           </a:p>
@@ -2146,7 +2157,7 @@
           <a:p>
             <a:fld id="{56FCA6E2-E168-450F-A79D-65183BD15D2A}" type="slidenum">
               <a:rPr lang="it-IT" smtClean="0"/>
-              <a:t>‹#›</a:t>
+              <a:t>‹N›</a:t>
             </a:fld>
             <a:endParaRPr lang="it-IT"/>
           </a:p>
@@ -2405,7 +2416,7 @@
           <a:p>
             <a:fld id="{CF74EDA2-A3D8-44A3-A89B-0F29AADCE6D8}" type="datetimeFigureOut">
               <a:rPr lang="it-IT" smtClean="0"/>
-              <a:t>06/01/2024</a:t>
+              <a:t>07/01/2024</a:t>
             </a:fld>
             <a:endParaRPr lang="it-IT"/>
           </a:p>
@@ -2459,7 +2470,7 @@
           <a:p>
             <a:fld id="{56FCA6E2-E168-450F-A79D-65183BD15D2A}" type="slidenum">
               <a:rPr lang="it-IT" smtClean="0"/>
-              <a:t>‹#›</a:t>
+              <a:t>‹N›</a:t>
             </a:fld>
             <a:endParaRPr lang="it-IT"/>
           </a:p>
@@ -2694,7 +2705,7 @@
           <a:p>
             <a:fld id="{CF74EDA2-A3D8-44A3-A89B-0F29AADCE6D8}" type="datetimeFigureOut">
               <a:rPr lang="it-IT" smtClean="0"/>
-              <a:t>06/01/2024</a:t>
+              <a:t>07/01/2024</a:t>
             </a:fld>
             <a:endParaRPr lang="it-IT"/>
           </a:p>
@@ -2748,7 +2759,7 @@
           <a:p>
             <a:fld id="{56FCA6E2-E168-450F-A79D-65183BD15D2A}" type="slidenum">
               <a:rPr lang="it-IT" smtClean="0"/>
-              <a:t>‹#›</a:t>
+              <a:t>‹N›</a:t>
             </a:fld>
             <a:endParaRPr lang="it-IT"/>
           </a:p>
@@ -2937,7 +2948,7 @@
           <a:p>
             <a:fld id="{CF74EDA2-A3D8-44A3-A89B-0F29AADCE6D8}" type="datetimeFigureOut">
               <a:rPr lang="it-IT" smtClean="0"/>
-              <a:t>06/01/2024</a:t>
+              <a:t>07/01/2024</a:t>
             </a:fld>
             <a:endParaRPr lang="it-IT"/>
           </a:p>
@@ -3027,7 +3038,7 @@
           <a:p>
             <a:fld id="{56FCA6E2-E168-450F-A79D-65183BD15D2A}" type="slidenum">
               <a:rPr lang="it-IT" smtClean="0"/>
-              <a:t>‹#›</a:t>
+              <a:t>‹N›</a:t>
             </a:fld>
             <a:endParaRPr lang="it-IT"/>
           </a:p>
@@ -3671,20 +3682,22 @@
         </p:nvSpPr>
         <p:spPr>
           <a:xfrm>
-            <a:off x="838200" y="365125"/>
-            <a:ext cx="10515600" cy="1325563"/>
+            <a:off x="0" y="365125"/>
+            <a:ext cx="12192000" cy="1325563"/>
           </a:xfrm>
         </p:spPr>
         <p:txBody>
-          <a:bodyPr/>
+          <a:bodyPr>
+            <a:normAutofit/>
+          </a:bodyPr>
           <a:lstStyle/>
           <a:p>
             <a:pPr algn="ctr"/>
             <a:r>
-              <a:rPr lang="it-IT" b="1" dirty="0">
+              <a:rPr lang="it-IT" sz="3600" b="1" dirty="0">
                 <a:latin typeface="Bahnschrift" panose="020B0502040204020203" pitchFamily="34" charset="0"/>
               </a:rPr>
-              <a:t>NON-LINEAR CONTROLLER</a:t>
+              <a:t>LINEAR CONTROLLER - RESULTS</a:t>
             </a:r>
           </a:p>
         </p:txBody>
@@ -4621,7 +4634,7 @@
     </p:spTree>
     <p:extLst>
       <p:ext uri="{BB962C8B-B14F-4D97-AF65-F5344CB8AC3E}">
-        <p14:creationId xmlns:p14="http://schemas.microsoft.com/office/powerpoint/2010/main" val="149656553"/>
+        <p14:creationId xmlns:p14="http://schemas.microsoft.com/office/powerpoint/2010/main" val="163127247"/>
       </p:ext>
     </p:extLst>
   </p:cSld>
@@ -4875,20 +4888,22 @@
         </p:nvSpPr>
         <p:spPr>
           <a:xfrm>
-            <a:off x="838200" y="365125"/>
-            <a:ext cx="10515600" cy="1325563"/>
+            <a:off x="0" y="365125"/>
+            <a:ext cx="12192000" cy="1325563"/>
           </a:xfrm>
         </p:spPr>
         <p:txBody>
-          <a:bodyPr/>
+          <a:bodyPr>
+            <a:normAutofit/>
+          </a:bodyPr>
           <a:lstStyle/>
           <a:p>
             <a:pPr algn="ctr"/>
             <a:r>
-              <a:rPr lang="it-IT" b="1" dirty="0">
+              <a:rPr lang="it-IT" sz="3600" b="1" dirty="0">
                 <a:latin typeface="Bahnschrift" panose="020B0502040204020203" pitchFamily="34" charset="0"/>
               </a:rPr>
-              <a:t>FEEDBACK SAGITTAL CONTROLLER</a:t>
+              <a:t>NON-LINEAR CONTROLLER - IMPLEMENTATION</a:t>
             </a:r>
           </a:p>
         </p:txBody>
@@ -5094,16 +5109,28 @@
               <a:buNone/>
             </a:pPr>
             <a:r>
+              <a:rPr lang="it-IT" sz="2000" b="1" dirty="0">
+                <a:latin typeface="Bahnschrift SemiCondensed" panose="020B0502040204020203" pitchFamily="34" charset="0"/>
+              </a:rPr>
+              <a:t>Controller </a:t>
+            </a:r>
+            <a:r>
               <a:rPr lang="it-IT" sz="2000" b="1" dirty="0" err="1">
                 <a:latin typeface="Bahnschrift SemiCondensed" panose="020B0502040204020203" pitchFamily="34" charset="0"/>
               </a:rPr>
-              <a:t>Smoothness</a:t>
+              <a:t>scheme</a:t>
             </a:r>
             <a:r>
               <a:rPr lang="it-IT" sz="2000" b="1" dirty="0">
                 <a:latin typeface="Bahnschrift SemiCondensed" panose="020B0502040204020203" pitchFamily="34" charset="0"/>
               </a:rPr>
-              <a:t> image</a:t>
+              <a:t>/</a:t>
+            </a:r>
+            <a:r>
+              <a:rPr lang="it-IT" sz="2000" b="1" dirty="0" err="1">
+                <a:latin typeface="Bahnschrift SemiCondensed" panose="020B0502040204020203" pitchFamily="34" charset="0"/>
+              </a:rPr>
+              <a:t>formulas</a:t>
             </a:r>
             <a:endParaRPr lang="it-IT" sz="2000" dirty="0">
               <a:latin typeface="Bahnschrift SemiCondensed" panose="020B0502040204020203" pitchFamily="34" charset="0"/>
@@ -5314,26 +5341,6 @@
               </a:spcBef>
               <a:buNone/>
             </a:pPr>
-            <a:r>
-              <a:rPr lang="it-IT" sz="2000" b="1" dirty="0">
-                <a:latin typeface="Bahnschrift SemiCondensed" panose="020B0502040204020203" pitchFamily="34" charset="0"/>
-              </a:rPr>
-              <a:t>CONVERGENCE TEST </a:t>
-            </a:r>
-          </a:p>
-          <a:p>
-            <a:pPr marL="0" indent="0" algn="r">
-              <a:spcBef>
-                <a:spcPts val="0"/>
-              </a:spcBef>
-              <a:buNone/>
-            </a:pPr>
-            <a:r>
-              <a:rPr lang="it-IT" sz="6600" b="1" dirty="0">
-                <a:latin typeface="Bahnschrift SemiCondensed" panose="020B0502040204020203" pitchFamily="34" charset="0"/>
-              </a:rPr>
-              <a:t>94%</a:t>
-            </a:r>
             <a:endParaRPr lang="it-IT" sz="7200" b="1" dirty="0">
               <a:latin typeface="Bahnschrift SemiCondensed" panose="020B0502040204020203" pitchFamily="34" charset="0"/>
             </a:endParaRPr>
@@ -5543,26 +5550,6 @@
               </a:spcBef>
               <a:buNone/>
             </a:pPr>
-            <a:r>
-              <a:rPr lang="it-IT" sz="2000" b="1" dirty="0">
-                <a:latin typeface="Bahnschrift SemiCondensed" panose="020B0502040204020203" pitchFamily="34" charset="0"/>
-              </a:rPr>
-              <a:t>SENSITIVITY TEST </a:t>
-            </a:r>
-          </a:p>
-          <a:p>
-            <a:pPr marL="0" indent="0" algn="r">
-              <a:spcBef>
-                <a:spcPts val="0"/>
-              </a:spcBef>
-              <a:buNone/>
-            </a:pPr>
-            <a:r>
-              <a:rPr lang="it-IT" sz="6600" b="1" dirty="0">
-                <a:latin typeface="Bahnschrift SemiCondensed" panose="020B0502040204020203" pitchFamily="34" charset="0"/>
-              </a:rPr>
-              <a:t>80/100</a:t>
-            </a:r>
             <a:endParaRPr lang="it-IT" sz="7200" b="1" dirty="0">
               <a:latin typeface="Bahnschrift SemiCondensed" panose="020B0502040204020203" pitchFamily="34" charset="0"/>
             </a:endParaRPr>
@@ -5772,50 +5759,6 @@
               </a:spcBef>
               <a:buNone/>
             </a:pPr>
-            <a:r>
-              <a:rPr lang="it-IT" sz="2000" b="1" dirty="0">
-                <a:latin typeface="Bahnschrift SemiCondensed" panose="020B0502040204020203" pitchFamily="34" charset="0"/>
-              </a:rPr>
-              <a:t>PROXIMITY TEST (</a:t>
-            </a:r>
-            <a:r>
-              <a:rPr lang="it-IT" sz="2000" b="1" dirty="0" err="1">
-                <a:latin typeface="Bahnschrift SemiCondensed" panose="020B0502040204020203" pitchFamily="34" charset="0"/>
-              </a:rPr>
-              <a:t>avg</a:t>
-            </a:r>
-            <a:r>
-              <a:rPr lang="it-IT" sz="2000" b="1" dirty="0">
-                <a:latin typeface="Bahnschrift SemiCondensed" panose="020B0502040204020203" pitchFamily="34" charset="0"/>
-              </a:rPr>
-              <a:t> </a:t>
-            </a:r>
-            <a:r>
-              <a:rPr lang="it-IT" sz="2000" b="1" dirty="0" err="1">
-                <a:latin typeface="Bahnschrift SemiCondensed" panose="020B0502040204020203" pitchFamily="34" charset="0"/>
-              </a:rPr>
-              <a:t>error</a:t>
-            </a:r>
-            <a:r>
-              <a:rPr lang="it-IT" sz="2000" b="1" dirty="0">
-                <a:latin typeface="Bahnschrift SemiCondensed" panose="020B0502040204020203" pitchFamily="34" charset="0"/>
-              </a:rPr>
-              <a:t>)</a:t>
-            </a:r>
-          </a:p>
-          <a:p>
-            <a:pPr marL="0" indent="0" algn="r">
-              <a:spcBef>
-                <a:spcPts val="0"/>
-              </a:spcBef>
-              <a:buNone/>
-            </a:pPr>
-            <a:r>
-              <a:rPr lang="it-IT" sz="6600" b="1" dirty="0">
-                <a:latin typeface="Bahnschrift SemiCondensed" panose="020B0502040204020203" pitchFamily="34" charset="0"/>
-              </a:rPr>
-              <a:t>2.58</a:t>
-            </a:r>
             <a:endParaRPr lang="it-IT" sz="7200" b="1" dirty="0">
               <a:latin typeface="Bahnschrift SemiCondensed" panose="020B0502040204020203" pitchFamily="34" charset="0"/>
             </a:endParaRPr>
@@ -5825,7 +5768,7 @@
     </p:spTree>
     <p:extLst>
       <p:ext uri="{BB962C8B-B14F-4D97-AF65-F5344CB8AC3E}">
-        <p14:creationId xmlns:p14="http://schemas.microsoft.com/office/powerpoint/2010/main" val="1163381908"/>
+        <p14:creationId xmlns:p14="http://schemas.microsoft.com/office/powerpoint/2010/main" val="3639421193"/>
       </p:ext>
     </p:extLst>
   </p:cSld>
@@ -6079,20 +6022,22 @@
         </p:nvSpPr>
         <p:spPr>
           <a:xfrm>
-            <a:off x="838200" y="365125"/>
-            <a:ext cx="10515600" cy="1325563"/>
+            <a:off x="0" y="365125"/>
+            <a:ext cx="12192000" cy="1325563"/>
           </a:xfrm>
         </p:spPr>
         <p:txBody>
-          <a:bodyPr/>
+          <a:bodyPr>
+            <a:normAutofit/>
+          </a:bodyPr>
           <a:lstStyle/>
           <a:p>
             <a:pPr algn="ctr"/>
             <a:r>
-              <a:rPr lang="it-IT" b="1" dirty="0">
+              <a:rPr lang="it-IT" sz="3600" b="1" dirty="0">
                 <a:latin typeface="Bahnschrift" panose="020B0502040204020203" pitchFamily="34" charset="0"/>
               </a:rPr>
-              <a:t>FEEDBACK DD CONTROLLER</a:t>
+              <a:t>NON-LINEAR CONTROLLER - RESULTS</a:t>
             </a:r>
           </a:p>
         </p:txBody>
@@ -7029,6 +6974,4686 @@
     </p:spTree>
     <p:extLst>
       <p:ext uri="{BB962C8B-B14F-4D97-AF65-F5344CB8AC3E}">
+        <p14:creationId xmlns:p14="http://schemas.microsoft.com/office/powerpoint/2010/main" val="149656553"/>
+      </p:ext>
+    </p:extLst>
+  </p:cSld>
+  <p:clrMapOvr>
+    <a:masterClrMapping/>
+  </p:clrMapOvr>
+</p:sld>
+</file>
+
+<file path=ppt/slides/slide13.xml><?xml version="1.0" encoding="utf-8"?>
+<p:sld xmlns:a="http://schemas.openxmlformats.org/drawingml/2006/main" xmlns:r="http://schemas.openxmlformats.org/officeDocument/2006/relationships" xmlns:p="http://schemas.openxmlformats.org/presentationml/2006/main">
+  <p:cSld>
+    <p:spTree>
+      <p:nvGrpSpPr>
+        <p:cNvPr id="1" name=""/>
+        <p:cNvGrpSpPr/>
+        <p:nvPr/>
+      </p:nvGrpSpPr>
+      <p:grpSpPr>
+        <a:xfrm>
+          <a:off x="0" y="0"/>
+          <a:ext cx="0" cy="0"/>
+          <a:chOff x="0" y="0"/>
+          <a:chExt cx="0" cy="0"/>
+        </a:xfrm>
+      </p:grpSpPr>
+      <p:sp>
+        <p:nvSpPr>
+          <p:cNvPr id="12" name="Rectangle 11">
+            <a:extLst>
+              <a:ext uri="{FF2B5EF4-FFF2-40B4-BE49-F238E27FC236}">
+                <a16:creationId xmlns:a16="http://schemas.microsoft.com/office/drawing/2014/main" id="{52E79449-FA6D-BFA1-3AC3-2FF2D2669295}"/>
+              </a:ext>
+            </a:extLst>
+          </p:cNvPr>
+          <p:cNvSpPr/>
+          <p:nvPr/>
+        </p:nvSpPr>
+        <p:spPr>
+          <a:xfrm>
+            <a:off x="876300" y="381130"/>
+            <a:ext cx="10439401" cy="5816469"/>
+          </a:xfrm>
+          <a:prstGeom prst="rect">
+            <a:avLst/>
+          </a:prstGeom>
+          <a:solidFill>
+            <a:schemeClr val="bg1">
+              <a:lumMod val="95000"/>
+            </a:schemeClr>
+          </a:solidFill>
+          <a:ln>
+            <a:noFill/>
+          </a:ln>
+        </p:spPr>
+        <p:style>
+          <a:lnRef idx="2">
+            <a:schemeClr val="accent3">
+              <a:shade val="15000"/>
+            </a:schemeClr>
+          </a:lnRef>
+          <a:fillRef idx="1">
+            <a:schemeClr val="accent3"/>
+          </a:fillRef>
+          <a:effectRef idx="0">
+            <a:schemeClr val="accent3"/>
+          </a:effectRef>
+          <a:fontRef idx="minor">
+            <a:schemeClr val="lt1"/>
+          </a:fontRef>
+        </p:style>
+        <p:txBody>
+          <a:bodyPr rtlCol="0" anchor="ctr"/>
+          <a:lstStyle/>
+          <a:p>
+            <a:endParaRPr lang="en-GB" dirty="0"/>
+          </a:p>
+        </p:txBody>
+      </p:sp>
+      <p:sp>
+        <p:nvSpPr>
+          <p:cNvPr id="5" name="Rectangle 4">
+            <a:extLst>
+              <a:ext uri="{FF2B5EF4-FFF2-40B4-BE49-F238E27FC236}">
+                <a16:creationId xmlns:a16="http://schemas.microsoft.com/office/drawing/2014/main" id="{2636D39B-132B-5398-B7BB-4CD3D01E2CE1}"/>
+              </a:ext>
+            </a:extLst>
+          </p:cNvPr>
+          <p:cNvSpPr/>
+          <p:nvPr/>
+        </p:nvSpPr>
+        <p:spPr>
+          <a:xfrm rot="18900000">
+            <a:off x="-2034582" y="2237427"/>
+            <a:ext cx="11231309" cy="1943100"/>
+          </a:xfrm>
+          <a:prstGeom prst="rect">
+            <a:avLst/>
+          </a:prstGeom>
+          <a:solidFill>
+            <a:srgbClr val="F6DADB"/>
+          </a:solidFill>
+          <a:ln>
+            <a:noFill/>
+          </a:ln>
+        </p:spPr>
+        <p:style>
+          <a:lnRef idx="2">
+            <a:schemeClr val="accent1">
+              <a:shade val="15000"/>
+            </a:schemeClr>
+          </a:lnRef>
+          <a:fillRef idx="1">
+            <a:schemeClr val="accent1"/>
+          </a:fillRef>
+          <a:effectRef idx="0">
+            <a:schemeClr val="accent1"/>
+          </a:effectRef>
+          <a:fontRef idx="minor">
+            <a:schemeClr val="lt1"/>
+          </a:fontRef>
+        </p:style>
+        <p:txBody>
+          <a:bodyPr rtlCol="0" anchor="ctr"/>
+          <a:lstStyle/>
+          <a:p>
+            <a:pPr algn="ctr"/>
+            <a:endParaRPr lang="en-GB"/>
+          </a:p>
+        </p:txBody>
+      </p:sp>
+      <p:sp>
+        <p:nvSpPr>
+          <p:cNvPr id="6" name="Rectangle 5">
+            <a:extLst>
+              <a:ext uri="{FF2B5EF4-FFF2-40B4-BE49-F238E27FC236}">
+                <a16:creationId xmlns:a16="http://schemas.microsoft.com/office/drawing/2014/main" id="{41EAF67D-1EF1-6D32-FCE5-58980C4A3D00}"/>
+              </a:ext>
+            </a:extLst>
+          </p:cNvPr>
+          <p:cNvSpPr/>
+          <p:nvPr/>
+        </p:nvSpPr>
+        <p:spPr>
+          <a:xfrm rot="18900000">
+            <a:off x="-3124949" y="1190926"/>
+            <a:ext cx="10093808" cy="1943100"/>
+          </a:xfrm>
+          <a:prstGeom prst="rect">
+            <a:avLst/>
+          </a:prstGeom>
+          <a:solidFill>
+            <a:srgbClr val="E39193"/>
+          </a:solidFill>
+          <a:ln>
+            <a:noFill/>
+          </a:ln>
+        </p:spPr>
+        <p:style>
+          <a:lnRef idx="2">
+            <a:schemeClr val="accent1">
+              <a:shade val="15000"/>
+            </a:schemeClr>
+          </a:lnRef>
+          <a:fillRef idx="1">
+            <a:schemeClr val="accent1"/>
+          </a:fillRef>
+          <a:effectRef idx="0">
+            <a:schemeClr val="accent1"/>
+          </a:effectRef>
+          <a:fontRef idx="minor">
+            <a:schemeClr val="lt1"/>
+          </a:fontRef>
+        </p:style>
+        <p:txBody>
+          <a:bodyPr rtlCol="0" anchor="ctr"/>
+          <a:lstStyle/>
+          <a:p>
+            <a:pPr algn="ctr"/>
+            <a:endParaRPr lang="en-GB"/>
+          </a:p>
+        </p:txBody>
+      </p:sp>
+      <p:sp>
+        <p:nvSpPr>
+          <p:cNvPr id="4" name="Rectangle 3">
+            <a:extLst>
+              <a:ext uri="{FF2B5EF4-FFF2-40B4-BE49-F238E27FC236}">
+                <a16:creationId xmlns:a16="http://schemas.microsoft.com/office/drawing/2014/main" id="{6CDFE7D5-2689-74E7-57AD-40A94D3F7335}"/>
+              </a:ext>
+            </a:extLst>
+          </p:cNvPr>
+          <p:cNvSpPr/>
+          <p:nvPr/>
+        </p:nvSpPr>
+        <p:spPr>
+          <a:xfrm rot="18900000">
+            <a:off x="-2374508" y="-257741"/>
+            <a:ext cx="5996354" cy="1943100"/>
+          </a:xfrm>
+          <a:prstGeom prst="rect">
+            <a:avLst/>
+          </a:prstGeom>
+          <a:solidFill>
+            <a:srgbClr val="CF4548"/>
+          </a:solidFill>
+          <a:ln>
+            <a:noFill/>
+          </a:ln>
+        </p:spPr>
+        <p:style>
+          <a:lnRef idx="2">
+            <a:schemeClr val="accent1">
+              <a:shade val="15000"/>
+            </a:schemeClr>
+          </a:lnRef>
+          <a:fillRef idx="1">
+            <a:schemeClr val="accent1"/>
+          </a:fillRef>
+          <a:effectRef idx="0">
+            <a:schemeClr val="accent1"/>
+          </a:effectRef>
+          <a:fontRef idx="minor">
+            <a:schemeClr val="lt1"/>
+          </a:fontRef>
+        </p:style>
+        <p:txBody>
+          <a:bodyPr rtlCol="0" anchor="ctr"/>
+          <a:lstStyle/>
+          <a:p>
+            <a:pPr algn="ctr"/>
+            <a:endParaRPr lang="en-GB"/>
+          </a:p>
+        </p:txBody>
+      </p:sp>
+      <p:sp>
+        <p:nvSpPr>
+          <p:cNvPr id="8" name="Title 1">
+            <a:extLst>
+              <a:ext uri="{FF2B5EF4-FFF2-40B4-BE49-F238E27FC236}">
+                <a16:creationId xmlns:a16="http://schemas.microsoft.com/office/drawing/2014/main" id="{110755D4-C51E-9B71-C07D-D453901FE919}"/>
+              </a:ext>
+            </a:extLst>
+          </p:cNvPr>
+          <p:cNvSpPr>
+            <a:spLocks noGrp="1"/>
+          </p:cNvSpPr>
+          <p:nvPr>
+            <p:ph type="title"/>
+          </p:nvPr>
+        </p:nvSpPr>
+        <p:spPr>
+          <a:xfrm>
+            <a:off x="0" y="365125"/>
+            <a:ext cx="12192000" cy="1325563"/>
+          </a:xfrm>
+        </p:spPr>
+        <p:txBody>
+          <a:bodyPr>
+            <a:normAutofit/>
+          </a:bodyPr>
+          <a:lstStyle/>
+          <a:p>
+            <a:pPr algn="ctr"/>
+            <a:r>
+              <a:rPr lang="it-IT" sz="3600" b="1" dirty="0">
+                <a:latin typeface="Bahnschrift" panose="020B0502040204020203" pitchFamily="34" charset="0"/>
+              </a:rPr>
+              <a:t>SAGITTAL CONTROLLER -IMPLEMENTATION</a:t>
+            </a:r>
+          </a:p>
+        </p:txBody>
+      </p:sp>
+      <p:sp>
+        <p:nvSpPr>
+          <p:cNvPr id="3" name="Content Placeholder 2">
+            <a:extLst>
+              <a:ext uri="{FF2B5EF4-FFF2-40B4-BE49-F238E27FC236}">
+                <a16:creationId xmlns:a16="http://schemas.microsoft.com/office/drawing/2014/main" id="{D043BCFF-A03B-2A00-99CA-D1B798232891}"/>
+              </a:ext>
+            </a:extLst>
+          </p:cNvPr>
+          <p:cNvSpPr txBox="1">
+            <a:spLocks/>
+          </p:cNvSpPr>
+          <p:nvPr/>
+        </p:nvSpPr>
+        <p:spPr>
+          <a:xfrm>
+            <a:off x="6328027" y="1544015"/>
+            <a:ext cx="4864691" cy="4506598"/>
+          </a:xfrm>
+          <a:prstGeom prst="rect">
+            <a:avLst/>
+          </a:prstGeom>
+          <a:ln w="28575">
+            <a:solidFill>
+              <a:schemeClr val="tx1"/>
+            </a:solidFill>
+          </a:ln>
+        </p:spPr>
+        <p:txBody>
+          <a:bodyPr vert="horz" lIns="91440" tIns="45720" rIns="91440" bIns="45720" rtlCol="0" anchor="ctr">
+            <a:normAutofit/>
+          </a:bodyPr>
+          <a:lstStyle>
+            <a:lvl1pPr marL="228600" indent="-228600" algn="l" defTabSz="914400" rtl="0" eaLnBrk="1" latinLnBrk="0" hangingPunct="1">
+              <a:lnSpc>
+                <a:spcPct val="90000"/>
+              </a:lnSpc>
+              <a:spcBef>
+                <a:spcPts val="1000"/>
+              </a:spcBef>
+              <a:buFont typeface="Arial" panose="020B0604020202020204" pitchFamily="34" charset="0"/>
+              <a:buChar char="•"/>
+              <a:defRPr sz="2800" kern="1200">
+                <a:solidFill>
+                  <a:schemeClr val="tx1"/>
+                </a:solidFill>
+                <a:latin typeface="+mn-lt"/>
+                <a:ea typeface="+mn-ea"/>
+                <a:cs typeface="+mn-cs"/>
+              </a:defRPr>
+            </a:lvl1pPr>
+            <a:lvl2pPr marL="685800" indent="-228600" algn="l" defTabSz="914400" rtl="0" eaLnBrk="1" latinLnBrk="0" hangingPunct="1">
+              <a:lnSpc>
+                <a:spcPct val="90000"/>
+              </a:lnSpc>
+              <a:spcBef>
+                <a:spcPts val="500"/>
+              </a:spcBef>
+              <a:buFont typeface="Arial" panose="020B0604020202020204" pitchFamily="34" charset="0"/>
+              <a:buChar char="•"/>
+              <a:defRPr sz="2400" kern="1200">
+                <a:solidFill>
+                  <a:schemeClr val="tx1"/>
+                </a:solidFill>
+                <a:latin typeface="+mn-lt"/>
+                <a:ea typeface="+mn-ea"/>
+                <a:cs typeface="+mn-cs"/>
+              </a:defRPr>
+            </a:lvl2pPr>
+            <a:lvl3pPr marL="1143000" indent="-228600" algn="l" defTabSz="914400" rtl="0" eaLnBrk="1" latinLnBrk="0" hangingPunct="1">
+              <a:lnSpc>
+                <a:spcPct val="90000"/>
+              </a:lnSpc>
+              <a:spcBef>
+                <a:spcPts val="500"/>
+              </a:spcBef>
+              <a:buFont typeface="Arial" panose="020B0604020202020204" pitchFamily="34" charset="0"/>
+              <a:buChar char="•"/>
+              <a:defRPr sz="2000" kern="1200">
+                <a:solidFill>
+                  <a:schemeClr val="tx1"/>
+                </a:solidFill>
+                <a:latin typeface="+mn-lt"/>
+                <a:ea typeface="+mn-ea"/>
+                <a:cs typeface="+mn-cs"/>
+              </a:defRPr>
+            </a:lvl3pPr>
+            <a:lvl4pPr marL="1600200" indent="-228600" algn="l" defTabSz="914400" rtl="0" eaLnBrk="1" latinLnBrk="0" hangingPunct="1">
+              <a:lnSpc>
+                <a:spcPct val="90000"/>
+              </a:lnSpc>
+              <a:spcBef>
+                <a:spcPts val="500"/>
+              </a:spcBef>
+              <a:buFont typeface="Arial" panose="020B0604020202020204" pitchFamily="34" charset="0"/>
+              <a:buChar char="•"/>
+              <a:defRPr sz="1800" kern="1200">
+                <a:solidFill>
+                  <a:schemeClr val="tx1"/>
+                </a:solidFill>
+                <a:latin typeface="+mn-lt"/>
+                <a:ea typeface="+mn-ea"/>
+                <a:cs typeface="+mn-cs"/>
+              </a:defRPr>
+            </a:lvl4pPr>
+            <a:lvl5pPr marL="2057400" indent="-228600" algn="l" defTabSz="914400" rtl="0" eaLnBrk="1" latinLnBrk="0" hangingPunct="1">
+              <a:lnSpc>
+                <a:spcPct val="90000"/>
+              </a:lnSpc>
+              <a:spcBef>
+                <a:spcPts val="500"/>
+              </a:spcBef>
+              <a:buFont typeface="Arial" panose="020B0604020202020204" pitchFamily="34" charset="0"/>
+              <a:buChar char="•"/>
+              <a:defRPr sz="1800" kern="1200">
+                <a:solidFill>
+                  <a:schemeClr val="tx1"/>
+                </a:solidFill>
+                <a:latin typeface="+mn-lt"/>
+                <a:ea typeface="+mn-ea"/>
+                <a:cs typeface="+mn-cs"/>
+              </a:defRPr>
+            </a:lvl5pPr>
+            <a:lvl6pPr marL="2514600" indent="-228600" algn="l" defTabSz="914400" rtl="0" eaLnBrk="1" latinLnBrk="0" hangingPunct="1">
+              <a:lnSpc>
+                <a:spcPct val="90000"/>
+              </a:lnSpc>
+              <a:spcBef>
+                <a:spcPts val="500"/>
+              </a:spcBef>
+              <a:buFont typeface="Arial" panose="020B0604020202020204" pitchFamily="34" charset="0"/>
+              <a:buChar char="•"/>
+              <a:defRPr sz="1800" kern="1200">
+                <a:solidFill>
+                  <a:schemeClr val="tx1"/>
+                </a:solidFill>
+                <a:latin typeface="+mn-lt"/>
+                <a:ea typeface="+mn-ea"/>
+                <a:cs typeface="+mn-cs"/>
+              </a:defRPr>
+            </a:lvl6pPr>
+            <a:lvl7pPr marL="2971800" indent="-228600" algn="l" defTabSz="914400" rtl="0" eaLnBrk="1" latinLnBrk="0" hangingPunct="1">
+              <a:lnSpc>
+                <a:spcPct val="90000"/>
+              </a:lnSpc>
+              <a:spcBef>
+                <a:spcPts val="500"/>
+              </a:spcBef>
+              <a:buFont typeface="Arial" panose="020B0604020202020204" pitchFamily="34" charset="0"/>
+              <a:buChar char="•"/>
+              <a:defRPr sz="1800" kern="1200">
+                <a:solidFill>
+                  <a:schemeClr val="tx1"/>
+                </a:solidFill>
+                <a:latin typeface="+mn-lt"/>
+                <a:ea typeface="+mn-ea"/>
+                <a:cs typeface="+mn-cs"/>
+              </a:defRPr>
+            </a:lvl7pPr>
+            <a:lvl8pPr marL="3429000" indent="-228600" algn="l" defTabSz="914400" rtl="0" eaLnBrk="1" latinLnBrk="0" hangingPunct="1">
+              <a:lnSpc>
+                <a:spcPct val="90000"/>
+              </a:lnSpc>
+              <a:spcBef>
+                <a:spcPts val="500"/>
+              </a:spcBef>
+              <a:buFont typeface="Arial" panose="020B0604020202020204" pitchFamily="34" charset="0"/>
+              <a:buChar char="•"/>
+              <a:defRPr sz="1800" kern="1200">
+                <a:solidFill>
+                  <a:schemeClr val="tx1"/>
+                </a:solidFill>
+                <a:latin typeface="+mn-lt"/>
+                <a:ea typeface="+mn-ea"/>
+                <a:cs typeface="+mn-cs"/>
+              </a:defRPr>
+            </a:lvl8pPr>
+            <a:lvl9pPr marL="3886200" indent="-228600" algn="l" defTabSz="914400" rtl="0" eaLnBrk="1" latinLnBrk="0" hangingPunct="1">
+              <a:lnSpc>
+                <a:spcPct val="90000"/>
+              </a:lnSpc>
+              <a:spcBef>
+                <a:spcPts val="500"/>
+              </a:spcBef>
+              <a:buFont typeface="Arial" panose="020B0604020202020204" pitchFamily="34" charset="0"/>
+              <a:buChar char="•"/>
+              <a:defRPr sz="1800" kern="1200">
+                <a:solidFill>
+                  <a:schemeClr val="tx1"/>
+                </a:solidFill>
+                <a:latin typeface="+mn-lt"/>
+                <a:ea typeface="+mn-ea"/>
+                <a:cs typeface="+mn-cs"/>
+              </a:defRPr>
+            </a:lvl9pPr>
+          </a:lstStyle>
+          <a:p>
+            <a:pPr marL="0" indent="0">
+              <a:buNone/>
+            </a:pPr>
+            <a:r>
+              <a:rPr lang="it-IT" sz="2000" b="1" dirty="0">
+                <a:latin typeface="Bahnschrift SemiCondensed" panose="020B0502040204020203" pitchFamily="34" charset="0"/>
+              </a:rPr>
+              <a:t>Controller </a:t>
+            </a:r>
+            <a:r>
+              <a:rPr lang="it-IT" sz="2000" b="1" dirty="0" err="1">
+                <a:latin typeface="Bahnschrift SemiCondensed" panose="020B0502040204020203" pitchFamily="34" charset="0"/>
+              </a:rPr>
+              <a:t>scheme</a:t>
+            </a:r>
+            <a:r>
+              <a:rPr lang="it-IT" sz="2000" b="1" dirty="0">
+                <a:latin typeface="Bahnschrift SemiCondensed" panose="020B0502040204020203" pitchFamily="34" charset="0"/>
+              </a:rPr>
+              <a:t>/</a:t>
+            </a:r>
+            <a:r>
+              <a:rPr lang="it-IT" sz="2000" b="1" dirty="0" err="1">
+                <a:latin typeface="Bahnschrift SemiCondensed" panose="020B0502040204020203" pitchFamily="34" charset="0"/>
+              </a:rPr>
+              <a:t>formulas</a:t>
+            </a:r>
+            <a:endParaRPr lang="it-IT" sz="2000" dirty="0">
+              <a:latin typeface="Bahnschrift SemiCondensed" panose="020B0502040204020203" pitchFamily="34" charset="0"/>
+            </a:endParaRPr>
+          </a:p>
+        </p:txBody>
+      </p:sp>
+      <p:sp>
+        <p:nvSpPr>
+          <p:cNvPr id="7" name="Content Placeholder 2">
+            <a:extLst>
+              <a:ext uri="{FF2B5EF4-FFF2-40B4-BE49-F238E27FC236}">
+                <a16:creationId xmlns:a16="http://schemas.microsoft.com/office/drawing/2014/main" id="{D2E4881A-30C6-6AA1-366D-4FCAEE820166}"/>
+              </a:ext>
+            </a:extLst>
+          </p:cNvPr>
+          <p:cNvSpPr txBox="1">
+            <a:spLocks/>
+          </p:cNvSpPr>
+          <p:nvPr/>
+        </p:nvSpPr>
+        <p:spPr>
+          <a:xfrm>
+            <a:off x="1370843" y="1544015"/>
+            <a:ext cx="3974832" cy="1355961"/>
+          </a:xfrm>
+          <a:prstGeom prst="rect">
+            <a:avLst/>
+          </a:prstGeom>
+          <a:ln w="28575">
+            <a:solidFill>
+              <a:schemeClr val="tx1"/>
+            </a:solidFill>
+          </a:ln>
+        </p:spPr>
+        <p:txBody>
+          <a:bodyPr vert="horz" lIns="91440" tIns="45720" rIns="91440" bIns="45720" rtlCol="0" anchor="ctr">
+            <a:normAutofit/>
+          </a:bodyPr>
+          <a:lstStyle>
+            <a:lvl1pPr marL="228600" indent="-228600" algn="l" defTabSz="914400" rtl="0" eaLnBrk="1" latinLnBrk="0" hangingPunct="1">
+              <a:lnSpc>
+                <a:spcPct val="90000"/>
+              </a:lnSpc>
+              <a:spcBef>
+                <a:spcPts val="1000"/>
+              </a:spcBef>
+              <a:buFont typeface="Arial" panose="020B0604020202020204" pitchFamily="34" charset="0"/>
+              <a:buChar char="•"/>
+              <a:defRPr sz="2800" kern="1200">
+                <a:solidFill>
+                  <a:schemeClr val="tx1"/>
+                </a:solidFill>
+                <a:latin typeface="+mn-lt"/>
+                <a:ea typeface="+mn-ea"/>
+                <a:cs typeface="+mn-cs"/>
+              </a:defRPr>
+            </a:lvl1pPr>
+            <a:lvl2pPr marL="685800" indent="-228600" algn="l" defTabSz="914400" rtl="0" eaLnBrk="1" latinLnBrk="0" hangingPunct="1">
+              <a:lnSpc>
+                <a:spcPct val="90000"/>
+              </a:lnSpc>
+              <a:spcBef>
+                <a:spcPts val="500"/>
+              </a:spcBef>
+              <a:buFont typeface="Arial" panose="020B0604020202020204" pitchFamily="34" charset="0"/>
+              <a:buChar char="•"/>
+              <a:defRPr sz="2400" kern="1200">
+                <a:solidFill>
+                  <a:schemeClr val="tx1"/>
+                </a:solidFill>
+                <a:latin typeface="+mn-lt"/>
+                <a:ea typeface="+mn-ea"/>
+                <a:cs typeface="+mn-cs"/>
+              </a:defRPr>
+            </a:lvl2pPr>
+            <a:lvl3pPr marL="1143000" indent="-228600" algn="l" defTabSz="914400" rtl="0" eaLnBrk="1" latinLnBrk="0" hangingPunct="1">
+              <a:lnSpc>
+                <a:spcPct val="90000"/>
+              </a:lnSpc>
+              <a:spcBef>
+                <a:spcPts val="500"/>
+              </a:spcBef>
+              <a:buFont typeface="Arial" panose="020B0604020202020204" pitchFamily="34" charset="0"/>
+              <a:buChar char="•"/>
+              <a:defRPr sz="2000" kern="1200">
+                <a:solidFill>
+                  <a:schemeClr val="tx1"/>
+                </a:solidFill>
+                <a:latin typeface="+mn-lt"/>
+                <a:ea typeface="+mn-ea"/>
+                <a:cs typeface="+mn-cs"/>
+              </a:defRPr>
+            </a:lvl3pPr>
+            <a:lvl4pPr marL="1600200" indent="-228600" algn="l" defTabSz="914400" rtl="0" eaLnBrk="1" latinLnBrk="0" hangingPunct="1">
+              <a:lnSpc>
+                <a:spcPct val="90000"/>
+              </a:lnSpc>
+              <a:spcBef>
+                <a:spcPts val="500"/>
+              </a:spcBef>
+              <a:buFont typeface="Arial" panose="020B0604020202020204" pitchFamily="34" charset="0"/>
+              <a:buChar char="•"/>
+              <a:defRPr sz="1800" kern="1200">
+                <a:solidFill>
+                  <a:schemeClr val="tx1"/>
+                </a:solidFill>
+                <a:latin typeface="+mn-lt"/>
+                <a:ea typeface="+mn-ea"/>
+                <a:cs typeface="+mn-cs"/>
+              </a:defRPr>
+            </a:lvl4pPr>
+            <a:lvl5pPr marL="2057400" indent="-228600" algn="l" defTabSz="914400" rtl="0" eaLnBrk="1" latinLnBrk="0" hangingPunct="1">
+              <a:lnSpc>
+                <a:spcPct val="90000"/>
+              </a:lnSpc>
+              <a:spcBef>
+                <a:spcPts val="500"/>
+              </a:spcBef>
+              <a:buFont typeface="Arial" panose="020B0604020202020204" pitchFamily="34" charset="0"/>
+              <a:buChar char="•"/>
+              <a:defRPr sz="1800" kern="1200">
+                <a:solidFill>
+                  <a:schemeClr val="tx1"/>
+                </a:solidFill>
+                <a:latin typeface="+mn-lt"/>
+                <a:ea typeface="+mn-ea"/>
+                <a:cs typeface="+mn-cs"/>
+              </a:defRPr>
+            </a:lvl5pPr>
+            <a:lvl6pPr marL="2514600" indent="-228600" algn="l" defTabSz="914400" rtl="0" eaLnBrk="1" latinLnBrk="0" hangingPunct="1">
+              <a:lnSpc>
+                <a:spcPct val="90000"/>
+              </a:lnSpc>
+              <a:spcBef>
+                <a:spcPts val="500"/>
+              </a:spcBef>
+              <a:buFont typeface="Arial" panose="020B0604020202020204" pitchFamily="34" charset="0"/>
+              <a:buChar char="•"/>
+              <a:defRPr sz="1800" kern="1200">
+                <a:solidFill>
+                  <a:schemeClr val="tx1"/>
+                </a:solidFill>
+                <a:latin typeface="+mn-lt"/>
+                <a:ea typeface="+mn-ea"/>
+                <a:cs typeface="+mn-cs"/>
+              </a:defRPr>
+            </a:lvl6pPr>
+            <a:lvl7pPr marL="2971800" indent="-228600" algn="l" defTabSz="914400" rtl="0" eaLnBrk="1" latinLnBrk="0" hangingPunct="1">
+              <a:lnSpc>
+                <a:spcPct val="90000"/>
+              </a:lnSpc>
+              <a:spcBef>
+                <a:spcPts val="500"/>
+              </a:spcBef>
+              <a:buFont typeface="Arial" panose="020B0604020202020204" pitchFamily="34" charset="0"/>
+              <a:buChar char="•"/>
+              <a:defRPr sz="1800" kern="1200">
+                <a:solidFill>
+                  <a:schemeClr val="tx1"/>
+                </a:solidFill>
+                <a:latin typeface="+mn-lt"/>
+                <a:ea typeface="+mn-ea"/>
+                <a:cs typeface="+mn-cs"/>
+              </a:defRPr>
+            </a:lvl7pPr>
+            <a:lvl8pPr marL="3429000" indent="-228600" algn="l" defTabSz="914400" rtl="0" eaLnBrk="1" latinLnBrk="0" hangingPunct="1">
+              <a:lnSpc>
+                <a:spcPct val="90000"/>
+              </a:lnSpc>
+              <a:spcBef>
+                <a:spcPts val="500"/>
+              </a:spcBef>
+              <a:buFont typeface="Arial" panose="020B0604020202020204" pitchFamily="34" charset="0"/>
+              <a:buChar char="•"/>
+              <a:defRPr sz="1800" kern="1200">
+                <a:solidFill>
+                  <a:schemeClr val="tx1"/>
+                </a:solidFill>
+                <a:latin typeface="+mn-lt"/>
+                <a:ea typeface="+mn-ea"/>
+                <a:cs typeface="+mn-cs"/>
+              </a:defRPr>
+            </a:lvl8pPr>
+            <a:lvl9pPr marL="3886200" indent="-228600" algn="l" defTabSz="914400" rtl="0" eaLnBrk="1" latinLnBrk="0" hangingPunct="1">
+              <a:lnSpc>
+                <a:spcPct val="90000"/>
+              </a:lnSpc>
+              <a:spcBef>
+                <a:spcPts val="500"/>
+              </a:spcBef>
+              <a:buFont typeface="Arial" panose="020B0604020202020204" pitchFamily="34" charset="0"/>
+              <a:buChar char="•"/>
+              <a:defRPr sz="1800" kern="1200">
+                <a:solidFill>
+                  <a:schemeClr val="tx1"/>
+                </a:solidFill>
+                <a:latin typeface="+mn-lt"/>
+                <a:ea typeface="+mn-ea"/>
+                <a:cs typeface="+mn-cs"/>
+              </a:defRPr>
+            </a:lvl9pPr>
+          </a:lstStyle>
+          <a:p>
+            <a:pPr marL="0" indent="0">
+              <a:spcBef>
+                <a:spcPts val="0"/>
+              </a:spcBef>
+              <a:buNone/>
+            </a:pPr>
+            <a:endParaRPr lang="it-IT" sz="7200" b="1" dirty="0">
+              <a:latin typeface="Bahnschrift SemiCondensed" panose="020B0502040204020203" pitchFamily="34" charset="0"/>
+            </a:endParaRPr>
+          </a:p>
+        </p:txBody>
+      </p:sp>
+      <p:sp>
+        <p:nvSpPr>
+          <p:cNvPr id="9" name="Content Placeholder 2">
+            <a:extLst>
+              <a:ext uri="{FF2B5EF4-FFF2-40B4-BE49-F238E27FC236}">
+                <a16:creationId xmlns:a16="http://schemas.microsoft.com/office/drawing/2014/main" id="{DE754ABA-4B90-B483-5295-069CEDBD8359}"/>
+              </a:ext>
+            </a:extLst>
+          </p:cNvPr>
+          <p:cNvSpPr txBox="1">
+            <a:spLocks/>
+          </p:cNvSpPr>
+          <p:nvPr/>
+        </p:nvSpPr>
+        <p:spPr>
+          <a:xfrm>
+            <a:off x="2202813" y="3137814"/>
+            <a:ext cx="3974832" cy="1355961"/>
+          </a:xfrm>
+          <a:prstGeom prst="rect">
+            <a:avLst/>
+          </a:prstGeom>
+          <a:ln w="28575">
+            <a:solidFill>
+              <a:schemeClr val="tx1"/>
+            </a:solidFill>
+          </a:ln>
+        </p:spPr>
+        <p:txBody>
+          <a:bodyPr vert="horz" lIns="91440" tIns="45720" rIns="91440" bIns="45720" rtlCol="0" anchor="ctr">
+            <a:normAutofit/>
+          </a:bodyPr>
+          <a:lstStyle>
+            <a:lvl1pPr marL="228600" indent="-228600" algn="l" defTabSz="914400" rtl="0" eaLnBrk="1" latinLnBrk="0" hangingPunct="1">
+              <a:lnSpc>
+                <a:spcPct val="90000"/>
+              </a:lnSpc>
+              <a:spcBef>
+                <a:spcPts val="1000"/>
+              </a:spcBef>
+              <a:buFont typeface="Arial" panose="020B0604020202020204" pitchFamily="34" charset="0"/>
+              <a:buChar char="•"/>
+              <a:defRPr sz="2800" kern="1200">
+                <a:solidFill>
+                  <a:schemeClr val="tx1"/>
+                </a:solidFill>
+                <a:latin typeface="+mn-lt"/>
+                <a:ea typeface="+mn-ea"/>
+                <a:cs typeface="+mn-cs"/>
+              </a:defRPr>
+            </a:lvl1pPr>
+            <a:lvl2pPr marL="685800" indent="-228600" algn="l" defTabSz="914400" rtl="0" eaLnBrk="1" latinLnBrk="0" hangingPunct="1">
+              <a:lnSpc>
+                <a:spcPct val="90000"/>
+              </a:lnSpc>
+              <a:spcBef>
+                <a:spcPts val="500"/>
+              </a:spcBef>
+              <a:buFont typeface="Arial" panose="020B0604020202020204" pitchFamily="34" charset="0"/>
+              <a:buChar char="•"/>
+              <a:defRPr sz="2400" kern="1200">
+                <a:solidFill>
+                  <a:schemeClr val="tx1"/>
+                </a:solidFill>
+                <a:latin typeface="+mn-lt"/>
+                <a:ea typeface="+mn-ea"/>
+                <a:cs typeface="+mn-cs"/>
+              </a:defRPr>
+            </a:lvl2pPr>
+            <a:lvl3pPr marL="1143000" indent="-228600" algn="l" defTabSz="914400" rtl="0" eaLnBrk="1" latinLnBrk="0" hangingPunct="1">
+              <a:lnSpc>
+                <a:spcPct val="90000"/>
+              </a:lnSpc>
+              <a:spcBef>
+                <a:spcPts val="500"/>
+              </a:spcBef>
+              <a:buFont typeface="Arial" panose="020B0604020202020204" pitchFamily="34" charset="0"/>
+              <a:buChar char="•"/>
+              <a:defRPr sz="2000" kern="1200">
+                <a:solidFill>
+                  <a:schemeClr val="tx1"/>
+                </a:solidFill>
+                <a:latin typeface="+mn-lt"/>
+                <a:ea typeface="+mn-ea"/>
+                <a:cs typeface="+mn-cs"/>
+              </a:defRPr>
+            </a:lvl3pPr>
+            <a:lvl4pPr marL="1600200" indent="-228600" algn="l" defTabSz="914400" rtl="0" eaLnBrk="1" latinLnBrk="0" hangingPunct="1">
+              <a:lnSpc>
+                <a:spcPct val="90000"/>
+              </a:lnSpc>
+              <a:spcBef>
+                <a:spcPts val="500"/>
+              </a:spcBef>
+              <a:buFont typeface="Arial" panose="020B0604020202020204" pitchFamily="34" charset="0"/>
+              <a:buChar char="•"/>
+              <a:defRPr sz="1800" kern="1200">
+                <a:solidFill>
+                  <a:schemeClr val="tx1"/>
+                </a:solidFill>
+                <a:latin typeface="+mn-lt"/>
+                <a:ea typeface="+mn-ea"/>
+                <a:cs typeface="+mn-cs"/>
+              </a:defRPr>
+            </a:lvl4pPr>
+            <a:lvl5pPr marL="2057400" indent="-228600" algn="l" defTabSz="914400" rtl="0" eaLnBrk="1" latinLnBrk="0" hangingPunct="1">
+              <a:lnSpc>
+                <a:spcPct val="90000"/>
+              </a:lnSpc>
+              <a:spcBef>
+                <a:spcPts val="500"/>
+              </a:spcBef>
+              <a:buFont typeface="Arial" panose="020B0604020202020204" pitchFamily="34" charset="0"/>
+              <a:buChar char="•"/>
+              <a:defRPr sz="1800" kern="1200">
+                <a:solidFill>
+                  <a:schemeClr val="tx1"/>
+                </a:solidFill>
+                <a:latin typeface="+mn-lt"/>
+                <a:ea typeface="+mn-ea"/>
+                <a:cs typeface="+mn-cs"/>
+              </a:defRPr>
+            </a:lvl5pPr>
+            <a:lvl6pPr marL="2514600" indent="-228600" algn="l" defTabSz="914400" rtl="0" eaLnBrk="1" latinLnBrk="0" hangingPunct="1">
+              <a:lnSpc>
+                <a:spcPct val="90000"/>
+              </a:lnSpc>
+              <a:spcBef>
+                <a:spcPts val="500"/>
+              </a:spcBef>
+              <a:buFont typeface="Arial" panose="020B0604020202020204" pitchFamily="34" charset="0"/>
+              <a:buChar char="•"/>
+              <a:defRPr sz="1800" kern="1200">
+                <a:solidFill>
+                  <a:schemeClr val="tx1"/>
+                </a:solidFill>
+                <a:latin typeface="+mn-lt"/>
+                <a:ea typeface="+mn-ea"/>
+                <a:cs typeface="+mn-cs"/>
+              </a:defRPr>
+            </a:lvl6pPr>
+            <a:lvl7pPr marL="2971800" indent="-228600" algn="l" defTabSz="914400" rtl="0" eaLnBrk="1" latinLnBrk="0" hangingPunct="1">
+              <a:lnSpc>
+                <a:spcPct val="90000"/>
+              </a:lnSpc>
+              <a:spcBef>
+                <a:spcPts val="500"/>
+              </a:spcBef>
+              <a:buFont typeface="Arial" panose="020B0604020202020204" pitchFamily="34" charset="0"/>
+              <a:buChar char="•"/>
+              <a:defRPr sz="1800" kern="1200">
+                <a:solidFill>
+                  <a:schemeClr val="tx1"/>
+                </a:solidFill>
+                <a:latin typeface="+mn-lt"/>
+                <a:ea typeface="+mn-ea"/>
+                <a:cs typeface="+mn-cs"/>
+              </a:defRPr>
+            </a:lvl7pPr>
+            <a:lvl8pPr marL="3429000" indent="-228600" algn="l" defTabSz="914400" rtl="0" eaLnBrk="1" latinLnBrk="0" hangingPunct="1">
+              <a:lnSpc>
+                <a:spcPct val="90000"/>
+              </a:lnSpc>
+              <a:spcBef>
+                <a:spcPts val="500"/>
+              </a:spcBef>
+              <a:buFont typeface="Arial" panose="020B0604020202020204" pitchFamily="34" charset="0"/>
+              <a:buChar char="•"/>
+              <a:defRPr sz="1800" kern="1200">
+                <a:solidFill>
+                  <a:schemeClr val="tx1"/>
+                </a:solidFill>
+                <a:latin typeface="+mn-lt"/>
+                <a:ea typeface="+mn-ea"/>
+                <a:cs typeface="+mn-cs"/>
+              </a:defRPr>
+            </a:lvl8pPr>
+            <a:lvl9pPr marL="3886200" indent="-228600" algn="l" defTabSz="914400" rtl="0" eaLnBrk="1" latinLnBrk="0" hangingPunct="1">
+              <a:lnSpc>
+                <a:spcPct val="90000"/>
+              </a:lnSpc>
+              <a:spcBef>
+                <a:spcPts val="500"/>
+              </a:spcBef>
+              <a:buFont typeface="Arial" panose="020B0604020202020204" pitchFamily="34" charset="0"/>
+              <a:buChar char="•"/>
+              <a:defRPr sz="1800" kern="1200">
+                <a:solidFill>
+                  <a:schemeClr val="tx1"/>
+                </a:solidFill>
+                <a:latin typeface="+mn-lt"/>
+                <a:ea typeface="+mn-ea"/>
+                <a:cs typeface="+mn-cs"/>
+              </a:defRPr>
+            </a:lvl9pPr>
+          </a:lstStyle>
+          <a:p>
+            <a:pPr marL="0" indent="0">
+              <a:spcBef>
+                <a:spcPts val="0"/>
+              </a:spcBef>
+              <a:buNone/>
+            </a:pPr>
+            <a:endParaRPr lang="it-IT" sz="7200" b="1" dirty="0">
+              <a:latin typeface="Bahnschrift SemiCondensed" panose="020B0502040204020203" pitchFamily="34" charset="0"/>
+            </a:endParaRPr>
+          </a:p>
+        </p:txBody>
+      </p:sp>
+      <p:sp>
+        <p:nvSpPr>
+          <p:cNvPr id="10" name="Content Placeholder 2">
+            <a:extLst>
+              <a:ext uri="{FF2B5EF4-FFF2-40B4-BE49-F238E27FC236}">
+                <a16:creationId xmlns:a16="http://schemas.microsoft.com/office/drawing/2014/main" id="{3F30862F-AE1F-34BE-1F57-7797DC41BCB4}"/>
+              </a:ext>
+            </a:extLst>
+          </p:cNvPr>
+          <p:cNvSpPr txBox="1">
+            <a:spLocks/>
+          </p:cNvSpPr>
+          <p:nvPr/>
+        </p:nvSpPr>
+        <p:spPr>
+          <a:xfrm>
+            <a:off x="1370843" y="4694652"/>
+            <a:ext cx="3974832" cy="1355961"/>
+          </a:xfrm>
+          <a:prstGeom prst="rect">
+            <a:avLst/>
+          </a:prstGeom>
+          <a:ln w="28575">
+            <a:solidFill>
+              <a:schemeClr val="tx1"/>
+            </a:solidFill>
+          </a:ln>
+        </p:spPr>
+        <p:txBody>
+          <a:bodyPr vert="horz" lIns="91440" tIns="45720" rIns="91440" bIns="45720" rtlCol="0" anchor="ctr">
+            <a:normAutofit/>
+          </a:bodyPr>
+          <a:lstStyle>
+            <a:lvl1pPr marL="228600" indent="-228600" algn="l" defTabSz="914400" rtl="0" eaLnBrk="1" latinLnBrk="0" hangingPunct="1">
+              <a:lnSpc>
+                <a:spcPct val="90000"/>
+              </a:lnSpc>
+              <a:spcBef>
+                <a:spcPts val="1000"/>
+              </a:spcBef>
+              <a:buFont typeface="Arial" panose="020B0604020202020204" pitchFamily="34" charset="0"/>
+              <a:buChar char="•"/>
+              <a:defRPr sz="2800" kern="1200">
+                <a:solidFill>
+                  <a:schemeClr val="tx1"/>
+                </a:solidFill>
+                <a:latin typeface="+mn-lt"/>
+                <a:ea typeface="+mn-ea"/>
+                <a:cs typeface="+mn-cs"/>
+              </a:defRPr>
+            </a:lvl1pPr>
+            <a:lvl2pPr marL="685800" indent="-228600" algn="l" defTabSz="914400" rtl="0" eaLnBrk="1" latinLnBrk="0" hangingPunct="1">
+              <a:lnSpc>
+                <a:spcPct val="90000"/>
+              </a:lnSpc>
+              <a:spcBef>
+                <a:spcPts val="500"/>
+              </a:spcBef>
+              <a:buFont typeface="Arial" panose="020B0604020202020204" pitchFamily="34" charset="0"/>
+              <a:buChar char="•"/>
+              <a:defRPr sz="2400" kern="1200">
+                <a:solidFill>
+                  <a:schemeClr val="tx1"/>
+                </a:solidFill>
+                <a:latin typeface="+mn-lt"/>
+                <a:ea typeface="+mn-ea"/>
+                <a:cs typeface="+mn-cs"/>
+              </a:defRPr>
+            </a:lvl2pPr>
+            <a:lvl3pPr marL="1143000" indent="-228600" algn="l" defTabSz="914400" rtl="0" eaLnBrk="1" latinLnBrk="0" hangingPunct="1">
+              <a:lnSpc>
+                <a:spcPct val="90000"/>
+              </a:lnSpc>
+              <a:spcBef>
+                <a:spcPts val="500"/>
+              </a:spcBef>
+              <a:buFont typeface="Arial" panose="020B0604020202020204" pitchFamily="34" charset="0"/>
+              <a:buChar char="•"/>
+              <a:defRPr sz="2000" kern="1200">
+                <a:solidFill>
+                  <a:schemeClr val="tx1"/>
+                </a:solidFill>
+                <a:latin typeface="+mn-lt"/>
+                <a:ea typeface="+mn-ea"/>
+                <a:cs typeface="+mn-cs"/>
+              </a:defRPr>
+            </a:lvl3pPr>
+            <a:lvl4pPr marL="1600200" indent="-228600" algn="l" defTabSz="914400" rtl="0" eaLnBrk="1" latinLnBrk="0" hangingPunct="1">
+              <a:lnSpc>
+                <a:spcPct val="90000"/>
+              </a:lnSpc>
+              <a:spcBef>
+                <a:spcPts val="500"/>
+              </a:spcBef>
+              <a:buFont typeface="Arial" panose="020B0604020202020204" pitchFamily="34" charset="0"/>
+              <a:buChar char="•"/>
+              <a:defRPr sz="1800" kern="1200">
+                <a:solidFill>
+                  <a:schemeClr val="tx1"/>
+                </a:solidFill>
+                <a:latin typeface="+mn-lt"/>
+                <a:ea typeface="+mn-ea"/>
+                <a:cs typeface="+mn-cs"/>
+              </a:defRPr>
+            </a:lvl4pPr>
+            <a:lvl5pPr marL="2057400" indent="-228600" algn="l" defTabSz="914400" rtl="0" eaLnBrk="1" latinLnBrk="0" hangingPunct="1">
+              <a:lnSpc>
+                <a:spcPct val="90000"/>
+              </a:lnSpc>
+              <a:spcBef>
+                <a:spcPts val="500"/>
+              </a:spcBef>
+              <a:buFont typeface="Arial" panose="020B0604020202020204" pitchFamily="34" charset="0"/>
+              <a:buChar char="•"/>
+              <a:defRPr sz="1800" kern="1200">
+                <a:solidFill>
+                  <a:schemeClr val="tx1"/>
+                </a:solidFill>
+                <a:latin typeface="+mn-lt"/>
+                <a:ea typeface="+mn-ea"/>
+                <a:cs typeface="+mn-cs"/>
+              </a:defRPr>
+            </a:lvl5pPr>
+            <a:lvl6pPr marL="2514600" indent="-228600" algn="l" defTabSz="914400" rtl="0" eaLnBrk="1" latinLnBrk="0" hangingPunct="1">
+              <a:lnSpc>
+                <a:spcPct val="90000"/>
+              </a:lnSpc>
+              <a:spcBef>
+                <a:spcPts val="500"/>
+              </a:spcBef>
+              <a:buFont typeface="Arial" panose="020B0604020202020204" pitchFamily="34" charset="0"/>
+              <a:buChar char="•"/>
+              <a:defRPr sz="1800" kern="1200">
+                <a:solidFill>
+                  <a:schemeClr val="tx1"/>
+                </a:solidFill>
+                <a:latin typeface="+mn-lt"/>
+                <a:ea typeface="+mn-ea"/>
+                <a:cs typeface="+mn-cs"/>
+              </a:defRPr>
+            </a:lvl6pPr>
+            <a:lvl7pPr marL="2971800" indent="-228600" algn="l" defTabSz="914400" rtl="0" eaLnBrk="1" latinLnBrk="0" hangingPunct="1">
+              <a:lnSpc>
+                <a:spcPct val="90000"/>
+              </a:lnSpc>
+              <a:spcBef>
+                <a:spcPts val="500"/>
+              </a:spcBef>
+              <a:buFont typeface="Arial" panose="020B0604020202020204" pitchFamily="34" charset="0"/>
+              <a:buChar char="•"/>
+              <a:defRPr sz="1800" kern="1200">
+                <a:solidFill>
+                  <a:schemeClr val="tx1"/>
+                </a:solidFill>
+                <a:latin typeface="+mn-lt"/>
+                <a:ea typeface="+mn-ea"/>
+                <a:cs typeface="+mn-cs"/>
+              </a:defRPr>
+            </a:lvl7pPr>
+            <a:lvl8pPr marL="3429000" indent="-228600" algn="l" defTabSz="914400" rtl="0" eaLnBrk="1" latinLnBrk="0" hangingPunct="1">
+              <a:lnSpc>
+                <a:spcPct val="90000"/>
+              </a:lnSpc>
+              <a:spcBef>
+                <a:spcPts val="500"/>
+              </a:spcBef>
+              <a:buFont typeface="Arial" panose="020B0604020202020204" pitchFamily="34" charset="0"/>
+              <a:buChar char="•"/>
+              <a:defRPr sz="1800" kern="1200">
+                <a:solidFill>
+                  <a:schemeClr val="tx1"/>
+                </a:solidFill>
+                <a:latin typeface="+mn-lt"/>
+                <a:ea typeface="+mn-ea"/>
+                <a:cs typeface="+mn-cs"/>
+              </a:defRPr>
+            </a:lvl8pPr>
+            <a:lvl9pPr marL="3886200" indent="-228600" algn="l" defTabSz="914400" rtl="0" eaLnBrk="1" latinLnBrk="0" hangingPunct="1">
+              <a:lnSpc>
+                <a:spcPct val="90000"/>
+              </a:lnSpc>
+              <a:spcBef>
+                <a:spcPts val="500"/>
+              </a:spcBef>
+              <a:buFont typeface="Arial" panose="020B0604020202020204" pitchFamily="34" charset="0"/>
+              <a:buChar char="•"/>
+              <a:defRPr sz="1800" kern="1200">
+                <a:solidFill>
+                  <a:schemeClr val="tx1"/>
+                </a:solidFill>
+                <a:latin typeface="+mn-lt"/>
+                <a:ea typeface="+mn-ea"/>
+                <a:cs typeface="+mn-cs"/>
+              </a:defRPr>
+            </a:lvl9pPr>
+          </a:lstStyle>
+          <a:p>
+            <a:pPr marL="0" indent="0">
+              <a:spcBef>
+                <a:spcPts val="0"/>
+              </a:spcBef>
+              <a:buNone/>
+            </a:pPr>
+            <a:endParaRPr lang="it-IT" sz="7200" b="1" dirty="0">
+              <a:latin typeface="Bahnschrift SemiCondensed" panose="020B0502040204020203" pitchFamily="34" charset="0"/>
+            </a:endParaRPr>
+          </a:p>
+        </p:txBody>
+      </p:sp>
+    </p:spTree>
+    <p:extLst>
+      <p:ext uri="{BB962C8B-B14F-4D97-AF65-F5344CB8AC3E}">
+        <p14:creationId xmlns:p14="http://schemas.microsoft.com/office/powerpoint/2010/main" val="2384189624"/>
+      </p:ext>
+    </p:extLst>
+  </p:cSld>
+  <p:clrMapOvr>
+    <a:masterClrMapping/>
+  </p:clrMapOvr>
+</p:sld>
+</file>
+
+<file path=ppt/slides/slide14.xml><?xml version="1.0" encoding="utf-8"?>
+<p:sld xmlns:a="http://schemas.openxmlformats.org/drawingml/2006/main" xmlns:r="http://schemas.openxmlformats.org/officeDocument/2006/relationships" xmlns:p="http://schemas.openxmlformats.org/presentationml/2006/main">
+  <p:cSld>
+    <p:spTree>
+      <p:nvGrpSpPr>
+        <p:cNvPr id="1" name=""/>
+        <p:cNvGrpSpPr/>
+        <p:nvPr/>
+      </p:nvGrpSpPr>
+      <p:grpSpPr>
+        <a:xfrm>
+          <a:off x="0" y="0"/>
+          <a:ext cx="0" cy="0"/>
+          <a:chOff x="0" y="0"/>
+          <a:chExt cx="0" cy="0"/>
+        </a:xfrm>
+      </p:grpSpPr>
+      <p:sp>
+        <p:nvSpPr>
+          <p:cNvPr id="12" name="Rectangle 11">
+            <a:extLst>
+              <a:ext uri="{FF2B5EF4-FFF2-40B4-BE49-F238E27FC236}">
+                <a16:creationId xmlns:a16="http://schemas.microsoft.com/office/drawing/2014/main" id="{52E79449-FA6D-BFA1-3AC3-2FF2D2669295}"/>
+              </a:ext>
+            </a:extLst>
+          </p:cNvPr>
+          <p:cNvSpPr/>
+          <p:nvPr/>
+        </p:nvSpPr>
+        <p:spPr>
+          <a:xfrm>
+            <a:off x="876300" y="381130"/>
+            <a:ext cx="10439401" cy="5816469"/>
+          </a:xfrm>
+          <a:prstGeom prst="rect">
+            <a:avLst/>
+          </a:prstGeom>
+          <a:solidFill>
+            <a:schemeClr val="bg1">
+              <a:lumMod val="95000"/>
+            </a:schemeClr>
+          </a:solidFill>
+          <a:ln>
+            <a:noFill/>
+          </a:ln>
+        </p:spPr>
+        <p:style>
+          <a:lnRef idx="2">
+            <a:schemeClr val="accent3">
+              <a:shade val="15000"/>
+            </a:schemeClr>
+          </a:lnRef>
+          <a:fillRef idx="1">
+            <a:schemeClr val="accent3"/>
+          </a:fillRef>
+          <a:effectRef idx="0">
+            <a:schemeClr val="accent3"/>
+          </a:effectRef>
+          <a:fontRef idx="minor">
+            <a:schemeClr val="lt1"/>
+          </a:fontRef>
+        </p:style>
+        <p:txBody>
+          <a:bodyPr rtlCol="0" anchor="ctr"/>
+          <a:lstStyle/>
+          <a:p>
+            <a:endParaRPr lang="en-GB" dirty="0"/>
+          </a:p>
+        </p:txBody>
+      </p:sp>
+      <p:sp>
+        <p:nvSpPr>
+          <p:cNvPr id="5" name="Rectangle 4">
+            <a:extLst>
+              <a:ext uri="{FF2B5EF4-FFF2-40B4-BE49-F238E27FC236}">
+                <a16:creationId xmlns:a16="http://schemas.microsoft.com/office/drawing/2014/main" id="{2636D39B-132B-5398-B7BB-4CD3D01E2CE1}"/>
+              </a:ext>
+            </a:extLst>
+          </p:cNvPr>
+          <p:cNvSpPr/>
+          <p:nvPr/>
+        </p:nvSpPr>
+        <p:spPr>
+          <a:xfrm rot="18900000">
+            <a:off x="-2034582" y="2237427"/>
+            <a:ext cx="11231309" cy="1943100"/>
+          </a:xfrm>
+          <a:prstGeom prst="rect">
+            <a:avLst/>
+          </a:prstGeom>
+          <a:solidFill>
+            <a:srgbClr val="F6DADB"/>
+          </a:solidFill>
+          <a:ln>
+            <a:noFill/>
+          </a:ln>
+        </p:spPr>
+        <p:style>
+          <a:lnRef idx="2">
+            <a:schemeClr val="accent1">
+              <a:shade val="15000"/>
+            </a:schemeClr>
+          </a:lnRef>
+          <a:fillRef idx="1">
+            <a:schemeClr val="accent1"/>
+          </a:fillRef>
+          <a:effectRef idx="0">
+            <a:schemeClr val="accent1"/>
+          </a:effectRef>
+          <a:fontRef idx="minor">
+            <a:schemeClr val="lt1"/>
+          </a:fontRef>
+        </p:style>
+        <p:txBody>
+          <a:bodyPr rtlCol="0" anchor="ctr"/>
+          <a:lstStyle/>
+          <a:p>
+            <a:pPr algn="ctr"/>
+            <a:endParaRPr lang="en-GB"/>
+          </a:p>
+        </p:txBody>
+      </p:sp>
+      <p:sp>
+        <p:nvSpPr>
+          <p:cNvPr id="6" name="Rectangle 5">
+            <a:extLst>
+              <a:ext uri="{FF2B5EF4-FFF2-40B4-BE49-F238E27FC236}">
+                <a16:creationId xmlns:a16="http://schemas.microsoft.com/office/drawing/2014/main" id="{41EAF67D-1EF1-6D32-FCE5-58980C4A3D00}"/>
+              </a:ext>
+            </a:extLst>
+          </p:cNvPr>
+          <p:cNvSpPr/>
+          <p:nvPr/>
+        </p:nvSpPr>
+        <p:spPr>
+          <a:xfrm rot="18900000">
+            <a:off x="-3124949" y="1190926"/>
+            <a:ext cx="10093808" cy="1943100"/>
+          </a:xfrm>
+          <a:prstGeom prst="rect">
+            <a:avLst/>
+          </a:prstGeom>
+          <a:solidFill>
+            <a:srgbClr val="E39193"/>
+          </a:solidFill>
+          <a:ln>
+            <a:noFill/>
+          </a:ln>
+        </p:spPr>
+        <p:style>
+          <a:lnRef idx="2">
+            <a:schemeClr val="accent1">
+              <a:shade val="15000"/>
+            </a:schemeClr>
+          </a:lnRef>
+          <a:fillRef idx="1">
+            <a:schemeClr val="accent1"/>
+          </a:fillRef>
+          <a:effectRef idx="0">
+            <a:schemeClr val="accent1"/>
+          </a:effectRef>
+          <a:fontRef idx="minor">
+            <a:schemeClr val="lt1"/>
+          </a:fontRef>
+        </p:style>
+        <p:txBody>
+          <a:bodyPr rtlCol="0" anchor="ctr"/>
+          <a:lstStyle/>
+          <a:p>
+            <a:pPr algn="ctr"/>
+            <a:endParaRPr lang="en-GB"/>
+          </a:p>
+        </p:txBody>
+      </p:sp>
+      <p:sp>
+        <p:nvSpPr>
+          <p:cNvPr id="4" name="Rectangle 3">
+            <a:extLst>
+              <a:ext uri="{FF2B5EF4-FFF2-40B4-BE49-F238E27FC236}">
+                <a16:creationId xmlns:a16="http://schemas.microsoft.com/office/drawing/2014/main" id="{6CDFE7D5-2689-74E7-57AD-40A94D3F7335}"/>
+              </a:ext>
+            </a:extLst>
+          </p:cNvPr>
+          <p:cNvSpPr/>
+          <p:nvPr/>
+        </p:nvSpPr>
+        <p:spPr>
+          <a:xfrm rot="18900000">
+            <a:off x="-2374508" y="-257741"/>
+            <a:ext cx="5996354" cy="1943100"/>
+          </a:xfrm>
+          <a:prstGeom prst="rect">
+            <a:avLst/>
+          </a:prstGeom>
+          <a:solidFill>
+            <a:srgbClr val="CF4548"/>
+          </a:solidFill>
+          <a:ln>
+            <a:noFill/>
+          </a:ln>
+        </p:spPr>
+        <p:style>
+          <a:lnRef idx="2">
+            <a:schemeClr val="accent1">
+              <a:shade val="15000"/>
+            </a:schemeClr>
+          </a:lnRef>
+          <a:fillRef idx="1">
+            <a:schemeClr val="accent1"/>
+          </a:fillRef>
+          <a:effectRef idx="0">
+            <a:schemeClr val="accent1"/>
+          </a:effectRef>
+          <a:fontRef idx="minor">
+            <a:schemeClr val="lt1"/>
+          </a:fontRef>
+        </p:style>
+        <p:txBody>
+          <a:bodyPr rtlCol="0" anchor="ctr"/>
+          <a:lstStyle/>
+          <a:p>
+            <a:pPr algn="ctr"/>
+            <a:endParaRPr lang="en-GB"/>
+          </a:p>
+        </p:txBody>
+      </p:sp>
+      <p:sp>
+        <p:nvSpPr>
+          <p:cNvPr id="8" name="Title 1">
+            <a:extLst>
+              <a:ext uri="{FF2B5EF4-FFF2-40B4-BE49-F238E27FC236}">
+                <a16:creationId xmlns:a16="http://schemas.microsoft.com/office/drawing/2014/main" id="{110755D4-C51E-9B71-C07D-D453901FE919}"/>
+              </a:ext>
+            </a:extLst>
+          </p:cNvPr>
+          <p:cNvSpPr>
+            <a:spLocks noGrp="1"/>
+          </p:cNvSpPr>
+          <p:nvPr>
+            <p:ph type="title"/>
+          </p:nvPr>
+        </p:nvSpPr>
+        <p:spPr>
+          <a:xfrm>
+            <a:off x="0" y="365125"/>
+            <a:ext cx="12192000" cy="1325563"/>
+          </a:xfrm>
+        </p:spPr>
+        <p:txBody>
+          <a:bodyPr>
+            <a:normAutofit/>
+          </a:bodyPr>
+          <a:lstStyle/>
+          <a:p>
+            <a:pPr algn="ctr"/>
+            <a:r>
+              <a:rPr lang="it-IT" sz="4000" b="1" dirty="0">
+                <a:latin typeface="Bahnschrift" panose="020B0502040204020203" pitchFamily="34" charset="0"/>
+              </a:rPr>
+              <a:t>SAGITTAL CONTROLLER - RESULTS</a:t>
+            </a:r>
+          </a:p>
+        </p:txBody>
+      </p:sp>
+      <p:sp>
+        <p:nvSpPr>
+          <p:cNvPr id="3" name="Content Placeholder 2">
+            <a:extLst>
+              <a:ext uri="{FF2B5EF4-FFF2-40B4-BE49-F238E27FC236}">
+                <a16:creationId xmlns:a16="http://schemas.microsoft.com/office/drawing/2014/main" id="{D043BCFF-A03B-2A00-99CA-D1B798232891}"/>
+              </a:ext>
+            </a:extLst>
+          </p:cNvPr>
+          <p:cNvSpPr txBox="1">
+            <a:spLocks/>
+          </p:cNvSpPr>
+          <p:nvPr/>
+        </p:nvSpPr>
+        <p:spPr>
+          <a:xfrm>
+            <a:off x="6328027" y="1544015"/>
+            <a:ext cx="4864691" cy="4506598"/>
+          </a:xfrm>
+          <a:prstGeom prst="rect">
+            <a:avLst/>
+          </a:prstGeom>
+          <a:ln w="28575">
+            <a:solidFill>
+              <a:schemeClr val="tx1"/>
+            </a:solidFill>
+          </a:ln>
+        </p:spPr>
+        <p:txBody>
+          <a:bodyPr vert="horz" lIns="91440" tIns="45720" rIns="91440" bIns="45720" rtlCol="0" anchor="ctr">
+            <a:normAutofit/>
+          </a:bodyPr>
+          <a:lstStyle>
+            <a:lvl1pPr marL="228600" indent="-228600" algn="l" defTabSz="914400" rtl="0" eaLnBrk="1" latinLnBrk="0" hangingPunct="1">
+              <a:lnSpc>
+                <a:spcPct val="90000"/>
+              </a:lnSpc>
+              <a:spcBef>
+                <a:spcPts val="1000"/>
+              </a:spcBef>
+              <a:buFont typeface="Arial" panose="020B0604020202020204" pitchFamily="34" charset="0"/>
+              <a:buChar char="•"/>
+              <a:defRPr sz="2800" kern="1200">
+                <a:solidFill>
+                  <a:schemeClr val="tx1"/>
+                </a:solidFill>
+                <a:latin typeface="+mn-lt"/>
+                <a:ea typeface="+mn-ea"/>
+                <a:cs typeface="+mn-cs"/>
+              </a:defRPr>
+            </a:lvl1pPr>
+            <a:lvl2pPr marL="685800" indent="-228600" algn="l" defTabSz="914400" rtl="0" eaLnBrk="1" latinLnBrk="0" hangingPunct="1">
+              <a:lnSpc>
+                <a:spcPct val="90000"/>
+              </a:lnSpc>
+              <a:spcBef>
+                <a:spcPts val="500"/>
+              </a:spcBef>
+              <a:buFont typeface="Arial" panose="020B0604020202020204" pitchFamily="34" charset="0"/>
+              <a:buChar char="•"/>
+              <a:defRPr sz="2400" kern="1200">
+                <a:solidFill>
+                  <a:schemeClr val="tx1"/>
+                </a:solidFill>
+                <a:latin typeface="+mn-lt"/>
+                <a:ea typeface="+mn-ea"/>
+                <a:cs typeface="+mn-cs"/>
+              </a:defRPr>
+            </a:lvl2pPr>
+            <a:lvl3pPr marL="1143000" indent="-228600" algn="l" defTabSz="914400" rtl="0" eaLnBrk="1" latinLnBrk="0" hangingPunct="1">
+              <a:lnSpc>
+                <a:spcPct val="90000"/>
+              </a:lnSpc>
+              <a:spcBef>
+                <a:spcPts val="500"/>
+              </a:spcBef>
+              <a:buFont typeface="Arial" panose="020B0604020202020204" pitchFamily="34" charset="0"/>
+              <a:buChar char="•"/>
+              <a:defRPr sz="2000" kern="1200">
+                <a:solidFill>
+                  <a:schemeClr val="tx1"/>
+                </a:solidFill>
+                <a:latin typeface="+mn-lt"/>
+                <a:ea typeface="+mn-ea"/>
+                <a:cs typeface="+mn-cs"/>
+              </a:defRPr>
+            </a:lvl3pPr>
+            <a:lvl4pPr marL="1600200" indent="-228600" algn="l" defTabSz="914400" rtl="0" eaLnBrk="1" latinLnBrk="0" hangingPunct="1">
+              <a:lnSpc>
+                <a:spcPct val="90000"/>
+              </a:lnSpc>
+              <a:spcBef>
+                <a:spcPts val="500"/>
+              </a:spcBef>
+              <a:buFont typeface="Arial" panose="020B0604020202020204" pitchFamily="34" charset="0"/>
+              <a:buChar char="•"/>
+              <a:defRPr sz="1800" kern="1200">
+                <a:solidFill>
+                  <a:schemeClr val="tx1"/>
+                </a:solidFill>
+                <a:latin typeface="+mn-lt"/>
+                <a:ea typeface="+mn-ea"/>
+                <a:cs typeface="+mn-cs"/>
+              </a:defRPr>
+            </a:lvl4pPr>
+            <a:lvl5pPr marL="2057400" indent="-228600" algn="l" defTabSz="914400" rtl="0" eaLnBrk="1" latinLnBrk="0" hangingPunct="1">
+              <a:lnSpc>
+                <a:spcPct val="90000"/>
+              </a:lnSpc>
+              <a:spcBef>
+                <a:spcPts val="500"/>
+              </a:spcBef>
+              <a:buFont typeface="Arial" panose="020B0604020202020204" pitchFamily="34" charset="0"/>
+              <a:buChar char="•"/>
+              <a:defRPr sz="1800" kern="1200">
+                <a:solidFill>
+                  <a:schemeClr val="tx1"/>
+                </a:solidFill>
+                <a:latin typeface="+mn-lt"/>
+                <a:ea typeface="+mn-ea"/>
+                <a:cs typeface="+mn-cs"/>
+              </a:defRPr>
+            </a:lvl5pPr>
+            <a:lvl6pPr marL="2514600" indent="-228600" algn="l" defTabSz="914400" rtl="0" eaLnBrk="1" latinLnBrk="0" hangingPunct="1">
+              <a:lnSpc>
+                <a:spcPct val="90000"/>
+              </a:lnSpc>
+              <a:spcBef>
+                <a:spcPts val="500"/>
+              </a:spcBef>
+              <a:buFont typeface="Arial" panose="020B0604020202020204" pitchFamily="34" charset="0"/>
+              <a:buChar char="•"/>
+              <a:defRPr sz="1800" kern="1200">
+                <a:solidFill>
+                  <a:schemeClr val="tx1"/>
+                </a:solidFill>
+                <a:latin typeface="+mn-lt"/>
+                <a:ea typeface="+mn-ea"/>
+                <a:cs typeface="+mn-cs"/>
+              </a:defRPr>
+            </a:lvl6pPr>
+            <a:lvl7pPr marL="2971800" indent="-228600" algn="l" defTabSz="914400" rtl="0" eaLnBrk="1" latinLnBrk="0" hangingPunct="1">
+              <a:lnSpc>
+                <a:spcPct val="90000"/>
+              </a:lnSpc>
+              <a:spcBef>
+                <a:spcPts val="500"/>
+              </a:spcBef>
+              <a:buFont typeface="Arial" panose="020B0604020202020204" pitchFamily="34" charset="0"/>
+              <a:buChar char="•"/>
+              <a:defRPr sz="1800" kern="1200">
+                <a:solidFill>
+                  <a:schemeClr val="tx1"/>
+                </a:solidFill>
+                <a:latin typeface="+mn-lt"/>
+                <a:ea typeface="+mn-ea"/>
+                <a:cs typeface="+mn-cs"/>
+              </a:defRPr>
+            </a:lvl7pPr>
+            <a:lvl8pPr marL="3429000" indent="-228600" algn="l" defTabSz="914400" rtl="0" eaLnBrk="1" latinLnBrk="0" hangingPunct="1">
+              <a:lnSpc>
+                <a:spcPct val="90000"/>
+              </a:lnSpc>
+              <a:spcBef>
+                <a:spcPts val="500"/>
+              </a:spcBef>
+              <a:buFont typeface="Arial" panose="020B0604020202020204" pitchFamily="34" charset="0"/>
+              <a:buChar char="•"/>
+              <a:defRPr sz="1800" kern="1200">
+                <a:solidFill>
+                  <a:schemeClr val="tx1"/>
+                </a:solidFill>
+                <a:latin typeface="+mn-lt"/>
+                <a:ea typeface="+mn-ea"/>
+                <a:cs typeface="+mn-cs"/>
+              </a:defRPr>
+            </a:lvl8pPr>
+            <a:lvl9pPr marL="3886200" indent="-228600" algn="l" defTabSz="914400" rtl="0" eaLnBrk="1" latinLnBrk="0" hangingPunct="1">
+              <a:lnSpc>
+                <a:spcPct val="90000"/>
+              </a:lnSpc>
+              <a:spcBef>
+                <a:spcPts val="500"/>
+              </a:spcBef>
+              <a:buFont typeface="Arial" panose="020B0604020202020204" pitchFamily="34" charset="0"/>
+              <a:buChar char="•"/>
+              <a:defRPr sz="1800" kern="1200">
+                <a:solidFill>
+                  <a:schemeClr val="tx1"/>
+                </a:solidFill>
+                <a:latin typeface="+mn-lt"/>
+                <a:ea typeface="+mn-ea"/>
+                <a:cs typeface="+mn-cs"/>
+              </a:defRPr>
+            </a:lvl9pPr>
+          </a:lstStyle>
+          <a:p>
+            <a:pPr marL="0" indent="0">
+              <a:buNone/>
+            </a:pPr>
+            <a:r>
+              <a:rPr lang="it-IT" sz="2000" b="1" dirty="0" err="1">
+                <a:latin typeface="Bahnschrift SemiCondensed" panose="020B0502040204020203" pitchFamily="34" charset="0"/>
+              </a:rPr>
+              <a:t>Smoothness</a:t>
+            </a:r>
+            <a:r>
+              <a:rPr lang="it-IT" sz="2000" b="1" dirty="0">
+                <a:latin typeface="Bahnschrift SemiCondensed" panose="020B0502040204020203" pitchFamily="34" charset="0"/>
+              </a:rPr>
+              <a:t> image</a:t>
+            </a:r>
+            <a:endParaRPr lang="it-IT" sz="2000" dirty="0">
+              <a:latin typeface="Bahnschrift SemiCondensed" panose="020B0502040204020203" pitchFamily="34" charset="0"/>
+            </a:endParaRPr>
+          </a:p>
+        </p:txBody>
+      </p:sp>
+      <p:sp>
+        <p:nvSpPr>
+          <p:cNvPr id="7" name="Content Placeholder 2">
+            <a:extLst>
+              <a:ext uri="{FF2B5EF4-FFF2-40B4-BE49-F238E27FC236}">
+                <a16:creationId xmlns:a16="http://schemas.microsoft.com/office/drawing/2014/main" id="{D2E4881A-30C6-6AA1-366D-4FCAEE820166}"/>
+              </a:ext>
+            </a:extLst>
+          </p:cNvPr>
+          <p:cNvSpPr txBox="1">
+            <a:spLocks/>
+          </p:cNvSpPr>
+          <p:nvPr/>
+        </p:nvSpPr>
+        <p:spPr>
+          <a:xfrm>
+            <a:off x="1370843" y="1544015"/>
+            <a:ext cx="3974832" cy="1355961"/>
+          </a:xfrm>
+          <a:prstGeom prst="rect">
+            <a:avLst/>
+          </a:prstGeom>
+          <a:ln w="28575">
+            <a:solidFill>
+              <a:schemeClr val="tx1"/>
+            </a:solidFill>
+          </a:ln>
+        </p:spPr>
+        <p:txBody>
+          <a:bodyPr vert="horz" lIns="91440" tIns="45720" rIns="91440" bIns="45720" rtlCol="0" anchor="ctr">
+            <a:normAutofit/>
+          </a:bodyPr>
+          <a:lstStyle>
+            <a:lvl1pPr marL="228600" indent="-228600" algn="l" defTabSz="914400" rtl="0" eaLnBrk="1" latinLnBrk="0" hangingPunct="1">
+              <a:lnSpc>
+                <a:spcPct val="90000"/>
+              </a:lnSpc>
+              <a:spcBef>
+                <a:spcPts val="1000"/>
+              </a:spcBef>
+              <a:buFont typeface="Arial" panose="020B0604020202020204" pitchFamily="34" charset="0"/>
+              <a:buChar char="•"/>
+              <a:defRPr sz="2800" kern="1200">
+                <a:solidFill>
+                  <a:schemeClr val="tx1"/>
+                </a:solidFill>
+                <a:latin typeface="+mn-lt"/>
+                <a:ea typeface="+mn-ea"/>
+                <a:cs typeface="+mn-cs"/>
+              </a:defRPr>
+            </a:lvl1pPr>
+            <a:lvl2pPr marL="685800" indent="-228600" algn="l" defTabSz="914400" rtl="0" eaLnBrk="1" latinLnBrk="0" hangingPunct="1">
+              <a:lnSpc>
+                <a:spcPct val="90000"/>
+              </a:lnSpc>
+              <a:spcBef>
+                <a:spcPts val="500"/>
+              </a:spcBef>
+              <a:buFont typeface="Arial" panose="020B0604020202020204" pitchFamily="34" charset="0"/>
+              <a:buChar char="•"/>
+              <a:defRPr sz="2400" kern="1200">
+                <a:solidFill>
+                  <a:schemeClr val="tx1"/>
+                </a:solidFill>
+                <a:latin typeface="+mn-lt"/>
+                <a:ea typeface="+mn-ea"/>
+                <a:cs typeface="+mn-cs"/>
+              </a:defRPr>
+            </a:lvl2pPr>
+            <a:lvl3pPr marL="1143000" indent="-228600" algn="l" defTabSz="914400" rtl="0" eaLnBrk="1" latinLnBrk="0" hangingPunct="1">
+              <a:lnSpc>
+                <a:spcPct val="90000"/>
+              </a:lnSpc>
+              <a:spcBef>
+                <a:spcPts val="500"/>
+              </a:spcBef>
+              <a:buFont typeface="Arial" panose="020B0604020202020204" pitchFamily="34" charset="0"/>
+              <a:buChar char="•"/>
+              <a:defRPr sz="2000" kern="1200">
+                <a:solidFill>
+                  <a:schemeClr val="tx1"/>
+                </a:solidFill>
+                <a:latin typeface="+mn-lt"/>
+                <a:ea typeface="+mn-ea"/>
+                <a:cs typeface="+mn-cs"/>
+              </a:defRPr>
+            </a:lvl3pPr>
+            <a:lvl4pPr marL="1600200" indent="-228600" algn="l" defTabSz="914400" rtl="0" eaLnBrk="1" latinLnBrk="0" hangingPunct="1">
+              <a:lnSpc>
+                <a:spcPct val="90000"/>
+              </a:lnSpc>
+              <a:spcBef>
+                <a:spcPts val="500"/>
+              </a:spcBef>
+              <a:buFont typeface="Arial" panose="020B0604020202020204" pitchFamily="34" charset="0"/>
+              <a:buChar char="•"/>
+              <a:defRPr sz="1800" kern="1200">
+                <a:solidFill>
+                  <a:schemeClr val="tx1"/>
+                </a:solidFill>
+                <a:latin typeface="+mn-lt"/>
+                <a:ea typeface="+mn-ea"/>
+                <a:cs typeface="+mn-cs"/>
+              </a:defRPr>
+            </a:lvl4pPr>
+            <a:lvl5pPr marL="2057400" indent="-228600" algn="l" defTabSz="914400" rtl="0" eaLnBrk="1" latinLnBrk="0" hangingPunct="1">
+              <a:lnSpc>
+                <a:spcPct val="90000"/>
+              </a:lnSpc>
+              <a:spcBef>
+                <a:spcPts val="500"/>
+              </a:spcBef>
+              <a:buFont typeface="Arial" panose="020B0604020202020204" pitchFamily="34" charset="0"/>
+              <a:buChar char="•"/>
+              <a:defRPr sz="1800" kern="1200">
+                <a:solidFill>
+                  <a:schemeClr val="tx1"/>
+                </a:solidFill>
+                <a:latin typeface="+mn-lt"/>
+                <a:ea typeface="+mn-ea"/>
+                <a:cs typeface="+mn-cs"/>
+              </a:defRPr>
+            </a:lvl5pPr>
+            <a:lvl6pPr marL="2514600" indent="-228600" algn="l" defTabSz="914400" rtl="0" eaLnBrk="1" latinLnBrk="0" hangingPunct="1">
+              <a:lnSpc>
+                <a:spcPct val="90000"/>
+              </a:lnSpc>
+              <a:spcBef>
+                <a:spcPts val="500"/>
+              </a:spcBef>
+              <a:buFont typeface="Arial" panose="020B0604020202020204" pitchFamily="34" charset="0"/>
+              <a:buChar char="•"/>
+              <a:defRPr sz="1800" kern="1200">
+                <a:solidFill>
+                  <a:schemeClr val="tx1"/>
+                </a:solidFill>
+                <a:latin typeface="+mn-lt"/>
+                <a:ea typeface="+mn-ea"/>
+                <a:cs typeface="+mn-cs"/>
+              </a:defRPr>
+            </a:lvl6pPr>
+            <a:lvl7pPr marL="2971800" indent="-228600" algn="l" defTabSz="914400" rtl="0" eaLnBrk="1" latinLnBrk="0" hangingPunct="1">
+              <a:lnSpc>
+                <a:spcPct val="90000"/>
+              </a:lnSpc>
+              <a:spcBef>
+                <a:spcPts val="500"/>
+              </a:spcBef>
+              <a:buFont typeface="Arial" panose="020B0604020202020204" pitchFamily="34" charset="0"/>
+              <a:buChar char="•"/>
+              <a:defRPr sz="1800" kern="1200">
+                <a:solidFill>
+                  <a:schemeClr val="tx1"/>
+                </a:solidFill>
+                <a:latin typeface="+mn-lt"/>
+                <a:ea typeface="+mn-ea"/>
+                <a:cs typeface="+mn-cs"/>
+              </a:defRPr>
+            </a:lvl7pPr>
+            <a:lvl8pPr marL="3429000" indent="-228600" algn="l" defTabSz="914400" rtl="0" eaLnBrk="1" latinLnBrk="0" hangingPunct="1">
+              <a:lnSpc>
+                <a:spcPct val="90000"/>
+              </a:lnSpc>
+              <a:spcBef>
+                <a:spcPts val="500"/>
+              </a:spcBef>
+              <a:buFont typeface="Arial" panose="020B0604020202020204" pitchFamily="34" charset="0"/>
+              <a:buChar char="•"/>
+              <a:defRPr sz="1800" kern="1200">
+                <a:solidFill>
+                  <a:schemeClr val="tx1"/>
+                </a:solidFill>
+                <a:latin typeface="+mn-lt"/>
+                <a:ea typeface="+mn-ea"/>
+                <a:cs typeface="+mn-cs"/>
+              </a:defRPr>
+            </a:lvl8pPr>
+            <a:lvl9pPr marL="3886200" indent="-228600" algn="l" defTabSz="914400" rtl="0" eaLnBrk="1" latinLnBrk="0" hangingPunct="1">
+              <a:lnSpc>
+                <a:spcPct val="90000"/>
+              </a:lnSpc>
+              <a:spcBef>
+                <a:spcPts val="500"/>
+              </a:spcBef>
+              <a:buFont typeface="Arial" panose="020B0604020202020204" pitchFamily="34" charset="0"/>
+              <a:buChar char="•"/>
+              <a:defRPr sz="1800" kern="1200">
+                <a:solidFill>
+                  <a:schemeClr val="tx1"/>
+                </a:solidFill>
+                <a:latin typeface="+mn-lt"/>
+                <a:ea typeface="+mn-ea"/>
+                <a:cs typeface="+mn-cs"/>
+              </a:defRPr>
+            </a:lvl9pPr>
+          </a:lstStyle>
+          <a:p>
+            <a:pPr marL="0" indent="0">
+              <a:spcBef>
+                <a:spcPts val="0"/>
+              </a:spcBef>
+              <a:buNone/>
+            </a:pPr>
+            <a:r>
+              <a:rPr lang="it-IT" sz="2000" b="1" dirty="0">
+                <a:latin typeface="Bahnschrift SemiCondensed" panose="020B0502040204020203" pitchFamily="34" charset="0"/>
+              </a:rPr>
+              <a:t>CONVERGENCE TEST </a:t>
+            </a:r>
+          </a:p>
+          <a:p>
+            <a:pPr marL="0" indent="0" algn="r">
+              <a:spcBef>
+                <a:spcPts val="0"/>
+              </a:spcBef>
+              <a:buNone/>
+            </a:pPr>
+            <a:r>
+              <a:rPr lang="it-IT" sz="6600" b="1" dirty="0">
+                <a:latin typeface="Bahnschrift SemiCondensed" panose="020B0502040204020203" pitchFamily="34" charset="0"/>
+              </a:rPr>
+              <a:t>94%</a:t>
+            </a:r>
+            <a:endParaRPr lang="it-IT" sz="7200" b="1" dirty="0">
+              <a:latin typeface="Bahnschrift SemiCondensed" panose="020B0502040204020203" pitchFamily="34" charset="0"/>
+            </a:endParaRPr>
+          </a:p>
+        </p:txBody>
+      </p:sp>
+      <p:sp>
+        <p:nvSpPr>
+          <p:cNvPr id="9" name="Content Placeholder 2">
+            <a:extLst>
+              <a:ext uri="{FF2B5EF4-FFF2-40B4-BE49-F238E27FC236}">
+                <a16:creationId xmlns:a16="http://schemas.microsoft.com/office/drawing/2014/main" id="{DE754ABA-4B90-B483-5295-069CEDBD8359}"/>
+              </a:ext>
+            </a:extLst>
+          </p:cNvPr>
+          <p:cNvSpPr txBox="1">
+            <a:spLocks/>
+          </p:cNvSpPr>
+          <p:nvPr/>
+        </p:nvSpPr>
+        <p:spPr>
+          <a:xfrm>
+            <a:off x="2202813" y="3137814"/>
+            <a:ext cx="3974832" cy="1355961"/>
+          </a:xfrm>
+          <a:prstGeom prst="rect">
+            <a:avLst/>
+          </a:prstGeom>
+          <a:ln w="28575">
+            <a:solidFill>
+              <a:schemeClr val="tx1"/>
+            </a:solidFill>
+          </a:ln>
+        </p:spPr>
+        <p:txBody>
+          <a:bodyPr vert="horz" lIns="91440" tIns="45720" rIns="91440" bIns="45720" rtlCol="0" anchor="ctr">
+            <a:normAutofit/>
+          </a:bodyPr>
+          <a:lstStyle>
+            <a:lvl1pPr marL="228600" indent="-228600" algn="l" defTabSz="914400" rtl="0" eaLnBrk="1" latinLnBrk="0" hangingPunct="1">
+              <a:lnSpc>
+                <a:spcPct val="90000"/>
+              </a:lnSpc>
+              <a:spcBef>
+                <a:spcPts val="1000"/>
+              </a:spcBef>
+              <a:buFont typeface="Arial" panose="020B0604020202020204" pitchFamily="34" charset="0"/>
+              <a:buChar char="•"/>
+              <a:defRPr sz="2800" kern="1200">
+                <a:solidFill>
+                  <a:schemeClr val="tx1"/>
+                </a:solidFill>
+                <a:latin typeface="+mn-lt"/>
+                <a:ea typeface="+mn-ea"/>
+                <a:cs typeface="+mn-cs"/>
+              </a:defRPr>
+            </a:lvl1pPr>
+            <a:lvl2pPr marL="685800" indent="-228600" algn="l" defTabSz="914400" rtl="0" eaLnBrk="1" latinLnBrk="0" hangingPunct="1">
+              <a:lnSpc>
+                <a:spcPct val="90000"/>
+              </a:lnSpc>
+              <a:spcBef>
+                <a:spcPts val="500"/>
+              </a:spcBef>
+              <a:buFont typeface="Arial" panose="020B0604020202020204" pitchFamily="34" charset="0"/>
+              <a:buChar char="•"/>
+              <a:defRPr sz="2400" kern="1200">
+                <a:solidFill>
+                  <a:schemeClr val="tx1"/>
+                </a:solidFill>
+                <a:latin typeface="+mn-lt"/>
+                <a:ea typeface="+mn-ea"/>
+                <a:cs typeface="+mn-cs"/>
+              </a:defRPr>
+            </a:lvl2pPr>
+            <a:lvl3pPr marL="1143000" indent="-228600" algn="l" defTabSz="914400" rtl="0" eaLnBrk="1" latinLnBrk="0" hangingPunct="1">
+              <a:lnSpc>
+                <a:spcPct val="90000"/>
+              </a:lnSpc>
+              <a:spcBef>
+                <a:spcPts val="500"/>
+              </a:spcBef>
+              <a:buFont typeface="Arial" panose="020B0604020202020204" pitchFamily="34" charset="0"/>
+              <a:buChar char="•"/>
+              <a:defRPr sz="2000" kern="1200">
+                <a:solidFill>
+                  <a:schemeClr val="tx1"/>
+                </a:solidFill>
+                <a:latin typeface="+mn-lt"/>
+                <a:ea typeface="+mn-ea"/>
+                <a:cs typeface="+mn-cs"/>
+              </a:defRPr>
+            </a:lvl3pPr>
+            <a:lvl4pPr marL="1600200" indent="-228600" algn="l" defTabSz="914400" rtl="0" eaLnBrk="1" latinLnBrk="0" hangingPunct="1">
+              <a:lnSpc>
+                <a:spcPct val="90000"/>
+              </a:lnSpc>
+              <a:spcBef>
+                <a:spcPts val="500"/>
+              </a:spcBef>
+              <a:buFont typeface="Arial" panose="020B0604020202020204" pitchFamily="34" charset="0"/>
+              <a:buChar char="•"/>
+              <a:defRPr sz="1800" kern="1200">
+                <a:solidFill>
+                  <a:schemeClr val="tx1"/>
+                </a:solidFill>
+                <a:latin typeface="+mn-lt"/>
+                <a:ea typeface="+mn-ea"/>
+                <a:cs typeface="+mn-cs"/>
+              </a:defRPr>
+            </a:lvl4pPr>
+            <a:lvl5pPr marL="2057400" indent="-228600" algn="l" defTabSz="914400" rtl="0" eaLnBrk="1" latinLnBrk="0" hangingPunct="1">
+              <a:lnSpc>
+                <a:spcPct val="90000"/>
+              </a:lnSpc>
+              <a:spcBef>
+                <a:spcPts val="500"/>
+              </a:spcBef>
+              <a:buFont typeface="Arial" panose="020B0604020202020204" pitchFamily="34" charset="0"/>
+              <a:buChar char="•"/>
+              <a:defRPr sz="1800" kern="1200">
+                <a:solidFill>
+                  <a:schemeClr val="tx1"/>
+                </a:solidFill>
+                <a:latin typeface="+mn-lt"/>
+                <a:ea typeface="+mn-ea"/>
+                <a:cs typeface="+mn-cs"/>
+              </a:defRPr>
+            </a:lvl5pPr>
+            <a:lvl6pPr marL="2514600" indent="-228600" algn="l" defTabSz="914400" rtl="0" eaLnBrk="1" latinLnBrk="0" hangingPunct="1">
+              <a:lnSpc>
+                <a:spcPct val="90000"/>
+              </a:lnSpc>
+              <a:spcBef>
+                <a:spcPts val="500"/>
+              </a:spcBef>
+              <a:buFont typeface="Arial" panose="020B0604020202020204" pitchFamily="34" charset="0"/>
+              <a:buChar char="•"/>
+              <a:defRPr sz="1800" kern="1200">
+                <a:solidFill>
+                  <a:schemeClr val="tx1"/>
+                </a:solidFill>
+                <a:latin typeface="+mn-lt"/>
+                <a:ea typeface="+mn-ea"/>
+                <a:cs typeface="+mn-cs"/>
+              </a:defRPr>
+            </a:lvl6pPr>
+            <a:lvl7pPr marL="2971800" indent="-228600" algn="l" defTabSz="914400" rtl="0" eaLnBrk="1" latinLnBrk="0" hangingPunct="1">
+              <a:lnSpc>
+                <a:spcPct val="90000"/>
+              </a:lnSpc>
+              <a:spcBef>
+                <a:spcPts val="500"/>
+              </a:spcBef>
+              <a:buFont typeface="Arial" panose="020B0604020202020204" pitchFamily="34" charset="0"/>
+              <a:buChar char="•"/>
+              <a:defRPr sz="1800" kern="1200">
+                <a:solidFill>
+                  <a:schemeClr val="tx1"/>
+                </a:solidFill>
+                <a:latin typeface="+mn-lt"/>
+                <a:ea typeface="+mn-ea"/>
+                <a:cs typeface="+mn-cs"/>
+              </a:defRPr>
+            </a:lvl7pPr>
+            <a:lvl8pPr marL="3429000" indent="-228600" algn="l" defTabSz="914400" rtl="0" eaLnBrk="1" latinLnBrk="0" hangingPunct="1">
+              <a:lnSpc>
+                <a:spcPct val="90000"/>
+              </a:lnSpc>
+              <a:spcBef>
+                <a:spcPts val="500"/>
+              </a:spcBef>
+              <a:buFont typeface="Arial" panose="020B0604020202020204" pitchFamily="34" charset="0"/>
+              <a:buChar char="•"/>
+              <a:defRPr sz="1800" kern="1200">
+                <a:solidFill>
+                  <a:schemeClr val="tx1"/>
+                </a:solidFill>
+                <a:latin typeface="+mn-lt"/>
+                <a:ea typeface="+mn-ea"/>
+                <a:cs typeface="+mn-cs"/>
+              </a:defRPr>
+            </a:lvl8pPr>
+            <a:lvl9pPr marL="3886200" indent="-228600" algn="l" defTabSz="914400" rtl="0" eaLnBrk="1" latinLnBrk="0" hangingPunct="1">
+              <a:lnSpc>
+                <a:spcPct val="90000"/>
+              </a:lnSpc>
+              <a:spcBef>
+                <a:spcPts val="500"/>
+              </a:spcBef>
+              <a:buFont typeface="Arial" panose="020B0604020202020204" pitchFamily="34" charset="0"/>
+              <a:buChar char="•"/>
+              <a:defRPr sz="1800" kern="1200">
+                <a:solidFill>
+                  <a:schemeClr val="tx1"/>
+                </a:solidFill>
+                <a:latin typeface="+mn-lt"/>
+                <a:ea typeface="+mn-ea"/>
+                <a:cs typeface="+mn-cs"/>
+              </a:defRPr>
+            </a:lvl9pPr>
+          </a:lstStyle>
+          <a:p>
+            <a:pPr marL="0" indent="0">
+              <a:spcBef>
+                <a:spcPts val="0"/>
+              </a:spcBef>
+              <a:buNone/>
+            </a:pPr>
+            <a:r>
+              <a:rPr lang="it-IT" sz="2000" b="1" dirty="0">
+                <a:latin typeface="Bahnschrift SemiCondensed" panose="020B0502040204020203" pitchFamily="34" charset="0"/>
+              </a:rPr>
+              <a:t>SENSITIVITY TEST </a:t>
+            </a:r>
+          </a:p>
+          <a:p>
+            <a:pPr marL="0" indent="0" algn="r">
+              <a:spcBef>
+                <a:spcPts val="0"/>
+              </a:spcBef>
+              <a:buNone/>
+            </a:pPr>
+            <a:r>
+              <a:rPr lang="it-IT" sz="6600" b="1" dirty="0">
+                <a:latin typeface="Bahnschrift SemiCondensed" panose="020B0502040204020203" pitchFamily="34" charset="0"/>
+              </a:rPr>
+              <a:t>80/100</a:t>
+            </a:r>
+            <a:endParaRPr lang="it-IT" sz="7200" b="1" dirty="0">
+              <a:latin typeface="Bahnschrift SemiCondensed" panose="020B0502040204020203" pitchFamily="34" charset="0"/>
+            </a:endParaRPr>
+          </a:p>
+        </p:txBody>
+      </p:sp>
+      <p:sp>
+        <p:nvSpPr>
+          <p:cNvPr id="10" name="Content Placeholder 2">
+            <a:extLst>
+              <a:ext uri="{FF2B5EF4-FFF2-40B4-BE49-F238E27FC236}">
+                <a16:creationId xmlns:a16="http://schemas.microsoft.com/office/drawing/2014/main" id="{3F30862F-AE1F-34BE-1F57-7797DC41BCB4}"/>
+              </a:ext>
+            </a:extLst>
+          </p:cNvPr>
+          <p:cNvSpPr txBox="1">
+            <a:spLocks/>
+          </p:cNvSpPr>
+          <p:nvPr/>
+        </p:nvSpPr>
+        <p:spPr>
+          <a:xfrm>
+            <a:off x="1370843" y="4694652"/>
+            <a:ext cx="3974832" cy="1355961"/>
+          </a:xfrm>
+          <a:prstGeom prst="rect">
+            <a:avLst/>
+          </a:prstGeom>
+          <a:ln w="28575">
+            <a:solidFill>
+              <a:schemeClr val="tx1"/>
+            </a:solidFill>
+          </a:ln>
+        </p:spPr>
+        <p:txBody>
+          <a:bodyPr vert="horz" lIns="91440" tIns="45720" rIns="91440" bIns="45720" rtlCol="0" anchor="ctr">
+            <a:normAutofit/>
+          </a:bodyPr>
+          <a:lstStyle>
+            <a:lvl1pPr marL="228600" indent="-228600" algn="l" defTabSz="914400" rtl="0" eaLnBrk="1" latinLnBrk="0" hangingPunct="1">
+              <a:lnSpc>
+                <a:spcPct val="90000"/>
+              </a:lnSpc>
+              <a:spcBef>
+                <a:spcPts val="1000"/>
+              </a:spcBef>
+              <a:buFont typeface="Arial" panose="020B0604020202020204" pitchFamily="34" charset="0"/>
+              <a:buChar char="•"/>
+              <a:defRPr sz="2800" kern="1200">
+                <a:solidFill>
+                  <a:schemeClr val="tx1"/>
+                </a:solidFill>
+                <a:latin typeface="+mn-lt"/>
+                <a:ea typeface="+mn-ea"/>
+                <a:cs typeface="+mn-cs"/>
+              </a:defRPr>
+            </a:lvl1pPr>
+            <a:lvl2pPr marL="685800" indent="-228600" algn="l" defTabSz="914400" rtl="0" eaLnBrk="1" latinLnBrk="0" hangingPunct="1">
+              <a:lnSpc>
+                <a:spcPct val="90000"/>
+              </a:lnSpc>
+              <a:spcBef>
+                <a:spcPts val="500"/>
+              </a:spcBef>
+              <a:buFont typeface="Arial" panose="020B0604020202020204" pitchFamily="34" charset="0"/>
+              <a:buChar char="•"/>
+              <a:defRPr sz="2400" kern="1200">
+                <a:solidFill>
+                  <a:schemeClr val="tx1"/>
+                </a:solidFill>
+                <a:latin typeface="+mn-lt"/>
+                <a:ea typeface="+mn-ea"/>
+                <a:cs typeface="+mn-cs"/>
+              </a:defRPr>
+            </a:lvl2pPr>
+            <a:lvl3pPr marL="1143000" indent="-228600" algn="l" defTabSz="914400" rtl="0" eaLnBrk="1" latinLnBrk="0" hangingPunct="1">
+              <a:lnSpc>
+                <a:spcPct val="90000"/>
+              </a:lnSpc>
+              <a:spcBef>
+                <a:spcPts val="500"/>
+              </a:spcBef>
+              <a:buFont typeface="Arial" panose="020B0604020202020204" pitchFamily="34" charset="0"/>
+              <a:buChar char="•"/>
+              <a:defRPr sz="2000" kern="1200">
+                <a:solidFill>
+                  <a:schemeClr val="tx1"/>
+                </a:solidFill>
+                <a:latin typeface="+mn-lt"/>
+                <a:ea typeface="+mn-ea"/>
+                <a:cs typeface="+mn-cs"/>
+              </a:defRPr>
+            </a:lvl3pPr>
+            <a:lvl4pPr marL="1600200" indent="-228600" algn="l" defTabSz="914400" rtl="0" eaLnBrk="1" latinLnBrk="0" hangingPunct="1">
+              <a:lnSpc>
+                <a:spcPct val="90000"/>
+              </a:lnSpc>
+              <a:spcBef>
+                <a:spcPts val="500"/>
+              </a:spcBef>
+              <a:buFont typeface="Arial" panose="020B0604020202020204" pitchFamily="34" charset="0"/>
+              <a:buChar char="•"/>
+              <a:defRPr sz="1800" kern="1200">
+                <a:solidFill>
+                  <a:schemeClr val="tx1"/>
+                </a:solidFill>
+                <a:latin typeface="+mn-lt"/>
+                <a:ea typeface="+mn-ea"/>
+                <a:cs typeface="+mn-cs"/>
+              </a:defRPr>
+            </a:lvl4pPr>
+            <a:lvl5pPr marL="2057400" indent="-228600" algn="l" defTabSz="914400" rtl="0" eaLnBrk="1" latinLnBrk="0" hangingPunct="1">
+              <a:lnSpc>
+                <a:spcPct val="90000"/>
+              </a:lnSpc>
+              <a:spcBef>
+                <a:spcPts val="500"/>
+              </a:spcBef>
+              <a:buFont typeface="Arial" panose="020B0604020202020204" pitchFamily="34" charset="0"/>
+              <a:buChar char="•"/>
+              <a:defRPr sz="1800" kern="1200">
+                <a:solidFill>
+                  <a:schemeClr val="tx1"/>
+                </a:solidFill>
+                <a:latin typeface="+mn-lt"/>
+                <a:ea typeface="+mn-ea"/>
+                <a:cs typeface="+mn-cs"/>
+              </a:defRPr>
+            </a:lvl5pPr>
+            <a:lvl6pPr marL="2514600" indent="-228600" algn="l" defTabSz="914400" rtl="0" eaLnBrk="1" latinLnBrk="0" hangingPunct="1">
+              <a:lnSpc>
+                <a:spcPct val="90000"/>
+              </a:lnSpc>
+              <a:spcBef>
+                <a:spcPts val="500"/>
+              </a:spcBef>
+              <a:buFont typeface="Arial" panose="020B0604020202020204" pitchFamily="34" charset="0"/>
+              <a:buChar char="•"/>
+              <a:defRPr sz="1800" kern="1200">
+                <a:solidFill>
+                  <a:schemeClr val="tx1"/>
+                </a:solidFill>
+                <a:latin typeface="+mn-lt"/>
+                <a:ea typeface="+mn-ea"/>
+                <a:cs typeface="+mn-cs"/>
+              </a:defRPr>
+            </a:lvl6pPr>
+            <a:lvl7pPr marL="2971800" indent="-228600" algn="l" defTabSz="914400" rtl="0" eaLnBrk="1" latinLnBrk="0" hangingPunct="1">
+              <a:lnSpc>
+                <a:spcPct val="90000"/>
+              </a:lnSpc>
+              <a:spcBef>
+                <a:spcPts val="500"/>
+              </a:spcBef>
+              <a:buFont typeface="Arial" panose="020B0604020202020204" pitchFamily="34" charset="0"/>
+              <a:buChar char="•"/>
+              <a:defRPr sz="1800" kern="1200">
+                <a:solidFill>
+                  <a:schemeClr val="tx1"/>
+                </a:solidFill>
+                <a:latin typeface="+mn-lt"/>
+                <a:ea typeface="+mn-ea"/>
+                <a:cs typeface="+mn-cs"/>
+              </a:defRPr>
+            </a:lvl7pPr>
+            <a:lvl8pPr marL="3429000" indent="-228600" algn="l" defTabSz="914400" rtl="0" eaLnBrk="1" latinLnBrk="0" hangingPunct="1">
+              <a:lnSpc>
+                <a:spcPct val="90000"/>
+              </a:lnSpc>
+              <a:spcBef>
+                <a:spcPts val="500"/>
+              </a:spcBef>
+              <a:buFont typeface="Arial" panose="020B0604020202020204" pitchFamily="34" charset="0"/>
+              <a:buChar char="•"/>
+              <a:defRPr sz="1800" kern="1200">
+                <a:solidFill>
+                  <a:schemeClr val="tx1"/>
+                </a:solidFill>
+                <a:latin typeface="+mn-lt"/>
+                <a:ea typeface="+mn-ea"/>
+                <a:cs typeface="+mn-cs"/>
+              </a:defRPr>
+            </a:lvl8pPr>
+            <a:lvl9pPr marL="3886200" indent="-228600" algn="l" defTabSz="914400" rtl="0" eaLnBrk="1" latinLnBrk="0" hangingPunct="1">
+              <a:lnSpc>
+                <a:spcPct val="90000"/>
+              </a:lnSpc>
+              <a:spcBef>
+                <a:spcPts val="500"/>
+              </a:spcBef>
+              <a:buFont typeface="Arial" panose="020B0604020202020204" pitchFamily="34" charset="0"/>
+              <a:buChar char="•"/>
+              <a:defRPr sz="1800" kern="1200">
+                <a:solidFill>
+                  <a:schemeClr val="tx1"/>
+                </a:solidFill>
+                <a:latin typeface="+mn-lt"/>
+                <a:ea typeface="+mn-ea"/>
+                <a:cs typeface="+mn-cs"/>
+              </a:defRPr>
+            </a:lvl9pPr>
+          </a:lstStyle>
+          <a:p>
+            <a:pPr marL="0" indent="0">
+              <a:spcBef>
+                <a:spcPts val="0"/>
+              </a:spcBef>
+              <a:buNone/>
+            </a:pPr>
+            <a:r>
+              <a:rPr lang="it-IT" sz="2000" b="1" dirty="0">
+                <a:latin typeface="Bahnschrift SemiCondensed" panose="020B0502040204020203" pitchFamily="34" charset="0"/>
+              </a:rPr>
+              <a:t>PROXIMITY TEST (</a:t>
+            </a:r>
+            <a:r>
+              <a:rPr lang="it-IT" sz="2000" b="1" dirty="0" err="1">
+                <a:latin typeface="Bahnschrift SemiCondensed" panose="020B0502040204020203" pitchFamily="34" charset="0"/>
+              </a:rPr>
+              <a:t>avg</a:t>
+            </a:r>
+            <a:r>
+              <a:rPr lang="it-IT" sz="2000" b="1" dirty="0">
+                <a:latin typeface="Bahnschrift SemiCondensed" panose="020B0502040204020203" pitchFamily="34" charset="0"/>
+              </a:rPr>
+              <a:t> </a:t>
+            </a:r>
+            <a:r>
+              <a:rPr lang="it-IT" sz="2000" b="1" dirty="0" err="1">
+                <a:latin typeface="Bahnschrift SemiCondensed" panose="020B0502040204020203" pitchFamily="34" charset="0"/>
+              </a:rPr>
+              <a:t>error</a:t>
+            </a:r>
+            <a:r>
+              <a:rPr lang="it-IT" sz="2000" b="1" dirty="0">
+                <a:latin typeface="Bahnschrift SemiCondensed" panose="020B0502040204020203" pitchFamily="34" charset="0"/>
+              </a:rPr>
+              <a:t>)</a:t>
+            </a:r>
+          </a:p>
+          <a:p>
+            <a:pPr marL="0" indent="0" algn="r">
+              <a:spcBef>
+                <a:spcPts val="0"/>
+              </a:spcBef>
+              <a:buNone/>
+            </a:pPr>
+            <a:r>
+              <a:rPr lang="it-IT" sz="6600" b="1" dirty="0">
+                <a:latin typeface="Bahnschrift SemiCondensed" panose="020B0502040204020203" pitchFamily="34" charset="0"/>
+              </a:rPr>
+              <a:t>2.58</a:t>
+            </a:r>
+            <a:endParaRPr lang="it-IT" sz="7200" b="1" dirty="0">
+              <a:latin typeface="Bahnschrift SemiCondensed" panose="020B0502040204020203" pitchFamily="34" charset="0"/>
+            </a:endParaRPr>
+          </a:p>
+        </p:txBody>
+      </p:sp>
+    </p:spTree>
+    <p:extLst>
+      <p:ext uri="{BB962C8B-B14F-4D97-AF65-F5344CB8AC3E}">
+        <p14:creationId xmlns:p14="http://schemas.microsoft.com/office/powerpoint/2010/main" val="1163381908"/>
+      </p:ext>
+    </p:extLst>
+  </p:cSld>
+  <p:clrMapOvr>
+    <a:masterClrMapping/>
+  </p:clrMapOvr>
+</p:sld>
+</file>
+
+<file path=ppt/slides/slide15.xml><?xml version="1.0" encoding="utf-8"?>
+<p:sld xmlns:a="http://schemas.openxmlformats.org/drawingml/2006/main" xmlns:r="http://schemas.openxmlformats.org/officeDocument/2006/relationships" xmlns:p="http://schemas.openxmlformats.org/presentationml/2006/main">
+  <p:cSld>
+    <p:spTree>
+      <p:nvGrpSpPr>
+        <p:cNvPr id="1" name=""/>
+        <p:cNvGrpSpPr/>
+        <p:nvPr/>
+      </p:nvGrpSpPr>
+      <p:grpSpPr>
+        <a:xfrm>
+          <a:off x="0" y="0"/>
+          <a:ext cx="0" cy="0"/>
+          <a:chOff x="0" y="0"/>
+          <a:chExt cx="0" cy="0"/>
+        </a:xfrm>
+      </p:grpSpPr>
+      <p:sp>
+        <p:nvSpPr>
+          <p:cNvPr id="12" name="Rectangle 11">
+            <a:extLst>
+              <a:ext uri="{FF2B5EF4-FFF2-40B4-BE49-F238E27FC236}">
+                <a16:creationId xmlns:a16="http://schemas.microsoft.com/office/drawing/2014/main" id="{52E79449-FA6D-BFA1-3AC3-2FF2D2669295}"/>
+              </a:ext>
+            </a:extLst>
+          </p:cNvPr>
+          <p:cNvSpPr/>
+          <p:nvPr/>
+        </p:nvSpPr>
+        <p:spPr>
+          <a:xfrm>
+            <a:off x="876300" y="381130"/>
+            <a:ext cx="10439401" cy="5816469"/>
+          </a:xfrm>
+          <a:prstGeom prst="rect">
+            <a:avLst/>
+          </a:prstGeom>
+          <a:solidFill>
+            <a:schemeClr val="bg1">
+              <a:lumMod val="95000"/>
+            </a:schemeClr>
+          </a:solidFill>
+          <a:ln>
+            <a:noFill/>
+          </a:ln>
+        </p:spPr>
+        <p:style>
+          <a:lnRef idx="2">
+            <a:schemeClr val="accent3">
+              <a:shade val="15000"/>
+            </a:schemeClr>
+          </a:lnRef>
+          <a:fillRef idx="1">
+            <a:schemeClr val="accent3"/>
+          </a:fillRef>
+          <a:effectRef idx="0">
+            <a:schemeClr val="accent3"/>
+          </a:effectRef>
+          <a:fontRef idx="minor">
+            <a:schemeClr val="lt1"/>
+          </a:fontRef>
+        </p:style>
+        <p:txBody>
+          <a:bodyPr rtlCol="0" anchor="ctr"/>
+          <a:lstStyle/>
+          <a:p>
+            <a:endParaRPr lang="en-GB" dirty="0"/>
+          </a:p>
+        </p:txBody>
+      </p:sp>
+      <p:sp>
+        <p:nvSpPr>
+          <p:cNvPr id="5" name="Rectangle 4">
+            <a:extLst>
+              <a:ext uri="{FF2B5EF4-FFF2-40B4-BE49-F238E27FC236}">
+                <a16:creationId xmlns:a16="http://schemas.microsoft.com/office/drawing/2014/main" id="{2636D39B-132B-5398-B7BB-4CD3D01E2CE1}"/>
+              </a:ext>
+            </a:extLst>
+          </p:cNvPr>
+          <p:cNvSpPr/>
+          <p:nvPr/>
+        </p:nvSpPr>
+        <p:spPr>
+          <a:xfrm rot="18900000">
+            <a:off x="-2034582" y="2237427"/>
+            <a:ext cx="11231309" cy="1943100"/>
+          </a:xfrm>
+          <a:prstGeom prst="rect">
+            <a:avLst/>
+          </a:prstGeom>
+          <a:solidFill>
+            <a:srgbClr val="F6DADB"/>
+          </a:solidFill>
+          <a:ln>
+            <a:noFill/>
+          </a:ln>
+        </p:spPr>
+        <p:style>
+          <a:lnRef idx="2">
+            <a:schemeClr val="accent1">
+              <a:shade val="15000"/>
+            </a:schemeClr>
+          </a:lnRef>
+          <a:fillRef idx="1">
+            <a:schemeClr val="accent1"/>
+          </a:fillRef>
+          <a:effectRef idx="0">
+            <a:schemeClr val="accent1"/>
+          </a:effectRef>
+          <a:fontRef idx="minor">
+            <a:schemeClr val="lt1"/>
+          </a:fontRef>
+        </p:style>
+        <p:txBody>
+          <a:bodyPr rtlCol="0" anchor="ctr"/>
+          <a:lstStyle/>
+          <a:p>
+            <a:pPr algn="ctr"/>
+            <a:endParaRPr lang="en-GB"/>
+          </a:p>
+        </p:txBody>
+      </p:sp>
+      <p:sp>
+        <p:nvSpPr>
+          <p:cNvPr id="6" name="Rectangle 5">
+            <a:extLst>
+              <a:ext uri="{FF2B5EF4-FFF2-40B4-BE49-F238E27FC236}">
+                <a16:creationId xmlns:a16="http://schemas.microsoft.com/office/drawing/2014/main" id="{41EAF67D-1EF1-6D32-FCE5-58980C4A3D00}"/>
+              </a:ext>
+            </a:extLst>
+          </p:cNvPr>
+          <p:cNvSpPr/>
+          <p:nvPr/>
+        </p:nvSpPr>
+        <p:spPr>
+          <a:xfrm rot="18900000">
+            <a:off x="-3124949" y="1190926"/>
+            <a:ext cx="10093808" cy="1943100"/>
+          </a:xfrm>
+          <a:prstGeom prst="rect">
+            <a:avLst/>
+          </a:prstGeom>
+          <a:solidFill>
+            <a:srgbClr val="E39193"/>
+          </a:solidFill>
+          <a:ln>
+            <a:noFill/>
+          </a:ln>
+        </p:spPr>
+        <p:style>
+          <a:lnRef idx="2">
+            <a:schemeClr val="accent1">
+              <a:shade val="15000"/>
+            </a:schemeClr>
+          </a:lnRef>
+          <a:fillRef idx="1">
+            <a:schemeClr val="accent1"/>
+          </a:fillRef>
+          <a:effectRef idx="0">
+            <a:schemeClr val="accent1"/>
+          </a:effectRef>
+          <a:fontRef idx="minor">
+            <a:schemeClr val="lt1"/>
+          </a:fontRef>
+        </p:style>
+        <p:txBody>
+          <a:bodyPr rtlCol="0" anchor="ctr"/>
+          <a:lstStyle/>
+          <a:p>
+            <a:pPr algn="ctr"/>
+            <a:endParaRPr lang="en-GB"/>
+          </a:p>
+        </p:txBody>
+      </p:sp>
+      <p:sp>
+        <p:nvSpPr>
+          <p:cNvPr id="4" name="Rectangle 3">
+            <a:extLst>
+              <a:ext uri="{FF2B5EF4-FFF2-40B4-BE49-F238E27FC236}">
+                <a16:creationId xmlns:a16="http://schemas.microsoft.com/office/drawing/2014/main" id="{6CDFE7D5-2689-74E7-57AD-40A94D3F7335}"/>
+              </a:ext>
+            </a:extLst>
+          </p:cNvPr>
+          <p:cNvSpPr/>
+          <p:nvPr/>
+        </p:nvSpPr>
+        <p:spPr>
+          <a:xfrm rot="18900000">
+            <a:off x="-2374508" y="-257741"/>
+            <a:ext cx="5996354" cy="1943100"/>
+          </a:xfrm>
+          <a:prstGeom prst="rect">
+            <a:avLst/>
+          </a:prstGeom>
+          <a:solidFill>
+            <a:srgbClr val="CF4548"/>
+          </a:solidFill>
+          <a:ln>
+            <a:noFill/>
+          </a:ln>
+        </p:spPr>
+        <p:style>
+          <a:lnRef idx="2">
+            <a:schemeClr val="accent1">
+              <a:shade val="15000"/>
+            </a:schemeClr>
+          </a:lnRef>
+          <a:fillRef idx="1">
+            <a:schemeClr val="accent1"/>
+          </a:fillRef>
+          <a:effectRef idx="0">
+            <a:schemeClr val="accent1"/>
+          </a:effectRef>
+          <a:fontRef idx="minor">
+            <a:schemeClr val="lt1"/>
+          </a:fontRef>
+        </p:style>
+        <p:txBody>
+          <a:bodyPr rtlCol="0" anchor="ctr"/>
+          <a:lstStyle/>
+          <a:p>
+            <a:pPr algn="ctr"/>
+            <a:endParaRPr lang="en-GB"/>
+          </a:p>
+        </p:txBody>
+      </p:sp>
+      <p:sp>
+        <p:nvSpPr>
+          <p:cNvPr id="8" name="Title 1">
+            <a:extLst>
+              <a:ext uri="{FF2B5EF4-FFF2-40B4-BE49-F238E27FC236}">
+                <a16:creationId xmlns:a16="http://schemas.microsoft.com/office/drawing/2014/main" id="{110755D4-C51E-9B71-C07D-D453901FE919}"/>
+              </a:ext>
+            </a:extLst>
+          </p:cNvPr>
+          <p:cNvSpPr>
+            <a:spLocks noGrp="1"/>
+          </p:cNvSpPr>
+          <p:nvPr>
+            <p:ph type="title"/>
+          </p:nvPr>
+        </p:nvSpPr>
+        <p:spPr>
+          <a:xfrm>
+            <a:off x="0" y="365125"/>
+            <a:ext cx="12192000" cy="1325563"/>
+          </a:xfrm>
+        </p:spPr>
+        <p:txBody>
+          <a:bodyPr>
+            <a:normAutofit/>
+          </a:bodyPr>
+          <a:lstStyle/>
+          <a:p>
+            <a:pPr algn="ctr"/>
+            <a:r>
+              <a:rPr lang="it-IT" sz="3600" b="1" dirty="0">
+                <a:latin typeface="Bahnschrift" panose="020B0502040204020203" pitchFamily="34" charset="0"/>
+              </a:rPr>
+              <a:t>DOUBLE DERIVATIVE CONTROLLER - IMPLEMENTATION</a:t>
+            </a:r>
+          </a:p>
+        </p:txBody>
+      </p:sp>
+      <p:sp>
+        <p:nvSpPr>
+          <p:cNvPr id="3" name="Content Placeholder 2">
+            <a:extLst>
+              <a:ext uri="{FF2B5EF4-FFF2-40B4-BE49-F238E27FC236}">
+                <a16:creationId xmlns:a16="http://schemas.microsoft.com/office/drawing/2014/main" id="{D043BCFF-A03B-2A00-99CA-D1B798232891}"/>
+              </a:ext>
+            </a:extLst>
+          </p:cNvPr>
+          <p:cNvSpPr txBox="1">
+            <a:spLocks/>
+          </p:cNvSpPr>
+          <p:nvPr/>
+        </p:nvSpPr>
+        <p:spPr>
+          <a:xfrm>
+            <a:off x="6328027" y="1544015"/>
+            <a:ext cx="4864691" cy="4506598"/>
+          </a:xfrm>
+          <a:prstGeom prst="rect">
+            <a:avLst/>
+          </a:prstGeom>
+          <a:ln w="28575">
+            <a:solidFill>
+              <a:schemeClr val="tx1"/>
+            </a:solidFill>
+          </a:ln>
+        </p:spPr>
+        <p:txBody>
+          <a:bodyPr vert="horz" lIns="91440" tIns="45720" rIns="91440" bIns="45720" rtlCol="0" anchor="ctr">
+            <a:normAutofit/>
+          </a:bodyPr>
+          <a:lstStyle>
+            <a:lvl1pPr marL="228600" indent="-228600" algn="l" defTabSz="914400" rtl="0" eaLnBrk="1" latinLnBrk="0" hangingPunct="1">
+              <a:lnSpc>
+                <a:spcPct val="90000"/>
+              </a:lnSpc>
+              <a:spcBef>
+                <a:spcPts val="1000"/>
+              </a:spcBef>
+              <a:buFont typeface="Arial" panose="020B0604020202020204" pitchFamily="34" charset="0"/>
+              <a:buChar char="•"/>
+              <a:defRPr sz="2800" kern="1200">
+                <a:solidFill>
+                  <a:schemeClr val="tx1"/>
+                </a:solidFill>
+                <a:latin typeface="+mn-lt"/>
+                <a:ea typeface="+mn-ea"/>
+                <a:cs typeface="+mn-cs"/>
+              </a:defRPr>
+            </a:lvl1pPr>
+            <a:lvl2pPr marL="685800" indent="-228600" algn="l" defTabSz="914400" rtl="0" eaLnBrk="1" latinLnBrk="0" hangingPunct="1">
+              <a:lnSpc>
+                <a:spcPct val="90000"/>
+              </a:lnSpc>
+              <a:spcBef>
+                <a:spcPts val="500"/>
+              </a:spcBef>
+              <a:buFont typeface="Arial" panose="020B0604020202020204" pitchFamily="34" charset="0"/>
+              <a:buChar char="•"/>
+              <a:defRPr sz="2400" kern="1200">
+                <a:solidFill>
+                  <a:schemeClr val="tx1"/>
+                </a:solidFill>
+                <a:latin typeface="+mn-lt"/>
+                <a:ea typeface="+mn-ea"/>
+                <a:cs typeface="+mn-cs"/>
+              </a:defRPr>
+            </a:lvl2pPr>
+            <a:lvl3pPr marL="1143000" indent="-228600" algn="l" defTabSz="914400" rtl="0" eaLnBrk="1" latinLnBrk="0" hangingPunct="1">
+              <a:lnSpc>
+                <a:spcPct val="90000"/>
+              </a:lnSpc>
+              <a:spcBef>
+                <a:spcPts val="500"/>
+              </a:spcBef>
+              <a:buFont typeface="Arial" panose="020B0604020202020204" pitchFamily="34" charset="0"/>
+              <a:buChar char="•"/>
+              <a:defRPr sz="2000" kern="1200">
+                <a:solidFill>
+                  <a:schemeClr val="tx1"/>
+                </a:solidFill>
+                <a:latin typeface="+mn-lt"/>
+                <a:ea typeface="+mn-ea"/>
+                <a:cs typeface="+mn-cs"/>
+              </a:defRPr>
+            </a:lvl3pPr>
+            <a:lvl4pPr marL="1600200" indent="-228600" algn="l" defTabSz="914400" rtl="0" eaLnBrk="1" latinLnBrk="0" hangingPunct="1">
+              <a:lnSpc>
+                <a:spcPct val="90000"/>
+              </a:lnSpc>
+              <a:spcBef>
+                <a:spcPts val="500"/>
+              </a:spcBef>
+              <a:buFont typeface="Arial" panose="020B0604020202020204" pitchFamily="34" charset="0"/>
+              <a:buChar char="•"/>
+              <a:defRPr sz="1800" kern="1200">
+                <a:solidFill>
+                  <a:schemeClr val="tx1"/>
+                </a:solidFill>
+                <a:latin typeface="+mn-lt"/>
+                <a:ea typeface="+mn-ea"/>
+                <a:cs typeface="+mn-cs"/>
+              </a:defRPr>
+            </a:lvl4pPr>
+            <a:lvl5pPr marL="2057400" indent="-228600" algn="l" defTabSz="914400" rtl="0" eaLnBrk="1" latinLnBrk="0" hangingPunct="1">
+              <a:lnSpc>
+                <a:spcPct val="90000"/>
+              </a:lnSpc>
+              <a:spcBef>
+                <a:spcPts val="500"/>
+              </a:spcBef>
+              <a:buFont typeface="Arial" panose="020B0604020202020204" pitchFamily="34" charset="0"/>
+              <a:buChar char="•"/>
+              <a:defRPr sz="1800" kern="1200">
+                <a:solidFill>
+                  <a:schemeClr val="tx1"/>
+                </a:solidFill>
+                <a:latin typeface="+mn-lt"/>
+                <a:ea typeface="+mn-ea"/>
+                <a:cs typeface="+mn-cs"/>
+              </a:defRPr>
+            </a:lvl5pPr>
+            <a:lvl6pPr marL="2514600" indent="-228600" algn="l" defTabSz="914400" rtl="0" eaLnBrk="1" latinLnBrk="0" hangingPunct="1">
+              <a:lnSpc>
+                <a:spcPct val="90000"/>
+              </a:lnSpc>
+              <a:spcBef>
+                <a:spcPts val="500"/>
+              </a:spcBef>
+              <a:buFont typeface="Arial" panose="020B0604020202020204" pitchFamily="34" charset="0"/>
+              <a:buChar char="•"/>
+              <a:defRPr sz="1800" kern="1200">
+                <a:solidFill>
+                  <a:schemeClr val="tx1"/>
+                </a:solidFill>
+                <a:latin typeface="+mn-lt"/>
+                <a:ea typeface="+mn-ea"/>
+                <a:cs typeface="+mn-cs"/>
+              </a:defRPr>
+            </a:lvl6pPr>
+            <a:lvl7pPr marL="2971800" indent="-228600" algn="l" defTabSz="914400" rtl="0" eaLnBrk="1" latinLnBrk="0" hangingPunct="1">
+              <a:lnSpc>
+                <a:spcPct val="90000"/>
+              </a:lnSpc>
+              <a:spcBef>
+                <a:spcPts val="500"/>
+              </a:spcBef>
+              <a:buFont typeface="Arial" panose="020B0604020202020204" pitchFamily="34" charset="0"/>
+              <a:buChar char="•"/>
+              <a:defRPr sz="1800" kern="1200">
+                <a:solidFill>
+                  <a:schemeClr val="tx1"/>
+                </a:solidFill>
+                <a:latin typeface="+mn-lt"/>
+                <a:ea typeface="+mn-ea"/>
+                <a:cs typeface="+mn-cs"/>
+              </a:defRPr>
+            </a:lvl7pPr>
+            <a:lvl8pPr marL="3429000" indent="-228600" algn="l" defTabSz="914400" rtl="0" eaLnBrk="1" latinLnBrk="0" hangingPunct="1">
+              <a:lnSpc>
+                <a:spcPct val="90000"/>
+              </a:lnSpc>
+              <a:spcBef>
+                <a:spcPts val="500"/>
+              </a:spcBef>
+              <a:buFont typeface="Arial" panose="020B0604020202020204" pitchFamily="34" charset="0"/>
+              <a:buChar char="•"/>
+              <a:defRPr sz="1800" kern="1200">
+                <a:solidFill>
+                  <a:schemeClr val="tx1"/>
+                </a:solidFill>
+                <a:latin typeface="+mn-lt"/>
+                <a:ea typeface="+mn-ea"/>
+                <a:cs typeface="+mn-cs"/>
+              </a:defRPr>
+            </a:lvl8pPr>
+            <a:lvl9pPr marL="3886200" indent="-228600" algn="l" defTabSz="914400" rtl="0" eaLnBrk="1" latinLnBrk="0" hangingPunct="1">
+              <a:lnSpc>
+                <a:spcPct val="90000"/>
+              </a:lnSpc>
+              <a:spcBef>
+                <a:spcPts val="500"/>
+              </a:spcBef>
+              <a:buFont typeface="Arial" panose="020B0604020202020204" pitchFamily="34" charset="0"/>
+              <a:buChar char="•"/>
+              <a:defRPr sz="1800" kern="1200">
+                <a:solidFill>
+                  <a:schemeClr val="tx1"/>
+                </a:solidFill>
+                <a:latin typeface="+mn-lt"/>
+                <a:ea typeface="+mn-ea"/>
+                <a:cs typeface="+mn-cs"/>
+              </a:defRPr>
+            </a:lvl9pPr>
+          </a:lstStyle>
+          <a:p>
+            <a:pPr marL="0" indent="0">
+              <a:buNone/>
+            </a:pPr>
+            <a:r>
+              <a:rPr lang="it-IT" sz="2000" b="1" dirty="0">
+                <a:latin typeface="Bahnschrift SemiCondensed" panose="020B0502040204020203" pitchFamily="34" charset="0"/>
+              </a:rPr>
+              <a:t>Controller </a:t>
+            </a:r>
+            <a:r>
+              <a:rPr lang="it-IT" sz="2000" b="1" dirty="0" err="1">
+                <a:latin typeface="Bahnschrift SemiCondensed" panose="020B0502040204020203" pitchFamily="34" charset="0"/>
+              </a:rPr>
+              <a:t>scheme</a:t>
+            </a:r>
+            <a:r>
+              <a:rPr lang="it-IT" sz="2000" b="1" dirty="0">
+                <a:latin typeface="Bahnschrift SemiCondensed" panose="020B0502040204020203" pitchFamily="34" charset="0"/>
+              </a:rPr>
+              <a:t>/</a:t>
+            </a:r>
+            <a:r>
+              <a:rPr lang="it-IT" sz="2000" b="1" dirty="0" err="1">
+                <a:latin typeface="Bahnschrift SemiCondensed" panose="020B0502040204020203" pitchFamily="34" charset="0"/>
+              </a:rPr>
+              <a:t>formulas</a:t>
+            </a:r>
+            <a:endParaRPr lang="it-IT" sz="2000" dirty="0">
+              <a:latin typeface="Bahnschrift SemiCondensed" panose="020B0502040204020203" pitchFamily="34" charset="0"/>
+            </a:endParaRPr>
+          </a:p>
+        </p:txBody>
+      </p:sp>
+      <p:sp>
+        <p:nvSpPr>
+          <p:cNvPr id="7" name="Content Placeholder 2">
+            <a:extLst>
+              <a:ext uri="{FF2B5EF4-FFF2-40B4-BE49-F238E27FC236}">
+                <a16:creationId xmlns:a16="http://schemas.microsoft.com/office/drawing/2014/main" id="{D2E4881A-30C6-6AA1-366D-4FCAEE820166}"/>
+              </a:ext>
+            </a:extLst>
+          </p:cNvPr>
+          <p:cNvSpPr txBox="1">
+            <a:spLocks/>
+          </p:cNvSpPr>
+          <p:nvPr/>
+        </p:nvSpPr>
+        <p:spPr>
+          <a:xfrm>
+            <a:off x="1370843" y="1544015"/>
+            <a:ext cx="3974832" cy="1355961"/>
+          </a:xfrm>
+          <a:prstGeom prst="rect">
+            <a:avLst/>
+          </a:prstGeom>
+          <a:ln w="28575">
+            <a:solidFill>
+              <a:schemeClr val="tx1"/>
+            </a:solidFill>
+          </a:ln>
+        </p:spPr>
+        <p:txBody>
+          <a:bodyPr vert="horz" lIns="91440" tIns="45720" rIns="91440" bIns="45720" rtlCol="0" anchor="ctr">
+            <a:normAutofit/>
+          </a:bodyPr>
+          <a:lstStyle>
+            <a:lvl1pPr marL="228600" indent="-228600" algn="l" defTabSz="914400" rtl="0" eaLnBrk="1" latinLnBrk="0" hangingPunct="1">
+              <a:lnSpc>
+                <a:spcPct val="90000"/>
+              </a:lnSpc>
+              <a:spcBef>
+                <a:spcPts val="1000"/>
+              </a:spcBef>
+              <a:buFont typeface="Arial" panose="020B0604020202020204" pitchFamily="34" charset="0"/>
+              <a:buChar char="•"/>
+              <a:defRPr sz="2800" kern="1200">
+                <a:solidFill>
+                  <a:schemeClr val="tx1"/>
+                </a:solidFill>
+                <a:latin typeface="+mn-lt"/>
+                <a:ea typeface="+mn-ea"/>
+                <a:cs typeface="+mn-cs"/>
+              </a:defRPr>
+            </a:lvl1pPr>
+            <a:lvl2pPr marL="685800" indent="-228600" algn="l" defTabSz="914400" rtl="0" eaLnBrk="1" latinLnBrk="0" hangingPunct="1">
+              <a:lnSpc>
+                <a:spcPct val="90000"/>
+              </a:lnSpc>
+              <a:spcBef>
+                <a:spcPts val="500"/>
+              </a:spcBef>
+              <a:buFont typeface="Arial" panose="020B0604020202020204" pitchFamily="34" charset="0"/>
+              <a:buChar char="•"/>
+              <a:defRPr sz="2400" kern="1200">
+                <a:solidFill>
+                  <a:schemeClr val="tx1"/>
+                </a:solidFill>
+                <a:latin typeface="+mn-lt"/>
+                <a:ea typeface="+mn-ea"/>
+                <a:cs typeface="+mn-cs"/>
+              </a:defRPr>
+            </a:lvl2pPr>
+            <a:lvl3pPr marL="1143000" indent="-228600" algn="l" defTabSz="914400" rtl="0" eaLnBrk="1" latinLnBrk="0" hangingPunct="1">
+              <a:lnSpc>
+                <a:spcPct val="90000"/>
+              </a:lnSpc>
+              <a:spcBef>
+                <a:spcPts val="500"/>
+              </a:spcBef>
+              <a:buFont typeface="Arial" panose="020B0604020202020204" pitchFamily="34" charset="0"/>
+              <a:buChar char="•"/>
+              <a:defRPr sz="2000" kern="1200">
+                <a:solidFill>
+                  <a:schemeClr val="tx1"/>
+                </a:solidFill>
+                <a:latin typeface="+mn-lt"/>
+                <a:ea typeface="+mn-ea"/>
+                <a:cs typeface="+mn-cs"/>
+              </a:defRPr>
+            </a:lvl3pPr>
+            <a:lvl4pPr marL="1600200" indent="-228600" algn="l" defTabSz="914400" rtl="0" eaLnBrk="1" latinLnBrk="0" hangingPunct="1">
+              <a:lnSpc>
+                <a:spcPct val="90000"/>
+              </a:lnSpc>
+              <a:spcBef>
+                <a:spcPts val="500"/>
+              </a:spcBef>
+              <a:buFont typeface="Arial" panose="020B0604020202020204" pitchFamily="34" charset="0"/>
+              <a:buChar char="•"/>
+              <a:defRPr sz="1800" kern="1200">
+                <a:solidFill>
+                  <a:schemeClr val="tx1"/>
+                </a:solidFill>
+                <a:latin typeface="+mn-lt"/>
+                <a:ea typeface="+mn-ea"/>
+                <a:cs typeface="+mn-cs"/>
+              </a:defRPr>
+            </a:lvl4pPr>
+            <a:lvl5pPr marL="2057400" indent="-228600" algn="l" defTabSz="914400" rtl="0" eaLnBrk="1" latinLnBrk="0" hangingPunct="1">
+              <a:lnSpc>
+                <a:spcPct val="90000"/>
+              </a:lnSpc>
+              <a:spcBef>
+                <a:spcPts val="500"/>
+              </a:spcBef>
+              <a:buFont typeface="Arial" panose="020B0604020202020204" pitchFamily="34" charset="0"/>
+              <a:buChar char="•"/>
+              <a:defRPr sz="1800" kern="1200">
+                <a:solidFill>
+                  <a:schemeClr val="tx1"/>
+                </a:solidFill>
+                <a:latin typeface="+mn-lt"/>
+                <a:ea typeface="+mn-ea"/>
+                <a:cs typeface="+mn-cs"/>
+              </a:defRPr>
+            </a:lvl5pPr>
+            <a:lvl6pPr marL="2514600" indent="-228600" algn="l" defTabSz="914400" rtl="0" eaLnBrk="1" latinLnBrk="0" hangingPunct="1">
+              <a:lnSpc>
+                <a:spcPct val="90000"/>
+              </a:lnSpc>
+              <a:spcBef>
+                <a:spcPts val="500"/>
+              </a:spcBef>
+              <a:buFont typeface="Arial" panose="020B0604020202020204" pitchFamily="34" charset="0"/>
+              <a:buChar char="•"/>
+              <a:defRPr sz="1800" kern="1200">
+                <a:solidFill>
+                  <a:schemeClr val="tx1"/>
+                </a:solidFill>
+                <a:latin typeface="+mn-lt"/>
+                <a:ea typeface="+mn-ea"/>
+                <a:cs typeface="+mn-cs"/>
+              </a:defRPr>
+            </a:lvl6pPr>
+            <a:lvl7pPr marL="2971800" indent="-228600" algn="l" defTabSz="914400" rtl="0" eaLnBrk="1" latinLnBrk="0" hangingPunct="1">
+              <a:lnSpc>
+                <a:spcPct val="90000"/>
+              </a:lnSpc>
+              <a:spcBef>
+                <a:spcPts val="500"/>
+              </a:spcBef>
+              <a:buFont typeface="Arial" panose="020B0604020202020204" pitchFamily="34" charset="0"/>
+              <a:buChar char="•"/>
+              <a:defRPr sz="1800" kern="1200">
+                <a:solidFill>
+                  <a:schemeClr val="tx1"/>
+                </a:solidFill>
+                <a:latin typeface="+mn-lt"/>
+                <a:ea typeface="+mn-ea"/>
+                <a:cs typeface="+mn-cs"/>
+              </a:defRPr>
+            </a:lvl7pPr>
+            <a:lvl8pPr marL="3429000" indent="-228600" algn="l" defTabSz="914400" rtl="0" eaLnBrk="1" latinLnBrk="0" hangingPunct="1">
+              <a:lnSpc>
+                <a:spcPct val="90000"/>
+              </a:lnSpc>
+              <a:spcBef>
+                <a:spcPts val="500"/>
+              </a:spcBef>
+              <a:buFont typeface="Arial" panose="020B0604020202020204" pitchFamily="34" charset="0"/>
+              <a:buChar char="•"/>
+              <a:defRPr sz="1800" kern="1200">
+                <a:solidFill>
+                  <a:schemeClr val="tx1"/>
+                </a:solidFill>
+                <a:latin typeface="+mn-lt"/>
+                <a:ea typeface="+mn-ea"/>
+                <a:cs typeface="+mn-cs"/>
+              </a:defRPr>
+            </a:lvl8pPr>
+            <a:lvl9pPr marL="3886200" indent="-228600" algn="l" defTabSz="914400" rtl="0" eaLnBrk="1" latinLnBrk="0" hangingPunct="1">
+              <a:lnSpc>
+                <a:spcPct val="90000"/>
+              </a:lnSpc>
+              <a:spcBef>
+                <a:spcPts val="500"/>
+              </a:spcBef>
+              <a:buFont typeface="Arial" panose="020B0604020202020204" pitchFamily="34" charset="0"/>
+              <a:buChar char="•"/>
+              <a:defRPr sz="1800" kern="1200">
+                <a:solidFill>
+                  <a:schemeClr val="tx1"/>
+                </a:solidFill>
+                <a:latin typeface="+mn-lt"/>
+                <a:ea typeface="+mn-ea"/>
+                <a:cs typeface="+mn-cs"/>
+              </a:defRPr>
+            </a:lvl9pPr>
+          </a:lstStyle>
+          <a:p>
+            <a:pPr marL="0" indent="0">
+              <a:spcBef>
+                <a:spcPts val="0"/>
+              </a:spcBef>
+              <a:buNone/>
+            </a:pPr>
+            <a:endParaRPr lang="it-IT" sz="7200" b="1" dirty="0">
+              <a:latin typeface="Bahnschrift SemiCondensed" panose="020B0502040204020203" pitchFamily="34" charset="0"/>
+            </a:endParaRPr>
+          </a:p>
+        </p:txBody>
+      </p:sp>
+      <p:sp>
+        <p:nvSpPr>
+          <p:cNvPr id="9" name="Content Placeholder 2">
+            <a:extLst>
+              <a:ext uri="{FF2B5EF4-FFF2-40B4-BE49-F238E27FC236}">
+                <a16:creationId xmlns:a16="http://schemas.microsoft.com/office/drawing/2014/main" id="{DE754ABA-4B90-B483-5295-069CEDBD8359}"/>
+              </a:ext>
+            </a:extLst>
+          </p:cNvPr>
+          <p:cNvSpPr txBox="1">
+            <a:spLocks/>
+          </p:cNvSpPr>
+          <p:nvPr/>
+        </p:nvSpPr>
+        <p:spPr>
+          <a:xfrm>
+            <a:off x="2202813" y="3137814"/>
+            <a:ext cx="3974832" cy="1355961"/>
+          </a:xfrm>
+          <a:prstGeom prst="rect">
+            <a:avLst/>
+          </a:prstGeom>
+          <a:ln w="28575">
+            <a:solidFill>
+              <a:schemeClr val="tx1"/>
+            </a:solidFill>
+          </a:ln>
+        </p:spPr>
+        <p:txBody>
+          <a:bodyPr vert="horz" lIns="91440" tIns="45720" rIns="91440" bIns="45720" rtlCol="0" anchor="ctr">
+            <a:normAutofit/>
+          </a:bodyPr>
+          <a:lstStyle>
+            <a:lvl1pPr marL="228600" indent="-228600" algn="l" defTabSz="914400" rtl="0" eaLnBrk="1" latinLnBrk="0" hangingPunct="1">
+              <a:lnSpc>
+                <a:spcPct val="90000"/>
+              </a:lnSpc>
+              <a:spcBef>
+                <a:spcPts val="1000"/>
+              </a:spcBef>
+              <a:buFont typeface="Arial" panose="020B0604020202020204" pitchFamily="34" charset="0"/>
+              <a:buChar char="•"/>
+              <a:defRPr sz="2800" kern="1200">
+                <a:solidFill>
+                  <a:schemeClr val="tx1"/>
+                </a:solidFill>
+                <a:latin typeface="+mn-lt"/>
+                <a:ea typeface="+mn-ea"/>
+                <a:cs typeface="+mn-cs"/>
+              </a:defRPr>
+            </a:lvl1pPr>
+            <a:lvl2pPr marL="685800" indent="-228600" algn="l" defTabSz="914400" rtl="0" eaLnBrk="1" latinLnBrk="0" hangingPunct="1">
+              <a:lnSpc>
+                <a:spcPct val="90000"/>
+              </a:lnSpc>
+              <a:spcBef>
+                <a:spcPts val="500"/>
+              </a:spcBef>
+              <a:buFont typeface="Arial" panose="020B0604020202020204" pitchFamily="34" charset="0"/>
+              <a:buChar char="•"/>
+              <a:defRPr sz="2400" kern="1200">
+                <a:solidFill>
+                  <a:schemeClr val="tx1"/>
+                </a:solidFill>
+                <a:latin typeface="+mn-lt"/>
+                <a:ea typeface="+mn-ea"/>
+                <a:cs typeface="+mn-cs"/>
+              </a:defRPr>
+            </a:lvl2pPr>
+            <a:lvl3pPr marL="1143000" indent="-228600" algn="l" defTabSz="914400" rtl="0" eaLnBrk="1" latinLnBrk="0" hangingPunct="1">
+              <a:lnSpc>
+                <a:spcPct val="90000"/>
+              </a:lnSpc>
+              <a:spcBef>
+                <a:spcPts val="500"/>
+              </a:spcBef>
+              <a:buFont typeface="Arial" panose="020B0604020202020204" pitchFamily="34" charset="0"/>
+              <a:buChar char="•"/>
+              <a:defRPr sz="2000" kern="1200">
+                <a:solidFill>
+                  <a:schemeClr val="tx1"/>
+                </a:solidFill>
+                <a:latin typeface="+mn-lt"/>
+                <a:ea typeface="+mn-ea"/>
+                <a:cs typeface="+mn-cs"/>
+              </a:defRPr>
+            </a:lvl3pPr>
+            <a:lvl4pPr marL="1600200" indent="-228600" algn="l" defTabSz="914400" rtl="0" eaLnBrk="1" latinLnBrk="0" hangingPunct="1">
+              <a:lnSpc>
+                <a:spcPct val="90000"/>
+              </a:lnSpc>
+              <a:spcBef>
+                <a:spcPts val="500"/>
+              </a:spcBef>
+              <a:buFont typeface="Arial" panose="020B0604020202020204" pitchFamily="34" charset="0"/>
+              <a:buChar char="•"/>
+              <a:defRPr sz="1800" kern="1200">
+                <a:solidFill>
+                  <a:schemeClr val="tx1"/>
+                </a:solidFill>
+                <a:latin typeface="+mn-lt"/>
+                <a:ea typeface="+mn-ea"/>
+                <a:cs typeface="+mn-cs"/>
+              </a:defRPr>
+            </a:lvl4pPr>
+            <a:lvl5pPr marL="2057400" indent="-228600" algn="l" defTabSz="914400" rtl="0" eaLnBrk="1" latinLnBrk="0" hangingPunct="1">
+              <a:lnSpc>
+                <a:spcPct val="90000"/>
+              </a:lnSpc>
+              <a:spcBef>
+                <a:spcPts val="500"/>
+              </a:spcBef>
+              <a:buFont typeface="Arial" panose="020B0604020202020204" pitchFamily="34" charset="0"/>
+              <a:buChar char="•"/>
+              <a:defRPr sz="1800" kern="1200">
+                <a:solidFill>
+                  <a:schemeClr val="tx1"/>
+                </a:solidFill>
+                <a:latin typeface="+mn-lt"/>
+                <a:ea typeface="+mn-ea"/>
+                <a:cs typeface="+mn-cs"/>
+              </a:defRPr>
+            </a:lvl5pPr>
+            <a:lvl6pPr marL="2514600" indent="-228600" algn="l" defTabSz="914400" rtl="0" eaLnBrk="1" latinLnBrk="0" hangingPunct="1">
+              <a:lnSpc>
+                <a:spcPct val="90000"/>
+              </a:lnSpc>
+              <a:spcBef>
+                <a:spcPts val="500"/>
+              </a:spcBef>
+              <a:buFont typeface="Arial" panose="020B0604020202020204" pitchFamily="34" charset="0"/>
+              <a:buChar char="•"/>
+              <a:defRPr sz="1800" kern="1200">
+                <a:solidFill>
+                  <a:schemeClr val="tx1"/>
+                </a:solidFill>
+                <a:latin typeface="+mn-lt"/>
+                <a:ea typeface="+mn-ea"/>
+                <a:cs typeface="+mn-cs"/>
+              </a:defRPr>
+            </a:lvl6pPr>
+            <a:lvl7pPr marL="2971800" indent="-228600" algn="l" defTabSz="914400" rtl="0" eaLnBrk="1" latinLnBrk="0" hangingPunct="1">
+              <a:lnSpc>
+                <a:spcPct val="90000"/>
+              </a:lnSpc>
+              <a:spcBef>
+                <a:spcPts val="500"/>
+              </a:spcBef>
+              <a:buFont typeface="Arial" panose="020B0604020202020204" pitchFamily="34" charset="0"/>
+              <a:buChar char="•"/>
+              <a:defRPr sz="1800" kern="1200">
+                <a:solidFill>
+                  <a:schemeClr val="tx1"/>
+                </a:solidFill>
+                <a:latin typeface="+mn-lt"/>
+                <a:ea typeface="+mn-ea"/>
+                <a:cs typeface="+mn-cs"/>
+              </a:defRPr>
+            </a:lvl7pPr>
+            <a:lvl8pPr marL="3429000" indent="-228600" algn="l" defTabSz="914400" rtl="0" eaLnBrk="1" latinLnBrk="0" hangingPunct="1">
+              <a:lnSpc>
+                <a:spcPct val="90000"/>
+              </a:lnSpc>
+              <a:spcBef>
+                <a:spcPts val="500"/>
+              </a:spcBef>
+              <a:buFont typeface="Arial" panose="020B0604020202020204" pitchFamily="34" charset="0"/>
+              <a:buChar char="•"/>
+              <a:defRPr sz="1800" kern="1200">
+                <a:solidFill>
+                  <a:schemeClr val="tx1"/>
+                </a:solidFill>
+                <a:latin typeface="+mn-lt"/>
+                <a:ea typeface="+mn-ea"/>
+                <a:cs typeface="+mn-cs"/>
+              </a:defRPr>
+            </a:lvl8pPr>
+            <a:lvl9pPr marL="3886200" indent="-228600" algn="l" defTabSz="914400" rtl="0" eaLnBrk="1" latinLnBrk="0" hangingPunct="1">
+              <a:lnSpc>
+                <a:spcPct val="90000"/>
+              </a:lnSpc>
+              <a:spcBef>
+                <a:spcPts val="500"/>
+              </a:spcBef>
+              <a:buFont typeface="Arial" panose="020B0604020202020204" pitchFamily="34" charset="0"/>
+              <a:buChar char="•"/>
+              <a:defRPr sz="1800" kern="1200">
+                <a:solidFill>
+                  <a:schemeClr val="tx1"/>
+                </a:solidFill>
+                <a:latin typeface="+mn-lt"/>
+                <a:ea typeface="+mn-ea"/>
+                <a:cs typeface="+mn-cs"/>
+              </a:defRPr>
+            </a:lvl9pPr>
+          </a:lstStyle>
+          <a:p>
+            <a:pPr marL="0" indent="0">
+              <a:spcBef>
+                <a:spcPts val="0"/>
+              </a:spcBef>
+              <a:buNone/>
+            </a:pPr>
+            <a:endParaRPr lang="it-IT" sz="7200" b="1" dirty="0">
+              <a:latin typeface="Bahnschrift SemiCondensed" panose="020B0502040204020203" pitchFamily="34" charset="0"/>
+            </a:endParaRPr>
+          </a:p>
+        </p:txBody>
+      </p:sp>
+      <p:sp>
+        <p:nvSpPr>
+          <p:cNvPr id="10" name="Content Placeholder 2">
+            <a:extLst>
+              <a:ext uri="{FF2B5EF4-FFF2-40B4-BE49-F238E27FC236}">
+                <a16:creationId xmlns:a16="http://schemas.microsoft.com/office/drawing/2014/main" id="{3F30862F-AE1F-34BE-1F57-7797DC41BCB4}"/>
+              </a:ext>
+            </a:extLst>
+          </p:cNvPr>
+          <p:cNvSpPr txBox="1">
+            <a:spLocks/>
+          </p:cNvSpPr>
+          <p:nvPr/>
+        </p:nvSpPr>
+        <p:spPr>
+          <a:xfrm>
+            <a:off x="1370843" y="4694652"/>
+            <a:ext cx="3974832" cy="1355961"/>
+          </a:xfrm>
+          <a:prstGeom prst="rect">
+            <a:avLst/>
+          </a:prstGeom>
+          <a:ln w="28575">
+            <a:solidFill>
+              <a:schemeClr val="tx1"/>
+            </a:solidFill>
+          </a:ln>
+        </p:spPr>
+        <p:txBody>
+          <a:bodyPr vert="horz" lIns="91440" tIns="45720" rIns="91440" bIns="45720" rtlCol="0" anchor="ctr">
+            <a:normAutofit/>
+          </a:bodyPr>
+          <a:lstStyle>
+            <a:lvl1pPr marL="228600" indent="-228600" algn="l" defTabSz="914400" rtl="0" eaLnBrk="1" latinLnBrk="0" hangingPunct="1">
+              <a:lnSpc>
+                <a:spcPct val="90000"/>
+              </a:lnSpc>
+              <a:spcBef>
+                <a:spcPts val="1000"/>
+              </a:spcBef>
+              <a:buFont typeface="Arial" panose="020B0604020202020204" pitchFamily="34" charset="0"/>
+              <a:buChar char="•"/>
+              <a:defRPr sz="2800" kern="1200">
+                <a:solidFill>
+                  <a:schemeClr val="tx1"/>
+                </a:solidFill>
+                <a:latin typeface="+mn-lt"/>
+                <a:ea typeface="+mn-ea"/>
+                <a:cs typeface="+mn-cs"/>
+              </a:defRPr>
+            </a:lvl1pPr>
+            <a:lvl2pPr marL="685800" indent="-228600" algn="l" defTabSz="914400" rtl="0" eaLnBrk="1" latinLnBrk="0" hangingPunct="1">
+              <a:lnSpc>
+                <a:spcPct val="90000"/>
+              </a:lnSpc>
+              <a:spcBef>
+                <a:spcPts val="500"/>
+              </a:spcBef>
+              <a:buFont typeface="Arial" panose="020B0604020202020204" pitchFamily="34" charset="0"/>
+              <a:buChar char="•"/>
+              <a:defRPr sz="2400" kern="1200">
+                <a:solidFill>
+                  <a:schemeClr val="tx1"/>
+                </a:solidFill>
+                <a:latin typeface="+mn-lt"/>
+                <a:ea typeface="+mn-ea"/>
+                <a:cs typeface="+mn-cs"/>
+              </a:defRPr>
+            </a:lvl2pPr>
+            <a:lvl3pPr marL="1143000" indent="-228600" algn="l" defTabSz="914400" rtl="0" eaLnBrk="1" latinLnBrk="0" hangingPunct="1">
+              <a:lnSpc>
+                <a:spcPct val="90000"/>
+              </a:lnSpc>
+              <a:spcBef>
+                <a:spcPts val="500"/>
+              </a:spcBef>
+              <a:buFont typeface="Arial" panose="020B0604020202020204" pitchFamily="34" charset="0"/>
+              <a:buChar char="•"/>
+              <a:defRPr sz="2000" kern="1200">
+                <a:solidFill>
+                  <a:schemeClr val="tx1"/>
+                </a:solidFill>
+                <a:latin typeface="+mn-lt"/>
+                <a:ea typeface="+mn-ea"/>
+                <a:cs typeface="+mn-cs"/>
+              </a:defRPr>
+            </a:lvl3pPr>
+            <a:lvl4pPr marL="1600200" indent="-228600" algn="l" defTabSz="914400" rtl="0" eaLnBrk="1" latinLnBrk="0" hangingPunct="1">
+              <a:lnSpc>
+                <a:spcPct val="90000"/>
+              </a:lnSpc>
+              <a:spcBef>
+                <a:spcPts val="500"/>
+              </a:spcBef>
+              <a:buFont typeface="Arial" panose="020B0604020202020204" pitchFamily="34" charset="0"/>
+              <a:buChar char="•"/>
+              <a:defRPr sz="1800" kern="1200">
+                <a:solidFill>
+                  <a:schemeClr val="tx1"/>
+                </a:solidFill>
+                <a:latin typeface="+mn-lt"/>
+                <a:ea typeface="+mn-ea"/>
+                <a:cs typeface="+mn-cs"/>
+              </a:defRPr>
+            </a:lvl4pPr>
+            <a:lvl5pPr marL="2057400" indent="-228600" algn="l" defTabSz="914400" rtl="0" eaLnBrk="1" latinLnBrk="0" hangingPunct="1">
+              <a:lnSpc>
+                <a:spcPct val="90000"/>
+              </a:lnSpc>
+              <a:spcBef>
+                <a:spcPts val="500"/>
+              </a:spcBef>
+              <a:buFont typeface="Arial" panose="020B0604020202020204" pitchFamily="34" charset="0"/>
+              <a:buChar char="•"/>
+              <a:defRPr sz="1800" kern="1200">
+                <a:solidFill>
+                  <a:schemeClr val="tx1"/>
+                </a:solidFill>
+                <a:latin typeface="+mn-lt"/>
+                <a:ea typeface="+mn-ea"/>
+                <a:cs typeface="+mn-cs"/>
+              </a:defRPr>
+            </a:lvl5pPr>
+            <a:lvl6pPr marL="2514600" indent="-228600" algn="l" defTabSz="914400" rtl="0" eaLnBrk="1" latinLnBrk="0" hangingPunct="1">
+              <a:lnSpc>
+                <a:spcPct val="90000"/>
+              </a:lnSpc>
+              <a:spcBef>
+                <a:spcPts val="500"/>
+              </a:spcBef>
+              <a:buFont typeface="Arial" panose="020B0604020202020204" pitchFamily="34" charset="0"/>
+              <a:buChar char="•"/>
+              <a:defRPr sz="1800" kern="1200">
+                <a:solidFill>
+                  <a:schemeClr val="tx1"/>
+                </a:solidFill>
+                <a:latin typeface="+mn-lt"/>
+                <a:ea typeface="+mn-ea"/>
+                <a:cs typeface="+mn-cs"/>
+              </a:defRPr>
+            </a:lvl6pPr>
+            <a:lvl7pPr marL="2971800" indent="-228600" algn="l" defTabSz="914400" rtl="0" eaLnBrk="1" latinLnBrk="0" hangingPunct="1">
+              <a:lnSpc>
+                <a:spcPct val="90000"/>
+              </a:lnSpc>
+              <a:spcBef>
+                <a:spcPts val="500"/>
+              </a:spcBef>
+              <a:buFont typeface="Arial" panose="020B0604020202020204" pitchFamily="34" charset="0"/>
+              <a:buChar char="•"/>
+              <a:defRPr sz="1800" kern="1200">
+                <a:solidFill>
+                  <a:schemeClr val="tx1"/>
+                </a:solidFill>
+                <a:latin typeface="+mn-lt"/>
+                <a:ea typeface="+mn-ea"/>
+                <a:cs typeface="+mn-cs"/>
+              </a:defRPr>
+            </a:lvl7pPr>
+            <a:lvl8pPr marL="3429000" indent="-228600" algn="l" defTabSz="914400" rtl="0" eaLnBrk="1" latinLnBrk="0" hangingPunct="1">
+              <a:lnSpc>
+                <a:spcPct val="90000"/>
+              </a:lnSpc>
+              <a:spcBef>
+                <a:spcPts val="500"/>
+              </a:spcBef>
+              <a:buFont typeface="Arial" panose="020B0604020202020204" pitchFamily="34" charset="0"/>
+              <a:buChar char="•"/>
+              <a:defRPr sz="1800" kern="1200">
+                <a:solidFill>
+                  <a:schemeClr val="tx1"/>
+                </a:solidFill>
+                <a:latin typeface="+mn-lt"/>
+                <a:ea typeface="+mn-ea"/>
+                <a:cs typeface="+mn-cs"/>
+              </a:defRPr>
+            </a:lvl8pPr>
+            <a:lvl9pPr marL="3886200" indent="-228600" algn="l" defTabSz="914400" rtl="0" eaLnBrk="1" latinLnBrk="0" hangingPunct="1">
+              <a:lnSpc>
+                <a:spcPct val="90000"/>
+              </a:lnSpc>
+              <a:spcBef>
+                <a:spcPts val="500"/>
+              </a:spcBef>
+              <a:buFont typeface="Arial" panose="020B0604020202020204" pitchFamily="34" charset="0"/>
+              <a:buChar char="•"/>
+              <a:defRPr sz="1800" kern="1200">
+                <a:solidFill>
+                  <a:schemeClr val="tx1"/>
+                </a:solidFill>
+                <a:latin typeface="+mn-lt"/>
+                <a:ea typeface="+mn-ea"/>
+                <a:cs typeface="+mn-cs"/>
+              </a:defRPr>
+            </a:lvl9pPr>
+          </a:lstStyle>
+          <a:p>
+            <a:pPr marL="0" indent="0">
+              <a:spcBef>
+                <a:spcPts val="0"/>
+              </a:spcBef>
+              <a:buNone/>
+            </a:pPr>
+            <a:endParaRPr lang="it-IT" sz="7200" b="1" dirty="0">
+              <a:latin typeface="Bahnschrift SemiCondensed" panose="020B0502040204020203" pitchFamily="34" charset="0"/>
+            </a:endParaRPr>
+          </a:p>
+        </p:txBody>
+      </p:sp>
+    </p:spTree>
+    <p:extLst>
+      <p:ext uri="{BB962C8B-B14F-4D97-AF65-F5344CB8AC3E}">
+        <p14:creationId xmlns:p14="http://schemas.microsoft.com/office/powerpoint/2010/main" val="4203350292"/>
+      </p:ext>
+    </p:extLst>
+  </p:cSld>
+  <p:clrMapOvr>
+    <a:masterClrMapping/>
+  </p:clrMapOvr>
+</p:sld>
+</file>
+
+<file path=ppt/slides/slide16.xml><?xml version="1.0" encoding="utf-8"?>
+<p:sld xmlns:a="http://schemas.openxmlformats.org/drawingml/2006/main" xmlns:r="http://schemas.openxmlformats.org/officeDocument/2006/relationships" xmlns:p="http://schemas.openxmlformats.org/presentationml/2006/main">
+  <p:cSld>
+    <p:spTree>
+      <p:nvGrpSpPr>
+        <p:cNvPr id="1" name=""/>
+        <p:cNvGrpSpPr/>
+        <p:nvPr/>
+      </p:nvGrpSpPr>
+      <p:grpSpPr>
+        <a:xfrm>
+          <a:off x="0" y="0"/>
+          <a:ext cx="0" cy="0"/>
+          <a:chOff x="0" y="0"/>
+          <a:chExt cx="0" cy="0"/>
+        </a:xfrm>
+      </p:grpSpPr>
+      <p:sp>
+        <p:nvSpPr>
+          <p:cNvPr id="12" name="Rectangle 11">
+            <a:extLst>
+              <a:ext uri="{FF2B5EF4-FFF2-40B4-BE49-F238E27FC236}">
+                <a16:creationId xmlns:a16="http://schemas.microsoft.com/office/drawing/2014/main" id="{52E79449-FA6D-BFA1-3AC3-2FF2D2669295}"/>
+              </a:ext>
+            </a:extLst>
+          </p:cNvPr>
+          <p:cNvSpPr/>
+          <p:nvPr/>
+        </p:nvSpPr>
+        <p:spPr>
+          <a:xfrm>
+            <a:off x="876300" y="381130"/>
+            <a:ext cx="10439401" cy="5816469"/>
+          </a:xfrm>
+          <a:prstGeom prst="rect">
+            <a:avLst/>
+          </a:prstGeom>
+          <a:solidFill>
+            <a:schemeClr val="bg1">
+              <a:lumMod val="95000"/>
+            </a:schemeClr>
+          </a:solidFill>
+          <a:ln>
+            <a:noFill/>
+          </a:ln>
+        </p:spPr>
+        <p:style>
+          <a:lnRef idx="2">
+            <a:schemeClr val="accent3">
+              <a:shade val="15000"/>
+            </a:schemeClr>
+          </a:lnRef>
+          <a:fillRef idx="1">
+            <a:schemeClr val="accent3"/>
+          </a:fillRef>
+          <a:effectRef idx="0">
+            <a:schemeClr val="accent3"/>
+          </a:effectRef>
+          <a:fontRef idx="minor">
+            <a:schemeClr val="lt1"/>
+          </a:fontRef>
+        </p:style>
+        <p:txBody>
+          <a:bodyPr rtlCol="0" anchor="ctr"/>
+          <a:lstStyle/>
+          <a:p>
+            <a:endParaRPr lang="en-GB" dirty="0"/>
+          </a:p>
+        </p:txBody>
+      </p:sp>
+      <p:sp>
+        <p:nvSpPr>
+          <p:cNvPr id="5" name="Rectangle 4">
+            <a:extLst>
+              <a:ext uri="{FF2B5EF4-FFF2-40B4-BE49-F238E27FC236}">
+                <a16:creationId xmlns:a16="http://schemas.microsoft.com/office/drawing/2014/main" id="{2636D39B-132B-5398-B7BB-4CD3D01E2CE1}"/>
+              </a:ext>
+            </a:extLst>
+          </p:cNvPr>
+          <p:cNvSpPr/>
+          <p:nvPr/>
+        </p:nvSpPr>
+        <p:spPr>
+          <a:xfrm rot="18900000">
+            <a:off x="-2034582" y="2237427"/>
+            <a:ext cx="11231309" cy="1943100"/>
+          </a:xfrm>
+          <a:prstGeom prst="rect">
+            <a:avLst/>
+          </a:prstGeom>
+          <a:solidFill>
+            <a:srgbClr val="F6DADB"/>
+          </a:solidFill>
+          <a:ln>
+            <a:noFill/>
+          </a:ln>
+        </p:spPr>
+        <p:style>
+          <a:lnRef idx="2">
+            <a:schemeClr val="accent1">
+              <a:shade val="15000"/>
+            </a:schemeClr>
+          </a:lnRef>
+          <a:fillRef idx="1">
+            <a:schemeClr val="accent1"/>
+          </a:fillRef>
+          <a:effectRef idx="0">
+            <a:schemeClr val="accent1"/>
+          </a:effectRef>
+          <a:fontRef idx="minor">
+            <a:schemeClr val="lt1"/>
+          </a:fontRef>
+        </p:style>
+        <p:txBody>
+          <a:bodyPr rtlCol="0" anchor="ctr"/>
+          <a:lstStyle/>
+          <a:p>
+            <a:pPr algn="ctr"/>
+            <a:endParaRPr lang="en-GB"/>
+          </a:p>
+        </p:txBody>
+      </p:sp>
+      <p:sp>
+        <p:nvSpPr>
+          <p:cNvPr id="6" name="Rectangle 5">
+            <a:extLst>
+              <a:ext uri="{FF2B5EF4-FFF2-40B4-BE49-F238E27FC236}">
+                <a16:creationId xmlns:a16="http://schemas.microsoft.com/office/drawing/2014/main" id="{41EAF67D-1EF1-6D32-FCE5-58980C4A3D00}"/>
+              </a:ext>
+            </a:extLst>
+          </p:cNvPr>
+          <p:cNvSpPr/>
+          <p:nvPr/>
+        </p:nvSpPr>
+        <p:spPr>
+          <a:xfrm rot="18900000">
+            <a:off x="-3124949" y="1190926"/>
+            <a:ext cx="10093808" cy="1943100"/>
+          </a:xfrm>
+          <a:prstGeom prst="rect">
+            <a:avLst/>
+          </a:prstGeom>
+          <a:solidFill>
+            <a:srgbClr val="E39193"/>
+          </a:solidFill>
+          <a:ln>
+            <a:noFill/>
+          </a:ln>
+        </p:spPr>
+        <p:style>
+          <a:lnRef idx="2">
+            <a:schemeClr val="accent1">
+              <a:shade val="15000"/>
+            </a:schemeClr>
+          </a:lnRef>
+          <a:fillRef idx="1">
+            <a:schemeClr val="accent1"/>
+          </a:fillRef>
+          <a:effectRef idx="0">
+            <a:schemeClr val="accent1"/>
+          </a:effectRef>
+          <a:fontRef idx="minor">
+            <a:schemeClr val="lt1"/>
+          </a:fontRef>
+        </p:style>
+        <p:txBody>
+          <a:bodyPr rtlCol="0" anchor="ctr"/>
+          <a:lstStyle/>
+          <a:p>
+            <a:pPr algn="ctr"/>
+            <a:endParaRPr lang="en-GB"/>
+          </a:p>
+        </p:txBody>
+      </p:sp>
+      <p:sp>
+        <p:nvSpPr>
+          <p:cNvPr id="4" name="Rectangle 3">
+            <a:extLst>
+              <a:ext uri="{FF2B5EF4-FFF2-40B4-BE49-F238E27FC236}">
+                <a16:creationId xmlns:a16="http://schemas.microsoft.com/office/drawing/2014/main" id="{6CDFE7D5-2689-74E7-57AD-40A94D3F7335}"/>
+              </a:ext>
+            </a:extLst>
+          </p:cNvPr>
+          <p:cNvSpPr/>
+          <p:nvPr/>
+        </p:nvSpPr>
+        <p:spPr>
+          <a:xfrm rot="18900000">
+            <a:off x="-2374508" y="-257741"/>
+            <a:ext cx="5996354" cy="1943100"/>
+          </a:xfrm>
+          <a:prstGeom prst="rect">
+            <a:avLst/>
+          </a:prstGeom>
+          <a:solidFill>
+            <a:srgbClr val="CF4548"/>
+          </a:solidFill>
+          <a:ln>
+            <a:noFill/>
+          </a:ln>
+        </p:spPr>
+        <p:style>
+          <a:lnRef idx="2">
+            <a:schemeClr val="accent1">
+              <a:shade val="15000"/>
+            </a:schemeClr>
+          </a:lnRef>
+          <a:fillRef idx="1">
+            <a:schemeClr val="accent1"/>
+          </a:fillRef>
+          <a:effectRef idx="0">
+            <a:schemeClr val="accent1"/>
+          </a:effectRef>
+          <a:fontRef idx="minor">
+            <a:schemeClr val="lt1"/>
+          </a:fontRef>
+        </p:style>
+        <p:txBody>
+          <a:bodyPr rtlCol="0" anchor="ctr"/>
+          <a:lstStyle/>
+          <a:p>
+            <a:pPr algn="ctr"/>
+            <a:endParaRPr lang="en-GB"/>
+          </a:p>
+        </p:txBody>
+      </p:sp>
+      <p:sp>
+        <p:nvSpPr>
+          <p:cNvPr id="8" name="Title 1">
+            <a:extLst>
+              <a:ext uri="{FF2B5EF4-FFF2-40B4-BE49-F238E27FC236}">
+                <a16:creationId xmlns:a16="http://schemas.microsoft.com/office/drawing/2014/main" id="{110755D4-C51E-9B71-C07D-D453901FE919}"/>
+              </a:ext>
+            </a:extLst>
+          </p:cNvPr>
+          <p:cNvSpPr>
+            <a:spLocks noGrp="1"/>
+          </p:cNvSpPr>
+          <p:nvPr>
+            <p:ph type="title"/>
+          </p:nvPr>
+        </p:nvSpPr>
+        <p:spPr>
+          <a:xfrm>
+            <a:off x="0" y="365125"/>
+            <a:ext cx="12192000" cy="1325563"/>
+          </a:xfrm>
+        </p:spPr>
+        <p:txBody>
+          <a:bodyPr>
+            <a:normAutofit/>
+          </a:bodyPr>
+          <a:lstStyle/>
+          <a:p>
+            <a:pPr algn="ctr"/>
+            <a:r>
+              <a:rPr lang="it-IT" sz="3600" b="1" dirty="0">
+                <a:latin typeface="Bahnschrift" panose="020B0502040204020203" pitchFamily="34" charset="0"/>
+              </a:rPr>
+              <a:t>DOUBLE DERIVATIVE CONTROLLER - RESULTS</a:t>
+            </a:r>
+          </a:p>
+        </p:txBody>
+      </p:sp>
+      <p:sp>
+        <p:nvSpPr>
+          <p:cNvPr id="3" name="Content Placeholder 2">
+            <a:extLst>
+              <a:ext uri="{FF2B5EF4-FFF2-40B4-BE49-F238E27FC236}">
+                <a16:creationId xmlns:a16="http://schemas.microsoft.com/office/drawing/2014/main" id="{D043BCFF-A03B-2A00-99CA-D1B798232891}"/>
+              </a:ext>
+            </a:extLst>
+          </p:cNvPr>
+          <p:cNvSpPr txBox="1">
+            <a:spLocks/>
+          </p:cNvSpPr>
+          <p:nvPr/>
+        </p:nvSpPr>
+        <p:spPr>
+          <a:xfrm>
+            <a:off x="6328027" y="1544015"/>
+            <a:ext cx="4864691" cy="4506598"/>
+          </a:xfrm>
+          <a:prstGeom prst="rect">
+            <a:avLst/>
+          </a:prstGeom>
+          <a:ln w="28575">
+            <a:solidFill>
+              <a:schemeClr val="tx1"/>
+            </a:solidFill>
+          </a:ln>
+        </p:spPr>
+        <p:txBody>
+          <a:bodyPr vert="horz" lIns="91440" tIns="45720" rIns="91440" bIns="45720" rtlCol="0" anchor="ctr">
+            <a:normAutofit/>
+          </a:bodyPr>
+          <a:lstStyle>
+            <a:lvl1pPr marL="228600" indent="-228600" algn="l" defTabSz="914400" rtl="0" eaLnBrk="1" latinLnBrk="0" hangingPunct="1">
+              <a:lnSpc>
+                <a:spcPct val="90000"/>
+              </a:lnSpc>
+              <a:spcBef>
+                <a:spcPts val="1000"/>
+              </a:spcBef>
+              <a:buFont typeface="Arial" panose="020B0604020202020204" pitchFamily="34" charset="0"/>
+              <a:buChar char="•"/>
+              <a:defRPr sz="2800" kern="1200">
+                <a:solidFill>
+                  <a:schemeClr val="tx1"/>
+                </a:solidFill>
+                <a:latin typeface="+mn-lt"/>
+                <a:ea typeface="+mn-ea"/>
+                <a:cs typeface="+mn-cs"/>
+              </a:defRPr>
+            </a:lvl1pPr>
+            <a:lvl2pPr marL="685800" indent="-228600" algn="l" defTabSz="914400" rtl="0" eaLnBrk="1" latinLnBrk="0" hangingPunct="1">
+              <a:lnSpc>
+                <a:spcPct val="90000"/>
+              </a:lnSpc>
+              <a:spcBef>
+                <a:spcPts val="500"/>
+              </a:spcBef>
+              <a:buFont typeface="Arial" panose="020B0604020202020204" pitchFamily="34" charset="0"/>
+              <a:buChar char="•"/>
+              <a:defRPr sz="2400" kern="1200">
+                <a:solidFill>
+                  <a:schemeClr val="tx1"/>
+                </a:solidFill>
+                <a:latin typeface="+mn-lt"/>
+                <a:ea typeface="+mn-ea"/>
+                <a:cs typeface="+mn-cs"/>
+              </a:defRPr>
+            </a:lvl2pPr>
+            <a:lvl3pPr marL="1143000" indent="-228600" algn="l" defTabSz="914400" rtl="0" eaLnBrk="1" latinLnBrk="0" hangingPunct="1">
+              <a:lnSpc>
+                <a:spcPct val="90000"/>
+              </a:lnSpc>
+              <a:spcBef>
+                <a:spcPts val="500"/>
+              </a:spcBef>
+              <a:buFont typeface="Arial" panose="020B0604020202020204" pitchFamily="34" charset="0"/>
+              <a:buChar char="•"/>
+              <a:defRPr sz="2000" kern="1200">
+                <a:solidFill>
+                  <a:schemeClr val="tx1"/>
+                </a:solidFill>
+                <a:latin typeface="+mn-lt"/>
+                <a:ea typeface="+mn-ea"/>
+                <a:cs typeface="+mn-cs"/>
+              </a:defRPr>
+            </a:lvl3pPr>
+            <a:lvl4pPr marL="1600200" indent="-228600" algn="l" defTabSz="914400" rtl="0" eaLnBrk="1" latinLnBrk="0" hangingPunct="1">
+              <a:lnSpc>
+                <a:spcPct val="90000"/>
+              </a:lnSpc>
+              <a:spcBef>
+                <a:spcPts val="500"/>
+              </a:spcBef>
+              <a:buFont typeface="Arial" panose="020B0604020202020204" pitchFamily="34" charset="0"/>
+              <a:buChar char="•"/>
+              <a:defRPr sz="1800" kern="1200">
+                <a:solidFill>
+                  <a:schemeClr val="tx1"/>
+                </a:solidFill>
+                <a:latin typeface="+mn-lt"/>
+                <a:ea typeface="+mn-ea"/>
+                <a:cs typeface="+mn-cs"/>
+              </a:defRPr>
+            </a:lvl4pPr>
+            <a:lvl5pPr marL="2057400" indent="-228600" algn="l" defTabSz="914400" rtl="0" eaLnBrk="1" latinLnBrk="0" hangingPunct="1">
+              <a:lnSpc>
+                <a:spcPct val="90000"/>
+              </a:lnSpc>
+              <a:spcBef>
+                <a:spcPts val="500"/>
+              </a:spcBef>
+              <a:buFont typeface="Arial" panose="020B0604020202020204" pitchFamily="34" charset="0"/>
+              <a:buChar char="•"/>
+              <a:defRPr sz="1800" kern="1200">
+                <a:solidFill>
+                  <a:schemeClr val="tx1"/>
+                </a:solidFill>
+                <a:latin typeface="+mn-lt"/>
+                <a:ea typeface="+mn-ea"/>
+                <a:cs typeface="+mn-cs"/>
+              </a:defRPr>
+            </a:lvl5pPr>
+            <a:lvl6pPr marL="2514600" indent="-228600" algn="l" defTabSz="914400" rtl="0" eaLnBrk="1" latinLnBrk="0" hangingPunct="1">
+              <a:lnSpc>
+                <a:spcPct val="90000"/>
+              </a:lnSpc>
+              <a:spcBef>
+                <a:spcPts val="500"/>
+              </a:spcBef>
+              <a:buFont typeface="Arial" panose="020B0604020202020204" pitchFamily="34" charset="0"/>
+              <a:buChar char="•"/>
+              <a:defRPr sz="1800" kern="1200">
+                <a:solidFill>
+                  <a:schemeClr val="tx1"/>
+                </a:solidFill>
+                <a:latin typeface="+mn-lt"/>
+                <a:ea typeface="+mn-ea"/>
+                <a:cs typeface="+mn-cs"/>
+              </a:defRPr>
+            </a:lvl6pPr>
+            <a:lvl7pPr marL="2971800" indent="-228600" algn="l" defTabSz="914400" rtl="0" eaLnBrk="1" latinLnBrk="0" hangingPunct="1">
+              <a:lnSpc>
+                <a:spcPct val="90000"/>
+              </a:lnSpc>
+              <a:spcBef>
+                <a:spcPts val="500"/>
+              </a:spcBef>
+              <a:buFont typeface="Arial" panose="020B0604020202020204" pitchFamily="34" charset="0"/>
+              <a:buChar char="•"/>
+              <a:defRPr sz="1800" kern="1200">
+                <a:solidFill>
+                  <a:schemeClr val="tx1"/>
+                </a:solidFill>
+                <a:latin typeface="+mn-lt"/>
+                <a:ea typeface="+mn-ea"/>
+                <a:cs typeface="+mn-cs"/>
+              </a:defRPr>
+            </a:lvl7pPr>
+            <a:lvl8pPr marL="3429000" indent="-228600" algn="l" defTabSz="914400" rtl="0" eaLnBrk="1" latinLnBrk="0" hangingPunct="1">
+              <a:lnSpc>
+                <a:spcPct val="90000"/>
+              </a:lnSpc>
+              <a:spcBef>
+                <a:spcPts val="500"/>
+              </a:spcBef>
+              <a:buFont typeface="Arial" panose="020B0604020202020204" pitchFamily="34" charset="0"/>
+              <a:buChar char="•"/>
+              <a:defRPr sz="1800" kern="1200">
+                <a:solidFill>
+                  <a:schemeClr val="tx1"/>
+                </a:solidFill>
+                <a:latin typeface="+mn-lt"/>
+                <a:ea typeface="+mn-ea"/>
+                <a:cs typeface="+mn-cs"/>
+              </a:defRPr>
+            </a:lvl8pPr>
+            <a:lvl9pPr marL="3886200" indent="-228600" algn="l" defTabSz="914400" rtl="0" eaLnBrk="1" latinLnBrk="0" hangingPunct="1">
+              <a:lnSpc>
+                <a:spcPct val="90000"/>
+              </a:lnSpc>
+              <a:spcBef>
+                <a:spcPts val="500"/>
+              </a:spcBef>
+              <a:buFont typeface="Arial" panose="020B0604020202020204" pitchFamily="34" charset="0"/>
+              <a:buChar char="•"/>
+              <a:defRPr sz="1800" kern="1200">
+                <a:solidFill>
+                  <a:schemeClr val="tx1"/>
+                </a:solidFill>
+                <a:latin typeface="+mn-lt"/>
+                <a:ea typeface="+mn-ea"/>
+                <a:cs typeface="+mn-cs"/>
+              </a:defRPr>
+            </a:lvl9pPr>
+          </a:lstStyle>
+          <a:p>
+            <a:pPr marL="0" indent="0">
+              <a:buNone/>
+            </a:pPr>
+            <a:r>
+              <a:rPr lang="it-IT" sz="2000" b="1" dirty="0" err="1">
+                <a:latin typeface="Bahnschrift SemiCondensed" panose="020B0502040204020203" pitchFamily="34" charset="0"/>
+              </a:rPr>
+              <a:t>Smoothness</a:t>
+            </a:r>
+            <a:r>
+              <a:rPr lang="it-IT" sz="2000" b="1" dirty="0">
+                <a:latin typeface="Bahnschrift SemiCondensed" panose="020B0502040204020203" pitchFamily="34" charset="0"/>
+              </a:rPr>
+              <a:t> image</a:t>
+            </a:r>
+            <a:endParaRPr lang="it-IT" sz="2000" dirty="0">
+              <a:latin typeface="Bahnschrift SemiCondensed" panose="020B0502040204020203" pitchFamily="34" charset="0"/>
+            </a:endParaRPr>
+          </a:p>
+        </p:txBody>
+      </p:sp>
+      <p:sp>
+        <p:nvSpPr>
+          <p:cNvPr id="7" name="Content Placeholder 2">
+            <a:extLst>
+              <a:ext uri="{FF2B5EF4-FFF2-40B4-BE49-F238E27FC236}">
+                <a16:creationId xmlns:a16="http://schemas.microsoft.com/office/drawing/2014/main" id="{D2E4881A-30C6-6AA1-366D-4FCAEE820166}"/>
+              </a:ext>
+            </a:extLst>
+          </p:cNvPr>
+          <p:cNvSpPr txBox="1">
+            <a:spLocks/>
+          </p:cNvSpPr>
+          <p:nvPr/>
+        </p:nvSpPr>
+        <p:spPr>
+          <a:xfrm>
+            <a:off x="1370843" y="1544015"/>
+            <a:ext cx="3974832" cy="1355961"/>
+          </a:xfrm>
+          <a:prstGeom prst="rect">
+            <a:avLst/>
+          </a:prstGeom>
+          <a:ln w="28575">
+            <a:solidFill>
+              <a:schemeClr val="tx1"/>
+            </a:solidFill>
+          </a:ln>
+        </p:spPr>
+        <p:txBody>
+          <a:bodyPr vert="horz" lIns="91440" tIns="45720" rIns="91440" bIns="45720" rtlCol="0" anchor="ctr">
+            <a:normAutofit/>
+          </a:bodyPr>
+          <a:lstStyle>
+            <a:lvl1pPr marL="228600" indent="-228600" algn="l" defTabSz="914400" rtl="0" eaLnBrk="1" latinLnBrk="0" hangingPunct="1">
+              <a:lnSpc>
+                <a:spcPct val="90000"/>
+              </a:lnSpc>
+              <a:spcBef>
+                <a:spcPts val="1000"/>
+              </a:spcBef>
+              <a:buFont typeface="Arial" panose="020B0604020202020204" pitchFamily="34" charset="0"/>
+              <a:buChar char="•"/>
+              <a:defRPr sz="2800" kern="1200">
+                <a:solidFill>
+                  <a:schemeClr val="tx1"/>
+                </a:solidFill>
+                <a:latin typeface="+mn-lt"/>
+                <a:ea typeface="+mn-ea"/>
+                <a:cs typeface="+mn-cs"/>
+              </a:defRPr>
+            </a:lvl1pPr>
+            <a:lvl2pPr marL="685800" indent="-228600" algn="l" defTabSz="914400" rtl="0" eaLnBrk="1" latinLnBrk="0" hangingPunct="1">
+              <a:lnSpc>
+                <a:spcPct val="90000"/>
+              </a:lnSpc>
+              <a:spcBef>
+                <a:spcPts val="500"/>
+              </a:spcBef>
+              <a:buFont typeface="Arial" panose="020B0604020202020204" pitchFamily="34" charset="0"/>
+              <a:buChar char="•"/>
+              <a:defRPr sz="2400" kern="1200">
+                <a:solidFill>
+                  <a:schemeClr val="tx1"/>
+                </a:solidFill>
+                <a:latin typeface="+mn-lt"/>
+                <a:ea typeface="+mn-ea"/>
+                <a:cs typeface="+mn-cs"/>
+              </a:defRPr>
+            </a:lvl2pPr>
+            <a:lvl3pPr marL="1143000" indent="-228600" algn="l" defTabSz="914400" rtl="0" eaLnBrk="1" latinLnBrk="0" hangingPunct="1">
+              <a:lnSpc>
+                <a:spcPct val="90000"/>
+              </a:lnSpc>
+              <a:spcBef>
+                <a:spcPts val="500"/>
+              </a:spcBef>
+              <a:buFont typeface="Arial" panose="020B0604020202020204" pitchFamily="34" charset="0"/>
+              <a:buChar char="•"/>
+              <a:defRPr sz="2000" kern="1200">
+                <a:solidFill>
+                  <a:schemeClr val="tx1"/>
+                </a:solidFill>
+                <a:latin typeface="+mn-lt"/>
+                <a:ea typeface="+mn-ea"/>
+                <a:cs typeface="+mn-cs"/>
+              </a:defRPr>
+            </a:lvl3pPr>
+            <a:lvl4pPr marL="1600200" indent="-228600" algn="l" defTabSz="914400" rtl="0" eaLnBrk="1" latinLnBrk="0" hangingPunct="1">
+              <a:lnSpc>
+                <a:spcPct val="90000"/>
+              </a:lnSpc>
+              <a:spcBef>
+                <a:spcPts val="500"/>
+              </a:spcBef>
+              <a:buFont typeface="Arial" panose="020B0604020202020204" pitchFamily="34" charset="0"/>
+              <a:buChar char="•"/>
+              <a:defRPr sz="1800" kern="1200">
+                <a:solidFill>
+                  <a:schemeClr val="tx1"/>
+                </a:solidFill>
+                <a:latin typeface="+mn-lt"/>
+                <a:ea typeface="+mn-ea"/>
+                <a:cs typeface="+mn-cs"/>
+              </a:defRPr>
+            </a:lvl4pPr>
+            <a:lvl5pPr marL="2057400" indent="-228600" algn="l" defTabSz="914400" rtl="0" eaLnBrk="1" latinLnBrk="0" hangingPunct="1">
+              <a:lnSpc>
+                <a:spcPct val="90000"/>
+              </a:lnSpc>
+              <a:spcBef>
+                <a:spcPts val="500"/>
+              </a:spcBef>
+              <a:buFont typeface="Arial" panose="020B0604020202020204" pitchFamily="34" charset="0"/>
+              <a:buChar char="•"/>
+              <a:defRPr sz="1800" kern="1200">
+                <a:solidFill>
+                  <a:schemeClr val="tx1"/>
+                </a:solidFill>
+                <a:latin typeface="+mn-lt"/>
+                <a:ea typeface="+mn-ea"/>
+                <a:cs typeface="+mn-cs"/>
+              </a:defRPr>
+            </a:lvl5pPr>
+            <a:lvl6pPr marL="2514600" indent="-228600" algn="l" defTabSz="914400" rtl="0" eaLnBrk="1" latinLnBrk="0" hangingPunct="1">
+              <a:lnSpc>
+                <a:spcPct val="90000"/>
+              </a:lnSpc>
+              <a:spcBef>
+                <a:spcPts val="500"/>
+              </a:spcBef>
+              <a:buFont typeface="Arial" panose="020B0604020202020204" pitchFamily="34" charset="0"/>
+              <a:buChar char="•"/>
+              <a:defRPr sz="1800" kern="1200">
+                <a:solidFill>
+                  <a:schemeClr val="tx1"/>
+                </a:solidFill>
+                <a:latin typeface="+mn-lt"/>
+                <a:ea typeface="+mn-ea"/>
+                <a:cs typeface="+mn-cs"/>
+              </a:defRPr>
+            </a:lvl6pPr>
+            <a:lvl7pPr marL="2971800" indent="-228600" algn="l" defTabSz="914400" rtl="0" eaLnBrk="1" latinLnBrk="0" hangingPunct="1">
+              <a:lnSpc>
+                <a:spcPct val="90000"/>
+              </a:lnSpc>
+              <a:spcBef>
+                <a:spcPts val="500"/>
+              </a:spcBef>
+              <a:buFont typeface="Arial" panose="020B0604020202020204" pitchFamily="34" charset="0"/>
+              <a:buChar char="•"/>
+              <a:defRPr sz="1800" kern="1200">
+                <a:solidFill>
+                  <a:schemeClr val="tx1"/>
+                </a:solidFill>
+                <a:latin typeface="+mn-lt"/>
+                <a:ea typeface="+mn-ea"/>
+                <a:cs typeface="+mn-cs"/>
+              </a:defRPr>
+            </a:lvl7pPr>
+            <a:lvl8pPr marL="3429000" indent="-228600" algn="l" defTabSz="914400" rtl="0" eaLnBrk="1" latinLnBrk="0" hangingPunct="1">
+              <a:lnSpc>
+                <a:spcPct val="90000"/>
+              </a:lnSpc>
+              <a:spcBef>
+                <a:spcPts val="500"/>
+              </a:spcBef>
+              <a:buFont typeface="Arial" panose="020B0604020202020204" pitchFamily="34" charset="0"/>
+              <a:buChar char="•"/>
+              <a:defRPr sz="1800" kern="1200">
+                <a:solidFill>
+                  <a:schemeClr val="tx1"/>
+                </a:solidFill>
+                <a:latin typeface="+mn-lt"/>
+                <a:ea typeface="+mn-ea"/>
+                <a:cs typeface="+mn-cs"/>
+              </a:defRPr>
+            </a:lvl8pPr>
+            <a:lvl9pPr marL="3886200" indent="-228600" algn="l" defTabSz="914400" rtl="0" eaLnBrk="1" latinLnBrk="0" hangingPunct="1">
+              <a:lnSpc>
+                <a:spcPct val="90000"/>
+              </a:lnSpc>
+              <a:spcBef>
+                <a:spcPts val="500"/>
+              </a:spcBef>
+              <a:buFont typeface="Arial" panose="020B0604020202020204" pitchFamily="34" charset="0"/>
+              <a:buChar char="•"/>
+              <a:defRPr sz="1800" kern="1200">
+                <a:solidFill>
+                  <a:schemeClr val="tx1"/>
+                </a:solidFill>
+                <a:latin typeface="+mn-lt"/>
+                <a:ea typeface="+mn-ea"/>
+                <a:cs typeface="+mn-cs"/>
+              </a:defRPr>
+            </a:lvl9pPr>
+          </a:lstStyle>
+          <a:p>
+            <a:pPr marL="0" indent="0">
+              <a:spcBef>
+                <a:spcPts val="0"/>
+              </a:spcBef>
+              <a:buNone/>
+            </a:pPr>
+            <a:r>
+              <a:rPr lang="it-IT" sz="2000" b="1" dirty="0">
+                <a:latin typeface="Bahnschrift SemiCondensed" panose="020B0502040204020203" pitchFamily="34" charset="0"/>
+              </a:rPr>
+              <a:t>CONVERGENCE TEST </a:t>
+            </a:r>
+          </a:p>
+          <a:p>
+            <a:pPr marL="0" indent="0" algn="r">
+              <a:spcBef>
+                <a:spcPts val="0"/>
+              </a:spcBef>
+              <a:buNone/>
+            </a:pPr>
+            <a:r>
+              <a:rPr lang="it-IT" sz="6600" b="1" dirty="0">
+                <a:latin typeface="Bahnschrift SemiCondensed" panose="020B0502040204020203" pitchFamily="34" charset="0"/>
+              </a:rPr>
+              <a:t>94%</a:t>
+            </a:r>
+            <a:endParaRPr lang="it-IT" sz="7200" b="1" dirty="0">
+              <a:latin typeface="Bahnschrift SemiCondensed" panose="020B0502040204020203" pitchFamily="34" charset="0"/>
+            </a:endParaRPr>
+          </a:p>
+        </p:txBody>
+      </p:sp>
+      <p:sp>
+        <p:nvSpPr>
+          <p:cNvPr id="9" name="Content Placeholder 2">
+            <a:extLst>
+              <a:ext uri="{FF2B5EF4-FFF2-40B4-BE49-F238E27FC236}">
+                <a16:creationId xmlns:a16="http://schemas.microsoft.com/office/drawing/2014/main" id="{DE754ABA-4B90-B483-5295-069CEDBD8359}"/>
+              </a:ext>
+            </a:extLst>
+          </p:cNvPr>
+          <p:cNvSpPr txBox="1">
+            <a:spLocks/>
+          </p:cNvSpPr>
+          <p:nvPr/>
+        </p:nvSpPr>
+        <p:spPr>
+          <a:xfrm>
+            <a:off x="2202813" y="3137814"/>
+            <a:ext cx="3974832" cy="1355961"/>
+          </a:xfrm>
+          <a:prstGeom prst="rect">
+            <a:avLst/>
+          </a:prstGeom>
+          <a:ln w="28575">
+            <a:solidFill>
+              <a:schemeClr val="tx1"/>
+            </a:solidFill>
+          </a:ln>
+        </p:spPr>
+        <p:txBody>
+          <a:bodyPr vert="horz" lIns="91440" tIns="45720" rIns="91440" bIns="45720" rtlCol="0" anchor="ctr">
+            <a:normAutofit/>
+          </a:bodyPr>
+          <a:lstStyle>
+            <a:lvl1pPr marL="228600" indent="-228600" algn="l" defTabSz="914400" rtl="0" eaLnBrk="1" latinLnBrk="0" hangingPunct="1">
+              <a:lnSpc>
+                <a:spcPct val="90000"/>
+              </a:lnSpc>
+              <a:spcBef>
+                <a:spcPts val="1000"/>
+              </a:spcBef>
+              <a:buFont typeface="Arial" panose="020B0604020202020204" pitchFamily="34" charset="0"/>
+              <a:buChar char="•"/>
+              <a:defRPr sz="2800" kern="1200">
+                <a:solidFill>
+                  <a:schemeClr val="tx1"/>
+                </a:solidFill>
+                <a:latin typeface="+mn-lt"/>
+                <a:ea typeface="+mn-ea"/>
+                <a:cs typeface="+mn-cs"/>
+              </a:defRPr>
+            </a:lvl1pPr>
+            <a:lvl2pPr marL="685800" indent="-228600" algn="l" defTabSz="914400" rtl="0" eaLnBrk="1" latinLnBrk="0" hangingPunct="1">
+              <a:lnSpc>
+                <a:spcPct val="90000"/>
+              </a:lnSpc>
+              <a:spcBef>
+                <a:spcPts val="500"/>
+              </a:spcBef>
+              <a:buFont typeface="Arial" panose="020B0604020202020204" pitchFamily="34" charset="0"/>
+              <a:buChar char="•"/>
+              <a:defRPr sz="2400" kern="1200">
+                <a:solidFill>
+                  <a:schemeClr val="tx1"/>
+                </a:solidFill>
+                <a:latin typeface="+mn-lt"/>
+                <a:ea typeface="+mn-ea"/>
+                <a:cs typeface="+mn-cs"/>
+              </a:defRPr>
+            </a:lvl2pPr>
+            <a:lvl3pPr marL="1143000" indent="-228600" algn="l" defTabSz="914400" rtl="0" eaLnBrk="1" latinLnBrk="0" hangingPunct="1">
+              <a:lnSpc>
+                <a:spcPct val="90000"/>
+              </a:lnSpc>
+              <a:spcBef>
+                <a:spcPts val="500"/>
+              </a:spcBef>
+              <a:buFont typeface="Arial" panose="020B0604020202020204" pitchFamily="34" charset="0"/>
+              <a:buChar char="•"/>
+              <a:defRPr sz="2000" kern="1200">
+                <a:solidFill>
+                  <a:schemeClr val="tx1"/>
+                </a:solidFill>
+                <a:latin typeface="+mn-lt"/>
+                <a:ea typeface="+mn-ea"/>
+                <a:cs typeface="+mn-cs"/>
+              </a:defRPr>
+            </a:lvl3pPr>
+            <a:lvl4pPr marL="1600200" indent="-228600" algn="l" defTabSz="914400" rtl="0" eaLnBrk="1" latinLnBrk="0" hangingPunct="1">
+              <a:lnSpc>
+                <a:spcPct val="90000"/>
+              </a:lnSpc>
+              <a:spcBef>
+                <a:spcPts val="500"/>
+              </a:spcBef>
+              <a:buFont typeface="Arial" panose="020B0604020202020204" pitchFamily="34" charset="0"/>
+              <a:buChar char="•"/>
+              <a:defRPr sz="1800" kern="1200">
+                <a:solidFill>
+                  <a:schemeClr val="tx1"/>
+                </a:solidFill>
+                <a:latin typeface="+mn-lt"/>
+                <a:ea typeface="+mn-ea"/>
+                <a:cs typeface="+mn-cs"/>
+              </a:defRPr>
+            </a:lvl4pPr>
+            <a:lvl5pPr marL="2057400" indent="-228600" algn="l" defTabSz="914400" rtl="0" eaLnBrk="1" latinLnBrk="0" hangingPunct="1">
+              <a:lnSpc>
+                <a:spcPct val="90000"/>
+              </a:lnSpc>
+              <a:spcBef>
+                <a:spcPts val="500"/>
+              </a:spcBef>
+              <a:buFont typeface="Arial" panose="020B0604020202020204" pitchFamily="34" charset="0"/>
+              <a:buChar char="•"/>
+              <a:defRPr sz="1800" kern="1200">
+                <a:solidFill>
+                  <a:schemeClr val="tx1"/>
+                </a:solidFill>
+                <a:latin typeface="+mn-lt"/>
+                <a:ea typeface="+mn-ea"/>
+                <a:cs typeface="+mn-cs"/>
+              </a:defRPr>
+            </a:lvl5pPr>
+            <a:lvl6pPr marL="2514600" indent="-228600" algn="l" defTabSz="914400" rtl="0" eaLnBrk="1" latinLnBrk="0" hangingPunct="1">
+              <a:lnSpc>
+                <a:spcPct val="90000"/>
+              </a:lnSpc>
+              <a:spcBef>
+                <a:spcPts val="500"/>
+              </a:spcBef>
+              <a:buFont typeface="Arial" panose="020B0604020202020204" pitchFamily="34" charset="0"/>
+              <a:buChar char="•"/>
+              <a:defRPr sz="1800" kern="1200">
+                <a:solidFill>
+                  <a:schemeClr val="tx1"/>
+                </a:solidFill>
+                <a:latin typeface="+mn-lt"/>
+                <a:ea typeface="+mn-ea"/>
+                <a:cs typeface="+mn-cs"/>
+              </a:defRPr>
+            </a:lvl6pPr>
+            <a:lvl7pPr marL="2971800" indent="-228600" algn="l" defTabSz="914400" rtl="0" eaLnBrk="1" latinLnBrk="0" hangingPunct="1">
+              <a:lnSpc>
+                <a:spcPct val="90000"/>
+              </a:lnSpc>
+              <a:spcBef>
+                <a:spcPts val="500"/>
+              </a:spcBef>
+              <a:buFont typeface="Arial" panose="020B0604020202020204" pitchFamily="34" charset="0"/>
+              <a:buChar char="•"/>
+              <a:defRPr sz="1800" kern="1200">
+                <a:solidFill>
+                  <a:schemeClr val="tx1"/>
+                </a:solidFill>
+                <a:latin typeface="+mn-lt"/>
+                <a:ea typeface="+mn-ea"/>
+                <a:cs typeface="+mn-cs"/>
+              </a:defRPr>
+            </a:lvl7pPr>
+            <a:lvl8pPr marL="3429000" indent="-228600" algn="l" defTabSz="914400" rtl="0" eaLnBrk="1" latinLnBrk="0" hangingPunct="1">
+              <a:lnSpc>
+                <a:spcPct val="90000"/>
+              </a:lnSpc>
+              <a:spcBef>
+                <a:spcPts val="500"/>
+              </a:spcBef>
+              <a:buFont typeface="Arial" panose="020B0604020202020204" pitchFamily="34" charset="0"/>
+              <a:buChar char="•"/>
+              <a:defRPr sz="1800" kern="1200">
+                <a:solidFill>
+                  <a:schemeClr val="tx1"/>
+                </a:solidFill>
+                <a:latin typeface="+mn-lt"/>
+                <a:ea typeface="+mn-ea"/>
+                <a:cs typeface="+mn-cs"/>
+              </a:defRPr>
+            </a:lvl8pPr>
+            <a:lvl9pPr marL="3886200" indent="-228600" algn="l" defTabSz="914400" rtl="0" eaLnBrk="1" latinLnBrk="0" hangingPunct="1">
+              <a:lnSpc>
+                <a:spcPct val="90000"/>
+              </a:lnSpc>
+              <a:spcBef>
+                <a:spcPts val="500"/>
+              </a:spcBef>
+              <a:buFont typeface="Arial" panose="020B0604020202020204" pitchFamily="34" charset="0"/>
+              <a:buChar char="•"/>
+              <a:defRPr sz="1800" kern="1200">
+                <a:solidFill>
+                  <a:schemeClr val="tx1"/>
+                </a:solidFill>
+                <a:latin typeface="+mn-lt"/>
+                <a:ea typeface="+mn-ea"/>
+                <a:cs typeface="+mn-cs"/>
+              </a:defRPr>
+            </a:lvl9pPr>
+          </a:lstStyle>
+          <a:p>
+            <a:pPr marL="0" indent="0">
+              <a:spcBef>
+                <a:spcPts val="0"/>
+              </a:spcBef>
+              <a:buNone/>
+            </a:pPr>
+            <a:r>
+              <a:rPr lang="it-IT" sz="2000" b="1" dirty="0">
+                <a:latin typeface="Bahnschrift SemiCondensed" panose="020B0502040204020203" pitchFamily="34" charset="0"/>
+              </a:rPr>
+              <a:t>SENSITIVITY TEST </a:t>
+            </a:r>
+          </a:p>
+          <a:p>
+            <a:pPr marL="0" indent="0" algn="r">
+              <a:spcBef>
+                <a:spcPts val="0"/>
+              </a:spcBef>
+              <a:buNone/>
+            </a:pPr>
+            <a:r>
+              <a:rPr lang="it-IT" sz="6600" b="1" dirty="0">
+                <a:latin typeface="Bahnschrift SemiCondensed" panose="020B0502040204020203" pitchFamily="34" charset="0"/>
+              </a:rPr>
+              <a:t>80/100</a:t>
+            </a:r>
+            <a:endParaRPr lang="it-IT" sz="7200" b="1" dirty="0">
+              <a:latin typeface="Bahnschrift SemiCondensed" panose="020B0502040204020203" pitchFamily="34" charset="0"/>
+            </a:endParaRPr>
+          </a:p>
+        </p:txBody>
+      </p:sp>
+      <p:sp>
+        <p:nvSpPr>
+          <p:cNvPr id="10" name="Content Placeholder 2">
+            <a:extLst>
+              <a:ext uri="{FF2B5EF4-FFF2-40B4-BE49-F238E27FC236}">
+                <a16:creationId xmlns:a16="http://schemas.microsoft.com/office/drawing/2014/main" id="{3F30862F-AE1F-34BE-1F57-7797DC41BCB4}"/>
+              </a:ext>
+            </a:extLst>
+          </p:cNvPr>
+          <p:cNvSpPr txBox="1">
+            <a:spLocks/>
+          </p:cNvSpPr>
+          <p:nvPr/>
+        </p:nvSpPr>
+        <p:spPr>
+          <a:xfrm>
+            <a:off x="1370843" y="4694652"/>
+            <a:ext cx="3974832" cy="1355961"/>
+          </a:xfrm>
+          <a:prstGeom prst="rect">
+            <a:avLst/>
+          </a:prstGeom>
+          <a:ln w="28575">
+            <a:solidFill>
+              <a:schemeClr val="tx1"/>
+            </a:solidFill>
+          </a:ln>
+        </p:spPr>
+        <p:txBody>
+          <a:bodyPr vert="horz" lIns="91440" tIns="45720" rIns="91440" bIns="45720" rtlCol="0" anchor="ctr">
+            <a:normAutofit/>
+          </a:bodyPr>
+          <a:lstStyle>
+            <a:lvl1pPr marL="228600" indent="-228600" algn="l" defTabSz="914400" rtl="0" eaLnBrk="1" latinLnBrk="0" hangingPunct="1">
+              <a:lnSpc>
+                <a:spcPct val="90000"/>
+              </a:lnSpc>
+              <a:spcBef>
+                <a:spcPts val="1000"/>
+              </a:spcBef>
+              <a:buFont typeface="Arial" panose="020B0604020202020204" pitchFamily="34" charset="0"/>
+              <a:buChar char="•"/>
+              <a:defRPr sz="2800" kern="1200">
+                <a:solidFill>
+                  <a:schemeClr val="tx1"/>
+                </a:solidFill>
+                <a:latin typeface="+mn-lt"/>
+                <a:ea typeface="+mn-ea"/>
+                <a:cs typeface="+mn-cs"/>
+              </a:defRPr>
+            </a:lvl1pPr>
+            <a:lvl2pPr marL="685800" indent="-228600" algn="l" defTabSz="914400" rtl="0" eaLnBrk="1" latinLnBrk="0" hangingPunct="1">
+              <a:lnSpc>
+                <a:spcPct val="90000"/>
+              </a:lnSpc>
+              <a:spcBef>
+                <a:spcPts val="500"/>
+              </a:spcBef>
+              <a:buFont typeface="Arial" panose="020B0604020202020204" pitchFamily="34" charset="0"/>
+              <a:buChar char="•"/>
+              <a:defRPr sz="2400" kern="1200">
+                <a:solidFill>
+                  <a:schemeClr val="tx1"/>
+                </a:solidFill>
+                <a:latin typeface="+mn-lt"/>
+                <a:ea typeface="+mn-ea"/>
+                <a:cs typeface="+mn-cs"/>
+              </a:defRPr>
+            </a:lvl2pPr>
+            <a:lvl3pPr marL="1143000" indent="-228600" algn="l" defTabSz="914400" rtl="0" eaLnBrk="1" latinLnBrk="0" hangingPunct="1">
+              <a:lnSpc>
+                <a:spcPct val="90000"/>
+              </a:lnSpc>
+              <a:spcBef>
+                <a:spcPts val="500"/>
+              </a:spcBef>
+              <a:buFont typeface="Arial" panose="020B0604020202020204" pitchFamily="34" charset="0"/>
+              <a:buChar char="•"/>
+              <a:defRPr sz="2000" kern="1200">
+                <a:solidFill>
+                  <a:schemeClr val="tx1"/>
+                </a:solidFill>
+                <a:latin typeface="+mn-lt"/>
+                <a:ea typeface="+mn-ea"/>
+                <a:cs typeface="+mn-cs"/>
+              </a:defRPr>
+            </a:lvl3pPr>
+            <a:lvl4pPr marL="1600200" indent="-228600" algn="l" defTabSz="914400" rtl="0" eaLnBrk="1" latinLnBrk="0" hangingPunct="1">
+              <a:lnSpc>
+                <a:spcPct val="90000"/>
+              </a:lnSpc>
+              <a:spcBef>
+                <a:spcPts val="500"/>
+              </a:spcBef>
+              <a:buFont typeface="Arial" panose="020B0604020202020204" pitchFamily="34" charset="0"/>
+              <a:buChar char="•"/>
+              <a:defRPr sz="1800" kern="1200">
+                <a:solidFill>
+                  <a:schemeClr val="tx1"/>
+                </a:solidFill>
+                <a:latin typeface="+mn-lt"/>
+                <a:ea typeface="+mn-ea"/>
+                <a:cs typeface="+mn-cs"/>
+              </a:defRPr>
+            </a:lvl4pPr>
+            <a:lvl5pPr marL="2057400" indent="-228600" algn="l" defTabSz="914400" rtl="0" eaLnBrk="1" latinLnBrk="0" hangingPunct="1">
+              <a:lnSpc>
+                <a:spcPct val="90000"/>
+              </a:lnSpc>
+              <a:spcBef>
+                <a:spcPts val="500"/>
+              </a:spcBef>
+              <a:buFont typeface="Arial" panose="020B0604020202020204" pitchFamily="34" charset="0"/>
+              <a:buChar char="•"/>
+              <a:defRPr sz="1800" kern="1200">
+                <a:solidFill>
+                  <a:schemeClr val="tx1"/>
+                </a:solidFill>
+                <a:latin typeface="+mn-lt"/>
+                <a:ea typeface="+mn-ea"/>
+                <a:cs typeface="+mn-cs"/>
+              </a:defRPr>
+            </a:lvl5pPr>
+            <a:lvl6pPr marL="2514600" indent="-228600" algn="l" defTabSz="914400" rtl="0" eaLnBrk="1" latinLnBrk="0" hangingPunct="1">
+              <a:lnSpc>
+                <a:spcPct val="90000"/>
+              </a:lnSpc>
+              <a:spcBef>
+                <a:spcPts val="500"/>
+              </a:spcBef>
+              <a:buFont typeface="Arial" panose="020B0604020202020204" pitchFamily="34" charset="0"/>
+              <a:buChar char="•"/>
+              <a:defRPr sz="1800" kern="1200">
+                <a:solidFill>
+                  <a:schemeClr val="tx1"/>
+                </a:solidFill>
+                <a:latin typeface="+mn-lt"/>
+                <a:ea typeface="+mn-ea"/>
+                <a:cs typeface="+mn-cs"/>
+              </a:defRPr>
+            </a:lvl6pPr>
+            <a:lvl7pPr marL="2971800" indent="-228600" algn="l" defTabSz="914400" rtl="0" eaLnBrk="1" latinLnBrk="0" hangingPunct="1">
+              <a:lnSpc>
+                <a:spcPct val="90000"/>
+              </a:lnSpc>
+              <a:spcBef>
+                <a:spcPts val="500"/>
+              </a:spcBef>
+              <a:buFont typeface="Arial" panose="020B0604020202020204" pitchFamily="34" charset="0"/>
+              <a:buChar char="•"/>
+              <a:defRPr sz="1800" kern="1200">
+                <a:solidFill>
+                  <a:schemeClr val="tx1"/>
+                </a:solidFill>
+                <a:latin typeface="+mn-lt"/>
+                <a:ea typeface="+mn-ea"/>
+                <a:cs typeface="+mn-cs"/>
+              </a:defRPr>
+            </a:lvl7pPr>
+            <a:lvl8pPr marL="3429000" indent="-228600" algn="l" defTabSz="914400" rtl="0" eaLnBrk="1" latinLnBrk="0" hangingPunct="1">
+              <a:lnSpc>
+                <a:spcPct val="90000"/>
+              </a:lnSpc>
+              <a:spcBef>
+                <a:spcPts val="500"/>
+              </a:spcBef>
+              <a:buFont typeface="Arial" panose="020B0604020202020204" pitchFamily="34" charset="0"/>
+              <a:buChar char="•"/>
+              <a:defRPr sz="1800" kern="1200">
+                <a:solidFill>
+                  <a:schemeClr val="tx1"/>
+                </a:solidFill>
+                <a:latin typeface="+mn-lt"/>
+                <a:ea typeface="+mn-ea"/>
+                <a:cs typeface="+mn-cs"/>
+              </a:defRPr>
+            </a:lvl8pPr>
+            <a:lvl9pPr marL="3886200" indent="-228600" algn="l" defTabSz="914400" rtl="0" eaLnBrk="1" latinLnBrk="0" hangingPunct="1">
+              <a:lnSpc>
+                <a:spcPct val="90000"/>
+              </a:lnSpc>
+              <a:spcBef>
+                <a:spcPts val="500"/>
+              </a:spcBef>
+              <a:buFont typeface="Arial" panose="020B0604020202020204" pitchFamily="34" charset="0"/>
+              <a:buChar char="•"/>
+              <a:defRPr sz="1800" kern="1200">
+                <a:solidFill>
+                  <a:schemeClr val="tx1"/>
+                </a:solidFill>
+                <a:latin typeface="+mn-lt"/>
+                <a:ea typeface="+mn-ea"/>
+                <a:cs typeface="+mn-cs"/>
+              </a:defRPr>
+            </a:lvl9pPr>
+          </a:lstStyle>
+          <a:p>
+            <a:pPr marL="0" indent="0">
+              <a:spcBef>
+                <a:spcPts val="0"/>
+              </a:spcBef>
+              <a:buNone/>
+            </a:pPr>
+            <a:r>
+              <a:rPr lang="it-IT" sz="2000" b="1" dirty="0">
+                <a:latin typeface="Bahnschrift SemiCondensed" panose="020B0502040204020203" pitchFamily="34" charset="0"/>
+              </a:rPr>
+              <a:t>PROXIMITY TEST (</a:t>
+            </a:r>
+            <a:r>
+              <a:rPr lang="it-IT" sz="2000" b="1" dirty="0" err="1">
+                <a:latin typeface="Bahnschrift SemiCondensed" panose="020B0502040204020203" pitchFamily="34" charset="0"/>
+              </a:rPr>
+              <a:t>avg</a:t>
+            </a:r>
+            <a:r>
+              <a:rPr lang="it-IT" sz="2000" b="1" dirty="0">
+                <a:latin typeface="Bahnschrift SemiCondensed" panose="020B0502040204020203" pitchFamily="34" charset="0"/>
+              </a:rPr>
+              <a:t> </a:t>
+            </a:r>
+            <a:r>
+              <a:rPr lang="it-IT" sz="2000" b="1" dirty="0" err="1">
+                <a:latin typeface="Bahnschrift SemiCondensed" panose="020B0502040204020203" pitchFamily="34" charset="0"/>
+              </a:rPr>
+              <a:t>error</a:t>
+            </a:r>
+            <a:r>
+              <a:rPr lang="it-IT" sz="2000" b="1" dirty="0">
+                <a:latin typeface="Bahnschrift SemiCondensed" panose="020B0502040204020203" pitchFamily="34" charset="0"/>
+              </a:rPr>
+              <a:t>)</a:t>
+            </a:r>
+          </a:p>
+          <a:p>
+            <a:pPr marL="0" indent="0" algn="r">
+              <a:spcBef>
+                <a:spcPts val="0"/>
+              </a:spcBef>
+              <a:buNone/>
+            </a:pPr>
+            <a:r>
+              <a:rPr lang="it-IT" sz="6600" b="1" dirty="0">
+                <a:latin typeface="Bahnschrift SemiCondensed" panose="020B0502040204020203" pitchFamily="34" charset="0"/>
+              </a:rPr>
+              <a:t>2.58</a:t>
+            </a:r>
+            <a:endParaRPr lang="it-IT" sz="7200" b="1" dirty="0">
+              <a:latin typeface="Bahnschrift SemiCondensed" panose="020B0502040204020203" pitchFamily="34" charset="0"/>
+            </a:endParaRPr>
+          </a:p>
+        </p:txBody>
+      </p:sp>
+    </p:spTree>
+    <p:extLst>
+      <p:ext uri="{BB962C8B-B14F-4D97-AF65-F5344CB8AC3E}">
         <p14:creationId xmlns:p14="http://schemas.microsoft.com/office/powerpoint/2010/main" val="2598265555"/>
       </p:ext>
     </p:extLst>
@@ -7039,7 +11664,969 @@
 </p:sld>
 </file>
 
-<file path=ppt/slides/slide13.xml><?xml version="1.0" encoding="utf-8"?>
+<file path=ppt/slides/slide17.xml><?xml version="1.0" encoding="utf-8"?>
+<p:sld xmlns:a="http://schemas.openxmlformats.org/drawingml/2006/main" xmlns:r="http://schemas.openxmlformats.org/officeDocument/2006/relationships" xmlns:p="http://schemas.openxmlformats.org/presentationml/2006/main">
+  <p:cSld>
+    <p:spTree>
+      <p:nvGrpSpPr>
+        <p:cNvPr id="1" name=""/>
+        <p:cNvGrpSpPr/>
+        <p:nvPr/>
+      </p:nvGrpSpPr>
+      <p:grpSpPr>
+        <a:xfrm>
+          <a:off x="0" y="0"/>
+          <a:ext cx="0" cy="0"/>
+          <a:chOff x="0" y="0"/>
+          <a:chExt cx="0" cy="0"/>
+        </a:xfrm>
+      </p:grpSpPr>
+      <p:sp>
+        <p:nvSpPr>
+          <p:cNvPr id="12" name="Rectangle 11">
+            <a:extLst>
+              <a:ext uri="{FF2B5EF4-FFF2-40B4-BE49-F238E27FC236}">
+                <a16:creationId xmlns:a16="http://schemas.microsoft.com/office/drawing/2014/main" id="{52E79449-FA6D-BFA1-3AC3-2FF2D2669295}"/>
+              </a:ext>
+            </a:extLst>
+          </p:cNvPr>
+          <p:cNvSpPr/>
+          <p:nvPr/>
+        </p:nvSpPr>
+        <p:spPr>
+          <a:xfrm>
+            <a:off x="876300" y="381130"/>
+            <a:ext cx="10439401" cy="5816469"/>
+          </a:xfrm>
+          <a:prstGeom prst="rect">
+            <a:avLst/>
+          </a:prstGeom>
+          <a:solidFill>
+            <a:schemeClr val="bg1">
+              <a:lumMod val="95000"/>
+            </a:schemeClr>
+          </a:solidFill>
+          <a:ln>
+            <a:noFill/>
+          </a:ln>
+        </p:spPr>
+        <p:style>
+          <a:lnRef idx="2">
+            <a:schemeClr val="accent3">
+              <a:shade val="15000"/>
+            </a:schemeClr>
+          </a:lnRef>
+          <a:fillRef idx="1">
+            <a:schemeClr val="accent3"/>
+          </a:fillRef>
+          <a:effectRef idx="0">
+            <a:schemeClr val="accent3"/>
+          </a:effectRef>
+          <a:fontRef idx="minor">
+            <a:schemeClr val="lt1"/>
+          </a:fontRef>
+        </p:style>
+        <p:txBody>
+          <a:bodyPr rtlCol="0" anchor="ctr"/>
+          <a:lstStyle/>
+          <a:p>
+            <a:endParaRPr lang="en-GB" dirty="0"/>
+          </a:p>
+        </p:txBody>
+      </p:sp>
+      <p:sp>
+        <p:nvSpPr>
+          <p:cNvPr id="5" name="Rectangle 4">
+            <a:extLst>
+              <a:ext uri="{FF2B5EF4-FFF2-40B4-BE49-F238E27FC236}">
+                <a16:creationId xmlns:a16="http://schemas.microsoft.com/office/drawing/2014/main" id="{2636D39B-132B-5398-B7BB-4CD3D01E2CE1}"/>
+              </a:ext>
+            </a:extLst>
+          </p:cNvPr>
+          <p:cNvSpPr/>
+          <p:nvPr/>
+        </p:nvSpPr>
+        <p:spPr>
+          <a:xfrm rot="18900000">
+            <a:off x="-2034582" y="2237427"/>
+            <a:ext cx="11231309" cy="1943100"/>
+          </a:xfrm>
+          <a:prstGeom prst="rect">
+            <a:avLst/>
+          </a:prstGeom>
+          <a:solidFill>
+            <a:srgbClr val="F6DADB"/>
+          </a:solidFill>
+          <a:ln>
+            <a:noFill/>
+          </a:ln>
+        </p:spPr>
+        <p:style>
+          <a:lnRef idx="2">
+            <a:schemeClr val="accent1">
+              <a:shade val="15000"/>
+            </a:schemeClr>
+          </a:lnRef>
+          <a:fillRef idx="1">
+            <a:schemeClr val="accent1"/>
+          </a:fillRef>
+          <a:effectRef idx="0">
+            <a:schemeClr val="accent1"/>
+          </a:effectRef>
+          <a:fontRef idx="minor">
+            <a:schemeClr val="lt1"/>
+          </a:fontRef>
+        </p:style>
+        <p:txBody>
+          <a:bodyPr rtlCol="0" anchor="ctr"/>
+          <a:lstStyle/>
+          <a:p>
+            <a:pPr algn="ctr"/>
+            <a:endParaRPr lang="en-GB"/>
+          </a:p>
+        </p:txBody>
+      </p:sp>
+      <p:sp>
+        <p:nvSpPr>
+          <p:cNvPr id="6" name="Rectangle 5">
+            <a:extLst>
+              <a:ext uri="{FF2B5EF4-FFF2-40B4-BE49-F238E27FC236}">
+                <a16:creationId xmlns:a16="http://schemas.microsoft.com/office/drawing/2014/main" id="{41EAF67D-1EF1-6D32-FCE5-58980C4A3D00}"/>
+              </a:ext>
+            </a:extLst>
+          </p:cNvPr>
+          <p:cNvSpPr/>
+          <p:nvPr/>
+        </p:nvSpPr>
+        <p:spPr>
+          <a:xfrm rot="18900000">
+            <a:off x="-3124949" y="1190926"/>
+            <a:ext cx="10093808" cy="1943100"/>
+          </a:xfrm>
+          <a:prstGeom prst="rect">
+            <a:avLst/>
+          </a:prstGeom>
+          <a:solidFill>
+            <a:srgbClr val="E39193"/>
+          </a:solidFill>
+          <a:ln>
+            <a:noFill/>
+          </a:ln>
+        </p:spPr>
+        <p:style>
+          <a:lnRef idx="2">
+            <a:schemeClr val="accent1">
+              <a:shade val="15000"/>
+            </a:schemeClr>
+          </a:lnRef>
+          <a:fillRef idx="1">
+            <a:schemeClr val="accent1"/>
+          </a:fillRef>
+          <a:effectRef idx="0">
+            <a:schemeClr val="accent1"/>
+          </a:effectRef>
+          <a:fontRef idx="minor">
+            <a:schemeClr val="lt1"/>
+          </a:fontRef>
+        </p:style>
+        <p:txBody>
+          <a:bodyPr rtlCol="0" anchor="ctr"/>
+          <a:lstStyle/>
+          <a:p>
+            <a:pPr algn="ctr"/>
+            <a:endParaRPr lang="en-GB"/>
+          </a:p>
+        </p:txBody>
+      </p:sp>
+      <p:sp>
+        <p:nvSpPr>
+          <p:cNvPr id="4" name="Rectangle 3">
+            <a:extLst>
+              <a:ext uri="{FF2B5EF4-FFF2-40B4-BE49-F238E27FC236}">
+                <a16:creationId xmlns:a16="http://schemas.microsoft.com/office/drawing/2014/main" id="{6CDFE7D5-2689-74E7-57AD-40A94D3F7335}"/>
+              </a:ext>
+            </a:extLst>
+          </p:cNvPr>
+          <p:cNvSpPr/>
+          <p:nvPr/>
+        </p:nvSpPr>
+        <p:spPr>
+          <a:xfrm rot="18900000">
+            <a:off x="-2374508" y="-257741"/>
+            <a:ext cx="5996354" cy="1943100"/>
+          </a:xfrm>
+          <a:prstGeom prst="rect">
+            <a:avLst/>
+          </a:prstGeom>
+          <a:solidFill>
+            <a:srgbClr val="CF4548"/>
+          </a:solidFill>
+          <a:ln>
+            <a:noFill/>
+          </a:ln>
+        </p:spPr>
+        <p:style>
+          <a:lnRef idx="2">
+            <a:schemeClr val="accent1">
+              <a:shade val="15000"/>
+            </a:schemeClr>
+          </a:lnRef>
+          <a:fillRef idx="1">
+            <a:schemeClr val="accent1"/>
+          </a:fillRef>
+          <a:effectRef idx="0">
+            <a:schemeClr val="accent1"/>
+          </a:effectRef>
+          <a:fontRef idx="minor">
+            <a:schemeClr val="lt1"/>
+          </a:fontRef>
+        </p:style>
+        <p:txBody>
+          <a:bodyPr rtlCol="0" anchor="ctr"/>
+          <a:lstStyle/>
+          <a:p>
+            <a:pPr algn="ctr"/>
+            <a:endParaRPr lang="en-GB"/>
+          </a:p>
+        </p:txBody>
+      </p:sp>
+      <p:sp>
+        <p:nvSpPr>
+          <p:cNvPr id="8" name="Title 1">
+            <a:extLst>
+              <a:ext uri="{FF2B5EF4-FFF2-40B4-BE49-F238E27FC236}">
+                <a16:creationId xmlns:a16="http://schemas.microsoft.com/office/drawing/2014/main" id="{110755D4-C51E-9B71-C07D-D453901FE919}"/>
+              </a:ext>
+            </a:extLst>
+          </p:cNvPr>
+          <p:cNvSpPr>
+            <a:spLocks noGrp="1"/>
+          </p:cNvSpPr>
+          <p:nvPr>
+            <p:ph type="title"/>
+          </p:nvPr>
+        </p:nvSpPr>
+        <p:spPr>
+          <a:xfrm>
+            <a:off x="838200" y="365125"/>
+            <a:ext cx="10515600" cy="1325563"/>
+          </a:xfrm>
+        </p:spPr>
+        <p:txBody>
+          <a:bodyPr/>
+          <a:lstStyle/>
+          <a:p>
+            <a:pPr algn="ctr"/>
+            <a:r>
+              <a:rPr lang="it-IT" b="1" dirty="0">
+                <a:latin typeface="Bahnschrift" panose="020B0502040204020203" pitchFamily="34" charset="0"/>
+              </a:rPr>
+              <a:t>CONTROLLER COMPARISON</a:t>
+            </a:r>
+          </a:p>
+        </p:txBody>
+      </p:sp>
+      <p:sp>
+        <p:nvSpPr>
+          <p:cNvPr id="2" name="Content Placeholder 2">
+            <a:extLst>
+              <a:ext uri="{FF2B5EF4-FFF2-40B4-BE49-F238E27FC236}">
+                <a16:creationId xmlns:a16="http://schemas.microsoft.com/office/drawing/2014/main" id="{AF38A505-5569-961A-20BE-5DB4C3A8AA0E}"/>
+              </a:ext>
+            </a:extLst>
+          </p:cNvPr>
+          <p:cNvSpPr txBox="1">
+            <a:spLocks/>
+          </p:cNvSpPr>
+          <p:nvPr/>
+        </p:nvSpPr>
+        <p:spPr>
+          <a:xfrm>
+            <a:off x="876300" y="1544015"/>
+            <a:ext cx="10439400" cy="4139154"/>
+          </a:xfrm>
+          <a:prstGeom prst="rect">
+            <a:avLst/>
+          </a:prstGeom>
+          <a:ln w="28575">
+            <a:solidFill>
+              <a:schemeClr val="tx1"/>
+            </a:solidFill>
+          </a:ln>
+        </p:spPr>
+        <p:txBody>
+          <a:bodyPr vert="horz" lIns="91440" tIns="45720" rIns="91440" bIns="45720" rtlCol="0" anchor="ctr">
+            <a:normAutofit/>
+          </a:bodyPr>
+          <a:lstStyle>
+            <a:lvl1pPr marL="228600" indent="-228600" algn="l" defTabSz="914400" rtl="0" eaLnBrk="1" latinLnBrk="0" hangingPunct="1">
+              <a:lnSpc>
+                <a:spcPct val="90000"/>
+              </a:lnSpc>
+              <a:spcBef>
+                <a:spcPts val="1000"/>
+              </a:spcBef>
+              <a:buFont typeface="Arial" panose="020B0604020202020204" pitchFamily="34" charset="0"/>
+              <a:buChar char="•"/>
+              <a:defRPr sz="2800" kern="1200">
+                <a:solidFill>
+                  <a:schemeClr val="tx1"/>
+                </a:solidFill>
+                <a:latin typeface="+mn-lt"/>
+                <a:ea typeface="+mn-ea"/>
+                <a:cs typeface="+mn-cs"/>
+              </a:defRPr>
+            </a:lvl1pPr>
+            <a:lvl2pPr marL="685800" indent="-228600" algn="l" defTabSz="914400" rtl="0" eaLnBrk="1" latinLnBrk="0" hangingPunct="1">
+              <a:lnSpc>
+                <a:spcPct val="90000"/>
+              </a:lnSpc>
+              <a:spcBef>
+                <a:spcPts val="500"/>
+              </a:spcBef>
+              <a:buFont typeface="Arial" panose="020B0604020202020204" pitchFamily="34" charset="0"/>
+              <a:buChar char="•"/>
+              <a:defRPr sz="2400" kern="1200">
+                <a:solidFill>
+                  <a:schemeClr val="tx1"/>
+                </a:solidFill>
+                <a:latin typeface="+mn-lt"/>
+                <a:ea typeface="+mn-ea"/>
+                <a:cs typeface="+mn-cs"/>
+              </a:defRPr>
+            </a:lvl2pPr>
+            <a:lvl3pPr marL="1143000" indent="-228600" algn="l" defTabSz="914400" rtl="0" eaLnBrk="1" latinLnBrk="0" hangingPunct="1">
+              <a:lnSpc>
+                <a:spcPct val="90000"/>
+              </a:lnSpc>
+              <a:spcBef>
+                <a:spcPts val="500"/>
+              </a:spcBef>
+              <a:buFont typeface="Arial" panose="020B0604020202020204" pitchFamily="34" charset="0"/>
+              <a:buChar char="•"/>
+              <a:defRPr sz="2000" kern="1200">
+                <a:solidFill>
+                  <a:schemeClr val="tx1"/>
+                </a:solidFill>
+                <a:latin typeface="+mn-lt"/>
+                <a:ea typeface="+mn-ea"/>
+                <a:cs typeface="+mn-cs"/>
+              </a:defRPr>
+            </a:lvl3pPr>
+            <a:lvl4pPr marL="1600200" indent="-228600" algn="l" defTabSz="914400" rtl="0" eaLnBrk="1" latinLnBrk="0" hangingPunct="1">
+              <a:lnSpc>
+                <a:spcPct val="90000"/>
+              </a:lnSpc>
+              <a:spcBef>
+                <a:spcPts val="500"/>
+              </a:spcBef>
+              <a:buFont typeface="Arial" panose="020B0604020202020204" pitchFamily="34" charset="0"/>
+              <a:buChar char="•"/>
+              <a:defRPr sz="1800" kern="1200">
+                <a:solidFill>
+                  <a:schemeClr val="tx1"/>
+                </a:solidFill>
+                <a:latin typeface="+mn-lt"/>
+                <a:ea typeface="+mn-ea"/>
+                <a:cs typeface="+mn-cs"/>
+              </a:defRPr>
+            </a:lvl4pPr>
+            <a:lvl5pPr marL="2057400" indent="-228600" algn="l" defTabSz="914400" rtl="0" eaLnBrk="1" latinLnBrk="0" hangingPunct="1">
+              <a:lnSpc>
+                <a:spcPct val="90000"/>
+              </a:lnSpc>
+              <a:spcBef>
+                <a:spcPts val="500"/>
+              </a:spcBef>
+              <a:buFont typeface="Arial" panose="020B0604020202020204" pitchFamily="34" charset="0"/>
+              <a:buChar char="•"/>
+              <a:defRPr sz="1800" kern="1200">
+                <a:solidFill>
+                  <a:schemeClr val="tx1"/>
+                </a:solidFill>
+                <a:latin typeface="+mn-lt"/>
+                <a:ea typeface="+mn-ea"/>
+                <a:cs typeface="+mn-cs"/>
+              </a:defRPr>
+            </a:lvl5pPr>
+            <a:lvl6pPr marL="2514600" indent="-228600" algn="l" defTabSz="914400" rtl="0" eaLnBrk="1" latinLnBrk="0" hangingPunct="1">
+              <a:lnSpc>
+                <a:spcPct val="90000"/>
+              </a:lnSpc>
+              <a:spcBef>
+                <a:spcPts val="500"/>
+              </a:spcBef>
+              <a:buFont typeface="Arial" panose="020B0604020202020204" pitchFamily="34" charset="0"/>
+              <a:buChar char="•"/>
+              <a:defRPr sz="1800" kern="1200">
+                <a:solidFill>
+                  <a:schemeClr val="tx1"/>
+                </a:solidFill>
+                <a:latin typeface="+mn-lt"/>
+                <a:ea typeface="+mn-ea"/>
+                <a:cs typeface="+mn-cs"/>
+              </a:defRPr>
+            </a:lvl6pPr>
+            <a:lvl7pPr marL="2971800" indent="-228600" algn="l" defTabSz="914400" rtl="0" eaLnBrk="1" latinLnBrk="0" hangingPunct="1">
+              <a:lnSpc>
+                <a:spcPct val="90000"/>
+              </a:lnSpc>
+              <a:spcBef>
+                <a:spcPts val="500"/>
+              </a:spcBef>
+              <a:buFont typeface="Arial" panose="020B0604020202020204" pitchFamily="34" charset="0"/>
+              <a:buChar char="•"/>
+              <a:defRPr sz="1800" kern="1200">
+                <a:solidFill>
+                  <a:schemeClr val="tx1"/>
+                </a:solidFill>
+                <a:latin typeface="+mn-lt"/>
+                <a:ea typeface="+mn-ea"/>
+                <a:cs typeface="+mn-cs"/>
+              </a:defRPr>
+            </a:lvl7pPr>
+            <a:lvl8pPr marL="3429000" indent="-228600" algn="l" defTabSz="914400" rtl="0" eaLnBrk="1" latinLnBrk="0" hangingPunct="1">
+              <a:lnSpc>
+                <a:spcPct val="90000"/>
+              </a:lnSpc>
+              <a:spcBef>
+                <a:spcPts val="500"/>
+              </a:spcBef>
+              <a:buFont typeface="Arial" panose="020B0604020202020204" pitchFamily="34" charset="0"/>
+              <a:buChar char="•"/>
+              <a:defRPr sz="1800" kern="1200">
+                <a:solidFill>
+                  <a:schemeClr val="tx1"/>
+                </a:solidFill>
+                <a:latin typeface="+mn-lt"/>
+                <a:ea typeface="+mn-ea"/>
+                <a:cs typeface="+mn-cs"/>
+              </a:defRPr>
+            </a:lvl8pPr>
+            <a:lvl9pPr marL="3886200" indent="-228600" algn="l" defTabSz="914400" rtl="0" eaLnBrk="1" latinLnBrk="0" hangingPunct="1">
+              <a:lnSpc>
+                <a:spcPct val="90000"/>
+              </a:lnSpc>
+              <a:spcBef>
+                <a:spcPts val="500"/>
+              </a:spcBef>
+              <a:buFont typeface="Arial" panose="020B0604020202020204" pitchFamily="34" charset="0"/>
+              <a:buChar char="•"/>
+              <a:defRPr sz="1800" kern="1200">
+                <a:solidFill>
+                  <a:schemeClr val="tx1"/>
+                </a:solidFill>
+                <a:latin typeface="+mn-lt"/>
+                <a:ea typeface="+mn-ea"/>
+                <a:cs typeface="+mn-cs"/>
+              </a:defRPr>
+            </a:lvl9pPr>
+          </a:lstStyle>
+          <a:p>
+            <a:r>
+              <a:rPr lang="it-IT" sz="2000" dirty="0">
+                <a:latin typeface="Bahnschrift SemiCondensed" panose="020B0502040204020203" pitchFamily="34" charset="0"/>
+              </a:rPr>
+              <a:t>TABLE OF RESULTS FOR COMPARISON</a:t>
+            </a:r>
+          </a:p>
+        </p:txBody>
+      </p:sp>
+    </p:spTree>
+    <p:extLst>
+      <p:ext uri="{BB962C8B-B14F-4D97-AF65-F5344CB8AC3E}">
+        <p14:creationId xmlns:p14="http://schemas.microsoft.com/office/powerpoint/2010/main" val="844256841"/>
+      </p:ext>
+    </p:extLst>
+  </p:cSld>
+  <p:clrMapOvr>
+    <a:masterClrMapping/>
+  </p:clrMapOvr>
+</p:sld>
+</file>
+
+<file path=ppt/slides/slide18.xml><?xml version="1.0" encoding="utf-8"?>
+<p:sld xmlns:a="http://schemas.openxmlformats.org/drawingml/2006/main" xmlns:r="http://schemas.openxmlformats.org/officeDocument/2006/relationships" xmlns:p="http://schemas.openxmlformats.org/presentationml/2006/main">
+  <p:cSld>
+    <p:spTree>
+      <p:nvGrpSpPr>
+        <p:cNvPr id="1" name=""/>
+        <p:cNvGrpSpPr/>
+        <p:nvPr/>
+      </p:nvGrpSpPr>
+      <p:grpSpPr>
+        <a:xfrm>
+          <a:off x="0" y="0"/>
+          <a:ext cx="0" cy="0"/>
+          <a:chOff x="0" y="0"/>
+          <a:chExt cx="0" cy="0"/>
+        </a:xfrm>
+      </p:grpSpPr>
+      <p:sp>
+        <p:nvSpPr>
+          <p:cNvPr id="12" name="Rectangle 11">
+            <a:extLst>
+              <a:ext uri="{FF2B5EF4-FFF2-40B4-BE49-F238E27FC236}">
+                <a16:creationId xmlns:a16="http://schemas.microsoft.com/office/drawing/2014/main" id="{52E79449-FA6D-BFA1-3AC3-2FF2D2669295}"/>
+              </a:ext>
+            </a:extLst>
+          </p:cNvPr>
+          <p:cNvSpPr/>
+          <p:nvPr/>
+        </p:nvSpPr>
+        <p:spPr>
+          <a:xfrm>
+            <a:off x="876300" y="381130"/>
+            <a:ext cx="10439401" cy="5816469"/>
+          </a:xfrm>
+          <a:prstGeom prst="rect">
+            <a:avLst/>
+          </a:prstGeom>
+          <a:solidFill>
+            <a:schemeClr val="bg1">
+              <a:lumMod val="95000"/>
+            </a:schemeClr>
+          </a:solidFill>
+          <a:ln>
+            <a:noFill/>
+          </a:ln>
+        </p:spPr>
+        <p:style>
+          <a:lnRef idx="2">
+            <a:schemeClr val="accent3">
+              <a:shade val="15000"/>
+            </a:schemeClr>
+          </a:lnRef>
+          <a:fillRef idx="1">
+            <a:schemeClr val="accent3"/>
+          </a:fillRef>
+          <a:effectRef idx="0">
+            <a:schemeClr val="accent3"/>
+          </a:effectRef>
+          <a:fontRef idx="minor">
+            <a:schemeClr val="lt1"/>
+          </a:fontRef>
+        </p:style>
+        <p:txBody>
+          <a:bodyPr rtlCol="0" anchor="ctr"/>
+          <a:lstStyle/>
+          <a:p>
+            <a:endParaRPr lang="en-GB" dirty="0"/>
+          </a:p>
+        </p:txBody>
+      </p:sp>
+      <p:sp>
+        <p:nvSpPr>
+          <p:cNvPr id="5" name="Rectangle 4">
+            <a:extLst>
+              <a:ext uri="{FF2B5EF4-FFF2-40B4-BE49-F238E27FC236}">
+                <a16:creationId xmlns:a16="http://schemas.microsoft.com/office/drawing/2014/main" id="{2636D39B-132B-5398-B7BB-4CD3D01E2CE1}"/>
+              </a:ext>
+            </a:extLst>
+          </p:cNvPr>
+          <p:cNvSpPr/>
+          <p:nvPr/>
+        </p:nvSpPr>
+        <p:spPr>
+          <a:xfrm rot="18900000">
+            <a:off x="-2034582" y="2237427"/>
+            <a:ext cx="11231309" cy="1943100"/>
+          </a:xfrm>
+          <a:prstGeom prst="rect">
+            <a:avLst/>
+          </a:prstGeom>
+          <a:solidFill>
+            <a:srgbClr val="F6DADB"/>
+          </a:solidFill>
+          <a:ln>
+            <a:noFill/>
+          </a:ln>
+        </p:spPr>
+        <p:style>
+          <a:lnRef idx="2">
+            <a:schemeClr val="accent1">
+              <a:shade val="15000"/>
+            </a:schemeClr>
+          </a:lnRef>
+          <a:fillRef idx="1">
+            <a:schemeClr val="accent1"/>
+          </a:fillRef>
+          <a:effectRef idx="0">
+            <a:schemeClr val="accent1"/>
+          </a:effectRef>
+          <a:fontRef idx="minor">
+            <a:schemeClr val="lt1"/>
+          </a:fontRef>
+        </p:style>
+        <p:txBody>
+          <a:bodyPr rtlCol="0" anchor="ctr"/>
+          <a:lstStyle/>
+          <a:p>
+            <a:pPr algn="ctr"/>
+            <a:endParaRPr lang="en-GB"/>
+          </a:p>
+        </p:txBody>
+      </p:sp>
+      <p:sp>
+        <p:nvSpPr>
+          <p:cNvPr id="6" name="Rectangle 5">
+            <a:extLst>
+              <a:ext uri="{FF2B5EF4-FFF2-40B4-BE49-F238E27FC236}">
+                <a16:creationId xmlns:a16="http://schemas.microsoft.com/office/drawing/2014/main" id="{41EAF67D-1EF1-6D32-FCE5-58980C4A3D00}"/>
+              </a:ext>
+            </a:extLst>
+          </p:cNvPr>
+          <p:cNvSpPr/>
+          <p:nvPr/>
+        </p:nvSpPr>
+        <p:spPr>
+          <a:xfrm rot="18900000">
+            <a:off x="-3124949" y="1190926"/>
+            <a:ext cx="10093808" cy="1943100"/>
+          </a:xfrm>
+          <a:prstGeom prst="rect">
+            <a:avLst/>
+          </a:prstGeom>
+          <a:solidFill>
+            <a:srgbClr val="E39193"/>
+          </a:solidFill>
+          <a:ln>
+            <a:noFill/>
+          </a:ln>
+        </p:spPr>
+        <p:style>
+          <a:lnRef idx="2">
+            <a:schemeClr val="accent1">
+              <a:shade val="15000"/>
+            </a:schemeClr>
+          </a:lnRef>
+          <a:fillRef idx="1">
+            <a:schemeClr val="accent1"/>
+          </a:fillRef>
+          <a:effectRef idx="0">
+            <a:schemeClr val="accent1"/>
+          </a:effectRef>
+          <a:fontRef idx="minor">
+            <a:schemeClr val="lt1"/>
+          </a:fontRef>
+        </p:style>
+        <p:txBody>
+          <a:bodyPr rtlCol="0" anchor="ctr"/>
+          <a:lstStyle/>
+          <a:p>
+            <a:pPr algn="ctr"/>
+            <a:endParaRPr lang="en-GB"/>
+          </a:p>
+        </p:txBody>
+      </p:sp>
+      <p:sp>
+        <p:nvSpPr>
+          <p:cNvPr id="4" name="Rectangle 3">
+            <a:extLst>
+              <a:ext uri="{FF2B5EF4-FFF2-40B4-BE49-F238E27FC236}">
+                <a16:creationId xmlns:a16="http://schemas.microsoft.com/office/drawing/2014/main" id="{6CDFE7D5-2689-74E7-57AD-40A94D3F7335}"/>
+              </a:ext>
+            </a:extLst>
+          </p:cNvPr>
+          <p:cNvSpPr/>
+          <p:nvPr/>
+        </p:nvSpPr>
+        <p:spPr>
+          <a:xfrm rot="18900000">
+            <a:off x="-2374508" y="-257741"/>
+            <a:ext cx="5996354" cy="1943100"/>
+          </a:xfrm>
+          <a:prstGeom prst="rect">
+            <a:avLst/>
+          </a:prstGeom>
+          <a:solidFill>
+            <a:srgbClr val="CF4548"/>
+          </a:solidFill>
+          <a:ln>
+            <a:noFill/>
+          </a:ln>
+        </p:spPr>
+        <p:style>
+          <a:lnRef idx="2">
+            <a:schemeClr val="accent1">
+              <a:shade val="15000"/>
+            </a:schemeClr>
+          </a:lnRef>
+          <a:fillRef idx="1">
+            <a:schemeClr val="accent1"/>
+          </a:fillRef>
+          <a:effectRef idx="0">
+            <a:schemeClr val="accent1"/>
+          </a:effectRef>
+          <a:fontRef idx="minor">
+            <a:schemeClr val="lt1"/>
+          </a:fontRef>
+        </p:style>
+        <p:txBody>
+          <a:bodyPr rtlCol="0" anchor="ctr"/>
+          <a:lstStyle/>
+          <a:p>
+            <a:pPr algn="ctr"/>
+            <a:endParaRPr lang="en-GB"/>
+          </a:p>
+        </p:txBody>
+      </p:sp>
+      <p:sp>
+        <p:nvSpPr>
+          <p:cNvPr id="8" name="Title 1">
+            <a:extLst>
+              <a:ext uri="{FF2B5EF4-FFF2-40B4-BE49-F238E27FC236}">
+                <a16:creationId xmlns:a16="http://schemas.microsoft.com/office/drawing/2014/main" id="{110755D4-C51E-9B71-C07D-D453901FE919}"/>
+              </a:ext>
+            </a:extLst>
+          </p:cNvPr>
+          <p:cNvSpPr>
+            <a:spLocks noGrp="1"/>
+          </p:cNvSpPr>
+          <p:nvPr>
+            <p:ph type="title"/>
+          </p:nvPr>
+        </p:nvSpPr>
+        <p:spPr>
+          <a:xfrm>
+            <a:off x="838200" y="365125"/>
+            <a:ext cx="10515600" cy="1325563"/>
+          </a:xfrm>
+        </p:spPr>
+        <p:txBody>
+          <a:bodyPr/>
+          <a:lstStyle/>
+          <a:p>
+            <a:pPr algn="ctr"/>
+            <a:r>
+              <a:rPr lang="it-IT" b="1" dirty="0">
+                <a:latin typeface="Bahnschrift" panose="020B0502040204020203" pitchFamily="34" charset="0"/>
+              </a:rPr>
+              <a:t>FINAL CONSIDERATIONS</a:t>
+            </a:r>
+          </a:p>
+        </p:txBody>
+      </p:sp>
+      <p:sp>
+        <p:nvSpPr>
+          <p:cNvPr id="2" name="Content Placeholder 2">
+            <a:extLst>
+              <a:ext uri="{FF2B5EF4-FFF2-40B4-BE49-F238E27FC236}">
+                <a16:creationId xmlns:a16="http://schemas.microsoft.com/office/drawing/2014/main" id="{AF38A505-5569-961A-20BE-5DB4C3A8AA0E}"/>
+              </a:ext>
+            </a:extLst>
+          </p:cNvPr>
+          <p:cNvSpPr txBox="1">
+            <a:spLocks/>
+          </p:cNvSpPr>
+          <p:nvPr/>
+        </p:nvSpPr>
+        <p:spPr>
+          <a:xfrm>
+            <a:off x="876300" y="1544015"/>
+            <a:ext cx="10439400" cy="4139154"/>
+          </a:xfrm>
+          <a:prstGeom prst="rect">
+            <a:avLst/>
+          </a:prstGeom>
+          <a:ln w="28575">
+            <a:solidFill>
+              <a:schemeClr val="tx1"/>
+            </a:solidFill>
+          </a:ln>
+        </p:spPr>
+        <p:txBody>
+          <a:bodyPr vert="horz" lIns="91440" tIns="45720" rIns="91440" bIns="45720" rtlCol="0" anchor="ctr">
+            <a:normAutofit/>
+          </a:bodyPr>
+          <a:lstStyle>
+            <a:lvl1pPr marL="228600" indent="-228600" algn="l" defTabSz="914400" rtl="0" eaLnBrk="1" latinLnBrk="0" hangingPunct="1">
+              <a:lnSpc>
+                <a:spcPct val="90000"/>
+              </a:lnSpc>
+              <a:spcBef>
+                <a:spcPts val="1000"/>
+              </a:spcBef>
+              <a:buFont typeface="Arial" panose="020B0604020202020204" pitchFamily="34" charset="0"/>
+              <a:buChar char="•"/>
+              <a:defRPr sz="2800" kern="1200">
+                <a:solidFill>
+                  <a:schemeClr val="tx1"/>
+                </a:solidFill>
+                <a:latin typeface="+mn-lt"/>
+                <a:ea typeface="+mn-ea"/>
+                <a:cs typeface="+mn-cs"/>
+              </a:defRPr>
+            </a:lvl1pPr>
+            <a:lvl2pPr marL="685800" indent="-228600" algn="l" defTabSz="914400" rtl="0" eaLnBrk="1" latinLnBrk="0" hangingPunct="1">
+              <a:lnSpc>
+                <a:spcPct val="90000"/>
+              </a:lnSpc>
+              <a:spcBef>
+                <a:spcPts val="500"/>
+              </a:spcBef>
+              <a:buFont typeface="Arial" panose="020B0604020202020204" pitchFamily="34" charset="0"/>
+              <a:buChar char="•"/>
+              <a:defRPr sz="2400" kern="1200">
+                <a:solidFill>
+                  <a:schemeClr val="tx1"/>
+                </a:solidFill>
+                <a:latin typeface="+mn-lt"/>
+                <a:ea typeface="+mn-ea"/>
+                <a:cs typeface="+mn-cs"/>
+              </a:defRPr>
+            </a:lvl2pPr>
+            <a:lvl3pPr marL="1143000" indent="-228600" algn="l" defTabSz="914400" rtl="0" eaLnBrk="1" latinLnBrk="0" hangingPunct="1">
+              <a:lnSpc>
+                <a:spcPct val="90000"/>
+              </a:lnSpc>
+              <a:spcBef>
+                <a:spcPts val="500"/>
+              </a:spcBef>
+              <a:buFont typeface="Arial" panose="020B0604020202020204" pitchFamily="34" charset="0"/>
+              <a:buChar char="•"/>
+              <a:defRPr sz="2000" kern="1200">
+                <a:solidFill>
+                  <a:schemeClr val="tx1"/>
+                </a:solidFill>
+                <a:latin typeface="+mn-lt"/>
+                <a:ea typeface="+mn-ea"/>
+                <a:cs typeface="+mn-cs"/>
+              </a:defRPr>
+            </a:lvl3pPr>
+            <a:lvl4pPr marL="1600200" indent="-228600" algn="l" defTabSz="914400" rtl="0" eaLnBrk="1" latinLnBrk="0" hangingPunct="1">
+              <a:lnSpc>
+                <a:spcPct val="90000"/>
+              </a:lnSpc>
+              <a:spcBef>
+                <a:spcPts val="500"/>
+              </a:spcBef>
+              <a:buFont typeface="Arial" panose="020B0604020202020204" pitchFamily="34" charset="0"/>
+              <a:buChar char="•"/>
+              <a:defRPr sz="1800" kern="1200">
+                <a:solidFill>
+                  <a:schemeClr val="tx1"/>
+                </a:solidFill>
+                <a:latin typeface="+mn-lt"/>
+                <a:ea typeface="+mn-ea"/>
+                <a:cs typeface="+mn-cs"/>
+              </a:defRPr>
+            </a:lvl4pPr>
+            <a:lvl5pPr marL="2057400" indent="-228600" algn="l" defTabSz="914400" rtl="0" eaLnBrk="1" latinLnBrk="0" hangingPunct="1">
+              <a:lnSpc>
+                <a:spcPct val="90000"/>
+              </a:lnSpc>
+              <a:spcBef>
+                <a:spcPts val="500"/>
+              </a:spcBef>
+              <a:buFont typeface="Arial" panose="020B0604020202020204" pitchFamily="34" charset="0"/>
+              <a:buChar char="•"/>
+              <a:defRPr sz="1800" kern="1200">
+                <a:solidFill>
+                  <a:schemeClr val="tx1"/>
+                </a:solidFill>
+                <a:latin typeface="+mn-lt"/>
+                <a:ea typeface="+mn-ea"/>
+                <a:cs typeface="+mn-cs"/>
+              </a:defRPr>
+            </a:lvl5pPr>
+            <a:lvl6pPr marL="2514600" indent="-228600" algn="l" defTabSz="914400" rtl="0" eaLnBrk="1" latinLnBrk="0" hangingPunct="1">
+              <a:lnSpc>
+                <a:spcPct val="90000"/>
+              </a:lnSpc>
+              <a:spcBef>
+                <a:spcPts val="500"/>
+              </a:spcBef>
+              <a:buFont typeface="Arial" panose="020B0604020202020204" pitchFamily="34" charset="0"/>
+              <a:buChar char="•"/>
+              <a:defRPr sz="1800" kern="1200">
+                <a:solidFill>
+                  <a:schemeClr val="tx1"/>
+                </a:solidFill>
+                <a:latin typeface="+mn-lt"/>
+                <a:ea typeface="+mn-ea"/>
+                <a:cs typeface="+mn-cs"/>
+              </a:defRPr>
+            </a:lvl6pPr>
+            <a:lvl7pPr marL="2971800" indent="-228600" algn="l" defTabSz="914400" rtl="0" eaLnBrk="1" latinLnBrk="0" hangingPunct="1">
+              <a:lnSpc>
+                <a:spcPct val="90000"/>
+              </a:lnSpc>
+              <a:spcBef>
+                <a:spcPts val="500"/>
+              </a:spcBef>
+              <a:buFont typeface="Arial" panose="020B0604020202020204" pitchFamily="34" charset="0"/>
+              <a:buChar char="•"/>
+              <a:defRPr sz="1800" kern="1200">
+                <a:solidFill>
+                  <a:schemeClr val="tx1"/>
+                </a:solidFill>
+                <a:latin typeface="+mn-lt"/>
+                <a:ea typeface="+mn-ea"/>
+                <a:cs typeface="+mn-cs"/>
+              </a:defRPr>
+            </a:lvl7pPr>
+            <a:lvl8pPr marL="3429000" indent="-228600" algn="l" defTabSz="914400" rtl="0" eaLnBrk="1" latinLnBrk="0" hangingPunct="1">
+              <a:lnSpc>
+                <a:spcPct val="90000"/>
+              </a:lnSpc>
+              <a:spcBef>
+                <a:spcPts val="500"/>
+              </a:spcBef>
+              <a:buFont typeface="Arial" panose="020B0604020202020204" pitchFamily="34" charset="0"/>
+              <a:buChar char="•"/>
+              <a:defRPr sz="1800" kern="1200">
+                <a:solidFill>
+                  <a:schemeClr val="tx1"/>
+                </a:solidFill>
+                <a:latin typeface="+mn-lt"/>
+                <a:ea typeface="+mn-ea"/>
+                <a:cs typeface="+mn-cs"/>
+              </a:defRPr>
+            </a:lvl8pPr>
+            <a:lvl9pPr marL="3886200" indent="-228600" algn="l" defTabSz="914400" rtl="0" eaLnBrk="1" latinLnBrk="0" hangingPunct="1">
+              <a:lnSpc>
+                <a:spcPct val="90000"/>
+              </a:lnSpc>
+              <a:spcBef>
+                <a:spcPts val="500"/>
+              </a:spcBef>
+              <a:buFont typeface="Arial" panose="020B0604020202020204" pitchFamily="34" charset="0"/>
+              <a:buChar char="•"/>
+              <a:defRPr sz="1800" kern="1200">
+                <a:solidFill>
+                  <a:schemeClr val="tx1"/>
+                </a:solidFill>
+                <a:latin typeface="+mn-lt"/>
+                <a:ea typeface="+mn-ea"/>
+                <a:cs typeface="+mn-cs"/>
+              </a:defRPr>
+            </a:lvl9pPr>
+          </a:lstStyle>
+          <a:p>
+            <a:r>
+              <a:rPr lang="it-IT" sz="2000" dirty="0">
+                <a:latin typeface="Bahnschrift SemiCondensed" panose="020B0502040204020203" pitchFamily="34" charset="0"/>
+              </a:rPr>
+              <a:t>TABLE OF RESULTS FOR COMPARISON</a:t>
+            </a:r>
+          </a:p>
+        </p:txBody>
+      </p:sp>
+    </p:spTree>
+    <p:extLst>
+      <p:ext uri="{BB962C8B-B14F-4D97-AF65-F5344CB8AC3E}">
+        <p14:creationId xmlns:p14="http://schemas.microsoft.com/office/powerpoint/2010/main" val="2913762169"/>
+      </p:ext>
+    </p:extLst>
+  </p:cSld>
+  <p:clrMapOvr>
+    <a:masterClrMapping/>
+  </p:clrMapOvr>
+</p:sld>
+</file>
+
+<file path=ppt/slides/slide19.xml><?xml version="1.0" encoding="utf-8"?>
 <p:sld xmlns:a="http://schemas.openxmlformats.org/drawingml/2006/main" xmlns:r="http://schemas.openxmlformats.org/officeDocument/2006/relationships" xmlns:p="http://schemas.openxmlformats.org/presentationml/2006/main">
   <p:cSld>
     <p:spTree>
@@ -7209,6 +12796,56 @@
           <a:p>
             <a:pPr algn="ctr"/>
             <a:endParaRPr lang="en-GB"/>
+          </a:p>
+        </p:txBody>
+      </p:sp>
+      <p:sp>
+        <p:nvSpPr>
+          <p:cNvPr id="2" name="Titolo 1">
+            <a:extLst>
+              <a:ext uri="{FF2B5EF4-FFF2-40B4-BE49-F238E27FC236}">
+                <a16:creationId xmlns:a16="http://schemas.microsoft.com/office/drawing/2014/main" id="{8DA21873-61F6-2EF0-33C0-85E6F450827A}"/>
+              </a:ext>
+            </a:extLst>
+          </p:cNvPr>
+          <p:cNvSpPr>
+            <a:spLocks noGrp="1"/>
+          </p:cNvSpPr>
+          <p:nvPr>
+            <p:ph type="title"/>
+          </p:nvPr>
+        </p:nvSpPr>
+        <p:spPr/>
+        <p:txBody>
+          <a:bodyPr/>
+          <a:lstStyle/>
+          <a:p>
+            <a:endParaRPr lang="it-IT" dirty="0"/>
+          </a:p>
+        </p:txBody>
+      </p:sp>
+      <p:sp>
+        <p:nvSpPr>
+          <p:cNvPr id="3" name="Segnaposto contenuto 2">
+            <a:extLst>
+              <a:ext uri="{FF2B5EF4-FFF2-40B4-BE49-F238E27FC236}">
+                <a16:creationId xmlns:a16="http://schemas.microsoft.com/office/drawing/2014/main" id="{8504FD33-00B8-4055-DE61-7939B41F279F}"/>
+              </a:ext>
+            </a:extLst>
+          </p:cNvPr>
+          <p:cNvSpPr>
+            <a:spLocks noGrp="1"/>
+          </p:cNvSpPr>
+          <p:nvPr>
+            <p:ph idx="1"/>
+          </p:nvPr>
+        </p:nvSpPr>
+        <p:spPr/>
+        <p:txBody>
+          <a:bodyPr/>
+          <a:lstStyle/>
+          <a:p>
+            <a:endParaRPr lang="it-IT"/>
           </a:p>
         </p:txBody>
       </p:sp>
@@ -7534,131 +13171,122 @@
               <a:rPr lang="it-IT" sz="2000" dirty="0" err="1">
                 <a:latin typeface="Bahnschrift SemiCondensed" panose="020B0502040204020203" pitchFamily="34" charset="0"/>
               </a:rPr>
-              <a:t>robots</a:t>
+              <a:t>robotic</a:t>
             </a:r>
             <a:r>
               <a:rPr lang="it-IT" sz="2000" dirty="0">
                 <a:latin typeface="Bahnschrift SemiCondensed" panose="020B0502040204020203" pitchFamily="34" charset="0"/>
               </a:rPr>
+              <a:t> agents </a:t>
+            </a:r>
+            <a:r>
+              <a:rPr lang="it-IT" sz="2000" dirty="0" err="1">
+                <a:latin typeface="Bahnschrift SemiCondensed" panose="020B0502040204020203" pitchFamily="34" charset="0"/>
+              </a:rPr>
+              <a:t>should</a:t>
+            </a:r>
+            <a:r>
+              <a:rPr lang="it-IT" sz="2000" dirty="0">
+                <a:latin typeface="Bahnschrift SemiCondensed" panose="020B0502040204020203" pitchFamily="34" charset="0"/>
+              </a:rPr>
               <a:t> </a:t>
             </a:r>
             <a:r>
               <a:rPr lang="it-IT" sz="2000" dirty="0" err="1">
                 <a:latin typeface="Bahnschrift SemiCondensed" panose="020B0502040204020203" pitchFamily="34" charset="0"/>
               </a:rPr>
-              <a:t>have</a:t>
+              <a:t>agree</a:t>
             </a:r>
             <a:r>
               <a:rPr lang="it-IT" sz="2000" dirty="0">
                 <a:latin typeface="Bahnschrift SemiCondensed" panose="020B0502040204020203" pitchFamily="34" charset="0"/>
               </a:rPr>
-              <a:t> to </a:t>
+              <a:t> on a rendez-vous point, </a:t>
             </a:r>
             <a:r>
               <a:rPr lang="it-IT" sz="2000" dirty="0" err="1">
                 <a:latin typeface="Bahnschrift SemiCondensed" panose="020B0502040204020203" pitchFamily="34" charset="0"/>
               </a:rPr>
-              <a:t>agree</a:t>
+              <a:t>then</a:t>
             </a:r>
             <a:r>
               <a:rPr lang="it-IT" sz="2000" dirty="0">
                 <a:latin typeface="Bahnschrift SemiCondensed" panose="020B0502040204020203" pitchFamily="34" charset="0"/>
               </a:rPr>
-              <a:t> on a </a:t>
+              <a:t>, </a:t>
             </a:r>
             <a:r>
               <a:rPr lang="it-IT" sz="2000" dirty="0" err="1">
                 <a:latin typeface="Bahnschrift SemiCondensed" panose="020B0502040204020203" pitchFamily="34" charset="0"/>
               </a:rPr>
-              <a:t>randez</a:t>
+              <a:t>when</a:t>
             </a:r>
             <a:r>
               <a:rPr lang="it-IT" sz="2000" dirty="0">
                 <a:latin typeface="Bahnschrift SemiCondensed" panose="020B0502040204020203" pitchFamily="34" charset="0"/>
               </a:rPr>
+              <a:t> in </a:t>
+            </a:r>
+            <a:r>
+              <a:rPr lang="it-IT" sz="2000" dirty="0" err="1">
+                <a:latin typeface="Bahnschrift SemiCondensed" panose="020B0502040204020203" pitchFamily="34" charset="0"/>
+              </a:rPr>
+              <a:t>proximity</a:t>
+            </a:r>
+            <a:r>
+              <a:rPr lang="it-IT" sz="2000" dirty="0">
+                <a:latin typeface="Bahnschrift SemiCondensed" panose="020B0502040204020203" pitchFamily="34" charset="0"/>
+              </a:rPr>
+              <a:t> of </a:t>
+            </a:r>
+            <a:r>
+              <a:rPr lang="it-IT" sz="2000" dirty="0" err="1">
+                <a:latin typeface="Bahnschrift SemiCondensed" panose="020B0502040204020203" pitchFamily="34" charset="0"/>
+              </a:rPr>
+              <a:t>such</a:t>
+            </a:r>
+            <a:r>
+              <a:rPr lang="it-IT" sz="2000" dirty="0">
+                <a:latin typeface="Bahnschrift SemiCondensed" panose="020B0502040204020203" pitchFamily="34" charset="0"/>
+              </a:rPr>
+              <a:t> point, </a:t>
+            </a:r>
+            <a:r>
+              <a:rPr lang="it-IT" sz="2000" dirty="0" err="1">
+                <a:latin typeface="Bahnschrift SemiCondensed" panose="020B0502040204020203" pitchFamily="34" charset="0"/>
+              </a:rPr>
+              <a:t>they</a:t>
+            </a:r>
+            <a:r>
+              <a:rPr lang="it-IT" sz="2000" dirty="0">
+                <a:latin typeface="Bahnschrift SemiCondensed" panose="020B0502040204020203" pitchFamily="34" charset="0"/>
+              </a:rPr>
+              <a:t> start a tracking task over a </a:t>
+            </a:r>
+            <a:r>
+              <a:rPr lang="it-IT" sz="2000" dirty="0" err="1">
+                <a:latin typeface="Bahnschrift SemiCondensed" panose="020B0502040204020203" pitchFamily="34" charset="0"/>
+              </a:rPr>
+              <a:t>circular</a:t>
+            </a:r>
+            <a:r>
+              <a:rPr lang="it-IT" sz="2000" dirty="0">
+                <a:latin typeface="Bahnschrift SemiCondensed" panose="020B0502040204020203" pitchFamily="34" charset="0"/>
+              </a:rPr>
               <a:t> </a:t>
             </a:r>
             <a:r>
               <a:rPr lang="it-IT" sz="2000" dirty="0" err="1">
                 <a:latin typeface="Bahnschrift SemiCondensed" panose="020B0502040204020203" pitchFamily="34" charset="0"/>
               </a:rPr>
-              <a:t>vous</a:t>
+              <a:t>trajectory</a:t>
             </a:r>
             <a:r>
               <a:rPr lang="it-IT" sz="2000" dirty="0">
                 <a:latin typeface="Bahnschrift SemiCondensed" panose="020B0502040204020203" pitchFamily="34" charset="0"/>
               </a:rPr>
-              <a:t> point and </a:t>
-            </a:r>
-            <a:r>
-              <a:rPr lang="it-IT" sz="2000" dirty="0" err="1">
-                <a:latin typeface="Bahnschrift SemiCondensed" panose="020B0502040204020203" pitchFamily="34" charset="0"/>
-              </a:rPr>
-              <a:t>when</a:t>
-            </a:r>
-            <a:r>
-              <a:rPr lang="it-IT" sz="2000" dirty="0">
-                <a:latin typeface="Bahnschrift SemiCondensed" panose="020B0502040204020203" pitchFamily="34" charset="0"/>
-              </a:rPr>
-              <a:t> </a:t>
-            </a:r>
-            <a:r>
-              <a:rPr lang="it-IT" sz="2000" dirty="0" err="1">
-                <a:latin typeface="Bahnschrift SemiCondensed" panose="020B0502040204020203" pitchFamily="34" charset="0"/>
-              </a:rPr>
-              <a:t>they</a:t>
-            </a:r>
-            <a:r>
-              <a:rPr lang="it-IT" sz="2000" dirty="0">
-                <a:latin typeface="Bahnschrift SemiCondensed" panose="020B0502040204020203" pitchFamily="34" charset="0"/>
-              </a:rPr>
-              <a:t> are in </a:t>
-            </a:r>
-            <a:r>
-              <a:rPr lang="it-IT" sz="2000" dirty="0" err="1">
-                <a:latin typeface="Bahnschrift SemiCondensed" panose="020B0502040204020203" pitchFamily="34" charset="0"/>
-              </a:rPr>
-              <a:t>proximity</a:t>
-            </a:r>
-            <a:r>
-              <a:rPr lang="it-IT" sz="2000" dirty="0">
-                <a:latin typeface="Bahnschrift SemiCondensed" panose="020B0502040204020203" pitchFamily="34" charset="0"/>
-              </a:rPr>
-              <a:t> of the point </a:t>
-            </a:r>
-            <a:r>
-              <a:rPr lang="it-IT" sz="2000" dirty="0" err="1">
-                <a:latin typeface="Bahnschrift SemiCondensed" panose="020B0502040204020203" pitchFamily="34" charset="0"/>
-              </a:rPr>
-              <a:t>they</a:t>
-            </a:r>
-            <a:r>
-              <a:rPr lang="it-IT" sz="2000" dirty="0">
-                <a:latin typeface="Bahnschrift SemiCondensed" panose="020B0502040204020203" pitchFamily="34" charset="0"/>
-              </a:rPr>
-              <a:t> start a tracking task on a </a:t>
-            </a:r>
-            <a:r>
-              <a:rPr lang="it-IT" sz="2000" dirty="0" err="1">
-                <a:latin typeface="Bahnschrift SemiCondensed" panose="020B0502040204020203" pitchFamily="34" charset="0"/>
-              </a:rPr>
-              <a:t>circular</a:t>
-            </a:r>
-            <a:r>
-              <a:rPr lang="it-IT" sz="2000" dirty="0">
-                <a:latin typeface="Bahnschrift SemiCondensed" panose="020B0502040204020203" pitchFamily="34" charset="0"/>
-              </a:rPr>
-              <a:t> </a:t>
-            </a:r>
-            <a:r>
-              <a:rPr lang="it-IT" sz="2000" dirty="0" err="1">
-                <a:latin typeface="Bahnschrift SemiCondensed" panose="020B0502040204020203" pitchFamily="34" charset="0"/>
-              </a:rPr>
-              <a:t>trajectory</a:t>
-            </a:r>
-            <a:endParaRPr lang="it-IT" sz="2000" dirty="0">
-              <a:latin typeface="Bahnschrift SemiCondensed" panose="020B0502040204020203" pitchFamily="34" charset="0"/>
-            </a:endParaRPr>
+              <a:t>.</a:t>
+            </a:r>
           </a:p>
         </p:txBody>
       </p:sp>
@@ -7872,61 +13500,79 @@
           </a:p>
           <a:p>
             <a:r>
+              <a:rPr lang="it-IT" sz="2000" dirty="0" err="1">
+                <a:latin typeface="Bahnschrift SemiCondensed" panose="020B0502040204020203" pitchFamily="34" charset="0"/>
+              </a:rPr>
+              <a:t>All</a:t>
+            </a:r>
+            <a:r>
               <a:rPr lang="it-IT" sz="2000" dirty="0">
                 <a:latin typeface="Bahnschrift SemiCondensed" panose="020B0502040204020203" pitchFamily="34" charset="0"/>
               </a:rPr>
-              <a:t>Mobile </a:t>
+              <a:t> agents are </a:t>
             </a:r>
             <a:r>
               <a:rPr lang="it-IT" sz="2000" dirty="0" err="1">
                 <a:latin typeface="Bahnschrift SemiCondensed" panose="020B0502040204020203" pitchFamily="34" charset="0"/>
               </a:rPr>
-              <a:t>robots</a:t>
+              <a:t>unicycles</a:t>
             </a:r>
             <a:r>
               <a:rPr lang="it-IT" sz="2000" dirty="0">
                 <a:latin typeface="Bahnschrift SemiCondensed" panose="020B0502040204020203" pitchFamily="34" charset="0"/>
               </a:rPr>
-              <a:t> are </a:t>
-            </a:r>
+              <a:t>;</a:t>
+            </a:r>
+          </a:p>
+          <a:p>
             <a:r>
               <a:rPr lang="it-IT" sz="2000" dirty="0" err="1">
                 <a:latin typeface="Bahnschrift SemiCondensed" panose="020B0502040204020203" pitchFamily="34" charset="0"/>
               </a:rPr>
-              <a:t>unicycles</a:t>
-            </a:r>
-            <a:endParaRPr lang="it-IT" sz="2000" dirty="0">
-              <a:latin typeface="Bahnschrift SemiCondensed" panose="020B0502040204020203" pitchFamily="34" charset="0"/>
-            </a:endParaRPr>
-          </a:p>
-          <a:p>
+              <a:t>All</a:t>
+            </a:r>
             <a:r>
               <a:rPr lang="it-IT" sz="2000" dirty="0">
                 <a:latin typeface="Bahnschrift SemiCondensed" panose="020B0502040204020203" pitchFamily="34" charset="0"/>
               </a:rPr>
-              <a:t>Mobile </a:t>
+              <a:t> agents are </a:t>
             </a:r>
             <a:r>
               <a:rPr lang="it-IT" sz="2000" dirty="0" err="1">
                 <a:latin typeface="Bahnschrift SemiCondensed" panose="020B0502040204020203" pitchFamily="34" charset="0"/>
               </a:rPr>
-              <a:t>robots</a:t>
+              <a:t>independent</a:t>
             </a:r>
             <a:r>
               <a:rPr lang="it-IT" sz="2000" dirty="0">
                 <a:latin typeface="Bahnschrift SemiCondensed" panose="020B0502040204020203" pitchFamily="34" charset="0"/>
               </a:rPr>
-              <a:t> are </a:t>
+              <a:t> from </a:t>
             </a:r>
             <a:r>
               <a:rPr lang="it-IT" sz="2000" dirty="0" err="1">
                 <a:latin typeface="Bahnschrift SemiCondensed" panose="020B0502040204020203" pitchFamily="34" charset="0"/>
               </a:rPr>
-              <a:t>independent</a:t>
-            </a:r>
-            <a:endParaRPr lang="it-IT" sz="2000" dirty="0">
-              <a:latin typeface="Bahnschrift SemiCondensed" panose="020B0502040204020203" pitchFamily="34" charset="0"/>
-            </a:endParaRPr>
+              <a:t>each</a:t>
+            </a:r>
+            <a:r>
+              <a:rPr lang="it-IT" sz="2000" dirty="0">
+                <a:latin typeface="Bahnschrift SemiCondensed" panose="020B0502040204020203" pitchFamily="34" charset="0"/>
+              </a:rPr>
+              <a:t> </a:t>
+            </a:r>
+            <a:r>
+              <a:rPr lang="it-IT" sz="2000" dirty="0" err="1">
+                <a:latin typeface="Bahnschrift SemiCondensed" panose="020B0502040204020203" pitchFamily="34" charset="0"/>
+              </a:rPr>
+              <a:t>other</a:t>
+            </a:r>
+            <a:r>
+              <a:rPr lang="it-IT" sz="2000" dirty="0">
+                <a:latin typeface="Bahnschrift SemiCondensed" panose="020B0502040204020203" pitchFamily="34" charset="0"/>
+              </a:rPr>
+              <a:t>;</a:t>
+            </a:r>
           </a:p>
           <a:p>
             <a:pPr marL="0" indent="0">
@@ -7944,238 +13590,217 @@
               <a:rPr lang="it-IT" sz="2000" dirty="0">
                 <a:latin typeface="Bahnschrift SemiCondensed" panose="020B0502040204020203" pitchFamily="34" charset="0"/>
               </a:rPr>
+              <a:t>Agents live in a 2D </a:t>
+            </a:r>
+            <a:r>
+              <a:rPr lang="it-IT" sz="2000" dirty="0" err="1">
+                <a:latin typeface="Bahnschrift SemiCondensed" panose="020B0502040204020203" pitchFamily="34" charset="0"/>
+              </a:rPr>
+              <a:t>grid</a:t>
+            </a:r>
+            <a:r>
+              <a:rPr lang="it-IT" sz="2000" dirty="0">
+                <a:latin typeface="Bahnschrift SemiCondensed" panose="020B0502040204020203" pitchFamily="34" charset="0"/>
+              </a:rPr>
+              <a:t> 12x12;</a:t>
+            </a:r>
+          </a:p>
+          <a:p>
+            <a:r>
+              <a:rPr lang="it-IT" sz="2000" dirty="0" err="1">
+                <a:latin typeface="Bahnschrift SemiCondensed" panose="020B0502040204020203" pitchFamily="34" charset="0"/>
+              </a:rPr>
+              <a:t>Initial</a:t>
+            </a:r>
+            <a:r>
+              <a:rPr lang="it-IT" sz="2000" dirty="0">
+                <a:latin typeface="Bahnschrift SemiCondensed" panose="020B0502040204020203" pitchFamily="34" charset="0"/>
+              </a:rPr>
+              <a:t> </a:t>
+            </a:r>
+            <a:r>
+              <a:rPr lang="it-IT" sz="2000" dirty="0" err="1">
+                <a:latin typeface="Bahnschrift SemiCondensed" panose="020B0502040204020203" pitchFamily="34" charset="0"/>
+              </a:rPr>
+              <a:t>conditions</a:t>
+            </a:r>
+            <a:r>
+              <a:rPr lang="it-IT" sz="2000" dirty="0">
+                <a:latin typeface="Bahnschrift SemiCondensed" panose="020B0502040204020203" pitchFamily="34" charset="0"/>
+              </a:rPr>
+              <a:t> of the agents can be </a:t>
+            </a:r>
+            <a:r>
+              <a:rPr lang="it-IT" sz="2000" dirty="0" err="1">
+                <a:latin typeface="Bahnschrift SemiCondensed" panose="020B0502040204020203" pitchFamily="34" charset="0"/>
+              </a:rPr>
+              <a:t>randomly</a:t>
+            </a:r>
+            <a:r>
+              <a:rPr lang="it-IT" sz="2000" dirty="0">
+                <a:latin typeface="Bahnschrift SemiCondensed" panose="020B0502040204020203" pitchFamily="34" charset="0"/>
+              </a:rPr>
+              <a:t> </a:t>
+            </a:r>
+            <a:r>
+              <a:rPr lang="it-IT" sz="2000" dirty="0" err="1">
+                <a:latin typeface="Bahnschrift SemiCondensed" panose="020B0502040204020203" pitchFamily="34" charset="0"/>
+              </a:rPr>
+              <a:t>chosen</a:t>
+            </a:r>
+            <a:r>
+              <a:rPr lang="it-IT" sz="2000" dirty="0">
+                <a:latin typeface="Bahnschrift SemiCondensed" panose="020B0502040204020203" pitchFamily="34" charset="0"/>
+              </a:rPr>
+              <a:t> (</a:t>
+            </a:r>
+            <a:r>
+              <a:rPr lang="it-IT" sz="2000" dirty="0" err="1">
+                <a:latin typeface="Bahnschrift SemiCondensed" panose="020B0502040204020203" pitchFamily="34" charset="0"/>
+              </a:rPr>
+              <a:t>both</a:t>
+            </a:r>
+            <a:r>
+              <a:rPr lang="it-IT" sz="2000" dirty="0">
+                <a:latin typeface="Bahnschrift SemiCondensed" panose="020B0502040204020203" pitchFamily="34" charset="0"/>
+              </a:rPr>
+              <a:t> position and </a:t>
+            </a:r>
+            <a:r>
+              <a:rPr lang="it-IT" sz="2000" dirty="0" err="1">
+                <a:latin typeface="Bahnschrift SemiCondensed" panose="020B0502040204020203" pitchFamily="34" charset="0"/>
+              </a:rPr>
+              <a:t>orientation</a:t>
+            </a:r>
+            <a:r>
+              <a:rPr lang="it-IT" sz="2000" dirty="0">
+                <a:latin typeface="Bahnschrift SemiCondensed" panose="020B0502040204020203" pitchFamily="34" charset="0"/>
+              </a:rPr>
+              <a:t>); </a:t>
+            </a:r>
+          </a:p>
+          <a:p>
+            <a:r>
+              <a:rPr lang="it-IT" sz="2000" dirty="0">
+                <a:latin typeface="Bahnschrift SemiCondensed" panose="020B0502040204020203" pitchFamily="34" charset="0"/>
+              </a:rPr>
               <a:t>The </a:t>
             </a:r>
             <a:r>
               <a:rPr lang="it-IT" sz="2000" dirty="0" err="1">
                 <a:latin typeface="Bahnschrift SemiCondensed" panose="020B0502040204020203" pitchFamily="34" charset="0"/>
               </a:rPr>
-              <a:t>robots</a:t>
+              <a:t>final</a:t>
             </a:r>
             <a:r>
               <a:rPr lang="it-IT" sz="2000" dirty="0">
                 <a:latin typeface="Bahnschrift SemiCondensed" panose="020B0502040204020203" pitchFamily="34" charset="0"/>
               </a:rPr>
-              <a:t> world </a:t>
+              <a:t> target </a:t>
             </a:r>
             <a:r>
               <a:rPr lang="it-IT" sz="2000" dirty="0" err="1">
                 <a:latin typeface="Bahnschrift SemiCondensed" panose="020B0502040204020203" pitchFamily="34" charset="0"/>
               </a:rPr>
+              <a:t>trajectory</a:t>
+            </a:r>
+            <a:r>
+              <a:rPr lang="it-IT" sz="2000" dirty="0">
+                <a:latin typeface="Bahnschrift SemiCondensed" panose="020B0502040204020203" pitchFamily="34" charset="0"/>
+              </a:rPr>
+              <a:t> </a:t>
+            </a:r>
+            <a:r>
+              <a:rPr lang="it-IT" sz="2000" dirty="0" err="1">
+                <a:latin typeface="Bahnschrift SemiCondensed" panose="020B0502040204020203" pitchFamily="34" charset="0"/>
+              </a:rPr>
               <a:t>is</a:t>
             </a:r>
             <a:r>
               <a:rPr lang="it-IT" sz="2000" dirty="0">
                 <a:latin typeface="Bahnschrift SemiCondensed" panose="020B0502040204020203" pitchFamily="34" charset="0"/>
               </a:rPr>
-              <a:t> a 2d </a:t>
+              <a:t> a </a:t>
             </a:r>
             <a:r>
               <a:rPr lang="it-IT" sz="2000" dirty="0" err="1">
                 <a:latin typeface="Bahnschrift SemiCondensed" panose="020B0502040204020203" pitchFamily="34" charset="0"/>
               </a:rPr>
-              <a:t>grid</a:t>
+              <a:t>circle</a:t>
             </a:r>
             <a:r>
               <a:rPr lang="it-IT" sz="2000" dirty="0">
                 <a:latin typeface="Bahnschrift SemiCondensed" panose="020B0502040204020203" pitchFamily="34" charset="0"/>
               </a:rPr>
-              <a:t> 12x12</a:t>
-            </a:r>
-          </a:p>
-          <a:p>
+              <a:t> of </a:t>
+            </a:r>
             <a:r>
               <a:rPr lang="it-IT" sz="2000" dirty="0" err="1">
                 <a:latin typeface="Bahnschrift SemiCondensed" panose="020B0502040204020203" pitchFamily="34" charset="0"/>
               </a:rPr>
-              <a:t>Initial</a:t>
+              <a:t>radius</a:t>
             </a:r>
             <a:r>
               <a:rPr lang="it-IT" sz="2000" dirty="0">
                 <a:latin typeface="Bahnschrift SemiCondensed" panose="020B0502040204020203" pitchFamily="34" charset="0"/>
               </a:rPr>
+              <a:t> 1;</a:t>
+            </a:r>
+          </a:p>
+          <a:p>
+            <a:r>
+              <a:rPr lang="it-IT" sz="2000" dirty="0">
+                <a:latin typeface="Bahnschrift SemiCondensed" panose="020B0502040204020203" pitchFamily="34" charset="0"/>
+              </a:rPr>
+              <a:t>The </a:t>
+            </a:r>
+            <a:r>
+              <a:rPr lang="it-IT" sz="2000" dirty="0" err="1">
+                <a:latin typeface="Bahnschrift SemiCondensed" panose="020B0502040204020203" pitchFamily="34" charset="0"/>
+              </a:rPr>
+              <a:t>proximity</a:t>
+            </a:r>
+            <a:r>
+              <a:rPr lang="it-IT" sz="2000" dirty="0">
+                <a:latin typeface="Bahnschrift SemiCondensed" panose="020B0502040204020203" pitchFamily="34" charset="0"/>
+              </a:rPr>
               <a:t> </a:t>
             </a:r>
             <a:r>
               <a:rPr lang="it-IT" sz="2000" dirty="0" err="1">
                 <a:latin typeface="Bahnschrift SemiCondensed" panose="020B0502040204020203" pitchFamily="34" charset="0"/>
               </a:rPr>
-              <a:t>conditions</a:t>
+              <a:t>circle</a:t>
             </a:r>
             <a:r>
               <a:rPr lang="it-IT" sz="2000" dirty="0">
                 <a:latin typeface="Bahnschrift SemiCondensed" panose="020B0502040204020203" pitchFamily="34" charset="0"/>
               </a:rPr>
-              <a:t> of the </a:t>
+              <a:t> </a:t>
             </a:r>
             <a:r>
               <a:rPr lang="it-IT" sz="2000" dirty="0" err="1">
                 <a:latin typeface="Bahnschrift SemiCondensed" panose="020B0502040204020203" pitchFamily="34" charset="0"/>
               </a:rPr>
-              <a:t>robots</a:t>
+              <a:t>radius</a:t>
             </a:r>
             <a:r>
               <a:rPr lang="it-IT" sz="2000" dirty="0">
                 <a:latin typeface="Bahnschrift SemiCondensed" panose="020B0502040204020203" pitchFamily="34" charset="0"/>
               </a:rPr>
-              <a:t> can be </a:t>
+              <a:t> </a:t>
             </a:r>
             <a:r>
               <a:rPr lang="it-IT" sz="2000" dirty="0" err="1">
                 <a:latin typeface="Bahnschrift SemiCondensed" panose="020B0502040204020203" pitchFamily="34" charset="0"/>
               </a:rPr>
-              <a:t>randomly</a:t>
+              <a:t>is</a:t>
             </a:r>
             <a:r>
               <a:rPr lang="it-IT" sz="2000" dirty="0">
                 <a:latin typeface="Bahnschrift SemiCondensed" panose="020B0502040204020203" pitchFamily="34" charset="0"/>
               </a:rPr>
-              <a:t> </a:t>
-            </a:r>
-            <a:r>
-              <a:rPr lang="it-IT" sz="2000" dirty="0" err="1">
-                <a:latin typeface="Bahnschrift SemiCondensed" panose="020B0502040204020203" pitchFamily="34" charset="0"/>
-              </a:rPr>
-              <a:t>chosen</a:t>
-            </a:r>
-            <a:r>
-              <a:rPr lang="it-IT" sz="2000" dirty="0">
-                <a:latin typeface="Bahnschrift SemiCondensed" panose="020B0502040204020203" pitchFamily="34" charset="0"/>
-              </a:rPr>
-              <a:t>, </a:t>
-            </a:r>
-            <a:r>
-              <a:rPr lang="it-IT" sz="2000" dirty="0" err="1">
-                <a:latin typeface="Bahnschrift SemiCondensed" panose="020B0502040204020203" pitchFamily="34" charset="0"/>
-              </a:rPr>
-              <a:t>both</a:t>
-            </a:r>
-            <a:r>
-              <a:rPr lang="it-IT" sz="2000" dirty="0">
-                <a:latin typeface="Bahnschrift SemiCondensed" panose="020B0502040204020203" pitchFamily="34" charset="0"/>
-              </a:rPr>
-              <a:t> position and </a:t>
-            </a:r>
-            <a:r>
-              <a:rPr lang="it-IT" sz="2000" dirty="0" err="1">
-                <a:latin typeface="Bahnschrift SemiCondensed" panose="020B0502040204020203" pitchFamily="34" charset="0"/>
-              </a:rPr>
-              <a:t>orientation</a:t>
-            </a:r>
-            <a:endParaRPr lang="it-IT" sz="2000" dirty="0">
-              <a:latin typeface="Bahnschrift SemiCondensed" panose="020B0502040204020203" pitchFamily="34" charset="0"/>
-            </a:endParaRPr>
-          </a:p>
-          <a:p>
-            <a:r>
-              <a:rPr lang="it-IT" sz="2000" dirty="0">
-                <a:latin typeface="Bahnschrift SemiCondensed" panose="020B0502040204020203" pitchFamily="34" charset="0"/>
-              </a:rPr>
-              <a:t>The </a:t>
-            </a:r>
-            <a:r>
-              <a:rPr lang="it-IT" sz="2000" dirty="0" err="1">
-                <a:latin typeface="Bahnschrift SemiCondensed" panose="020B0502040204020203" pitchFamily="34" charset="0"/>
-              </a:rPr>
-              <a:t>final</a:t>
-            </a:r>
-            <a:r>
-              <a:rPr lang="it-IT" sz="2000" dirty="0">
-                <a:latin typeface="Bahnschrift SemiCondensed" panose="020B0502040204020203" pitchFamily="34" charset="0"/>
-              </a:rPr>
-              <a:t> </a:t>
-            </a:r>
-            <a:r>
-              <a:rPr lang="it-IT" sz="2000" dirty="0" err="1">
-                <a:latin typeface="Bahnschrift SemiCondensed" panose="020B0502040204020203" pitchFamily="34" charset="0"/>
-              </a:rPr>
-              <a:t>trajecotry</a:t>
-            </a:r>
-            <a:r>
-              <a:rPr lang="it-IT" sz="2000" dirty="0">
-                <a:latin typeface="Bahnschrift SemiCondensed" panose="020B0502040204020203" pitchFamily="34" charset="0"/>
-              </a:rPr>
-              <a:t> </a:t>
-            </a:r>
-            <a:r>
-              <a:rPr lang="it-IT" sz="2000" dirty="0" err="1">
-                <a:latin typeface="Bahnschrift SemiCondensed" panose="020B0502040204020203" pitchFamily="34" charset="0"/>
-              </a:rPr>
-              <a:t>is</a:t>
-            </a:r>
-            <a:r>
-              <a:rPr lang="it-IT" sz="2000" dirty="0">
-                <a:latin typeface="Bahnschrift SemiCondensed" panose="020B0502040204020203" pitchFamily="34" charset="0"/>
-              </a:rPr>
-              <a:t> a </a:t>
-            </a:r>
-            <a:r>
-              <a:rPr lang="it-IT" sz="2000" dirty="0" err="1">
-                <a:latin typeface="Bahnschrift SemiCondensed" panose="020B0502040204020203" pitchFamily="34" charset="0"/>
-              </a:rPr>
-              <a:t>circle</a:t>
-            </a:r>
-            <a:r>
-              <a:rPr lang="it-IT" sz="2000" dirty="0">
-                <a:latin typeface="Bahnschrift SemiCondensed" panose="020B0502040204020203" pitchFamily="34" charset="0"/>
-              </a:rPr>
-              <a:t> of </a:t>
-            </a:r>
-            <a:r>
-              <a:rPr lang="it-IT" sz="2000" dirty="0" err="1">
-                <a:latin typeface="Bahnschrift SemiCondensed" panose="020B0502040204020203" pitchFamily="34" charset="0"/>
-              </a:rPr>
-              <a:t>radius</a:t>
-            </a:r>
-            <a:r>
-              <a:rPr lang="it-IT" sz="2000" dirty="0">
-                <a:latin typeface="Bahnschrift SemiCondensed" panose="020B0502040204020203" pitchFamily="34" charset="0"/>
-              </a:rPr>
-              <a:t> 1</a:t>
-            </a:r>
-          </a:p>
-          <a:p>
-            <a:r>
-              <a:rPr lang="it-IT" sz="2000" dirty="0">
-                <a:latin typeface="Bahnschrift SemiCondensed" panose="020B0502040204020203" pitchFamily="34" charset="0"/>
-              </a:rPr>
-              <a:t>The </a:t>
-            </a:r>
-            <a:r>
-              <a:rPr lang="it-IT" sz="2000" dirty="0" err="1">
-                <a:latin typeface="Bahnschrift SemiCondensed" panose="020B0502040204020203" pitchFamily="34" charset="0"/>
-              </a:rPr>
-              <a:t>proximity</a:t>
-            </a:r>
-            <a:r>
-              <a:rPr lang="it-IT" sz="2000" dirty="0">
-                <a:latin typeface="Bahnschrift SemiCondensed" panose="020B0502040204020203" pitchFamily="34" charset="0"/>
-              </a:rPr>
-              <a:t> </a:t>
-            </a:r>
-            <a:r>
-              <a:rPr lang="it-IT" sz="2000" dirty="0" err="1">
-                <a:latin typeface="Bahnschrift SemiCondensed" panose="020B0502040204020203" pitchFamily="34" charset="0"/>
-              </a:rPr>
-              <a:t>circle</a:t>
-            </a:r>
-            <a:r>
-              <a:rPr lang="it-IT" sz="2000" dirty="0">
-                <a:latin typeface="Bahnschrift SemiCondensed" panose="020B0502040204020203" pitchFamily="34" charset="0"/>
-              </a:rPr>
-              <a:t> </a:t>
-            </a:r>
-            <a:r>
-              <a:rPr lang="it-IT" sz="2000" dirty="0" err="1">
-                <a:latin typeface="Bahnschrift SemiCondensed" panose="020B0502040204020203" pitchFamily="34" charset="0"/>
-              </a:rPr>
-              <a:t>is</a:t>
-            </a:r>
-            <a:r>
-              <a:rPr lang="it-IT" sz="2000" dirty="0">
-                <a:latin typeface="Bahnschrift SemiCondensed" panose="020B0502040204020203" pitchFamily="34" charset="0"/>
-              </a:rPr>
-              <a:t> 4</a:t>
+              <a:t> 4;</a:t>
             </a:r>
           </a:p>
         </p:txBody>
@@ -8583,7 +14208,7 @@
               <a:rPr lang="it-IT" sz="2000" dirty="0" err="1">
                 <a:latin typeface="Bahnschrift SemiCondensed" panose="020B0502040204020203" pitchFamily="34" charset="0"/>
               </a:rPr>
-              <a:t>randez-vouz</a:t>
+              <a:t>rendez-vouz</a:t>
             </a:r>
             <a:r>
               <a:rPr lang="it-IT" sz="2000" dirty="0">
@@ -8693,7 +14318,19 @@
               <a:rPr lang="it-IT" sz="2000" dirty="0">
                 <a:latin typeface="Bahnschrift SemiCondensed" panose="020B0502040204020203" pitchFamily="34" charset="0"/>
               </a:rPr>
-              <a:t> agent INDEPENDENTLY</a:t>
+              <a:t> agent </a:t>
+            </a:r>
+            <a:r>
+              <a:rPr lang="it-IT" sz="2000" b="1" dirty="0">
+                <a:latin typeface="Bahnschrift SemiCondensed" panose="020B0502040204020203" pitchFamily="34" charset="0"/>
+              </a:rPr>
+              <a:t>INDEPENDENTLY</a:t>
+            </a:r>
+            <a:r>
+              <a:rPr lang="it-IT" sz="2000" dirty="0">
+                <a:latin typeface="Bahnschrift SemiCondensed" panose="020B0502040204020203" pitchFamily="34" charset="0"/>
+              </a:rPr>
+              <a:t>.</a:t>
             </a:r>
           </a:p>
         </p:txBody>
@@ -8987,7 +14624,7 @@
               <a:rPr lang="it-IT" sz="2000" dirty="0">
                 <a:latin typeface="Bahnschrift SemiCondensed" panose="020B0502040204020203" pitchFamily="34" charset="0"/>
               </a:rPr>
-              <a:t> system</a:t>
+              <a:t> system.</a:t>
             </a:r>
           </a:p>
         </p:txBody>
@@ -9233,14 +14870,26 @@
               <a:rPr lang="it-IT" sz="2000" dirty="0">
                 <a:latin typeface="Bahnschrift SemiCondensed" panose="020B0502040204020203" pitchFamily="34" charset="0"/>
               </a:rPr>
-              <a:t> differente control strategies:</a:t>
-            </a:r>
-          </a:p>
-          <a:p>
+              <a:t> </a:t>
+            </a:r>
             <a:r>
               <a:rPr lang="it-IT" sz="2000" dirty="0" err="1">
                 <a:latin typeface="Bahnschrift SemiCondensed" panose="020B0502040204020203" pitchFamily="34" charset="0"/>
               </a:rPr>
+              <a:t>different</a:t>
+            </a:r>
+            <a:r>
+              <a:rPr lang="it-IT" sz="2000" dirty="0">
+                <a:latin typeface="Bahnschrift SemiCondensed" panose="020B0502040204020203" pitchFamily="34" charset="0"/>
+              </a:rPr>
+              <a:t> control strategies:</a:t>
+            </a:r>
+          </a:p>
+          <a:p>
+            <a:r>
+              <a:rPr lang="it-IT" sz="2000" dirty="0" err="1">
+                <a:latin typeface="Bahnschrift SemiCondensed" panose="020B0502040204020203" pitchFamily="34" charset="0"/>
+              </a:rPr>
               <a:t>Linearization</a:t>
             </a:r>
             <a:r>
@@ -9299,7 +14948,7 @@
               <a:rPr lang="it-IT" sz="2000" dirty="0">
                 <a:latin typeface="Bahnschrift SemiCondensed" panose="020B0502040204020203" pitchFamily="34" charset="0"/>
               </a:rPr>
-              <a:t> of </a:t>
+              <a:t> </a:t>
             </a:r>
             <a:r>
               <a:rPr lang="it-IT" sz="2000" dirty="0" err="1">
@@ -9439,12 +15088,24 @@
               <a:rPr lang="it-IT" sz="2000" dirty="0">
                 <a:latin typeface="Bahnschrift SemiCondensed" panose="020B0502040204020203" pitchFamily="34" charset="0"/>
               </a:rPr>
-              <a:t> with the </a:t>
+              <a:t> </a:t>
             </a:r>
             <a:r>
               <a:rPr lang="it-IT" sz="2000" dirty="0" err="1">
                 <a:latin typeface="Bahnschrift SemiCondensed" panose="020B0502040204020203" pitchFamily="34" charset="0"/>
               </a:rPr>
+              <a:t>using</a:t>
+            </a:r>
+            <a:r>
+              <a:rPr lang="it-IT" sz="2000" dirty="0">
+                <a:latin typeface="Bahnschrift SemiCondensed" panose="020B0502040204020203" pitchFamily="34" charset="0"/>
+              </a:rPr>
+              <a:t> the </a:t>
+            </a:r>
+            <a:r>
+              <a:rPr lang="it-IT" sz="2000" dirty="0" err="1">
+                <a:latin typeface="Bahnschrift SemiCondensed" panose="020B0502040204020203" pitchFamily="34" charset="0"/>
+              </a:rPr>
               <a:t>same</a:t>
             </a:r>
             <a:r>
@@ -9457,43 +15118,31 @@
               <a:rPr lang="it-IT" sz="2000" dirty="0" err="1">
                 <a:latin typeface="Bahnschrift SemiCondensed" panose="020B0502040204020203" pitchFamily="34" charset="0"/>
               </a:rPr>
-              <a:t>methodology</a:t>
+              <a:t>methodologies</a:t>
             </a:r>
             <a:r>
               <a:rPr lang="it-IT" sz="2000" dirty="0">
                 <a:latin typeface="Bahnschrift SemiCondensed" panose="020B0502040204020203" pitchFamily="34" charset="0"/>
               </a:rPr>
-              <a:t> and in the end </a:t>
+              <a:t> and </a:t>
             </a:r>
             <a:r>
               <a:rPr lang="it-IT" sz="2000" dirty="0" err="1">
                 <a:latin typeface="Bahnschrift SemiCondensed" panose="020B0502040204020203" pitchFamily="34" charset="0"/>
               </a:rPr>
-              <a:t>they</a:t>
+              <a:t>compared</a:t>
             </a:r>
             <a:r>
               <a:rPr lang="it-IT" sz="2000" dirty="0">
                 <a:latin typeface="Bahnschrift SemiCondensed" panose="020B0502040204020203" pitchFamily="34" charset="0"/>
               </a:rPr>
-              <a:t> </a:t>
+              <a:t> in </a:t>
             </a:r>
             <a:r>
               <a:rPr lang="it-IT" sz="2000" dirty="0" err="1">
                 <a:latin typeface="Bahnschrift SemiCondensed" panose="020B0502040204020203" pitchFamily="34" charset="0"/>
               </a:rPr>
-              <a:t>will</a:t>
-            </a:r>
-            <a:r>
-              <a:rPr lang="it-IT" sz="2000" dirty="0">
-                <a:latin typeface="Bahnschrift SemiCondensed" panose="020B0502040204020203" pitchFamily="34" charset="0"/>
-              </a:rPr>
-              <a:t> be </a:t>
-            </a:r>
-            <a:r>
-              <a:rPr lang="it-IT" sz="2000" dirty="0" err="1">
-                <a:latin typeface="Bahnschrift SemiCondensed" panose="020B0502040204020203" pitchFamily="34" charset="0"/>
-              </a:rPr>
-              <a:t>compared</a:t>
+              <a:t>order</a:t>
             </a:r>
             <a:r>
               <a:rPr lang="it-IT" sz="2000" dirty="0">
@@ -9690,7 +15339,7 @@
         </p:nvSpPr>
         <p:spPr>
           <a:xfrm rot="18900000">
-            <a:off x="-3124949" y="1190926"/>
+            <a:off x="-3115424" y="1190926"/>
             <a:ext cx="10093808" cy="1943100"/>
           </a:xfrm>
           <a:prstGeom prst="rect">
@@ -9845,7 +15494,7 @@
         </p:spPr>
         <p:txBody>
           <a:bodyPr anchor="ctr">
-            <a:normAutofit/>
+            <a:normAutofit lnSpcReduction="10000"/>
           </a:bodyPr>
           <a:lstStyle/>
           <a:p>
@@ -9856,7 +15505,7 @@
               <a:rPr lang="it-IT" sz="2000" dirty="0">
                 <a:latin typeface="Bahnschrift SemiCondensed" panose="020B0502040204020203" pitchFamily="34" charset="0"/>
               </a:rPr>
-              <a:t>Consensus point </a:t>
+              <a:t>The consensus point </a:t>
             </a:r>
             <a:r>
               <a:rPr lang="it-IT" sz="2000" dirty="0" err="1">
@@ -9898,25 +15547,61 @@
               <a:rPr lang="it-IT" sz="2000" dirty="0" err="1">
                 <a:latin typeface="Bahnschrift SemiCondensed" panose="020B0502040204020203" pitchFamily="34" charset="0"/>
               </a:rPr>
-              <a:t>starting</a:t>
+              <a:t>any</a:t>
             </a:r>
             <a:r>
               <a:rPr lang="it-IT" sz="2000" dirty="0">
                 <a:latin typeface="Bahnschrift SemiCondensed" panose="020B0502040204020203" pitchFamily="34" charset="0"/>
               </a:rPr>
-              <a:t> to </a:t>
+              <a:t> </a:t>
             </a:r>
             <a:r>
               <a:rPr lang="it-IT" sz="2000" dirty="0" err="1">
                 <a:latin typeface="Bahnschrift SemiCondensed" panose="020B0502040204020203" pitchFamily="34" charset="0"/>
               </a:rPr>
-              <a:t>move</a:t>
+              <a:t>movement</a:t>
             </a:r>
             <a:r>
               <a:rPr lang="it-IT" sz="2000" dirty="0">
                 <a:latin typeface="Bahnschrift SemiCondensed" panose="020B0502040204020203" pitchFamily="34" charset="0"/>
               </a:rPr>
-              <a:t>.</a:t>
+              <a:t>, </a:t>
+            </a:r>
+            <a:r>
+              <a:rPr lang="it-IT" sz="2000" dirty="0" err="1">
+                <a:latin typeface="Bahnschrift SemiCondensed" panose="020B0502040204020203" pitchFamily="34" charset="0"/>
+              </a:rPr>
+              <a:t>based</a:t>
+            </a:r>
+            <a:r>
+              <a:rPr lang="it-IT" sz="2000" dirty="0">
+                <a:latin typeface="Bahnschrift SemiCondensed" panose="020B0502040204020203" pitchFamily="34" charset="0"/>
+              </a:rPr>
+              <a:t> on the </a:t>
+            </a:r>
+            <a:r>
+              <a:rPr lang="it-IT" sz="2000" dirty="0" err="1">
+                <a:latin typeface="Bahnschrift SemiCondensed" panose="020B0502040204020203" pitchFamily="34" charset="0"/>
+              </a:rPr>
+              <a:t>initial</a:t>
+            </a:r>
+            <a:r>
+              <a:rPr lang="it-IT" sz="2000" dirty="0">
+                <a:latin typeface="Bahnschrift SemiCondensed" panose="020B0502040204020203" pitchFamily="34" charset="0"/>
+              </a:rPr>
+              <a:t> position of </a:t>
+            </a:r>
+            <a:r>
+              <a:rPr lang="it-IT" sz="2000" dirty="0" err="1">
+                <a:latin typeface="Bahnschrift SemiCondensed" panose="020B0502040204020203" pitchFamily="34" charset="0"/>
+              </a:rPr>
+              <a:t>each</a:t>
+            </a:r>
+            <a:r>
+              <a:rPr lang="it-IT" sz="2000" dirty="0">
+                <a:latin typeface="Bahnschrift SemiCondensed" panose="020B0502040204020203" pitchFamily="34" charset="0"/>
+              </a:rPr>
+              <a:t> agent.</a:t>
             </a:r>
           </a:p>
           <a:p>
@@ -9957,13 +15642,19 @@
               <a:rPr lang="it-IT" sz="2000" b="1" dirty="0">
                 <a:latin typeface="Bahnschrift SemiCondensed" panose="020B0502040204020203" pitchFamily="34" charset="0"/>
               </a:rPr>
-              <a:t>AVERAGE CONSENSUS </a:t>
+              <a:t>AVERAGE CONSENSUS, </a:t>
+            </a:r>
+            <a:r>
+              <a:rPr lang="it-IT" sz="2000" dirty="0" err="1">
+                <a:latin typeface="Bahnschrift SemiCondensed" panose="020B0502040204020203" pitchFamily="34" charset="0"/>
+              </a:rPr>
+              <a:t>meaning</a:t>
             </a:r>
             <a:r>
               <a:rPr lang="it-IT" sz="2000" dirty="0">
                 <a:latin typeface="Bahnschrift SemiCondensed" panose="020B0502040204020203" pitchFamily="34" charset="0"/>
               </a:rPr>
-              <a:t>– e.g. </a:t>
+              <a:t> </a:t>
             </a:r>
             <a:r>
               <a:rPr lang="it-IT" sz="2000" dirty="0" err="1">
@@ -9975,43 +15666,19 @@
               <a:rPr lang="it-IT" sz="2000" dirty="0">
                 <a:latin typeface="Bahnschrift SemiCondensed" panose="020B0502040204020203" pitchFamily="34" charset="0"/>
               </a:rPr>
-              <a:t> compute the </a:t>
+              <a:t> compute the center of mass of the agents </a:t>
             </a:r>
             <a:r>
               <a:rPr lang="it-IT" sz="2000" dirty="0" err="1">
                 <a:latin typeface="Bahnschrift SemiCondensed" panose="020B0502040204020203" pitchFamily="34" charset="0"/>
               </a:rPr>
-              <a:t>mean</a:t>
+              <a:t>as</a:t>
             </a:r>
             <a:r>
               <a:rPr lang="it-IT" sz="2000" dirty="0">
                 <a:latin typeface="Bahnschrift SemiCondensed" panose="020B0502040204020203" pitchFamily="34" charset="0"/>
               </a:rPr>
-              <a:t> point </a:t>
-            </a:r>
-            <a:r>
-              <a:rPr lang="it-IT" sz="2000" dirty="0" err="1">
-                <a:latin typeface="Bahnschrift SemiCondensed" panose="020B0502040204020203" pitchFamily="34" charset="0"/>
-              </a:rPr>
-              <a:t>starting</a:t>
-            </a:r>
-            <a:r>
-              <a:rPr lang="it-IT" sz="2000" dirty="0">
-                <a:latin typeface="Bahnschrift SemiCondensed" panose="020B0502040204020203" pitchFamily="34" charset="0"/>
-              </a:rPr>
-              <a:t> from </a:t>
-            </a:r>
-            <a:r>
-              <a:rPr lang="it-IT" sz="2000" dirty="0" err="1">
-                <a:latin typeface="Bahnschrift SemiCondensed" panose="020B0502040204020203" pitchFamily="34" charset="0"/>
-              </a:rPr>
-              <a:t>initial</a:t>
-            </a:r>
-            <a:r>
-              <a:rPr lang="it-IT" sz="2000" dirty="0">
-                <a:latin typeface="Bahnschrift SemiCondensed" panose="020B0502040204020203" pitchFamily="34" charset="0"/>
-              </a:rPr>
-              <a:t> positions of the agents</a:t>
+              <a:t> rendez-vous point.</a:t>
             </a:r>
           </a:p>
         </p:txBody>
@@ -10574,9 +16241,12 @@
               </a:rPr>
               <a:t>proximity</a:t>
             </a:r>
-            <a:endParaRPr lang="it-IT" sz="2000" dirty="0">
-              <a:latin typeface="Bahnschrift SemiCondensed" panose="020B0502040204020203" pitchFamily="34" charset="0"/>
-            </a:endParaRPr>
+            <a:r>
+              <a:rPr lang="it-IT" sz="2000" dirty="0">
+                <a:latin typeface="Bahnschrift SemiCondensed" panose="020B0502040204020203" pitchFamily="34" charset="0"/>
+              </a:rPr>
+              <a:t>.</a:t>
+            </a:r>
           </a:p>
         </p:txBody>
       </p:sp>
@@ -11931,7 +17601,7 @@
               <a:rPr lang="it-IT" sz="2000" dirty="0" err="1">
                 <a:latin typeface="Bahnschrift SemiCondensed" panose="020B0502040204020203" pitchFamily="34" charset="0"/>
               </a:rPr>
-              <a:t>that</a:t>
+              <a:t>which</a:t>
             </a:r>
             <a:r>
               <a:rPr lang="it-IT" sz="2000" dirty="0">
@@ -11990,7 +17660,7 @@
               <a:rPr lang="it-IT" sz="2000" b="1" dirty="0">
                 <a:latin typeface="Bahnschrift SemiCondensed" panose="020B0502040204020203" pitchFamily="34" charset="0"/>
               </a:rPr>
-              <a:t> 4</a:t>
+              <a:t> set to 4</a:t>
             </a:r>
           </a:p>
         </p:txBody>
@@ -12225,31 +17895,31 @@
               <a:t> and tracking control are </a:t>
             </a:r>
             <a:r>
-              <a:rPr lang="it-IT" sz="2000" dirty="0" err="1">
+              <a:rPr lang="it-IT" sz="2000" b="1" dirty="0" err="1">
                 <a:latin typeface="Bahnschrift SemiCondensed" panose="020B0502040204020203" pitchFamily="34" charset="0"/>
               </a:rPr>
               <a:t>two</a:t>
             </a:r>
             <a:r>
-              <a:rPr lang="it-IT" sz="2000" dirty="0">
+              <a:rPr lang="it-IT" sz="2000" b="1" dirty="0">
                 <a:latin typeface="Bahnschrift SemiCondensed" panose="020B0502040204020203" pitchFamily="34" charset="0"/>
               </a:rPr>
               <a:t> </a:t>
             </a:r>
             <a:r>
-              <a:rPr lang="it-IT" sz="2000" dirty="0" err="1">
+              <a:rPr lang="it-IT" sz="2000" b="1" dirty="0" err="1">
                 <a:latin typeface="Bahnschrift SemiCondensed" panose="020B0502040204020203" pitchFamily="34" charset="0"/>
               </a:rPr>
               <a:t>different</a:t>
             </a:r>
             <a:r>
-              <a:rPr lang="it-IT" sz="2000" dirty="0">
+              <a:rPr lang="it-IT" sz="2000" b="1" dirty="0">
                 <a:latin typeface="Bahnschrift SemiCondensed" panose="020B0502040204020203" pitchFamily="34" charset="0"/>
               </a:rPr>
               <a:t> </a:t>
             </a:r>
             <a:r>
-              <a:rPr lang="it-IT" sz="2000" dirty="0" err="1">
+              <a:rPr lang="it-IT" sz="2000" b="1" dirty="0" err="1">
                 <a:latin typeface="Bahnschrift SemiCondensed" panose="020B0502040204020203" pitchFamily="34" charset="0"/>
               </a:rPr>
               <a:t>subsystems</a:t>
@@ -12281,7 +17951,7 @@
               <a:rPr lang="it-IT" sz="2000" dirty="0">
                 <a:latin typeface="Bahnschrift SemiCondensed" panose="020B0502040204020203" pitchFamily="34" charset="0"/>
               </a:rPr>
-              <a:t>Tracking </a:t>
+              <a:t>The tracking </a:t>
             </a:r>
             <a:r>
               <a:rPr lang="it-IT" sz="2000" dirty="0" err="1">
@@ -12329,7 +17999,7 @@
               <a:rPr lang="it-IT" sz="2000" dirty="0">
                 <a:latin typeface="Bahnschrift SemiCondensed" panose="020B0502040204020203" pitchFamily="34" charset="0"/>
               </a:rPr>
-              <a:t> from last </a:t>
+              <a:t> from the last </a:t>
             </a:r>
             <a:r>
               <a:rPr lang="it-IT" sz="2000" dirty="0" err="1">
@@ -12341,13 +18011,13 @@
               <a:rPr lang="it-IT" sz="2000" dirty="0">
                 <a:latin typeface="Bahnschrift SemiCondensed" panose="020B0502040204020203" pitchFamily="34" charset="0"/>
               </a:rPr>
-              <a:t> of </a:t>
+              <a:t> of the </a:t>
             </a:r>
             <a:r>
               <a:rPr lang="it-IT" sz="2000" dirty="0" err="1">
                 <a:latin typeface="Bahnschrift SemiCondensed" panose="020B0502040204020203" pitchFamily="34" charset="0"/>
               </a:rPr>
-              <a:t>Regulation</a:t>
+              <a:t>regulation</a:t>
             </a:r>
             <a:r>
               <a:rPr lang="it-IT" sz="2000" dirty="0">
@@ -12486,9 +18156,12 @@
               </a:rPr>
               <a:t>velocity</a:t>
             </a:r>
-            <a:endParaRPr lang="it-IT" sz="2000" dirty="0">
-              <a:latin typeface="Bahnschrift SemiCondensed" panose="020B0502040204020203" pitchFamily="34" charset="0"/>
-            </a:endParaRPr>
+            <a:r>
+              <a:rPr lang="it-IT" sz="2000" dirty="0">
+                <a:latin typeface="Bahnschrift SemiCondensed" panose="020B0502040204020203" pitchFamily="34" charset="0"/>
+              </a:rPr>
+              <a:t>.</a:t>
+            </a:r>
           </a:p>
         </p:txBody>
       </p:sp>
@@ -12964,7 +18637,6 @@
             </a:lvl9pPr>
           </a:lstStyle>
           <a:p>
-            <a:pPr algn="ctr"/>
             <a:r>
               <a:rPr lang="it-IT" sz="2000" b="1" dirty="0">
                 <a:latin typeface="Bahnschrift SemiCondensed" panose="020B0502040204020203" pitchFamily="34" charset="0"/>
@@ -12975,68 +18647,91 @@
               <a:rPr lang="it-IT" sz="2000" dirty="0">
                 <a:latin typeface="Bahnschrift SemiCondensed" panose="020B0502040204020203" pitchFamily="34" charset="0"/>
               </a:rPr>
-              <a:t>– to test </a:t>
+              <a:t>– </a:t>
             </a:r>
             <a:r>
               <a:rPr lang="it-IT" sz="2000" dirty="0" err="1">
                 <a:latin typeface="Bahnschrift SemiCondensed" panose="020B0502040204020203" pitchFamily="34" charset="0"/>
               </a:rPr>
+              <a:t>tests</a:t>
+            </a:r>
+            <a:r>
+              <a:rPr lang="it-IT" sz="2000" dirty="0">
+                <a:latin typeface="Bahnschrift SemiCondensed" panose="020B0502040204020203" pitchFamily="34" charset="0"/>
+              </a:rPr>
+              <a:t> </a:t>
+            </a:r>
+            <a:r>
+              <a:rPr lang="it-IT" sz="2000" dirty="0" err="1">
+                <a:latin typeface="Bahnschrift SemiCondensed" panose="020B0502040204020203" pitchFamily="34" charset="0"/>
+              </a:rPr>
               <a:t>if</a:t>
             </a:r>
             <a:r>
               <a:rPr lang="it-IT" sz="2000" dirty="0">
                 <a:latin typeface="Bahnschrift SemiCondensed" panose="020B0502040204020203" pitchFamily="34" charset="0"/>
               </a:rPr>
+              <a:t> the controller strategy works and </a:t>
+            </a:r>
+            <a:r>
+              <a:rPr lang="it-IT" sz="2000" dirty="0" err="1">
+                <a:latin typeface="Bahnschrift SemiCondensed" panose="020B0502040204020203" pitchFamily="34" charset="0"/>
+              </a:rPr>
+              <a:t>how</a:t>
+            </a:r>
+            <a:r>
+              <a:rPr lang="it-IT" sz="2000" dirty="0">
+                <a:latin typeface="Bahnschrift SemiCondensed" panose="020B0502040204020203" pitchFamily="34" charset="0"/>
+              </a:rPr>
               <a:t> </a:t>
             </a:r>
             <a:r>
               <a:rPr lang="it-IT" sz="2000" dirty="0" err="1">
                 <a:latin typeface="Bahnschrift SemiCondensed" panose="020B0502040204020203" pitchFamily="34" charset="0"/>
               </a:rPr>
-              <a:t>final</a:t>
+              <a:t>quickly</a:t>
             </a:r>
             <a:r>
               <a:rPr lang="it-IT" sz="2000" dirty="0">
                 <a:latin typeface="Bahnschrift SemiCondensed" panose="020B0502040204020203" pitchFamily="34" charset="0"/>
               </a:rPr>
-              <a:t> </a:t>
+              <a:t> the agents </a:t>
             </a:r>
             <a:r>
               <a:rPr lang="it-IT" sz="2000" dirty="0" err="1">
                 <a:latin typeface="Bahnschrift SemiCondensed" panose="020B0502040204020203" pitchFamily="34" charset="0"/>
               </a:rPr>
-              <a:t>result</a:t>
+              <a:t>move</a:t>
             </a:r>
             <a:r>
               <a:rPr lang="it-IT" sz="2000" dirty="0">
                 <a:latin typeface="Bahnschrift SemiCondensed" panose="020B0502040204020203" pitchFamily="34" charset="0"/>
               </a:rPr>
-              <a:t> </a:t>
+              <a:t> to the </a:t>
             </a:r>
             <a:r>
               <a:rPr lang="it-IT" sz="2000" dirty="0" err="1">
                 <a:latin typeface="Bahnschrift SemiCondensed" panose="020B0502040204020203" pitchFamily="34" charset="0"/>
               </a:rPr>
-              <a:t>is</a:t>
+              <a:t>desired</a:t>
             </a:r>
             <a:r>
               <a:rPr lang="it-IT" sz="2000" dirty="0">
                 <a:latin typeface="Bahnschrift SemiCondensed" panose="020B0502040204020203" pitchFamily="34" charset="0"/>
               </a:rPr>
-              <a:t> </a:t>
+              <a:t> position/</a:t>
             </a:r>
             <a:r>
               <a:rPr lang="it-IT" sz="2000" dirty="0" err="1">
                 <a:latin typeface="Bahnschrift SemiCondensed" panose="020B0502040204020203" pitchFamily="34" charset="0"/>
               </a:rPr>
-              <a:t>acceptable</a:t>
+              <a:t>trajectory</a:t>
             </a:r>
             <a:endParaRPr lang="it-IT" sz="2000" dirty="0">
               <a:latin typeface="Bahnschrift SemiCondensed" panose="020B0502040204020203" pitchFamily="34" charset="0"/>
             </a:endParaRPr>
           </a:p>
           <a:p>
-            <a:pPr algn="ctr"/>
             <a:r>
               <a:rPr lang="it-IT" sz="2000" b="1" dirty="0">
                 <a:latin typeface="Bahnschrift SemiCondensed" panose="020B0502040204020203" pitchFamily="34" charset="0"/>
@@ -13047,19 +18742,31 @@
               <a:rPr lang="it-IT" sz="2000" dirty="0">
                 <a:latin typeface="Bahnschrift SemiCondensed" panose="020B0502040204020203" pitchFamily="34" charset="0"/>
               </a:rPr>
-              <a:t>– to test the </a:t>
+              <a:t>– </a:t>
             </a:r>
             <a:r>
               <a:rPr lang="it-IT" sz="2000" dirty="0" err="1">
                 <a:latin typeface="Bahnschrift SemiCondensed" panose="020B0502040204020203" pitchFamily="34" charset="0"/>
               </a:rPr>
+              <a:t>tests</a:t>
+            </a:r>
+            <a:r>
+              <a:rPr lang="it-IT" sz="2000" dirty="0">
+                <a:latin typeface="Bahnschrift SemiCondensed" panose="020B0502040204020203" pitchFamily="34" charset="0"/>
+              </a:rPr>
+              <a:t> the </a:t>
+            </a:r>
+            <a:r>
+              <a:rPr lang="it-IT" sz="2000" dirty="0" err="1">
+                <a:latin typeface="Bahnschrift SemiCondensed" panose="020B0502040204020203" pitchFamily="34" charset="0"/>
+              </a:rPr>
               <a:t>smoothness</a:t>
             </a:r>
             <a:r>
               <a:rPr lang="it-IT" sz="2000" dirty="0">
                 <a:latin typeface="Bahnschrift SemiCondensed" panose="020B0502040204020203" pitchFamily="34" charset="0"/>
               </a:rPr>
-              <a:t> of agents </a:t>
+              <a:t> of the agents </a:t>
             </a:r>
             <a:r>
               <a:rPr lang="it-IT" sz="2000" dirty="0" err="1">
@@ -13072,7 +18779,6 @@
             </a:endParaRPr>
           </a:p>
           <a:p>
-            <a:pPr algn="ctr"/>
             <a:r>
               <a:rPr lang="it-IT" sz="2000" b="1" dirty="0">
                 <a:latin typeface="Bahnschrift SemiCondensed" panose="020B0502040204020203" pitchFamily="34" charset="0"/>
@@ -13083,119 +18789,112 @@
               <a:rPr lang="it-IT" sz="2000" dirty="0">
                 <a:latin typeface="Bahnschrift SemiCondensed" panose="020B0502040204020203" pitchFamily="34" charset="0"/>
               </a:rPr>
-              <a:t>– to test </a:t>
+              <a:t>– </a:t>
             </a:r>
             <a:r>
               <a:rPr lang="it-IT" sz="2000" dirty="0" err="1">
                 <a:latin typeface="Bahnschrift SemiCondensed" panose="020B0502040204020203" pitchFamily="34" charset="0"/>
               </a:rPr>
+              <a:t>tests</a:t>
+            </a:r>
+            <a:r>
+              <a:rPr lang="it-IT" sz="2000" dirty="0">
+                <a:latin typeface="Bahnschrift SemiCondensed" panose="020B0502040204020203" pitchFamily="34" charset="0"/>
+              </a:rPr>
+              <a:t> the </a:t>
+            </a:r>
+            <a:r>
+              <a:rPr lang="it-IT" sz="2000" dirty="0" err="1">
+                <a:latin typeface="Bahnschrift SemiCondensed" panose="020B0502040204020203" pitchFamily="34" charset="0"/>
+              </a:rPr>
               <a:t>robustness</a:t>
             </a:r>
             <a:r>
               <a:rPr lang="it-IT" sz="2000" dirty="0">
                 <a:latin typeface="Bahnschrift SemiCondensed" panose="020B0502040204020203" pitchFamily="34" charset="0"/>
               </a:rPr>
+              <a:t> of the controllers to small </a:t>
+            </a:r>
+            <a:r>
+              <a:rPr lang="it-IT" sz="2000" dirty="0" err="1">
+                <a:latin typeface="Bahnschrift SemiCondensed" panose="020B0502040204020203" pitchFamily="34" charset="0"/>
+              </a:rPr>
+              <a:t>changes</a:t>
+            </a:r>
+            <a:r>
+              <a:rPr lang="it-IT" sz="2000" dirty="0">
+                <a:latin typeface="Bahnschrift SemiCondensed" panose="020B0502040204020203" pitchFamily="34" charset="0"/>
+              </a:rPr>
+              <a:t> of gain </a:t>
+            </a:r>
+            <a:r>
+              <a:rPr lang="it-IT" sz="2000" dirty="0" err="1">
+                <a:latin typeface="Bahnschrift SemiCondensed" panose="020B0502040204020203" pitchFamily="34" charset="0"/>
+              </a:rPr>
+              <a:t>values</a:t>
+            </a:r>
+            <a:endParaRPr lang="it-IT" sz="2000" dirty="0">
+              <a:latin typeface="Bahnschrift SemiCondensed" panose="020B0502040204020203" pitchFamily="34" charset="0"/>
+            </a:endParaRPr>
+          </a:p>
+          <a:p>
+            <a:r>
+              <a:rPr lang="it-IT" sz="2000" b="1" dirty="0">
+                <a:latin typeface="Bahnschrift SemiCondensed" panose="020B0502040204020203" pitchFamily="34" charset="0"/>
+              </a:rPr>
+              <a:t>PROXIMITY TEST </a:t>
+            </a:r>
+            <a:r>
+              <a:rPr lang="it-IT" sz="2000" dirty="0">
+                <a:latin typeface="Bahnschrift SemiCondensed" panose="020B0502040204020203" pitchFamily="34" charset="0"/>
+              </a:rPr>
+              <a:t>– </a:t>
+            </a:r>
+            <a:r>
+              <a:rPr lang="it-IT" sz="2000" dirty="0" err="1">
+                <a:latin typeface="Bahnschrift SemiCondensed" panose="020B0502040204020203" pitchFamily="34" charset="0"/>
+              </a:rPr>
+              <a:t>tests</a:t>
+            </a:r>
+            <a:r>
+              <a:rPr lang="it-IT" sz="2000" dirty="0">
+                <a:latin typeface="Bahnschrift SemiCondensed" panose="020B0502040204020203" pitchFamily="34" charset="0"/>
+              </a:rPr>
               <a:t> </a:t>
             </a:r>
             <a:r>
               <a:rPr lang="it-IT" sz="2000" dirty="0" err="1">
                 <a:latin typeface="Bahnschrift SemiCondensed" panose="020B0502040204020203" pitchFamily="34" charset="0"/>
               </a:rPr>
-              <a:t>if</a:t>
+              <a:t>how</a:t>
             </a:r>
             <a:r>
               <a:rPr lang="it-IT" sz="2000" dirty="0">
                 <a:latin typeface="Bahnschrift SemiCondensed" panose="020B0502040204020203" pitchFamily="34" charset="0"/>
               </a:rPr>
+              <a:t> close the agents are to the </a:t>
+            </a:r>
+            <a:r>
+              <a:rPr lang="it-IT" sz="2000" dirty="0" err="1">
+                <a:latin typeface="Bahnschrift SemiCondensed" panose="020B0502040204020203" pitchFamily="34" charset="0"/>
+              </a:rPr>
+              <a:t>desired</a:t>
+            </a:r>
+            <a:r>
+              <a:rPr lang="it-IT" sz="2000" dirty="0">
+                <a:latin typeface="Bahnschrift SemiCondensed" panose="020B0502040204020203" pitchFamily="34" charset="0"/>
+              </a:rPr>
               <a:t> </a:t>
             </a:r>
             <a:r>
               <a:rPr lang="it-IT" sz="2000" dirty="0" err="1">
                 <a:latin typeface="Bahnschrift SemiCondensed" panose="020B0502040204020203" pitchFamily="34" charset="0"/>
               </a:rPr>
-              <a:t>we</a:t>
-            </a:r>
-            <a:r>
-              <a:rPr lang="it-IT" sz="2000" dirty="0">
-                <a:latin typeface="Bahnschrift SemiCondensed" panose="020B0502040204020203" pitchFamily="34" charset="0"/>
-              </a:rPr>
-              <a:t> </a:t>
-            </a:r>
-            <a:r>
-              <a:rPr lang="it-IT" sz="2000" dirty="0" err="1">
-                <a:latin typeface="Bahnschrift SemiCondensed" panose="020B0502040204020203" pitchFamily="34" charset="0"/>
-              </a:rPr>
-              <a:t>slightly</a:t>
-            </a:r>
-            <a:r>
-              <a:rPr lang="it-IT" sz="2000" dirty="0">
-                <a:latin typeface="Bahnschrift SemiCondensed" panose="020B0502040204020203" pitchFamily="34" charset="0"/>
-              </a:rPr>
-              <a:t> </a:t>
-            </a:r>
-            <a:r>
-              <a:rPr lang="it-IT" sz="2000" dirty="0" err="1">
-                <a:latin typeface="Bahnschrift SemiCondensed" panose="020B0502040204020203" pitchFamily="34" charset="0"/>
-              </a:rPr>
-              <a:t>modify</a:t>
-            </a:r>
-            <a:r>
-              <a:rPr lang="it-IT" sz="2000" dirty="0">
-                <a:latin typeface="Bahnschrift SemiCondensed" panose="020B0502040204020203" pitchFamily="34" charset="0"/>
-              </a:rPr>
-              <a:t> the gains</a:t>
-            </a:r>
-          </a:p>
-          <a:p>
-            <a:pPr algn="ctr"/>
-            <a:r>
-              <a:rPr lang="it-IT" sz="2000" b="1" dirty="0">
-                <a:latin typeface="Bahnschrift SemiCondensed" panose="020B0502040204020203" pitchFamily="34" charset="0"/>
-              </a:rPr>
-              <a:t>PROXIMITY TEST </a:t>
-            </a:r>
-            <a:r>
-              <a:rPr lang="it-IT" sz="2000" dirty="0">
-                <a:latin typeface="Bahnschrift SemiCondensed" panose="020B0502040204020203" pitchFamily="34" charset="0"/>
-              </a:rPr>
-              <a:t>– to test </a:t>
-            </a:r>
-            <a:r>
-              <a:rPr lang="it-IT" sz="2000" dirty="0" err="1">
-                <a:latin typeface="Bahnschrift SemiCondensed" panose="020B0502040204020203" pitchFamily="34" charset="0"/>
-              </a:rPr>
-              <a:t>how</a:t>
-            </a:r>
-            <a:r>
-              <a:rPr lang="it-IT" sz="2000" dirty="0">
-                <a:latin typeface="Bahnschrift SemiCondensed" panose="020B0502040204020203" pitchFamily="34" charset="0"/>
-              </a:rPr>
-              <a:t> close the agent are to the </a:t>
-            </a:r>
-            <a:r>
-              <a:rPr lang="it-IT" sz="2000" dirty="0" err="1">
-                <a:latin typeface="Bahnschrift SemiCondensed" panose="020B0502040204020203" pitchFamily="34" charset="0"/>
-              </a:rPr>
-              <a:t>desired</a:t>
-            </a:r>
-            <a:r>
-              <a:rPr lang="it-IT" sz="2000" dirty="0">
-                <a:latin typeface="Bahnschrift SemiCondensed" panose="020B0502040204020203" pitchFamily="34" charset="0"/>
-              </a:rPr>
-              <a:t> </a:t>
-            </a:r>
-            <a:r>
-              <a:rPr lang="it-IT" sz="2000" dirty="0" err="1">
-                <a:latin typeface="Bahnschrift SemiCondensed" panose="020B0502040204020203" pitchFamily="34" charset="0"/>
-              </a:rPr>
               <a:t>trajectory</a:t>
             </a:r>
-            <a:r>
-              <a:rPr lang="it-IT" sz="2000" dirty="0">
-                <a:latin typeface="Bahnschrift SemiCondensed" panose="020B0502040204020203" pitchFamily="34" charset="0"/>
-              </a:rPr>
-              <a:t> </a:t>
-            </a:r>
+            <a:endParaRPr lang="it-IT" sz="2000" dirty="0">
+              <a:latin typeface="Bahnschrift SemiCondensed" panose="020B0502040204020203" pitchFamily="34" charset="0"/>
+            </a:endParaRPr>
           </a:p>
         </p:txBody>
       </p:sp>
@@ -13409,7 +19108,7 @@
               <a:rPr lang="it-IT" sz="2000" b="1" dirty="0">
                 <a:latin typeface="Bahnschrift SemiCondensed" panose="020B0502040204020203" pitchFamily="34" charset="0"/>
               </a:rPr>
-              <a:t> test </a:t>
+              <a:t> test (</a:t>
             </a:r>
             <a:r>
               <a:rPr lang="it-IT" sz="2000" b="1" dirty="0" err="1">
@@ -13421,19 +19120,19 @@
               <a:rPr lang="it-IT" sz="2000" b="1" dirty="0">
                 <a:latin typeface="Bahnschrift SemiCondensed" panose="020B0502040204020203" pitchFamily="34" charset="0"/>
               </a:rPr>
-              <a:t> the </a:t>
+              <a:t>  for the </a:t>
             </a:r>
             <a:r>
               <a:rPr lang="it-IT" sz="2000" b="1" dirty="0" err="1">
                 <a:latin typeface="Bahnschrift SemiCondensed" panose="020B0502040204020203" pitchFamily="34" charset="0"/>
               </a:rPr>
-              <a:t>Smoothness</a:t>
+              <a:t>smoothness</a:t>
             </a:r>
             <a:r>
               <a:rPr lang="it-IT" sz="2000" b="1" dirty="0">
                 <a:latin typeface="Bahnschrift SemiCondensed" panose="020B0502040204020203" pitchFamily="34" charset="0"/>
               </a:rPr>
-              <a:t> test </a:t>
+              <a:t> test) </a:t>
             </a:r>
             <a:r>
               <a:rPr lang="it-IT" sz="2000" b="1" dirty="0" err="1">
@@ -13498,13 +19197,13 @@
               <a:rPr lang="it-IT" sz="2000" dirty="0" err="1">
                 <a:latin typeface="Bahnschrift SemiCondensed" panose="020B0502040204020203" pitchFamily="34" charset="0"/>
               </a:rPr>
-              <a:t>Smoothness</a:t>
+              <a:t>smoothness</a:t>
             </a:r>
             <a:r>
               <a:rPr lang="it-IT" sz="2000" dirty="0">
                 <a:latin typeface="Bahnschrift SemiCondensed" panose="020B0502040204020203" pitchFamily="34" charset="0"/>
               </a:rPr>
-              <a:t> Test </a:t>
+              <a:t> test </a:t>
             </a:r>
             <a:r>
               <a:rPr lang="it-IT" sz="2000" dirty="0" err="1">
@@ -14011,20 +19710,22 @@
         </p:nvSpPr>
         <p:spPr>
           <a:xfrm>
-            <a:off x="838200" y="365125"/>
-            <a:ext cx="10515600" cy="1325563"/>
+            <a:off x="0" y="365125"/>
+            <a:ext cx="12192000" cy="1325563"/>
           </a:xfrm>
         </p:spPr>
         <p:txBody>
-          <a:bodyPr/>
+          <a:bodyPr>
+            <a:normAutofit/>
+          </a:bodyPr>
           <a:lstStyle/>
           <a:p>
             <a:pPr algn="ctr"/>
             <a:r>
-              <a:rPr lang="it-IT" b="1" dirty="0">
+              <a:rPr lang="it-IT" sz="3600" b="1" dirty="0">
                 <a:latin typeface="Bahnschrift" panose="020B0502040204020203" pitchFamily="34" charset="0"/>
               </a:rPr>
-              <a:t>LINEAR CONTROLLER</a:t>
+              <a:t>LINEAR CONTROLLER - IMPLEMENTATION</a:t>
             </a:r>
           </a:p>
         </p:txBody>
@@ -14230,16 +19931,28 @@
               <a:buNone/>
             </a:pPr>
             <a:r>
+              <a:rPr lang="it-IT" sz="2000" b="1" dirty="0">
+                <a:latin typeface="Bahnschrift SemiCondensed" panose="020B0502040204020203" pitchFamily="34" charset="0"/>
+              </a:rPr>
+              <a:t>Controller </a:t>
+            </a:r>
+            <a:r>
               <a:rPr lang="it-IT" sz="2000" b="1" dirty="0" err="1">
                 <a:latin typeface="Bahnschrift SemiCondensed" panose="020B0502040204020203" pitchFamily="34" charset="0"/>
               </a:rPr>
-              <a:t>Smoothness</a:t>
+              <a:t>scheme</a:t>
             </a:r>
             <a:r>
               <a:rPr lang="it-IT" sz="2000" b="1" dirty="0">
                 <a:latin typeface="Bahnschrift SemiCondensed" panose="020B0502040204020203" pitchFamily="34" charset="0"/>
               </a:rPr>
-              <a:t> image</a:t>
+              <a:t>/</a:t>
+            </a:r>
+            <a:r>
+              <a:rPr lang="it-IT" sz="2000" b="1" dirty="0" err="1">
+                <a:latin typeface="Bahnschrift SemiCondensed" panose="020B0502040204020203" pitchFamily="34" charset="0"/>
+              </a:rPr>
+              <a:t>formulas</a:t>
             </a:r>
             <a:endParaRPr lang="it-IT" sz="2000" dirty="0">
               <a:latin typeface="Bahnschrift SemiCondensed" panose="020B0502040204020203" pitchFamily="34" charset="0"/>
@@ -14450,26 +20163,6 @@
               </a:spcBef>
               <a:buNone/>
             </a:pPr>
-            <a:r>
-              <a:rPr lang="it-IT" sz="2000" b="1" dirty="0">
-                <a:latin typeface="Bahnschrift SemiCondensed" panose="020B0502040204020203" pitchFamily="34" charset="0"/>
-              </a:rPr>
-              <a:t>CONVERGENCE TEST </a:t>
-            </a:r>
-          </a:p>
-          <a:p>
-            <a:pPr marL="0" indent="0" algn="r">
-              <a:spcBef>
-                <a:spcPts val="0"/>
-              </a:spcBef>
-              <a:buNone/>
-            </a:pPr>
-            <a:r>
-              <a:rPr lang="it-IT" sz="6600" b="1" dirty="0">
-                <a:latin typeface="Bahnschrift SemiCondensed" panose="020B0502040204020203" pitchFamily="34" charset="0"/>
-              </a:rPr>
-              <a:t>94%</a:t>
-            </a:r>
             <a:endParaRPr lang="it-IT" sz="7200" b="1" dirty="0">
               <a:latin typeface="Bahnschrift SemiCondensed" panose="020B0502040204020203" pitchFamily="34" charset="0"/>
             </a:endParaRPr>
@@ -14679,26 +20372,6 @@
               </a:spcBef>
               <a:buNone/>
             </a:pPr>
-            <a:r>
-              <a:rPr lang="it-IT" sz="2000" b="1" dirty="0">
-                <a:latin typeface="Bahnschrift SemiCondensed" panose="020B0502040204020203" pitchFamily="34" charset="0"/>
-              </a:rPr>
-              <a:t>SENSITIVITY TEST </a:t>
-            </a:r>
-          </a:p>
-          <a:p>
-            <a:pPr marL="0" indent="0" algn="r">
-              <a:spcBef>
-                <a:spcPts val="0"/>
-              </a:spcBef>
-              <a:buNone/>
-            </a:pPr>
-            <a:r>
-              <a:rPr lang="it-IT" sz="6600" b="1" dirty="0">
-                <a:latin typeface="Bahnschrift SemiCondensed" panose="020B0502040204020203" pitchFamily="34" charset="0"/>
-              </a:rPr>
-              <a:t>80/100</a:t>
-            </a:r>
             <a:endParaRPr lang="it-IT" sz="7200" b="1" dirty="0">
               <a:latin typeface="Bahnschrift SemiCondensed" panose="020B0502040204020203" pitchFamily="34" charset="0"/>
             </a:endParaRPr>
@@ -14908,50 +20581,6 @@
               </a:spcBef>
               <a:buNone/>
             </a:pPr>
-            <a:r>
-              <a:rPr lang="it-IT" sz="2000" b="1" dirty="0">
-                <a:latin typeface="Bahnschrift SemiCondensed" panose="020B0502040204020203" pitchFamily="34" charset="0"/>
-              </a:rPr>
-              <a:t>PROXIMITY TEST (</a:t>
-            </a:r>
-            <a:r>
-              <a:rPr lang="it-IT" sz="2000" b="1" dirty="0" err="1">
-                <a:latin typeface="Bahnschrift SemiCondensed" panose="020B0502040204020203" pitchFamily="34" charset="0"/>
-              </a:rPr>
-              <a:t>avg</a:t>
-            </a:r>
-            <a:r>
-              <a:rPr lang="it-IT" sz="2000" b="1" dirty="0">
-                <a:latin typeface="Bahnschrift SemiCondensed" panose="020B0502040204020203" pitchFamily="34" charset="0"/>
-              </a:rPr>
-              <a:t> </a:t>
-            </a:r>
-            <a:r>
-              <a:rPr lang="it-IT" sz="2000" b="1" dirty="0" err="1">
-                <a:latin typeface="Bahnschrift SemiCondensed" panose="020B0502040204020203" pitchFamily="34" charset="0"/>
-              </a:rPr>
-              <a:t>error</a:t>
-            </a:r>
-            <a:r>
-              <a:rPr lang="it-IT" sz="2000" b="1" dirty="0">
-                <a:latin typeface="Bahnschrift SemiCondensed" panose="020B0502040204020203" pitchFamily="34" charset="0"/>
-              </a:rPr>
-              <a:t>)</a:t>
-            </a:r>
-          </a:p>
-          <a:p>
-            <a:pPr marL="0" indent="0" algn="r">
-              <a:spcBef>
-                <a:spcPts val="0"/>
-              </a:spcBef>
-              <a:buNone/>
-            </a:pPr>
-            <a:r>
-              <a:rPr lang="it-IT" sz="6600" b="1" dirty="0">
-                <a:latin typeface="Bahnschrift SemiCondensed" panose="020B0502040204020203" pitchFamily="34" charset="0"/>
-              </a:rPr>
-              <a:t>2.58</a:t>
-            </a:r>
             <a:endParaRPr lang="it-IT" sz="7200" b="1" dirty="0">
               <a:latin typeface="Bahnschrift SemiCondensed" panose="020B0502040204020203" pitchFamily="34" charset="0"/>
             </a:endParaRPr>

--- a/documentation/presentation.pptx
+++ b/documentation/presentation.pptx
@@ -21095,212 +21095,1049 @@
           </a:p>
         </p:txBody>
       </p:sp>
-      <p:sp>
-        <p:nvSpPr>
-          <p:cNvPr id="2" name="Content Placeholder 2">
+      <p:graphicFrame>
+        <p:nvGraphicFramePr>
+          <p:cNvPr id="13" name="Table 12">
             <a:extLst>
               <a:ext uri="{FF2B5EF4-FFF2-40B4-BE49-F238E27FC236}">
-                <a16:creationId xmlns:a16="http://schemas.microsoft.com/office/drawing/2014/main" id="{AF38A505-5569-961A-20BE-5DB4C3A8AA0E}"/>
+                <a16:creationId xmlns:a16="http://schemas.microsoft.com/office/drawing/2014/main" id="{A2913B80-2D2B-5967-1ED6-90975F2E6CB2}"/>
               </a:ext>
             </a:extLst>
           </p:cNvPr>
-          <p:cNvSpPr txBox="1">
-            <a:spLocks/>
-          </p:cNvSpPr>
-          <p:nvPr/>
-        </p:nvSpPr>
-        <p:spPr>
-          <a:xfrm>
-            <a:off x="876300" y="1544015"/>
-            <a:ext cx="10439400" cy="4139154"/>
-          </a:xfrm>
-          <a:prstGeom prst="rect">
-            <a:avLst/>
-          </a:prstGeom>
-          <a:ln w="28575">
-            <a:solidFill>
-              <a:schemeClr val="tx1"/>
-            </a:solidFill>
-          </a:ln>
-        </p:spPr>
-        <p:txBody>
-          <a:bodyPr vert="horz" lIns="91440" tIns="45720" rIns="91440" bIns="45720" rtlCol="0" anchor="ctr">
-            <a:normAutofit/>
-          </a:bodyPr>
-          <a:lstStyle>
-            <a:lvl1pPr marL="228600" indent="-228600" algn="l" defTabSz="914400" rtl="0" eaLnBrk="1" latinLnBrk="0" hangingPunct="1">
-              <a:lnSpc>
-                <a:spcPct val="90000"/>
-              </a:lnSpc>
-              <a:spcBef>
-                <a:spcPts val="1000"/>
-              </a:spcBef>
-              <a:buFont typeface="Arial" panose="020B0604020202020204" pitchFamily="34" charset="0"/>
-              <a:buChar char="•"/>
-              <a:defRPr sz="2800" kern="1200">
-                <a:solidFill>
-                  <a:schemeClr val="tx1"/>
-                </a:solidFill>
-                <a:latin typeface="+mn-lt"/>
-                <a:ea typeface="+mn-ea"/>
-                <a:cs typeface="+mn-cs"/>
-              </a:defRPr>
-            </a:lvl1pPr>
-            <a:lvl2pPr marL="685800" indent="-228600" algn="l" defTabSz="914400" rtl="0" eaLnBrk="1" latinLnBrk="0" hangingPunct="1">
-              <a:lnSpc>
-                <a:spcPct val="90000"/>
-              </a:lnSpc>
-              <a:spcBef>
-                <a:spcPts val="500"/>
-              </a:spcBef>
-              <a:buFont typeface="Arial" panose="020B0604020202020204" pitchFamily="34" charset="0"/>
-              <a:buChar char="•"/>
-              <a:defRPr sz="2400" kern="1200">
-                <a:solidFill>
-                  <a:schemeClr val="tx1"/>
-                </a:solidFill>
-                <a:latin typeface="+mn-lt"/>
-                <a:ea typeface="+mn-ea"/>
-                <a:cs typeface="+mn-cs"/>
-              </a:defRPr>
-            </a:lvl2pPr>
-            <a:lvl3pPr marL="1143000" indent="-228600" algn="l" defTabSz="914400" rtl="0" eaLnBrk="1" latinLnBrk="0" hangingPunct="1">
-              <a:lnSpc>
-                <a:spcPct val="90000"/>
-              </a:lnSpc>
-              <a:spcBef>
-                <a:spcPts val="500"/>
-              </a:spcBef>
-              <a:buFont typeface="Arial" panose="020B0604020202020204" pitchFamily="34" charset="0"/>
-              <a:buChar char="•"/>
-              <a:defRPr sz="2000" kern="1200">
-                <a:solidFill>
-                  <a:schemeClr val="tx1"/>
-                </a:solidFill>
-                <a:latin typeface="+mn-lt"/>
-                <a:ea typeface="+mn-ea"/>
-                <a:cs typeface="+mn-cs"/>
-              </a:defRPr>
-            </a:lvl3pPr>
-            <a:lvl4pPr marL="1600200" indent="-228600" algn="l" defTabSz="914400" rtl="0" eaLnBrk="1" latinLnBrk="0" hangingPunct="1">
-              <a:lnSpc>
-                <a:spcPct val="90000"/>
-              </a:lnSpc>
-              <a:spcBef>
-                <a:spcPts val="500"/>
-              </a:spcBef>
-              <a:buFont typeface="Arial" panose="020B0604020202020204" pitchFamily="34" charset="0"/>
-              <a:buChar char="•"/>
-              <a:defRPr sz="1800" kern="1200">
-                <a:solidFill>
-                  <a:schemeClr val="tx1"/>
-                </a:solidFill>
-                <a:latin typeface="+mn-lt"/>
-                <a:ea typeface="+mn-ea"/>
-                <a:cs typeface="+mn-cs"/>
-              </a:defRPr>
-            </a:lvl4pPr>
-            <a:lvl5pPr marL="2057400" indent="-228600" algn="l" defTabSz="914400" rtl="0" eaLnBrk="1" latinLnBrk="0" hangingPunct="1">
-              <a:lnSpc>
-                <a:spcPct val="90000"/>
-              </a:lnSpc>
-              <a:spcBef>
-                <a:spcPts val="500"/>
-              </a:spcBef>
-              <a:buFont typeface="Arial" panose="020B0604020202020204" pitchFamily="34" charset="0"/>
-              <a:buChar char="•"/>
-              <a:defRPr sz="1800" kern="1200">
-                <a:solidFill>
-                  <a:schemeClr val="tx1"/>
-                </a:solidFill>
-                <a:latin typeface="+mn-lt"/>
-                <a:ea typeface="+mn-ea"/>
-                <a:cs typeface="+mn-cs"/>
-              </a:defRPr>
-            </a:lvl5pPr>
-            <a:lvl6pPr marL="2514600" indent="-228600" algn="l" defTabSz="914400" rtl="0" eaLnBrk="1" latinLnBrk="0" hangingPunct="1">
-              <a:lnSpc>
-                <a:spcPct val="90000"/>
-              </a:lnSpc>
-              <a:spcBef>
-                <a:spcPts val="500"/>
-              </a:spcBef>
-              <a:buFont typeface="Arial" panose="020B0604020202020204" pitchFamily="34" charset="0"/>
-              <a:buChar char="•"/>
-              <a:defRPr sz="1800" kern="1200">
-                <a:solidFill>
-                  <a:schemeClr val="tx1"/>
-                </a:solidFill>
-                <a:latin typeface="+mn-lt"/>
-                <a:ea typeface="+mn-ea"/>
-                <a:cs typeface="+mn-cs"/>
-              </a:defRPr>
-            </a:lvl6pPr>
-            <a:lvl7pPr marL="2971800" indent="-228600" algn="l" defTabSz="914400" rtl="0" eaLnBrk="1" latinLnBrk="0" hangingPunct="1">
-              <a:lnSpc>
-                <a:spcPct val="90000"/>
-              </a:lnSpc>
-              <a:spcBef>
-                <a:spcPts val="500"/>
-              </a:spcBef>
-              <a:buFont typeface="Arial" panose="020B0604020202020204" pitchFamily="34" charset="0"/>
-              <a:buChar char="•"/>
-              <a:defRPr sz="1800" kern="1200">
-                <a:solidFill>
-                  <a:schemeClr val="tx1"/>
-                </a:solidFill>
-                <a:latin typeface="+mn-lt"/>
-                <a:ea typeface="+mn-ea"/>
-                <a:cs typeface="+mn-cs"/>
-              </a:defRPr>
-            </a:lvl7pPr>
-            <a:lvl8pPr marL="3429000" indent="-228600" algn="l" defTabSz="914400" rtl="0" eaLnBrk="1" latinLnBrk="0" hangingPunct="1">
-              <a:lnSpc>
-                <a:spcPct val="90000"/>
-              </a:lnSpc>
-              <a:spcBef>
-                <a:spcPts val="500"/>
-              </a:spcBef>
-              <a:buFont typeface="Arial" panose="020B0604020202020204" pitchFamily="34" charset="0"/>
-              <a:buChar char="•"/>
-              <a:defRPr sz="1800" kern="1200">
-                <a:solidFill>
-                  <a:schemeClr val="tx1"/>
-                </a:solidFill>
-                <a:latin typeface="+mn-lt"/>
-                <a:ea typeface="+mn-ea"/>
-                <a:cs typeface="+mn-cs"/>
-              </a:defRPr>
-            </a:lvl8pPr>
-            <a:lvl9pPr marL="3886200" indent="-228600" algn="l" defTabSz="914400" rtl="0" eaLnBrk="1" latinLnBrk="0" hangingPunct="1">
-              <a:lnSpc>
-                <a:spcPct val="90000"/>
-              </a:lnSpc>
-              <a:spcBef>
-                <a:spcPts val="500"/>
-              </a:spcBef>
-              <a:buFont typeface="Arial" panose="020B0604020202020204" pitchFamily="34" charset="0"/>
-              <a:buChar char="•"/>
-              <a:defRPr sz="1800" kern="1200">
-                <a:solidFill>
-                  <a:schemeClr val="tx1"/>
-                </a:solidFill>
-                <a:latin typeface="+mn-lt"/>
-                <a:ea typeface="+mn-ea"/>
-                <a:cs typeface="+mn-cs"/>
-              </a:defRPr>
-            </a:lvl9pPr>
-          </a:lstStyle>
-          <a:p>
-            <a:r>
-              <a:rPr lang="it-IT" sz="2000" dirty="0">
-                <a:latin typeface="Bahnschrift SemiCondensed" panose="020B0502040204020203" pitchFamily="34" charset="0"/>
-              </a:rPr>
-              <a:t>TABLE OF RESULTS FOR COMPARISON</a:t>
-            </a:r>
-          </a:p>
-        </p:txBody>
-      </p:sp>
+          <p:cNvGraphicFramePr>
+            <a:graphicFrameLocks noGrp="1"/>
+          </p:cNvGraphicFramePr>
+          <p:nvPr>
+            <p:extLst>
+              <p:ext uri="{D42A27DB-BD31-4B8C-83A1-F6EECF244321}">
+                <p14:modId xmlns:p14="http://schemas.microsoft.com/office/powerpoint/2010/main" val="3111339501"/>
+              </p:ext>
+            </p:extLst>
+          </p:nvPr>
+        </p:nvGraphicFramePr>
+        <p:xfrm>
+          <a:off x="1713997" y="1516452"/>
+          <a:ext cx="8764005" cy="4204566"/>
+        </p:xfrm>
+        <a:graphic>
+          <a:graphicData uri="http://schemas.openxmlformats.org/drawingml/2006/table">
+            <a:tbl>
+              <a:tblPr firstRow="1" bandRow="1">
+                <a:tableStyleId>{5C22544A-7EE6-4342-B048-85BDC9FD1C3A}</a:tableStyleId>
+              </a:tblPr>
+              <a:tblGrid>
+                <a:gridCol w="2253476">
+                  <a:extLst>
+                    <a:ext uri="{9D8B030D-6E8A-4147-A177-3AD203B41FA5}">
+                      <a16:colId xmlns:a16="http://schemas.microsoft.com/office/drawing/2014/main" val="3190939759"/>
+                    </a:ext>
+                  </a:extLst>
+                </a:gridCol>
+                <a:gridCol w="3218688">
+                  <a:extLst>
+                    <a:ext uri="{9D8B030D-6E8A-4147-A177-3AD203B41FA5}">
+                      <a16:colId xmlns:a16="http://schemas.microsoft.com/office/drawing/2014/main" val="183368393"/>
+                    </a:ext>
+                  </a:extLst>
+                </a:gridCol>
+                <a:gridCol w="3291841">
+                  <a:extLst>
+                    <a:ext uri="{9D8B030D-6E8A-4147-A177-3AD203B41FA5}">
+                      <a16:colId xmlns:a16="http://schemas.microsoft.com/office/drawing/2014/main" val="1538463445"/>
+                    </a:ext>
+                  </a:extLst>
+                </a:gridCol>
+              </a:tblGrid>
+              <a:tr h="723342">
+                <a:tc>
+                  <a:txBody>
+                    <a:bodyPr/>
+                    <a:lstStyle/>
+                    <a:p>
+                      <a:pPr algn="ctr"/>
+                      <a:endParaRPr lang="en-GB" dirty="0"/>
+                    </a:p>
+                  </a:txBody>
+                  <a:tcPr anchor="ctr">
+                    <a:lnL w="12700" cap="flat" cmpd="sng" algn="ctr">
+                      <a:solidFill>
+                        <a:schemeClr val="tx1"/>
+                      </a:solidFill>
+                      <a:prstDash val="solid"/>
+                      <a:round/>
+                      <a:headEnd type="none" w="med" len="med"/>
+                      <a:tailEnd type="none" w="med" len="med"/>
+                    </a:lnL>
+                    <a:lnR w="12700" cap="flat" cmpd="sng" algn="ctr">
+                      <a:solidFill>
+                        <a:schemeClr val="tx1"/>
+                      </a:solidFill>
+                      <a:prstDash val="solid"/>
+                      <a:round/>
+                      <a:headEnd type="none" w="med" len="med"/>
+                      <a:tailEnd type="none" w="med" len="med"/>
+                    </a:lnR>
+                    <a:lnT w="12700" cap="flat" cmpd="sng" algn="ctr">
+                      <a:solidFill>
+                        <a:schemeClr val="tx1"/>
+                      </a:solidFill>
+                      <a:prstDash val="solid"/>
+                      <a:round/>
+                      <a:headEnd type="none" w="med" len="med"/>
+                      <a:tailEnd type="none" w="med" len="med"/>
+                    </a:lnT>
+                    <a:lnB w="12700" cap="flat" cmpd="sng" algn="ctr">
+                      <a:solidFill>
+                        <a:schemeClr val="tx1"/>
+                      </a:solidFill>
+                      <a:prstDash val="solid"/>
+                      <a:round/>
+                      <a:headEnd type="none" w="med" len="med"/>
+                      <a:tailEnd type="none" w="med" len="med"/>
+                    </a:lnB>
+                    <a:solidFill>
+                      <a:schemeClr val="bg1">
+                        <a:lumMod val="65000"/>
+                      </a:schemeClr>
+                    </a:solidFill>
+                  </a:tcPr>
+                </a:tc>
+                <a:tc>
+                  <a:txBody>
+                    <a:bodyPr/>
+                    <a:lstStyle/>
+                    <a:p>
+                      <a:pPr algn="ctr"/>
+                      <a:r>
+                        <a:rPr lang="en-GB" dirty="0"/>
+                        <a:t>PRO</a:t>
+                      </a:r>
+                    </a:p>
+                  </a:txBody>
+                  <a:tcPr anchor="ctr">
+                    <a:lnL w="12700" cap="flat" cmpd="sng" algn="ctr">
+                      <a:solidFill>
+                        <a:schemeClr val="tx1"/>
+                      </a:solidFill>
+                      <a:prstDash val="solid"/>
+                      <a:round/>
+                      <a:headEnd type="none" w="med" len="med"/>
+                      <a:tailEnd type="none" w="med" len="med"/>
+                    </a:lnL>
+                    <a:lnR w="12700" cap="flat" cmpd="sng" algn="ctr">
+                      <a:solidFill>
+                        <a:schemeClr val="tx1"/>
+                      </a:solidFill>
+                      <a:prstDash val="solid"/>
+                      <a:round/>
+                      <a:headEnd type="none" w="med" len="med"/>
+                      <a:tailEnd type="none" w="med" len="med"/>
+                    </a:lnR>
+                    <a:lnT w="12700" cap="flat" cmpd="sng" algn="ctr">
+                      <a:solidFill>
+                        <a:schemeClr val="tx1"/>
+                      </a:solidFill>
+                      <a:prstDash val="solid"/>
+                      <a:round/>
+                      <a:headEnd type="none" w="med" len="med"/>
+                      <a:tailEnd type="none" w="med" len="med"/>
+                    </a:lnT>
+                    <a:lnB w="12700" cap="flat" cmpd="sng" algn="ctr">
+                      <a:solidFill>
+                        <a:schemeClr val="tx1"/>
+                      </a:solidFill>
+                      <a:prstDash val="solid"/>
+                      <a:round/>
+                      <a:headEnd type="none" w="med" len="med"/>
+                      <a:tailEnd type="none" w="med" len="med"/>
+                    </a:lnB>
+                    <a:solidFill>
+                      <a:schemeClr val="bg1">
+                        <a:lumMod val="65000"/>
+                      </a:schemeClr>
+                    </a:solidFill>
+                  </a:tcPr>
+                </a:tc>
+                <a:tc>
+                  <a:txBody>
+                    <a:bodyPr/>
+                    <a:lstStyle/>
+                    <a:p>
+                      <a:pPr algn="ctr"/>
+                      <a:r>
+                        <a:rPr lang="en-GB" dirty="0"/>
+                        <a:t>CONS</a:t>
+                      </a:r>
+                    </a:p>
+                  </a:txBody>
+                  <a:tcPr anchor="ctr">
+                    <a:lnL w="12700" cap="flat" cmpd="sng" algn="ctr">
+                      <a:solidFill>
+                        <a:schemeClr val="tx1"/>
+                      </a:solidFill>
+                      <a:prstDash val="solid"/>
+                      <a:round/>
+                      <a:headEnd type="none" w="med" len="med"/>
+                      <a:tailEnd type="none" w="med" len="med"/>
+                    </a:lnL>
+                    <a:lnR w="12700" cap="flat" cmpd="sng" algn="ctr">
+                      <a:solidFill>
+                        <a:schemeClr val="tx1"/>
+                      </a:solidFill>
+                      <a:prstDash val="solid"/>
+                      <a:round/>
+                      <a:headEnd type="none" w="med" len="med"/>
+                      <a:tailEnd type="none" w="med" len="med"/>
+                    </a:lnR>
+                    <a:lnT w="12700" cap="flat" cmpd="sng" algn="ctr">
+                      <a:solidFill>
+                        <a:schemeClr val="tx1"/>
+                      </a:solidFill>
+                      <a:prstDash val="solid"/>
+                      <a:round/>
+                      <a:headEnd type="none" w="med" len="med"/>
+                      <a:tailEnd type="none" w="med" len="med"/>
+                    </a:lnT>
+                    <a:lnB w="12700" cap="flat" cmpd="sng" algn="ctr">
+                      <a:solidFill>
+                        <a:schemeClr val="tx1"/>
+                      </a:solidFill>
+                      <a:prstDash val="solid"/>
+                      <a:round/>
+                      <a:headEnd type="none" w="med" len="med"/>
+                      <a:tailEnd type="none" w="med" len="med"/>
+                    </a:lnB>
+                    <a:solidFill>
+                      <a:schemeClr val="bg1">
+                        <a:lumMod val="65000"/>
+                      </a:schemeClr>
+                    </a:solidFill>
+                  </a:tcPr>
+                </a:tc>
+                <a:extLst>
+                  <a:ext uri="{0D108BD9-81ED-4DB2-BD59-A6C34878D82A}">
+                    <a16:rowId xmlns:a16="http://schemas.microsoft.com/office/drawing/2014/main" val="2929756499"/>
+                  </a:ext>
+                </a:extLst>
+              </a:tr>
+              <a:tr h="845448">
+                <a:tc>
+                  <a:txBody>
+                    <a:bodyPr/>
+                    <a:lstStyle/>
+                    <a:p>
+                      <a:pPr algn="ctr"/>
+                      <a:r>
+                        <a:rPr lang="en-GB" dirty="0"/>
+                        <a:t>LINEAR</a:t>
+                      </a:r>
+                    </a:p>
+                  </a:txBody>
+                  <a:tcPr anchor="ctr">
+                    <a:lnL w="12700" cap="flat" cmpd="sng" algn="ctr">
+                      <a:solidFill>
+                        <a:schemeClr val="tx1"/>
+                      </a:solidFill>
+                      <a:prstDash val="solid"/>
+                      <a:round/>
+                      <a:headEnd type="none" w="med" len="med"/>
+                      <a:tailEnd type="none" w="med" len="med"/>
+                    </a:lnL>
+                    <a:lnR w="12700" cap="flat" cmpd="sng" algn="ctr">
+                      <a:solidFill>
+                        <a:schemeClr val="tx1"/>
+                      </a:solidFill>
+                      <a:prstDash val="solid"/>
+                      <a:round/>
+                      <a:headEnd type="none" w="med" len="med"/>
+                      <a:tailEnd type="none" w="med" len="med"/>
+                    </a:lnR>
+                    <a:lnT w="12700" cap="flat" cmpd="sng" algn="ctr">
+                      <a:solidFill>
+                        <a:schemeClr val="tx1"/>
+                      </a:solidFill>
+                      <a:prstDash val="solid"/>
+                      <a:round/>
+                      <a:headEnd type="none" w="med" len="med"/>
+                      <a:tailEnd type="none" w="med" len="med"/>
+                    </a:lnT>
+                    <a:lnB w="12700" cap="flat" cmpd="sng" algn="ctr">
+                      <a:solidFill>
+                        <a:schemeClr val="tx1"/>
+                      </a:solidFill>
+                      <a:prstDash val="solid"/>
+                      <a:round/>
+                      <a:headEnd type="none" w="med" len="med"/>
+                      <a:tailEnd type="none" w="med" len="med"/>
+                    </a:lnB>
+                    <a:solidFill>
+                      <a:schemeClr val="bg1">
+                        <a:lumMod val="75000"/>
+                      </a:schemeClr>
+                    </a:solidFill>
+                  </a:tcPr>
+                </a:tc>
+                <a:tc>
+                  <a:txBody>
+                    <a:bodyPr/>
+                    <a:lstStyle/>
+                    <a:p>
+                      <a:pPr algn="ctr"/>
+                      <a:r>
+                        <a:rPr lang="en-GB" dirty="0"/>
+                        <a:t>Linear dynamics</a:t>
+                      </a:r>
+                    </a:p>
+                    <a:p>
+                      <a:pPr algn="ctr"/>
+                      <a:r>
+                        <a:rPr lang="en-GB" dirty="0"/>
+                        <a:t>Poles allocation rule</a:t>
+                      </a:r>
+                    </a:p>
+                  </a:txBody>
+                  <a:tcPr anchor="ctr">
+                    <a:lnL w="12700" cap="flat" cmpd="sng" algn="ctr">
+                      <a:solidFill>
+                        <a:schemeClr val="tx1"/>
+                      </a:solidFill>
+                      <a:prstDash val="solid"/>
+                      <a:round/>
+                      <a:headEnd type="none" w="med" len="med"/>
+                      <a:tailEnd type="none" w="med" len="med"/>
+                    </a:lnL>
+                    <a:lnR w="12700" cap="flat" cmpd="sng" algn="ctr">
+                      <a:solidFill>
+                        <a:schemeClr val="tx1"/>
+                      </a:solidFill>
+                      <a:prstDash val="solid"/>
+                      <a:round/>
+                      <a:headEnd type="none" w="med" len="med"/>
+                      <a:tailEnd type="none" w="med" len="med"/>
+                    </a:lnR>
+                    <a:lnT w="12700" cap="flat" cmpd="sng" algn="ctr">
+                      <a:solidFill>
+                        <a:schemeClr val="tx1"/>
+                      </a:solidFill>
+                      <a:prstDash val="solid"/>
+                      <a:round/>
+                      <a:headEnd type="none" w="med" len="med"/>
+                      <a:tailEnd type="none" w="med" len="med"/>
+                    </a:lnT>
+                    <a:lnB w="12700" cap="flat" cmpd="sng" algn="ctr">
+                      <a:solidFill>
+                        <a:schemeClr val="tx1"/>
+                      </a:solidFill>
+                      <a:prstDash val="solid"/>
+                      <a:round/>
+                      <a:headEnd type="none" w="med" len="med"/>
+                      <a:tailEnd type="none" w="med" len="med"/>
+                    </a:lnB>
+                    <a:solidFill>
+                      <a:schemeClr val="accent6">
+                        <a:lumMod val="40000"/>
+                        <a:lumOff val="60000"/>
+                      </a:schemeClr>
+                    </a:solidFill>
+                  </a:tcPr>
+                </a:tc>
+                <a:tc>
+                  <a:txBody>
+                    <a:bodyPr/>
+                    <a:lstStyle/>
+                    <a:p>
+                      <a:pPr algn="ctr"/>
+                      <a:r>
+                        <a:rPr lang="en-GB" sz="1400" dirty="0"/>
+                        <a:t>Sensitivity</a:t>
+                      </a:r>
+                    </a:p>
+                    <a:p>
+                      <a:pPr algn="ctr"/>
+                      <a:r>
+                        <a:rPr lang="en-GB" sz="1400" dirty="0"/>
+                        <a:t>Approximation around equilibrium</a:t>
+                      </a:r>
+                    </a:p>
+                    <a:p>
+                      <a:pPr algn="ctr"/>
+                      <a:r>
+                        <a:rPr lang="en-GB" sz="1400" dirty="0"/>
+                        <a:t>Differential Flatness needed</a:t>
+                      </a:r>
+                    </a:p>
+                    <a:p>
+                      <a:pPr algn="ctr"/>
+                      <a:r>
+                        <a:rPr lang="en-GB" sz="1400" dirty="0"/>
+                        <a:t>Stability only for specific conditions</a:t>
+                      </a:r>
+                    </a:p>
+                  </a:txBody>
+                  <a:tcPr anchor="ctr">
+                    <a:lnL w="12700" cap="flat" cmpd="sng" algn="ctr">
+                      <a:solidFill>
+                        <a:schemeClr val="tx1"/>
+                      </a:solidFill>
+                      <a:prstDash val="solid"/>
+                      <a:round/>
+                      <a:headEnd type="none" w="med" len="med"/>
+                      <a:tailEnd type="none" w="med" len="med"/>
+                    </a:lnL>
+                    <a:lnR w="12700" cap="flat" cmpd="sng" algn="ctr">
+                      <a:solidFill>
+                        <a:schemeClr val="tx1"/>
+                      </a:solidFill>
+                      <a:prstDash val="solid"/>
+                      <a:round/>
+                      <a:headEnd type="none" w="med" len="med"/>
+                      <a:tailEnd type="none" w="med" len="med"/>
+                    </a:lnR>
+                    <a:lnT w="12700" cap="flat" cmpd="sng" algn="ctr">
+                      <a:solidFill>
+                        <a:schemeClr val="tx1"/>
+                      </a:solidFill>
+                      <a:prstDash val="solid"/>
+                      <a:round/>
+                      <a:headEnd type="none" w="med" len="med"/>
+                      <a:tailEnd type="none" w="med" len="med"/>
+                    </a:lnT>
+                    <a:lnB w="12700" cap="flat" cmpd="sng" algn="ctr">
+                      <a:solidFill>
+                        <a:schemeClr val="tx1"/>
+                      </a:solidFill>
+                      <a:prstDash val="solid"/>
+                      <a:round/>
+                      <a:headEnd type="none" w="med" len="med"/>
+                      <a:tailEnd type="none" w="med" len="med"/>
+                    </a:lnB>
+                    <a:solidFill>
+                      <a:srgbClr val="F1C7C8"/>
+                    </a:solidFill>
+                  </a:tcPr>
+                </a:tc>
+                <a:extLst>
+                  <a:ext uri="{0D108BD9-81ED-4DB2-BD59-A6C34878D82A}">
+                    <a16:rowId xmlns:a16="http://schemas.microsoft.com/office/drawing/2014/main" val="2313229196"/>
+                  </a:ext>
+                </a:extLst>
+              </a:tr>
+              <a:tr h="845448">
+                <a:tc>
+                  <a:txBody>
+                    <a:bodyPr/>
+                    <a:lstStyle/>
+                    <a:p>
+                      <a:pPr algn="ctr"/>
+                      <a:r>
+                        <a:rPr lang="en-GB" dirty="0"/>
+                        <a:t>NON-LINEAR</a:t>
+                      </a:r>
+                    </a:p>
+                  </a:txBody>
+                  <a:tcPr anchor="ctr">
+                    <a:lnL w="12700" cap="flat" cmpd="sng" algn="ctr">
+                      <a:solidFill>
+                        <a:schemeClr val="tx1"/>
+                      </a:solidFill>
+                      <a:prstDash val="solid"/>
+                      <a:round/>
+                      <a:headEnd type="none" w="med" len="med"/>
+                      <a:tailEnd type="none" w="med" len="med"/>
+                    </a:lnL>
+                    <a:lnR w="12700" cap="flat" cmpd="sng" algn="ctr">
+                      <a:solidFill>
+                        <a:schemeClr val="tx1"/>
+                      </a:solidFill>
+                      <a:prstDash val="solid"/>
+                      <a:round/>
+                      <a:headEnd type="none" w="med" len="med"/>
+                      <a:tailEnd type="none" w="med" len="med"/>
+                    </a:lnR>
+                    <a:lnT w="12700" cap="flat" cmpd="sng" algn="ctr">
+                      <a:solidFill>
+                        <a:schemeClr val="tx1"/>
+                      </a:solidFill>
+                      <a:prstDash val="solid"/>
+                      <a:round/>
+                      <a:headEnd type="none" w="med" len="med"/>
+                      <a:tailEnd type="none" w="med" len="med"/>
+                    </a:lnT>
+                    <a:lnB w="12700" cap="flat" cmpd="sng" algn="ctr">
+                      <a:solidFill>
+                        <a:schemeClr val="tx1"/>
+                      </a:solidFill>
+                      <a:prstDash val="solid"/>
+                      <a:round/>
+                      <a:headEnd type="none" w="med" len="med"/>
+                      <a:tailEnd type="none" w="med" len="med"/>
+                    </a:lnB>
+                    <a:solidFill>
+                      <a:schemeClr val="bg1">
+                        <a:lumMod val="75000"/>
+                      </a:schemeClr>
+                    </a:solidFill>
+                  </a:tcPr>
+                </a:tc>
+                <a:tc>
+                  <a:txBody>
+                    <a:bodyPr/>
+                    <a:lstStyle/>
+                    <a:p>
+                      <a:pPr algn="ctr"/>
+                      <a:r>
+                        <a:rPr lang="en-GB" dirty="0"/>
+                        <a:t>No approximation needed</a:t>
+                      </a:r>
+                    </a:p>
+                  </a:txBody>
+                  <a:tcPr anchor="ctr">
+                    <a:lnL w="12700" cap="flat" cmpd="sng" algn="ctr">
+                      <a:solidFill>
+                        <a:schemeClr val="tx1"/>
+                      </a:solidFill>
+                      <a:prstDash val="solid"/>
+                      <a:round/>
+                      <a:headEnd type="none" w="med" len="med"/>
+                      <a:tailEnd type="none" w="med" len="med"/>
+                    </a:lnL>
+                    <a:lnR w="12700" cap="flat" cmpd="sng" algn="ctr">
+                      <a:solidFill>
+                        <a:schemeClr val="tx1"/>
+                      </a:solidFill>
+                      <a:prstDash val="solid"/>
+                      <a:round/>
+                      <a:headEnd type="none" w="med" len="med"/>
+                      <a:tailEnd type="none" w="med" len="med"/>
+                    </a:lnR>
+                    <a:lnT w="12700" cap="flat" cmpd="sng" algn="ctr">
+                      <a:solidFill>
+                        <a:schemeClr val="tx1"/>
+                      </a:solidFill>
+                      <a:prstDash val="solid"/>
+                      <a:round/>
+                      <a:headEnd type="none" w="med" len="med"/>
+                      <a:tailEnd type="none" w="med" len="med"/>
+                    </a:lnT>
+                    <a:lnB w="12700" cap="flat" cmpd="sng" algn="ctr">
+                      <a:solidFill>
+                        <a:schemeClr val="tx1"/>
+                      </a:solidFill>
+                      <a:prstDash val="solid"/>
+                      <a:round/>
+                      <a:headEnd type="none" w="med" len="med"/>
+                      <a:tailEnd type="none" w="med" len="med"/>
+                    </a:lnB>
+                    <a:solidFill>
+                      <a:schemeClr val="accent6">
+                        <a:lumMod val="40000"/>
+                        <a:lumOff val="60000"/>
+                      </a:schemeClr>
+                    </a:solidFill>
+                  </a:tcPr>
+                </a:tc>
+                <a:tc>
+                  <a:txBody>
+                    <a:bodyPr/>
+                    <a:lstStyle/>
+                    <a:p>
+                      <a:pPr algn="ctr"/>
+                      <a:r>
+                        <a:rPr lang="en-GB" sz="1400" dirty="0"/>
+                        <a:t>Non-linear dynamics</a:t>
+                      </a:r>
+                    </a:p>
+                    <a:p>
+                      <a:pPr marL="0" marR="0" lvl="0" indent="0" algn="ctr" defTabSz="914400" rtl="0" eaLnBrk="1" fontAlgn="auto" latinLnBrk="0" hangingPunct="1">
+                        <a:lnSpc>
+                          <a:spcPct val="100000"/>
+                        </a:lnSpc>
+                        <a:spcBef>
+                          <a:spcPts val="0"/>
+                        </a:spcBef>
+                        <a:spcAft>
+                          <a:spcPts val="0"/>
+                        </a:spcAft>
+                        <a:buClrTx/>
+                        <a:buSzTx/>
+                        <a:buFontTx/>
+                        <a:buNone/>
+                        <a:tabLst/>
+                        <a:defRPr/>
+                      </a:pPr>
+                      <a:r>
+                        <a:rPr lang="en-GB" sz="1400" dirty="0"/>
+                        <a:t>Differential Flatness needed</a:t>
+                      </a:r>
+                    </a:p>
+                  </a:txBody>
+                  <a:tcPr anchor="ctr">
+                    <a:lnL w="12700" cap="flat" cmpd="sng" algn="ctr">
+                      <a:solidFill>
+                        <a:schemeClr val="tx1"/>
+                      </a:solidFill>
+                      <a:prstDash val="solid"/>
+                      <a:round/>
+                      <a:headEnd type="none" w="med" len="med"/>
+                      <a:tailEnd type="none" w="med" len="med"/>
+                    </a:lnL>
+                    <a:lnR w="12700" cap="flat" cmpd="sng" algn="ctr">
+                      <a:solidFill>
+                        <a:schemeClr val="tx1"/>
+                      </a:solidFill>
+                      <a:prstDash val="solid"/>
+                      <a:round/>
+                      <a:headEnd type="none" w="med" len="med"/>
+                      <a:tailEnd type="none" w="med" len="med"/>
+                    </a:lnR>
+                    <a:lnT w="12700" cap="flat" cmpd="sng" algn="ctr">
+                      <a:solidFill>
+                        <a:schemeClr val="tx1"/>
+                      </a:solidFill>
+                      <a:prstDash val="solid"/>
+                      <a:round/>
+                      <a:headEnd type="none" w="med" len="med"/>
+                      <a:tailEnd type="none" w="med" len="med"/>
+                    </a:lnT>
+                    <a:lnB w="12700" cap="flat" cmpd="sng" algn="ctr">
+                      <a:solidFill>
+                        <a:schemeClr val="tx1"/>
+                      </a:solidFill>
+                      <a:prstDash val="solid"/>
+                      <a:round/>
+                      <a:headEnd type="none" w="med" len="med"/>
+                      <a:tailEnd type="none" w="med" len="med"/>
+                    </a:lnB>
+                    <a:solidFill>
+                      <a:srgbClr val="F1C7C8"/>
+                    </a:solidFill>
+                  </a:tcPr>
+                </a:tc>
+                <a:extLst>
+                  <a:ext uri="{0D108BD9-81ED-4DB2-BD59-A6C34878D82A}">
+                    <a16:rowId xmlns:a16="http://schemas.microsoft.com/office/drawing/2014/main" val="2685718488"/>
+                  </a:ext>
+                </a:extLst>
+              </a:tr>
+              <a:tr h="845448">
+                <a:tc>
+                  <a:txBody>
+                    <a:bodyPr/>
+                    <a:lstStyle/>
+                    <a:p>
+                      <a:pPr algn="ctr"/>
+                      <a:r>
+                        <a:rPr lang="en-GB" dirty="0"/>
+                        <a:t>SAGITTAL</a:t>
+                      </a:r>
+                    </a:p>
+                  </a:txBody>
+                  <a:tcPr anchor="ctr">
+                    <a:lnL w="12700" cap="flat" cmpd="sng" algn="ctr">
+                      <a:solidFill>
+                        <a:schemeClr val="tx1"/>
+                      </a:solidFill>
+                      <a:prstDash val="solid"/>
+                      <a:round/>
+                      <a:headEnd type="none" w="med" len="med"/>
+                      <a:tailEnd type="none" w="med" len="med"/>
+                    </a:lnL>
+                    <a:lnR w="12700" cap="flat" cmpd="sng" algn="ctr">
+                      <a:solidFill>
+                        <a:schemeClr val="tx1"/>
+                      </a:solidFill>
+                      <a:prstDash val="solid"/>
+                      <a:round/>
+                      <a:headEnd type="none" w="med" len="med"/>
+                      <a:tailEnd type="none" w="med" len="med"/>
+                    </a:lnR>
+                    <a:lnT w="12700" cap="flat" cmpd="sng" algn="ctr">
+                      <a:solidFill>
+                        <a:schemeClr val="tx1"/>
+                      </a:solidFill>
+                      <a:prstDash val="solid"/>
+                      <a:round/>
+                      <a:headEnd type="none" w="med" len="med"/>
+                      <a:tailEnd type="none" w="med" len="med"/>
+                    </a:lnT>
+                    <a:lnB w="12700" cap="flat" cmpd="sng" algn="ctr">
+                      <a:solidFill>
+                        <a:schemeClr val="tx1"/>
+                      </a:solidFill>
+                      <a:prstDash val="solid"/>
+                      <a:round/>
+                      <a:headEnd type="none" w="med" len="med"/>
+                      <a:tailEnd type="none" w="med" len="med"/>
+                    </a:lnB>
+                    <a:solidFill>
+                      <a:schemeClr val="bg1">
+                        <a:lumMod val="75000"/>
+                      </a:schemeClr>
+                    </a:solidFill>
+                  </a:tcPr>
+                </a:tc>
+                <a:tc>
+                  <a:txBody>
+                    <a:bodyPr/>
+                    <a:lstStyle/>
+                    <a:p>
+                      <a:pPr algn="ctr"/>
+                      <a:r>
+                        <a:rPr lang="en-GB" dirty="0"/>
+                        <a:t>Decoupled dynamics</a:t>
+                      </a:r>
+                    </a:p>
+                    <a:p>
+                      <a:pPr algn="ctr"/>
+                      <a:r>
+                        <a:rPr lang="en-GB" dirty="0"/>
+                        <a:t>No differential flatness</a:t>
+                      </a:r>
+                    </a:p>
+                  </a:txBody>
+                  <a:tcPr anchor="ctr">
+                    <a:lnL w="12700" cap="flat" cmpd="sng" algn="ctr">
+                      <a:solidFill>
+                        <a:schemeClr val="tx1"/>
+                      </a:solidFill>
+                      <a:prstDash val="solid"/>
+                      <a:round/>
+                      <a:headEnd type="none" w="med" len="med"/>
+                      <a:tailEnd type="none" w="med" len="med"/>
+                    </a:lnL>
+                    <a:lnR w="12700" cap="flat" cmpd="sng" algn="ctr">
+                      <a:solidFill>
+                        <a:schemeClr val="tx1"/>
+                      </a:solidFill>
+                      <a:prstDash val="solid"/>
+                      <a:round/>
+                      <a:headEnd type="none" w="med" len="med"/>
+                      <a:tailEnd type="none" w="med" len="med"/>
+                    </a:lnR>
+                    <a:lnT w="12700" cap="flat" cmpd="sng" algn="ctr">
+                      <a:solidFill>
+                        <a:schemeClr val="tx1"/>
+                      </a:solidFill>
+                      <a:prstDash val="solid"/>
+                      <a:round/>
+                      <a:headEnd type="none" w="med" len="med"/>
+                      <a:tailEnd type="none" w="med" len="med"/>
+                    </a:lnT>
+                    <a:lnB w="12700" cap="flat" cmpd="sng" algn="ctr">
+                      <a:solidFill>
+                        <a:schemeClr val="tx1"/>
+                      </a:solidFill>
+                      <a:prstDash val="solid"/>
+                      <a:round/>
+                      <a:headEnd type="none" w="med" len="med"/>
+                      <a:tailEnd type="none" w="med" len="med"/>
+                    </a:lnB>
+                    <a:solidFill>
+                      <a:schemeClr val="accent6">
+                        <a:lumMod val="40000"/>
+                        <a:lumOff val="60000"/>
+                      </a:schemeClr>
+                    </a:solidFill>
+                  </a:tcPr>
+                </a:tc>
+                <a:tc>
+                  <a:txBody>
+                    <a:bodyPr/>
+                    <a:lstStyle/>
+                    <a:p>
+                      <a:pPr algn="ctr"/>
+                      <a:r>
+                        <a:rPr lang="en-GB" sz="1400" dirty="0"/>
+                        <a:t>Smooth desired trajectory</a:t>
+                      </a:r>
+                    </a:p>
+                    <a:p>
+                      <a:pPr algn="ctr"/>
+                      <a:r>
+                        <a:rPr lang="en-GB" sz="1400" dirty="0"/>
+                        <a:t>Theta is not controllable</a:t>
+                      </a:r>
+                    </a:p>
+                    <a:p>
+                      <a:pPr algn="ctr"/>
+                      <a:r>
+                        <a:rPr lang="en-GB" sz="1400" dirty="0"/>
+                        <a:t>Constraint on b</a:t>
+                      </a:r>
+                    </a:p>
+                  </a:txBody>
+                  <a:tcPr anchor="ctr">
+                    <a:lnL w="12700" cap="flat" cmpd="sng" algn="ctr">
+                      <a:solidFill>
+                        <a:schemeClr val="tx1"/>
+                      </a:solidFill>
+                      <a:prstDash val="solid"/>
+                      <a:round/>
+                      <a:headEnd type="none" w="med" len="med"/>
+                      <a:tailEnd type="none" w="med" len="med"/>
+                    </a:lnL>
+                    <a:lnR w="12700" cap="flat" cmpd="sng" algn="ctr">
+                      <a:solidFill>
+                        <a:schemeClr val="tx1"/>
+                      </a:solidFill>
+                      <a:prstDash val="solid"/>
+                      <a:round/>
+                      <a:headEnd type="none" w="med" len="med"/>
+                      <a:tailEnd type="none" w="med" len="med"/>
+                    </a:lnR>
+                    <a:lnT w="12700" cap="flat" cmpd="sng" algn="ctr">
+                      <a:solidFill>
+                        <a:schemeClr val="tx1"/>
+                      </a:solidFill>
+                      <a:prstDash val="solid"/>
+                      <a:round/>
+                      <a:headEnd type="none" w="med" len="med"/>
+                      <a:tailEnd type="none" w="med" len="med"/>
+                    </a:lnT>
+                    <a:lnB w="12700" cap="flat" cmpd="sng" algn="ctr">
+                      <a:solidFill>
+                        <a:schemeClr val="tx1"/>
+                      </a:solidFill>
+                      <a:prstDash val="solid"/>
+                      <a:round/>
+                      <a:headEnd type="none" w="med" len="med"/>
+                      <a:tailEnd type="none" w="med" len="med"/>
+                    </a:lnB>
+                    <a:solidFill>
+                      <a:srgbClr val="F1C7C8"/>
+                    </a:solidFill>
+                  </a:tcPr>
+                </a:tc>
+                <a:extLst>
+                  <a:ext uri="{0D108BD9-81ED-4DB2-BD59-A6C34878D82A}">
+                    <a16:rowId xmlns:a16="http://schemas.microsoft.com/office/drawing/2014/main" val="2856893584"/>
+                  </a:ext>
+                </a:extLst>
+              </a:tr>
+              <a:tr h="845448">
+                <a:tc>
+                  <a:txBody>
+                    <a:bodyPr/>
+                    <a:lstStyle/>
+                    <a:p>
+                      <a:pPr algn="ctr"/>
+                      <a:r>
+                        <a:rPr lang="en-GB" dirty="0"/>
+                        <a:t>DOUBLE DERIVATIVES</a:t>
+                      </a:r>
+                    </a:p>
+                  </a:txBody>
+                  <a:tcPr anchor="ctr">
+                    <a:lnL w="12700" cap="flat" cmpd="sng" algn="ctr">
+                      <a:solidFill>
+                        <a:schemeClr val="tx1"/>
+                      </a:solidFill>
+                      <a:prstDash val="solid"/>
+                      <a:round/>
+                      <a:headEnd type="none" w="med" len="med"/>
+                      <a:tailEnd type="none" w="med" len="med"/>
+                    </a:lnL>
+                    <a:lnR w="12700" cap="flat" cmpd="sng" algn="ctr">
+                      <a:solidFill>
+                        <a:schemeClr val="tx1"/>
+                      </a:solidFill>
+                      <a:prstDash val="solid"/>
+                      <a:round/>
+                      <a:headEnd type="none" w="med" len="med"/>
+                      <a:tailEnd type="none" w="med" len="med"/>
+                    </a:lnR>
+                    <a:lnT w="12700" cap="flat" cmpd="sng" algn="ctr">
+                      <a:solidFill>
+                        <a:schemeClr val="tx1"/>
+                      </a:solidFill>
+                      <a:prstDash val="solid"/>
+                      <a:round/>
+                      <a:headEnd type="none" w="med" len="med"/>
+                      <a:tailEnd type="none" w="med" len="med"/>
+                    </a:lnT>
+                    <a:lnB w="12700" cap="flat" cmpd="sng" algn="ctr">
+                      <a:solidFill>
+                        <a:schemeClr val="tx1"/>
+                      </a:solidFill>
+                      <a:prstDash val="solid"/>
+                      <a:round/>
+                      <a:headEnd type="none" w="med" len="med"/>
+                      <a:tailEnd type="none" w="med" len="med"/>
+                    </a:lnB>
+                    <a:solidFill>
+                      <a:schemeClr val="bg1">
+                        <a:lumMod val="75000"/>
+                      </a:schemeClr>
+                    </a:solidFill>
+                  </a:tcPr>
+                </a:tc>
+                <a:tc>
+                  <a:txBody>
+                    <a:bodyPr/>
+                    <a:lstStyle/>
+                    <a:p>
+                      <a:pPr marL="0" marR="0" lvl="0" indent="0" algn="ctr" defTabSz="914400" rtl="0" eaLnBrk="1" fontAlgn="auto" latinLnBrk="0" hangingPunct="1">
+                        <a:lnSpc>
+                          <a:spcPct val="100000"/>
+                        </a:lnSpc>
+                        <a:spcBef>
+                          <a:spcPts val="0"/>
+                        </a:spcBef>
+                        <a:spcAft>
+                          <a:spcPts val="0"/>
+                        </a:spcAft>
+                        <a:buClrTx/>
+                        <a:buSzTx/>
+                        <a:buFontTx/>
+                        <a:buNone/>
+                        <a:tabLst/>
+                        <a:defRPr/>
+                      </a:pPr>
+                      <a:r>
+                        <a:rPr lang="en-GB" dirty="0"/>
+                        <a:t>Decoupled dynamics</a:t>
+                      </a:r>
+                    </a:p>
+                    <a:p>
+                      <a:pPr marL="0" marR="0" lvl="0" indent="0" algn="ctr" defTabSz="914400" rtl="0" eaLnBrk="1" fontAlgn="auto" latinLnBrk="0" hangingPunct="1">
+                        <a:lnSpc>
+                          <a:spcPct val="100000"/>
+                        </a:lnSpc>
+                        <a:spcBef>
+                          <a:spcPts val="0"/>
+                        </a:spcBef>
+                        <a:spcAft>
+                          <a:spcPts val="0"/>
+                        </a:spcAft>
+                        <a:buClrTx/>
+                        <a:buSzTx/>
+                        <a:buFontTx/>
+                        <a:buNone/>
+                        <a:tabLst/>
+                        <a:defRPr/>
+                      </a:pPr>
+                      <a:r>
+                        <a:rPr lang="en-GB" dirty="0"/>
+                        <a:t>No differential flatness</a:t>
+                      </a:r>
+                    </a:p>
+                  </a:txBody>
+                  <a:tcPr anchor="ctr">
+                    <a:lnL w="12700" cap="flat" cmpd="sng" algn="ctr">
+                      <a:solidFill>
+                        <a:schemeClr val="tx1"/>
+                      </a:solidFill>
+                      <a:prstDash val="solid"/>
+                      <a:round/>
+                      <a:headEnd type="none" w="med" len="med"/>
+                      <a:tailEnd type="none" w="med" len="med"/>
+                    </a:lnL>
+                    <a:lnR w="12700" cap="flat" cmpd="sng" algn="ctr">
+                      <a:solidFill>
+                        <a:schemeClr val="tx1"/>
+                      </a:solidFill>
+                      <a:prstDash val="solid"/>
+                      <a:round/>
+                      <a:headEnd type="none" w="med" len="med"/>
+                      <a:tailEnd type="none" w="med" len="med"/>
+                    </a:lnR>
+                    <a:lnT w="12700" cap="flat" cmpd="sng" algn="ctr">
+                      <a:solidFill>
+                        <a:schemeClr val="tx1"/>
+                      </a:solidFill>
+                      <a:prstDash val="solid"/>
+                      <a:round/>
+                      <a:headEnd type="none" w="med" len="med"/>
+                      <a:tailEnd type="none" w="med" len="med"/>
+                    </a:lnT>
+                    <a:lnB w="12700" cap="flat" cmpd="sng" algn="ctr">
+                      <a:solidFill>
+                        <a:schemeClr val="tx1"/>
+                      </a:solidFill>
+                      <a:prstDash val="solid"/>
+                      <a:round/>
+                      <a:headEnd type="none" w="med" len="med"/>
+                      <a:tailEnd type="none" w="med" len="med"/>
+                    </a:lnB>
+                    <a:solidFill>
+                      <a:schemeClr val="accent6">
+                        <a:lumMod val="40000"/>
+                        <a:lumOff val="60000"/>
+                      </a:schemeClr>
+                    </a:solidFill>
+                  </a:tcPr>
+                </a:tc>
+                <a:tc>
+                  <a:txBody>
+                    <a:bodyPr/>
+                    <a:lstStyle/>
+                    <a:p>
+                      <a:pPr algn="ctr"/>
+                      <a:r>
+                        <a:rPr lang="en-GB" sz="1400" dirty="0"/>
+                        <a:t>Relies on second order derivatives</a:t>
+                      </a:r>
+                    </a:p>
+                    <a:p>
+                      <a:pPr algn="ctr"/>
+                      <a:r>
+                        <a:rPr lang="en-GB" sz="1400" dirty="0"/>
+                        <a:t>Constraint on linear velocity v</a:t>
+                      </a:r>
+                    </a:p>
+                  </a:txBody>
+                  <a:tcPr anchor="ctr">
+                    <a:lnL w="12700" cap="flat" cmpd="sng" algn="ctr">
+                      <a:solidFill>
+                        <a:schemeClr val="tx1"/>
+                      </a:solidFill>
+                      <a:prstDash val="solid"/>
+                      <a:round/>
+                      <a:headEnd type="none" w="med" len="med"/>
+                      <a:tailEnd type="none" w="med" len="med"/>
+                    </a:lnL>
+                    <a:lnR w="12700" cap="flat" cmpd="sng" algn="ctr">
+                      <a:solidFill>
+                        <a:schemeClr val="tx1"/>
+                      </a:solidFill>
+                      <a:prstDash val="solid"/>
+                      <a:round/>
+                      <a:headEnd type="none" w="med" len="med"/>
+                      <a:tailEnd type="none" w="med" len="med"/>
+                    </a:lnR>
+                    <a:lnT w="12700" cap="flat" cmpd="sng" algn="ctr">
+                      <a:solidFill>
+                        <a:schemeClr val="tx1"/>
+                      </a:solidFill>
+                      <a:prstDash val="solid"/>
+                      <a:round/>
+                      <a:headEnd type="none" w="med" len="med"/>
+                      <a:tailEnd type="none" w="med" len="med"/>
+                    </a:lnT>
+                    <a:lnB w="12700" cap="flat" cmpd="sng" algn="ctr">
+                      <a:solidFill>
+                        <a:schemeClr val="tx1"/>
+                      </a:solidFill>
+                      <a:prstDash val="solid"/>
+                      <a:round/>
+                      <a:headEnd type="none" w="med" len="med"/>
+                      <a:tailEnd type="none" w="med" len="med"/>
+                    </a:lnB>
+                    <a:solidFill>
+                      <a:srgbClr val="F1C7C8"/>
+                    </a:solidFill>
+                  </a:tcPr>
+                </a:tc>
+                <a:extLst>
+                  <a:ext uri="{0D108BD9-81ED-4DB2-BD59-A6C34878D82A}">
+                    <a16:rowId xmlns:a16="http://schemas.microsoft.com/office/drawing/2014/main" val="3866954559"/>
+                  </a:ext>
+                </a:extLst>
+              </a:tr>
+            </a:tbl>
+          </a:graphicData>
+        </a:graphic>
+      </p:graphicFrame>
     </p:spTree>
     <p:extLst>
       <p:ext uri="{BB962C8B-B14F-4D97-AF65-F5344CB8AC3E}">
@@ -23123,7 +23960,7 @@
         </p:nvSpPr>
         <p:spPr>
           <a:xfrm rot="18900000">
-            <a:off x="-2374508" y="-257741"/>
+            <a:off x="-2515366" y="-91745"/>
             <a:ext cx="5996354" cy="1943100"/>
           </a:xfrm>
           <a:prstGeom prst="rect">
@@ -23640,360 +24477,393 @@
           </a:p>
         </p:txBody>
       </p:sp>
-      <p:sp>
-        <p:nvSpPr>
-          <p:cNvPr id="2" name="Content Placeholder 2">
-            <a:extLst>
-              <a:ext uri="{FF2B5EF4-FFF2-40B4-BE49-F238E27FC236}">
-                <a16:creationId xmlns:a16="http://schemas.microsoft.com/office/drawing/2014/main" id="{853814B4-7351-955C-CA8F-F5D45E473999}"/>
-              </a:ext>
-            </a:extLst>
-          </p:cNvPr>
-          <p:cNvSpPr txBox="1">
-            <a:spLocks/>
-          </p:cNvSpPr>
-          <p:nvPr/>
-        </p:nvSpPr>
-        <p:spPr>
-          <a:xfrm>
-            <a:off x="838199" y="5212080"/>
-            <a:ext cx="4685275" cy="1206086"/>
-          </a:xfrm>
-          <a:prstGeom prst="rect">
-            <a:avLst/>
-          </a:prstGeom>
-          <a:ln w="28575">
-            <a:solidFill>
-              <a:schemeClr val="tx1"/>
-            </a:solidFill>
-          </a:ln>
-        </p:spPr>
-        <p:txBody>
-          <a:bodyPr vert="horz" lIns="91440" tIns="45720" rIns="91440" bIns="45720" rtlCol="0" anchor="ctr">
-            <a:normAutofit/>
-          </a:bodyPr>
-          <a:lstStyle>
-            <a:lvl1pPr marL="228600" indent="-228600" algn="l" defTabSz="914400" rtl="0" eaLnBrk="1" latinLnBrk="0" hangingPunct="1">
-              <a:lnSpc>
-                <a:spcPct val="90000"/>
-              </a:lnSpc>
-              <a:spcBef>
-                <a:spcPts val="1000"/>
-              </a:spcBef>
-              <a:buFont typeface="Arial" panose="020B0604020202020204" pitchFamily="34" charset="0"/>
-              <a:buChar char="•"/>
-              <a:defRPr sz="2800" kern="1200">
-                <a:solidFill>
-                  <a:schemeClr val="tx1"/>
-                </a:solidFill>
-                <a:latin typeface="+mn-lt"/>
-                <a:ea typeface="+mn-ea"/>
-                <a:cs typeface="+mn-cs"/>
-              </a:defRPr>
-            </a:lvl1pPr>
-            <a:lvl2pPr marL="685800" indent="-228600" algn="l" defTabSz="914400" rtl="0" eaLnBrk="1" latinLnBrk="0" hangingPunct="1">
-              <a:lnSpc>
-                <a:spcPct val="90000"/>
-              </a:lnSpc>
-              <a:spcBef>
-                <a:spcPts val="500"/>
-              </a:spcBef>
-              <a:buFont typeface="Arial" panose="020B0604020202020204" pitchFamily="34" charset="0"/>
-              <a:buChar char="•"/>
-              <a:defRPr sz="2400" kern="1200">
-                <a:solidFill>
-                  <a:schemeClr val="tx1"/>
-                </a:solidFill>
-                <a:latin typeface="+mn-lt"/>
-                <a:ea typeface="+mn-ea"/>
-                <a:cs typeface="+mn-cs"/>
-              </a:defRPr>
-            </a:lvl2pPr>
-            <a:lvl3pPr marL="1143000" indent="-228600" algn="l" defTabSz="914400" rtl="0" eaLnBrk="1" latinLnBrk="0" hangingPunct="1">
-              <a:lnSpc>
-                <a:spcPct val="90000"/>
-              </a:lnSpc>
-              <a:spcBef>
-                <a:spcPts val="500"/>
-              </a:spcBef>
-              <a:buFont typeface="Arial" panose="020B0604020202020204" pitchFamily="34" charset="0"/>
-              <a:buChar char="•"/>
-              <a:defRPr sz="2000" kern="1200">
-                <a:solidFill>
-                  <a:schemeClr val="tx1"/>
-                </a:solidFill>
-                <a:latin typeface="+mn-lt"/>
-                <a:ea typeface="+mn-ea"/>
-                <a:cs typeface="+mn-cs"/>
-              </a:defRPr>
-            </a:lvl3pPr>
-            <a:lvl4pPr marL="1600200" indent="-228600" algn="l" defTabSz="914400" rtl="0" eaLnBrk="1" latinLnBrk="0" hangingPunct="1">
-              <a:lnSpc>
-                <a:spcPct val="90000"/>
-              </a:lnSpc>
-              <a:spcBef>
-                <a:spcPts val="500"/>
-              </a:spcBef>
-              <a:buFont typeface="Arial" panose="020B0604020202020204" pitchFamily="34" charset="0"/>
-              <a:buChar char="•"/>
-              <a:defRPr sz="1800" kern="1200">
-                <a:solidFill>
-                  <a:schemeClr val="tx1"/>
-                </a:solidFill>
-                <a:latin typeface="+mn-lt"/>
-                <a:ea typeface="+mn-ea"/>
-                <a:cs typeface="+mn-cs"/>
-              </a:defRPr>
-            </a:lvl4pPr>
-            <a:lvl5pPr marL="2057400" indent="-228600" algn="l" defTabSz="914400" rtl="0" eaLnBrk="1" latinLnBrk="0" hangingPunct="1">
-              <a:lnSpc>
-                <a:spcPct val="90000"/>
-              </a:lnSpc>
-              <a:spcBef>
-                <a:spcPts val="500"/>
-              </a:spcBef>
-              <a:buFont typeface="Arial" panose="020B0604020202020204" pitchFamily="34" charset="0"/>
-              <a:buChar char="•"/>
-              <a:defRPr sz="1800" kern="1200">
-                <a:solidFill>
-                  <a:schemeClr val="tx1"/>
-                </a:solidFill>
-                <a:latin typeface="+mn-lt"/>
-                <a:ea typeface="+mn-ea"/>
-                <a:cs typeface="+mn-cs"/>
-              </a:defRPr>
-            </a:lvl5pPr>
-            <a:lvl6pPr marL="2514600" indent="-228600" algn="l" defTabSz="914400" rtl="0" eaLnBrk="1" latinLnBrk="0" hangingPunct="1">
-              <a:lnSpc>
-                <a:spcPct val="90000"/>
-              </a:lnSpc>
-              <a:spcBef>
-                <a:spcPts val="500"/>
-              </a:spcBef>
-              <a:buFont typeface="Arial" panose="020B0604020202020204" pitchFamily="34" charset="0"/>
-              <a:buChar char="•"/>
-              <a:defRPr sz="1800" kern="1200">
-                <a:solidFill>
-                  <a:schemeClr val="tx1"/>
-                </a:solidFill>
-                <a:latin typeface="+mn-lt"/>
-                <a:ea typeface="+mn-ea"/>
-                <a:cs typeface="+mn-cs"/>
-              </a:defRPr>
-            </a:lvl6pPr>
-            <a:lvl7pPr marL="2971800" indent="-228600" algn="l" defTabSz="914400" rtl="0" eaLnBrk="1" latinLnBrk="0" hangingPunct="1">
-              <a:lnSpc>
-                <a:spcPct val="90000"/>
-              </a:lnSpc>
-              <a:spcBef>
-                <a:spcPts val="500"/>
-              </a:spcBef>
-              <a:buFont typeface="Arial" panose="020B0604020202020204" pitchFamily="34" charset="0"/>
-              <a:buChar char="•"/>
-              <a:defRPr sz="1800" kern="1200">
-                <a:solidFill>
-                  <a:schemeClr val="tx1"/>
-                </a:solidFill>
-                <a:latin typeface="+mn-lt"/>
-                <a:ea typeface="+mn-ea"/>
-                <a:cs typeface="+mn-cs"/>
-              </a:defRPr>
-            </a:lvl7pPr>
-            <a:lvl8pPr marL="3429000" indent="-228600" algn="l" defTabSz="914400" rtl="0" eaLnBrk="1" latinLnBrk="0" hangingPunct="1">
-              <a:lnSpc>
-                <a:spcPct val="90000"/>
-              </a:lnSpc>
-              <a:spcBef>
-                <a:spcPts val="500"/>
-              </a:spcBef>
-              <a:buFont typeface="Arial" panose="020B0604020202020204" pitchFamily="34" charset="0"/>
-              <a:buChar char="•"/>
-              <a:defRPr sz="1800" kern="1200">
-                <a:solidFill>
-                  <a:schemeClr val="tx1"/>
-                </a:solidFill>
-                <a:latin typeface="+mn-lt"/>
-                <a:ea typeface="+mn-ea"/>
-                <a:cs typeface="+mn-cs"/>
-              </a:defRPr>
-            </a:lvl8pPr>
-            <a:lvl9pPr marL="3886200" indent="-228600" algn="l" defTabSz="914400" rtl="0" eaLnBrk="1" latinLnBrk="0" hangingPunct="1">
-              <a:lnSpc>
-                <a:spcPct val="90000"/>
-              </a:lnSpc>
-              <a:spcBef>
-                <a:spcPts val="500"/>
-              </a:spcBef>
-              <a:buFont typeface="Arial" panose="020B0604020202020204" pitchFamily="34" charset="0"/>
-              <a:buChar char="•"/>
-              <a:defRPr sz="1800" kern="1200">
-                <a:solidFill>
-                  <a:schemeClr val="tx1"/>
-                </a:solidFill>
-                <a:latin typeface="+mn-lt"/>
-                <a:ea typeface="+mn-ea"/>
-                <a:cs typeface="+mn-cs"/>
-              </a:defRPr>
-            </a:lvl9pPr>
-          </a:lstStyle>
-          <a:p>
-            <a:pPr marL="0" indent="0">
-              <a:buFont typeface="Arial" panose="020B0604020202020204" pitchFamily="34" charset="0"/>
-              <a:buNone/>
-            </a:pPr>
-            <a:r>
-              <a:rPr lang="it-IT" sz="2000" dirty="0">
-                <a:latin typeface="Bahnschrift SemiCondensed" panose="020B0502040204020203" pitchFamily="34" charset="0"/>
-              </a:rPr>
-              <a:t>Future </a:t>
-            </a:r>
-            <a:r>
-              <a:rPr lang="it-IT" sz="2000" dirty="0" err="1">
-                <a:latin typeface="Bahnschrift SemiCondensed" panose="020B0502040204020203" pitchFamily="34" charset="0"/>
-              </a:rPr>
-              <a:t>improvement</a:t>
-            </a:r>
-            <a:r>
-              <a:rPr lang="it-IT" sz="2000" dirty="0">
-                <a:latin typeface="Bahnschrift SemiCondensed" panose="020B0502040204020203" pitchFamily="34" charset="0"/>
-              </a:rPr>
-              <a:t> - Consensus </a:t>
-            </a:r>
-            <a:r>
-              <a:rPr lang="it-IT" sz="2000" dirty="0" err="1">
-                <a:latin typeface="Bahnschrift SemiCondensed" panose="020B0502040204020203" pitchFamily="34" charset="0"/>
-              </a:rPr>
-              <a:t>could</a:t>
-            </a:r>
-            <a:r>
-              <a:rPr lang="it-IT" sz="2000" dirty="0">
-                <a:latin typeface="Bahnschrift SemiCondensed" panose="020B0502040204020203" pitchFamily="34" charset="0"/>
-              </a:rPr>
-              <a:t> be </a:t>
-            </a:r>
-            <a:r>
-              <a:rPr lang="it-IT" sz="2000" dirty="0" err="1">
-                <a:latin typeface="Bahnschrift SemiCondensed" panose="020B0502040204020203" pitchFamily="34" charset="0"/>
-              </a:rPr>
-              <a:t>dynamically</a:t>
-            </a:r>
-            <a:r>
-              <a:rPr lang="it-IT" sz="2000" dirty="0">
-                <a:latin typeface="Bahnschrift SemiCondensed" panose="020B0502040204020203" pitchFamily="34" charset="0"/>
-              </a:rPr>
-              <a:t> </a:t>
-            </a:r>
-            <a:r>
-              <a:rPr lang="it-IT" sz="2000" dirty="0" err="1">
-                <a:latin typeface="Bahnschrift SemiCondensed" panose="020B0502040204020203" pitchFamily="34" charset="0"/>
-              </a:rPr>
-              <a:t>computed</a:t>
-            </a:r>
-            <a:r>
-              <a:rPr lang="it-IT" sz="2000" dirty="0">
-                <a:latin typeface="Bahnschrift SemiCondensed" panose="020B0502040204020203" pitchFamily="34" charset="0"/>
-              </a:rPr>
-              <a:t> </a:t>
-            </a:r>
-            <a:r>
-              <a:rPr lang="it-IT" sz="2000" dirty="0" err="1">
-                <a:latin typeface="Bahnschrift SemiCondensed" panose="020B0502040204020203" pitchFamily="34" charset="0"/>
-              </a:rPr>
-              <a:t>at</a:t>
-            </a:r>
-            <a:r>
-              <a:rPr lang="it-IT" sz="2000" dirty="0">
-                <a:latin typeface="Bahnschrift SemiCondensed" panose="020B0502040204020203" pitchFamily="34" charset="0"/>
-              </a:rPr>
-              <a:t> </a:t>
-            </a:r>
-            <a:r>
-              <a:rPr lang="it-IT" sz="2000" dirty="0" err="1">
-                <a:latin typeface="Bahnschrift SemiCondensed" panose="020B0502040204020203" pitchFamily="34" charset="0"/>
-              </a:rPr>
-              <a:t>every</a:t>
-            </a:r>
-            <a:r>
-              <a:rPr lang="it-IT" sz="2000" dirty="0">
-                <a:latin typeface="Bahnschrift SemiCondensed" panose="020B0502040204020203" pitchFamily="34" charset="0"/>
-              </a:rPr>
-              <a:t> step of the </a:t>
-            </a:r>
-            <a:r>
-              <a:rPr lang="it-IT" sz="2000" dirty="0" err="1">
-                <a:latin typeface="Bahnschrift SemiCondensed" panose="020B0502040204020203" pitchFamily="34" charset="0"/>
-              </a:rPr>
-              <a:t>iteration</a:t>
-            </a:r>
-            <a:r>
-              <a:rPr lang="it-IT" sz="2000" dirty="0">
-                <a:latin typeface="Bahnschrift SemiCondensed" panose="020B0502040204020203" pitchFamily="34" charset="0"/>
-              </a:rPr>
-              <a:t> </a:t>
-            </a:r>
-            <a:r>
-              <a:rPr lang="it-IT" sz="2000" dirty="0" err="1">
-                <a:latin typeface="Bahnschrift SemiCondensed" panose="020B0502040204020203" pitchFamily="34" charset="0"/>
-              </a:rPr>
-              <a:t>until</a:t>
-            </a:r>
-            <a:r>
-              <a:rPr lang="it-IT" sz="2000" dirty="0">
-                <a:latin typeface="Bahnschrift SemiCondensed" panose="020B0502040204020203" pitchFamily="34" charset="0"/>
-              </a:rPr>
-              <a:t> </a:t>
-            </a:r>
-            <a:r>
-              <a:rPr lang="it-IT" sz="2000" dirty="0" err="1">
-                <a:latin typeface="Bahnschrift SemiCondensed" panose="020B0502040204020203" pitchFamily="34" charset="0"/>
-              </a:rPr>
-              <a:t>every</a:t>
-            </a:r>
-            <a:r>
-              <a:rPr lang="it-IT" sz="2000" dirty="0">
-                <a:latin typeface="Bahnschrift SemiCondensed" panose="020B0502040204020203" pitchFamily="34" charset="0"/>
-              </a:rPr>
-              <a:t> agent </a:t>
-            </a:r>
-            <a:r>
-              <a:rPr lang="it-IT" sz="2000" dirty="0" err="1">
-                <a:latin typeface="Bahnschrift SemiCondensed" panose="020B0502040204020203" pitchFamily="34" charset="0"/>
-              </a:rPr>
-              <a:t>is</a:t>
-            </a:r>
-            <a:r>
-              <a:rPr lang="it-IT" sz="2000" dirty="0">
-                <a:latin typeface="Bahnschrift SemiCondensed" panose="020B0502040204020203" pitchFamily="34" charset="0"/>
-              </a:rPr>
-              <a:t> in </a:t>
-            </a:r>
-            <a:r>
-              <a:rPr lang="it-IT" sz="2000" dirty="0" err="1">
-                <a:latin typeface="Bahnschrift SemiCondensed" panose="020B0502040204020203" pitchFamily="34" charset="0"/>
-              </a:rPr>
-              <a:t>its</a:t>
-            </a:r>
-            <a:r>
-              <a:rPr lang="it-IT" sz="2000" dirty="0">
-                <a:latin typeface="Bahnschrift SemiCondensed" panose="020B0502040204020203" pitchFamily="34" charset="0"/>
-              </a:rPr>
-              <a:t> </a:t>
-            </a:r>
-            <a:r>
-              <a:rPr lang="it-IT" sz="2000" dirty="0" err="1">
-                <a:latin typeface="Bahnschrift SemiCondensed" panose="020B0502040204020203" pitchFamily="34" charset="0"/>
-              </a:rPr>
-              <a:t>proximity</a:t>
-            </a:r>
-            <a:r>
-              <a:rPr lang="it-IT" sz="2000" dirty="0">
-                <a:latin typeface="Bahnschrift SemiCondensed" panose="020B0502040204020203" pitchFamily="34" charset="0"/>
-              </a:rPr>
-              <a:t>.</a:t>
-            </a:r>
-          </a:p>
-        </p:txBody>
-      </p:sp>
+      <mc:AlternateContent xmlns:mc="http://schemas.openxmlformats.org/markup-compatibility/2006">
+        <mc:Choice xmlns:a14="http://schemas.microsoft.com/office/drawing/2010/main" Requires="a14">
+          <p:sp>
+            <p:nvSpPr>
+              <p:cNvPr id="7" name="TextBox 6">
+                <a:extLst>
+                  <a:ext uri="{FF2B5EF4-FFF2-40B4-BE49-F238E27FC236}">
+                    <a16:creationId xmlns:a16="http://schemas.microsoft.com/office/drawing/2014/main" id="{7B946EB3-6FD2-E8EC-EE12-E34072E34710}"/>
+                  </a:ext>
+                </a:extLst>
+              </p:cNvPr>
+              <p:cNvSpPr txBox="1"/>
+              <p:nvPr/>
+            </p:nvSpPr>
+            <p:spPr>
+              <a:xfrm>
+                <a:off x="-1076785" y="4616892"/>
+                <a:ext cx="5166360" cy="972702"/>
+              </a:xfrm>
+              <a:prstGeom prst="rect">
+                <a:avLst/>
+              </a:prstGeom>
+              <a:noFill/>
+            </p:spPr>
+            <p:txBody>
+              <a:bodyPr wrap="square">
+                <a:spAutoFit/>
+              </a:bodyPr>
+              <a:lstStyle/>
+              <a:p>
+                <a:pPr/>
+                <a:r>
+                  <a:rPr lang="en-GB" dirty="0"/>
+                  <a:t>			P </a:t>
+                </a:r>
+                <a14:m>
+                  <m:oMath xmlns:m="http://schemas.openxmlformats.org/officeDocument/2006/math">
+                    <m:r>
+                      <a:rPr lang="en-GB" i="0">
+                        <a:latin typeface="Cambria Math" panose="02040503050406030204" pitchFamily="18" charset="0"/>
+                      </a:rPr>
+                      <m:t>=</m:t>
+                    </m:r>
+                    <m:d>
+                      <m:dPr>
+                        <m:begChr m:val="["/>
+                        <m:endChr m:val="]"/>
+                        <m:ctrlPr>
+                          <a:rPr lang="en-GB" i="1">
+                            <a:latin typeface="Cambria Math" panose="02040503050406030204" pitchFamily="18" charset="0"/>
+                          </a:rPr>
+                        </m:ctrlPr>
+                      </m:dPr>
+                      <m:e>
+                        <m:m>
+                          <m:mPr>
+                            <m:plcHide m:val="on"/>
+                            <m:mcs>
+                              <m:mc>
+                                <m:mcPr>
+                                  <m:count m:val="3"/>
+                                  <m:mcJc m:val="center"/>
+                                </m:mcPr>
+                              </m:mc>
+                            </m:mcs>
+                            <m:ctrlPr>
+                              <a:rPr lang="en-GB" i="1">
+                                <a:solidFill>
+                                  <a:srgbClr val="836967"/>
+                                </a:solidFill>
+                                <a:latin typeface="Cambria Math" panose="02040503050406030204" pitchFamily="18" charset="0"/>
+                              </a:rPr>
+                            </m:ctrlPr>
+                          </m:mPr>
+                          <m:mr>
+                            <m:e>
+                              <m:f>
+                                <m:fPr>
+                                  <m:type m:val="lin"/>
+                                  <m:ctrlPr>
+                                    <a:rPr lang="en-GB" i="1">
+                                      <a:latin typeface="Cambria Math" panose="02040503050406030204" pitchFamily="18" charset="0"/>
+                                    </a:rPr>
+                                  </m:ctrlPr>
+                                </m:fPr>
+                                <m:num>
+                                  <m:r>
+                                    <a:rPr lang="en-GB" i="0">
+                                      <a:latin typeface="Cambria Math" panose="02040503050406030204" pitchFamily="18" charset="0"/>
+                                    </a:rPr>
+                                    <m:t>1</m:t>
+                                  </m:r>
+                                </m:num>
+                                <m:den>
+                                  <m:r>
+                                    <a:rPr lang="en-GB" i="0">
+                                      <a:latin typeface="Cambria Math" panose="02040503050406030204" pitchFamily="18" charset="0"/>
+                                    </a:rPr>
+                                    <m:t>3</m:t>
+                                  </m:r>
+                                </m:den>
+                              </m:f>
+                            </m:e>
+                            <m:e>
+                              <m:f>
+                                <m:fPr>
+                                  <m:type m:val="lin"/>
+                                  <m:ctrlPr>
+                                    <a:rPr lang="en-GB" i="1">
+                                      <a:latin typeface="Cambria Math" panose="02040503050406030204" pitchFamily="18" charset="0"/>
+                                    </a:rPr>
+                                  </m:ctrlPr>
+                                </m:fPr>
+                                <m:num>
+                                  <m:r>
+                                    <a:rPr lang="en-GB" i="0">
+                                      <a:latin typeface="Cambria Math" panose="02040503050406030204" pitchFamily="18" charset="0"/>
+                                    </a:rPr>
+                                    <m:t>1</m:t>
+                                  </m:r>
+                                </m:num>
+                                <m:den>
+                                  <m:r>
+                                    <a:rPr lang="en-GB" i="0">
+                                      <a:latin typeface="Cambria Math" panose="02040503050406030204" pitchFamily="18" charset="0"/>
+                                    </a:rPr>
+                                    <m:t>3</m:t>
+                                  </m:r>
+                                </m:den>
+                              </m:f>
+                            </m:e>
+                            <m:e>
+                              <m:f>
+                                <m:fPr>
+                                  <m:type m:val="lin"/>
+                                  <m:ctrlPr>
+                                    <a:rPr lang="en-GB" i="1">
+                                      <a:latin typeface="Cambria Math" panose="02040503050406030204" pitchFamily="18" charset="0"/>
+                                    </a:rPr>
+                                  </m:ctrlPr>
+                                </m:fPr>
+                                <m:num>
+                                  <m:r>
+                                    <a:rPr lang="en-GB" i="0">
+                                      <a:latin typeface="Cambria Math" panose="02040503050406030204" pitchFamily="18" charset="0"/>
+                                    </a:rPr>
+                                    <m:t>1</m:t>
+                                  </m:r>
+                                </m:num>
+                                <m:den>
+                                  <m:r>
+                                    <a:rPr lang="en-GB" i="0">
+                                      <a:latin typeface="Cambria Math" panose="02040503050406030204" pitchFamily="18" charset="0"/>
+                                    </a:rPr>
+                                    <m:t>3</m:t>
+                                  </m:r>
+                                </m:den>
+                              </m:f>
+                            </m:e>
+                          </m:mr>
+                          <m:mr>
+                            <m:e>
+                              <m:f>
+                                <m:fPr>
+                                  <m:type m:val="lin"/>
+                                  <m:ctrlPr>
+                                    <a:rPr lang="en-GB" i="1">
+                                      <a:latin typeface="Cambria Math" panose="02040503050406030204" pitchFamily="18" charset="0"/>
+                                    </a:rPr>
+                                  </m:ctrlPr>
+                                </m:fPr>
+                                <m:num>
+                                  <m:r>
+                                    <a:rPr lang="en-GB" i="0">
+                                      <a:latin typeface="Cambria Math" panose="02040503050406030204" pitchFamily="18" charset="0"/>
+                                    </a:rPr>
+                                    <m:t>1</m:t>
+                                  </m:r>
+                                </m:num>
+                                <m:den>
+                                  <m:r>
+                                    <a:rPr lang="en-GB" i="0">
+                                      <a:latin typeface="Cambria Math" panose="02040503050406030204" pitchFamily="18" charset="0"/>
+                                    </a:rPr>
+                                    <m:t>3</m:t>
+                                  </m:r>
+                                </m:den>
+                              </m:f>
+                            </m:e>
+                            <m:e>
+                              <m:f>
+                                <m:fPr>
+                                  <m:type m:val="lin"/>
+                                  <m:ctrlPr>
+                                    <a:rPr lang="en-GB" i="1">
+                                      <a:latin typeface="Cambria Math" panose="02040503050406030204" pitchFamily="18" charset="0"/>
+                                    </a:rPr>
+                                  </m:ctrlPr>
+                                </m:fPr>
+                                <m:num>
+                                  <m:r>
+                                    <a:rPr lang="en-GB" i="0">
+                                      <a:latin typeface="Cambria Math" panose="02040503050406030204" pitchFamily="18" charset="0"/>
+                                    </a:rPr>
+                                    <m:t>1</m:t>
+                                  </m:r>
+                                </m:num>
+                                <m:den>
+                                  <m:r>
+                                    <a:rPr lang="en-GB" i="0">
+                                      <a:latin typeface="Cambria Math" panose="02040503050406030204" pitchFamily="18" charset="0"/>
+                                    </a:rPr>
+                                    <m:t>3</m:t>
+                                  </m:r>
+                                </m:den>
+                              </m:f>
+                            </m:e>
+                            <m:e>
+                              <m:f>
+                                <m:fPr>
+                                  <m:type m:val="lin"/>
+                                  <m:ctrlPr>
+                                    <a:rPr lang="en-GB" i="1">
+                                      <a:latin typeface="Cambria Math" panose="02040503050406030204" pitchFamily="18" charset="0"/>
+                                    </a:rPr>
+                                  </m:ctrlPr>
+                                </m:fPr>
+                                <m:num>
+                                  <m:r>
+                                    <a:rPr lang="en-GB" i="0">
+                                      <a:latin typeface="Cambria Math" panose="02040503050406030204" pitchFamily="18" charset="0"/>
+                                    </a:rPr>
+                                    <m:t>1</m:t>
+                                  </m:r>
+                                </m:num>
+                                <m:den>
+                                  <m:r>
+                                    <a:rPr lang="en-GB" i="0">
+                                      <a:latin typeface="Cambria Math" panose="02040503050406030204" pitchFamily="18" charset="0"/>
+                                    </a:rPr>
+                                    <m:t>3</m:t>
+                                  </m:r>
+                                </m:den>
+                              </m:f>
+                            </m:e>
+                          </m:mr>
+                          <m:mr>
+                            <m:e>
+                              <m:f>
+                                <m:fPr>
+                                  <m:type m:val="lin"/>
+                                  <m:ctrlPr>
+                                    <a:rPr lang="en-GB" i="1">
+                                      <a:latin typeface="Cambria Math" panose="02040503050406030204" pitchFamily="18" charset="0"/>
+                                    </a:rPr>
+                                  </m:ctrlPr>
+                                </m:fPr>
+                                <m:num>
+                                  <m:r>
+                                    <a:rPr lang="en-GB" i="0">
+                                      <a:latin typeface="Cambria Math" panose="02040503050406030204" pitchFamily="18" charset="0"/>
+                                    </a:rPr>
+                                    <m:t>1</m:t>
+                                  </m:r>
+                                </m:num>
+                                <m:den>
+                                  <m:r>
+                                    <a:rPr lang="en-GB" i="0">
+                                      <a:latin typeface="Cambria Math" panose="02040503050406030204" pitchFamily="18" charset="0"/>
+                                    </a:rPr>
+                                    <m:t>3</m:t>
+                                  </m:r>
+                                </m:den>
+                              </m:f>
+                            </m:e>
+                            <m:e>
+                              <m:f>
+                                <m:fPr>
+                                  <m:type m:val="lin"/>
+                                  <m:ctrlPr>
+                                    <a:rPr lang="en-GB" i="1">
+                                      <a:latin typeface="Cambria Math" panose="02040503050406030204" pitchFamily="18" charset="0"/>
+                                    </a:rPr>
+                                  </m:ctrlPr>
+                                </m:fPr>
+                                <m:num>
+                                  <m:r>
+                                    <a:rPr lang="en-GB" i="0">
+                                      <a:latin typeface="Cambria Math" panose="02040503050406030204" pitchFamily="18" charset="0"/>
+                                    </a:rPr>
+                                    <m:t>1</m:t>
+                                  </m:r>
+                                </m:num>
+                                <m:den>
+                                  <m:r>
+                                    <a:rPr lang="en-GB" i="0">
+                                      <a:latin typeface="Cambria Math" panose="02040503050406030204" pitchFamily="18" charset="0"/>
+                                    </a:rPr>
+                                    <m:t>3</m:t>
+                                  </m:r>
+                                </m:den>
+                              </m:f>
+                            </m:e>
+                            <m:e>
+                              <m:f>
+                                <m:fPr>
+                                  <m:type m:val="lin"/>
+                                  <m:ctrlPr>
+                                    <a:rPr lang="en-GB" i="1">
+                                      <a:latin typeface="Cambria Math" panose="02040503050406030204" pitchFamily="18" charset="0"/>
+                                    </a:rPr>
+                                  </m:ctrlPr>
+                                </m:fPr>
+                                <m:num>
+                                  <m:r>
+                                    <a:rPr lang="en-GB" i="0">
+                                      <a:latin typeface="Cambria Math" panose="02040503050406030204" pitchFamily="18" charset="0"/>
+                                    </a:rPr>
+                                    <m:t>1</m:t>
+                                  </m:r>
+                                </m:num>
+                                <m:den>
+                                  <m:r>
+                                    <a:rPr lang="en-GB" i="0">
+                                      <a:latin typeface="Cambria Math" panose="02040503050406030204" pitchFamily="18" charset="0"/>
+                                    </a:rPr>
+                                    <m:t>3</m:t>
+                                  </m:r>
+                                </m:den>
+                              </m:f>
+                            </m:e>
+                          </m:mr>
+                        </m:m>
+                      </m:e>
+                    </m:d>
+                  </m:oMath>
+                </a14:m>
+                <a:endParaRPr lang="en-GB" dirty="0"/>
+              </a:p>
+            </p:txBody>
+          </p:sp>
+        </mc:Choice>
+        <mc:Fallback>
+          <p:sp>
+            <p:nvSpPr>
+              <p:cNvPr id="7" name="TextBox 6">
+                <a:extLst>
+                  <a:ext uri="{FF2B5EF4-FFF2-40B4-BE49-F238E27FC236}">
+                    <a16:creationId xmlns:a16="http://schemas.microsoft.com/office/drawing/2014/main" id="{7B946EB3-6FD2-E8EC-EE12-E34072E34710}"/>
+                  </a:ext>
+                </a:extLst>
+              </p:cNvPr>
+              <p:cNvSpPr txBox="1">
+                <a:spLocks noRot="1" noChangeAspect="1" noMove="1" noResize="1" noEditPoints="1" noAdjustHandles="1" noChangeArrowheads="1" noChangeShapeType="1" noTextEdit="1"/>
+              </p:cNvSpPr>
+              <p:nvPr/>
+            </p:nvSpPr>
+            <p:spPr>
+              <a:xfrm>
+                <a:off x="-1076785" y="4616892"/>
+                <a:ext cx="5166360" cy="972702"/>
+              </a:xfrm>
+              <a:prstGeom prst="rect">
+                <a:avLst/>
+              </a:prstGeom>
+              <a:blipFill>
+                <a:blip r:embed="rId2"/>
+                <a:stretch>
+                  <a:fillRect/>
+                </a:stretch>
+              </a:blipFill>
+            </p:spPr>
+            <p:txBody>
+              <a:bodyPr/>
+              <a:lstStyle/>
+              <a:p>
+                <a:r>
+                  <a:rPr lang="en-GB">
+                    <a:noFill/>
+                  </a:rPr>
+                  <a:t> </a:t>
+                </a:r>
+              </a:p>
+            </p:txBody>
+          </p:sp>
+        </mc:Fallback>
+      </mc:AlternateContent>
     </p:spTree>
     <p:extLst>
       <p:ext uri="{BB962C8B-B14F-4D97-AF65-F5344CB8AC3E}">

--- a/documentation/presentation.pptx
+++ b/documentation/presentation.pptx
@@ -4,6 +4,9 @@
   <p:sldMasterIdLst>
     <p:sldMasterId id="2147483648" r:id="rId1"/>
   </p:sldMasterIdLst>
+  <p:notesMasterIdLst>
+    <p:notesMasterId r:id="rId32"/>
+  </p:notesMasterIdLst>
   <p:sldIdLst>
     <p:sldId id="256" r:id="rId2"/>
     <p:sldId id="260" r:id="rId3"/>
@@ -141,6 +144,440 @@
 </p:presentation>
 </file>
 
+<file path=ppt/notesMasters/notesMaster1.xml><?xml version="1.0" encoding="utf-8"?>
+<p:notesMaster xmlns:a="http://schemas.openxmlformats.org/drawingml/2006/main" xmlns:r="http://schemas.openxmlformats.org/officeDocument/2006/relationships" xmlns:p="http://schemas.openxmlformats.org/presentationml/2006/main">
+  <p:cSld>
+    <p:bg>
+      <p:bgRef idx="1001">
+        <a:schemeClr val="bg1"/>
+      </p:bgRef>
+    </p:bg>
+    <p:spTree>
+      <p:nvGrpSpPr>
+        <p:cNvPr id="1" name=""/>
+        <p:cNvGrpSpPr/>
+        <p:nvPr/>
+      </p:nvGrpSpPr>
+      <p:grpSpPr>
+        <a:xfrm>
+          <a:off x="0" y="0"/>
+          <a:ext cx="0" cy="0"/>
+          <a:chOff x="0" y="0"/>
+          <a:chExt cx="0" cy="0"/>
+        </a:xfrm>
+      </p:grpSpPr>
+      <p:sp>
+        <p:nvSpPr>
+          <p:cNvPr id="2" name="Header Placeholder 1"/>
+          <p:cNvSpPr>
+            <a:spLocks noGrp="1"/>
+          </p:cNvSpPr>
+          <p:nvPr>
+            <p:ph type="hdr" sz="quarter"/>
+          </p:nvPr>
+        </p:nvSpPr>
+        <p:spPr>
+          <a:xfrm>
+            <a:off x="0" y="0"/>
+            <a:ext cx="2971800" cy="458788"/>
+          </a:xfrm>
+          <a:prstGeom prst="rect">
+            <a:avLst/>
+          </a:prstGeom>
+        </p:spPr>
+        <p:txBody>
+          <a:bodyPr vert="horz" lIns="91440" tIns="45720" rIns="91440" bIns="45720" rtlCol="0"/>
+          <a:lstStyle>
+            <a:lvl1pPr algn="l">
+              <a:defRPr sz="1200"/>
+            </a:lvl1pPr>
+          </a:lstStyle>
+          <a:p>
+            <a:endParaRPr lang="en-GB"/>
+          </a:p>
+        </p:txBody>
+      </p:sp>
+      <p:sp>
+        <p:nvSpPr>
+          <p:cNvPr id="3" name="Date Placeholder 2"/>
+          <p:cNvSpPr>
+            <a:spLocks noGrp="1"/>
+          </p:cNvSpPr>
+          <p:nvPr>
+            <p:ph type="dt" idx="1"/>
+          </p:nvPr>
+        </p:nvSpPr>
+        <p:spPr>
+          <a:xfrm>
+            <a:off x="3884613" y="0"/>
+            <a:ext cx="2971800" cy="458788"/>
+          </a:xfrm>
+          <a:prstGeom prst="rect">
+            <a:avLst/>
+          </a:prstGeom>
+        </p:spPr>
+        <p:txBody>
+          <a:bodyPr vert="horz" lIns="91440" tIns="45720" rIns="91440" bIns="45720" rtlCol="0"/>
+          <a:lstStyle>
+            <a:lvl1pPr algn="r">
+              <a:defRPr sz="1200"/>
+            </a:lvl1pPr>
+          </a:lstStyle>
+          <a:p>
+            <a:fld id="{3735EDBA-B138-4236-BC15-49AA070228CC}" type="datetimeFigureOut">
+              <a:rPr lang="en-GB" smtClean="0"/>
+              <a:t>12/02/2024</a:t>
+            </a:fld>
+            <a:endParaRPr lang="en-GB"/>
+          </a:p>
+        </p:txBody>
+      </p:sp>
+      <p:sp>
+        <p:nvSpPr>
+          <p:cNvPr id="4" name="Slide Image Placeholder 3"/>
+          <p:cNvSpPr>
+            <a:spLocks noGrp="1" noRot="1" noChangeAspect="1"/>
+          </p:cNvSpPr>
+          <p:nvPr>
+            <p:ph type="sldImg" idx="2"/>
+          </p:nvPr>
+        </p:nvSpPr>
+        <p:spPr>
+          <a:xfrm>
+            <a:off x="685800" y="1143000"/>
+            <a:ext cx="5486400" cy="3086100"/>
+          </a:xfrm>
+          <a:prstGeom prst="rect">
+            <a:avLst/>
+          </a:prstGeom>
+          <a:noFill/>
+          <a:ln w="12700">
+            <a:solidFill>
+              <a:prstClr val="black"/>
+            </a:solidFill>
+          </a:ln>
+        </p:spPr>
+        <p:txBody>
+          <a:bodyPr vert="horz" lIns="91440" tIns="45720" rIns="91440" bIns="45720" rtlCol="0" anchor="ctr"/>
+          <a:lstStyle/>
+          <a:p>
+            <a:endParaRPr lang="en-GB"/>
+          </a:p>
+        </p:txBody>
+      </p:sp>
+      <p:sp>
+        <p:nvSpPr>
+          <p:cNvPr id="5" name="Notes Placeholder 4"/>
+          <p:cNvSpPr>
+            <a:spLocks noGrp="1"/>
+          </p:cNvSpPr>
+          <p:nvPr>
+            <p:ph type="body" sz="quarter" idx="3"/>
+          </p:nvPr>
+        </p:nvSpPr>
+        <p:spPr>
+          <a:xfrm>
+            <a:off x="685800" y="4400550"/>
+            <a:ext cx="5486400" cy="3600450"/>
+          </a:xfrm>
+          <a:prstGeom prst="rect">
+            <a:avLst/>
+          </a:prstGeom>
+        </p:spPr>
+        <p:txBody>
+          <a:bodyPr vert="horz" lIns="91440" tIns="45720" rIns="91440" bIns="45720" rtlCol="0"/>
+          <a:lstStyle/>
+          <a:p>
+            <a:pPr lvl="0"/>
+            <a:r>
+              <a:rPr lang="en-US"/>
+              <a:t>Click to edit Master text styles</a:t>
+            </a:r>
+          </a:p>
+          <a:p>
+            <a:pPr lvl="1"/>
+            <a:r>
+              <a:rPr lang="en-US"/>
+              <a:t>Second level</a:t>
+            </a:r>
+          </a:p>
+          <a:p>
+            <a:pPr lvl="2"/>
+            <a:r>
+              <a:rPr lang="en-US"/>
+              <a:t>Third level</a:t>
+            </a:r>
+          </a:p>
+          <a:p>
+            <a:pPr lvl="3"/>
+            <a:r>
+              <a:rPr lang="en-US"/>
+              <a:t>Fourth level</a:t>
+            </a:r>
+          </a:p>
+          <a:p>
+            <a:pPr lvl="4"/>
+            <a:r>
+              <a:rPr lang="en-US"/>
+              <a:t>Fifth level</a:t>
+            </a:r>
+            <a:endParaRPr lang="en-GB"/>
+          </a:p>
+        </p:txBody>
+      </p:sp>
+      <p:sp>
+        <p:nvSpPr>
+          <p:cNvPr id="6" name="Footer Placeholder 5"/>
+          <p:cNvSpPr>
+            <a:spLocks noGrp="1"/>
+          </p:cNvSpPr>
+          <p:nvPr>
+            <p:ph type="ftr" sz="quarter" idx="4"/>
+          </p:nvPr>
+        </p:nvSpPr>
+        <p:spPr>
+          <a:xfrm>
+            <a:off x="0" y="8685213"/>
+            <a:ext cx="2971800" cy="458787"/>
+          </a:xfrm>
+          <a:prstGeom prst="rect">
+            <a:avLst/>
+          </a:prstGeom>
+        </p:spPr>
+        <p:txBody>
+          <a:bodyPr vert="horz" lIns="91440" tIns="45720" rIns="91440" bIns="45720" rtlCol="0" anchor="b"/>
+          <a:lstStyle>
+            <a:lvl1pPr algn="l">
+              <a:defRPr sz="1200"/>
+            </a:lvl1pPr>
+          </a:lstStyle>
+          <a:p>
+            <a:endParaRPr lang="en-GB"/>
+          </a:p>
+        </p:txBody>
+      </p:sp>
+      <p:sp>
+        <p:nvSpPr>
+          <p:cNvPr id="7" name="Slide Number Placeholder 6"/>
+          <p:cNvSpPr>
+            <a:spLocks noGrp="1"/>
+          </p:cNvSpPr>
+          <p:nvPr>
+            <p:ph type="sldNum" sz="quarter" idx="5"/>
+          </p:nvPr>
+        </p:nvSpPr>
+        <p:spPr>
+          <a:xfrm>
+            <a:off x="3884613" y="8685213"/>
+            <a:ext cx="2971800" cy="458787"/>
+          </a:xfrm>
+          <a:prstGeom prst="rect">
+            <a:avLst/>
+          </a:prstGeom>
+        </p:spPr>
+        <p:txBody>
+          <a:bodyPr vert="horz" lIns="91440" tIns="45720" rIns="91440" bIns="45720" rtlCol="0" anchor="b"/>
+          <a:lstStyle>
+            <a:lvl1pPr algn="r">
+              <a:defRPr sz="1200"/>
+            </a:lvl1pPr>
+          </a:lstStyle>
+          <a:p>
+            <a:fld id="{23448C75-6FAC-4900-AA69-1876E864B2D3}" type="slidenum">
+              <a:rPr lang="en-GB" smtClean="0"/>
+              <a:t>‹#›</a:t>
+            </a:fld>
+            <a:endParaRPr lang="en-GB"/>
+          </a:p>
+        </p:txBody>
+      </p:sp>
+    </p:spTree>
+    <p:extLst>
+      <p:ext uri="{BB962C8B-B14F-4D97-AF65-F5344CB8AC3E}">
+        <p14:creationId xmlns:p14="http://schemas.microsoft.com/office/powerpoint/2010/main" val="1315771698"/>
+      </p:ext>
+    </p:extLst>
+  </p:cSld>
+  <p:clrMap bg1="lt1" tx1="dk1" bg2="lt2" tx2="dk2" accent1="accent1" accent2="accent2" accent3="accent3" accent4="accent4" accent5="accent5" accent6="accent6" hlink="hlink" folHlink="folHlink"/>
+  <p:notesStyle>
+    <a:lvl1pPr marL="0" algn="l" defTabSz="914400" rtl="0" eaLnBrk="1" latinLnBrk="0" hangingPunct="1">
+      <a:defRPr sz="1200" kern="1200">
+        <a:solidFill>
+          <a:schemeClr val="tx1"/>
+        </a:solidFill>
+        <a:latin typeface="+mn-lt"/>
+        <a:ea typeface="+mn-ea"/>
+        <a:cs typeface="+mn-cs"/>
+      </a:defRPr>
+    </a:lvl1pPr>
+    <a:lvl2pPr marL="457200" algn="l" defTabSz="914400" rtl="0" eaLnBrk="1" latinLnBrk="0" hangingPunct="1">
+      <a:defRPr sz="1200" kern="1200">
+        <a:solidFill>
+          <a:schemeClr val="tx1"/>
+        </a:solidFill>
+        <a:latin typeface="+mn-lt"/>
+        <a:ea typeface="+mn-ea"/>
+        <a:cs typeface="+mn-cs"/>
+      </a:defRPr>
+    </a:lvl2pPr>
+    <a:lvl3pPr marL="914400" algn="l" defTabSz="914400" rtl="0" eaLnBrk="1" latinLnBrk="0" hangingPunct="1">
+      <a:defRPr sz="1200" kern="1200">
+        <a:solidFill>
+          <a:schemeClr val="tx1"/>
+        </a:solidFill>
+        <a:latin typeface="+mn-lt"/>
+        <a:ea typeface="+mn-ea"/>
+        <a:cs typeface="+mn-cs"/>
+      </a:defRPr>
+    </a:lvl3pPr>
+    <a:lvl4pPr marL="1371600" algn="l" defTabSz="914400" rtl="0" eaLnBrk="1" latinLnBrk="0" hangingPunct="1">
+      <a:defRPr sz="1200" kern="1200">
+        <a:solidFill>
+          <a:schemeClr val="tx1"/>
+        </a:solidFill>
+        <a:latin typeface="+mn-lt"/>
+        <a:ea typeface="+mn-ea"/>
+        <a:cs typeface="+mn-cs"/>
+      </a:defRPr>
+    </a:lvl4pPr>
+    <a:lvl5pPr marL="1828800" algn="l" defTabSz="914400" rtl="0" eaLnBrk="1" latinLnBrk="0" hangingPunct="1">
+      <a:defRPr sz="1200" kern="1200">
+        <a:solidFill>
+          <a:schemeClr val="tx1"/>
+        </a:solidFill>
+        <a:latin typeface="+mn-lt"/>
+        <a:ea typeface="+mn-ea"/>
+        <a:cs typeface="+mn-cs"/>
+      </a:defRPr>
+    </a:lvl5pPr>
+    <a:lvl6pPr marL="2286000" algn="l" defTabSz="914400" rtl="0" eaLnBrk="1" latinLnBrk="0" hangingPunct="1">
+      <a:defRPr sz="1200" kern="1200">
+        <a:solidFill>
+          <a:schemeClr val="tx1"/>
+        </a:solidFill>
+        <a:latin typeface="+mn-lt"/>
+        <a:ea typeface="+mn-ea"/>
+        <a:cs typeface="+mn-cs"/>
+      </a:defRPr>
+    </a:lvl6pPr>
+    <a:lvl7pPr marL="2743200" algn="l" defTabSz="914400" rtl="0" eaLnBrk="1" latinLnBrk="0" hangingPunct="1">
+      <a:defRPr sz="1200" kern="1200">
+        <a:solidFill>
+          <a:schemeClr val="tx1"/>
+        </a:solidFill>
+        <a:latin typeface="+mn-lt"/>
+        <a:ea typeface="+mn-ea"/>
+        <a:cs typeface="+mn-cs"/>
+      </a:defRPr>
+    </a:lvl7pPr>
+    <a:lvl8pPr marL="3200400" algn="l" defTabSz="914400" rtl="0" eaLnBrk="1" latinLnBrk="0" hangingPunct="1">
+      <a:defRPr sz="1200" kern="1200">
+        <a:solidFill>
+          <a:schemeClr val="tx1"/>
+        </a:solidFill>
+        <a:latin typeface="+mn-lt"/>
+        <a:ea typeface="+mn-ea"/>
+        <a:cs typeface="+mn-cs"/>
+      </a:defRPr>
+    </a:lvl8pPr>
+    <a:lvl9pPr marL="3657600" algn="l" defTabSz="914400" rtl="0" eaLnBrk="1" latinLnBrk="0" hangingPunct="1">
+      <a:defRPr sz="1200" kern="1200">
+        <a:solidFill>
+          <a:schemeClr val="tx1"/>
+        </a:solidFill>
+        <a:latin typeface="+mn-lt"/>
+        <a:ea typeface="+mn-ea"/>
+        <a:cs typeface="+mn-cs"/>
+      </a:defRPr>
+    </a:lvl9pPr>
+  </p:notesStyle>
+</p:notesMaster>
+</file>
+
+<file path=ppt/notesSlides/notesSlide1.xml><?xml version="1.0" encoding="utf-8"?>
+<p:notes xmlns:a="http://schemas.openxmlformats.org/drawingml/2006/main" xmlns:r="http://schemas.openxmlformats.org/officeDocument/2006/relationships" xmlns:p="http://schemas.openxmlformats.org/presentationml/2006/main">
+  <p:cSld>
+    <p:spTree>
+      <p:nvGrpSpPr>
+        <p:cNvPr id="1" name=""/>
+        <p:cNvGrpSpPr/>
+        <p:nvPr/>
+      </p:nvGrpSpPr>
+      <p:grpSpPr>
+        <a:xfrm>
+          <a:off x="0" y="0"/>
+          <a:ext cx="0" cy="0"/>
+          <a:chOff x="0" y="0"/>
+          <a:chExt cx="0" cy="0"/>
+        </a:xfrm>
+      </p:grpSpPr>
+      <p:sp>
+        <p:nvSpPr>
+          <p:cNvPr id="2" name="Slide Image Placeholder 1"/>
+          <p:cNvSpPr>
+            <a:spLocks noGrp="1" noRot="1" noChangeAspect="1"/>
+          </p:cNvSpPr>
+          <p:nvPr>
+            <p:ph type="sldImg"/>
+          </p:nvPr>
+        </p:nvSpPr>
+        <p:spPr/>
+      </p:sp>
+      <p:sp>
+        <p:nvSpPr>
+          <p:cNvPr id="3" name="Notes Placeholder 2"/>
+          <p:cNvSpPr>
+            <a:spLocks noGrp="1"/>
+          </p:cNvSpPr>
+          <p:nvPr>
+            <p:ph type="body" idx="1"/>
+          </p:nvPr>
+        </p:nvSpPr>
+        <p:spPr/>
+        <p:txBody>
+          <a:bodyPr/>
+          <a:lstStyle/>
+          <a:p>
+            <a:endParaRPr lang="en-GB" dirty="0"/>
+          </a:p>
+        </p:txBody>
+      </p:sp>
+      <p:sp>
+        <p:nvSpPr>
+          <p:cNvPr id="4" name="Slide Number Placeholder 3"/>
+          <p:cNvSpPr>
+            <a:spLocks noGrp="1"/>
+          </p:cNvSpPr>
+          <p:nvPr>
+            <p:ph type="sldNum" sz="quarter" idx="5"/>
+          </p:nvPr>
+        </p:nvSpPr>
+        <p:spPr/>
+        <p:txBody>
+          <a:bodyPr/>
+          <a:lstStyle/>
+          <a:p>
+            <a:fld id="{23448C75-6FAC-4900-AA69-1876E864B2D3}" type="slidenum">
+              <a:rPr lang="en-GB" smtClean="0"/>
+              <a:t>17</a:t>
+            </a:fld>
+            <a:endParaRPr lang="en-GB"/>
+          </a:p>
+        </p:txBody>
+      </p:sp>
+    </p:spTree>
+    <p:extLst>
+      <p:ext uri="{BB962C8B-B14F-4D97-AF65-F5344CB8AC3E}">
+        <p14:creationId xmlns:p14="http://schemas.microsoft.com/office/powerpoint/2010/main" val="3717069779"/>
+      </p:ext>
+    </p:extLst>
+  </p:cSld>
+  <p:clrMapOvr>
+    <a:masterClrMapping/>
+  </p:clrMapOvr>
+</p:notes>
+</file>
+
 <file path=ppt/slideLayouts/slideLayout1.xml><?xml version="1.0" encoding="utf-8"?>
 <p:sldLayout xmlns:a="http://schemas.openxmlformats.org/drawingml/2006/main" xmlns:r="http://schemas.openxmlformats.org/officeDocument/2006/relationships" xmlns:p="http://schemas.openxmlformats.org/presentationml/2006/main" type="title" preserve="1">
   <p:cSld name="Title Slide">
@@ -290,7 +727,7 @@
           <a:p>
             <a:fld id="{CF74EDA2-A3D8-44A3-A89B-0F29AADCE6D8}" type="datetimeFigureOut">
               <a:rPr lang="it-IT" smtClean="0"/>
-              <a:t>11/02/2024</a:t>
+              <a:t>12/02/2024</a:t>
             </a:fld>
             <a:endParaRPr lang="it-IT"/>
           </a:p>
@@ -490,7 +927,7 @@
           <a:p>
             <a:fld id="{CF74EDA2-A3D8-44A3-A89B-0F29AADCE6D8}" type="datetimeFigureOut">
               <a:rPr lang="it-IT" smtClean="0"/>
-              <a:t>11/02/2024</a:t>
+              <a:t>12/02/2024</a:t>
             </a:fld>
             <a:endParaRPr lang="it-IT"/>
           </a:p>
@@ -700,7 +1137,7 @@
           <a:p>
             <a:fld id="{CF74EDA2-A3D8-44A3-A89B-0F29AADCE6D8}" type="datetimeFigureOut">
               <a:rPr lang="it-IT" smtClean="0"/>
-              <a:t>11/02/2024</a:t>
+              <a:t>12/02/2024</a:t>
             </a:fld>
             <a:endParaRPr lang="it-IT"/>
           </a:p>
@@ -900,7 +1337,7 @@
           <a:p>
             <a:fld id="{CF74EDA2-A3D8-44A3-A89B-0F29AADCE6D8}" type="datetimeFigureOut">
               <a:rPr lang="it-IT" smtClean="0"/>
-              <a:t>11/02/2024</a:t>
+              <a:t>12/02/2024</a:t>
             </a:fld>
             <a:endParaRPr lang="it-IT"/>
           </a:p>
@@ -1176,7 +1613,7 @@
           <a:p>
             <a:fld id="{CF74EDA2-A3D8-44A3-A89B-0F29AADCE6D8}" type="datetimeFigureOut">
               <a:rPr lang="it-IT" smtClean="0"/>
-              <a:t>11/02/2024</a:t>
+              <a:t>12/02/2024</a:t>
             </a:fld>
             <a:endParaRPr lang="it-IT"/>
           </a:p>
@@ -1444,7 +1881,7 @@
           <a:p>
             <a:fld id="{CF74EDA2-A3D8-44A3-A89B-0F29AADCE6D8}" type="datetimeFigureOut">
               <a:rPr lang="it-IT" smtClean="0"/>
-              <a:t>11/02/2024</a:t>
+              <a:t>12/02/2024</a:t>
             </a:fld>
             <a:endParaRPr lang="it-IT"/>
           </a:p>
@@ -1859,7 +2296,7 @@
           <a:p>
             <a:fld id="{CF74EDA2-A3D8-44A3-A89B-0F29AADCE6D8}" type="datetimeFigureOut">
               <a:rPr lang="it-IT" smtClean="0"/>
-              <a:t>11/02/2024</a:t>
+              <a:t>12/02/2024</a:t>
             </a:fld>
             <a:endParaRPr lang="it-IT"/>
           </a:p>
@@ -2001,7 +2438,7 @@
           <a:p>
             <a:fld id="{CF74EDA2-A3D8-44A3-A89B-0F29AADCE6D8}" type="datetimeFigureOut">
               <a:rPr lang="it-IT" smtClean="0"/>
-              <a:t>11/02/2024</a:t>
+              <a:t>12/02/2024</a:t>
             </a:fld>
             <a:endParaRPr lang="it-IT"/>
           </a:p>
@@ -2114,7 +2551,7 @@
           <a:p>
             <a:fld id="{CF74EDA2-A3D8-44A3-A89B-0F29AADCE6D8}" type="datetimeFigureOut">
               <a:rPr lang="it-IT" smtClean="0"/>
-              <a:t>11/02/2024</a:t>
+              <a:t>12/02/2024</a:t>
             </a:fld>
             <a:endParaRPr lang="it-IT"/>
           </a:p>
@@ -2427,7 +2864,7 @@
           <a:p>
             <a:fld id="{CF74EDA2-A3D8-44A3-A89B-0F29AADCE6D8}" type="datetimeFigureOut">
               <a:rPr lang="it-IT" smtClean="0"/>
-              <a:t>11/02/2024</a:t>
+              <a:t>12/02/2024</a:t>
             </a:fld>
             <a:endParaRPr lang="it-IT"/>
           </a:p>
@@ -2716,7 +3153,7 @@
           <a:p>
             <a:fld id="{CF74EDA2-A3D8-44A3-A89B-0F29AADCE6D8}" type="datetimeFigureOut">
               <a:rPr lang="it-IT" smtClean="0"/>
-              <a:t>11/02/2024</a:t>
+              <a:t>12/02/2024</a:t>
             </a:fld>
             <a:endParaRPr lang="it-IT"/>
           </a:p>
@@ -2959,7 +3396,7 @@
           <a:p>
             <a:fld id="{CF74EDA2-A3D8-44A3-A89B-0F29AADCE6D8}" type="datetimeFigureOut">
               <a:rPr lang="it-IT" smtClean="0"/>
-              <a:t>11/02/2024</a:t>
+              <a:t>12/02/2024</a:t>
             </a:fld>
             <a:endParaRPr lang="it-IT"/>
           </a:p>
@@ -3622,7 +4059,7 @@
         <p:spPr>
           <a:xfrm>
             <a:off x="1936831" y="2740392"/>
-            <a:ext cx="8318339" cy="460901"/>
+            <a:ext cx="8318339" cy="3087461"/>
           </a:xfrm>
         </p:spPr>
         <p:txBody>
@@ -3633,7 +4070,31 @@
               <a:rPr lang="it-IT" dirty="0">
                 <a:latin typeface="Bahnschrift Condensed" panose="020B0502040204020203" pitchFamily="34" charset="0"/>
               </a:rPr>
-              <a:t>Cristian Lorenzi, Filippo Gottardo, Giulia Pegoraro, Edoardo Di Pietrantonio</a:t>
+              <a:t>Cristian Lorenzi – IL GOAT</a:t>
+            </a:r>
+          </a:p>
+          <a:p>
+            <a:r>
+              <a:rPr lang="it-IT" dirty="0">
+                <a:latin typeface="Bahnschrift Condensed" panose="020B0502040204020203" pitchFamily="34" charset="0"/>
+              </a:rPr>
+              <a:t>Filippo Gottardo – THE DUNGEON MASTER</a:t>
+            </a:r>
+          </a:p>
+          <a:p>
+            <a:r>
+              <a:rPr lang="it-IT" dirty="0">
+                <a:latin typeface="Bahnschrift Condensed" panose="020B0502040204020203" pitchFamily="34" charset="0"/>
+              </a:rPr>
+              <a:t>Giulia Pegoraro – THE C1 ENGLISH TEACHER</a:t>
+            </a:r>
+          </a:p>
+          <a:p>
+            <a:r>
+              <a:rPr lang="it-IT" dirty="0">
+                <a:latin typeface="Bahnschrift Condensed" panose="020B0502040204020203" pitchFamily="34" charset="0"/>
+              </a:rPr>
+              <a:t>Edoardo Di Pietrantonio</a:t>
             </a:r>
           </a:p>
         </p:txBody>
@@ -3700,6 +4161,14 @@
   <p:clrMapOvr>
     <a:masterClrMapping/>
   </p:clrMapOvr>
+  <mc:AlternateContent xmlns:mc="http://schemas.openxmlformats.org/markup-compatibility/2006">
+    <mc:Choice xmlns:p14="http://schemas.microsoft.com/office/powerpoint/2010/main" Requires="p14">
+      <p:transition spd="slow" p14:dur="2000" advClick="0" advTm="0"/>
+    </mc:Choice>
+    <mc:Fallback>
+      <p:transition spd="slow" advClick="0" advTm="0"/>
+    </mc:Fallback>
+  </mc:AlternateContent>
 </p:sld>
 </file>
 
@@ -5976,28 +6445,34 @@
               <a:buAutoNum type="arabicPeriod"/>
             </a:pPr>
             <a:r>
-              <a:rPr lang="it-IT" sz="2000" dirty="0" err="1">
+              <a:rPr lang="it-IT" sz="2000" b="1" dirty="0" err="1">
                 <a:latin typeface="Bahnschrift SemiCondensed" panose="020B0502040204020203" pitchFamily="34" charset="0"/>
               </a:rPr>
               <a:t>Perform</a:t>
             </a:r>
             <a:r>
+              <a:rPr lang="it-IT" sz="2000" b="1" dirty="0">
+                <a:latin typeface="Bahnschrift SemiCondensed" panose="020B0502040204020203" pitchFamily="34" charset="0"/>
+              </a:rPr>
+              <a:t> N </a:t>
+            </a:r>
+            <a:r>
+              <a:rPr lang="it-IT" sz="2000" b="1" dirty="0" err="1">
+                <a:latin typeface="Bahnschrift SemiCondensed" panose="020B0502040204020203" pitchFamily="34" charset="0"/>
+              </a:rPr>
+              <a:t>simulations</a:t>
+            </a:r>
+            <a:r>
+              <a:rPr lang="it-IT" sz="2000" b="1" dirty="0">
+                <a:latin typeface="Bahnschrift SemiCondensed" panose="020B0502040204020203" pitchFamily="34" charset="0"/>
+              </a:rPr>
+              <a:t> </a:t>
+            </a:r>
+            <a:r>
               <a:rPr lang="it-IT" sz="2000" dirty="0">
                 <a:latin typeface="Bahnschrift SemiCondensed" panose="020B0502040204020203" pitchFamily="34" charset="0"/>
               </a:rPr>
-              <a:t> N </a:t>
-            </a:r>
-            <a:r>
-              <a:rPr lang="it-IT" sz="2000" dirty="0" err="1">
-                <a:latin typeface="Bahnschrift SemiCondensed" panose="020B0502040204020203" pitchFamily="34" charset="0"/>
-              </a:rPr>
-              <a:t>simulations</a:t>
-            </a:r>
-            <a:r>
-              <a:rPr lang="it-IT" sz="2000" dirty="0">
-                <a:latin typeface="Bahnschrift SemiCondensed" panose="020B0502040204020203" pitchFamily="34" charset="0"/>
-              </a:rPr>
-              <a:t> with random </a:t>
+              <a:t>with random </a:t>
             </a:r>
             <a:r>
               <a:rPr lang="it-IT" sz="2000" dirty="0" err="1">
@@ -6069,16 +6544,22 @@
               <a:t>To compute the </a:t>
             </a:r>
             <a:r>
-              <a:rPr lang="it-IT" sz="2000" dirty="0" err="1">
+              <a:rPr lang="it-IT" sz="2000" b="1" dirty="0" err="1">
                 <a:latin typeface="Bahnschrift SemiCondensed" panose="020B0502040204020203" pitchFamily="34" charset="0"/>
               </a:rPr>
               <a:t>convergence</a:t>
             </a:r>
             <a:r>
+              <a:rPr lang="it-IT" sz="2000" b="1" dirty="0">
+                <a:latin typeface="Bahnschrift SemiCondensed" panose="020B0502040204020203" pitchFamily="34" charset="0"/>
+              </a:rPr>
+              <a:t> score </a:t>
+            </a:r>
+            <a:r>
               <a:rPr lang="it-IT" sz="2000" dirty="0">
                 <a:latin typeface="Bahnschrift SemiCondensed" panose="020B0502040204020203" pitchFamily="34" charset="0"/>
               </a:rPr>
-              <a:t> score just </a:t>
+              <a:t>just </a:t>
             </a:r>
             <a:r>
               <a:rPr lang="it-IT" sz="2000" dirty="0" err="1">
@@ -6168,103 +6649,103 @@
               <a:buAutoNum type="arabicPeriod"/>
             </a:pPr>
             <a:r>
+              <a:rPr lang="it-IT" sz="2000" b="1" dirty="0" err="1">
+                <a:latin typeface="Bahnschrift SemiCondensed" panose="020B0502040204020203" pitchFamily="34" charset="0"/>
+              </a:rPr>
+              <a:t>If</a:t>
+            </a:r>
+            <a:r>
+              <a:rPr lang="it-IT" sz="2000" b="1" dirty="0">
+                <a:latin typeface="Bahnschrift SemiCondensed" panose="020B0502040204020203" pitchFamily="34" charset="0"/>
+              </a:rPr>
+              <a:t> </a:t>
+            </a:r>
+            <a:r>
+              <a:rPr lang="it-IT" sz="2000" b="1" dirty="0" err="1">
+                <a:latin typeface="Bahnschrift SemiCondensed" panose="020B0502040204020203" pitchFamily="34" charset="0"/>
+              </a:rPr>
+              <a:t>proper</a:t>
+            </a:r>
+            <a:r>
+              <a:rPr lang="it-IT" sz="2000" b="1" dirty="0">
+                <a:latin typeface="Bahnschrift SemiCondensed" panose="020B0502040204020203" pitchFamily="34" charset="0"/>
+              </a:rPr>
+              <a:t> tracking </a:t>
+            </a:r>
+            <a:r>
+              <a:rPr lang="it-IT" sz="2000" b="1" dirty="0" err="1">
+                <a:latin typeface="Bahnschrift SemiCondensed" panose="020B0502040204020203" pitchFamily="34" charset="0"/>
+              </a:rPr>
+              <a:t>is</a:t>
+            </a:r>
+            <a:r>
+              <a:rPr lang="it-IT" sz="2000" b="1" dirty="0">
+                <a:latin typeface="Bahnschrift SemiCondensed" panose="020B0502040204020203" pitchFamily="34" charset="0"/>
+              </a:rPr>
+              <a:t> </a:t>
+            </a:r>
+            <a:r>
+              <a:rPr lang="it-IT" sz="2000" b="1" dirty="0" err="1">
+                <a:latin typeface="Bahnschrift SemiCondensed" panose="020B0502040204020203" pitchFamily="34" charset="0"/>
+              </a:rPr>
+              <a:t>achieved</a:t>
+            </a:r>
+            <a:r>
+              <a:rPr lang="it-IT" sz="2000" b="1" dirty="0">
+                <a:latin typeface="Bahnschrift SemiCondensed" panose="020B0502040204020203" pitchFamily="34" charset="0"/>
+              </a:rPr>
+              <a:t> </a:t>
+            </a:r>
+            <a:r>
               <a:rPr lang="it-IT" sz="2000" dirty="0" err="1">
                 <a:latin typeface="Bahnschrift SemiCondensed" panose="020B0502040204020203" pitchFamily="34" charset="0"/>
               </a:rPr>
-              <a:t>If</a:t>
+              <a:t>proximity</a:t>
             </a:r>
             <a:r>
               <a:rPr lang="it-IT" sz="2000" dirty="0">
                 <a:latin typeface="Bahnschrift SemiCondensed" panose="020B0502040204020203" pitchFamily="34" charset="0"/>
               </a:rPr>
+              <a:t> test </a:t>
+            </a:r>
+            <a:r>
+              <a:rPr lang="it-IT" sz="2000" b="1" dirty="0" err="1">
+                <a:latin typeface="Bahnschrift SemiCondensed" panose="020B0502040204020203" pitchFamily="34" charset="0"/>
+              </a:rPr>
+              <a:t>returns</a:t>
+            </a:r>
+            <a:r>
+              <a:rPr lang="it-IT" sz="2000" b="1" dirty="0">
+                <a:latin typeface="Bahnschrift SemiCondensed" panose="020B0502040204020203" pitchFamily="34" charset="0"/>
+              </a:rPr>
+              <a:t> the </a:t>
+            </a:r>
+            <a:r>
+              <a:rPr lang="it-IT" sz="2000" b="1" dirty="0" err="1">
+                <a:latin typeface="Bahnschrift SemiCondensed" panose="020B0502040204020203" pitchFamily="34" charset="0"/>
+              </a:rPr>
+              <a:t>distance</a:t>
+            </a:r>
+            <a:r>
+              <a:rPr lang="it-IT" sz="2000" b="1" dirty="0">
+                <a:latin typeface="Bahnschrift SemiCondensed" panose="020B0502040204020203" pitchFamily="34" charset="0"/>
+              </a:rPr>
+              <a:t> from </a:t>
+            </a:r>
+            <a:r>
+              <a:rPr lang="it-IT" sz="2000" b="1" dirty="0" err="1">
+                <a:latin typeface="Bahnschrift SemiCondensed" panose="020B0502040204020203" pitchFamily="34" charset="0"/>
+              </a:rPr>
+              <a:t>desired</a:t>
+            </a:r>
+            <a:r>
+              <a:rPr lang="it-IT" sz="2000" b="1" dirty="0">
+                <a:latin typeface="Bahnschrift SemiCondensed" panose="020B0502040204020203" pitchFamily="34" charset="0"/>
+              </a:rPr>
               <a:t> </a:t>
             </a:r>
             <a:r>
-              <a:rPr lang="it-IT" sz="2000" dirty="0" err="1">
-                <a:latin typeface="Bahnschrift SemiCondensed" panose="020B0502040204020203" pitchFamily="34" charset="0"/>
-              </a:rPr>
-              <a:t>proper</a:t>
-            </a:r>
-            <a:r>
-              <a:rPr lang="it-IT" sz="2000" dirty="0">
-                <a:latin typeface="Bahnschrift SemiCondensed" panose="020B0502040204020203" pitchFamily="34" charset="0"/>
-              </a:rPr>
-              <a:t> tracking </a:t>
-            </a:r>
-            <a:r>
-              <a:rPr lang="it-IT" sz="2000" dirty="0" err="1">
-                <a:latin typeface="Bahnschrift SemiCondensed" panose="020B0502040204020203" pitchFamily="34" charset="0"/>
-              </a:rPr>
-              <a:t>is</a:t>
-            </a:r>
-            <a:r>
-              <a:rPr lang="it-IT" sz="2000" dirty="0">
-                <a:latin typeface="Bahnschrift SemiCondensed" panose="020B0502040204020203" pitchFamily="34" charset="0"/>
-              </a:rPr>
-              <a:t> </a:t>
-            </a:r>
-            <a:r>
-              <a:rPr lang="it-IT" sz="2000" dirty="0" err="1">
-                <a:latin typeface="Bahnschrift SemiCondensed" panose="020B0502040204020203" pitchFamily="34" charset="0"/>
-              </a:rPr>
-              <a:t>achieved</a:t>
-            </a:r>
-            <a:r>
-              <a:rPr lang="it-IT" sz="2000" dirty="0">
-                <a:latin typeface="Bahnschrift SemiCondensed" panose="020B0502040204020203" pitchFamily="34" charset="0"/>
-              </a:rPr>
-              <a:t> </a:t>
-            </a:r>
-            <a:r>
-              <a:rPr lang="it-IT" sz="2000" dirty="0" err="1">
-                <a:latin typeface="Bahnschrift SemiCondensed" panose="020B0502040204020203" pitchFamily="34" charset="0"/>
-              </a:rPr>
-              <a:t>proximity</a:t>
-            </a:r>
-            <a:r>
-              <a:rPr lang="it-IT" sz="2000" dirty="0">
-                <a:latin typeface="Bahnschrift SemiCondensed" panose="020B0502040204020203" pitchFamily="34" charset="0"/>
-              </a:rPr>
-              <a:t> </a:t>
-            </a:r>
-            <a:r>
-              <a:rPr lang="it-IT" sz="2000" dirty="0" err="1">
-                <a:latin typeface="Bahnschrift SemiCondensed" panose="020B0502040204020203" pitchFamily="34" charset="0"/>
-              </a:rPr>
-              <a:t>returns</a:t>
-            </a:r>
-            <a:r>
-              <a:rPr lang="it-IT" sz="2000" dirty="0">
-                <a:latin typeface="Bahnschrift SemiCondensed" panose="020B0502040204020203" pitchFamily="34" charset="0"/>
-              </a:rPr>
-              <a:t> the </a:t>
-            </a:r>
-            <a:r>
-              <a:rPr lang="it-IT" sz="2000" dirty="0" err="1">
-                <a:latin typeface="Bahnschrift SemiCondensed" panose="020B0502040204020203" pitchFamily="34" charset="0"/>
-              </a:rPr>
-              <a:t>distance</a:t>
-            </a:r>
-            <a:r>
-              <a:rPr lang="it-IT" sz="2000" dirty="0">
-                <a:latin typeface="Bahnschrift SemiCondensed" panose="020B0502040204020203" pitchFamily="34" charset="0"/>
-              </a:rPr>
-              <a:t> from </a:t>
-            </a:r>
-            <a:r>
-              <a:rPr lang="it-IT" sz="2000" dirty="0" err="1">
-                <a:latin typeface="Bahnschrift SemiCondensed" panose="020B0502040204020203" pitchFamily="34" charset="0"/>
-              </a:rPr>
-              <a:t>desired</a:t>
-            </a:r>
-            <a:r>
-              <a:rPr lang="it-IT" sz="2000" dirty="0">
-                <a:latin typeface="Bahnschrift SemiCondensed" panose="020B0502040204020203" pitchFamily="34" charset="0"/>
-              </a:rPr>
-              <a:t> </a:t>
-            </a:r>
-            <a:r>
-              <a:rPr lang="it-IT" sz="2000" dirty="0" err="1">
+              <a:rPr lang="it-IT" sz="2000" b="1" dirty="0" err="1">
                 <a:latin typeface="Bahnschrift SemiCondensed" panose="020B0502040204020203" pitchFamily="34" charset="0"/>
               </a:rPr>
               <a:t>trajectory</a:t>
@@ -6346,10 +6827,10 @@
       </p:grpSpPr>
       <p:sp>
         <p:nvSpPr>
-          <p:cNvPr id="12" name="Rectangle 11">
+          <p:cNvPr id="25" name="Rectangle 24">
             <a:extLst>
               <a:ext uri="{FF2B5EF4-FFF2-40B4-BE49-F238E27FC236}">
-                <a16:creationId xmlns:a16="http://schemas.microsoft.com/office/drawing/2014/main" id="{52E79449-FA6D-BFA1-3AC3-2FF2D2669295}"/>
+                <a16:creationId xmlns:a16="http://schemas.microsoft.com/office/drawing/2014/main" id="{F0C3E3FF-6E4C-7523-0BD4-BEDA6EB5875C}"/>
               </a:ext>
             </a:extLst>
           </p:cNvPr>
@@ -6393,7 +6874,8 @@
           <a:bodyPr rtlCol="0" anchor="ctr"/>
           <a:lstStyle/>
           <a:p>
-            <a:endParaRPr lang="en-GB" dirty="0"/>
+            <a:pPr algn="ctr"/>
+            <a:endParaRPr lang="en-GB"/>
           </a:p>
         </p:txBody>
       </p:sp>
@@ -6411,7 +6893,7 @@
         </p:nvSpPr>
         <p:spPr>
           <a:xfrm rot="18900000">
-            <a:off x="-2034582" y="2237427"/>
+            <a:off x="-2098589" y="2338012"/>
             <a:ext cx="11231309" cy="1943100"/>
           </a:xfrm>
           <a:prstGeom prst="rect">
@@ -6571,8 +7053,8 @@
         </p:nvSpPr>
         <p:spPr>
           <a:xfrm>
-            <a:off x="0" y="365125"/>
-            <a:ext cx="12192000" cy="1325563"/>
+            <a:off x="0" y="2132"/>
+            <a:ext cx="12192000" cy="976276"/>
           </a:xfrm>
         </p:spPr>
         <p:txBody>
@@ -6619,49 +7101,8 @@
         </p:blipFill>
         <p:spPr>
           <a:xfrm>
-            <a:off x="1205518" y="1472185"/>
+            <a:off x="2677702" y="830980"/>
             <a:ext cx="6836596" cy="2241870"/>
-          </a:xfrm>
-          <a:prstGeom prst="rect">
-            <a:avLst/>
-          </a:prstGeom>
-          <a:ln w="28575">
-            <a:solidFill>
-              <a:schemeClr val="tx1"/>
-            </a:solidFill>
-          </a:ln>
-        </p:spPr>
-      </p:pic>
-      <p:pic>
-        <p:nvPicPr>
-          <p:cNvPr id="14" name="Picture 13">
-            <a:extLst>
-              <a:ext uri="{FF2B5EF4-FFF2-40B4-BE49-F238E27FC236}">
-                <a16:creationId xmlns:a16="http://schemas.microsoft.com/office/drawing/2014/main" id="{F284BAFE-7A9D-FB80-8CDC-3AAB29D8D09B}"/>
-              </a:ext>
-            </a:extLst>
-          </p:cNvPr>
-          <p:cNvPicPr>
-            <a:picLocks noChangeAspect="1"/>
-          </p:cNvPicPr>
-          <p:nvPr/>
-        </p:nvPicPr>
-        <p:blipFill>
-          <a:blip r:embed="rId3">
-            <a:extLst>
-              <a:ext uri="{28A0092B-C50C-407E-A947-70E740481C1C}">
-                <a14:useLocalDpi xmlns:a14="http://schemas.microsoft.com/office/drawing/2010/main" val="0"/>
-              </a:ext>
-            </a:extLst>
-          </a:blip>
-          <a:stretch>
-            <a:fillRect/>
-          </a:stretch>
-        </p:blipFill>
-        <p:spPr>
-          <a:xfrm>
-            <a:off x="2065193" y="4444839"/>
-            <a:ext cx="1950889" cy="899238"/>
           </a:xfrm>
           <a:prstGeom prst="rect">
             <a:avLst/>
@@ -6689,8 +7130,8 @@
         </p:nvSpPr>
         <p:spPr>
           <a:xfrm>
-            <a:off x="4992625" y="3909325"/>
-            <a:ext cx="6145230" cy="1970267"/>
+            <a:off x="7866640" y="3898769"/>
+            <a:ext cx="3116417" cy="1750873"/>
           </a:xfrm>
           <a:prstGeom prst="rect">
             <a:avLst/>
@@ -6895,15 +7336,13 @@
               <a:rPr lang="it-IT" sz="2000" dirty="0">
                 <a:latin typeface="Bahnschrift SemiCondensed" panose="020B0502040204020203" pitchFamily="34" charset="0"/>
               </a:rPr>
-              <a:t>:</a:t>
-            </a:r>
-          </a:p>
-          <a:p>
+              <a:t> </a:t>
+            </a:r>
             <a:r>
               <a:rPr lang="it-IT" sz="2000" b="1" dirty="0" err="1">
                 <a:latin typeface="Bahnschrift SemiCondensed" panose="020B0502040204020203" pitchFamily="34" charset="0"/>
               </a:rPr>
-              <a:t>Asympatotically</a:t>
+              <a:t>asympatotically</a:t>
             </a:r>
             <a:r>
               <a:rPr lang="it-IT" sz="2000" b="1" dirty="0">
@@ -6993,22 +7432,1365 @@
               <a:latin typeface="Bahnschrift SemiCondensed" panose="020B0502040204020203" pitchFamily="34" charset="0"/>
             </a:endParaRPr>
           </a:p>
-          <a:p>
-            <a:r>
-              <a:rPr lang="it-IT" sz="2000" dirty="0">
-                <a:latin typeface="Bahnschrift SemiCondensed" panose="020B0502040204020203" pitchFamily="34" charset="0"/>
-              </a:rPr>
-              <a:t>Backup </a:t>
-            </a:r>
-            <a:r>
-              <a:rPr lang="it-IT" sz="2000" dirty="0" err="1">
-                <a:latin typeface="Bahnschrift SemiCondensed" panose="020B0502040204020203" pitchFamily="34" charset="0"/>
-              </a:rPr>
-              <a:t>manuevers</a:t>
-            </a:r>
-            <a:endParaRPr lang="it-IT" sz="2000" dirty="0">
-              <a:latin typeface="Bahnschrift SemiCondensed" panose="020B0502040204020203" pitchFamily="34" charset="0"/>
-            </a:endParaRPr>
+        </p:txBody>
+      </p:sp>
+      <mc:AlternateContent xmlns:mc="http://schemas.openxmlformats.org/markup-compatibility/2006">
+        <mc:Choice xmlns:a14="http://schemas.microsoft.com/office/drawing/2010/main" Requires="a14">
+          <p:sp>
+            <p:nvSpPr>
+              <p:cNvPr id="7" name="TextBox 6">
+                <a:extLst>
+                  <a:ext uri="{FF2B5EF4-FFF2-40B4-BE49-F238E27FC236}">
+                    <a16:creationId xmlns:a16="http://schemas.microsoft.com/office/drawing/2014/main" id="{BECA56D0-456C-0612-70E3-033AD0685EE6}"/>
+                  </a:ext>
+                </a:extLst>
+              </p:cNvPr>
+              <p:cNvSpPr txBox="1"/>
+              <p:nvPr/>
+            </p:nvSpPr>
+            <p:spPr>
+              <a:xfrm>
+                <a:off x="3036085" y="3488828"/>
+                <a:ext cx="3811247" cy="825739"/>
+              </a:xfrm>
+              <a:prstGeom prst="rect">
+                <a:avLst/>
+              </a:prstGeom>
+              <a:noFill/>
+            </p:spPr>
+            <p:txBody>
+              <a:bodyPr wrap="square">
+                <a:spAutoFit/>
+              </a:bodyPr>
+              <a:lstStyle/>
+              <a:p>
+                <a:pPr/>
+                <a14:m>
+                  <m:oMathPara xmlns:m="http://schemas.openxmlformats.org/officeDocument/2006/math">
+                    <m:oMathParaPr>
+                      <m:jc m:val="centerGroup"/>
+                    </m:oMathParaPr>
+                    <m:oMath xmlns:m="http://schemas.openxmlformats.org/officeDocument/2006/math">
+                      <m:d>
+                        <m:dPr>
+                          <m:begChr m:val="["/>
+                          <m:endChr m:val="]"/>
+                          <m:ctrlPr>
+                            <a:rPr lang="en-GB" i="1" smtClean="0">
+                              <a:solidFill>
+                                <a:srgbClr val="836967"/>
+                              </a:solidFill>
+                              <a:latin typeface="Cambria Math" panose="02040503050406030204" pitchFamily="18" charset="0"/>
+                            </a:rPr>
+                          </m:ctrlPr>
+                        </m:dPr>
+                        <m:e>
+                          <m:m>
+                            <m:mPr>
+                              <m:plcHide m:val="on"/>
+                              <m:mcs>
+                                <m:mc>
+                                  <m:mcPr>
+                                    <m:count m:val="1"/>
+                                    <m:mcJc m:val="center"/>
+                                  </m:mcPr>
+                                </m:mc>
+                              </m:mcs>
+                              <m:ctrlPr>
+                                <a:rPr lang="en-GB" i="1">
+                                  <a:solidFill>
+                                    <a:srgbClr val="836967"/>
+                                  </a:solidFill>
+                                  <a:latin typeface="Cambria Math" panose="02040503050406030204" pitchFamily="18" charset="0"/>
+                                </a:rPr>
+                              </m:ctrlPr>
+                            </m:mPr>
+                            <m:mr>
+                              <m:e>
+                                <m:sSub>
+                                  <m:sSubPr>
+                                    <m:ctrlPr>
+                                      <a:rPr lang="en-GB" i="1">
+                                        <a:solidFill>
+                                          <a:srgbClr val="836967"/>
+                                        </a:solidFill>
+                                        <a:latin typeface="Cambria Math" panose="02040503050406030204" pitchFamily="18" charset="0"/>
+                                      </a:rPr>
+                                    </m:ctrlPr>
+                                  </m:sSubPr>
+                                  <m:e>
+                                    <m:r>
+                                      <a:rPr lang="en-GB" i="1">
+                                        <a:latin typeface="Cambria Math" panose="02040503050406030204" pitchFamily="18" charset="0"/>
+                                      </a:rPr>
+                                      <m:t>𝑢</m:t>
+                                    </m:r>
+                                  </m:e>
+                                  <m:sub>
+                                    <m:r>
+                                      <a:rPr lang="en-GB" i="0">
+                                        <a:latin typeface="Cambria Math" panose="02040503050406030204" pitchFamily="18" charset="0"/>
+                                      </a:rPr>
+                                      <m:t>1</m:t>
+                                    </m:r>
+                                  </m:sub>
+                                </m:sSub>
+                              </m:e>
+                            </m:mr>
+                            <m:mr>
+                              <m:e>
+                                <m:sSub>
+                                  <m:sSubPr>
+                                    <m:ctrlPr>
+                                      <a:rPr lang="en-GB" i="1">
+                                        <a:solidFill>
+                                          <a:srgbClr val="836967"/>
+                                        </a:solidFill>
+                                        <a:latin typeface="Cambria Math" panose="02040503050406030204" pitchFamily="18" charset="0"/>
+                                      </a:rPr>
+                                    </m:ctrlPr>
+                                  </m:sSubPr>
+                                  <m:e>
+                                    <m:r>
+                                      <a:rPr lang="en-GB" i="1">
+                                        <a:latin typeface="Cambria Math" panose="02040503050406030204" pitchFamily="18" charset="0"/>
+                                      </a:rPr>
+                                      <m:t>𝑢</m:t>
+                                    </m:r>
+                                  </m:e>
+                                  <m:sub>
+                                    <m:r>
+                                      <a:rPr lang="en-GB" i="0">
+                                        <a:latin typeface="Cambria Math" panose="02040503050406030204" pitchFamily="18" charset="0"/>
+                                      </a:rPr>
+                                      <m:t>2</m:t>
+                                    </m:r>
+                                  </m:sub>
+                                </m:sSub>
+                              </m:e>
+                            </m:mr>
+                          </m:m>
+                        </m:e>
+                      </m:d>
+                      <m:r>
+                        <a:rPr lang="en-GB" i="0">
+                          <a:latin typeface="Cambria Math" panose="02040503050406030204" pitchFamily="18" charset="0"/>
+                        </a:rPr>
+                        <m:t>=</m:t>
+                      </m:r>
+                      <m:d>
+                        <m:dPr>
+                          <m:begChr m:val="["/>
+                          <m:endChr m:val="]"/>
+                          <m:ctrlPr>
+                            <a:rPr lang="en-GB" i="1">
+                              <a:solidFill>
+                                <a:srgbClr val="836967"/>
+                              </a:solidFill>
+                              <a:latin typeface="Cambria Math" panose="02040503050406030204" pitchFamily="18" charset="0"/>
+                            </a:rPr>
+                          </m:ctrlPr>
+                        </m:dPr>
+                        <m:e>
+                          <m:m>
+                            <m:mPr>
+                              <m:plcHide m:val="on"/>
+                              <m:mcs>
+                                <m:mc>
+                                  <m:mcPr>
+                                    <m:count m:val="3"/>
+                                    <m:mcJc m:val="center"/>
+                                  </m:mcPr>
+                                </m:mc>
+                              </m:mcs>
+                              <m:ctrlPr>
+                                <a:rPr lang="en-GB" i="1">
+                                  <a:solidFill>
+                                    <a:srgbClr val="836967"/>
+                                  </a:solidFill>
+                                  <a:latin typeface="Cambria Math" panose="02040503050406030204" pitchFamily="18" charset="0"/>
+                                </a:rPr>
+                              </m:ctrlPr>
+                            </m:mPr>
+                            <m:mr>
+                              <m:e>
+                                <m:sSub>
+                                  <m:sSubPr>
+                                    <m:ctrlPr>
+                                      <a:rPr lang="en-GB" i="1">
+                                        <a:solidFill>
+                                          <a:srgbClr val="836967"/>
+                                        </a:solidFill>
+                                        <a:latin typeface="Cambria Math" panose="02040503050406030204" pitchFamily="18" charset="0"/>
+                                      </a:rPr>
+                                    </m:ctrlPr>
+                                  </m:sSubPr>
+                                  <m:e>
+                                    <m:r>
+                                      <a:rPr lang="en-GB" i="0">
+                                        <a:latin typeface="Cambria Math" panose="02040503050406030204" pitchFamily="18" charset="0"/>
+                                      </a:rPr>
+                                      <m:t>−</m:t>
+                                    </m:r>
+                                    <m:r>
+                                      <a:rPr lang="en-GB" i="1">
+                                        <a:latin typeface="Cambria Math" panose="02040503050406030204" pitchFamily="18" charset="0"/>
+                                      </a:rPr>
+                                      <m:t>𝐾</m:t>
+                                    </m:r>
+                                  </m:e>
+                                  <m:sub>
+                                    <m:r>
+                                      <a:rPr lang="en-GB" i="0">
+                                        <a:latin typeface="Cambria Math" panose="02040503050406030204" pitchFamily="18" charset="0"/>
+                                      </a:rPr>
+                                      <m:t>1</m:t>
+                                    </m:r>
+                                  </m:sub>
+                                </m:sSub>
+                              </m:e>
+                              <m:e>
+                                <m:r>
+                                  <a:rPr lang="en-GB" i="0">
+                                    <a:latin typeface="Cambria Math" panose="02040503050406030204" pitchFamily="18" charset="0"/>
+                                  </a:rPr>
+                                  <m:t>0</m:t>
+                                </m:r>
+                              </m:e>
+                              <m:e>
+                                <m:r>
+                                  <a:rPr lang="en-GB" i="0">
+                                    <a:latin typeface="Cambria Math" panose="02040503050406030204" pitchFamily="18" charset="0"/>
+                                  </a:rPr>
+                                  <m:t>0</m:t>
+                                </m:r>
+                              </m:e>
+                            </m:mr>
+                            <m:mr>
+                              <m:e>
+                                <m:r>
+                                  <a:rPr lang="en-GB" i="0">
+                                    <a:latin typeface="Cambria Math" panose="02040503050406030204" pitchFamily="18" charset="0"/>
+                                  </a:rPr>
+                                  <m:t>0</m:t>
+                                </m:r>
+                              </m:e>
+                              <m:e>
+                                <m:r>
+                                  <a:rPr lang="en-GB" i="0">
+                                    <a:latin typeface="Cambria Math" panose="02040503050406030204" pitchFamily="18" charset="0"/>
+                                  </a:rPr>
+                                  <m:t>−</m:t>
+                                </m:r>
+                                <m:sSub>
+                                  <m:sSubPr>
+                                    <m:ctrlPr>
+                                      <a:rPr lang="en-GB" i="1">
+                                        <a:solidFill>
+                                          <a:srgbClr val="836967"/>
+                                        </a:solidFill>
+                                        <a:latin typeface="Cambria Math" panose="02040503050406030204" pitchFamily="18" charset="0"/>
+                                      </a:rPr>
+                                    </m:ctrlPr>
+                                  </m:sSubPr>
+                                  <m:e>
+                                    <m:r>
+                                      <a:rPr lang="en-GB" i="1">
+                                        <a:latin typeface="Cambria Math" panose="02040503050406030204" pitchFamily="18" charset="0"/>
+                                      </a:rPr>
+                                      <m:t>𝐾</m:t>
+                                    </m:r>
+                                  </m:e>
+                                  <m:sub>
+                                    <m:r>
+                                      <a:rPr lang="en-GB" i="0">
+                                        <a:latin typeface="Cambria Math" panose="02040503050406030204" pitchFamily="18" charset="0"/>
+                                      </a:rPr>
+                                      <m:t>2</m:t>
+                                    </m:r>
+                                  </m:sub>
+                                </m:sSub>
+                              </m:e>
+                              <m:e>
+                                <m:sSub>
+                                  <m:sSubPr>
+                                    <m:ctrlPr>
+                                      <a:rPr lang="en-GB" i="1">
+                                        <a:solidFill>
+                                          <a:srgbClr val="836967"/>
+                                        </a:solidFill>
+                                        <a:latin typeface="Cambria Math" panose="02040503050406030204" pitchFamily="18" charset="0"/>
+                                      </a:rPr>
+                                    </m:ctrlPr>
+                                  </m:sSubPr>
+                                  <m:e>
+                                    <m:r>
+                                      <a:rPr lang="en-GB" i="0">
+                                        <a:latin typeface="Cambria Math" panose="02040503050406030204" pitchFamily="18" charset="0"/>
+                                      </a:rPr>
+                                      <m:t>−</m:t>
+                                    </m:r>
+                                    <m:r>
+                                      <a:rPr lang="en-GB" i="1">
+                                        <a:latin typeface="Cambria Math" panose="02040503050406030204" pitchFamily="18" charset="0"/>
+                                      </a:rPr>
+                                      <m:t>𝐾</m:t>
+                                    </m:r>
+                                  </m:e>
+                                  <m:sub>
+                                    <m:r>
+                                      <a:rPr lang="en-GB" i="0">
+                                        <a:latin typeface="Cambria Math" panose="02040503050406030204" pitchFamily="18" charset="0"/>
+                                      </a:rPr>
+                                      <m:t>3</m:t>
+                                    </m:r>
+                                  </m:sub>
+                                </m:sSub>
+                              </m:e>
+                            </m:mr>
+                          </m:m>
+                        </m:e>
+                      </m:d>
+                      <m:d>
+                        <m:dPr>
+                          <m:begChr m:val="["/>
+                          <m:endChr m:val="]"/>
+                          <m:ctrlPr>
+                            <a:rPr lang="en-GB" i="1">
+                              <a:solidFill>
+                                <a:srgbClr val="836967"/>
+                              </a:solidFill>
+                              <a:latin typeface="Cambria Math" panose="02040503050406030204" pitchFamily="18" charset="0"/>
+                            </a:rPr>
+                          </m:ctrlPr>
+                        </m:dPr>
+                        <m:e>
+                          <m:m>
+                            <m:mPr>
+                              <m:plcHide m:val="on"/>
+                              <m:mcs>
+                                <m:mc>
+                                  <m:mcPr>
+                                    <m:count m:val="1"/>
+                                    <m:mcJc m:val="center"/>
+                                  </m:mcPr>
+                                </m:mc>
+                              </m:mcs>
+                              <m:ctrlPr>
+                                <a:rPr lang="en-GB" i="1">
+                                  <a:solidFill>
+                                    <a:srgbClr val="836967"/>
+                                  </a:solidFill>
+                                  <a:latin typeface="Cambria Math" panose="02040503050406030204" pitchFamily="18" charset="0"/>
+                                </a:rPr>
+                              </m:ctrlPr>
+                            </m:mPr>
+                            <m:mr>
+                              <m:e>
+                                <m:sSub>
+                                  <m:sSubPr>
+                                    <m:ctrlPr>
+                                      <a:rPr lang="en-GB" i="1">
+                                        <a:solidFill>
+                                          <a:srgbClr val="836967"/>
+                                        </a:solidFill>
+                                        <a:latin typeface="Cambria Math" panose="02040503050406030204" pitchFamily="18" charset="0"/>
+                                      </a:rPr>
+                                    </m:ctrlPr>
+                                  </m:sSubPr>
+                                  <m:e>
+                                    <m:r>
+                                      <a:rPr lang="en-GB" i="1">
+                                        <a:latin typeface="Cambria Math" panose="02040503050406030204" pitchFamily="18" charset="0"/>
+                                      </a:rPr>
+                                      <m:t>𝑒</m:t>
+                                    </m:r>
+                                  </m:e>
+                                  <m:sub>
+                                    <m:r>
+                                      <a:rPr lang="en-GB" i="1">
+                                        <a:latin typeface="Cambria Math" panose="02040503050406030204" pitchFamily="18" charset="0"/>
+                                      </a:rPr>
+                                      <m:t>𝑥</m:t>
+                                    </m:r>
+                                  </m:sub>
+                                </m:sSub>
+                              </m:e>
+                            </m:mr>
+                            <m:mr>
+                              <m:e>
+                                <m:sSub>
+                                  <m:sSubPr>
+                                    <m:ctrlPr>
+                                      <a:rPr lang="en-GB" i="1">
+                                        <a:solidFill>
+                                          <a:srgbClr val="836967"/>
+                                        </a:solidFill>
+                                        <a:latin typeface="Cambria Math" panose="02040503050406030204" pitchFamily="18" charset="0"/>
+                                      </a:rPr>
+                                    </m:ctrlPr>
+                                  </m:sSubPr>
+                                  <m:e>
+                                    <m:r>
+                                      <a:rPr lang="en-GB" i="1">
+                                        <a:latin typeface="Cambria Math" panose="02040503050406030204" pitchFamily="18" charset="0"/>
+                                      </a:rPr>
+                                      <m:t>𝑒</m:t>
+                                    </m:r>
+                                  </m:e>
+                                  <m:sub>
+                                    <m:r>
+                                      <a:rPr lang="en-GB" i="1">
+                                        <a:latin typeface="Cambria Math" panose="02040503050406030204" pitchFamily="18" charset="0"/>
+                                      </a:rPr>
+                                      <m:t>𝑦</m:t>
+                                    </m:r>
+                                  </m:sub>
+                                </m:sSub>
+                              </m:e>
+                            </m:mr>
+                            <m:mr>
+                              <m:e>
+                                <m:sSub>
+                                  <m:sSubPr>
+                                    <m:ctrlPr>
+                                      <a:rPr lang="en-GB" i="1">
+                                        <a:solidFill>
+                                          <a:srgbClr val="836967"/>
+                                        </a:solidFill>
+                                        <a:latin typeface="Cambria Math" panose="02040503050406030204" pitchFamily="18" charset="0"/>
+                                      </a:rPr>
+                                    </m:ctrlPr>
+                                  </m:sSubPr>
+                                  <m:e>
+                                    <m:r>
+                                      <a:rPr lang="en-GB" i="1">
+                                        <a:latin typeface="Cambria Math" panose="02040503050406030204" pitchFamily="18" charset="0"/>
+                                      </a:rPr>
+                                      <m:t>𝑒</m:t>
+                                    </m:r>
+                                  </m:e>
+                                  <m:sub>
+                                    <m:r>
+                                      <a:rPr lang="en-GB" i="1">
+                                        <a:latin typeface="Cambria Math" panose="02040503050406030204" pitchFamily="18" charset="0"/>
+                                      </a:rPr>
+                                      <m:t>𝜃</m:t>
+                                    </m:r>
+                                  </m:sub>
+                                </m:sSub>
+                              </m:e>
+                            </m:mr>
+                          </m:m>
+                        </m:e>
+                      </m:d>
+                    </m:oMath>
+                  </m:oMathPara>
+                </a14:m>
+                <a:endParaRPr lang="en-GB" dirty="0"/>
+              </a:p>
+            </p:txBody>
+          </p:sp>
+        </mc:Choice>
+        <mc:Fallback>
+          <p:sp>
+            <p:nvSpPr>
+              <p:cNvPr id="7" name="TextBox 6">
+                <a:extLst>
+                  <a:ext uri="{FF2B5EF4-FFF2-40B4-BE49-F238E27FC236}">
+                    <a16:creationId xmlns:a16="http://schemas.microsoft.com/office/drawing/2014/main" id="{BECA56D0-456C-0612-70E3-033AD0685EE6}"/>
+                  </a:ext>
+                </a:extLst>
+              </p:cNvPr>
+              <p:cNvSpPr txBox="1">
+                <a:spLocks noRot="1" noChangeAspect="1" noMove="1" noResize="1" noEditPoints="1" noAdjustHandles="1" noChangeArrowheads="1" noChangeShapeType="1" noTextEdit="1"/>
+              </p:cNvSpPr>
+              <p:nvPr/>
+            </p:nvSpPr>
+            <p:spPr>
+              <a:xfrm>
+                <a:off x="3036085" y="3488828"/>
+                <a:ext cx="3811247" cy="825739"/>
+              </a:xfrm>
+              <a:prstGeom prst="rect">
+                <a:avLst/>
+              </a:prstGeom>
+              <a:blipFill>
+                <a:blip r:embed="rId3"/>
+                <a:stretch>
+                  <a:fillRect/>
+                </a:stretch>
+              </a:blipFill>
+            </p:spPr>
+            <p:txBody>
+              <a:bodyPr/>
+              <a:lstStyle/>
+              <a:p>
+                <a:r>
+                  <a:rPr lang="en-GB">
+                    <a:noFill/>
+                  </a:rPr>
+                  <a:t> </a:t>
+                </a:r>
+              </a:p>
+            </p:txBody>
+          </p:sp>
+        </mc:Fallback>
+      </mc:AlternateContent>
+      <p:grpSp>
+        <p:nvGrpSpPr>
+          <p:cNvPr id="21" name="Group 20">
+            <a:extLst>
+              <a:ext uri="{FF2B5EF4-FFF2-40B4-BE49-F238E27FC236}">
+                <a16:creationId xmlns:a16="http://schemas.microsoft.com/office/drawing/2014/main" id="{E0B798C2-9248-5B17-DB67-A795DBB9C04A}"/>
+              </a:ext>
+            </a:extLst>
+          </p:cNvPr>
+          <p:cNvGrpSpPr/>
+          <p:nvPr/>
+        </p:nvGrpSpPr>
+        <p:grpSpPr>
+          <a:xfrm>
+            <a:off x="3481530" y="4455264"/>
+            <a:ext cx="3023755" cy="979993"/>
+            <a:chOff x="7134606" y="3429000"/>
+            <a:chExt cx="3737610" cy="979993"/>
+          </a:xfrm>
+          <a:noFill/>
+        </p:grpSpPr>
+        <mc:AlternateContent xmlns:mc="http://schemas.openxmlformats.org/markup-compatibility/2006">
+          <mc:Choice xmlns:a14="http://schemas.microsoft.com/office/drawing/2010/main" Requires="a14">
+            <p:sp>
+              <p:nvSpPr>
+                <p:cNvPr id="16" name="TextBox 15">
+                  <a:extLst>
+                    <a:ext uri="{FF2B5EF4-FFF2-40B4-BE49-F238E27FC236}">
+                      <a16:creationId xmlns:a16="http://schemas.microsoft.com/office/drawing/2014/main" id="{5DF01D4E-FEAF-27D9-DBE0-82E0E4BA1530}"/>
+                    </a:ext>
+                  </a:extLst>
+                </p:cNvPr>
+                <p:cNvSpPr txBox="1"/>
+                <p:nvPr/>
+              </p:nvSpPr>
+              <p:spPr>
+                <a:xfrm>
+                  <a:off x="7134606" y="3429000"/>
+                  <a:ext cx="3737610" cy="369332"/>
+                </a:xfrm>
+                <a:prstGeom prst="rect">
+                  <a:avLst/>
+                </a:prstGeom>
+                <a:grpFill/>
+              </p:spPr>
+              <p:txBody>
+                <a:bodyPr wrap="square">
+                  <a:spAutoFit/>
+                </a:bodyPr>
+                <a:lstStyle/>
+                <a:p>
+                  <a:pPr/>
+                  <a14:m>
+                    <m:oMathPara xmlns:m="http://schemas.openxmlformats.org/officeDocument/2006/math">
+                      <m:oMathParaPr>
+                        <m:jc m:val="centerGroup"/>
+                      </m:oMathParaPr>
+                      <m:oMath xmlns:m="http://schemas.openxmlformats.org/officeDocument/2006/math">
+                        <m:sSub>
+                          <m:sSubPr>
+                            <m:ctrlPr>
+                              <a:rPr lang="en-GB" i="1" smtClean="0">
+                                <a:solidFill>
+                                  <a:srgbClr val="836967"/>
+                                </a:solidFill>
+                                <a:latin typeface="Cambria Math" panose="02040503050406030204" pitchFamily="18" charset="0"/>
+                              </a:rPr>
+                            </m:ctrlPr>
+                          </m:sSubPr>
+                          <m:e>
+                            <m:r>
+                              <a:rPr lang="en-GB" i="1">
+                                <a:latin typeface="Cambria Math" panose="02040503050406030204" pitchFamily="18" charset="0"/>
+                              </a:rPr>
+                              <m:t>𝐾</m:t>
+                            </m:r>
+                          </m:e>
+                          <m:sub>
+                            <m:r>
+                              <a:rPr lang="en-GB" i="0">
+                                <a:latin typeface="Cambria Math" panose="02040503050406030204" pitchFamily="18" charset="0"/>
+                              </a:rPr>
+                              <m:t>1</m:t>
+                            </m:r>
+                          </m:sub>
+                        </m:sSub>
+                        <m:r>
+                          <a:rPr lang="en-GB" i="0">
+                            <a:latin typeface="Cambria Math" panose="02040503050406030204" pitchFamily="18" charset="0"/>
+                          </a:rPr>
+                          <m:t>=</m:t>
+                        </m:r>
+                        <m:sSub>
+                          <m:sSubPr>
+                            <m:ctrlPr>
+                              <a:rPr lang="en-GB" i="1">
+                                <a:solidFill>
+                                  <a:srgbClr val="836967"/>
+                                </a:solidFill>
+                                <a:latin typeface="Cambria Math" panose="02040503050406030204" pitchFamily="18" charset="0"/>
+                              </a:rPr>
+                            </m:ctrlPr>
+                          </m:sSubPr>
+                          <m:e>
+                            <m:r>
+                              <a:rPr lang="en-GB" i="1">
+                                <a:latin typeface="Cambria Math" panose="02040503050406030204" pitchFamily="18" charset="0"/>
+                              </a:rPr>
+                              <m:t>𝐾</m:t>
+                            </m:r>
+                          </m:e>
+                          <m:sub>
+                            <m:r>
+                              <a:rPr lang="en-GB" i="0">
+                                <a:latin typeface="Cambria Math" panose="02040503050406030204" pitchFamily="18" charset="0"/>
+                              </a:rPr>
+                              <m:t>3</m:t>
+                            </m:r>
+                          </m:sub>
+                        </m:sSub>
+                        <m:r>
+                          <a:rPr lang="en-GB" i="0">
+                            <a:latin typeface="Cambria Math" panose="02040503050406030204" pitchFamily="18" charset="0"/>
+                          </a:rPr>
+                          <m:t>=2</m:t>
+                        </m:r>
+                        <m:r>
+                          <a:rPr lang="en-GB" i="1">
+                            <a:latin typeface="Cambria Math" panose="02040503050406030204" pitchFamily="18" charset="0"/>
+                          </a:rPr>
+                          <m:t>𝜀</m:t>
+                        </m:r>
+                        <m:r>
+                          <a:rPr lang="en-GB" i="1">
+                            <a:latin typeface="Cambria Math" panose="02040503050406030204" pitchFamily="18" charset="0"/>
+                          </a:rPr>
+                          <m:t>𝑎</m:t>
+                        </m:r>
+                      </m:oMath>
+                    </m:oMathPara>
+                  </a14:m>
+                  <a:endParaRPr lang="en-GB" dirty="0"/>
+                </a:p>
+              </p:txBody>
+            </p:sp>
+          </mc:Choice>
+          <mc:Fallback>
+            <p:sp>
+              <p:nvSpPr>
+                <p:cNvPr id="16" name="TextBox 15">
+                  <a:extLst>
+                    <a:ext uri="{FF2B5EF4-FFF2-40B4-BE49-F238E27FC236}">
+                      <a16:creationId xmlns:a16="http://schemas.microsoft.com/office/drawing/2014/main" id="{5DF01D4E-FEAF-27D9-DBE0-82E0E4BA1530}"/>
+                    </a:ext>
+                  </a:extLst>
+                </p:cNvPr>
+                <p:cNvSpPr txBox="1">
+                  <a:spLocks noRot="1" noChangeAspect="1" noMove="1" noResize="1" noEditPoints="1" noAdjustHandles="1" noChangeArrowheads="1" noChangeShapeType="1" noTextEdit="1"/>
+                </p:cNvSpPr>
+                <p:nvPr/>
+              </p:nvSpPr>
+              <p:spPr>
+                <a:xfrm>
+                  <a:off x="7134606" y="3429000"/>
+                  <a:ext cx="3737610" cy="369332"/>
+                </a:xfrm>
+                <a:prstGeom prst="rect">
+                  <a:avLst/>
+                </a:prstGeom>
+                <a:blipFill>
+                  <a:blip r:embed="rId4"/>
+                  <a:stretch>
+                    <a:fillRect/>
+                  </a:stretch>
+                </a:blipFill>
+              </p:spPr>
+              <p:txBody>
+                <a:bodyPr/>
+                <a:lstStyle/>
+                <a:p>
+                  <a:r>
+                    <a:rPr lang="en-GB">
+                      <a:noFill/>
+                    </a:rPr>
+                    <a:t> </a:t>
+                  </a:r>
+                </a:p>
+              </p:txBody>
+            </p:sp>
+          </mc:Fallback>
+        </mc:AlternateContent>
+        <mc:AlternateContent xmlns:mc="http://schemas.openxmlformats.org/markup-compatibility/2006">
+          <mc:Choice xmlns:a14="http://schemas.microsoft.com/office/drawing/2010/main" Requires="a14">
+            <p:sp>
+              <p:nvSpPr>
+                <p:cNvPr id="18" name="TextBox 17">
+                  <a:extLst>
+                    <a:ext uri="{FF2B5EF4-FFF2-40B4-BE49-F238E27FC236}">
+                      <a16:creationId xmlns:a16="http://schemas.microsoft.com/office/drawing/2014/main" id="{2E14A9FF-85D9-69AB-106B-3002C176A2CB}"/>
+                    </a:ext>
+                  </a:extLst>
+                </p:cNvPr>
+                <p:cNvSpPr txBox="1"/>
+                <p:nvPr/>
+              </p:nvSpPr>
+              <p:spPr>
+                <a:xfrm>
+                  <a:off x="7360920" y="3706813"/>
+                  <a:ext cx="3246120" cy="702180"/>
+                </a:xfrm>
+                <a:prstGeom prst="rect">
+                  <a:avLst/>
+                </a:prstGeom>
+                <a:grpFill/>
+              </p:spPr>
+              <p:txBody>
+                <a:bodyPr wrap="square">
+                  <a:spAutoFit/>
+                </a:bodyPr>
+                <a:lstStyle/>
+                <a:p>
+                  <a:pPr/>
+                  <a14:m>
+                    <m:oMathPara xmlns:m="http://schemas.openxmlformats.org/officeDocument/2006/math">
+                      <m:oMathParaPr>
+                        <m:jc m:val="centerGroup"/>
+                      </m:oMathParaPr>
+                      <m:oMath xmlns:m="http://schemas.openxmlformats.org/officeDocument/2006/math">
+                        <m:sSub>
+                          <m:sSubPr>
+                            <m:ctrlPr>
+                              <a:rPr lang="en-GB" i="1" smtClean="0">
+                                <a:solidFill>
+                                  <a:srgbClr val="836967"/>
+                                </a:solidFill>
+                                <a:latin typeface="Cambria Math" panose="02040503050406030204" pitchFamily="18" charset="0"/>
+                              </a:rPr>
+                            </m:ctrlPr>
+                          </m:sSubPr>
+                          <m:e>
+                            <m:r>
+                              <a:rPr lang="en-GB" i="1">
+                                <a:latin typeface="Cambria Math" panose="02040503050406030204" pitchFamily="18" charset="0"/>
+                              </a:rPr>
+                              <m:t>𝐾</m:t>
+                            </m:r>
+                          </m:e>
+                          <m:sub>
+                            <m:r>
+                              <a:rPr lang="en-GB" i="0">
+                                <a:latin typeface="Cambria Math" panose="02040503050406030204" pitchFamily="18" charset="0"/>
+                              </a:rPr>
+                              <m:t>2</m:t>
+                            </m:r>
+                          </m:sub>
+                        </m:sSub>
+                        <m:r>
+                          <a:rPr lang="en-GB" i="0">
+                            <a:latin typeface="Cambria Math" panose="02040503050406030204" pitchFamily="18" charset="0"/>
+                          </a:rPr>
+                          <m:t>=</m:t>
+                        </m:r>
+                        <m:f>
+                          <m:fPr>
+                            <m:ctrlPr>
+                              <a:rPr lang="en-GB" i="1">
+                                <a:solidFill>
+                                  <a:srgbClr val="836967"/>
+                                </a:solidFill>
+                                <a:latin typeface="Cambria Math" panose="02040503050406030204" pitchFamily="18" charset="0"/>
+                              </a:rPr>
+                            </m:ctrlPr>
+                          </m:fPr>
+                          <m:num>
+                            <m:sSup>
+                              <m:sSupPr>
+                                <m:ctrlPr>
+                                  <a:rPr lang="en-GB" i="1">
+                                    <a:solidFill>
+                                      <a:srgbClr val="836967"/>
+                                    </a:solidFill>
+                                    <a:latin typeface="Cambria Math" panose="02040503050406030204" pitchFamily="18" charset="0"/>
+                                  </a:rPr>
+                                </m:ctrlPr>
+                              </m:sSupPr>
+                              <m:e>
+                                <m:r>
+                                  <a:rPr lang="en-GB" i="1">
+                                    <a:latin typeface="Cambria Math" panose="02040503050406030204" pitchFamily="18" charset="0"/>
+                                  </a:rPr>
+                                  <m:t>𝑎</m:t>
+                                </m:r>
+                              </m:e>
+                              <m:sup>
+                                <m:r>
+                                  <a:rPr lang="en-GB" i="0">
+                                    <a:latin typeface="Cambria Math" panose="02040503050406030204" pitchFamily="18" charset="0"/>
+                                  </a:rPr>
+                                  <m:t>2</m:t>
+                                </m:r>
+                              </m:sup>
+                            </m:sSup>
+                            <m:r>
+                              <a:rPr lang="en-GB" i="0">
+                                <a:latin typeface="Cambria Math" panose="02040503050406030204" pitchFamily="18" charset="0"/>
+                              </a:rPr>
+                              <m:t>−</m:t>
+                            </m:r>
+                            <m:sSubSup>
+                              <m:sSubSupPr>
+                                <m:ctrlPr>
+                                  <a:rPr lang="en-GB" i="1">
+                                    <a:solidFill>
+                                      <a:srgbClr val="836967"/>
+                                    </a:solidFill>
+                                    <a:latin typeface="Cambria Math" panose="02040503050406030204" pitchFamily="18" charset="0"/>
+                                  </a:rPr>
+                                </m:ctrlPr>
+                              </m:sSubSupPr>
+                              <m:e>
+                                <m:r>
+                                  <a:rPr lang="en-GB" i="1">
+                                    <a:latin typeface="Cambria Math" panose="02040503050406030204" pitchFamily="18" charset="0"/>
+                                  </a:rPr>
+                                  <m:t>𝑤</m:t>
+                                </m:r>
+                              </m:e>
+                              <m:sub>
+                                <m:r>
+                                  <a:rPr lang="en-GB" i="1">
+                                    <a:latin typeface="Cambria Math" panose="02040503050406030204" pitchFamily="18" charset="0"/>
+                                  </a:rPr>
+                                  <m:t>𝑑</m:t>
+                                </m:r>
+                              </m:sub>
+                              <m:sup>
+                                <m:r>
+                                  <a:rPr lang="en-GB" i="0">
+                                    <a:latin typeface="Cambria Math" panose="02040503050406030204" pitchFamily="18" charset="0"/>
+                                  </a:rPr>
+                                  <m:t>2</m:t>
+                                </m:r>
+                              </m:sup>
+                            </m:sSubSup>
+                          </m:num>
+                          <m:den>
+                            <m:sSub>
+                              <m:sSubPr>
+                                <m:ctrlPr>
+                                  <a:rPr lang="en-GB" i="1">
+                                    <a:solidFill>
+                                      <a:srgbClr val="836967"/>
+                                    </a:solidFill>
+                                    <a:latin typeface="Cambria Math" panose="02040503050406030204" pitchFamily="18" charset="0"/>
+                                  </a:rPr>
+                                </m:ctrlPr>
+                              </m:sSubPr>
+                              <m:e>
+                                <m:r>
+                                  <a:rPr lang="en-GB" i="1">
+                                    <a:latin typeface="Cambria Math" panose="02040503050406030204" pitchFamily="18" charset="0"/>
+                                  </a:rPr>
+                                  <m:t>𝑣</m:t>
+                                </m:r>
+                              </m:e>
+                              <m:sub>
+                                <m:r>
+                                  <a:rPr lang="en-GB" i="1">
+                                    <a:latin typeface="Cambria Math" panose="02040503050406030204" pitchFamily="18" charset="0"/>
+                                  </a:rPr>
+                                  <m:t>𝑑</m:t>
+                                </m:r>
+                              </m:sub>
+                            </m:sSub>
+                          </m:den>
+                        </m:f>
+                      </m:oMath>
+                    </m:oMathPara>
+                  </a14:m>
+                  <a:endParaRPr lang="en-GB" dirty="0"/>
+                </a:p>
+              </p:txBody>
+            </p:sp>
+          </mc:Choice>
+          <mc:Fallback>
+            <p:sp>
+              <p:nvSpPr>
+                <p:cNvPr id="18" name="TextBox 17">
+                  <a:extLst>
+                    <a:ext uri="{FF2B5EF4-FFF2-40B4-BE49-F238E27FC236}">
+                      <a16:creationId xmlns:a16="http://schemas.microsoft.com/office/drawing/2014/main" id="{2E14A9FF-85D9-69AB-106B-3002C176A2CB}"/>
+                    </a:ext>
+                  </a:extLst>
+                </p:cNvPr>
+                <p:cNvSpPr txBox="1">
+                  <a:spLocks noRot="1" noChangeAspect="1" noMove="1" noResize="1" noEditPoints="1" noAdjustHandles="1" noChangeArrowheads="1" noChangeShapeType="1" noTextEdit="1"/>
+                </p:cNvSpPr>
+                <p:nvPr/>
+              </p:nvSpPr>
+              <p:spPr>
+                <a:xfrm>
+                  <a:off x="7360920" y="3706813"/>
+                  <a:ext cx="3246120" cy="702180"/>
+                </a:xfrm>
+                <a:prstGeom prst="rect">
+                  <a:avLst/>
+                </a:prstGeom>
+                <a:blipFill>
+                  <a:blip r:embed="rId5"/>
+                  <a:stretch>
+                    <a:fillRect/>
+                  </a:stretch>
+                </a:blipFill>
+              </p:spPr>
+              <p:txBody>
+                <a:bodyPr/>
+                <a:lstStyle/>
+                <a:p>
+                  <a:r>
+                    <a:rPr lang="en-GB">
+                      <a:noFill/>
+                    </a:rPr>
+                    <a:t> </a:t>
+                  </a:r>
+                </a:p>
+              </p:txBody>
+            </p:sp>
+          </mc:Fallback>
+        </mc:AlternateContent>
+      </p:grpSp>
+      <mc:AlternateContent xmlns:mc="http://schemas.openxmlformats.org/markup-compatibility/2006">
+        <mc:Choice xmlns:a14="http://schemas.microsoft.com/office/drawing/2010/main" Requires="a14">
+          <p:sp>
+            <p:nvSpPr>
+              <p:cNvPr id="20" name="TextBox 19">
+                <a:extLst>
+                  <a:ext uri="{FF2B5EF4-FFF2-40B4-BE49-F238E27FC236}">
+                    <a16:creationId xmlns:a16="http://schemas.microsoft.com/office/drawing/2014/main" id="{3B2C3660-E0A6-6268-F7A4-77643BDEFDCC}"/>
+                  </a:ext>
+                </a:extLst>
+              </p:cNvPr>
+              <p:cNvSpPr txBox="1"/>
+              <p:nvPr/>
+            </p:nvSpPr>
+            <p:spPr>
+              <a:xfrm>
+                <a:off x="2876334" y="5603177"/>
+                <a:ext cx="4234148" cy="710194"/>
+              </a:xfrm>
+              <a:prstGeom prst="rect">
+                <a:avLst/>
+              </a:prstGeom>
+              <a:noFill/>
+            </p:spPr>
+            <p:txBody>
+              <a:bodyPr wrap="square">
+                <a:spAutoFit/>
+              </a:bodyPr>
+              <a:lstStyle/>
+              <a:p>
+                <a:pPr/>
+                <a14:m>
+                  <m:oMathPara xmlns:m="http://schemas.openxmlformats.org/officeDocument/2006/math">
+                    <m:oMathParaPr>
+                      <m:jc m:val="centerGroup"/>
+                    </m:oMathParaPr>
+                    <m:oMath xmlns:m="http://schemas.openxmlformats.org/officeDocument/2006/math">
+                      <m:d>
+                        <m:dPr>
+                          <m:begChr m:val="{"/>
+                          <m:endChr m:val=""/>
+                          <m:ctrlPr>
+                            <a:rPr lang="en-GB" i="1" smtClean="0">
+                              <a:solidFill>
+                                <a:srgbClr val="836967"/>
+                              </a:solidFill>
+                              <a:latin typeface="Cambria Math" panose="02040503050406030204" pitchFamily="18" charset="0"/>
+                            </a:rPr>
+                          </m:ctrlPr>
+                        </m:dPr>
+                        <m:e>
+                          <m:eqArr>
+                            <m:eqArrPr>
+                              <m:ctrlPr>
+                                <a:rPr lang="en-GB" i="1">
+                                  <a:solidFill>
+                                    <a:srgbClr val="836967"/>
+                                  </a:solidFill>
+                                  <a:latin typeface="Cambria Math" panose="02040503050406030204" pitchFamily="18" charset="0"/>
+                                </a:rPr>
+                              </m:ctrlPr>
+                            </m:eqArrPr>
+                            <m:e>
+                              <m:r>
+                                <a:rPr lang="en-GB">
+                                  <a:latin typeface="Cambria Math" panose="02040503050406030204" pitchFamily="18" charset="0"/>
+                                </a:rPr>
+                                <m:t>&amp;</m:t>
+                              </m:r>
+                              <m:r>
+                                <a:rPr lang="en-GB" i="1">
+                                  <a:latin typeface="Cambria Math" panose="02040503050406030204" pitchFamily="18" charset="0"/>
+                                </a:rPr>
+                                <m:t>𝑣</m:t>
+                              </m:r>
+                              <m:r>
+                                <a:rPr lang="en-GB" i="0">
+                                  <a:latin typeface="Cambria Math" panose="02040503050406030204" pitchFamily="18" charset="0"/>
+                                </a:rPr>
+                                <m:t>=</m:t>
+                              </m:r>
+                              <m:sSub>
+                                <m:sSubPr>
+                                  <m:ctrlPr>
+                                    <a:rPr lang="en-GB" i="1">
+                                      <a:solidFill>
+                                        <a:srgbClr val="836967"/>
+                                      </a:solidFill>
+                                      <a:latin typeface="Cambria Math" panose="02040503050406030204" pitchFamily="18" charset="0"/>
+                                    </a:rPr>
+                                  </m:ctrlPr>
+                                </m:sSubPr>
+                                <m:e>
+                                  <m:r>
+                                    <a:rPr lang="en-GB" i="1">
+                                      <a:latin typeface="Cambria Math" panose="02040503050406030204" pitchFamily="18" charset="0"/>
+                                    </a:rPr>
+                                    <m:t>𝑣</m:t>
+                                  </m:r>
+                                </m:e>
+                                <m:sub>
+                                  <m:r>
+                                    <a:rPr lang="en-GB" i="1">
+                                      <a:latin typeface="Cambria Math" panose="02040503050406030204" pitchFamily="18" charset="0"/>
+                                    </a:rPr>
+                                    <m:t>𝑑</m:t>
+                                  </m:r>
+                                </m:sub>
+                              </m:sSub>
+                              <m:r>
+                                <a:rPr lang="en-GB" i="1">
+                                  <a:latin typeface="Cambria Math" panose="02040503050406030204" pitchFamily="18" charset="0"/>
+                                </a:rPr>
+                                <m:t>𝑐𝑜𝑠</m:t>
+                              </m:r>
+                              <m:sSub>
+                                <m:sSubPr>
+                                  <m:ctrlPr>
+                                    <a:rPr lang="en-GB" i="1">
+                                      <a:solidFill>
+                                        <a:srgbClr val="836967"/>
+                                      </a:solidFill>
+                                      <a:latin typeface="Cambria Math" panose="02040503050406030204" pitchFamily="18" charset="0"/>
+                                    </a:rPr>
+                                  </m:ctrlPr>
+                                </m:sSubPr>
+                                <m:e>
+                                  <m:r>
+                                    <a:rPr lang="en-GB" i="1">
+                                      <a:latin typeface="Cambria Math" panose="02040503050406030204" pitchFamily="18" charset="0"/>
+                                    </a:rPr>
+                                    <m:t>𝑒</m:t>
+                                  </m:r>
+                                </m:e>
+                                <m:sub>
+                                  <m:r>
+                                    <a:rPr lang="en-GB" i="1">
+                                      <a:latin typeface="Cambria Math" panose="02040503050406030204" pitchFamily="18" charset="0"/>
+                                    </a:rPr>
+                                    <m:t>𝜃</m:t>
+                                  </m:r>
+                                </m:sub>
+                              </m:sSub>
+                              <m:r>
+                                <a:rPr lang="en-GB" i="0">
+                                  <a:latin typeface="Cambria Math" panose="02040503050406030204" pitchFamily="18" charset="0"/>
+                                </a:rPr>
+                                <m:t>−</m:t>
+                              </m:r>
+                              <m:sSub>
+                                <m:sSubPr>
+                                  <m:ctrlPr>
+                                    <a:rPr lang="en-GB" i="1">
+                                      <a:solidFill>
+                                        <a:srgbClr val="836967"/>
+                                      </a:solidFill>
+                                      <a:latin typeface="Cambria Math" panose="02040503050406030204" pitchFamily="18" charset="0"/>
+                                    </a:rPr>
+                                  </m:ctrlPr>
+                                </m:sSubPr>
+                                <m:e>
+                                  <m:r>
+                                    <a:rPr lang="en-GB" i="1">
+                                      <a:latin typeface="Cambria Math" panose="02040503050406030204" pitchFamily="18" charset="0"/>
+                                    </a:rPr>
+                                    <m:t>𝑢</m:t>
+                                  </m:r>
+                                </m:e>
+                                <m:sub>
+                                  <m:r>
+                                    <a:rPr lang="en-GB" i="0">
+                                      <a:latin typeface="Cambria Math" panose="02040503050406030204" pitchFamily="18" charset="0"/>
+                                    </a:rPr>
+                                    <m:t>1</m:t>
+                                  </m:r>
+                                </m:sub>
+                              </m:sSub>
+                            </m:e>
+                            <m:e>
+                              <m:r>
+                                <a:rPr lang="en-GB" i="0">
+                                  <a:latin typeface="Cambria Math" panose="02040503050406030204" pitchFamily="18" charset="0"/>
+                                </a:rPr>
+                                <m:t>&amp;</m:t>
+                              </m:r>
+                              <m:r>
+                                <a:rPr lang="en-GB" i="1">
+                                  <a:latin typeface="Cambria Math" panose="02040503050406030204" pitchFamily="18" charset="0"/>
+                                </a:rPr>
+                                <m:t>𝑤</m:t>
+                              </m:r>
+                              <m:r>
+                                <a:rPr lang="en-GB" i="0">
+                                  <a:latin typeface="Cambria Math" panose="02040503050406030204" pitchFamily="18" charset="0"/>
+                                </a:rPr>
+                                <m:t>= </m:t>
+                              </m:r>
+                              <m:sSub>
+                                <m:sSubPr>
+                                  <m:ctrlPr>
+                                    <a:rPr lang="en-GB" i="1">
+                                      <a:solidFill>
+                                        <a:srgbClr val="836967"/>
+                                      </a:solidFill>
+                                      <a:latin typeface="Cambria Math" panose="02040503050406030204" pitchFamily="18" charset="0"/>
+                                    </a:rPr>
+                                  </m:ctrlPr>
+                                </m:sSubPr>
+                                <m:e>
+                                  <m:r>
+                                    <a:rPr lang="en-GB" i="1">
+                                      <a:latin typeface="Cambria Math" panose="02040503050406030204" pitchFamily="18" charset="0"/>
+                                    </a:rPr>
+                                    <m:t>𝑤</m:t>
+                                  </m:r>
+                                </m:e>
+                                <m:sub>
+                                  <m:r>
+                                    <a:rPr lang="en-GB" i="1">
+                                      <a:latin typeface="Cambria Math" panose="02040503050406030204" pitchFamily="18" charset="0"/>
+                                    </a:rPr>
+                                    <m:t>𝑑</m:t>
+                                  </m:r>
+                                </m:sub>
+                              </m:sSub>
+                              <m:r>
+                                <a:rPr lang="en-GB" i="0">
+                                  <a:latin typeface="Cambria Math" panose="02040503050406030204" pitchFamily="18" charset="0"/>
+                                </a:rPr>
+                                <m:t>−</m:t>
+                              </m:r>
+                              <m:sSub>
+                                <m:sSubPr>
+                                  <m:ctrlPr>
+                                    <a:rPr lang="en-GB" i="1">
+                                      <a:solidFill>
+                                        <a:srgbClr val="836967"/>
+                                      </a:solidFill>
+                                      <a:latin typeface="Cambria Math" panose="02040503050406030204" pitchFamily="18" charset="0"/>
+                                    </a:rPr>
+                                  </m:ctrlPr>
+                                </m:sSubPr>
+                                <m:e>
+                                  <m:r>
+                                    <a:rPr lang="en-GB" i="1">
+                                      <a:latin typeface="Cambria Math" panose="02040503050406030204" pitchFamily="18" charset="0"/>
+                                    </a:rPr>
+                                    <m:t>𝑢</m:t>
+                                  </m:r>
+                                </m:e>
+                                <m:sub>
+                                  <m:r>
+                                    <a:rPr lang="en-GB" i="0">
+                                      <a:latin typeface="Cambria Math" panose="02040503050406030204" pitchFamily="18" charset="0"/>
+                                    </a:rPr>
+                                    <m:t>2</m:t>
+                                  </m:r>
+                                </m:sub>
+                              </m:sSub>
+                            </m:e>
+                          </m:eqArr>
+                        </m:e>
+                      </m:d>
+                    </m:oMath>
+                  </m:oMathPara>
+                </a14:m>
+                <a:endParaRPr lang="en-GB" dirty="0"/>
+              </a:p>
+            </p:txBody>
+          </p:sp>
+        </mc:Choice>
+        <mc:Fallback>
+          <p:sp>
+            <p:nvSpPr>
+              <p:cNvPr id="20" name="TextBox 19">
+                <a:extLst>
+                  <a:ext uri="{FF2B5EF4-FFF2-40B4-BE49-F238E27FC236}">
+                    <a16:creationId xmlns:a16="http://schemas.microsoft.com/office/drawing/2014/main" id="{3B2C3660-E0A6-6268-F7A4-77643BDEFDCC}"/>
+                  </a:ext>
+                </a:extLst>
+              </p:cNvPr>
+              <p:cNvSpPr txBox="1">
+                <a:spLocks noRot="1" noChangeAspect="1" noMove="1" noResize="1" noEditPoints="1" noAdjustHandles="1" noChangeArrowheads="1" noChangeShapeType="1" noTextEdit="1"/>
+              </p:cNvSpPr>
+              <p:nvPr/>
+            </p:nvSpPr>
+            <p:spPr>
+              <a:xfrm>
+                <a:off x="2876334" y="5603177"/>
+                <a:ext cx="4234148" cy="710194"/>
+              </a:xfrm>
+              <a:prstGeom prst="rect">
+                <a:avLst/>
+              </a:prstGeom>
+              <a:blipFill>
+                <a:blip r:embed="rId6"/>
+                <a:stretch>
+                  <a:fillRect/>
+                </a:stretch>
+              </a:blipFill>
+            </p:spPr>
+            <p:txBody>
+              <a:bodyPr/>
+              <a:lstStyle/>
+              <a:p>
+                <a:r>
+                  <a:rPr lang="en-GB">
+                    <a:noFill/>
+                  </a:rPr>
+                  <a:t> </a:t>
+                </a:r>
+              </a:p>
+            </p:txBody>
+          </p:sp>
+        </mc:Fallback>
+      </mc:AlternateContent>
+      <p:sp>
+        <p:nvSpPr>
+          <p:cNvPr id="22" name="TextBox 21">
+            <a:extLst>
+              <a:ext uri="{FF2B5EF4-FFF2-40B4-BE49-F238E27FC236}">
+                <a16:creationId xmlns:a16="http://schemas.microsoft.com/office/drawing/2014/main" id="{4FB96251-41CD-8405-7290-EDCFB43F31B9}"/>
+              </a:ext>
+            </a:extLst>
+          </p:cNvPr>
+          <p:cNvSpPr txBox="1"/>
+          <p:nvPr/>
+        </p:nvSpPr>
+        <p:spPr>
+          <a:xfrm>
+            <a:off x="1007555" y="3776102"/>
+            <a:ext cx="1828800" cy="369332"/>
+          </a:xfrm>
+          <a:prstGeom prst="rect">
+            <a:avLst/>
+          </a:prstGeom>
+          <a:noFill/>
+        </p:spPr>
+        <p:txBody>
+          <a:bodyPr wrap="square" rtlCol="0">
+            <a:spAutoFit/>
+          </a:bodyPr>
+          <a:lstStyle/>
+          <a:p>
+            <a:r>
+              <a:rPr lang="en-GB" dirty="0">
+                <a:latin typeface="Bahnschrift" panose="020B0502040204020203" pitchFamily="34" charset="0"/>
+              </a:rPr>
+              <a:t>CONTROL LAW</a:t>
+            </a:r>
+          </a:p>
+        </p:txBody>
+      </p:sp>
+      <p:sp>
+        <p:nvSpPr>
+          <p:cNvPr id="23" name="TextBox 22">
+            <a:extLst>
+              <a:ext uri="{FF2B5EF4-FFF2-40B4-BE49-F238E27FC236}">
+                <a16:creationId xmlns:a16="http://schemas.microsoft.com/office/drawing/2014/main" id="{31F16572-E2DD-8865-7AEA-A0BDA6A17740}"/>
+              </a:ext>
+            </a:extLst>
+          </p:cNvPr>
+          <p:cNvSpPr txBox="1"/>
+          <p:nvPr/>
+        </p:nvSpPr>
+        <p:spPr>
+          <a:xfrm>
+            <a:off x="1007554" y="4774205"/>
+            <a:ext cx="2071019" cy="369332"/>
+          </a:xfrm>
+          <a:prstGeom prst="rect">
+            <a:avLst/>
+          </a:prstGeom>
+          <a:noFill/>
+        </p:spPr>
+        <p:txBody>
+          <a:bodyPr wrap="square" rtlCol="0">
+            <a:spAutoFit/>
+          </a:bodyPr>
+          <a:lstStyle/>
+          <a:p>
+            <a:r>
+              <a:rPr lang="en-GB" dirty="0">
+                <a:latin typeface="Bahnschrift" panose="020B0502040204020203" pitchFamily="34" charset="0"/>
+              </a:rPr>
+              <a:t>CONTROL GAINS</a:t>
+            </a:r>
+          </a:p>
+        </p:txBody>
+      </p:sp>
+      <p:sp>
+        <p:nvSpPr>
+          <p:cNvPr id="24" name="TextBox 23">
+            <a:extLst>
+              <a:ext uri="{FF2B5EF4-FFF2-40B4-BE49-F238E27FC236}">
+                <a16:creationId xmlns:a16="http://schemas.microsoft.com/office/drawing/2014/main" id="{A22CB8CC-22F7-24B2-607D-396E5289BFF6}"/>
+              </a:ext>
+            </a:extLst>
+          </p:cNvPr>
+          <p:cNvSpPr txBox="1"/>
+          <p:nvPr/>
+        </p:nvSpPr>
+        <p:spPr>
+          <a:xfrm>
+            <a:off x="1007554" y="5776119"/>
+            <a:ext cx="3064825" cy="369332"/>
+          </a:xfrm>
+          <a:prstGeom prst="rect">
+            <a:avLst/>
+          </a:prstGeom>
+          <a:noFill/>
+        </p:spPr>
+        <p:txBody>
+          <a:bodyPr wrap="square" rtlCol="0">
+            <a:spAutoFit/>
+          </a:bodyPr>
+          <a:lstStyle/>
+          <a:p>
+            <a:r>
+              <a:rPr lang="en-GB" dirty="0">
+                <a:latin typeface="Bahnschrift" panose="020B0502040204020203" pitchFamily="34" charset="0"/>
+              </a:rPr>
+              <a:t>INPUT TRANSFORMATION</a:t>
+            </a:r>
           </a:p>
         </p:txBody>
       </p:sp>
@@ -10179,292 +11961,22 @@
               <a:buNone/>
             </a:pPr>
             <a:r>
+              <a:rPr lang="it-IT" sz="2000" dirty="0">
+                <a:latin typeface="Bahnschrift SemiCondensed" panose="020B0502040204020203" pitchFamily="34" charset="0"/>
+              </a:rPr>
+              <a:t>First </a:t>
+            </a:r>
+            <a:r>
               <a:rPr lang="it-IT" sz="2000" dirty="0" err="1">
                 <a:latin typeface="Bahnschrift SemiCondensed" panose="020B0502040204020203" pitchFamily="34" charset="0"/>
               </a:rPr>
-              <a:t>Simulink</a:t>
+              <a:t>order</a:t>
             </a:r>
             <a:r>
               <a:rPr lang="it-IT" sz="2000" dirty="0">
                 <a:latin typeface="Bahnschrift SemiCondensed" panose="020B0502040204020203" pitchFamily="34" charset="0"/>
               </a:rPr>
-              <a:t> </a:t>
-            </a:r>
-            <a:r>
-              <a:rPr lang="it-IT" sz="2000" dirty="0" err="1">
-                <a:latin typeface="Bahnschrift SemiCondensed" panose="020B0502040204020203" pitchFamily="34" charset="0"/>
-              </a:rPr>
-              <a:t>continuous</a:t>
-            </a:r>
-            <a:r>
-              <a:rPr lang="it-IT" sz="2000" dirty="0">
-                <a:latin typeface="Bahnschrift SemiCondensed" panose="020B0502040204020203" pitchFamily="34" charset="0"/>
-              </a:rPr>
-              <a:t> derivative </a:t>
-            </a:r>
-            <a:r>
-              <a:rPr lang="it-IT" sz="2000" dirty="0" err="1">
-                <a:latin typeface="Bahnschrift SemiCondensed" panose="020B0502040204020203" pitchFamily="34" charset="0"/>
-              </a:rPr>
-              <a:t>block</a:t>
-            </a:r>
-            <a:r>
-              <a:rPr lang="it-IT" sz="2000" dirty="0">
-                <a:latin typeface="Bahnschrift SemiCondensed" panose="020B0502040204020203" pitchFamily="34" charset="0"/>
-              </a:rPr>
-              <a:t> </a:t>
-            </a:r>
-            <a:r>
-              <a:rPr lang="it-IT" sz="2000" dirty="0" err="1">
-                <a:latin typeface="Bahnschrift SemiCondensed" panose="020B0502040204020203" pitchFamily="34" charset="0"/>
-              </a:rPr>
-              <a:t>was</a:t>
-            </a:r>
-            <a:r>
-              <a:rPr lang="it-IT" sz="2000" dirty="0">
-                <a:latin typeface="Bahnschrift SemiCondensed" panose="020B0502040204020203" pitchFamily="34" charset="0"/>
-              </a:rPr>
-              <a:t> </a:t>
-            </a:r>
-            <a:r>
-              <a:rPr lang="it-IT" sz="2000" dirty="0" err="1">
-                <a:latin typeface="Bahnschrift SemiCondensed" panose="020B0502040204020203" pitchFamily="34" charset="0"/>
-              </a:rPr>
-              <a:t>used</a:t>
-            </a:r>
-            <a:r>
-              <a:rPr lang="it-IT" sz="2000" dirty="0">
-                <a:latin typeface="Bahnschrift SemiCondensed" panose="020B0502040204020203" pitchFamily="34" charset="0"/>
-              </a:rPr>
-              <a:t> for </a:t>
-            </a:r>
-            <a:r>
-              <a:rPr lang="it-IT" sz="2000" dirty="0" err="1">
-                <a:latin typeface="Bahnschrift SemiCondensed" panose="020B0502040204020203" pitchFamily="34" charset="0"/>
-              </a:rPr>
-              <a:t>derivaives</a:t>
-            </a:r>
-            <a:r>
-              <a:rPr lang="it-IT" sz="2000" dirty="0">
-                <a:latin typeface="Bahnschrift SemiCondensed" panose="020B0502040204020203" pitchFamily="34" charset="0"/>
-              </a:rPr>
-              <a:t> </a:t>
-            </a:r>
-            <a:r>
-              <a:rPr lang="it-IT" sz="2000" dirty="0" err="1">
-                <a:latin typeface="Bahnschrift SemiCondensed" panose="020B0502040204020203" pitchFamily="34" charset="0"/>
-              </a:rPr>
-              <a:t>computation</a:t>
-            </a:r>
-            <a:r>
-              <a:rPr lang="it-IT" sz="2000" dirty="0">
-                <a:latin typeface="Bahnschrift SemiCondensed" panose="020B0502040204020203" pitchFamily="34" charset="0"/>
-              </a:rPr>
-              <a:t> in </a:t>
-            </a:r>
-            <a:r>
-              <a:rPr lang="it-IT" sz="2000" dirty="0" err="1">
-                <a:latin typeface="Bahnschrift SemiCondensed" panose="020B0502040204020203" pitchFamily="34" charset="0"/>
-              </a:rPr>
-              <a:t>differential</a:t>
-            </a:r>
-            <a:r>
-              <a:rPr lang="it-IT" sz="2000" dirty="0">
-                <a:latin typeface="Bahnschrift SemiCondensed" panose="020B0502040204020203" pitchFamily="34" charset="0"/>
-              </a:rPr>
-              <a:t> </a:t>
-            </a:r>
-            <a:r>
-              <a:rPr lang="it-IT" sz="2000" dirty="0" err="1">
-                <a:latin typeface="Bahnschrift SemiCondensed" panose="020B0502040204020203" pitchFamily="34" charset="0"/>
-              </a:rPr>
-              <a:t>flatness</a:t>
-            </a:r>
-            <a:r>
-              <a:rPr lang="it-IT" sz="2000" dirty="0">
-                <a:latin typeface="Bahnschrift SemiCondensed" panose="020B0502040204020203" pitchFamily="34" charset="0"/>
-              </a:rPr>
-              <a:t> </a:t>
-            </a:r>
-            <a:r>
-              <a:rPr lang="it-IT" sz="2000" dirty="0" err="1">
-                <a:latin typeface="Bahnschrift SemiCondensed" panose="020B0502040204020203" pitchFamily="34" charset="0"/>
-              </a:rPr>
-              <a:t>block</a:t>
-            </a:r>
-            <a:r>
-              <a:rPr lang="it-IT" sz="2000" dirty="0">
-                <a:latin typeface="Bahnschrift SemiCondensed" panose="020B0502040204020203" pitchFamily="34" charset="0"/>
-              </a:rPr>
-              <a:t>. </a:t>
-            </a:r>
-            <a:r>
-              <a:rPr lang="it-IT" sz="2000" dirty="0" err="1">
-                <a:latin typeface="Bahnschrift SemiCondensed" panose="020B0502040204020203" pitchFamily="34" charset="0"/>
-              </a:rPr>
-              <a:t>Since</a:t>
-            </a:r>
-            <a:r>
-              <a:rPr lang="it-IT" sz="2000" dirty="0">
-                <a:latin typeface="Bahnschrift SemiCondensed" panose="020B0502040204020203" pitchFamily="34" charset="0"/>
-              </a:rPr>
-              <a:t> the </a:t>
-            </a:r>
-            <a:r>
-              <a:rPr lang="it-IT" sz="2000" dirty="0" err="1">
-                <a:latin typeface="Bahnschrift SemiCondensed" panose="020B0502040204020203" pitchFamily="34" charset="0"/>
-              </a:rPr>
-              <a:t>desired</a:t>
-            </a:r>
-            <a:r>
-              <a:rPr lang="it-IT" sz="2000" dirty="0">
-                <a:latin typeface="Bahnschrift SemiCondensed" panose="020B0502040204020203" pitchFamily="34" charset="0"/>
-              </a:rPr>
-              <a:t> </a:t>
-            </a:r>
-            <a:r>
-              <a:rPr lang="it-IT" sz="2000" dirty="0" err="1">
-                <a:latin typeface="Bahnschrift SemiCondensed" panose="020B0502040204020203" pitchFamily="34" charset="0"/>
-              </a:rPr>
-              <a:t>trajectory</a:t>
-            </a:r>
-            <a:r>
-              <a:rPr lang="it-IT" sz="2000" dirty="0">
-                <a:latin typeface="Bahnschrift SemiCondensed" panose="020B0502040204020203" pitchFamily="34" charset="0"/>
-              </a:rPr>
-              <a:t> </a:t>
-            </a:r>
-            <a:r>
-              <a:rPr lang="it-IT" sz="2000" dirty="0" err="1">
-                <a:latin typeface="Bahnschrift SemiCondensed" panose="020B0502040204020203" pitchFamily="34" charset="0"/>
-              </a:rPr>
-              <a:t>is</a:t>
-            </a:r>
-            <a:r>
-              <a:rPr lang="it-IT" sz="2000" dirty="0">
-                <a:latin typeface="Bahnschrift SemiCondensed" panose="020B0502040204020203" pitchFamily="34" charset="0"/>
-              </a:rPr>
-              <a:t> </a:t>
-            </a:r>
-            <a:r>
-              <a:rPr lang="it-IT" sz="2000" dirty="0" err="1">
-                <a:latin typeface="Bahnschrift SemiCondensed" panose="020B0502040204020203" pitchFamily="34" charset="0"/>
-              </a:rPr>
-              <a:t>extremely</a:t>
-            </a:r>
-            <a:r>
-              <a:rPr lang="it-IT" sz="2000" dirty="0">
-                <a:latin typeface="Bahnschrift SemiCondensed" panose="020B0502040204020203" pitchFamily="34" charset="0"/>
-              </a:rPr>
-              <a:t> </a:t>
-            </a:r>
-            <a:r>
-              <a:rPr lang="it-IT" sz="2000" dirty="0" err="1">
-                <a:latin typeface="Bahnschrift SemiCondensed" panose="020B0502040204020203" pitchFamily="34" charset="0"/>
-              </a:rPr>
-              <a:t>simple</a:t>
-            </a:r>
-            <a:r>
-              <a:rPr lang="it-IT" sz="2000" dirty="0">
-                <a:latin typeface="Bahnschrift SemiCondensed" panose="020B0502040204020203" pitchFamily="34" charset="0"/>
-              </a:rPr>
-              <a:t> and </a:t>
-            </a:r>
-            <a:r>
-              <a:rPr lang="it-IT" sz="2000" dirty="0" err="1">
-                <a:latin typeface="Bahnschrift SemiCondensed" panose="020B0502040204020203" pitchFamily="34" charset="0"/>
-              </a:rPr>
-              <a:t>does</a:t>
-            </a:r>
-            <a:r>
-              <a:rPr lang="it-IT" sz="2000" dirty="0">
-                <a:latin typeface="Bahnschrift SemiCondensed" panose="020B0502040204020203" pitchFamily="34" charset="0"/>
-              </a:rPr>
-              <a:t> </a:t>
-            </a:r>
-            <a:r>
-              <a:rPr lang="it-IT" sz="2000" dirty="0" err="1">
-                <a:latin typeface="Bahnschrift SemiCondensed" panose="020B0502040204020203" pitchFamily="34" charset="0"/>
-              </a:rPr>
-              <a:t>not</a:t>
-            </a:r>
-            <a:r>
-              <a:rPr lang="it-IT" sz="2000" dirty="0">
-                <a:latin typeface="Bahnschrift SemiCondensed" panose="020B0502040204020203" pitchFamily="34" charset="0"/>
-              </a:rPr>
-              <a:t> </a:t>
-            </a:r>
-            <a:r>
-              <a:rPr lang="it-IT" sz="2000" dirty="0" err="1">
-                <a:latin typeface="Bahnschrift SemiCondensed" panose="020B0502040204020203" pitchFamily="34" charset="0"/>
-              </a:rPr>
-              <a:t>present</a:t>
-            </a:r>
-            <a:r>
-              <a:rPr lang="it-IT" sz="2000" dirty="0">
-                <a:latin typeface="Bahnschrift SemiCondensed" panose="020B0502040204020203" pitchFamily="34" charset="0"/>
-              </a:rPr>
-              <a:t> </a:t>
-            </a:r>
-            <a:r>
-              <a:rPr lang="it-IT" sz="2000" dirty="0" err="1">
-                <a:latin typeface="Bahnschrift SemiCondensed" panose="020B0502040204020203" pitchFamily="34" charset="0"/>
-              </a:rPr>
-              <a:t>discontiuities</a:t>
-            </a:r>
-            <a:r>
-              <a:rPr lang="it-IT" sz="2000" dirty="0">
-                <a:latin typeface="Bahnschrift SemiCondensed" panose="020B0502040204020203" pitchFamily="34" charset="0"/>
-              </a:rPr>
-              <a:t> </a:t>
-            </a:r>
-            <a:r>
-              <a:rPr lang="it-IT" sz="2000" dirty="0" err="1">
-                <a:latin typeface="Bahnschrift SemiCondensed" panose="020B0502040204020203" pitchFamily="34" charset="0"/>
-              </a:rPr>
-              <a:t>this</a:t>
-            </a:r>
-            <a:r>
-              <a:rPr lang="it-IT" sz="2000" dirty="0">
-                <a:latin typeface="Bahnschrift SemiCondensed" panose="020B0502040204020203" pitchFamily="34" charset="0"/>
-              </a:rPr>
-              <a:t> </a:t>
-            </a:r>
-            <a:r>
-              <a:rPr lang="it-IT" sz="2000" dirty="0" err="1">
-                <a:latin typeface="Bahnschrift SemiCondensed" panose="020B0502040204020203" pitchFamily="34" charset="0"/>
-              </a:rPr>
-              <a:t>block</a:t>
-            </a:r>
-            <a:r>
-              <a:rPr lang="it-IT" sz="2000" dirty="0">
-                <a:latin typeface="Bahnschrift SemiCondensed" panose="020B0502040204020203" pitchFamily="34" charset="0"/>
-              </a:rPr>
-              <a:t> </a:t>
-            </a:r>
-            <a:r>
-              <a:rPr lang="it-IT" sz="2000" dirty="0" err="1">
-                <a:latin typeface="Bahnschrift SemiCondensed" panose="020B0502040204020203" pitchFamily="34" charset="0"/>
-              </a:rPr>
-              <a:t>is</a:t>
-            </a:r>
-            <a:r>
-              <a:rPr lang="it-IT" sz="2000" dirty="0">
-                <a:latin typeface="Bahnschrift SemiCondensed" panose="020B0502040204020203" pitchFamily="34" charset="0"/>
-              </a:rPr>
-              <a:t> </a:t>
-            </a:r>
-            <a:r>
-              <a:rPr lang="it-IT" sz="2000" dirty="0" err="1">
-                <a:latin typeface="Bahnschrift SemiCondensed" panose="020B0502040204020203" pitchFamily="34" charset="0"/>
-              </a:rPr>
-              <a:t>suitable</a:t>
-            </a:r>
-            <a:r>
-              <a:rPr lang="it-IT" sz="2000" dirty="0">
-                <a:latin typeface="Bahnschrift SemiCondensed" panose="020B0502040204020203" pitchFamily="34" charset="0"/>
-              </a:rPr>
-              <a:t> for the task.</a:t>
+              <a:t> high pass filter</a:t>
             </a:r>
           </a:p>
         </p:txBody>
@@ -10797,10 +12309,10 @@
       </p:grpSpPr>
       <p:sp>
         <p:nvSpPr>
-          <p:cNvPr id="12" name="Rectangle 11">
+          <p:cNvPr id="26" name="Rectangle 25">
             <a:extLst>
               <a:ext uri="{FF2B5EF4-FFF2-40B4-BE49-F238E27FC236}">
-                <a16:creationId xmlns:a16="http://schemas.microsoft.com/office/drawing/2014/main" id="{74C151DC-EC64-C081-057D-8B439CD53B8D}"/>
+                <a16:creationId xmlns:a16="http://schemas.microsoft.com/office/drawing/2014/main" id="{849C7DD3-1202-D345-C1EA-BEBEE6E5A29A}"/>
               </a:ext>
             </a:extLst>
           </p:cNvPr>
@@ -10844,7 +12356,8 @@
           <a:bodyPr rtlCol="0" anchor="ctr"/>
           <a:lstStyle/>
           <a:p>
-            <a:endParaRPr lang="en-GB" dirty="0"/>
+            <a:pPr algn="ctr"/>
+            <a:endParaRPr lang="en-GB"/>
           </a:p>
         </p:txBody>
       </p:sp>
@@ -11006,44 +12519,6 @@
       </p:sp>
       <p:sp>
         <p:nvSpPr>
-          <p:cNvPr id="8" name="Title 1">
-            <a:extLst>
-              <a:ext uri="{FF2B5EF4-FFF2-40B4-BE49-F238E27FC236}">
-                <a16:creationId xmlns:a16="http://schemas.microsoft.com/office/drawing/2014/main" id="{A3784C5C-1FFC-2081-2199-BF2D19327E8B}"/>
-              </a:ext>
-            </a:extLst>
-          </p:cNvPr>
-          <p:cNvSpPr>
-            <a:spLocks noGrp="1"/>
-          </p:cNvSpPr>
-          <p:nvPr>
-            <p:ph type="title"/>
-          </p:nvPr>
-        </p:nvSpPr>
-        <p:spPr>
-          <a:xfrm>
-            <a:off x="0" y="365125"/>
-            <a:ext cx="12192000" cy="1325563"/>
-          </a:xfrm>
-        </p:spPr>
-        <p:txBody>
-          <a:bodyPr>
-            <a:normAutofit/>
-          </a:bodyPr>
-          <a:lstStyle/>
-          <a:p>
-            <a:pPr algn="ctr"/>
-            <a:r>
-              <a:rPr lang="it-IT" sz="3600" b="1" dirty="0">
-                <a:latin typeface="Bahnschrift" panose="020B0502040204020203" pitchFamily="34" charset="0"/>
-              </a:rPr>
-              <a:t>NON-LINEAR CONTROLLER - IMPLEMENTATION</a:t>
-            </a:r>
-          </a:p>
-        </p:txBody>
-      </p:sp>
-      <p:sp>
-        <p:nvSpPr>
           <p:cNvPr id="15" name="Content Placeholder 2">
             <a:extLst>
               <a:ext uri="{FF2B5EF4-FFF2-40B4-BE49-F238E27FC236}">
@@ -11058,8 +12533,8 @@
         </p:nvSpPr>
         <p:spPr>
           <a:xfrm>
-            <a:off x="5001769" y="3909325"/>
-            <a:ext cx="6145230" cy="1970267"/>
+            <a:off x="7690103" y="3909325"/>
+            <a:ext cx="3456895" cy="1970267"/>
           </a:xfrm>
           <a:prstGeom prst="rect">
             <a:avLst/>
@@ -11264,15 +12739,13 @@
               <a:rPr lang="it-IT" sz="2000" dirty="0">
                 <a:latin typeface="Bahnschrift SemiCondensed" panose="020B0502040204020203" pitchFamily="34" charset="0"/>
               </a:rPr>
-              <a:t>:</a:t>
-            </a:r>
-          </a:p>
-          <a:p>
+              <a:t> </a:t>
+            </a:r>
             <a:r>
               <a:rPr lang="it-IT" sz="2000" b="1" dirty="0" err="1">
                 <a:latin typeface="Bahnschrift SemiCondensed" panose="020B0502040204020203" pitchFamily="34" charset="0"/>
               </a:rPr>
-              <a:t>Asympatotically</a:t>
+              <a:t>asympatotically</a:t>
             </a:r>
             <a:r>
               <a:rPr lang="it-IT" sz="2000" b="1" dirty="0">
@@ -11395,23 +12868,6 @@
               <a:t>together</a:t>
             </a:r>
             <a:endParaRPr lang="it-IT" sz="2000" dirty="0">
-              <a:latin typeface="Bahnschrift SemiCondensed" panose="020B0502040204020203" pitchFamily="34" charset="0"/>
-            </a:endParaRPr>
-          </a:p>
-          <a:p>
-            <a:r>
-              <a:rPr lang="it-IT" sz="2000" b="1" dirty="0">
-                <a:latin typeface="Bahnschrift SemiCondensed" panose="020B0502040204020203" pitchFamily="34" charset="0"/>
-              </a:rPr>
-              <a:t>Backup </a:t>
-            </a:r>
-            <a:r>
-              <a:rPr lang="it-IT" sz="2000" b="1" dirty="0" err="1">
-                <a:latin typeface="Bahnschrift SemiCondensed" panose="020B0502040204020203" pitchFamily="34" charset="0"/>
-              </a:rPr>
-              <a:t>manuevers</a:t>
-            </a:r>
-            <a:endParaRPr lang="it-IT" sz="2000" b="1" dirty="0">
               <a:latin typeface="Bahnschrift SemiCondensed" panose="020B0502040204020203" pitchFamily="34" charset="0"/>
             </a:endParaRPr>
           </a:p>
@@ -11432,7 +12888,7 @@
           <p:nvPr/>
         </p:nvPicPr>
         <p:blipFill>
-          <a:blip r:embed="rId2">
+          <a:blip r:embed="rId3">
             <a:extLst>
               <a:ext uri="{28A0092B-C50C-407E-A947-70E740481C1C}">
                 <a14:useLocalDpi xmlns:a14="http://schemas.microsoft.com/office/drawing/2010/main" val="0"/>
@@ -11445,7 +12901,7 @@
         </p:blipFill>
         <p:spPr>
           <a:xfrm>
-            <a:off x="925009" y="1399430"/>
+            <a:off x="2595179" y="987674"/>
             <a:ext cx="7164931" cy="2280404"/>
           </a:xfrm>
           <a:prstGeom prst="rect">
@@ -11458,6 +12914,1390 @@
           </a:ln>
         </p:spPr>
       </p:pic>
+      <p:sp>
+        <p:nvSpPr>
+          <p:cNvPr id="11" name="Title 1">
+            <a:extLst>
+              <a:ext uri="{FF2B5EF4-FFF2-40B4-BE49-F238E27FC236}">
+                <a16:creationId xmlns:a16="http://schemas.microsoft.com/office/drawing/2014/main" id="{D83347AA-DB92-0899-0321-8C7A88C8BFCE}"/>
+              </a:ext>
+            </a:extLst>
+          </p:cNvPr>
+          <p:cNvSpPr txBox="1">
+            <a:spLocks/>
+          </p:cNvSpPr>
+          <p:nvPr/>
+        </p:nvSpPr>
+        <p:spPr>
+          <a:xfrm>
+            <a:off x="0" y="2132"/>
+            <a:ext cx="12192000" cy="976276"/>
+          </a:xfrm>
+          <a:prstGeom prst="rect">
+            <a:avLst/>
+          </a:prstGeom>
+        </p:spPr>
+        <p:txBody>
+          <a:bodyPr vert="horz" lIns="91440" tIns="45720" rIns="91440" bIns="45720" rtlCol="0" anchor="ctr">
+            <a:normAutofit/>
+          </a:bodyPr>
+          <a:lstStyle>
+            <a:lvl1pPr algn="l" defTabSz="914400" rtl="0" eaLnBrk="1" latinLnBrk="0" hangingPunct="1">
+              <a:lnSpc>
+                <a:spcPct val="90000"/>
+              </a:lnSpc>
+              <a:spcBef>
+                <a:spcPct val="0"/>
+              </a:spcBef>
+              <a:buNone/>
+              <a:defRPr sz="4400" kern="1200">
+                <a:solidFill>
+                  <a:schemeClr val="tx1"/>
+                </a:solidFill>
+                <a:latin typeface="+mj-lt"/>
+                <a:ea typeface="+mj-ea"/>
+                <a:cs typeface="+mj-cs"/>
+              </a:defRPr>
+            </a:lvl1pPr>
+          </a:lstStyle>
+          <a:p>
+            <a:pPr algn="ctr"/>
+            <a:r>
+              <a:rPr lang="it-IT" sz="3600" b="1" dirty="0">
+                <a:latin typeface="Bahnschrift" panose="020B0502040204020203" pitchFamily="34" charset="0"/>
+              </a:rPr>
+              <a:t>NON-LINEAR CONTROLLER - IMPLEMENTATION</a:t>
+            </a:r>
+          </a:p>
+        </p:txBody>
+      </p:sp>
+      <mc:AlternateContent xmlns:mc="http://schemas.openxmlformats.org/markup-compatibility/2006">
+        <mc:Choice xmlns:a14="http://schemas.microsoft.com/office/drawing/2010/main" Requires="a14">
+          <p:sp>
+            <p:nvSpPr>
+              <p:cNvPr id="13" name="TextBox 12">
+                <a:extLst>
+                  <a:ext uri="{FF2B5EF4-FFF2-40B4-BE49-F238E27FC236}">
+                    <a16:creationId xmlns:a16="http://schemas.microsoft.com/office/drawing/2014/main" id="{01E50B1A-A628-E50F-471F-88939A71F5ED}"/>
+                  </a:ext>
+                </a:extLst>
+              </p:cNvPr>
+              <p:cNvSpPr txBox="1"/>
+              <p:nvPr/>
+            </p:nvSpPr>
+            <p:spPr>
+              <a:xfrm>
+                <a:off x="2927008" y="5849361"/>
+                <a:ext cx="4234148" cy="710194"/>
+              </a:xfrm>
+              <a:prstGeom prst="rect">
+                <a:avLst/>
+              </a:prstGeom>
+              <a:noFill/>
+            </p:spPr>
+            <p:txBody>
+              <a:bodyPr wrap="square">
+                <a:spAutoFit/>
+              </a:bodyPr>
+              <a:lstStyle/>
+              <a:p>
+                <a:pPr/>
+                <a14:m>
+                  <m:oMathPara xmlns:m="http://schemas.openxmlformats.org/officeDocument/2006/math">
+                    <m:oMathParaPr>
+                      <m:jc m:val="centerGroup"/>
+                    </m:oMathParaPr>
+                    <m:oMath xmlns:m="http://schemas.openxmlformats.org/officeDocument/2006/math">
+                      <m:d>
+                        <m:dPr>
+                          <m:begChr m:val="{"/>
+                          <m:endChr m:val=""/>
+                          <m:ctrlPr>
+                            <a:rPr lang="en-GB" i="1" smtClean="0">
+                              <a:solidFill>
+                                <a:srgbClr val="836967"/>
+                              </a:solidFill>
+                              <a:latin typeface="Cambria Math" panose="02040503050406030204" pitchFamily="18" charset="0"/>
+                            </a:rPr>
+                          </m:ctrlPr>
+                        </m:dPr>
+                        <m:e>
+                          <m:eqArr>
+                            <m:eqArrPr>
+                              <m:ctrlPr>
+                                <a:rPr lang="en-GB" i="1">
+                                  <a:solidFill>
+                                    <a:srgbClr val="836967"/>
+                                  </a:solidFill>
+                                  <a:latin typeface="Cambria Math" panose="02040503050406030204" pitchFamily="18" charset="0"/>
+                                </a:rPr>
+                              </m:ctrlPr>
+                            </m:eqArrPr>
+                            <m:e>
+                              <m:r>
+                                <a:rPr lang="en-GB">
+                                  <a:latin typeface="Cambria Math" panose="02040503050406030204" pitchFamily="18" charset="0"/>
+                                </a:rPr>
+                                <m:t>&amp;</m:t>
+                              </m:r>
+                              <m:r>
+                                <a:rPr lang="en-GB" i="1">
+                                  <a:latin typeface="Cambria Math" panose="02040503050406030204" pitchFamily="18" charset="0"/>
+                                </a:rPr>
+                                <m:t>𝑣</m:t>
+                              </m:r>
+                              <m:r>
+                                <a:rPr lang="en-GB" i="0">
+                                  <a:latin typeface="Cambria Math" panose="02040503050406030204" pitchFamily="18" charset="0"/>
+                                </a:rPr>
+                                <m:t>=</m:t>
+                              </m:r>
+                              <m:sSub>
+                                <m:sSubPr>
+                                  <m:ctrlPr>
+                                    <a:rPr lang="en-GB" i="1">
+                                      <a:solidFill>
+                                        <a:srgbClr val="836967"/>
+                                      </a:solidFill>
+                                      <a:latin typeface="Cambria Math" panose="02040503050406030204" pitchFamily="18" charset="0"/>
+                                    </a:rPr>
+                                  </m:ctrlPr>
+                                </m:sSubPr>
+                                <m:e>
+                                  <m:r>
+                                    <a:rPr lang="en-GB" i="1">
+                                      <a:latin typeface="Cambria Math" panose="02040503050406030204" pitchFamily="18" charset="0"/>
+                                    </a:rPr>
+                                    <m:t>𝑣</m:t>
+                                  </m:r>
+                                </m:e>
+                                <m:sub>
+                                  <m:r>
+                                    <a:rPr lang="en-GB" i="1">
+                                      <a:latin typeface="Cambria Math" panose="02040503050406030204" pitchFamily="18" charset="0"/>
+                                    </a:rPr>
+                                    <m:t>𝑑</m:t>
+                                  </m:r>
+                                </m:sub>
+                              </m:sSub>
+                              <m:r>
+                                <a:rPr lang="en-GB" i="1">
+                                  <a:latin typeface="Cambria Math" panose="02040503050406030204" pitchFamily="18" charset="0"/>
+                                </a:rPr>
+                                <m:t>𝑐𝑜𝑠</m:t>
+                              </m:r>
+                              <m:sSub>
+                                <m:sSubPr>
+                                  <m:ctrlPr>
+                                    <a:rPr lang="en-GB" i="1">
+                                      <a:solidFill>
+                                        <a:srgbClr val="836967"/>
+                                      </a:solidFill>
+                                      <a:latin typeface="Cambria Math" panose="02040503050406030204" pitchFamily="18" charset="0"/>
+                                    </a:rPr>
+                                  </m:ctrlPr>
+                                </m:sSubPr>
+                                <m:e>
+                                  <m:r>
+                                    <a:rPr lang="en-GB" i="1">
+                                      <a:latin typeface="Cambria Math" panose="02040503050406030204" pitchFamily="18" charset="0"/>
+                                    </a:rPr>
+                                    <m:t>𝑒</m:t>
+                                  </m:r>
+                                </m:e>
+                                <m:sub>
+                                  <m:r>
+                                    <a:rPr lang="en-GB" i="1">
+                                      <a:latin typeface="Cambria Math" panose="02040503050406030204" pitchFamily="18" charset="0"/>
+                                    </a:rPr>
+                                    <m:t>𝜃</m:t>
+                                  </m:r>
+                                </m:sub>
+                              </m:sSub>
+                              <m:r>
+                                <a:rPr lang="en-GB" i="0">
+                                  <a:latin typeface="Cambria Math" panose="02040503050406030204" pitchFamily="18" charset="0"/>
+                                </a:rPr>
+                                <m:t>−</m:t>
+                              </m:r>
+                              <m:sSub>
+                                <m:sSubPr>
+                                  <m:ctrlPr>
+                                    <a:rPr lang="en-GB" i="1">
+                                      <a:solidFill>
+                                        <a:srgbClr val="836967"/>
+                                      </a:solidFill>
+                                      <a:latin typeface="Cambria Math" panose="02040503050406030204" pitchFamily="18" charset="0"/>
+                                    </a:rPr>
+                                  </m:ctrlPr>
+                                </m:sSubPr>
+                                <m:e>
+                                  <m:r>
+                                    <a:rPr lang="en-GB" i="1">
+                                      <a:latin typeface="Cambria Math" panose="02040503050406030204" pitchFamily="18" charset="0"/>
+                                    </a:rPr>
+                                    <m:t>𝑢</m:t>
+                                  </m:r>
+                                </m:e>
+                                <m:sub>
+                                  <m:r>
+                                    <a:rPr lang="en-GB" i="0">
+                                      <a:latin typeface="Cambria Math" panose="02040503050406030204" pitchFamily="18" charset="0"/>
+                                    </a:rPr>
+                                    <m:t>1</m:t>
+                                  </m:r>
+                                </m:sub>
+                              </m:sSub>
+                            </m:e>
+                            <m:e>
+                              <m:r>
+                                <a:rPr lang="en-GB" i="0">
+                                  <a:latin typeface="Cambria Math" panose="02040503050406030204" pitchFamily="18" charset="0"/>
+                                </a:rPr>
+                                <m:t>&amp;</m:t>
+                              </m:r>
+                              <m:r>
+                                <a:rPr lang="en-GB" i="1">
+                                  <a:latin typeface="Cambria Math" panose="02040503050406030204" pitchFamily="18" charset="0"/>
+                                </a:rPr>
+                                <m:t>𝑤</m:t>
+                              </m:r>
+                              <m:r>
+                                <a:rPr lang="en-GB" i="0">
+                                  <a:latin typeface="Cambria Math" panose="02040503050406030204" pitchFamily="18" charset="0"/>
+                                </a:rPr>
+                                <m:t>= </m:t>
+                              </m:r>
+                              <m:sSub>
+                                <m:sSubPr>
+                                  <m:ctrlPr>
+                                    <a:rPr lang="en-GB" i="1">
+                                      <a:solidFill>
+                                        <a:srgbClr val="836967"/>
+                                      </a:solidFill>
+                                      <a:latin typeface="Cambria Math" panose="02040503050406030204" pitchFamily="18" charset="0"/>
+                                    </a:rPr>
+                                  </m:ctrlPr>
+                                </m:sSubPr>
+                                <m:e>
+                                  <m:r>
+                                    <a:rPr lang="en-GB" i="1">
+                                      <a:latin typeface="Cambria Math" panose="02040503050406030204" pitchFamily="18" charset="0"/>
+                                    </a:rPr>
+                                    <m:t>𝑤</m:t>
+                                  </m:r>
+                                </m:e>
+                                <m:sub>
+                                  <m:r>
+                                    <a:rPr lang="en-GB" i="1">
+                                      <a:latin typeface="Cambria Math" panose="02040503050406030204" pitchFamily="18" charset="0"/>
+                                    </a:rPr>
+                                    <m:t>𝑑</m:t>
+                                  </m:r>
+                                </m:sub>
+                              </m:sSub>
+                              <m:r>
+                                <a:rPr lang="en-GB" i="0">
+                                  <a:latin typeface="Cambria Math" panose="02040503050406030204" pitchFamily="18" charset="0"/>
+                                </a:rPr>
+                                <m:t>−</m:t>
+                              </m:r>
+                              <m:sSub>
+                                <m:sSubPr>
+                                  <m:ctrlPr>
+                                    <a:rPr lang="en-GB" i="1">
+                                      <a:solidFill>
+                                        <a:srgbClr val="836967"/>
+                                      </a:solidFill>
+                                      <a:latin typeface="Cambria Math" panose="02040503050406030204" pitchFamily="18" charset="0"/>
+                                    </a:rPr>
+                                  </m:ctrlPr>
+                                </m:sSubPr>
+                                <m:e>
+                                  <m:r>
+                                    <a:rPr lang="en-GB" i="1">
+                                      <a:latin typeface="Cambria Math" panose="02040503050406030204" pitchFamily="18" charset="0"/>
+                                    </a:rPr>
+                                    <m:t>𝑢</m:t>
+                                  </m:r>
+                                </m:e>
+                                <m:sub>
+                                  <m:r>
+                                    <a:rPr lang="en-GB" i="0">
+                                      <a:latin typeface="Cambria Math" panose="02040503050406030204" pitchFamily="18" charset="0"/>
+                                    </a:rPr>
+                                    <m:t>2</m:t>
+                                  </m:r>
+                                </m:sub>
+                              </m:sSub>
+                            </m:e>
+                          </m:eqArr>
+                        </m:e>
+                      </m:d>
+                    </m:oMath>
+                  </m:oMathPara>
+                </a14:m>
+                <a:endParaRPr lang="en-GB" dirty="0"/>
+              </a:p>
+            </p:txBody>
+          </p:sp>
+        </mc:Choice>
+        <mc:Fallback>
+          <p:sp>
+            <p:nvSpPr>
+              <p:cNvPr id="13" name="TextBox 12">
+                <a:extLst>
+                  <a:ext uri="{FF2B5EF4-FFF2-40B4-BE49-F238E27FC236}">
+                    <a16:creationId xmlns:a16="http://schemas.microsoft.com/office/drawing/2014/main" id="{01E50B1A-A628-E50F-471F-88939A71F5ED}"/>
+                  </a:ext>
+                </a:extLst>
+              </p:cNvPr>
+              <p:cNvSpPr txBox="1">
+                <a:spLocks noRot="1" noChangeAspect="1" noMove="1" noResize="1" noEditPoints="1" noAdjustHandles="1" noChangeArrowheads="1" noChangeShapeType="1" noTextEdit="1"/>
+              </p:cNvSpPr>
+              <p:nvPr/>
+            </p:nvSpPr>
+            <p:spPr>
+              <a:xfrm>
+                <a:off x="2927008" y="5849361"/>
+                <a:ext cx="4234148" cy="710194"/>
+              </a:xfrm>
+              <a:prstGeom prst="rect">
+                <a:avLst/>
+              </a:prstGeom>
+              <a:blipFill>
+                <a:blip r:embed="rId4"/>
+                <a:stretch>
+                  <a:fillRect/>
+                </a:stretch>
+              </a:blipFill>
+            </p:spPr>
+            <p:txBody>
+              <a:bodyPr/>
+              <a:lstStyle/>
+              <a:p>
+                <a:r>
+                  <a:rPr lang="en-GB">
+                    <a:noFill/>
+                  </a:rPr>
+                  <a:t> </a:t>
+                </a:r>
+              </a:p>
+            </p:txBody>
+          </p:sp>
+        </mc:Fallback>
+      </mc:AlternateContent>
+      <p:sp>
+        <p:nvSpPr>
+          <p:cNvPr id="14" name="TextBox 13">
+            <a:extLst>
+              <a:ext uri="{FF2B5EF4-FFF2-40B4-BE49-F238E27FC236}">
+                <a16:creationId xmlns:a16="http://schemas.microsoft.com/office/drawing/2014/main" id="{FF9C7773-79E6-D3E8-D77A-3F16E005EF6B}"/>
+              </a:ext>
+            </a:extLst>
+          </p:cNvPr>
+          <p:cNvSpPr txBox="1"/>
+          <p:nvPr/>
+        </p:nvSpPr>
+        <p:spPr>
+          <a:xfrm>
+            <a:off x="1058228" y="6022303"/>
+            <a:ext cx="3064825" cy="369332"/>
+          </a:xfrm>
+          <a:prstGeom prst="rect">
+            <a:avLst/>
+          </a:prstGeom>
+          <a:noFill/>
+        </p:spPr>
+        <p:txBody>
+          <a:bodyPr wrap="square" rtlCol="0">
+            <a:spAutoFit/>
+          </a:bodyPr>
+          <a:lstStyle/>
+          <a:p>
+            <a:r>
+              <a:rPr lang="en-GB" dirty="0">
+                <a:latin typeface="Bahnschrift" panose="020B0502040204020203" pitchFamily="34" charset="0"/>
+              </a:rPr>
+              <a:t>INPUT TRANSFORMATION</a:t>
+            </a:r>
+          </a:p>
+        </p:txBody>
+      </p:sp>
+      <mc:AlternateContent xmlns:mc="http://schemas.openxmlformats.org/markup-compatibility/2006">
+        <mc:Choice xmlns:a14="http://schemas.microsoft.com/office/drawing/2010/main" Requires="a14">
+          <p:sp>
+            <p:nvSpPr>
+              <p:cNvPr id="19" name="TextBox 18">
+                <a:extLst>
+                  <a:ext uri="{FF2B5EF4-FFF2-40B4-BE49-F238E27FC236}">
+                    <a16:creationId xmlns:a16="http://schemas.microsoft.com/office/drawing/2014/main" id="{CC974083-BB04-C6C7-4E22-5321515C0C4B}"/>
+                  </a:ext>
+                </a:extLst>
+              </p:cNvPr>
+              <p:cNvSpPr txBox="1"/>
+              <p:nvPr/>
+            </p:nvSpPr>
+            <p:spPr>
+              <a:xfrm>
+                <a:off x="3481601" y="4792160"/>
+                <a:ext cx="3362706" cy="656013"/>
+              </a:xfrm>
+              <a:prstGeom prst="rect">
+                <a:avLst/>
+              </a:prstGeom>
+              <a:noFill/>
+            </p:spPr>
+            <p:txBody>
+              <a:bodyPr wrap="square">
+                <a:spAutoFit/>
+              </a:bodyPr>
+              <a:lstStyle/>
+              <a:p>
+                <a:pPr/>
+                <a14:m>
+                  <m:oMathPara xmlns:m="http://schemas.openxmlformats.org/officeDocument/2006/math">
+                    <m:oMathParaPr>
+                      <m:jc m:val="centerGroup"/>
+                    </m:oMathParaPr>
+                    <m:oMath xmlns:m="http://schemas.openxmlformats.org/officeDocument/2006/math">
+                      <m:sSub>
+                        <m:sSubPr>
+                          <m:ctrlPr>
+                            <a:rPr lang="en-GB" i="1" smtClean="0">
+                              <a:solidFill>
+                                <a:srgbClr val="836967"/>
+                              </a:solidFill>
+                              <a:latin typeface="Cambria Math" panose="02040503050406030204" pitchFamily="18" charset="0"/>
+                            </a:rPr>
+                          </m:ctrlPr>
+                        </m:sSubPr>
+                        <m:e>
+                          <m:r>
+                            <a:rPr lang="en-GB" i="1">
+                              <a:latin typeface="Cambria Math" panose="02040503050406030204" pitchFamily="18" charset="0"/>
+                            </a:rPr>
+                            <m:t>𝐾</m:t>
+                          </m:r>
+                        </m:e>
+                        <m:sub>
+                          <m:r>
+                            <a:rPr lang="en-GB" i="0">
+                              <a:latin typeface="Cambria Math" panose="02040503050406030204" pitchFamily="18" charset="0"/>
+                            </a:rPr>
+                            <m:t>1</m:t>
+                          </m:r>
+                        </m:sub>
+                      </m:sSub>
+                      <m:r>
+                        <a:rPr lang="en-GB" i="0">
+                          <a:latin typeface="Cambria Math" panose="02040503050406030204" pitchFamily="18" charset="0"/>
+                        </a:rPr>
+                        <m:t>=</m:t>
+                      </m:r>
+                      <m:sSub>
+                        <m:sSubPr>
+                          <m:ctrlPr>
+                            <a:rPr lang="en-GB" i="1">
+                              <a:solidFill>
+                                <a:srgbClr val="836967"/>
+                              </a:solidFill>
+                              <a:latin typeface="Cambria Math" panose="02040503050406030204" pitchFamily="18" charset="0"/>
+                            </a:rPr>
+                          </m:ctrlPr>
+                        </m:sSubPr>
+                        <m:e>
+                          <m:r>
+                            <a:rPr lang="en-GB" i="1">
+                              <a:latin typeface="Cambria Math" panose="02040503050406030204" pitchFamily="18" charset="0"/>
+                            </a:rPr>
+                            <m:t>𝐾</m:t>
+                          </m:r>
+                        </m:e>
+                        <m:sub>
+                          <m:r>
+                            <a:rPr lang="en-GB" i="0">
+                              <a:latin typeface="Cambria Math" panose="02040503050406030204" pitchFamily="18" charset="0"/>
+                            </a:rPr>
+                            <m:t>3</m:t>
+                          </m:r>
+                        </m:sub>
+                      </m:sSub>
+                      <m:r>
+                        <a:rPr lang="en-GB" i="0">
+                          <a:latin typeface="Cambria Math" panose="02040503050406030204" pitchFamily="18" charset="0"/>
+                        </a:rPr>
+                        <m:t>=2</m:t>
+                      </m:r>
+                      <m:r>
+                        <a:rPr lang="en-GB" i="1">
+                          <a:latin typeface="Cambria Math" panose="02040503050406030204" pitchFamily="18" charset="0"/>
+                        </a:rPr>
+                        <m:t>𝜀</m:t>
+                      </m:r>
+                      <m:rad>
+                        <m:radPr>
+                          <m:degHide m:val="on"/>
+                          <m:ctrlPr>
+                            <a:rPr lang="en-GB" i="1">
+                              <a:solidFill>
+                                <a:srgbClr val="836967"/>
+                              </a:solidFill>
+                              <a:latin typeface="Cambria Math" panose="02040503050406030204" pitchFamily="18" charset="0"/>
+                            </a:rPr>
+                          </m:ctrlPr>
+                        </m:radPr>
+                        <m:deg/>
+                        <m:e>
+                          <m:r>
+                            <a:rPr lang="en-GB" i="1">
+                              <a:latin typeface="Cambria Math" panose="02040503050406030204" pitchFamily="18" charset="0"/>
+                            </a:rPr>
+                            <m:t>𝑏</m:t>
+                          </m:r>
+                          <m:sSub>
+                            <m:sSubPr>
+                              <m:ctrlPr>
+                                <a:rPr lang="en-GB" i="1">
+                                  <a:solidFill>
+                                    <a:srgbClr val="836967"/>
+                                  </a:solidFill>
+                                  <a:latin typeface="Cambria Math" panose="02040503050406030204" pitchFamily="18" charset="0"/>
+                                </a:rPr>
+                              </m:ctrlPr>
+                            </m:sSubPr>
+                            <m:e>
+                              <m:r>
+                                <a:rPr lang="en-GB" i="1">
+                                  <a:latin typeface="Cambria Math" panose="02040503050406030204" pitchFamily="18" charset="0"/>
+                                </a:rPr>
+                                <m:t>𝑣</m:t>
+                              </m:r>
+                            </m:e>
+                            <m:sub>
+                              <m:r>
+                                <a:rPr lang="en-GB" i="1">
+                                  <a:latin typeface="Cambria Math" panose="02040503050406030204" pitchFamily="18" charset="0"/>
+                                </a:rPr>
+                                <m:t>𝑑</m:t>
+                              </m:r>
+                            </m:sub>
+                          </m:sSub>
+                          <m:r>
+                            <a:rPr lang="en-GB" i="0">
+                              <a:latin typeface="Cambria Math" panose="02040503050406030204" pitchFamily="18" charset="0"/>
+                            </a:rPr>
+                            <m:t>+ </m:t>
+                          </m:r>
+                          <m:sSubSup>
+                            <m:sSubSupPr>
+                              <m:ctrlPr>
+                                <a:rPr lang="en-GB" i="1">
+                                  <a:solidFill>
+                                    <a:srgbClr val="836967"/>
+                                  </a:solidFill>
+                                  <a:latin typeface="Cambria Math" panose="02040503050406030204" pitchFamily="18" charset="0"/>
+                                </a:rPr>
+                              </m:ctrlPr>
+                            </m:sSubSupPr>
+                            <m:e>
+                              <m:r>
+                                <a:rPr lang="en-GB" i="1">
+                                  <a:latin typeface="Cambria Math" panose="02040503050406030204" pitchFamily="18" charset="0"/>
+                                </a:rPr>
+                                <m:t>𝑤</m:t>
+                              </m:r>
+                            </m:e>
+                            <m:sub>
+                              <m:r>
+                                <a:rPr lang="en-GB" i="1">
+                                  <a:latin typeface="Cambria Math" panose="02040503050406030204" pitchFamily="18" charset="0"/>
+                                </a:rPr>
+                                <m:t>𝑑</m:t>
+                              </m:r>
+                            </m:sub>
+                            <m:sup>
+                              <m:r>
+                                <a:rPr lang="en-GB" i="0">
+                                  <a:latin typeface="Cambria Math" panose="02040503050406030204" pitchFamily="18" charset="0"/>
+                                </a:rPr>
+                                <m:t>2</m:t>
+                              </m:r>
+                            </m:sup>
+                          </m:sSubSup>
+                        </m:e>
+                      </m:rad>
+                    </m:oMath>
+                  </m:oMathPara>
+                </a14:m>
+                <a:endParaRPr lang="en-GB" dirty="0"/>
+              </a:p>
+            </p:txBody>
+          </p:sp>
+        </mc:Choice>
+        <mc:Fallback>
+          <p:sp>
+            <p:nvSpPr>
+              <p:cNvPr id="19" name="TextBox 18">
+                <a:extLst>
+                  <a:ext uri="{FF2B5EF4-FFF2-40B4-BE49-F238E27FC236}">
+                    <a16:creationId xmlns:a16="http://schemas.microsoft.com/office/drawing/2014/main" id="{CC974083-BB04-C6C7-4E22-5321515C0C4B}"/>
+                  </a:ext>
+                </a:extLst>
+              </p:cNvPr>
+              <p:cNvSpPr txBox="1">
+                <a:spLocks noRot="1" noChangeAspect="1" noMove="1" noResize="1" noEditPoints="1" noAdjustHandles="1" noChangeArrowheads="1" noChangeShapeType="1" noTextEdit="1"/>
+              </p:cNvSpPr>
+              <p:nvPr/>
+            </p:nvSpPr>
+            <p:spPr>
+              <a:xfrm>
+                <a:off x="3481601" y="4792160"/>
+                <a:ext cx="3362706" cy="656013"/>
+              </a:xfrm>
+              <a:prstGeom prst="rect">
+                <a:avLst/>
+              </a:prstGeom>
+              <a:blipFill>
+                <a:blip r:embed="rId5"/>
+                <a:stretch>
+                  <a:fillRect/>
+                </a:stretch>
+              </a:blipFill>
+            </p:spPr>
+            <p:txBody>
+              <a:bodyPr/>
+              <a:lstStyle/>
+              <a:p>
+                <a:r>
+                  <a:rPr lang="en-GB">
+                    <a:noFill/>
+                  </a:rPr>
+                  <a:t> </a:t>
+                </a:r>
+              </a:p>
+            </p:txBody>
+          </p:sp>
+        </mc:Fallback>
+      </mc:AlternateContent>
+      <mc:AlternateContent xmlns:mc="http://schemas.openxmlformats.org/markup-compatibility/2006">
+        <mc:Choice xmlns:a14="http://schemas.microsoft.com/office/drawing/2010/main" Requires="a14">
+          <p:sp>
+            <p:nvSpPr>
+              <p:cNvPr id="21" name="TextBox 20">
+                <a:extLst>
+                  <a:ext uri="{FF2B5EF4-FFF2-40B4-BE49-F238E27FC236}">
+                    <a16:creationId xmlns:a16="http://schemas.microsoft.com/office/drawing/2014/main" id="{FBA36ED4-903B-3C00-ED88-105BFFAE8C14}"/>
+                  </a:ext>
+                </a:extLst>
+              </p:cNvPr>
+              <p:cNvSpPr txBox="1"/>
+              <p:nvPr/>
+            </p:nvSpPr>
+            <p:spPr>
+              <a:xfrm>
+                <a:off x="3564256" y="5398146"/>
+                <a:ext cx="3048762" cy="369332"/>
+              </a:xfrm>
+              <a:prstGeom prst="rect">
+                <a:avLst/>
+              </a:prstGeom>
+              <a:noFill/>
+            </p:spPr>
+            <p:txBody>
+              <a:bodyPr wrap="square">
+                <a:spAutoFit/>
+              </a:bodyPr>
+              <a:lstStyle/>
+              <a:p>
+                <a:pPr/>
+                <a14:m>
+                  <m:oMathPara xmlns:m="http://schemas.openxmlformats.org/officeDocument/2006/math">
+                    <m:oMathParaPr>
+                      <m:jc m:val="centerGroup"/>
+                    </m:oMathParaPr>
+                    <m:oMath xmlns:m="http://schemas.openxmlformats.org/officeDocument/2006/math">
+                      <m:sSub>
+                        <m:sSubPr>
+                          <m:ctrlPr>
+                            <a:rPr lang="en-GB" i="1" smtClean="0">
+                              <a:solidFill>
+                                <a:srgbClr val="836967"/>
+                              </a:solidFill>
+                              <a:latin typeface="Cambria Math" panose="02040503050406030204" pitchFamily="18" charset="0"/>
+                            </a:rPr>
+                          </m:ctrlPr>
+                        </m:sSubPr>
+                        <m:e>
+                          <m:r>
+                            <a:rPr lang="en-GB" i="1">
+                              <a:latin typeface="Cambria Math" panose="02040503050406030204" pitchFamily="18" charset="0"/>
+                            </a:rPr>
+                            <m:t>𝐾</m:t>
+                          </m:r>
+                        </m:e>
+                        <m:sub>
+                          <m:r>
+                            <a:rPr lang="en-GB" i="0">
+                              <a:latin typeface="Cambria Math" panose="02040503050406030204" pitchFamily="18" charset="0"/>
+                            </a:rPr>
+                            <m:t>2</m:t>
+                          </m:r>
+                        </m:sub>
+                      </m:sSub>
+                      <m:r>
+                        <a:rPr lang="en-GB" i="0">
+                          <a:latin typeface="Cambria Math" panose="02040503050406030204" pitchFamily="18" charset="0"/>
+                        </a:rPr>
+                        <m:t>=</m:t>
+                      </m:r>
+                      <m:r>
+                        <a:rPr lang="en-GB" i="1">
+                          <a:latin typeface="Cambria Math" panose="02040503050406030204" pitchFamily="18" charset="0"/>
+                        </a:rPr>
+                        <m:t>𝑏</m:t>
+                      </m:r>
+                    </m:oMath>
+                  </m:oMathPara>
+                </a14:m>
+                <a:endParaRPr lang="en-GB" dirty="0"/>
+              </a:p>
+            </p:txBody>
+          </p:sp>
+        </mc:Choice>
+        <mc:Fallback>
+          <p:sp>
+            <p:nvSpPr>
+              <p:cNvPr id="21" name="TextBox 20">
+                <a:extLst>
+                  <a:ext uri="{FF2B5EF4-FFF2-40B4-BE49-F238E27FC236}">
+                    <a16:creationId xmlns:a16="http://schemas.microsoft.com/office/drawing/2014/main" id="{FBA36ED4-903B-3C00-ED88-105BFFAE8C14}"/>
+                  </a:ext>
+                </a:extLst>
+              </p:cNvPr>
+              <p:cNvSpPr txBox="1">
+                <a:spLocks noRot="1" noChangeAspect="1" noMove="1" noResize="1" noEditPoints="1" noAdjustHandles="1" noChangeArrowheads="1" noChangeShapeType="1" noTextEdit="1"/>
+              </p:cNvSpPr>
+              <p:nvPr/>
+            </p:nvSpPr>
+            <p:spPr>
+              <a:xfrm>
+                <a:off x="3564256" y="5398146"/>
+                <a:ext cx="3048762" cy="369332"/>
+              </a:xfrm>
+              <a:prstGeom prst="rect">
+                <a:avLst/>
+              </a:prstGeom>
+              <a:blipFill>
+                <a:blip r:embed="rId6"/>
+                <a:stretch>
+                  <a:fillRect/>
+                </a:stretch>
+              </a:blipFill>
+            </p:spPr>
+            <p:txBody>
+              <a:bodyPr/>
+              <a:lstStyle/>
+              <a:p>
+                <a:r>
+                  <a:rPr lang="en-GB">
+                    <a:noFill/>
+                  </a:rPr>
+                  <a:t> </a:t>
+                </a:r>
+              </a:p>
+            </p:txBody>
+          </p:sp>
+        </mc:Fallback>
+      </mc:AlternateContent>
+      <p:sp>
+        <p:nvSpPr>
+          <p:cNvPr id="22" name="TextBox 21">
+            <a:extLst>
+              <a:ext uri="{FF2B5EF4-FFF2-40B4-BE49-F238E27FC236}">
+                <a16:creationId xmlns:a16="http://schemas.microsoft.com/office/drawing/2014/main" id="{3FC374BE-A4D0-BCD7-FFE6-57D0E0B81250}"/>
+              </a:ext>
+            </a:extLst>
+          </p:cNvPr>
+          <p:cNvSpPr txBox="1"/>
+          <p:nvPr/>
+        </p:nvSpPr>
+        <p:spPr>
+          <a:xfrm>
+            <a:off x="1045002" y="5161314"/>
+            <a:ext cx="2071019" cy="369332"/>
+          </a:xfrm>
+          <a:prstGeom prst="rect">
+            <a:avLst/>
+          </a:prstGeom>
+          <a:noFill/>
+        </p:spPr>
+        <p:txBody>
+          <a:bodyPr wrap="square" rtlCol="0">
+            <a:spAutoFit/>
+          </a:bodyPr>
+          <a:lstStyle/>
+          <a:p>
+            <a:r>
+              <a:rPr lang="en-GB" dirty="0">
+                <a:latin typeface="Bahnschrift" panose="020B0502040204020203" pitchFamily="34" charset="0"/>
+              </a:rPr>
+              <a:t>CONTROL GAINS</a:t>
+            </a:r>
+          </a:p>
+        </p:txBody>
+      </p:sp>
+      <mc:AlternateContent xmlns:mc="http://schemas.openxmlformats.org/markup-compatibility/2006">
+        <mc:Choice xmlns:a14="http://schemas.microsoft.com/office/drawing/2010/main" Requires="a14">
+          <p:sp>
+            <p:nvSpPr>
+              <p:cNvPr id="24" name="TextBox 23">
+                <a:extLst>
+                  <a:ext uri="{FF2B5EF4-FFF2-40B4-BE49-F238E27FC236}">
+                    <a16:creationId xmlns:a16="http://schemas.microsoft.com/office/drawing/2014/main" id="{82AA3ED0-BE01-FC53-530B-7B764647D772}"/>
+                  </a:ext>
+                </a:extLst>
+              </p:cNvPr>
+              <p:cNvSpPr txBox="1"/>
+              <p:nvPr/>
+            </p:nvSpPr>
+            <p:spPr>
+              <a:xfrm>
+                <a:off x="2595179" y="3633221"/>
+                <a:ext cx="5423886" cy="1117998"/>
+              </a:xfrm>
+              <a:prstGeom prst="rect">
+                <a:avLst/>
+              </a:prstGeom>
+              <a:noFill/>
+            </p:spPr>
+            <p:txBody>
+              <a:bodyPr wrap="square">
+                <a:spAutoFit/>
+              </a:bodyPr>
+              <a:lstStyle/>
+              <a:p>
+                <a:pPr/>
+                <a14:m>
+                  <m:oMathPara xmlns:m="http://schemas.openxmlformats.org/officeDocument/2006/math">
+                    <m:oMathParaPr>
+                      <m:jc m:val="centerGroup"/>
+                    </m:oMathParaPr>
+                    <m:oMath xmlns:m="http://schemas.openxmlformats.org/officeDocument/2006/math">
+                      <m:d>
+                        <m:dPr>
+                          <m:begChr m:val="{"/>
+                          <m:endChr m:val=""/>
+                          <m:ctrlPr>
+                            <a:rPr lang="en-GB" i="1" smtClean="0">
+                              <a:solidFill>
+                                <a:srgbClr val="836967"/>
+                              </a:solidFill>
+                              <a:latin typeface="Cambria Math" panose="02040503050406030204" pitchFamily="18" charset="0"/>
+                            </a:rPr>
+                          </m:ctrlPr>
+                        </m:dPr>
+                        <m:e>
+                          <m:eqArr>
+                            <m:eqArrPr>
+                              <m:ctrlPr>
+                                <a:rPr lang="en-GB" i="1">
+                                  <a:solidFill>
+                                    <a:srgbClr val="836967"/>
+                                  </a:solidFill>
+                                  <a:latin typeface="Cambria Math" panose="02040503050406030204" pitchFamily="18" charset="0"/>
+                                </a:rPr>
+                              </m:ctrlPr>
+                            </m:eqArrPr>
+                            <m:e>
+                              <m:r>
+                                <a:rPr lang="en-GB">
+                                  <a:latin typeface="Cambria Math" panose="02040503050406030204" pitchFamily="18" charset="0"/>
+                                </a:rPr>
+                                <m:t>&amp;</m:t>
+                              </m:r>
+                              <m:sSub>
+                                <m:sSubPr>
+                                  <m:ctrlPr>
+                                    <a:rPr lang="en-GB" i="1">
+                                      <a:solidFill>
+                                        <a:srgbClr val="836967"/>
+                                      </a:solidFill>
+                                      <a:latin typeface="Cambria Math" panose="02040503050406030204" pitchFamily="18" charset="0"/>
+                                    </a:rPr>
+                                  </m:ctrlPr>
+                                </m:sSubPr>
+                                <m:e>
+                                  <m:r>
+                                    <a:rPr lang="en-GB" i="1">
+                                      <a:latin typeface="Cambria Math" panose="02040503050406030204" pitchFamily="18" charset="0"/>
+                                    </a:rPr>
+                                    <m:t>𝑢</m:t>
+                                  </m:r>
+                                </m:e>
+                                <m:sub>
+                                  <m:r>
+                                    <a:rPr lang="en-GB" i="0">
+                                      <a:latin typeface="Cambria Math" panose="02040503050406030204" pitchFamily="18" charset="0"/>
+                                    </a:rPr>
+                                    <m:t>1</m:t>
+                                  </m:r>
+                                </m:sub>
+                              </m:sSub>
+                              <m:r>
+                                <a:rPr lang="en-GB" i="0">
+                                  <a:latin typeface="Cambria Math" panose="02040503050406030204" pitchFamily="18" charset="0"/>
+                                </a:rPr>
+                                <m:t>=</m:t>
+                              </m:r>
+                              <m:sSub>
+                                <m:sSubPr>
+                                  <m:ctrlPr>
+                                    <a:rPr lang="en-GB" i="1">
+                                      <a:solidFill>
+                                        <a:srgbClr val="836967"/>
+                                      </a:solidFill>
+                                      <a:latin typeface="Cambria Math" panose="02040503050406030204" pitchFamily="18" charset="0"/>
+                                    </a:rPr>
+                                  </m:ctrlPr>
+                                </m:sSubPr>
+                                <m:e>
+                                  <m:r>
+                                    <a:rPr lang="en-GB" i="0">
+                                      <a:latin typeface="Cambria Math" panose="02040503050406030204" pitchFamily="18" charset="0"/>
+                                    </a:rPr>
+                                    <m:t>−</m:t>
+                                  </m:r>
+                                  <m:r>
+                                    <a:rPr lang="en-GB" i="1">
+                                      <a:latin typeface="Cambria Math" panose="02040503050406030204" pitchFamily="18" charset="0"/>
+                                    </a:rPr>
+                                    <m:t>𝐾</m:t>
+                                  </m:r>
+                                </m:e>
+                                <m:sub>
+                                  <m:r>
+                                    <a:rPr lang="en-GB" i="0">
+                                      <a:latin typeface="Cambria Math" panose="02040503050406030204" pitchFamily="18" charset="0"/>
+                                    </a:rPr>
+                                    <m:t>1</m:t>
+                                  </m:r>
+                                </m:sub>
+                              </m:sSub>
+                              <m:sSub>
+                                <m:sSubPr>
+                                  <m:ctrlPr>
+                                    <a:rPr lang="en-GB" i="1">
+                                      <a:solidFill>
+                                        <a:srgbClr val="836967"/>
+                                      </a:solidFill>
+                                      <a:latin typeface="Cambria Math" panose="02040503050406030204" pitchFamily="18" charset="0"/>
+                                    </a:rPr>
+                                  </m:ctrlPr>
+                                </m:sSubPr>
+                                <m:e>
+                                  <m:r>
+                                    <a:rPr lang="en-GB" i="1">
+                                      <a:latin typeface="Cambria Math" panose="02040503050406030204" pitchFamily="18" charset="0"/>
+                                    </a:rPr>
+                                    <m:t>𝑒</m:t>
+                                  </m:r>
+                                </m:e>
+                                <m:sub>
+                                  <m:r>
+                                    <a:rPr lang="en-GB" i="1">
+                                      <a:latin typeface="Cambria Math" panose="02040503050406030204" pitchFamily="18" charset="0"/>
+                                    </a:rPr>
+                                    <m:t>𝑥</m:t>
+                                  </m:r>
+                                </m:sub>
+                              </m:sSub>
+                            </m:e>
+                            <m:e>
+                              <m:r>
+                                <a:rPr lang="en-GB" i="0">
+                                  <a:latin typeface="Cambria Math" panose="02040503050406030204" pitchFamily="18" charset="0"/>
+                                </a:rPr>
+                                <m:t>&amp;</m:t>
+                              </m:r>
+                              <m:sSub>
+                                <m:sSubPr>
+                                  <m:ctrlPr>
+                                    <a:rPr lang="en-GB" i="1">
+                                      <a:solidFill>
+                                        <a:srgbClr val="836967"/>
+                                      </a:solidFill>
+                                      <a:latin typeface="Cambria Math" panose="02040503050406030204" pitchFamily="18" charset="0"/>
+                                    </a:rPr>
+                                  </m:ctrlPr>
+                                </m:sSubPr>
+                                <m:e>
+                                  <m:r>
+                                    <a:rPr lang="en-GB" i="1">
+                                      <a:latin typeface="Cambria Math" panose="02040503050406030204" pitchFamily="18" charset="0"/>
+                                    </a:rPr>
+                                    <m:t>𝑢</m:t>
+                                  </m:r>
+                                </m:e>
+                                <m:sub>
+                                  <m:r>
+                                    <a:rPr lang="en-GB" i="0">
+                                      <a:latin typeface="Cambria Math" panose="02040503050406030204" pitchFamily="18" charset="0"/>
+                                    </a:rPr>
+                                    <m:t>2</m:t>
+                                  </m:r>
+                                </m:sub>
+                              </m:sSub>
+                              <m:r>
+                                <a:rPr lang="en-GB" i="0">
+                                  <a:latin typeface="Cambria Math" panose="02040503050406030204" pitchFamily="18" charset="0"/>
+                                </a:rPr>
+                                <m:t>=</m:t>
+                              </m:r>
+                              <m:sSub>
+                                <m:sSubPr>
+                                  <m:ctrlPr>
+                                    <a:rPr lang="en-GB" i="1">
+                                      <a:solidFill>
+                                        <a:srgbClr val="836967"/>
+                                      </a:solidFill>
+                                      <a:latin typeface="Cambria Math" panose="02040503050406030204" pitchFamily="18" charset="0"/>
+                                    </a:rPr>
+                                  </m:ctrlPr>
+                                </m:sSubPr>
+                                <m:e>
+                                  <m:r>
+                                    <a:rPr lang="en-GB" i="0">
+                                      <a:latin typeface="Cambria Math" panose="02040503050406030204" pitchFamily="18" charset="0"/>
+                                    </a:rPr>
+                                    <m:t>−</m:t>
+                                  </m:r>
+                                  <m:r>
+                                    <a:rPr lang="en-GB" i="1">
+                                      <a:latin typeface="Cambria Math" panose="02040503050406030204" pitchFamily="18" charset="0"/>
+                                    </a:rPr>
+                                    <m:t>𝐾</m:t>
+                                  </m:r>
+                                </m:e>
+                                <m:sub>
+                                  <m:r>
+                                    <a:rPr lang="en-GB" i="0">
+                                      <a:latin typeface="Cambria Math" panose="02040503050406030204" pitchFamily="18" charset="0"/>
+                                    </a:rPr>
+                                    <m:t>2</m:t>
+                                  </m:r>
+                                </m:sub>
+                              </m:sSub>
+                              <m:d>
+                                <m:dPr>
+                                  <m:ctrlPr>
+                                    <a:rPr lang="en-GB" i="1">
+                                      <a:solidFill>
+                                        <a:srgbClr val="836967"/>
+                                      </a:solidFill>
+                                      <a:latin typeface="Cambria Math" panose="02040503050406030204" pitchFamily="18" charset="0"/>
+                                    </a:rPr>
+                                  </m:ctrlPr>
+                                </m:dPr>
+                                <m:e>
+                                  <m:sSub>
+                                    <m:sSubPr>
+                                      <m:ctrlPr>
+                                        <a:rPr lang="en-GB" i="1">
+                                          <a:solidFill>
+                                            <a:srgbClr val="836967"/>
+                                          </a:solidFill>
+                                          <a:latin typeface="Cambria Math" panose="02040503050406030204" pitchFamily="18" charset="0"/>
+                                        </a:rPr>
+                                      </m:ctrlPr>
+                                    </m:sSubPr>
+                                    <m:e>
+                                      <m:r>
+                                        <a:rPr lang="en-GB" i="1">
+                                          <a:latin typeface="Cambria Math" panose="02040503050406030204" pitchFamily="18" charset="0"/>
+                                        </a:rPr>
+                                        <m:t>𝑣</m:t>
+                                      </m:r>
+                                    </m:e>
+                                    <m:sub>
+                                      <m:r>
+                                        <a:rPr lang="en-GB" i="1">
+                                          <a:latin typeface="Cambria Math" panose="02040503050406030204" pitchFamily="18" charset="0"/>
+                                        </a:rPr>
+                                        <m:t>𝑑</m:t>
+                                      </m:r>
+                                    </m:sub>
+                                  </m:sSub>
+                                  <m:f>
+                                    <m:fPr>
+                                      <m:ctrlPr>
+                                        <a:rPr lang="en-GB" i="1">
+                                          <a:solidFill>
+                                            <a:srgbClr val="836967"/>
+                                          </a:solidFill>
+                                          <a:latin typeface="Cambria Math" panose="02040503050406030204" pitchFamily="18" charset="0"/>
+                                        </a:rPr>
+                                      </m:ctrlPr>
+                                    </m:fPr>
+                                    <m:num>
+                                      <m:r>
+                                        <a:rPr lang="en-GB" i="1">
+                                          <a:latin typeface="Cambria Math" panose="02040503050406030204" pitchFamily="18" charset="0"/>
+                                        </a:rPr>
+                                        <m:t>𝑠𝑖𝑛</m:t>
+                                      </m:r>
+                                      <m:r>
+                                        <a:rPr lang="en-GB" i="0">
+                                          <a:latin typeface="Cambria Math" panose="02040503050406030204" pitchFamily="18" charset="0"/>
+                                        </a:rPr>
+                                        <m:t> </m:t>
+                                      </m:r>
+                                      <m:sSub>
+                                        <m:sSubPr>
+                                          <m:ctrlPr>
+                                            <a:rPr lang="en-GB" i="1">
+                                              <a:solidFill>
+                                                <a:srgbClr val="836967"/>
+                                              </a:solidFill>
+                                              <a:latin typeface="Cambria Math" panose="02040503050406030204" pitchFamily="18" charset="0"/>
+                                            </a:rPr>
+                                          </m:ctrlPr>
+                                        </m:sSubPr>
+                                        <m:e>
+                                          <m:r>
+                                            <a:rPr lang="en-GB" i="1">
+                                              <a:latin typeface="Cambria Math" panose="02040503050406030204" pitchFamily="18" charset="0"/>
+                                            </a:rPr>
+                                            <m:t>𝑒</m:t>
+                                          </m:r>
+                                        </m:e>
+                                        <m:sub>
+                                          <m:r>
+                                            <a:rPr lang="en-GB" i="1">
+                                              <a:latin typeface="Cambria Math" panose="02040503050406030204" pitchFamily="18" charset="0"/>
+                                            </a:rPr>
+                                            <m:t>𝜃</m:t>
+                                          </m:r>
+                                        </m:sub>
+                                      </m:sSub>
+                                    </m:num>
+                                    <m:den>
+                                      <m:sSub>
+                                        <m:sSubPr>
+                                          <m:ctrlPr>
+                                            <a:rPr lang="en-GB" i="1">
+                                              <a:solidFill>
+                                                <a:srgbClr val="836967"/>
+                                              </a:solidFill>
+                                              <a:latin typeface="Cambria Math" panose="02040503050406030204" pitchFamily="18" charset="0"/>
+                                            </a:rPr>
+                                          </m:ctrlPr>
+                                        </m:sSubPr>
+                                        <m:e>
+                                          <m:r>
+                                            <a:rPr lang="en-GB" i="1">
+                                              <a:latin typeface="Cambria Math" panose="02040503050406030204" pitchFamily="18" charset="0"/>
+                                            </a:rPr>
+                                            <m:t>𝑒</m:t>
+                                          </m:r>
+                                        </m:e>
+                                        <m:sub>
+                                          <m:r>
+                                            <a:rPr lang="en-GB" i="1">
+                                              <a:latin typeface="Cambria Math" panose="02040503050406030204" pitchFamily="18" charset="0"/>
+                                            </a:rPr>
+                                            <m:t>𝜃</m:t>
+                                          </m:r>
+                                        </m:sub>
+                                      </m:sSub>
+                                    </m:den>
+                                  </m:f>
+                                </m:e>
+                              </m:d>
+                              <m:sSub>
+                                <m:sSubPr>
+                                  <m:ctrlPr>
+                                    <a:rPr lang="en-GB" i="1">
+                                      <a:solidFill>
+                                        <a:srgbClr val="836967"/>
+                                      </a:solidFill>
+                                      <a:latin typeface="Cambria Math" panose="02040503050406030204" pitchFamily="18" charset="0"/>
+                                    </a:rPr>
+                                  </m:ctrlPr>
+                                </m:sSubPr>
+                                <m:e>
+                                  <m:r>
+                                    <a:rPr lang="en-GB" i="1">
+                                      <a:latin typeface="Cambria Math" panose="02040503050406030204" pitchFamily="18" charset="0"/>
+                                    </a:rPr>
+                                    <m:t>𝑒</m:t>
+                                  </m:r>
+                                </m:e>
+                                <m:sub>
+                                  <m:r>
+                                    <a:rPr lang="en-GB" i="1">
+                                      <a:latin typeface="Cambria Math" panose="02040503050406030204" pitchFamily="18" charset="0"/>
+                                    </a:rPr>
+                                    <m:t>𝑦</m:t>
+                                  </m:r>
+                                </m:sub>
+                              </m:sSub>
+                              <m:r>
+                                <a:rPr lang="en-GB" i="0">
+                                  <a:latin typeface="Cambria Math" panose="02040503050406030204" pitchFamily="18" charset="0"/>
+                                </a:rPr>
+                                <m:t>−</m:t>
+                              </m:r>
+                              <m:sSub>
+                                <m:sSubPr>
+                                  <m:ctrlPr>
+                                    <a:rPr lang="en-GB" i="1">
+                                      <a:solidFill>
+                                        <a:srgbClr val="836967"/>
+                                      </a:solidFill>
+                                      <a:latin typeface="Cambria Math" panose="02040503050406030204" pitchFamily="18" charset="0"/>
+                                    </a:rPr>
+                                  </m:ctrlPr>
+                                </m:sSubPr>
+                                <m:e>
+                                  <m:r>
+                                    <a:rPr lang="en-GB" i="1">
+                                      <a:latin typeface="Cambria Math" panose="02040503050406030204" pitchFamily="18" charset="0"/>
+                                    </a:rPr>
+                                    <m:t>𝐾</m:t>
+                                  </m:r>
+                                </m:e>
+                                <m:sub>
+                                  <m:r>
+                                    <a:rPr lang="en-GB" i="0">
+                                      <a:latin typeface="Cambria Math" panose="02040503050406030204" pitchFamily="18" charset="0"/>
+                                    </a:rPr>
+                                    <m:t>3</m:t>
+                                  </m:r>
+                                </m:sub>
+                              </m:sSub>
+                              <m:sSub>
+                                <m:sSubPr>
+                                  <m:ctrlPr>
+                                    <a:rPr lang="en-GB" i="1">
+                                      <a:solidFill>
+                                        <a:srgbClr val="836967"/>
+                                      </a:solidFill>
+                                      <a:latin typeface="Cambria Math" panose="02040503050406030204" pitchFamily="18" charset="0"/>
+                                    </a:rPr>
+                                  </m:ctrlPr>
+                                </m:sSubPr>
+                                <m:e>
+                                  <m:r>
+                                    <a:rPr lang="en-GB" i="1">
+                                      <a:latin typeface="Cambria Math" panose="02040503050406030204" pitchFamily="18" charset="0"/>
+                                    </a:rPr>
+                                    <m:t>𝑒</m:t>
+                                  </m:r>
+                                </m:e>
+                                <m:sub>
+                                  <m:r>
+                                    <a:rPr lang="en-GB" i="1">
+                                      <a:latin typeface="Cambria Math" panose="02040503050406030204" pitchFamily="18" charset="0"/>
+                                    </a:rPr>
+                                    <m:t>𝜃</m:t>
+                                  </m:r>
+                                </m:sub>
+                              </m:sSub>
+                            </m:e>
+                          </m:eqArr>
+                        </m:e>
+                      </m:d>
+                    </m:oMath>
+                  </m:oMathPara>
+                </a14:m>
+                <a:endParaRPr lang="en-GB" dirty="0"/>
+              </a:p>
+            </p:txBody>
+          </p:sp>
+        </mc:Choice>
+        <mc:Fallback>
+          <p:sp>
+            <p:nvSpPr>
+              <p:cNvPr id="24" name="TextBox 23">
+                <a:extLst>
+                  <a:ext uri="{FF2B5EF4-FFF2-40B4-BE49-F238E27FC236}">
+                    <a16:creationId xmlns:a16="http://schemas.microsoft.com/office/drawing/2014/main" id="{82AA3ED0-BE01-FC53-530B-7B764647D772}"/>
+                  </a:ext>
+                </a:extLst>
+              </p:cNvPr>
+              <p:cNvSpPr txBox="1">
+                <a:spLocks noRot="1" noChangeAspect="1" noMove="1" noResize="1" noEditPoints="1" noAdjustHandles="1" noChangeArrowheads="1" noChangeShapeType="1" noTextEdit="1"/>
+              </p:cNvSpPr>
+              <p:nvPr/>
+            </p:nvSpPr>
+            <p:spPr>
+              <a:xfrm>
+                <a:off x="2595179" y="3633221"/>
+                <a:ext cx="5423886" cy="1117998"/>
+              </a:xfrm>
+              <a:prstGeom prst="rect">
+                <a:avLst/>
+              </a:prstGeom>
+              <a:blipFill>
+                <a:blip r:embed="rId7"/>
+                <a:stretch>
+                  <a:fillRect/>
+                </a:stretch>
+              </a:blipFill>
+            </p:spPr>
+            <p:txBody>
+              <a:bodyPr/>
+              <a:lstStyle/>
+              <a:p>
+                <a:r>
+                  <a:rPr lang="en-GB">
+                    <a:noFill/>
+                  </a:rPr>
+                  <a:t> </a:t>
+                </a:r>
+              </a:p>
+            </p:txBody>
+          </p:sp>
+        </mc:Fallback>
+      </mc:AlternateContent>
+      <p:sp>
+        <p:nvSpPr>
+          <p:cNvPr id="25" name="TextBox 24">
+            <a:extLst>
+              <a:ext uri="{FF2B5EF4-FFF2-40B4-BE49-F238E27FC236}">
+                <a16:creationId xmlns:a16="http://schemas.microsoft.com/office/drawing/2014/main" id="{3CD6BCBB-1BD2-F063-9A3E-39A002E0BBDD}"/>
+              </a:ext>
+            </a:extLst>
+          </p:cNvPr>
+          <p:cNvSpPr txBox="1"/>
+          <p:nvPr/>
+        </p:nvSpPr>
+        <p:spPr>
+          <a:xfrm>
+            <a:off x="1031852" y="4012555"/>
+            <a:ext cx="2071019" cy="369332"/>
+          </a:xfrm>
+          <a:prstGeom prst="rect">
+            <a:avLst/>
+          </a:prstGeom>
+          <a:noFill/>
+        </p:spPr>
+        <p:txBody>
+          <a:bodyPr wrap="square" rtlCol="0">
+            <a:spAutoFit/>
+          </a:bodyPr>
+          <a:lstStyle/>
+          <a:p>
+            <a:r>
+              <a:rPr lang="en-GB" dirty="0">
+                <a:latin typeface="Bahnschrift" panose="020B0502040204020203" pitchFamily="34" charset="0"/>
+              </a:rPr>
+              <a:t>CONTROL LAW</a:t>
+            </a:r>
+          </a:p>
+        </p:txBody>
+      </p:sp>
     </p:spTree>
     <p:extLst>
       <p:ext uri="{BB962C8B-B14F-4D97-AF65-F5344CB8AC3E}">
@@ -13803,10 +16643,10 @@
       </p:grpSpPr>
       <p:sp>
         <p:nvSpPr>
-          <p:cNvPr id="12" name="Rectangle 11">
+          <p:cNvPr id="23" name="Rectangle 22">
             <a:extLst>
               <a:ext uri="{FF2B5EF4-FFF2-40B4-BE49-F238E27FC236}">
-                <a16:creationId xmlns:a16="http://schemas.microsoft.com/office/drawing/2014/main" id="{50A6EB3F-7267-F1C4-A191-60A50CEDFE8A}"/>
+                <a16:creationId xmlns:a16="http://schemas.microsoft.com/office/drawing/2014/main" id="{55771DA9-3D95-5377-7E0E-59A002DACACC}"/>
               </a:ext>
             </a:extLst>
           </p:cNvPr>
@@ -13850,7 +16690,8 @@
           <a:bodyPr rtlCol="0" anchor="ctr"/>
           <a:lstStyle/>
           <a:p>
-            <a:endParaRPr lang="en-GB" dirty="0"/>
+            <a:pPr algn="ctr"/>
+            <a:endParaRPr lang="en-GB"/>
           </a:p>
         </p:txBody>
       </p:sp>
@@ -14012,44 +16853,6 @@
       </p:sp>
       <p:sp>
         <p:nvSpPr>
-          <p:cNvPr id="8" name="Title 1">
-            <a:extLst>
-              <a:ext uri="{FF2B5EF4-FFF2-40B4-BE49-F238E27FC236}">
-                <a16:creationId xmlns:a16="http://schemas.microsoft.com/office/drawing/2014/main" id="{C5AE22D7-4E9A-6447-F5F0-AF4D09B470C5}"/>
-              </a:ext>
-            </a:extLst>
-          </p:cNvPr>
-          <p:cNvSpPr>
-            <a:spLocks noGrp="1"/>
-          </p:cNvSpPr>
-          <p:nvPr>
-            <p:ph type="title"/>
-          </p:nvPr>
-        </p:nvSpPr>
-        <p:spPr>
-          <a:xfrm>
-            <a:off x="0" y="365125"/>
-            <a:ext cx="12192000" cy="1325563"/>
-          </a:xfrm>
-        </p:spPr>
-        <p:txBody>
-          <a:bodyPr>
-            <a:normAutofit/>
-          </a:bodyPr>
-          <a:lstStyle/>
-          <a:p>
-            <a:pPr algn="ctr"/>
-            <a:r>
-              <a:rPr lang="it-IT" sz="3600" b="1" dirty="0">
-                <a:latin typeface="Bahnschrift" panose="020B0502040204020203" pitchFamily="34" charset="0"/>
-              </a:rPr>
-              <a:t>SAGITTAL CONTROLLER- IMPLEMENTATION</a:t>
-            </a:r>
-          </a:p>
-        </p:txBody>
-      </p:sp>
-      <p:sp>
-        <p:nvSpPr>
           <p:cNvPr id="15" name="Content Placeholder 2">
             <a:extLst>
               <a:ext uri="{FF2B5EF4-FFF2-40B4-BE49-F238E27FC236}">
@@ -14064,8 +16867,8 @@
         </p:nvSpPr>
         <p:spPr>
           <a:xfrm>
-            <a:off x="5058115" y="4277953"/>
-            <a:ext cx="6145230" cy="1692485"/>
+            <a:off x="8028418" y="4210156"/>
+            <a:ext cx="2824550" cy="1692485"/>
           </a:xfrm>
           <a:prstGeom prst="rect">
             <a:avLst/>
@@ -14270,15 +17073,13 @@
               <a:rPr lang="it-IT" sz="2000" dirty="0">
                 <a:latin typeface="Bahnschrift SemiCondensed" panose="020B0502040204020203" pitchFamily="34" charset="0"/>
               </a:rPr>
-              <a:t>:</a:t>
-            </a:r>
-          </a:p>
-          <a:p>
+              <a:t> </a:t>
+            </a:r>
             <a:r>
               <a:rPr lang="it-IT" sz="2000" b="1" dirty="0" err="1">
                 <a:latin typeface="Bahnschrift SemiCondensed" panose="020B0502040204020203" pitchFamily="34" charset="0"/>
               </a:rPr>
-              <a:t>Asympatotically</a:t>
+              <a:t>asympatotically</a:t>
             </a:r>
             <a:r>
               <a:rPr lang="it-IT" sz="2000" b="1" dirty="0">
@@ -14303,32 +17104,6 @@
                 <a:latin typeface="Bahnschrift SemiCondensed" panose="020B0502040204020203" pitchFamily="34" charset="0"/>
               </a:rPr>
               <a:t>law</a:t>
-            </a:r>
-            <a:r>
-              <a:rPr lang="it-IT" sz="2000" b="1" dirty="0">
-                <a:latin typeface="Bahnschrift SemiCondensed" panose="020B0502040204020203" pitchFamily="34" charset="0"/>
-              </a:rPr>
-              <a:t> </a:t>
-            </a:r>
-          </a:p>
-          <a:p>
-            <a:r>
-              <a:rPr lang="it-IT" sz="2000" b="1" dirty="0" err="1">
-                <a:latin typeface="Bahnschrift SemiCondensed" panose="020B0502040204020203" pitchFamily="34" charset="0"/>
-              </a:rPr>
-              <a:t>Possible</a:t>
-            </a:r>
-            <a:r>
-              <a:rPr lang="it-IT" sz="2000" b="1" dirty="0">
-                <a:latin typeface="Bahnschrift SemiCondensed" panose="020B0502040204020203" pitchFamily="34" charset="0"/>
-              </a:rPr>
-              <a:t> backup </a:t>
-            </a:r>
-            <a:r>
-              <a:rPr lang="it-IT" sz="2000" b="1" dirty="0" err="1">
-                <a:latin typeface="Bahnschrift SemiCondensed" panose="020B0502040204020203" pitchFamily="34" charset="0"/>
-              </a:rPr>
-              <a:t>manuevers</a:t>
             </a:r>
             <a:endParaRPr lang="it-IT" sz="2000" b="1" dirty="0">
               <a:latin typeface="Bahnschrift SemiCondensed" panose="020B0502040204020203" pitchFamily="34" charset="0"/>
@@ -14364,7 +17139,7 @@
         </p:blipFill>
         <p:spPr>
           <a:xfrm>
-            <a:off x="1519667" y="1360798"/>
+            <a:off x="3333123" y="887562"/>
             <a:ext cx="5689043" cy="2689994"/>
           </a:xfrm>
           <a:prstGeom prst="rect">
@@ -14377,6 +17152,1557 @@
           </a:ln>
         </p:spPr>
       </p:pic>
+      <p:sp>
+        <p:nvSpPr>
+          <p:cNvPr id="2" name="Title 1">
+            <a:extLst>
+              <a:ext uri="{FF2B5EF4-FFF2-40B4-BE49-F238E27FC236}">
+                <a16:creationId xmlns:a16="http://schemas.microsoft.com/office/drawing/2014/main" id="{52183589-A57B-8EBD-20DA-D1F0D94700F4}"/>
+              </a:ext>
+            </a:extLst>
+          </p:cNvPr>
+          <p:cNvSpPr txBox="1">
+            <a:spLocks/>
+          </p:cNvSpPr>
+          <p:nvPr/>
+        </p:nvSpPr>
+        <p:spPr>
+          <a:xfrm>
+            <a:off x="0" y="2132"/>
+            <a:ext cx="12192000" cy="976276"/>
+          </a:xfrm>
+          <a:prstGeom prst="rect">
+            <a:avLst/>
+          </a:prstGeom>
+        </p:spPr>
+        <p:txBody>
+          <a:bodyPr vert="horz" lIns="91440" tIns="45720" rIns="91440" bIns="45720" rtlCol="0" anchor="ctr">
+            <a:normAutofit/>
+          </a:bodyPr>
+          <a:lstStyle>
+            <a:lvl1pPr algn="l" defTabSz="914400" rtl="0" eaLnBrk="1" latinLnBrk="0" hangingPunct="1">
+              <a:lnSpc>
+                <a:spcPct val="90000"/>
+              </a:lnSpc>
+              <a:spcBef>
+                <a:spcPct val="0"/>
+              </a:spcBef>
+              <a:buNone/>
+              <a:defRPr sz="4400" kern="1200">
+                <a:solidFill>
+                  <a:schemeClr val="tx1"/>
+                </a:solidFill>
+                <a:latin typeface="+mj-lt"/>
+                <a:ea typeface="+mj-ea"/>
+                <a:cs typeface="+mj-cs"/>
+              </a:defRPr>
+            </a:lvl1pPr>
+          </a:lstStyle>
+          <a:p>
+            <a:pPr algn="ctr"/>
+            <a:r>
+              <a:rPr lang="it-IT" sz="3600" b="1" dirty="0">
+                <a:latin typeface="Bahnschrift" panose="020B0502040204020203" pitchFamily="34" charset="0"/>
+              </a:rPr>
+              <a:t>SAGITTAL CONTROLLER - IMPLEMENTATION</a:t>
+            </a:r>
+          </a:p>
+        </p:txBody>
+      </p:sp>
+      <mc:AlternateContent xmlns:mc="http://schemas.openxmlformats.org/markup-compatibility/2006">
+        <mc:Choice xmlns:a14="http://schemas.microsoft.com/office/drawing/2010/main" Requires="a14">
+          <p:sp>
+            <p:nvSpPr>
+              <p:cNvPr id="14" name="TextBox 13">
+                <a:extLst>
+                  <a:ext uri="{FF2B5EF4-FFF2-40B4-BE49-F238E27FC236}">
+                    <a16:creationId xmlns:a16="http://schemas.microsoft.com/office/drawing/2014/main" id="{08904CA5-E959-E4D2-7BD8-A0EB58915777}"/>
+                  </a:ext>
+                </a:extLst>
+              </p:cNvPr>
+              <p:cNvSpPr txBox="1"/>
+              <p:nvPr/>
+            </p:nvSpPr>
+            <p:spPr>
+              <a:xfrm>
+                <a:off x="2656001" y="4887577"/>
+                <a:ext cx="4117157" cy="708720"/>
+              </a:xfrm>
+              <a:prstGeom prst="rect">
+                <a:avLst/>
+              </a:prstGeom>
+              <a:noFill/>
+            </p:spPr>
+            <p:txBody>
+              <a:bodyPr wrap="square">
+                <a:spAutoFit/>
+              </a:bodyPr>
+              <a:lstStyle/>
+              <a:p>
+                <a:pPr/>
+                <a14:m>
+                  <m:oMathPara xmlns:m="http://schemas.openxmlformats.org/officeDocument/2006/math">
+                    <m:oMathParaPr>
+                      <m:jc m:val="centerGroup"/>
+                    </m:oMathParaPr>
+                    <m:oMath xmlns:m="http://schemas.openxmlformats.org/officeDocument/2006/math">
+                      <m:d>
+                        <m:dPr>
+                          <m:begChr m:val="["/>
+                          <m:endChr m:val="]"/>
+                          <m:ctrlPr>
+                            <a:rPr lang="en-GB" i="1" smtClean="0">
+                              <a:solidFill>
+                                <a:srgbClr val="836967"/>
+                              </a:solidFill>
+                              <a:latin typeface="Cambria Math" panose="02040503050406030204" pitchFamily="18" charset="0"/>
+                            </a:rPr>
+                          </m:ctrlPr>
+                        </m:dPr>
+                        <m:e>
+                          <m:m>
+                            <m:mPr>
+                              <m:plcHide m:val="on"/>
+                              <m:mcs>
+                                <m:mc>
+                                  <m:mcPr>
+                                    <m:count m:val="1"/>
+                                    <m:mcJc m:val="center"/>
+                                  </m:mcPr>
+                                </m:mc>
+                              </m:mcs>
+                              <m:ctrlPr>
+                                <a:rPr lang="en-GB" i="1">
+                                  <a:solidFill>
+                                    <a:srgbClr val="836967"/>
+                                  </a:solidFill>
+                                  <a:latin typeface="Cambria Math" panose="02040503050406030204" pitchFamily="18" charset="0"/>
+                                </a:rPr>
+                              </m:ctrlPr>
+                            </m:mPr>
+                            <m:mr>
+                              <m:e>
+                                <m:sSub>
+                                  <m:sSubPr>
+                                    <m:ctrlPr>
+                                      <a:rPr lang="en-GB" i="1">
+                                        <a:solidFill>
+                                          <a:srgbClr val="836967"/>
+                                        </a:solidFill>
+                                        <a:latin typeface="Cambria Math" panose="02040503050406030204" pitchFamily="18" charset="0"/>
+                                      </a:rPr>
+                                    </m:ctrlPr>
+                                  </m:sSubPr>
+                                  <m:e>
+                                    <m:r>
+                                      <a:rPr lang="en-GB" i="1">
+                                        <a:latin typeface="Cambria Math" panose="02040503050406030204" pitchFamily="18" charset="0"/>
+                                      </a:rPr>
+                                      <m:t>𝑢</m:t>
+                                    </m:r>
+                                  </m:e>
+                                  <m:sub>
+                                    <m:r>
+                                      <a:rPr lang="en-GB" i="0">
+                                        <a:latin typeface="Cambria Math" panose="02040503050406030204" pitchFamily="18" charset="0"/>
+                                      </a:rPr>
+                                      <m:t>1</m:t>
+                                    </m:r>
+                                  </m:sub>
+                                </m:sSub>
+                              </m:e>
+                            </m:mr>
+                            <m:mr>
+                              <m:e>
+                                <m:sSub>
+                                  <m:sSubPr>
+                                    <m:ctrlPr>
+                                      <a:rPr lang="en-GB" i="1">
+                                        <a:solidFill>
+                                          <a:srgbClr val="836967"/>
+                                        </a:solidFill>
+                                        <a:latin typeface="Cambria Math" panose="02040503050406030204" pitchFamily="18" charset="0"/>
+                                      </a:rPr>
+                                    </m:ctrlPr>
+                                  </m:sSubPr>
+                                  <m:e>
+                                    <m:r>
+                                      <a:rPr lang="en-GB" i="1">
+                                        <a:latin typeface="Cambria Math" panose="02040503050406030204" pitchFamily="18" charset="0"/>
+                                      </a:rPr>
+                                      <m:t>𝑢</m:t>
+                                    </m:r>
+                                  </m:e>
+                                  <m:sub>
+                                    <m:r>
+                                      <a:rPr lang="en-GB" i="0">
+                                        <a:latin typeface="Cambria Math" panose="02040503050406030204" pitchFamily="18" charset="0"/>
+                                      </a:rPr>
+                                      <m:t>2</m:t>
+                                    </m:r>
+                                  </m:sub>
+                                </m:sSub>
+                              </m:e>
+                            </m:mr>
+                          </m:m>
+                        </m:e>
+                      </m:d>
+                      <m:r>
+                        <a:rPr lang="en-GB" i="0">
+                          <a:latin typeface="Cambria Math" panose="02040503050406030204" pitchFamily="18" charset="0"/>
+                        </a:rPr>
+                        <m:t>=</m:t>
+                      </m:r>
+                      <m:d>
+                        <m:dPr>
+                          <m:begChr m:val="["/>
+                          <m:endChr m:val="]"/>
+                          <m:ctrlPr>
+                            <a:rPr lang="en-GB" i="1">
+                              <a:solidFill>
+                                <a:srgbClr val="836967"/>
+                              </a:solidFill>
+                              <a:latin typeface="Cambria Math" panose="02040503050406030204" pitchFamily="18" charset="0"/>
+                            </a:rPr>
+                          </m:ctrlPr>
+                        </m:dPr>
+                        <m:e>
+                          <m:m>
+                            <m:mPr>
+                              <m:plcHide m:val="on"/>
+                              <m:mcs>
+                                <m:mc>
+                                  <m:mcPr>
+                                    <m:count m:val="2"/>
+                                    <m:mcJc m:val="center"/>
+                                  </m:mcPr>
+                                </m:mc>
+                              </m:mcs>
+                              <m:ctrlPr>
+                                <a:rPr lang="en-GB" i="1">
+                                  <a:solidFill>
+                                    <a:srgbClr val="836967"/>
+                                  </a:solidFill>
+                                  <a:latin typeface="Cambria Math" panose="02040503050406030204" pitchFamily="18" charset="0"/>
+                                </a:rPr>
+                              </m:ctrlPr>
+                            </m:mPr>
+                            <m:mr>
+                              <m:e>
+                                <m:sSub>
+                                  <m:sSubPr>
+                                    <m:ctrlPr>
+                                      <a:rPr lang="en-GB" i="1">
+                                        <a:solidFill>
+                                          <a:srgbClr val="836967"/>
+                                        </a:solidFill>
+                                        <a:latin typeface="Cambria Math" panose="02040503050406030204" pitchFamily="18" charset="0"/>
+                                      </a:rPr>
+                                    </m:ctrlPr>
+                                  </m:sSubPr>
+                                  <m:e>
+                                    <m:r>
+                                      <a:rPr lang="en-GB" i="1">
+                                        <a:latin typeface="Cambria Math" panose="02040503050406030204" pitchFamily="18" charset="0"/>
+                                      </a:rPr>
+                                      <m:t>𝐾</m:t>
+                                    </m:r>
+                                  </m:e>
+                                  <m:sub>
+                                    <m:r>
+                                      <a:rPr lang="en-GB" i="0">
+                                        <a:latin typeface="Cambria Math" panose="02040503050406030204" pitchFamily="18" charset="0"/>
+                                      </a:rPr>
+                                      <m:t>1</m:t>
+                                    </m:r>
+                                  </m:sub>
+                                </m:sSub>
+                              </m:e>
+                              <m:e>
+                                <m:r>
+                                  <a:rPr lang="en-GB" i="0">
+                                    <a:latin typeface="Cambria Math" panose="02040503050406030204" pitchFamily="18" charset="0"/>
+                                  </a:rPr>
+                                  <m:t>0</m:t>
+                                </m:r>
+                              </m:e>
+                            </m:mr>
+                            <m:mr>
+                              <m:e>
+                                <m:r>
+                                  <a:rPr lang="en-GB" i="0">
+                                    <a:latin typeface="Cambria Math" panose="02040503050406030204" pitchFamily="18" charset="0"/>
+                                  </a:rPr>
+                                  <m:t>0</m:t>
+                                </m:r>
+                              </m:e>
+                              <m:e>
+                                <m:sSub>
+                                  <m:sSubPr>
+                                    <m:ctrlPr>
+                                      <a:rPr lang="en-GB" i="1">
+                                        <a:solidFill>
+                                          <a:srgbClr val="836967"/>
+                                        </a:solidFill>
+                                        <a:latin typeface="Cambria Math" panose="02040503050406030204" pitchFamily="18" charset="0"/>
+                                      </a:rPr>
+                                    </m:ctrlPr>
+                                  </m:sSubPr>
+                                  <m:e>
+                                    <m:r>
+                                      <a:rPr lang="en-GB" i="1">
+                                        <a:latin typeface="Cambria Math" panose="02040503050406030204" pitchFamily="18" charset="0"/>
+                                      </a:rPr>
+                                      <m:t>𝐾</m:t>
+                                    </m:r>
+                                  </m:e>
+                                  <m:sub>
+                                    <m:r>
+                                      <a:rPr lang="en-GB" i="0">
+                                        <a:latin typeface="Cambria Math" panose="02040503050406030204" pitchFamily="18" charset="0"/>
+                                      </a:rPr>
+                                      <m:t>2</m:t>
+                                    </m:r>
+                                  </m:sub>
+                                </m:sSub>
+                              </m:e>
+                            </m:mr>
+                          </m:m>
+                        </m:e>
+                      </m:d>
+                      <m:d>
+                        <m:dPr>
+                          <m:begChr m:val="["/>
+                          <m:endChr m:val="]"/>
+                          <m:ctrlPr>
+                            <a:rPr lang="en-GB" i="1">
+                              <a:solidFill>
+                                <a:srgbClr val="836967"/>
+                              </a:solidFill>
+                              <a:latin typeface="Cambria Math" panose="02040503050406030204" pitchFamily="18" charset="0"/>
+                            </a:rPr>
+                          </m:ctrlPr>
+                        </m:dPr>
+                        <m:e>
+                          <m:m>
+                            <m:mPr>
+                              <m:plcHide m:val="on"/>
+                              <m:mcs>
+                                <m:mc>
+                                  <m:mcPr>
+                                    <m:count m:val="1"/>
+                                    <m:mcJc m:val="center"/>
+                                  </m:mcPr>
+                                </m:mc>
+                              </m:mcs>
+                              <m:ctrlPr>
+                                <a:rPr lang="en-GB" i="1">
+                                  <a:solidFill>
+                                    <a:srgbClr val="836967"/>
+                                  </a:solidFill>
+                                  <a:latin typeface="Cambria Math" panose="02040503050406030204" pitchFamily="18" charset="0"/>
+                                </a:rPr>
+                              </m:ctrlPr>
+                            </m:mPr>
+                            <m:mr>
+                              <m:e>
+                                <m:sSub>
+                                  <m:sSubPr>
+                                    <m:ctrlPr>
+                                      <a:rPr lang="en-GB" i="1">
+                                        <a:solidFill>
+                                          <a:srgbClr val="836967"/>
+                                        </a:solidFill>
+                                        <a:latin typeface="Cambria Math" panose="02040503050406030204" pitchFamily="18" charset="0"/>
+                                      </a:rPr>
+                                    </m:ctrlPr>
+                                  </m:sSubPr>
+                                  <m:e>
+                                    <m:r>
+                                      <a:rPr lang="en-GB" i="1">
+                                        <a:latin typeface="Cambria Math" panose="02040503050406030204" pitchFamily="18" charset="0"/>
+                                      </a:rPr>
+                                      <m:t>𝑥</m:t>
+                                    </m:r>
+                                  </m:e>
+                                  <m:sub>
+                                    <m:r>
+                                      <a:rPr lang="en-GB" i="1">
+                                        <a:latin typeface="Cambria Math" panose="02040503050406030204" pitchFamily="18" charset="0"/>
+                                      </a:rPr>
+                                      <m:t>𝐵</m:t>
+                                    </m:r>
+                                    <m:r>
+                                      <a:rPr lang="en-GB" i="0">
+                                        <a:latin typeface="Cambria Math" panose="02040503050406030204" pitchFamily="18" charset="0"/>
+                                      </a:rPr>
+                                      <m:t>,</m:t>
+                                    </m:r>
+                                    <m:r>
+                                      <a:rPr lang="en-GB" i="1">
+                                        <a:latin typeface="Cambria Math" panose="02040503050406030204" pitchFamily="18" charset="0"/>
+                                      </a:rPr>
+                                      <m:t>𝑑</m:t>
+                                    </m:r>
+                                  </m:sub>
+                                </m:sSub>
+                                <m:r>
+                                  <a:rPr lang="en-GB" i="0">
+                                    <a:latin typeface="Cambria Math" panose="02040503050406030204" pitchFamily="18" charset="0"/>
+                                  </a:rPr>
+                                  <m:t>−</m:t>
+                                </m:r>
+                                <m:r>
+                                  <a:rPr lang="en-GB" i="1">
+                                    <a:latin typeface="Cambria Math" panose="02040503050406030204" pitchFamily="18" charset="0"/>
+                                  </a:rPr>
+                                  <m:t>𝑥</m:t>
+                                </m:r>
+                              </m:e>
+                            </m:mr>
+                            <m:mr>
+                              <m:e>
+                                <m:sSub>
+                                  <m:sSubPr>
+                                    <m:ctrlPr>
+                                      <a:rPr lang="en-GB" i="1">
+                                        <a:solidFill>
+                                          <a:srgbClr val="836967"/>
+                                        </a:solidFill>
+                                        <a:latin typeface="Cambria Math" panose="02040503050406030204" pitchFamily="18" charset="0"/>
+                                      </a:rPr>
+                                    </m:ctrlPr>
+                                  </m:sSubPr>
+                                  <m:e>
+                                    <m:r>
+                                      <a:rPr lang="en-GB" i="1">
+                                        <a:latin typeface="Cambria Math" panose="02040503050406030204" pitchFamily="18" charset="0"/>
+                                      </a:rPr>
+                                      <m:t>𝑦</m:t>
+                                    </m:r>
+                                  </m:e>
+                                  <m:sub>
+                                    <m:r>
+                                      <a:rPr lang="en-GB" i="1">
+                                        <a:latin typeface="Cambria Math" panose="02040503050406030204" pitchFamily="18" charset="0"/>
+                                      </a:rPr>
+                                      <m:t>𝐵</m:t>
+                                    </m:r>
+                                    <m:r>
+                                      <a:rPr lang="en-GB" i="0">
+                                        <a:latin typeface="Cambria Math" panose="02040503050406030204" pitchFamily="18" charset="0"/>
+                                      </a:rPr>
+                                      <m:t>,</m:t>
+                                    </m:r>
+                                    <m:r>
+                                      <a:rPr lang="en-GB" i="1">
+                                        <a:latin typeface="Cambria Math" panose="02040503050406030204" pitchFamily="18" charset="0"/>
+                                      </a:rPr>
+                                      <m:t>𝑑</m:t>
+                                    </m:r>
+                                  </m:sub>
+                                </m:sSub>
+                                <m:r>
+                                  <a:rPr lang="en-GB" i="0">
+                                    <a:latin typeface="Cambria Math" panose="02040503050406030204" pitchFamily="18" charset="0"/>
+                                  </a:rPr>
+                                  <m:t>−</m:t>
+                                </m:r>
+                                <m:r>
+                                  <a:rPr lang="en-GB" i="1">
+                                    <a:latin typeface="Cambria Math" panose="02040503050406030204" pitchFamily="18" charset="0"/>
+                                  </a:rPr>
+                                  <m:t>𝑦</m:t>
+                                </m:r>
+                              </m:e>
+                            </m:mr>
+                          </m:m>
+                        </m:e>
+                      </m:d>
+                      <m:r>
+                        <a:rPr lang="en-GB" i="0">
+                          <a:latin typeface="Cambria Math" panose="02040503050406030204" pitchFamily="18" charset="0"/>
+                        </a:rPr>
+                        <m:t>+ </m:t>
+                      </m:r>
+                      <m:d>
+                        <m:dPr>
+                          <m:begChr m:val="["/>
+                          <m:endChr m:val="]"/>
+                          <m:ctrlPr>
+                            <a:rPr lang="en-GB" i="1">
+                              <a:solidFill>
+                                <a:srgbClr val="836967"/>
+                              </a:solidFill>
+                              <a:latin typeface="Cambria Math" panose="02040503050406030204" pitchFamily="18" charset="0"/>
+                            </a:rPr>
+                          </m:ctrlPr>
+                        </m:dPr>
+                        <m:e>
+                          <m:m>
+                            <m:mPr>
+                              <m:plcHide m:val="on"/>
+                              <m:mcs>
+                                <m:mc>
+                                  <m:mcPr>
+                                    <m:count m:val="1"/>
+                                    <m:mcJc m:val="center"/>
+                                  </m:mcPr>
+                                </m:mc>
+                              </m:mcs>
+                              <m:ctrlPr>
+                                <a:rPr lang="en-GB" i="1">
+                                  <a:solidFill>
+                                    <a:srgbClr val="836967"/>
+                                  </a:solidFill>
+                                  <a:latin typeface="Cambria Math" panose="02040503050406030204" pitchFamily="18" charset="0"/>
+                                </a:rPr>
+                              </m:ctrlPr>
+                            </m:mPr>
+                            <m:mr>
+                              <m:e>
+                                <m:sSub>
+                                  <m:sSubPr>
+                                    <m:ctrlPr>
+                                      <a:rPr lang="en-GB" i="1">
+                                        <a:solidFill>
+                                          <a:srgbClr val="836967"/>
+                                        </a:solidFill>
+                                        <a:latin typeface="Cambria Math" panose="02040503050406030204" pitchFamily="18" charset="0"/>
+                                      </a:rPr>
+                                    </m:ctrlPr>
+                                  </m:sSubPr>
+                                  <m:e>
+                                    <m:acc>
+                                      <m:accPr>
+                                        <m:chr m:val="̇"/>
+                                        <m:ctrlPr>
+                                          <a:rPr lang="en-GB" i="1">
+                                            <a:solidFill>
+                                              <a:srgbClr val="836967"/>
+                                            </a:solidFill>
+                                            <a:latin typeface="Cambria Math" panose="02040503050406030204" pitchFamily="18" charset="0"/>
+                                          </a:rPr>
+                                        </m:ctrlPr>
+                                      </m:accPr>
+                                      <m:e>
+                                        <m:r>
+                                          <a:rPr lang="en-GB" i="1">
+                                            <a:latin typeface="Cambria Math" panose="02040503050406030204" pitchFamily="18" charset="0"/>
+                                          </a:rPr>
+                                          <m:t>𝑥</m:t>
+                                        </m:r>
+                                      </m:e>
+                                    </m:acc>
+                                  </m:e>
+                                  <m:sub>
+                                    <m:r>
+                                      <a:rPr lang="en-GB" i="1">
+                                        <a:latin typeface="Cambria Math" panose="02040503050406030204" pitchFamily="18" charset="0"/>
+                                      </a:rPr>
+                                      <m:t>𝐵</m:t>
+                                    </m:r>
+                                    <m:r>
+                                      <a:rPr lang="en-GB" i="0">
+                                        <a:latin typeface="Cambria Math" panose="02040503050406030204" pitchFamily="18" charset="0"/>
+                                      </a:rPr>
+                                      <m:t>,</m:t>
+                                    </m:r>
+                                    <m:r>
+                                      <a:rPr lang="en-GB" i="1">
+                                        <a:latin typeface="Cambria Math" panose="02040503050406030204" pitchFamily="18" charset="0"/>
+                                      </a:rPr>
+                                      <m:t>𝑑</m:t>
+                                    </m:r>
+                                  </m:sub>
+                                </m:sSub>
+                              </m:e>
+                            </m:mr>
+                            <m:mr>
+                              <m:e>
+                                <m:sSub>
+                                  <m:sSubPr>
+                                    <m:ctrlPr>
+                                      <a:rPr lang="en-GB" i="1">
+                                        <a:solidFill>
+                                          <a:srgbClr val="836967"/>
+                                        </a:solidFill>
+                                        <a:latin typeface="Cambria Math" panose="02040503050406030204" pitchFamily="18" charset="0"/>
+                                      </a:rPr>
+                                    </m:ctrlPr>
+                                  </m:sSubPr>
+                                  <m:e>
+                                    <m:acc>
+                                      <m:accPr>
+                                        <m:chr m:val="̇"/>
+                                        <m:ctrlPr>
+                                          <a:rPr lang="en-GB" i="1">
+                                            <a:solidFill>
+                                              <a:srgbClr val="836967"/>
+                                            </a:solidFill>
+                                            <a:latin typeface="Cambria Math" panose="02040503050406030204" pitchFamily="18" charset="0"/>
+                                          </a:rPr>
+                                        </m:ctrlPr>
+                                      </m:accPr>
+                                      <m:e>
+                                        <m:r>
+                                          <a:rPr lang="en-GB" i="1">
+                                            <a:latin typeface="Cambria Math" panose="02040503050406030204" pitchFamily="18" charset="0"/>
+                                          </a:rPr>
+                                          <m:t>𝑦</m:t>
+                                        </m:r>
+                                      </m:e>
+                                    </m:acc>
+                                  </m:e>
+                                  <m:sub>
+                                    <m:r>
+                                      <a:rPr lang="en-GB" i="1">
+                                        <a:latin typeface="Cambria Math" panose="02040503050406030204" pitchFamily="18" charset="0"/>
+                                      </a:rPr>
+                                      <m:t>𝐵</m:t>
+                                    </m:r>
+                                    <m:r>
+                                      <a:rPr lang="en-GB" i="0">
+                                        <a:latin typeface="Cambria Math" panose="02040503050406030204" pitchFamily="18" charset="0"/>
+                                      </a:rPr>
+                                      <m:t>,</m:t>
+                                    </m:r>
+                                    <m:r>
+                                      <a:rPr lang="en-GB" i="1">
+                                        <a:latin typeface="Cambria Math" panose="02040503050406030204" pitchFamily="18" charset="0"/>
+                                      </a:rPr>
+                                      <m:t>𝑑</m:t>
+                                    </m:r>
+                                  </m:sub>
+                                </m:sSub>
+                              </m:e>
+                            </m:mr>
+                          </m:m>
+                        </m:e>
+                      </m:d>
+                    </m:oMath>
+                  </m:oMathPara>
+                </a14:m>
+                <a:endParaRPr lang="en-GB" dirty="0"/>
+              </a:p>
+            </p:txBody>
+          </p:sp>
+        </mc:Choice>
+        <mc:Fallback>
+          <p:sp>
+            <p:nvSpPr>
+              <p:cNvPr id="14" name="TextBox 13">
+                <a:extLst>
+                  <a:ext uri="{FF2B5EF4-FFF2-40B4-BE49-F238E27FC236}">
+                    <a16:creationId xmlns:a16="http://schemas.microsoft.com/office/drawing/2014/main" id="{08904CA5-E959-E4D2-7BD8-A0EB58915777}"/>
+                  </a:ext>
+                </a:extLst>
+              </p:cNvPr>
+              <p:cNvSpPr txBox="1">
+                <a:spLocks noRot="1" noChangeAspect="1" noMove="1" noResize="1" noEditPoints="1" noAdjustHandles="1" noChangeArrowheads="1" noChangeShapeType="1" noTextEdit="1"/>
+              </p:cNvSpPr>
+              <p:nvPr/>
+            </p:nvSpPr>
+            <p:spPr>
+              <a:xfrm>
+                <a:off x="2656001" y="4887577"/>
+                <a:ext cx="4117157" cy="708720"/>
+              </a:xfrm>
+              <a:prstGeom prst="rect">
+                <a:avLst/>
+              </a:prstGeom>
+              <a:blipFill>
+                <a:blip r:embed="rId3"/>
+                <a:stretch>
+                  <a:fillRect/>
+                </a:stretch>
+              </a:blipFill>
+            </p:spPr>
+            <p:txBody>
+              <a:bodyPr/>
+              <a:lstStyle/>
+              <a:p>
+                <a:r>
+                  <a:rPr lang="en-GB">
+                    <a:noFill/>
+                  </a:rPr>
+                  <a:t> </a:t>
+                </a:r>
+              </a:p>
+            </p:txBody>
+          </p:sp>
+        </mc:Fallback>
+      </mc:AlternateContent>
+      <mc:AlternateContent xmlns:mc="http://schemas.openxmlformats.org/markup-compatibility/2006">
+        <mc:Choice xmlns:a14="http://schemas.microsoft.com/office/drawing/2010/main" Requires="a14">
+          <p:sp>
+            <p:nvSpPr>
+              <p:cNvPr id="17" name="TextBox 16">
+                <a:extLst>
+                  <a:ext uri="{FF2B5EF4-FFF2-40B4-BE49-F238E27FC236}">
+                    <a16:creationId xmlns:a16="http://schemas.microsoft.com/office/drawing/2014/main" id="{815C3A19-3E1C-F012-6461-E5D8E5E00479}"/>
+                  </a:ext>
+                </a:extLst>
+              </p:cNvPr>
+              <p:cNvSpPr txBox="1"/>
+              <p:nvPr/>
+            </p:nvSpPr>
+            <p:spPr>
+              <a:xfrm>
+                <a:off x="3235751" y="4008223"/>
+                <a:ext cx="2957659" cy="710194"/>
+              </a:xfrm>
+              <a:prstGeom prst="rect">
+                <a:avLst/>
+              </a:prstGeom>
+              <a:noFill/>
+            </p:spPr>
+            <p:txBody>
+              <a:bodyPr wrap="square">
+                <a:spAutoFit/>
+              </a:bodyPr>
+              <a:lstStyle/>
+              <a:p>
+                <a:pPr/>
+                <a14:m>
+                  <m:oMathPara xmlns:m="http://schemas.openxmlformats.org/officeDocument/2006/math">
+                    <m:oMathParaPr>
+                      <m:jc m:val="centerGroup"/>
+                    </m:oMathParaPr>
+                    <m:oMath xmlns:m="http://schemas.openxmlformats.org/officeDocument/2006/math">
+                      <m:d>
+                        <m:dPr>
+                          <m:begChr m:val="{"/>
+                          <m:endChr m:val=""/>
+                          <m:ctrlPr>
+                            <a:rPr lang="en-GB" i="1" smtClean="0">
+                              <a:solidFill>
+                                <a:srgbClr val="836967"/>
+                              </a:solidFill>
+                              <a:latin typeface="Cambria Math" panose="02040503050406030204" pitchFamily="18" charset="0"/>
+                            </a:rPr>
+                          </m:ctrlPr>
+                        </m:dPr>
+                        <m:e>
+                          <m:eqArr>
+                            <m:eqArrPr>
+                              <m:ctrlPr>
+                                <a:rPr lang="en-GB" i="1">
+                                  <a:solidFill>
+                                    <a:srgbClr val="836967"/>
+                                  </a:solidFill>
+                                  <a:latin typeface="Cambria Math" panose="02040503050406030204" pitchFamily="18" charset="0"/>
+                                </a:rPr>
+                              </m:ctrlPr>
+                            </m:eqArrPr>
+                            <m:e>
+                              <m:r>
+                                <a:rPr lang="en-GB">
+                                  <a:latin typeface="Cambria Math" panose="02040503050406030204" pitchFamily="18" charset="0"/>
+                                </a:rPr>
+                                <m:t>&amp;</m:t>
+                              </m:r>
+                              <m:sSub>
+                                <m:sSubPr>
+                                  <m:ctrlPr>
+                                    <a:rPr lang="en-GB" i="1">
+                                      <a:solidFill>
+                                        <a:srgbClr val="836967"/>
+                                      </a:solidFill>
+                                      <a:latin typeface="Cambria Math" panose="02040503050406030204" pitchFamily="18" charset="0"/>
+                                    </a:rPr>
+                                  </m:ctrlPr>
+                                </m:sSubPr>
+                                <m:e>
+                                  <m:r>
+                                    <a:rPr lang="en-GB" i="1">
+                                      <a:latin typeface="Cambria Math" panose="02040503050406030204" pitchFamily="18" charset="0"/>
+                                    </a:rPr>
+                                    <m:t>𝑥</m:t>
+                                  </m:r>
+                                </m:e>
+                                <m:sub>
+                                  <m:r>
+                                    <a:rPr lang="en-GB" i="1">
+                                      <a:latin typeface="Cambria Math" panose="02040503050406030204" pitchFamily="18" charset="0"/>
+                                    </a:rPr>
+                                    <m:t>𝐵</m:t>
+                                  </m:r>
+                                </m:sub>
+                              </m:sSub>
+                              <m:r>
+                                <a:rPr lang="en-GB" i="0">
+                                  <a:latin typeface="Cambria Math" panose="02040503050406030204" pitchFamily="18" charset="0"/>
+                                </a:rPr>
+                                <m:t>=</m:t>
+                              </m:r>
+                              <m:r>
+                                <a:rPr lang="en-GB" i="1">
+                                  <a:latin typeface="Cambria Math" panose="02040503050406030204" pitchFamily="18" charset="0"/>
+                                </a:rPr>
+                                <m:t>𝑥</m:t>
+                              </m:r>
+                              <m:r>
+                                <a:rPr lang="en-GB" i="0">
+                                  <a:latin typeface="Cambria Math" panose="02040503050406030204" pitchFamily="18" charset="0"/>
+                                </a:rPr>
+                                <m:t>+</m:t>
+                              </m:r>
+                              <m:r>
+                                <a:rPr lang="en-GB" i="1">
+                                  <a:latin typeface="Cambria Math" panose="02040503050406030204" pitchFamily="18" charset="0"/>
+                                </a:rPr>
+                                <m:t>𝑏</m:t>
+                              </m:r>
+                              <m:func>
+                                <m:funcPr>
+                                  <m:ctrlPr>
+                                    <a:rPr lang="en-GB" i="1">
+                                      <a:latin typeface="Cambria Math" panose="02040503050406030204" pitchFamily="18" charset="0"/>
+                                    </a:rPr>
+                                  </m:ctrlPr>
+                                </m:funcPr>
+                                <m:fName>
+                                  <m:r>
+                                    <m:rPr>
+                                      <m:sty m:val="p"/>
+                                    </m:rPr>
+                                    <a:rPr lang="en-GB" i="0">
+                                      <a:latin typeface="Cambria Math" panose="02040503050406030204" pitchFamily="18" charset="0"/>
+                                    </a:rPr>
+                                    <m:t>cos</m:t>
+                                  </m:r>
+                                </m:fName>
+                                <m:e>
+                                  <m:r>
+                                    <a:rPr lang="en-GB" i="1">
+                                      <a:latin typeface="Cambria Math" panose="02040503050406030204" pitchFamily="18" charset="0"/>
+                                    </a:rPr>
+                                    <m:t>𝜃</m:t>
+                                  </m:r>
+                                </m:e>
+                              </m:func>
+                            </m:e>
+                            <m:e>
+                              <m:r>
+                                <a:rPr lang="en-GB" i="0">
+                                  <a:latin typeface="Cambria Math" panose="02040503050406030204" pitchFamily="18" charset="0"/>
+                                </a:rPr>
+                                <m:t>&amp;</m:t>
+                              </m:r>
+                              <m:sSub>
+                                <m:sSubPr>
+                                  <m:ctrlPr>
+                                    <a:rPr lang="en-GB" i="1">
+                                      <a:solidFill>
+                                        <a:srgbClr val="836967"/>
+                                      </a:solidFill>
+                                      <a:latin typeface="Cambria Math" panose="02040503050406030204" pitchFamily="18" charset="0"/>
+                                    </a:rPr>
+                                  </m:ctrlPr>
+                                </m:sSubPr>
+                                <m:e>
+                                  <m:r>
+                                    <a:rPr lang="en-GB" i="1">
+                                      <a:latin typeface="Cambria Math" panose="02040503050406030204" pitchFamily="18" charset="0"/>
+                                    </a:rPr>
+                                    <m:t>𝑦</m:t>
+                                  </m:r>
+                                </m:e>
+                                <m:sub>
+                                  <m:r>
+                                    <a:rPr lang="en-GB" i="1">
+                                      <a:latin typeface="Cambria Math" panose="02040503050406030204" pitchFamily="18" charset="0"/>
+                                    </a:rPr>
+                                    <m:t>𝐵</m:t>
+                                  </m:r>
+                                </m:sub>
+                              </m:sSub>
+                              <m:r>
+                                <a:rPr lang="en-GB" i="0">
+                                  <a:latin typeface="Cambria Math" panose="02040503050406030204" pitchFamily="18" charset="0"/>
+                                </a:rPr>
+                                <m:t>= </m:t>
+                              </m:r>
+                              <m:r>
+                                <a:rPr lang="en-GB" i="1">
+                                  <a:latin typeface="Cambria Math" panose="02040503050406030204" pitchFamily="18" charset="0"/>
+                                </a:rPr>
+                                <m:t>𝑦</m:t>
+                              </m:r>
+                              <m:r>
+                                <a:rPr lang="en-GB" i="0">
+                                  <a:latin typeface="Cambria Math" panose="02040503050406030204" pitchFamily="18" charset="0"/>
+                                </a:rPr>
+                                <m:t>+</m:t>
+                              </m:r>
+                              <m:r>
+                                <a:rPr lang="en-GB" i="1">
+                                  <a:latin typeface="Cambria Math" panose="02040503050406030204" pitchFamily="18" charset="0"/>
+                                </a:rPr>
+                                <m:t>𝑏</m:t>
+                              </m:r>
+                              <m:func>
+                                <m:funcPr>
+                                  <m:ctrlPr>
+                                    <a:rPr lang="en-GB" i="1">
+                                      <a:latin typeface="Cambria Math" panose="02040503050406030204" pitchFamily="18" charset="0"/>
+                                    </a:rPr>
+                                  </m:ctrlPr>
+                                </m:funcPr>
+                                <m:fName>
+                                  <m:r>
+                                    <m:rPr>
+                                      <m:sty m:val="p"/>
+                                    </m:rPr>
+                                    <a:rPr lang="en-GB" i="0">
+                                      <a:latin typeface="Cambria Math" panose="02040503050406030204" pitchFamily="18" charset="0"/>
+                                    </a:rPr>
+                                    <m:t>sin</m:t>
+                                  </m:r>
+                                </m:fName>
+                                <m:e>
+                                  <m:r>
+                                    <a:rPr lang="en-GB" i="1">
+                                      <a:latin typeface="Cambria Math" panose="02040503050406030204" pitchFamily="18" charset="0"/>
+                                    </a:rPr>
+                                    <m:t>𝜃</m:t>
+                                  </m:r>
+                                </m:e>
+                              </m:func>
+                            </m:e>
+                          </m:eqArr>
+                        </m:e>
+                      </m:d>
+                    </m:oMath>
+                  </m:oMathPara>
+                </a14:m>
+                <a:endParaRPr lang="en-GB" dirty="0"/>
+              </a:p>
+            </p:txBody>
+          </p:sp>
+        </mc:Choice>
+        <mc:Fallback>
+          <p:sp>
+            <p:nvSpPr>
+              <p:cNvPr id="17" name="TextBox 16">
+                <a:extLst>
+                  <a:ext uri="{FF2B5EF4-FFF2-40B4-BE49-F238E27FC236}">
+                    <a16:creationId xmlns:a16="http://schemas.microsoft.com/office/drawing/2014/main" id="{815C3A19-3E1C-F012-6461-E5D8E5E00479}"/>
+                  </a:ext>
+                </a:extLst>
+              </p:cNvPr>
+              <p:cNvSpPr txBox="1">
+                <a:spLocks noRot="1" noChangeAspect="1" noMove="1" noResize="1" noEditPoints="1" noAdjustHandles="1" noChangeArrowheads="1" noChangeShapeType="1" noTextEdit="1"/>
+              </p:cNvSpPr>
+              <p:nvPr/>
+            </p:nvSpPr>
+            <p:spPr>
+              <a:xfrm>
+                <a:off x="3235751" y="4008223"/>
+                <a:ext cx="2957659" cy="710194"/>
+              </a:xfrm>
+              <a:prstGeom prst="rect">
+                <a:avLst/>
+              </a:prstGeom>
+              <a:blipFill>
+                <a:blip r:embed="rId4"/>
+                <a:stretch>
+                  <a:fillRect/>
+                </a:stretch>
+              </a:blipFill>
+            </p:spPr>
+            <p:txBody>
+              <a:bodyPr/>
+              <a:lstStyle/>
+              <a:p>
+                <a:r>
+                  <a:rPr lang="en-GB">
+                    <a:noFill/>
+                  </a:rPr>
+                  <a:t> </a:t>
+                </a:r>
+              </a:p>
+            </p:txBody>
+          </p:sp>
+        </mc:Fallback>
+      </mc:AlternateContent>
+      <mc:AlternateContent xmlns:mc="http://schemas.openxmlformats.org/markup-compatibility/2006">
+        <mc:Choice xmlns:a14="http://schemas.microsoft.com/office/drawing/2010/main" Requires="a14">
+          <p:sp>
+            <p:nvSpPr>
+              <p:cNvPr id="19" name="TextBox 18">
+                <a:extLst>
+                  <a:ext uri="{FF2B5EF4-FFF2-40B4-BE49-F238E27FC236}">
+                    <a16:creationId xmlns:a16="http://schemas.microsoft.com/office/drawing/2014/main" id="{815EA1A8-7EA1-D34C-4DB8-8B39688520B0}"/>
+                  </a:ext>
+                </a:extLst>
+              </p:cNvPr>
+              <p:cNvSpPr txBox="1"/>
+              <p:nvPr/>
+            </p:nvSpPr>
+            <p:spPr>
+              <a:xfrm>
+                <a:off x="3003025" y="5765457"/>
+                <a:ext cx="3423107" cy="848502"/>
+              </a:xfrm>
+              <a:prstGeom prst="rect">
+                <a:avLst/>
+              </a:prstGeom>
+              <a:noFill/>
+            </p:spPr>
+            <p:txBody>
+              <a:bodyPr wrap="square">
+                <a:spAutoFit/>
+              </a:bodyPr>
+              <a:lstStyle/>
+              <a:p>
+                <a:pPr/>
+                <a14:m>
+                  <m:oMathPara xmlns:m="http://schemas.openxmlformats.org/officeDocument/2006/math">
+                    <m:oMathParaPr>
+                      <m:jc m:val="centerGroup"/>
+                    </m:oMathParaPr>
+                    <m:oMath xmlns:m="http://schemas.openxmlformats.org/officeDocument/2006/math">
+                      <m:d>
+                        <m:dPr>
+                          <m:begChr m:val="["/>
+                          <m:endChr m:val="]"/>
+                          <m:ctrlPr>
+                            <a:rPr lang="en-GB" i="1" smtClean="0">
+                              <a:solidFill>
+                                <a:srgbClr val="836967"/>
+                              </a:solidFill>
+                              <a:latin typeface="Cambria Math" panose="02040503050406030204" pitchFamily="18" charset="0"/>
+                            </a:rPr>
+                          </m:ctrlPr>
+                        </m:dPr>
+                        <m:e>
+                          <m:m>
+                            <m:mPr>
+                              <m:plcHide m:val="on"/>
+                              <m:mcs>
+                                <m:mc>
+                                  <m:mcPr>
+                                    <m:count m:val="1"/>
+                                    <m:mcJc m:val="center"/>
+                                  </m:mcPr>
+                                </m:mc>
+                              </m:mcs>
+                              <m:ctrlPr>
+                                <a:rPr lang="en-GB" i="1">
+                                  <a:solidFill>
+                                    <a:srgbClr val="836967"/>
+                                  </a:solidFill>
+                                  <a:latin typeface="Cambria Math" panose="02040503050406030204" pitchFamily="18" charset="0"/>
+                                </a:rPr>
+                              </m:ctrlPr>
+                            </m:mPr>
+                            <m:mr>
+                              <m:e>
+                                <m:r>
+                                  <a:rPr lang="en-GB" i="1">
+                                    <a:latin typeface="Cambria Math" panose="02040503050406030204" pitchFamily="18" charset="0"/>
+                                  </a:rPr>
+                                  <m:t>𝑣</m:t>
+                                </m:r>
+                              </m:e>
+                            </m:mr>
+                            <m:mr>
+                              <m:e>
+                                <m:r>
+                                  <a:rPr lang="en-GB" i="1">
+                                    <a:latin typeface="Cambria Math" panose="02040503050406030204" pitchFamily="18" charset="0"/>
+                                  </a:rPr>
+                                  <m:t>𝑤</m:t>
+                                </m:r>
+                              </m:e>
+                            </m:mr>
+                          </m:m>
+                        </m:e>
+                      </m:d>
+                      <m:r>
+                        <a:rPr lang="en-GB" i="0">
+                          <a:latin typeface="Cambria Math" panose="02040503050406030204" pitchFamily="18" charset="0"/>
+                        </a:rPr>
+                        <m:t>=</m:t>
+                      </m:r>
+                      <m:d>
+                        <m:dPr>
+                          <m:begChr m:val="["/>
+                          <m:endChr m:val="]"/>
+                          <m:ctrlPr>
+                            <a:rPr lang="en-GB" i="1">
+                              <a:solidFill>
+                                <a:srgbClr val="836967"/>
+                              </a:solidFill>
+                              <a:latin typeface="Cambria Math" panose="02040503050406030204" pitchFamily="18" charset="0"/>
+                            </a:rPr>
+                          </m:ctrlPr>
+                        </m:dPr>
+                        <m:e>
+                          <m:m>
+                            <m:mPr>
+                              <m:plcHide m:val="on"/>
+                              <m:mcs>
+                                <m:mc>
+                                  <m:mcPr>
+                                    <m:count m:val="2"/>
+                                    <m:mcJc m:val="center"/>
+                                  </m:mcPr>
+                                </m:mc>
+                              </m:mcs>
+                              <m:ctrlPr>
+                                <a:rPr lang="en-GB" i="1">
+                                  <a:solidFill>
+                                    <a:srgbClr val="836967"/>
+                                  </a:solidFill>
+                                  <a:latin typeface="Cambria Math" panose="02040503050406030204" pitchFamily="18" charset="0"/>
+                                </a:rPr>
+                              </m:ctrlPr>
+                            </m:mPr>
+                            <m:mr>
+                              <m:e>
+                                <m:func>
+                                  <m:funcPr>
+                                    <m:ctrlPr>
+                                      <a:rPr lang="en-GB" i="1">
+                                        <a:latin typeface="Cambria Math" panose="02040503050406030204" pitchFamily="18" charset="0"/>
+                                      </a:rPr>
+                                    </m:ctrlPr>
+                                  </m:funcPr>
+                                  <m:fName>
+                                    <m:r>
+                                      <m:rPr>
+                                        <m:sty m:val="p"/>
+                                      </m:rPr>
+                                      <a:rPr lang="en-GB" i="0">
+                                        <a:latin typeface="Cambria Math" panose="02040503050406030204" pitchFamily="18" charset="0"/>
+                                      </a:rPr>
+                                      <m:t>cos</m:t>
+                                    </m:r>
+                                  </m:fName>
+                                  <m:e>
+                                    <m:r>
+                                      <a:rPr lang="en-GB" i="1">
+                                        <a:latin typeface="Cambria Math" panose="02040503050406030204" pitchFamily="18" charset="0"/>
+                                      </a:rPr>
+                                      <m:t>𝜃</m:t>
+                                    </m:r>
+                                  </m:e>
+                                </m:func>
+                              </m:e>
+                              <m:e>
+                                <m:func>
+                                  <m:funcPr>
+                                    <m:ctrlPr>
+                                      <a:rPr lang="en-GB" i="1">
+                                        <a:latin typeface="Cambria Math" panose="02040503050406030204" pitchFamily="18" charset="0"/>
+                                      </a:rPr>
+                                    </m:ctrlPr>
+                                  </m:funcPr>
+                                  <m:fName>
+                                    <m:r>
+                                      <m:rPr>
+                                        <m:sty m:val="p"/>
+                                      </m:rPr>
+                                      <a:rPr lang="en-GB" i="0">
+                                        <a:latin typeface="Cambria Math" panose="02040503050406030204" pitchFamily="18" charset="0"/>
+                                      </a:rPr>
+                                      <m:t>sin</m:t>
+                                    </m:r>
+                                  </m:fName>
+                                  <m:e>
+                                    <m:r>
+                                      <a:rPr lang="en-GB" i="1">
+                                        <a:latin typeface="Cambria Math" panose="02040503050406030204" pitchFamily="18" charset="0"/>
+                                      </a:rPr>
+                                      <m:t>𝜃</m:t>
+                                    </m:r>
+                                  </m:e>
+                                </m:func>
+                              </m:e>
+                            </m:mr>
+                            <m:mr>
+                              <m:e>
+                                <m:r>
+                                  <a:rPr lang="en-GB" i="0">
+                                    <a:latin typeface="Cambria Math" panose="02040503050406030204" pitchFamily="18" charset="0"/>
+                                  </a:rPr>
+                                  <m:t>−</m:t>
+                                </m:r>
+                                <m:f>
+                                  <m:fPr>
+                                    <m:ctrlPr>
+                                      <a:rPr lang="en-GB" i="1">
+                                        <a:solidFill>
+                                          <a:srgbClr val="836967"/>
+                                        </a:solidFill>
+                                        <a:latin typeface="Cambria Math" panose="02040503050406030204" pitchFamily="18" charset="0"/>
+                                      </a:rPr>
+                                    </m:ctrlPr>
+                                  </m:fPr>
+                                  <m:num>
+                                    <m:func>
+                                      <m:funcPr>
+                                        <m:ctrlPr>
+                                          <a:rPr lang="en-GB" i="1">
+                                            <a:latin typeface="Cambria Math" panose="02040503050406030204" pitchFamily="18" charset="0"/>
+                                          </a:rPr>
+                                        </m:ctrlPr>
+                                      </m:funcPr>
+                                      <m:fName>
+                                        <m:r>
+                                          <m:rPr>
+                                            <m:sty m:val="p"/>
+                                          </m:rPr>
+                                          <a:rPr lang="en-GB" i="0">
+                                            <a:latin typeface="Cambria Math" panose="02040503050406030204" pitchFamily="18" charset="0"/>
+                                          </a:rPr>
+                                          <m:t>sin</m:t>
+                                        </m:r>
+                                      </m:fName>
+                                      <m:e>
+                                        <m:r>
+                                          <a:rPr lang="en-GB" i="1">
+                                            <a:latin typeface="Cambria Math" panose="02040503050406030204" pitchFamily="18" charset="0"/>
+                                          </a:rPr>
+                                          <m:t>𝜃</m:t>
+                                        </m:r>
+                                      </m:e>
+                                    </m:func>
+                                  </m:num>
+                                  <m:den>
+                                    <m:r>
+                                      <a:rPr lang="en-GB" i="1">
+                                        <a:latin typeface="Cambria Math" panose="02040503050406030204" pitchFamily="18" charset="0"/>
+                                      </a:rPr>
+                                      <m:t>𝑏</m:t>
+                                    </m:r>
+                                  </m:den>
+                                </m:f>
+                              </m:e>
+                              <m:e>
+                                <m:f>
+                                  <m:fPr>
+                                    <m:ctrlPr>
+                                      <a:rPr lang="en-GB" i="1">
+                                        <a:solidFill>
+                                          <a:srgbClr val="836967"/>
+                                        </a:solidFill>
+                                        <a:latin typeface="Cambria Math" panose="02040503050406030204" pitchFamily="18" charset="0"/>
+                                      </a:rPr>
+                                    </m:ctrlPr>
+                                  </m:fPr>
+                                  <m:num>
+                                    <m:func>
+                                      <m:funcPr>
+                                        <m:ctrlPr>
+                                          <a:rPr lang="en-GB" i="1">
+                                            <a:latin typeface="Cambria Math" panose="02040503050406030204" pitchFamily="18" charset="0"/>
+                                          </a:rPr>
+                                        </m:ctrlPr>
+                                      </m:funcPr>
+                                      <m:fName>
+                                        <m:r>
+                                          <m:rPr>
+                                            <m:sty m:val="p"/>
+                                          </m:rPr>
+                                          <a:rPr lang="en-GB" i="0">
+                                            <a:latin typeface="Cambria Math" panose="02040503050406030204" pitchFamily="18" charset="0"/>
+                                          </a:rPr>
+                                          <m:t>cos</m:t>
+                                        </m:r>
+                                      </m:fName>
+                                      <m:e>
+                                        <m:r>
+                                          <a:rPr lang="en-GB" i="1">
+                                            <a:latin typeface="Cambria Math" panose="02040503050406030204" pitchFamily="18" charset="0"/>
+                                          </a:rPr>
+                                          <m:t>𝜃</m:t>
+                                        </m:r>
+                                      </m:e>
+                                    </m:func>
+                                  </m:num>
+                                  <m:den>
+                                    <m:r>
+                                      <a:rPr lang="en-GB" i="1">
+                                        <a:latin typeface="Cambria Math" panose="02040503050406030204" pitchFamily="18" charset="0"/>
+                                      </a:rPr>
+                                      <m:t>𝑏</m:t>
+                                    </m:r>
+                                  </m:den>
+                                </m:f>
+                              </m:e>
+                            </m:mr>
+                          </m:m>
+                        </m:e>
+                      </m:d>
+                      <m:d>
+                        <m:dPr>
+                          <m:begChr m:val="["/>
+                          <m:endChr m:val="]"/>
+                          <m:ctrlPr>
+                            <a:rPr lang="en-GB" i="1">
+                              <a:solidFill>
+                                <a:srgbClr val="836967"/>
+                              </a:solidFill>
+                              <a:latin typeface="Cambria Math" panose="02040503050406030204" pitchFamily="18" charset="0"/>
+                            </a:rPr>
+                          </m:ctrlPr>
+                        </m:dPr>
+                        <m:e>
+                          <m:m>
+                            <m:mPr>
+                              <m:plcHide m:val="on"/>
+                              <m:mcs>
+                                <m:mc>
+                                  <m:mcPr>
+                                    <m:count m:val="1"/>
+                                    <m:mcJc m:val="center"/>
+                                  </m:mcPr>
+                                </m:mc>
+                              </m:mcs>
+                              <m:ctrlPr>
+                                <a:rPr lang="en-GB" i="1">
+                                  <a:solidFill>
+                                    <a:srgbClr val="836967"/>
+                                  </a:solidFill>
+                                  <a:latin typeface="Cambria Math" panose="02040503050406030204" pitchFamily="18" charset="0"/>
+                                </a:rPr>
+                              </m:ctrlPr>
+                            </m:mPr>
+                            <m:mr>
+                              <m:e>
+                                <m:sSub>
+                                  <m:sSubPr>
+                                    <m:ctrlPr>
+                                      <a:rPr lang="en-GB" i="1">
+                                        <a:solidFill>
+                                          <a:srgbClr val="836967"/>
+                                        </a:solidFill>
+                                        <a:latin typeface="Cambria Math" panose="02040503050406030204" pitchFamily="18" charset="0"/>
+                                      </a:rPr>
+                                    </m:ctrlPr>
+                                  </m:sSubPr>
+                                  <m:e>
+                                    <m:r>
+                                      <a:rPr lang="en-GB" i="1">
+                                        <a:latin typeface="Cambria Math" panose="02040503050406030204" pitchFamily="18" charset="0"/>
+                                      </a:rPr>
+                                      <m:t>𝑢</m:t>
+                                    </m:r>
+                                  </m:e>
+                                  <m:sub>
+                                    <m:r>
+                                      <a:rPr lang="en-GB" i="0">
+                                        <a:latin typeface="Cambria Math" panose="02040503050406030204" pitchFamily="18" charset="0"/>
+                                      </a:rPr>
+                                      <m:t>1</m:t>
+                                    </m:r>
+                                  </m:sub>
+                                </m:sSub>
+                              </m:e>
+                            </m:mr>
+                            <m:mr>
+                              <m:e>
+                                <m:sSub>
+                                  <m:sSubPr>
+                                    <m:ctrlPr>
+                                      <a:rPr lang="en-GB" i="1">
+                                        <a:solidFill>
+                                          <a:srgbClr val="836967"/>
+                                        </a:solidFill>
+                                        <a:latin typeface="Cambria Math" panose="02040503050406030204" pitchFamily="18" charset="0"/>
+                                      </a:rPr>
+                                    </m:ctrlPr>
+                                  </m:sSubPr>
+                                  <m:e>
+                                    <m:r>
+                                      <a:rPr lang="en-GB" i="1">
+                                        <a:latin typeface="Cambria Math" panose="02040503050406030204" pitchFamily="18" charset="0"/>
+                                      </a:rPr>
+                                      <m:t>𝑢</m:t>
+                                    </m:r>
+                                  </m:e>
+                                  <m:sub>
+                                    <m:r>
+                                      <a:rPr lang="en-GB" i="0">
+                                        <a:latin typeface="Cambria Math" panose="02040503050406030204" pitchFamily="18" charset="0"/>
+                                      </a:rPr>
+                                      <m:t>2</m:t>
+                                    </m:r>
+                                  </m:sub>
+                                </m:sSub>
+                              </m:e>
+                            </m:mr>
+                          </m:m>
+                        </m:e>
+                      </m:d>
+                    </m:oMath>
+                  </m:oMathPara>
+                </a14:m>
+                <a:endParaRPr lang="en-GB" dirty="0"/>
+              </a:p>
+            </p:txBody>
+          </p:sp>
+        </mc:Choice>
+        <mc:Fallback>
+          <p:sp>
+            <p:nvSpPr>
+              <p:cNvPr id="19" name="TextBox 18">
+                <a:extLst>
+                  <a:ext uri="{FF2B5EF4-FFF2-40B4-BE49-F238E27FC236}">
+                    <a16:creationId xmlns:a16="http://schemas.microsoft.com/office/drawing/2014/main" id="{815EA1A8-7EA1-D34C-4DB8-8B39688520B0}"/>
+                  </a:ext>
+                </a:extLst>
+              </p:cNvPr>
+              <p:cNvSpPr txBox="1">
+                <a:spLocks noRot="1" noChangeAspect="1" noMove="1" noResize="1" noEditPoints="1" noAdjustHandles="1" noChangeArrowheads="1" noChangeShapeType="1" noTextEdit="1"/>
+              </p:cNvSpPr>
+              <p:nvPr/>
+            </p:nvSpPr>
+            <p:spPr>
+              <a:xfrm>
+                <a:off x="3003025" y="5765457"/>
+                <a:ext cx="3423107" cy="848502"/>
+              </a:xfrm>
+              <a:prstGeom prst="rect">
+                <a:avLst/>
+              </a:prstGeom>
+              <a:blipFill>
+                <a:blip r:embed="rId5"/>
+                <a:stretch>
+                  <a:fillRect/>
+                </a:stretch>
+              </a:blipFill>
+            </p:spPr>
+            <p:txBody>
+              <a:bodyPr/>
+              <a:lstStyle/>
+              <a:p>
+                <a:r>
+                  <a:rPr lang="en-GB">
+                    <a:noFill/>
+                  </a:rPr>
+                  <a:t> </a:t>
+                </a:r>
+              </a:p>
+            </p:txBody>
+          </p:sp>
+        </mc:Fallback>
+      </mc:AlternateContent>
+      <p:sp>
+        <p:nvSpPr>
+          <p:cNvPr id="20" name="TextBox 19">
+            <a:extLst>
+              <a:ext uri="{FF2B5EF4-FFF2-40B4-BE49-F238E27FC236}">
+                <a16:creationId xmlns:a16="http://schemas.microsoft.com/office/drawing/2014/main" id="{85CC5C45-257C-3F61-36C5-36EF801B6CEB}"/>
+              </a:ext>
+            </a:extLst>
+          </p:cNvPr>
+          <p:cNvSpPr txBox="1"/>
+          <p:nvPr/>
+        </p:nvSpPr>
+        <p:spPr>
+          <a:xfrm>
+            <a:off x="341791" y="6028438"/>
+            <a:ext cx="3064825" cy="369332"/>
+          </a:xfrm>
+          <a:prstGeom prst="rect">
+            <a:avLst/>
+          </a:prstGeom>
+          <a:noFill/>
+        </p:spPr>
+        <p:txBody>
+          <a:bodyPr wrap="square" rtlCol="0">
+            <a:spAutoFit/>
+          </a:bodyPr>
+          <a:lstStyle/>
+          <a:p>
+            <a:r>
+              <a:rPr lang="en-GB" dirty="0">
+                <a:latin typeface="Bahnschrift" panose="020B0502040204020203" pitchFamily="34" charset="0"/>
+              </a:rPr>
+              <a:t>INPUT TRANSFORMATION</a:t>
+            </a:r>
+          </a:p>
+        </p:txBody>
+      </p:sp>
+      <p:sp>
+        <p:nvSpPr>
+          <p:cNvPr id="21" name="TextBox 20">
+            <a:extLst>
+              <a:ext uri="{FF2B5EF4-FFF2-40B4-BE49-F238E27FC236}">
+                <a16:creationId xmlns:a16="http://schemas.microsoft.com/office/drawing/2014/main" id="{BE4FE4E2-B907-1039-572D-89839D8F57CA}"/>
+              </a:ext>
+            </a:extLst>
+          </p:cNvPr>
+          <p:cNvSpPr txBox="1"/>
+          <p:nvPr/>
+        </p:nvSpPr>
+        <p:spPr>
+          <a:xfrm>
+            <a:off x="341791" y="4178654"/>
+            <a:ext cx="3064825" cy="369332"/>
+          </a:xfrm>
+          <a:prstGeom prst="rect">
+            <a:avLst/>
+          </a:prstGeom>
+          <a:noFill/>
+        </p:spPr>
+        <p:txBody>
+          <a:bodyPr wrap="square" rtlCol="0">
+            <a:spAutoFit/>
+          </a:bodyPr>
+          <a:lstStyle/>
+          <a:p>
+            <a:r>
+              <a:rPr lang="en-GB" dirty="0">
+                <a:latin typeface="Bahnschrift" panose="020B0502040204020203" pitchFamily="34" charset="0"/>
+              </a:rPr>
+              <a:t>P2B TRANSFORMATION</a:t>
+            </a:r>
+          </a:p>
+        </p:txBody>
+      </p:sp>
+      <p:sp>
+        <p:nvSpPr>
+          <p:cNvPr id="22" name="TextBox 21">
+            <a:extLst>
+              <a:ext uri="{FF2B5EF4-FFF2-40B4-BE49-F238E27FC236}">
+                <a16:creationId xmlns:a16="http://schemas.microsoft.com/office/drawing/2014/main" id="{95A20844-1605-F4A3-9081-2B911374C29B}"/>
+              </a:ext>
+            </a:extLst>
+          </p:cNvPr>
+          <p:cNvSpPr txBox="1"/>
+          <p:nvPr/>
+        </p:nvSpPr>
+        <p:spPr>
+          <a:xfrm>
+            <a:off x="341791" y="5056399"/>
+            <a:ext cx="3064825" cy="369332"/>
+          </a:xfrm>
+          <a:prstGeom prst="rect">
+            <a:avLst/>
+          </a:prstGeom>
+          <a:noFill/>
+        </p:spPr>
+        <p:txBody>
+          <a:bodyPr wrap="square" rtlCol="0">
+            <a:spAutoFit/>
+          </a:bodyPr>
+          <a:lstStyle/>
+          <a:p>
+            <a:r>
+              <a:rPr lang="en-GB" dirty="0">
+                <a:latin typeface="Bahnschrift" panose="020B0502040204020203" pitchFamily="34" charset="0"/>
+              </a:rPr>
+              <a:t>CONTROL LAW</a:t>
+            </a:r>
+          </a:p>
+        </p:txBody>
+      </p:sp>
     </p:spTree>
     <p:extLst>
       <p:ext uri="{BB962C8B-B14F-4D97-AF65-F5344CB8AC3E}">
@@ -15769,10 +20095,10 @@
       </p:grpSpPr>
       <p:sp>
         <p:nvSpPr>
-          <p:cNvPr id="12" name="Rectangle 11">
+          <p:cNvPr id="27" name="Rectangle 26">
             <a:extLst>
               <a:ext uri="{FF2B5EF4-FFF2-40B4-BE49-F238E27FC236}">
-                <a16:creationId xmlns:a16="http://schemas.microsoft.com/office/drawing/2014/main" id="{2797BC4D-2E46-0831-0EF8-875A533EFD28}"/>
+                <a16:creationId xmlns:a16="http://schemas.microsoft.com/office/drawing/2014/main" id="{CE7E9089-478C-D650-13F9-08DF22C75940}"/>
               </a:ext>
             </a:extLst>
           </p:cNvPr>
@@ -15816,7 +20142,8 @@
           <a:bodyPr rtlCol="0" anchor="ctr"/>
           <a:lstStyle/>
           <a:p>
-            <a:endParaRPr lang="en-GB" dirty="0"/>
+            <a:pPr algn="ctr"/>
+            <a:endParaRPr lang="en-GB"/>
           </a:p>
         </p:txBody>
       </p:sp>
@@ -15919,8 +20246,23 @@
           <a:bodyPr rtlCol="0" anchor="ctr"/>
           <a:lstStyle/>
           <a:p>
-            <a:pPr algn="ctr"/>
-            <a:endParaRPr lang="en-GB"/>
+            <a:pPr>
+              <a:lnSpc>
+                <a:spcPct val="107000"/>
+              </a:lnSpc>
+              <a:spcAft>
+                <a:spcPts val="800"/>
+              </a:spcAft>
+            </a:pPr>
+            <a:endParaRPr lang="it-IT" sz="1800" kern="100" dirty="0">
+              <a:solidFill>
+                <a:schemeClr val="tx1"/>
+              </a:solidFill>
+              <a:effectLst/>
+              <a:latin typeface="Calibri" panose="020F0502020204030204" pitchFamily="34" charset="0"/>
+              <a:ea typeface="Calibri" panose="020F0502020204030204" pitchFamily="34" charset="0"/>
+              <a:cs typeface="Times New Roman" panose="02020603050405020304" pitchFamily="18" charset="0"/>
+            </a:endParaRPr>
           </a:p>
         </p:txBody>
       </p:sp>
@@ -15978,44 +20320,6 @@
       </p:sp>
       <p:sp>
         <p:nvSpPr>
-          <p:cNvPr id="8" name="Title 1">
-            <a:extLst>
-              <a:ext uri="{FF2B5EF4-FFF2-40B4-BE49-F238E27FC236}">
-                <a16:creationId xmlns:a16="http://schemas.microsoft.com/office/drawing/2014/main" id="{EBE823FE-7905-B57C-88F0-D83E86B63DE4}"/>
-              </a:ext>
-            </a:extLst>
-          </p:cNvPr>
-          <p:cNvSpPr>
-            <a:spLocks noGrp="1"/>
-          </p:cNvSpPr>
-          <p:nvPr>
-            <p:ph type="title"/>
-          </p:nvPr>
-        </p:nvSpPr>
-        <p:spPr>
-          <a:xfrm>
-            <a:off x="0" y="365125"/>
-            <a:ext cx="12192000" cy="1325563"/>
-          </a:xfrm>
-        </p:spPr>
-        <p:txBody>
-          <a:bodyPr>
-            <a:normAutofit/>
-          </a:bodyPr>
-          <a:lstStyle/>
-          <a:p>
-            <a:pPr algn="ctr"/>
-            <a:r>
-              <a:rPr lang="it-IT" sz="3600" b="1" dirty="0">
-                <a:latin typeface="Bahnschrift" panose="020B0502040204020203" pitchFamily="34" charset="0"/>
-              </a:rPr>
-              <a:t>D. DERIVATIVE CONTROLLER - IMPLEMENTATION</a:t>
-            </a:r>
-          </a:p>
-        </p:txBody>
-      </p:sp>
-      <p:sp>
-        <p:nvSpPr>
           <p:cNvPr id="15" name="Content Placeholder 2">
             <a:extLst>
               <a:ext uri="{FF2B5EF4-FFF2-40B4-BE49-F238E27FC236}">
@@ -16030,8 +20334,8 @@
         </p:nvSpPr>
         <p:spPr>
           <a:xfrm>
-            <a:off x="4967691" y="4193078"/>
-            <a:ext cx="6145230" cy="1720502"/>
+            <a:off x="7535696" y="4221521"/>
+            <a:ext cx="3725838" cy="1934182"/>
           </a:xfrm>
           <a:prstGeom prst="rect">
             <a:avLst/>
@@ -16354,8 +20658,8 @@
         </p:blipFill>
         <p:spPr>
           <a:xfrm>
-            <a:off x="1207729" y="1381624"/>
-            <a:ext cx="5846216" cy="2527435"/>
+            <a:off x="3288979" y="882713"/>
+            <a:ext cx="5614042" cy="2427062"/>
           </a:xfrm>
           <a:prstGeom prst="rect">
             <a:avLst/>
@@ -16367,6 +20671,1779 @@
           </a:ln>
         </p:spPr>
       </p:pic>
+      <p:sp>
+        <p:nvSpPr>
+          <p:cNvPr id="3" name="Title 1">
+            <a:extLst>
+              <a:ext uri="{FF2B5EF4-FFF2-40B4-BE49-F238E27FC236}">
+                <a16:creationId xmlns:a16="http://schemas.microsoft.com/office/drawing/2014/main" id="{2CD4809D-4E69-7F47-FA78-7B75528FE4A0}"/>
+              </a:ext>
+            </a:extLst>
+          </p:cNvPr>
+          <p:cNvSpPr txBox="1">
+            <a:spLocks/>
+          </p:cNvSpPr>
+          <p:nvPr/>
+        </p:nvSpPr>
+        <p:spPr>
+          <a:xfrm>
+            <a:off x="0" y="2132"/>
+            <a:ext cx="12192000" cy="976276"/>
+          </a:xfrm>
+          <a:prstGeom prst="rect">
+            <a:avLst/>
+          </a:prstGeom>
+        </p:spPr>
+        <p:txBody>
+          <a:bodyPr vert="horz" lIns="91440" tIns="45720" rIns="91440" bIns="45720" rtlCol="0" anchor="ctr">
+            <a:normAutofit/>
+          </a:bodyPr>
+          <a:lstStyle>
+            <a:lvl1pPr algn="l" defTabSz="914400" rtl="0" eaLnBrk="1" latinLnBrk="0" hangingPunct="1">
+              <a:lnSpc>
+                <a:spcPct val="90000"/>
+              </a:lnSpc>
+              <a:spcBef>
+                <a:spcPct val="0"/>
+              </a:spcBef>
+              <a:buNone/>
+              <a:defRPr sz="4400" kern="1200">
+                <a:solidFill>
+                  <a:schemeClr val="tx1"/>
+                </a:solidFill>
+                <a:latin typeface="+mj-lt"/>
+                <a:ea typeface="+mj-ea"/>
+                <a:cs typeface="+mj-cs"/>
+              </a:defRPr>
+            </a:lvl1pPr>
+          </a:lstStyle>
+          <a:p>
+            <a:pPr algn="ctr"/>
+            <a:r>
+              <a:rPr lang="it-IT" sz="3600" b="1" dirty="0">
+                <a:latin typeface="Bahnschrift" panose="020B0502040204020203" pitchFamily="34" charset="0"/>
+              </a:rPr>
+              <a:t>DOUBLE DERIVATIVE CONTROLLER - IMPLEMENTATION</a:t>
+            </a:r>
+          </a:p>
+        </p:txBody>
+      </p:sp>
+      <mc:AlternateContent xmlns:mc="http://schemas.openxmlformats.org/markup-compatibility/2006">
+        <mc:Choice xmlns:a14="http://schemas.microsoft.com/office/drawing/2010/main" Requires="a14">
+          <p:sp>
+            <p:nvSpPr>
+              <p:cNvPr id="13" name="TextBox 12">
+                <a:extLst>
+                  <a:ext uri="{FF2B5EF4-FFF2-40B4-BE49-F238E27FC236}">
+                    <a16:creationId xmlns:a16="http://schemas.microsoft.com/office/drawing/2014/main" id="{3C4EDDA9-A397-2D4A-AED2-ED215034F0CE}"/>
+                  </a:ext>
+                </a:extLst>
+              </p:cNvPr>
+              <p:cNvSpPr txBox="1"/>
+              <p:nvPr/>
+            </p:nvSpPr>
+            <p:spPr>
+              <a:xfrm>
+                <a:off x="1208988" y="4515334"/>
+                <a:ext cx="7263352" cy="1114023"/>
+              </a:xfrm>
+              <a:prstGeom prst="rect">
+                <a:avLst/>
+              </a:prstGeom>
+              <a:noFill/>
+            </p:spPr>
+            <p:txBody>
+              <a:bodyPr wrap="square">
+                <a:spAutoFit/>
+              </a:bodyPr>
+              <a:lstStyle/>
+              <a:p>
+                <a:pPr/>
+                <a14:m>
+                  <m:oMathPara xmlns:m="http://schemas.openxmlformats.org/officeDocument/2006/math">
+                    <m:oMathParaPr>
+                      <m:jc m:val="centerGroup"/>
+                    </m:oMathParaPr>
+                    <m:oMath xmlns:m="http://schemas.openxmlformats.org/officeDocument/2006/math">
+                      <m:d>
+                        <m:dPr>
+                          <m:begChr m:val="["/>
+                          <m:endChr m:val="]"/>
+                          <m:ctrlPr>
+                            <a:rPr lang="en-GB" i="1" smtClean="0">
+                              <a:solidFill>
+                                <a:srgbClr val="836967"/>
+                              </a:solidFill>
+                              <a:latin typeface="Cambria Math" panose="02040503050406030204" pitchFamily="18" charset="0"/>
+                            </a:rPr>
+                          </m:ctrlPr>
+                        </m:dPr>
+                        <m:e>
+                          <m:m>
+                            <m:mPr>
+                              <m:plcHide m:val="on"/>
+                              <m:mcs>
+                                <m:mc>
+                                  <m:mcPr>
+                                    <m:count m:val="1"/>
+                                    <m:mcJc m:val="center"/>
+                                  </m:mcPr>
+                                </m:mc>
+                              </m:mcs>
+                              <m:ctrlPr>
+                                <a:rPr lang="en-GB" i="1">
+                                  <a:solidFill>
+                                    <a:srgbClr val="836967"/>
+                                  </a:solidFill>
+                                  <a:latin typeface="Cambria Math" panose="02040503050406030204" pitchFamily="18" charset="0"/>
+                                </a:rPr>
+                              </m:ctrlPr>
+                            </m:mPr>
+                            <m:mr>
+                              <m:e>
+                                <m:sSub>
+                                  <m:sSubPr>
+                                    <m:ctrlPr>
+                                      <a:rPr lang="en-GB" i="1">
+                                        <a:solidFill>
+                                          <a:srgbClr val="836967"/>
+                                        </a:solidFill>
+                                        <a:latin typeface="Cambria Math" panose="02040503050406030204" pitchFamily="18" charset="0"/>
+                                      </a:rPr>
+                                    </m:ctrlPr>
+                                  </m:sSubPr>
+                                  <m:e>
+                                    <m:r>
+                                      <a:rPr lang="en-GB" i="1">
+                                        <a:latin typeface="Cambria Math" panose="02040503050406030204" pitchFamily="18" charset="0"/>
+                                      </a:rPr>
+                                      <m:t>𝑢</m:t>
+                                    </m:r>
+                                  </m:e>
+                                  <m:sub>
+                                    <m:r>
+                                      <a:rPr lang="en-GB" i="0">
+                                        <a:latin typeface="Cambria Math" panose="02040503050406030204" pitchFamily="18" charset="0"/>
+                                      </a:rPr>
+                                      <m:t>1</m:t>
+                                    </m:r>
+                                  </m:sub>
+                                </m:sSub>
+                              </m:e>
+                            </m:mr>
+                            <m:mr>
+                              <m:e>
+                                <m:sSub>
+                                  <m:sSubPr>
+                                    <m:ctrlPr>
+                                      <a:rPr lang="en-GB" i="1">
+                                        <a:solidFill>
+                                          <a:srgbClr val="836967"/>
+                                        </a:solidFill>
+                                        <a:latin typeface="Cambria Math" panose="02040503050406030204" pitchFamily="18" charset="0"/>
+                                      </a:rPr>
+                                    </m:ctrlPr>
+                                  </m:sSubPr>
+                                  <m:e>
+                                    <m:r>
+                                      <a:rPr lang="en-GB" i="1">
+                                        <a:latin typeface="Cambria Math" panose="02040503050406030204" pitchFamily="18" charset="0"/>
+                                      </a:rPr>
+                                      <m:t>𝑢</m:t>
+                                    </m:r>
+                                  </m:e>
+                                  <m:sub>
+                                    <m:r>
+                                      <a:rPr lang="en-GB" i="0">
+                                        <a:latin typeface="Cambria Math" panose="02040503050406030204" pitchFamily="18" charset="0"/>
+                                      </a:rPr>
+                                      <m:t>2</m:t>
+                                    </m:r>
+                                  </m:sub>
+                                </m:sSub>
+                              </m:e>
+                            </m:mr>
+                          </m:m>
+                        </m:e>
+                      </m:d>
+                      <m:r>
+                        <a:rPr lang="en-GB" i="0">
+                          <a:latin typeface="Cambria Math" panose="02040503050406030204" pitchFamily="18" charset="0"/>
+                        </a:rPr>
+                        <m:t>=</m:t>
+                      </m:r>
+                      <m:d>
+                        <m:dPr>
+                          <m:begChr m:val="["/>
+                          <m:endChr m:val="]"/>
+                          <m:ctrlPr>
+                            <a:rPr lang="en-GB" i="1">
+                              <a:solidFill>
+                                <a:srgbClr val="836967"/>
+                              </a:solidFill>
+                              <a:latin typeface="Cambria Math" panose="02040503050406030204" pitchFamily="18" charset="0"/>
+                            </a:rPr>
+                          </m:ctrlPr>
+                        </m:dPr>
+                        <m:e>
+                          <m:m>
+                            <m:mPr>
+                              <m:plcHide m:val="on"/>
+                              <m:mcs>
+                                <m:mc>
+                                  <m:mcPr>
+                                    <m:count m:val="4"/>
+                                    <m:mcJc m:val="center"/>
+                                  </m:mcPr>
+                                </m:mc>
+                              </m:mcs>
+                              <m:ctrlPr>
+                                <a:rPr lang="en-GB" i="1">
+                                  <a:solidFill>
+                                    <a:srgbClr val="836967"/>
+                                  </a:solidFill>
+                                  <a:latin typeface="Cambria Math" panose="02040503050406030204" pitchFamily="18" charset="0"/>
+                                </a:rPr>
+                              </m:ctrlPr>
+                            </m:mPr>
+                            <m:mr>
+                              <m:e>
+                                <m:sSub>
+                                  <m:sSubPr>
+                                    <m:ctrlPr>
+                                      <a:rPr lang="en-GB" i="1">
+                                        <a:solidFill>
+                                          <a:srgbClr val="836967"/>
+                                        </a:solidFill>
+                                        <a:latin typeface="Cambria Math" panose="02040503050406030204" pitchFamily="18" charset="0"/>
+                                      </a:rPr>
+                                    </m:ctrlPr>
+                                  </m:sSubPr>
+                                  <m:e>
+                                    <m:r>
+                                      <a:rPr lang="en-GB" i="1">
+                                        <a:latin typeface="Cambria Math" panose="02040503050406030204" pitchFamily="18" charset="0"/>
+                                      </a:rPr>
+                                      <m:t>𝐾</m:t>
+                                    </m:r>
+                                  </m:e>
+                                  <m:sub>
+                                    <m:r>
+                                      <a:rPr lang="en-GB" i="0">
+                                        <a:latin typeface="Cambria Math" panose="02040503050406030204" pitchFamily="18" charset="0"/>
+                                      </a:rPr>
+                                      <m:t>1</m:t>
+                                    </m:r>
+                                  </m:sub>
+                                </m:sSub>
+                              </m:e>
+                              <m:e>
+                                <m:r>
+                                  <a:rPr lang="en-GB" i="0">
+                                    <a:latin typeface="Cambria Math" panose="02040503050406030204" pitchFamily="18" charset="0"/>
+                                  </a:rPr>
+                                  <m:t>0</m:t>
+                                </m:r>
+                              </m:e>
+                              <m:e>
+                                <m:sSub>
+                                  <m:sSubPr>
+                                    <m:ctrlPr>
+                                      <a:rPr lang="en-GB" i="1">
+                                        <a:solidFill>
+                                          <a:srgbClr val="836967"/>
+                                        </a:solidFill>
+                                        <a:latin typeface="Cambria Math" panose="02040503050406030204" pitchFamily="18" charset="0"/>
+                                      </a:rPr>
+                                    </m:ctrlPr>
+                                  </m:sSubPr>
+                                  <m:e>
+                                    <m:r>
+                                      <a:rPr lang="en-GB" i="1">
+                                        <a:latin typeface="Cambria Math" panose="02040503050406030204" pitchFamily="18" charset="0"/>
+                                      </a:rPr>
+                                      <m:t>𝐾</m:t>
+                                    </m:r>
+                                  </m:e>
+                                  <m:sub>
+                                    <m:r>
+                                      <a:rPr lang="en-GB" i="0">
+                                        <a:latin typeface="Cambria Math" panose="02040503050406030204" pitchFamily="18" charset="0"/>
+                                      </a:rPr>
+                                      <m:t>3</m:t>
+                                    </m:r>
+                                  </m:sub>
+                                </m:sSub>
+                              </m:e>
+                              <m:e>
+                                <m:r>
+                                  <a:rPr lang="en-GB" i="0">
+                                    <a:latin typeface="Cambria Math" panose="02040503050406030204" pitchFamily="18" charset="0"/>
+                                  </a:rPr>
+                                  <m:t>0</m:t>
+                                </m:r>
+                              </m:e>
+                            </m:mr>
+                            <m:mr>
+                              <m:e>
+                                <m:r>
+                                  <a:rPr lang="en-GB" i="0">
+                                    <a:latin typeface="Cambria Math" panose="02040503050406030204" pitchFamily="18" charset="0"/>
+                                  </a:rPr>
+                                  <m:t>0</m:t>
+                                </m:r>
+                              </m:e>
+                              <m:e>
+                                <m:sSub>
+                                  <m:sSubPr>
+                                    <m:ctrlPr>
+                                      <a:rPr lang="en-GB" i="1">
+                                        <a:solidFill>
+                                          <a:srgbClr val="836967"/>
+                                        </a:solidFill>
+                                        <a:latin typeface="Cambria Math" panose="02040503050406030204" pitchFamily="18" charset="0"/>
+                                      </a:rPr>
+                                    </m:ctrlPr>
+                                  </m:sSubPr>
+                                  <m:e>
+                                    <m:r>
+                                      <a:rPr lang="en-GB" i="1">
+                                        <a:latin typeface="Cambria Math" panose="02040503050406030204" pitchFamily="18" charset="0"/>
+                                      </a:rPr>
+                                      <m:t>𝐾</m:t>
+                                    </m:r>
+                                  </m:e>
+                                  <m:sub>
+                                    <m:r>
+                                      <a:rPr lang="en-GB" i="0">
+                                        <a:latin typeface="Cambria Math" panose="02040503050406030204" pitchFamily="18" charset="0"/>
+                                      </a:rPr>
+                                      <m:t>2</m:t>
+                                    </m:r>
+                                  </m:sub>
+                                </m:sSub>
+                              </m:e>
+                              <m:e>
+                                <m:r>
+                                  <a:rPr lang="en-GB" i="0">
+                                    <a:latin typeface="Cambria Math" panose="02040503050406030204" pitchFamily="18" charset="0"/>
+                                  </a:rPr>
+                                  <m:t>0</m:t>
+                                </m:r>
+                              </m:e>
+                              <m:e>
+                                <m:sSub>
+                                  <m:sSubPr>
+                                    <m:ctrlPr>
+                                      <a:rPr lang="en-GB" i="1">
+                                        <a:solidFill>
+                                          <a:srgbClr val="836967"/>
+                                        </a:solidFill>
+                                        <a:latin typeface="Cambria Math" panose="02040503050406030204" pitchFamily="18" charset="0"/>
+                                      </a:rPr>
+                                    </m:ctrlPr>
+                                  </m:sSubPr>
+                                  <m:e>
+                                    <m:r>
+                                      <a:rPr lang="en-GB" i="1">
+                                        <a:latin typeface="Cambria Math" panose="02040503050406030204" pitchFamily="18" charset="0"/>
+                                      </a:rPr>
+                                      <m:t>𝐾</m:t>
+                                    </m:r>
+                                  </m:e>
+                                  <m:sub>
+                                    <m:r>
+                                      <a:rPr lang="en-GB" i="0">
+                                        <a:latin typeface="Cambria Math" panose="02040503050406030204" pitchFamily="18" charset="0"/>
+                                      </a:rPr>
+                                      <m:t>4</m:t>
+                                    </m:r>
+                                  </m:sub>
+                                </m:sSub>
+                              </m:e>
+                            </m:mr>
+                          </m:m>
+                        </m:e>
+                      </m:d>
+                      <m:d>
+                        <m:dPr>
+                          <m:begChr m:val="["/>
+                          <m:endChr m:val="]"/>
+                          <m:ctrlPr>
+                            <a:rPr lang="en-GB" i="1">
+                              <a:solidFill>
+                                <a:srgbClr val="836967"/>
+                              </a:solidFill>
+                              <a:latin typeface="Cambria Math" panose="02040503050406030204" pitchFamily="18" charset="0"/>
+                            </a:rPr>
+                          </m:ctrlPr>
+                        </m:dPr>
+                        <m:e>
+                          <m:m>
+                            <m:mPr>
+                              <m:plcHide m:val="on"/>
+                              <m:mcs>
+                                <m:mc>
+                                  <m:mcPr>
+                                    <m:count m:val="1"/>
+                                    <m:mcJc m:val="center"/>
+                                  </m:mcPr>
+                                </m:mc>
+                              </m:mcs>
+                              <m:ctrlPr>
+                                <a:rPr lang="en-GB" i="1">
+                                  <a:solidFill>
+                                    <a:srgbClr val="836967"/>
+                                  </a:solidFill>
+                                  <a:latin typeface="Cambria Math" panose="02040503050406030204" pitchFamily="18" charset="0"/>
+                                </a:rPr>
+                              </m:ctrlPr>
+                            </m:mPr>
+                            <m:mr>
+                              <m:e>
+                                <m:sSub>
+                                  <m:sSubPr>
+                                    <m:ctrlPr>
+                                      <a:rPr lang="en-GB" i="1">
+                                        <a:solidFill>
+                                          <a:srgbClr val="836967"/>
+                                        </a:solidFill>
+                                        <a:latin typeface="Cambria Math" panose="02040503050406030204" pitchFamily="18" charset="0"/>
+                                      </a:rPr>
+                                    </m:ctrlPr>
+                                  </m:sSubPr>
+                                  <m:e>
+                                    <m:r>
+                                      <a:rPr lang="en-GB" i="1">
+                                        <a:latin typeface="Cambria Math" panose="02040503050406030204" pitchFamily="18" charset="0"/>
+                                      </a:rPr>
+                                      <m:t>𝑥</m:t>
+                                    </m:r>
+                                  </m:e>
+                                  <m:sub>
+                                    <m:r>
+                                      <a:rPr lang="en-GB" i="1">
+                                        <a:latin typeface="Cambria Math" panose="02040503050406030204" pitchFamily="18" charset="0"/>
+                                      </a:rPr>
+                                      <m:t>𝑑</m:t>
+                                    </m:r>
+                                  </m:sub>
+                                </m:sSub>
+                                <m:r>
+                                  <a:rPr lang="en-GB" i="0">
+                                    <a:latin typeface="Cambria Math" panose="02040503050406030204" pitchFamily="18" charset="0"/>
+                                  </a:rPr>
+                                  <m:t>−</m:t>
+                                </m:r>
+                                <m:r>
+                                  <a:rPr lang="en-GB" i="1">
+                                    <a:latin typeface="Cambria Math" panose="02040503050406030204" pitchFamily="18" charset="0"/>
+                                  </a:rPr>
+                                  <m:t>𝑥</m:t>
+                                </m:r>
+                              </m:e>
+                            </m:mr>
+                            <m:mr>
+                              <m:e>
+                                <m:sSub>
+                                  <m:sSubPr>
+                                    <m:ctrlPr>
+                                      <a:rPr lang="en-GB" i="1">
+                                        <a:solidFill>
+                                          <a:srgbClr val="836967"/>
+                                        </a:solidFill>
+                                        <a:latin typeface="Cambria Math" panose="02040503050406030204" pitchFamily="18" charset="0"/>
+                                      </a:rPr>
+                                    </m:ctrlPr>
+                                  </m:sSubPr>
+                                  <m:e>
+                                    <m:r>
+                                      <a:rPr lang="en-GB" i="1">
+                                        <a:latin typeface="Cambria Math" panose="02040503050406030204" pitchFamily="18" charset="0"/>
+                                      </a:rPr>
+                                      <m:t>𝑦</m:t>
+                                    </m:r>
+                                  </m:e>
+                                  <m:sub>
+                                    <m:r>
+                                      <a:rPr lang="en-GB" i="1">
+                                        <a:latin typeface="Cambria Math" panose="02040503050406030204" pitchFamily="18" charset="0"/>
+                                      </a:rPr>
+                                      <m:t>𝑑</m:t>
+                                    </m:r>
+                                  </m:sub>
+                                </m:sSub>
+                                <m:r>
+                                  <a:rPr lang="en-GB" i="0">
+                                    <a:latin typeface="Cambria Math" panose="02040503050406030204" pitchFamily="18" charset="0"/>
+                                  </a:rPr>
+                                  <m:t>−</m:t>
+                                </m:r>
+                                <m:r>
+                                  <a:rPr lang="en-GB" i="1">
+                                    <a:latin typeface="Cambria Math" panose="02040503050406030204" pitchFamily="18" charset="0"/>
+                                  </a:rPr>
+                                  <m:t>𝑦</m:t>
+                                </m:r>
+                              </m:e>
+                            </m:mr>
+                            <m:mr>
+                              <m:e>
+                                <m:sSub>
+                                  <m:sSubPr>
+                                    <m:ctrlPr>
+                                      <a:rPr lang="en-GB" i="1">
+                                        <a:solidFill>
+                                          <a:srgbClr val="836967"/>
+                                        </a:solidFill>
+                                        <a:latin typeface="Cambria Math" panose="02040503050406030204" pitchFamily="18" charset="0"/>
+                                      </a:rPr>
+                                    </m:ctrlPr>
+                                  </m:sSubPr>
+                                  <m:e>
+                                    <m:acc>
+                                      <m:accPr>
+                                        <m:chr m:val="̇"/>
+                                        <m:ctrlPr>
+                                          <a:rPr lang="en-GB" i="1">
+                                            <a:solidFill>
+                                              <a:srgbClr val="836967"/>
+                                            </a:solidFill>
+                                            <a:latin typeface="Cambria Math" panose="02040503050406030204" pitchFamily="18" charset="0"/>
+                                          </a:rPr>
+                                        </m:ctrlPr>
+                                      </m:accPr>
+                                      <m:e>
+                                        <m:r>
+                                          <a:rPr lang="en-GB" i="1">
+                                            <a:latin typeface="Cambria Math" panose="02040503050406030204" pitchFamily="18" charset="0"/>
+                                          </a:rPr>
+                                          <m:t>𝑥</m:t>
+                                        </m:r>
+                                      </m:e>
+                                    </m:acc>
+                                  </m:e>
+                                  <m:sub>
+                                    <m:r>
+                                      <a:rPr lang="en-GB" i="1">
+                                        <a:latin typeface="Cambria Math" panose="02040503050406030204" pitchFamily="18" charset="0"/>
+                                      </a:rPr>
+                                      <m:t>𝑑</m:t>
+                                    </m:r>
+                                  </m:sub>
+                                </m:sSub>
+                                <m:r>
+                                  <a:rPr lang="en-GB" i="0">
+                                    <a:latin typeface="Cambria Math" panose="02040503050406030204" pitchFamily="18" charset="0"/>
+                                  </a:rPr>
+                                  <m:t>−</m:t>
+                                </m:r>
+                                <m:acc>
+                                  <m:accPr>
+                                    <m:chr m:val="̇"/>
+                                    <m:ctrlPr>
+                                      <a:rPr lang="en-GB" i="1">
+                                        <a:solidFill>
+                                          <a:srgbClr val="836967"/>
+                                        </a:solidFill>
+                                        <a:latin typeface="Cambria Math" panose="02040503050406030204" pitchFamily="18" charset="0"/>
+                                      </a:rPr>
+                                    </m:ctrlPr>
+                                  </m:accPr>
+                                  <m:e>
+                                    <m:r>
+                                      <a:rPr lang="en-GB" i="1">
+                                        <a:latin typeface="Cambria Math" panose="02040503050406030204" pitchFamily="18" charset="0"/>
+                                      </a:rPr>
+                                      <m:t>𝑥</m:t>
+                                    </m:r>
+                                  </m:e>
+                                </m:acc>
+                              </m:e>
+                            </m:mr>
+                            <m:mr>
+                              <m:e>
+                                <m:sSub>
+                                  <m:sSubPr>
+                                    <m:ctrlPr>
+                                      <a:rPr lang="en-GB" i="1">
+                                        <a:solidFill>
+                                          <a:srgbClr val="836967"/>
+                                        </a:solidFill>
+                                        <a:latin typeface="Cambria Math" panose="02040503050406030204" pitchFamily="18" charset="0"/>
+                                      </a:rPr>
+                                    </m:ctrlPr>
+                                  </m:sSubPr>
+                                  <m:e>
+                                    <m:acc>
+                                      <m:accPr>
+                                        <m:chr m:val="̇"/>
+                                        <m:ctrlPr>
+                                          <a:rPr lang="en-GB" i="1">
+                                            <a:solidFill>
+                                              <a:srgbClr val="836967"/>
+                                            </a:solidFill>
+                                            <a:latin typeface="Cambria Math" panose="02040503050406030204" pitchFamily="18" charset="0"/>
+                                          </a:rPr>
+                                        </m:ctrlPr>
+                                      </m:accPr>
+                                      <m:e>
+                                        <m:r>
+                                          <a:rPr lang="en-GB" i="1">
+                                            <a:latin typeface="Cambria Math" panose="02040503050406030204" pitchFamily="18" charset="0"/>
+                                          </a:rPr>
+                                          <m:t>𝑦</m:t>
+                                        </m:r>
+                                      </m:e>
+                                    </m:acc>
+                                  </m:e>
+                                  <m:sub>
+                                    <m:r>
+                                      <a:rPr lang="en-GB" i="1">
+                                        <a:latin typeface="Cambria Math" panose="02040503050406030204" pitchFamily="18" charset="0"/>
+                                      </a:rPr>
+                                      <m:t>𝑑</m:t>
+                                    </m:r>
+                                  </m:sub>
+                                </m:sSub>
+                                <m:r>
+                                  <a:rPr lang="en-GB" i="0">
+                                    <a:latin typeface="Cambria Math" panose="02040503050406030204" pitchFamily="18" charset="0"/>
+                                  </a:rPr>
+                                  <m:t>−</m:t>
+                                </m:r>
+                                <m:acc>
+                                  <m:accPr>
+                                    <m:chr m:val="̇"/>
+                                    <m:ctrlPr>
+                                      <a:rPr lang="en-GB" i="1">
+                                        <a:solidFill>
+                                          <a:srgbClr val="836967"/>
+                                        </a:solidFill>
+                                        <a:latin typeface="Cambria Math" panose="02040503050406030204" pitchFamily="18" charset="0"/>
+                                      </a:rPr>
+                                    </m:ctrlPr>
+                                  </m:accPr>
+                                  <m:e>
+                                    <m:r>
+                                      <a:rPr lang="en-GB" i="1">
+                                        <a:latin typeface="Cambria Math" panose="02040503050406030204" pitchFamily="18" charset="0"/>
+                                      </a:rPr>
+                                      <m:t>𝑦</m:t>
+                                    </m:r>
+                                  </m:e>
+                                </m:acc>
+                              </m:e>
+                            </m:mr>
+                          </m:m>
+                        </m:e>
+                      </m:d>
+                      <m:r>
+                        <a:rPr lang="en-GB" i="0">
+                          <a:latin typeface="Cambria Math" panose="02040503050406030204" pitchFamily="18" charset="0"/>
+                        </a:rPr>
+                        <m:t>+ </m:t>
+                      </m:r>
+                      <m:d>
+                        <m:dPr>
+                          <m:begChr m:val="["/>
+                          <m:endChr m:val="]"/>
+                          <m:ctrlPr>
+                            <a:rPr lang="en-GB" i="1">
+                              <a:solidFill>
+                                <a:srgbClr val="836967"/>
+                              </a:solidFill>
+                              <a:latin typeface="Cambria Math" panose="02040503050406030204" pitchFamily="18" charset="0"/>
+                            </a:rPr>
+                          </m:ctrlPr>
+                        </m:dPr>
+                        <m:e>
+                          <m:m>
+                            <m:mPr>
+                              <m:plcHide m:val="on"/>
+                              <m:mcs>
+                                <m:mc>
+                                  <m:mcPr>
+                                    <m:count m:val="1"/>
+                                    <m:mcJc m:val="center"/>
+                                  </m:mcPr>
+                                </m:mc>
+                              </m:mcs>
+                              <m:ctrlPr>
+                                <a:rPr lang="en-GB" i="1">
+                                  <a:solidFill>
+                                    <a:srgbClr val="836967"/>
+                                  </a:solidFill>
+                                  <a:latin typeface="Cambria Math" panose="02040503050406030204" pitchFamily="18" charset="0"/>
+                                </a:rPr>
+                              </m:ctrlPr>
+                            </m:mPr>
+                            <m:mr>
+                              <m:e>
+                                <m:sSub>
+                                  <m:sSubPr>
+                                    <m:ctrlPr>
+                                      <a:rPr lang="en-GB" i="1">
+                                        <a:solidFill>
+                                          <a:srgbClr val="836967"/>
+                                        </a:solidFill>
+                                        <a:latin typeface="Cambria Math" panose="02040503050406030204" pitchFamily="18" charset="0"/>
+                                      </a:rPr>
+                                    </m:ctrlPr>
+                                  </m:sSubPr>
+                                  <m:e>
+                                    <m:acc>
+                                      <m:accPr>
+                                        <m:chr m:val="̇"/>
+                                        <m:ctrlPr>
+                                          <a:rPr lang="en-GB" i="1">
+                                            <a:solidFill>
+                                              <a:srgbClr val="836967"/>
+                                            </a:solidFill>
+                                            <a:latin typeface="Cambria Math" panose="02040503050406030204" pitchFamily="18" charset="0"/>
+                                          </a:rPr>
+                                        </m:ctrlPr>
+                                      </m:accPr>
+                                      <m:e>
+                                        <m:r>
+                                          <a:rPr lang="en-GB" i="1">
+                                            <a:latin typeface="Cambria Math" panose="02040503050406030204" pitchFamily="18" charset="0"/>
+                                          </a:rPr>
+                                          <m:t>𝑥</m:t>
+                                        </m:r>
+                                      </m:e>
+                                    </m:acc>
+                                  </m:e>
+                                  <m:sub>
+                                    <m:r>
+                                      <a:rPr lang="en-GB" i="1">
+                                        <a:latin typeface="Cambria Math" panose="02040503050406030204" pitchFamily="18" charset="0"/>
+                                      </a:rPr>
+                                      <m:t>𝑑</m:t>
+                                    </m:r>
+                                  </m:sub>
+                                </m:sSub>
+                              </m:e>
+                            </m:mr>
+                            <m:mr>
+                              <m:e>
+                                <m:sSub>
+                                  <m:sSubPr>
+                                    <m:ctrlPr>
+                                      <a:rPr lang="en-GB" i="1">
+                                        <a:solidFill>
+                                          <a:srgbClr val="836967"/>
+                                        </a:solidFill>
+                                        <a:latin typeface="Cambria Math" panose="02040503050406030204" pitchFamily="18" charset="0"/>
+                                      </a:rPr>
+                                    </m:ctrlPr>
+                                  </m:sSubPr>
+                                  <m:e>
+                                    <m:acc>
+                                      <m:accPr>
+                                        <m:chr m:val="̇"/>
+                                        <m:ctrlPr>
+                                          <a:rPr lang="en-GB" i="1">
+                                            <a:solidFill>
+                                              <a:srgbClr val="836967"/>
+                                            </a:solidFill>
+                                            <a:latin typeface="Cambria Math" panose="02040503050406030204" pitchFamily="18" charset="0"/>
+                                          </a:rPr>
+                                        </m:ctrlPr>
+                                      </m:accPr>
+                                      <m:e>
+                                        <m:r>
+                                          <a:rPr lang="en-GB" i="1">
+                                            <a:latin typeface="Cambria Math" panose="02040503050406030204" pitchFamily="18" charset="0"/>
+                                          </a:rPr>
+                                          <m:t>𝑦</m:t>
+                                        </m:r>
+                                      </m:e>
+                                    </m:acc>
+                                  </m:e>
+                                  <m:sub>
+                                    <m:r>
+                                      <a:rPr lang="en-GB" i="1">
+                                        <a:latin typeface="Cambria Math" panose="02040503050406030204" pitchFamily="18" charset="0"/>
+                                      </a:rPr>
+                                      <m:t>𝑑</m:t>
+                                    </m:r>
+                                  </m:sub>
+                                </m:sSub>
+                              </m:e>
+                            </m:mr>
+                          </m:m>
+                        </m:e>
+                      </m:d>
+                    </m:oMath>
+                  </m:oMathPara>
+                </a14:m>
+                <a:endParaRPr lang="en-GB" dirty="0"/>
+              </a:p>
+            </p:txBody>
+          </p:sp>
+        </mc:Choice>
+        <mc:Fallback>
+          <p:sp>
+            <p:nvSpPr>
+              <p:cNvPr id="13" name="TextBox 12">
+                <a:extLst>
+                  <a:ext uri="{FF2B5EF4-FFF2-40B4-BE49-F238E27FC236}">
+                    <a16:creationId xmlns:a16="http://schemas.microsoft.com/office/drawing/2014/main" id="{3C4EDDA9-A397-2D4A-AED2-ED215034F0CE}"/>
+                  </a:ext>
+                </a:extLst>
+              </p:cNvPr>
+              <p:cNvSpPr txBox="1">
+                <a:spLocks noRot="1" noChangeAspect="1" noMove="1" noResize="1" noEditPoints="1" noAdjustHandles="1" noChangeArrowheads="1" noChangeShapeType="1" noTextEdit="1"/>
+              </p:cNvSpPr>
+              <p:nvPr/>
+            </p:nvSpPr>
+            <p:spPr>
+              <a:xfrm>
+                <a:off x="1208988" y="4515334"/>
+                <a:ext cx="7263352" cy="1114023"/>
+              </a:xfrm>
+              <a:prstGeom prst="rect">
+                <a:avLst/>
+              </a:prstGeom>
+              <a:blipFill>
+                <a:blip r:embed="rId3"/>
+                <a:stretch>
+                  <a:fillRect/>
+                </a:stretch>
+              </a:blipFill>
+            </p:spPr>
+            <p:txBody>
+              <a:bodyPr/>
+              <a:lstStyle/>
+              <a:p>
+                <a:r>
+                  <a:rPr lang="en-GB">
+                    <a:noFill/>
+                  </a:rPr>
+                  <a:t> </a:t>
+                </a:r>
+              </a:p>
+            </p:txBody>
+          </p:sp>
+        </mc:Fallback>
+      </mc:AlternateContent>
+      <mc:AlternateContent xmlns:mc="http://schemas.openxmlformats.org/markup-compatibility/2006">
+        <mc:Choice xmlns:a14="http://schemas.microsoft.com/office/drawing/2010/main" Requires="a14">
+          <p:sp>
+            <p:nvSpPr>
+              <p:cNvPr id="16" name="TextBox 15">
+                <a:extLst>
+                  <a:ext uri="{FF2B5EF4-FFF2-40B4-BE49-F238E27FC236}">
+                    <a16:creationId xmlns:a16="http://schemas.microsoft.com/office/drawing/2014/main" id="{95530CBF-65D1-0556-F14B-8B3E4E90E4FA}"/>
+                  </a:ext>
+                </a:extLst>
+              </p:cNvPr>
+              <p:cNvSpPr txBox="1"/>
+              <p:nvPr/>
+            </p:nvSpPr>
+            <p:spPr>
+              <a:xfrm>
+                <a:off x="1460698" y="5641534"/>
+                <a:ext cx="7263352" cy="848630"/>
+              </a:xfrm>
+              <a:prstGeom prst="rect">
+                <a:avLst/>
+              </a:prstGeom>
+              <a:noFill/>
+            </p:spPr>
+            <p:txBody>
+              <a:bodyPr wrap="square">
+                <a:spAutoFit/>
+              </a:bodyPr>
+              <a:lstStyle/>
+              <a:p>
+                <a:pPr/>
+                <a14:m>
+                  <m:oMathPara xmlns:m="http://schemas.openxmlformats.org/officeDocument/2006/math">
+                    <m:oMathParaPr>
+                      <m:jc m:val="centerGroup"/>
+                    </m:oMathParaPr>
+                    <m:oMath xmlns:m="http://schemas.openxmlformats.org/officeDocument/2006/math">
+                      <m:d>
+                        <m:dPr>
+                          <m:begChr m:val="["/>
+                          <m:endChr m:val="]"/>
+                          <m:ctrlPr>
+                            <a:rPr lang="en-GB" i="1" smtClean="0">
+                              <a:solidFill>
+                                <a:srgbClr val="836967"/>
+                              </a:solidFill>
+                              <a:latin typeface="Cambria Math" panose="02040503050406030204" pitchFamily="18" charset="0"/>
+                            </a:rPr>
+                          </m:ctrlPr>
+                        </m:dPr>
+                        <m:e>
+                          <m:m>
+                            <m:mPr>
+                              <m:plcHide m:val="on"/>
+                              <m:mcs>
+                                <m:mc>
+                                  <m:mcPr>
+                                    <m:count m:val="1"/>
+                                    <m:mcJc m:val="center"/>
+                                  </m:mcPr>
+                                </m:mc>
+                              </m:mcs>
+                              <m:ctrlPr>
+                                <a:rPr lang="en-GB" i="1">
+                                  <a:solidFill>
+                                    <a:srgbClr val="836967"/>
+                                  </a:solidFill>
+                                  <a:latin typeface="Cambria Math" panose="02040503050406030204" pitchFamily="18" charset="0"/>
+                                </a:rPr>
+                              </m:ctrlPr>
+                            </m:mPr>
+                            <m:mr>
+                              <m:e>
+                                <m:r>
+                                  <a:rPr lang="en-GB" i="1">
+                                    <a:latin typeface="Cambria Math" panose="02040503050406030204" pitchFamily="18" charset="0"/>
+                                  </a:rPr>
+                                  <m:t>𝑎</m:t>
+                                </m:r>
+                              </m:e>
+                            </m:mr>
+                            <m:mr>
+                              <m:e>
+                                <m:r>
+                                  <a:rPr lang="en-GB" i="1">
+                                    <a:latin typeface="Cambria Math" panose="02040503050406030204" pitchFamily="18" charset="0"/>
+                                  </a:rPr>
+                                  <m:t>𝑤</m:t>
+                                </m:r>
+                              </m:e>
+                            </m:mr>
+                          </m:m>
+                        </m:e>
+                      </m:d>
+                      <m:r>
+                        <a:rPr lang="en-GB" i="0">
+                          <a:latin typeface="Cambria Math" panose="02040503050406030204" pitchFamily="18" charset="0"/>
+                        </a:rPr>
+                        <m:t>=</m:t>
+                      </m:r>
+                      <m:d>
+                        <m:dPr>
+                          <m:begChr m:val="["/>
+                          <m:endChr m:val="]"/>
+                          <m:ctrlPr>
+                            <a:rPr lang="en-GB" i="1">
+                              <a:solidFill>
+                                <a:srgbClr val="836967"/>
+                              </a:solidFill>
+                              <a:latin typeface="Cambria Math" panose="02040503050406030204" pitchFamily="18" charset="0"/>
+                            </a:rPr>
+                          </m:ctrlPr>
+                        </m:dPr>
+                        <m:e>
+                          <m:m>
+                            <m:mPr>
+                              <m:plcHide m:val="on"/>
+                              <m:mcs>
+                                <m:mc>
+                                  <m:mcPr>
+                                    <m:count m:val="2"/>
+                                    <m:mcJc m:val="center"/>
+                                  </m:mcPr>
+                                </m:mc>
+                              </m:mcs>
+                              <m:ctrlPr>
+                                <a:rPr lang="en-GB" i="1">
+                                  <a:solidFill>
+                                    <a:srgbClr val="836967"/>
+                                  </a:solidFill>
+                                  <a:latin typeface="Cambria Math" panose="02040503050406030204" pitchFamily="18" charset="0"/>
+                                </a:rPr>
+                              </m:ctrlPr>
+                            </m:mPr>
+                            <m:mr>
+                              <m:e>
+                                <m:func>
+                                  <m:funcPr>
+                                    <m:ctrlPr>
+                                      <a:rPr lang="en-GB" i="1">
+                                        <a:latin typeface="Cambria Math" panose="02040503050406030204" pitchFamily="18" charset="0"/>
+                                      </a:rPr>
+                                    </m:ctrlPr>
+                                  </m:funcPr>
+                                  <m:fName>
+                                    <m:r>
+                                      <m:rPr>
+                                        <m:sty m:val="p"/>
+                                      </m:rPr>
+                                      <a:rPr lang="en-GB" i="0">
+                                        <a:latin typeface="Cambria Math" panose="02040503050406030204" pitchFamily="18" charset="0"/>
+                                      </a:rPr>
+                                      <m:t>cos</m:t>
+                                    </m:r>
+                                  </m:fName>
+                                  <m:e>
+                                    <m:r>
+                                      <a:rPr lang="en-GB" i="1">
+                                        <a:latin typeface="Cambria Math" panose="02040503050406030204" pitchFamily="18" charset="0"/>
+                                      </a:rPr>
+                                      <m:t>𝜃</m:t>
+                                    </m:r>
+                                  </m:e>
+                                </m:func>
+                              </m:e>
+                              <m:e>
+                                <m:func>
+                                  <m:funcPr>
+                                    <m:ctrlPr>
+                                      <a:rPr lang="en-GB" i="1">
+                                        <a:latin typeface="Cambria Math" panose="02040503050406030204" pitchFamily="18" charset="0"/>
+                                      </a:rPr>
+                                    </m:ctrlPr>
+                                  </m:funcPr>
+                                  <m:fName>
+                                    <m:r>
+                                      <m:rPr>
+                                        <m:sty m:val="p"/>
+                                      </m:rPr>
+                                      <a:rPr lang="en-GB" i="0">
+                                        <a:latin typeface="Cambria Math" panose="02040503050406030204" pitchFamily="18" charset="0"/>
+                                      </a:rPr>
+                                      <m:t>sin</m:t>
+                                    </m:r>
+                                  </m:fName>
+                                  <m:e>
+                                    <m:r>
+                                      <a:rPr lang="en-GB" i="1">
+                                        <a:latin typeface="Cambria Math" panose="02040503050406030204" pitchFamily="18" charset="0"/>
+                                      </a:rPr>
+                                      <m:t>𝜃</m:t>
+                                    </m:r>
+                                  </m:e>
+                                </m:func>
+                              </m:e>
+                            </m:mr>
+                            <m:mr>
+                              <m:e>
+                                <m:r>
+                                  <a:rPr lang="en-GB" i="0">
+                                    <a:latin typeface="Cambria Math" panose="02040503050406030204" pitchFamily="18" charset="0"/>
+                                  </a:rPr>
+                                  <m:t>−</m:t>
+                                </m:r>
+                                <m:f>
+                                  <m:fPr>
+                                    <m:ctrlPr>
+                                      <a:rPr lang="en-GB" i="1">
+                                        <a:solidFill>
+                                          <a:srgbClr val="836967"/>
+                                        </a:solidFill>
+                                        <a:latin typeface="Cambria Math" panose="02040503050406030204" pitchFamily="18" charset="0"/>
+                                      </a:rPr>
+                                    </m:ctrlPr>
+                                  </m:fPr>
+                                  <m:num>
+                                    <m:func>
+                                      <m:funcPr>
+                                        <m:ctrlPr>
+                                          <a:rPr lang="en-GB" i="1">
+                                            <a:latin typeface="Cambria Math" panose="02040503050406030204" pitchFamily="18" charset="0"/>
+                                          </a:rPr>
+                                        </m:ctrlPr>
+                                      </m:funcPr>
+                                      <m:fName>
+                                        <m:r>
+                                          <m:rPr>
+                                            <m:sty m:val="p"/>
+                                          </m:rPr>
+                                          <a:rPr lang="en-GB" i="0">
+                                            <a:latin typeface="Cambria Math" panose="02040503050406030204" pitchFamily="18" charset="0"/>
+                                          </a:rPr>
+                                          <m:t>sin</m:t>
+                                        </m:r>
+                                      </m:fName>
+                                      <m:e>
+                                        <m:r>
+                                          <a:rPr lang="en-GB" i="1">
+                                            <a:latin typeface="Cambria Math" panose="02040503050406030204" pitchFamily="18" charset="0"/>
+                                          </a:rPr>
+                                          <m:t>𝜃</m:t>
+                                        </m:r>
+                                      </m:e>
+                                    </m:func>
+                                  </m:num>
+                                  <m:den>
+                                    <m:r>
+                                      <a:rPr lang="en-GB" i="1">
+                                        <a:latin typeface="Cambria Math" panose="02040503050406030204" pitchFamily="18" charset="0"/>
+                                      </a:rPr>
+                                      <m:t>𝑣</m:t>
+                                    </m:r>
+                                  </m:den>
+                                </m:f>
+                              </m:e>
+                              <m:e>
+                                <m:f>
+                                  <m:fPr>
+                                    <m:ctrlPr>
+                                      <a:rPr lang="en-GB" i="1">
+                                        <a:solidFill>
+                                          <a:srgbClr val="836967"/>
+                                        </a:solidFill>
+                                        <a:latin typeface="Cambria Math" panose="02040503050406030204" pitchFamily="18" charset="0"/>
+                                      </a:rPr>
+                                    </m:ctrlPr>
+                                  </m:fPr>
+                                  <m:num>
+                                    <m:func>
+                                      <m:funcPr>
+                                        <m:ctrlPr>
+                                          <a:rPr lang="en-GB" i="1">
+                                            <a:latin typeface="Cambria Math" panose="02040503050406030204" pitchFamily="18" charset="0"/>
+                                          </a:rPr>
+                                        </m:ctrlPr>
+                                      </m:funcPr>
+                                      <m:fName>
+                                        <m:r>
+                                          <m:rPr>
+                                            <m:sty m:val="p"/>
+                                          </m:rPr>
+                                          <a:rPr lang="en-GB" i="0">
+                                            <a:latin typeface="Cambria Math" panose="02040503050406030204" pitchFamily="18" charset="0"/>
+                                          </a:rPr>
+                                          <m:t>cos</m:t>
+                                        </m:r>
+                                      </m:fName>
+                                      <m:e>
+                                        <m:r>
+                                          <a:rPr lang="en-GB" i="1">
+                                            <a:latin typeface="Cambria Math" panose="02040503050406030204" pitchFamily="18" charset="0"/>
+                                          </a:rPr>
+                                          <m:t>𝜃</m:t>
+                                        </m:r>
+                                      </m:e>
+                                    </m:func>
+                                  </m:num>
+                                  <m:den>
+                                    <m:r>
+                                      <a:rPr lang="en-GB" i="1">
+                                        <a:latin typeface="Cambria Math" panose="02040503050406030204" pitchFamily="18" charset="0"/>
+                                      </a:rPr>
+                                      <m:t>𝑣</m:t>
+                                    </m:r>
+                                  </m:den>
+                                </m:f>
+                              </m:e>
+                            </m:mr>
+                          </m:m>
+                        </m:e>
+                      </m:d>
+                      <m:d>
+                        <m:dPr>
+                          <m:begChr m:val="["/>
+                          <m:endChr m:val="]"/>
+                          <m:ctrlPr>
+                            <a:rPr lang="en-GB" i="1">
+                              <a:solidFill>
+                                <a:srgbClr val="836967"/>
+                              </a:solidFill>
+                              <a:latin typeface="Cambria Math" panose="02040503050406030204" pitchFamily="18" charset="0"/>
+                            </a:rPr>
+                          </m:ctrlPr>
+                        </m:dPr>
+                        <m:e>
+                          <m:m>
+                            <m:mPr>
+                              <m:plcHide m:val="on"/>
+                              <m:mcs>
+                                <m:mc>
+                                  <m:mcPr>
+                                    <m:count m:val="1"/>
+                                    <m:mcJc m:val="center"/>
+                                  </m:mcPr>
+                                </m:mc>
+                              </m:mcs>
+                              <m:ctrlPr>
+                                <a:rPr lang="en-GB" i="1">
+                                  <a:solidFill>
+                                    <a:srgbClr val="836967"/>
+                                  </a:solidFill>
+                                  <a:latin typeface="Cambria Math" panose="02040503050406030204" pitchFamily="18" charset="0"/>
+                                </a:rPr>
+                              </m:ctrlPr>
+                            </m:mPr>
+                            <m:mr>
+                              <m:e>
+                                <m:sSub>
+                                  <m:sSubPr>
+                                    <m:ctrlPr>
+                                      <a:rPr lang="en-GB" i="1">
+                                        <a:solidFill>
+                                          <a:srgbClr val="836967"/>
+                                        </a:solidFill>
+                                        <a:latin typeface="Cambria Math" panose="02040503050406030204" pitchFamily="18" charset="0"/>
+                                      </a:rPr>
+                                    </m:ctrlPr>
+                                  </m:sSubPr>
+                                  <m:e>
+                                    <m:r>
+                                      <a:rPr lang="en-GB" i="1">
+                                        <a:latin typeface="Cambria Math" panose="02040503050406030204" pitchFamily="18" charset="0"/>
+                                      </a:rPr>
+                                      <m:t>𝑢</m:t>
+                                    </m:r>
+                                  </m:e>
+                                  <m:sub>
+                                    <m:r>
+                                      <a:rPr lang="en-GB" i="0">
+                                        <a:latin typeface="Cambria Math" panose="02040503050406030204" pitchFamily="18" charset="0"/>
+                                      </a:rPr>
+                                      <m:t>1</m:t>
+                                    </m:r>
+                                  </m:sub>
+                                </m:sSub>
+                              </m:e>
+                            </m:mr>
+                            <m:mr>
+                              <m:e>
+                                <m:sSub>
+                                  <m:sSubPr>
+                                    <m:ctrlPr>
+                                      <a:rPr lang="en-GB" i="1">
+                                        <a:solidFill>
+                                          <a:srgbClr val="836967"/>
+                                        </a:solidFill>
+                                        <a:latin typeface="Cambria Math" panose="02040503050406030204" pitchFamily="18" charset="0"/>
+                                      </a:rPr>
+                                    </m:ctrlPr>
+                                  </m:sSubPr>
+                                  <m:e>
+                                    <m:r>
+                                      <a:rPr lang="en-GB" i="1">
+                                        <a:latin typeface="Cambria Math" panose="02040503050406030204" pitchFamily="18" charset="0"/>
+                                      </a:rPr>
+                                      <m:t>𝑢</m:t>
+                                    </m:r>
+                                  </m:e>
+                                  <m:sub>
+                                    <m:r>
+                                      <a:rPr lang="en-GB" i="0">
+                                        <a:latin typeface="Cambria Math" panose="02040503050406030204" pitchFamily="18" charset="0"/>
+                                      </a:rPr>
+                                      <m:t>2</m:t>
+                                    </m:r>
+                                  </m:sub>
+                                </m:sSub>
+                              </m:e>
+                            </m:mr>
+                          </m:m>
+                        </m:e>
+                      </m:d>
+                    </m:oMath>
+                  </m:oMathPara>
+                </a14:m>
+                <a:endParaRPr lang="en-GB" dirty="0"/>
+              </a:p>
+            </p:txBody>
+          </p:sp>
+        </mc:Choice>
+        <mc:Fallback>
+          <p:sp>
+            <p:nvSpPr>
+              <p:cNvPr id="16" name="TextBox 15">
+                <a:extLst>
+                  <a:ext uri="{FF2B5EF4-FFF2-40B4-BE49-F238E27FC236}">
+                    <a16:creationId xmlns:a16="http://schemas.microsoft.com/office/drawing/2014/main" id="{95530CBF-65D1-0556-F14B-8B3E4E90E4FA}"/>
+                  </a:ext>
+                </a:extLst>
+              </p:cNvPr>
+              <p:cNvSpPr txBox="1">
+                <a:spLocks noRot="1" noChangeAspect="1" noMove="1" noResize="1" noEditPoints="1" noAdjustHandles="1" noChangeArrowheads="1" noChangeShapeType="1" noTextEdit="1"/>
+              </p:cNvSpPr>
+              <p:nvPr/>
+            </p:nvSpPr>
+            <p:spPr>
+              <a:xfrm>
+                <a:off x="1460698" y="5641534"/>
+                <a:ext cx="7263352" cy="848630"/>
+              </a:xfrm>
+              <a:prstGeom prst="rect">
+                <a:avLst/>
+              </a:prstGeom>
+              <a:blipFill>
+                <a:blip r:embed="rId4"/>
+                <a:stretch>
+                  <a:fillRect/>
+                </a:stretch>
+              </a:blipFill>
+            </p:spPr>
+            <p:txBody>
+              <a:bodyPr/>
+              <a:lstStyle/>
+              <a:p>
+                <a:r>
+                  <a:rPr lang="en-GB">
+                    <a:noFill/>
+                  </a:rPr>
+                  <a:t> </a:t>
+                </a:r>
+              </a:p>
+            </p:txBody>
+          </p:sp>
+        </mc:Fallback>
+      </mc:AlternateContent>
+      <mc:AlternateContent xmlns:mc="http://schemas.openxmlformats.org/markup-compatibility/2006">
+        <mc:Choice xmlns:a14="http://schemas.microsoft.com/office/drawing/2010/main" Requires="a14">
+          <p:sp>
+            <p:nvSpPr>
+              <p:cNvPr id="18" name="TextBox 17">
+                <a:extLst>
+                  <a:ext uri="{FF2B5EF4-FFF2-40B4-BE49-F238E27FC236}">
+                    <a16:creationId xmlns:a16="http://schemas.microsoft.com/office/drawing/2014/main" id="{93E15CD2-74B9-FC1F-99EC-EC66334C766A}"/>
+                  </a:ext>
+                </a:extLst>
+              </p:cNvPr>
+              <p:cNvSpPr txBox="1"/>
+              <p:nvPr/>
+            </p:nvSpPr>
+            <p:spPr>
+              <a:xfrm>
+                <a:off x="1191769" y="3526798"/>
+                <a:ext cx="7263352" cy="1171283"/>
+              </a:xfrm>
+              <a:prstGeom prst="rect">
+                <a:avLst/>
+              </a:prstGeom>
+              <a:noFill/>
+            </p:spPr>
+            <p:txBody>
+              <a:bodyPr wrap="square">
+                <a:spAutoFit/>
+              </a:bodyPr>
+              <a:lstStyle/>
+              <a:p>
+                <a:pPr/>
+                <a14:m>
+                  <m:oMathPara xmlns:m="http://schemas.openxmlformats.org/officeDocument/2006/math">
+                    <m:oMathParaPr>
+                      <m:jc m:val="centerGroup"/>
+                    </m:oMathParaPr>
+                    <m:oMath xmlns:m="http://schemas.openxmlformats.org/officeDocument/2006/math">
+                      <m:d>
+                        <m:dPr>
+                          <m:begChr m:val="{"/>
+                          <m:endChr m:val=""/>
+                          <m:ctrlPr>
+                            <a:rPr lang="en-GB" i="1" smtClean="0">
+                              <a:solidFill>
+                                <a:srgbClr val="836967"/>
+                              </a:solidFill>
+                              <a:latin typeface="Cambria Math" panose="02040503050406030204" pitchFamily="18" charset="0"/>
+                            </a:rPr>
+                          </m:ctrlPr>
+                        </m:dPr>
+                        <m:e>
+                          <m:eqArr>
+                            <m:eqArrPr>
+                              <m:ctrlPr>
+                                <a:rPr lang="en-GB" i="1">
+                                  <a:solidFill>
+                                    <a:srgbClr val="836967"/>
+                                  </a:solidFill>
+                                  <a:latin typeface="Cambria Math" panose="02040503050406030204" pitchFamily="18" charset="0"/>
+                                </a:rPr>
+                              </m:ctrlPr>
+                            </m:eqArrPr>
+                            <m:e>
+                              <m:r>
+                                <a:rPr lang="en-GB">
+                                  <a:latin typeface="Cambria Math" panose="02040503050406030204" pitchFamily="18" charset="0"/>
+                                </a:rPr>
+                                <m:t>&amp;</m:t>
+                              </m:r>
+                              <m:sSub>
+                                <m:sSubPr>
+                                  <m:ctrlPr>
+                                    <a:rPr lang="en-GB" i="1">
+                                      <a:solidFill>
+                                        <a:srgbClr val="836967"/>
+                                      </a:solidFill>
+                                      <a:latin typeface="Cambria Math" panose="02040503050406030204" pitchFamily="18" charset="0"/>
+                                    </a:rPr>
+                                  </m:ctrlPr>
+                                </m:sSubPr>
+                                <m:e>
+                                  <m:r>
+                                    <a:rPr lang="en-GB" i="1">
+                                      <a:latin typeface="Cambria Math" panose="02040503050406030204" pitchFamily="18" charset="0"/>
+                                    </a:rPr>
+                                    <m:t>𝑧</m:t>
+                                  </m:r>
+                                </m:e>
+                                <m:sub>
+                                  <m:r>
+                                    <a:rPr lang="en-GB" i="0">
+                                      <a:latin typeface="Cambria Math" panose="02040503050406030204" pitchFamily="18" charset="0"/>
+                                    </a:rPr>
+                                    <m:t>1</m:t>
+                                  </m:r>
+                                </m:sub>
+                              </m:sSub>
+                              <m:r>
+                                <a:rPr lang="en-GB" i="0">
+                                  <a:latin typeface="Cambria Math" panose="02040503050406030204" pitchFamily="18" charset="0"/>
+                                </a:rPr>
+                                <m:t>=</m:t>
+                              </m:r>
+                              <m:r>
+                                <a:rPr lang="en-GB" i="1">
+                                  <a:latin typeface="Cambria Math" panose="02040503050406030204" pitchFamily="18" charset="0"/>
+                                </a:rPr>
+                                <m:t>𝑥</m:t>
+                              </m:r>
+                            </m:e>
+                            <m:e>
+                              <m:r>
+                                <a:rPr lang="en-GB" i="0">
+                                  <a:latin typeface="Cambria Math" panose="02040503050406030204" pitchFamily="18" charset="0"/>
+                                </a:rPr>
+                                <m:t>&amp;</m:t>
+                              </m:r>
+                              <m:sSub>
+                                <m:sSubPr>
+                                  <m:ctrlPr>
+                                    <a:rPr lang="en-GB" i="1">
+                                      <a:solidFill>
+                                        <a:srgbClr val="836967"/>
+                                      </a:solidFill>
+                                      <a:latin typeface="Cambria Math" panose="02040503050406030204" pitchFamily="18" charset="0"/>
+                                    </a:rPr>
+                                  </m:ctrlPr>
+                                </m:sSubPr>
+                                <m:e>
+                                  <m:r>
+                                    <a:rPr lang="en-GB" i="1">
+                                      <a:latin typeface="Cambria Math" panose="02040503050406030204" pitchFamily="18" charset="0"/>
+                                    </a:rPr>
+                                    <m:t>𝑧</m:t>
+                                  </m:r>
+                                </m:e>
+                                <m:sub>
+                                  <m:r>
+                                    <a:rPr lang="en-GB" i="0">
+                                      <a:latin typeface="Cambria Math" panose="02040503050406030204" pitchFamily="18" charset="0"/>
+                                    </a:rPr>
+                                    <m:t>2</m:t>
+                                  </m:r>
+                                </m:sub>
+                              </m:sSub>
+                              <m:r>
+                                <a:rPr lang="en-GB" i="0">
+                                  <a:latin typeface="Cambria Math" panose="02040503050406030204" pitchFamily="18" charset="0"/>
+                                </a:rPr>
+                                <m:t>=</m:t>
+                              </m:r>
+                              <m:r>
+                                <a:rPr lang="en-GB" i="1">
+                                  <a:latin typeface="Cambria Math" panose="02040503050406030204" pitchFamily="18" charset="0"/>
+                                </a:rPr>
+                                <m:t>𝑦</m:t>
+                              </m:r>
+                            </m:e>
+                            <m:e>
+                              <m:r>
+                                <a:rPr lang="en-GB" i="0">
+                                  <a:latin typeface="Cambria Math" panose="02040503050406030204" pitchFamily="18" charset="0"/>
+                                </a:rPr>
+                                <m:t>&amp;</m:t>
+                              </m:r>
+                              <m:sSub>
+                                <m:sSubPr>
+                                  <m:ctrlPr>
+                                    <a:rPr lang="en-GB" i="1">
+                                      <a:solidFill>
+                                        <a:srgbClr val="836967"/>
+                                      </a:solidFill>
+                                      <a:latin typeface="Cambria Math" panose="02040503050406030204" pitchFamily="18" charset="0"/>
+                                    </a:rPr>
+                                  </m:ctrlPr>
+                                </m:sSubPr>
+                                <m:e>
+                                  <m:r>
+                                    <a:rPr lang="en-GB" i="1">
+                                      <a:latin typeface="Cambria Math" panose="02040503050406030204" pitchFamily="18" charset="0"/>
+                                    </a:rPr>
+                                    <m:t>𝑧</m:t>
+                                  </m:r>
+                                </m:e>
+                                <m:sub>
+                                  <m:r>
+                                    <a:rPr lang="en-GB" i="0">
+                                      <a:latin typeface="Cambria Math" panose="02040503050406030204" pitchFamily="18" charset="0"/>
+                                    </a:rPr>
+                                    <m:t>3</m:t>
+                                  </m:r>
+                                </m:sub>
+                              </m:sSub>
+                              <m:r>
+                                <a:rPr lang="en-GB" i="0">
+                                  <a:latin typeface="Cambria Math" panose="02040503050406030204" pitchFamily="18" charset="0"/>
+                                </a:rPr>
+                                <m:t>=</m:t>
+                              </m:r>
+                              <m:acc>
+                                <m:accPr>
+                                  <m:chr m:val="̇"/>
+                                  <m:ctrlPr>
+                                    <a:rPr lang="en-GB" i="1">
+                                      <a:solidFill>
+                                        <a:srgbClr val="836967"/>
+                                      </a:solidFill>
+                                      <a:latin typeface="Cambria Math" panose="02040503050406030204" pitchFamily="18" charset="0"/>
+                                    </a:rPr>
+                                  </m:ctrlPr>
+                                </m:accPr>
+                                <m:e>
+                                  <m:r>
+                                    <a:rPr lang="en-GB" i="1">
+                                      <a:latin typeface="Cambria Math" panose="02040503050406030204" pitchFamily="18" charset="0"/>
+                                    </a:rPr>
+                                    <m:t>𝑥</m:t>
+                                  </m:r>
+                                </m:e>
+                              </m:acc>
+                            </m:e>
+                            <m:e>
+                              <m:r>
+                                <a:rPr lang="en-GB" i="0">
+                                  <a:latin typeface="Cambria Math" panose="02040503050406030204" pitchFamily="18" charset="0"/>
+                                </a:rPr>
+                                <m:t>&amp;</m:t>
+                              </m:r>
+                              <m:sSub>
+                                <m:sSubPr>
+                                  <m:ctrlPr>
+                                    <a:rPr lang="en-GB" i="1">
+                                      <a:solidFill>
+                                        <a:srgbClr val="836967"/>
+                                      </a:solidFill>
+                                      <a:latin typeface="Cambria Math" panose="02040503050406030204" pitchFamily="18" charset="0"/>
+                                    </a:rPr>
+                                  </m:ctrlPr>
+                                </m:sSubPr>
+                                <m:e>
+                                  <m:r>
+                                    <a:rPr lang="en-GB" i="1">
+                                      <a:latin typeface="Cambria Math" panose="02040503050406030204" pitchFamily="18" charset="0"/>
+                                    </a:rPr>
+                                    <m:t>𝑧</m:t>
+                                  </m:r>
+                                </m:e>
+                                <m:sub>
+                                  <m:r>
+                                    <a:rPr lang="en-GB" i="0">
+                                      <a:latin typeface="Cambria Math" panose="02040503050406030204" pitchFamily="18" charset="0"/>
+                                    </a:rPr>
+                                    <m:t>4</m:t>
+                                  </m:r>
+                                </m:sub>
+                              </m:sSub>
+                              <m:r>
+                                <a:rPr lang="en-GB" i="0">
+                                  <a:latin typeface="Cambria Math" panose="02040503050406030204" pitchFamily="18" charset="0"/>
+                                </a:rPr>
+                                <m:t>=</m:t>
+                              </m:r>
+                              <m:acc>
+                                <m:accPr>
+                                  <m:chr m:val="̇"/>
+                                  <m:ctrlPr>
+                                    <a:rPr lang="en-GB" i="1">
+                                      <a:solidFill>
+                                        <a:srgbClr val="836967"/>
+                                      </a:solidFill>
+                                      <a:latin typeface="Cambria Math" panose="02040503050406030204" pitchFamily="18" charset="0"/>
+                                    </a:rPr>
+                                  </m:ctrlPr>
+                                </m:accPr>
+                                <m:e>
+                                  <m:r>
+                                    <a:rPr lang="en-GB" i="1">
+                                      <a:latin typeface="Cambria Math" panose="02040503050406030204" pitchFamily="18" charset="0"/>
+                                    </a:rPr>
+                                    <m:t>𝑦</m:t>
+                                  </m:r>
+                                </m:e>
+                              </m:acc>
+                            </m:e>
+                          </m:eqArr>
+                        </m:e>
+                      </m:d>
+                    </m:oMath>
+                  </m:oMathPara>
+                </a14:m>
+                <a:endParaRPr lang="en-GB" dirty="0"/>
+              </a:p>
+            </p:txBody>
+          </p:sp>
+        </mc:Choice>
+        <mc:Fallback>
+          <p:sp>
+            <p:nvSpPr>
+              <p:cNvPr id="18" name="TextBox 17">
+                <a:extLst>
+                  <a:ext uri="{FF2B5EF4-FFF2-40B4-BE49-F238E27FC236}">
+                    <a16:creationId xmlns:a16="http://schemas.microsoft.com/office/drawing/2014/main" id="{93E15CD2-74B9-FC1F-99EC-EC66334C766A}"/>
+                  </a:ext>
+                </a:extLst>
+              </p:cNvPr>
+              <p:cNvSpPr txBox="1">
+                <a:spLocks noRot="1" noChangeAspect="1" noMove="1" noResize="1" noEditPoints="1" noAdjustHandles="1" noChangeArrowheads="1" noChangeShapeType="1" noTextEdit="1"/>
+              </p:cNvSpPr>
+              <p:nvPr/>
+            </p:nvSpPr>
+            <p:spPr>
+              <a:xfrm>
+                <a:off x="1191769" y="3526798"/>
+                <a:ext cx="7263352" cy="1171283"/>
+              </a:xfrm>
+              <a:prstGeom prst="rect">
+                <a:avLst/>
+              </a:prstGeom>
+              <a:blipFill>
+                <a:blip r:embed="rId5"/>
+                <a:stretch>
+                  <a:fillRect/>
+                </a:stretch>
+              </a:blipFill>
+            </p:spPr>
+            <p:txBody>
+              <a:bodyPr/>
+              <a:lstStyle/>
+              <a:p>
+                <a:r>
+                  <a:rPr lang="en-GB">
+                    <a:noFill/>
+                  </a:rPr>
+                  <a:t> </a:t>
+                </a:r>
+              </a:p>
+            </p:txBody>
+          </p:sp>
+        </mc:Fallback>
+      </mc:AlternateContent>
+      <p:sp>
+        <p:nvSpPr>
+          <p:cNvPr id="24" name="TextBox 23">
+            <a:extLst>
+              <a:ext uri="{FF2B5EF4-FFF2-40B4-BE49-F238E27FC236}">
+                <a16:creationId xmlns:a16="http://schemas.microsoft.com/office/drawing/2014/main" id="{AF3CECA5-7E25-D0E4-DF34-927CE3D7CC2A}"/>
+              </a:ext>
+            </a:extLst>
+          </p:cNvPr>
+          <p:cNvSpPr txBox="1"/>
+          <p:nvPr/>
+        </p:nvSpPr>
+        <p:spPr>
+          <a:xfrm>
+            <a:off x="690581" y="3942788"/>
+            <a:ext cx="3064825" cy="369332"/>
+          </a:xfrm>
+          <a:prstGeom prst="rect">
+            <a:avLst/>
+          </a:prstGeom>
+          <a:noFill/>
+        </p:spPr>
+        <p:txBody>
+          <a:bodyPr wrap="square" rtlCol="0">
+            <a:spAutoFit/>
+          </a:bodyPr>
+          <a:lstStyle/>
+          <a:p>
+            <a:r>
+              <a:rPr lang="en-GB" dirty="0">
+                <a:latin typeface="Bahnschrift" panose="020B0502040204020203" pitchFamily="34" charset="0"/>
+              </a:rPr>
+              <a:t>P2Z TRANSFORMATION</a:t>
+            </a:r>
+          </a:p>
+        </p:txBody>
+      </p:sp>
+      <p:sp>
+        <p:nvSpPr>
+          <p:cNvPr id="25" name="TextBox 24">
+            <a:extLst>
+              <a:ext uri="{FF2B5EF4-FFF2-40B4-BE49-F238E27FC236}">
+                <a16:creationId xmlns:a16="http://schemas.microsoft.com/office/drawing/2014/main" id="{1783AECF-CFC2-6625-B445-4C818A331CAA}"/>
+              </a:ext>
+            </a:extLst>
+          </p:cNvPr>
+          <p:cNvSpPr txBox="1"/>
+          <p:nvPr/>
+        </p:nvSpPr>
+        <p:spPr>
+          <a:xfrm>
+            <a:off x="652874" y="4897106"/>
+            <a:ext cx="3064825" cy="369332"/>
+          </a:xfrm>
+          <a:prstGeom prst="rect">
+            <a:avLst/>
+          </a:prstGeom>
+          <a:noFill/>
+        </p:spPr>
+        <p:txBody>
+          <a:bodyPr wrap="square" rtlCol="0">
+            <a:spAutoFit/>
+          </a:bodyPr>
+          <a:lstStyle/>
+          <a:p>
+            <a:r>
+              <a:rPr lang="en-GB" dirty="0">
+                <a:latin typeface="Bahnschrift" panose="020B0502040204020203" pitchFamily="34" charset="0"/>
+              </a:rPr>
+              <a:t>CONTROL LAW</a:t>
+            </a:r>
+          </a:p>
+        </p:txBody>
+      </p:sp>
+      <p:sp>
+        <p:nvSpPr>
+          <p:cNvPr id="26" name="TextBox 25">
+            <a:extLst>
+              <a:ext uri="{FF2B5EF4-FFF2-40B4-BE49-F238E27FC236}">
+                <a16:creationId xmlns:a16="http://schemas.microsoft.com/office/drawing/2014/main" id="{0011A363-247E-15CE-A796-33BAE6B36ACE}"/>
+              </a:ext>
+            </a:extLst>
+          </p:cNvPr>
+          <p:cNvSpPr txBox="1"/>
+          <p:nvPr/>
+        </p:nvSpPr>
+        <p:spPr>
+          <a:xfrm>
+            <a:off x="661377" y="5871756"/>
+            <a:ext cx="3064825" cy="369332"/>
+          </a:xfrm>
+          <a:prstGeom prst="rect">
+            <a:avLst/>
+          </a:prstGeom>
+          <a:noFill/>
+        </p:spPr>
+        <p:txBody>
+          <a:bodyPr wrap="square" rtlCol="0">
+            <a:spAutoFit/>
+          </a:bodyPr>
+          <a:lstStyle/>
+          <a:p>
+            <a:r>
+              <a:rPr lang="en-GB" dirty="0">
+                <a:latin typeface="Bahnschrift" panose="020B0502040204020203" pitchFamily="34" charset="0"/>
+              </a:rPr>
+              <a:t>INPUT TRANSFORMATION</a:t>
+            </a:r>
+          </a:p>
+        </p:txBody>
+      </p:sp>
     </p:spTree>
     <p:extLst>
       <p:ext uri="{BB962C8B-B14F-4D97-AF65-F5344CB8AC3E}">
@@ -18694,7 +24771,19 @@
               <a:rPr lang="it-IT" sz="2400" b="1" dirty="0">
                 <a:latin typeface="Bahnschrift SemiCondensed" panose="020B0502040204020203" pitchFamily="34" charset="0"/>
               </a:rPr>
-              <a:t>Discrete time derivative:</a:t>
+              <a:t>First </a:t>
+            </a:r>
+            <a:r>
+              <a:rPr lang="it-IT" sz="2400" b="1" dirty="0" err="1">
+                <a:latin typeface="Bahnschrift SemiCondensed" panose="020B0502040204020203" pitchFamily="34" charset="0"/>
+              </a:rPr>
+              <a:t>order</a:t>
+            </a:r>
+            <a:r>
+              <a:rPr lang="it-IT" sz="2400" b="1" dirty="0">
+                <a:latin typeface="Bahnschrift SemiCondensed" panose="020B0502040204020203" pitchFamily="34" charset="0"/>
+              </a:rPr>
+              <a:t> high pass filter:</a:t>
             </a:r>
           </a:p>
           <a:p>
@@ -18708,13 +24797,13 @@
               <a:rPr lang="it-IT" sz="2400" dirty="0">
                 <a:latin typeface="Bahnschrift SemiCondensed" panose="020B0502040204020203" pitchFamily="34" charset="0"/>
               </a:rPr>
-              <a:t>Helps to </a:t>
+              <a:t>Filters high frequency </a:t>
             </a:r>
             <a:r>
               <a:rPr lang="it-IT" sz="2400" dirty="0" err="1">
                 <a:latin typeface="Bahnschrift SemiCondensed" panose="020B0502040204020203" pitchFamily="34" charset="0"/>
               </a:rPr>
-              <a:t>avoid</a:t>
+              <a:t>components</a:t>
             </a:r>
             <a:r>
               <a:rPr lang="it-IT" sz="2400" dirty="0">
@@ -18726,31 +24815,31 @@
               <a:rPr lang="it-IT" sz="2400" dirty="0" err="1">
                 <a:latin typeface="Bahnschrift SemiCondensed" panose="020B0502040204020203" pitchFamily="34" charset="0"/>
               </a:rPr>
-              <a:t>explosion</a:t>
+              <a:t>thus</a:t>
             </a:r>
             <a:r>
               <a:rPr lang="it-IT" sz="2400" dirty="0">
                 <a:latin typeface="Bahnschrift SemiCondensed" panose="020B0502040204020203" pitchFamily="34" charset="0"/>
               </a:rPr>
-              <a:t> of derivative </a:t>
+              <a:t> </a:t>
             </a:r>
             <a:r>
               <a:rPr lang="it-IT" sz="2400" dirty="0" err="1">
                 <a:latin typeface="Bahnschrift SemiCondensed" panose="020B0502040204020203" pitchFamily="34" charset="0"/>
               </a:rPr>
-              <a:t>values</a:t>
+              <a:t>avoiding</a:t>
             </a:r>
             <a:r>
               <a:rPr lang="it-IT" sz="2400" dirty="0">
                 <a:latin typeface="Bahnschrift SemiCondensed" panose="020B0502040204020203" pitchFamily="34" charset="0"/>
               </a:rPr>
-              <a:t>, </a:t>
+              <a:t> </a:t>
             </a:r>
             <a:r>
               <a:rPr lang="it-IT" sz="2400" dirty="0" err="1">
                 <a:latin typeface="Bahnschrift SemiCondensed" panose="020B0502040204020203" pitchFamily="34" charset="0"/>
               </a:rPr>
-              <a:t>if</a:t>
+              <a:t>too</a:t>
             </a:r>
             <a:r>
               <a:rPr lang="it-IT" sz="2400" dirty="0">
@@ -18762,86 +24851,23 @@
               <a:rPr lang="it-IT" sz="2400" dirty="0" err="1">
                 <a:latin typeface="Bahnschrift SemiCondensed" panose="020B0502040204020203" pitchFamily="34" charset="0"/>
               </a:rPr>
-              <a:t>combined</a:t>
+              <a:t>sudden</a:t>
             </a:r>
             <a:r>
               <a:rPr lang="it-IT" sz="2400" dirty="0">
                 <a:latin typeface="Bahnschrift SemiCondensed" panose="020B0502040204020203" pitchFamily="34" charset="0"/>
               </a:rPr>
-              <a:t> with </a:t>
+              <a:t> </a:t>
             </a:r>
             <a:r>
               <a:rPr lang="it-IT" sz="2400" dirty="0" err="1">
                 <a:latin typeface="Bahnschrift SemiCondensed" panose="020B0502040204020203" pitchFamily="34" charset="0"/>
               </a:rPr>
-              <a:t>saturation</a:t>
-            </a:r>
-            <a:r>
-              <a:rPr lang="it-IT" sz="2400" dirty="0">
-                <a:latin typeface="Bahnschrift SemiCondensed" panose="020B0502040204020203" pitchFamily="34" charset="0"/>
-              </a:rPr>
-              <a:t> </a:t>
-            </a:r>
-            <a:r>
-              <a:rPr lang="it-IT" sz="2400" dirty="0" err="1">
-                <a:latin typeface="Bahnschrift SemiCondensed" panose="020B0502040204020203" pitchFamily="34" charset="0"/>
-              </a:rPr>
-              <a:t>blocks</a:t>
-            </a:r>
-            <a:r>
-              <a:rPr lang="it-IT" sz="2400" dirty="0">
-                <a:latin typeface="Bahnschrift SemiCondensed" panose="020B0502040204020203" pitchFamily="34" charset="0"/>
-              </a:rPr>
-              <a:t> </a:t>
-            </a:r>
-            <a:r>
-              <a:rPr lang="it-IT" sz="2400" dirty="0" err="1">
-                <a:latin typeface="Bahnschrift SemiCondensed" panose="020B0502040204020203" pitchFamily="34" charset="0"/>
-              </a:rPr>
-              <a:t>it</a:t>
-            </a:r>
-            <a:r>
-              <a:rPr lang="it-IT" sz="2400" dirty="0">
-                <a:latin typeface="Bahnschrift SemiCondensed" panose="020B0502040204020203" pitchFamily="34" charset="0"/>
-              </a:rPr>
-              <a:t> </a:t>
-            </a:r>
-            <a:r>
-              <a:rPr lang="it-IT" sz="2400" dirty="0" err="1">
-                <a:latin typeface="Bahnschrift SemiCondensed" panose="020B0502040204020203" pitchFamily="34" charset="0"/>
-              </a:rPr>
-              <a:t>gives</a:t>
-            </a:r>
-            <a:r>
-              <a:rPr lang="it-IT" sz="2400" dirty="0">
-                <a:latin typeface="Bahnschrift SemiCondensed" panose="020B0502040204020203" pitchFamily="34" charset="0"/>
-              </a:rPr>
-              <a:t> an </a:t>
-            </a:r>
-            <a:r>
-              <a:rPr lang="it-IT" sz="2400" dirty="0" err="1">
-                <a:latin typeface="Bahnschrift SemiCondensed" panose="020B0502040204020203" pitchFamily="34" charset="0"/>
-              </a:rPr>
-              <a:t>acceptable</a:t>
-            </a:r>
-            <a:r>
-              <a:rPr lang="it-IT" sz="2400" dirty="0">
-                <a:latin typeface="Bahnschrift SemiCondensed" panose="020B0502040204020203" pitchFamily="34" charset="0"/>
-              </a:rPr>
-              <a:t> </a:t>
-            </a:r>
-            <a:r>
-              <a:rPr lang="it-IT" sz="2400" dirty="0" err="1">
-                <a:latin typeface="Bahnschrift SemiCondensed" panose="020B0502040204020203" pitchFamily="34" charset="0"/>
-              </a:rPr>
-              <a:t>implementation</a:t>
-            </a:r>
-            <a:r>
-              <a:rPr lang="it-IT" sz="2400" dirty="0">
-                <a:latin typeface="Bahnschrift SemiCondensed" panose="020B0502040204020203" pitchFamily="34" charset="0"/>
-              </a:rPr>
-              <a:t> </a:t>
-            </a:r>
+              <a:t>variations</a:t>
+            </a:r>
+            <a:endParaRPr lang="it-IT" sz="2400" dirty="0">
+              <a:latin typeface="Bahnschrift SemiCondensed" panose="020B0502040204020203" pitchFamily="34" charset="0"/>
+            </a:endParaRPr>
           </a:p>
         </p:txBody>
       </p:sp>
@@ -19857,7 +25883,19 @@
               <a:rPr lang="it-IT" sz="2400" dirty="0">
                 <a:latin typeface="Bahnschrift SemiCondensed" panose="020B0502040204020203" pitchFamily="34" charset="0"/>
               </a:rPr>
-              <a:t>Solution: Limit the minimum linear </a:t>
+              <a:t>Solution</a:t>
+            </a:r>
+            <a:r>
+              <a:rPr lang="it-IT" sz="2400">
+                <a:latin typeface="Bahnschrift SemiCondensed" panose="020B0502040204020203" pitchFamily="34" charset="0"/>
+              </a:rPr>
+              <a:t>: Set </a:t>
+            </a:r>
+            <a:r>
+              <a:rPr lang="it-IT" sz="2400" dirty="0">
+                <a:latin typeface="Bahnschrift SemiCondensed" panose="020B0502040204020203" pitchFamily="34" charset="0"/>
+              </a:rPr>
+              <a:t>the minimum linear </a:t>
             </a:r>
             <a:r>
               <a:rPr lang="it-IT" sz="2400" dirty="0" err="1">
@@ -21110,14 +27148,14 @@
           <p:nvPr>
             <p:extLst>
               <p:ext uri="{D42A27DB-BD31-4B8C-83A1-F6EECF244321}">
-                <p14:modId xmlns:p14="http://schemas.microsoft.com/office/powerpoint/2010/main" val="3111339501"/>
+                <p14:modId xmlns:p14="http://schemas.microsoft.com/office/powerpoint/2010/main" val="2237582903"/>
               </p:ext>
             </p:extLst>
           </p:nvPr>
         </p:nvGraphicFramePr>
         <p:xfrm>
           <a:off x="1713997" y="1516452"/>
-          <a:ext cx="8764005" cy="4204566"/>
+          <a:ext cx="8764005" cy="4342470"/>
         </p:xfrm>
         <a:graphic>
           <a:graphicData uri="http://schemas.openxmlformats.org/drawingml/2006/table">
@@ -21590,6 +27628,13 @@
                         <a:t>No approximation needed</a:t>
                       </a:r>
                     </a:p>
+                    <a:p>
+                      <a:pPr algn="ctr"/>
+                      <a:r>
+                        <a:rPr lang="en-GB" dirty="0"/>
+                        <a:t>Non linear control law</a:t>
+                      </a:r>
+                    </a:p>
                   </a:txBody>
                   <a:tcPr anchor="ctr">
                     <a:lnL w="12700" cap="flat" cmpd="sng" algn="ctr">
@@ -21792,6 +27837,13 @@
                       <a:r>
                         <a:rPr lang="en-GB" dirty="0"/>
                         <a:t>No differential flatness</a:t>
+                      </a:r>
+                    </a:p>
+                    <a:p>
+                      <a:pPr algn="ctr"/>
+                      <a:r>
+                        <a:rPr lang="en-GB" dirty="0"/>
+                        <a:t>Linear control law</a:t>
                       </a:r>
                     </a:p>
                   </a:txBody>
@@ -22021,6 +28073,29 @@
                         <a:t>No differential flatness</a:t>
                       </a:r>
                     </a:p>
+                    <a:p>
+                      <a:pPr marL="0" marR="0" lvl="0" indent="0" algn="ctr" defTabSz="914400" rtl="0" eaLnBrk="1" fontAlgn="auto" latinLnBrk="0" hangingPunct="1">
+                        <a:lnSpc>
+                          <a:spcPct val="100000"/>
+                        </a:lnSpc>
+                        <a:spcBef>
+                          <a:spcPts val="0"/>
+                        </a:spcBef>
+                        <a:spcAft>
+                          <a:spcPts val="0"/>
+                        </a:spcAft>
+                        <a:buClrTx/>
+                        <a:buSzTx/>
+                        <a:buFontTx/>
+                        <a:buNone/>
+                        <a:tabLst/>
+                        <a:defRPr/>
+                      </a:pPr>
+                      <a:r>
+                        <a:rPr lang="en-GB" dirty="0"/>
+                        <a:t>Linear control law</a:t>
+                      </a:r>
+                    </a:p>
                   </a:txBody>
                   <a:tcPr anchor="ctr">
                     <a:lnL w="12700" cap="flat" cmpd="sng" algn="ctr">
@@ -23751,10 +29826,15 @@
         </p:nvSpPr>
         <p:spPr/>
         <p:txBody>
-          <a:bodyPr/>
+          <a:bodyPr>
+            <a:normAutofit/>
+          </a:bodyPr>
           <a:lstStyle/>
           <a:p>
-            <a:endParaRPr lang="it-IT"/>
+            <a:pPr marL="0" indent="0">
+              <a:buNone/>
+            </a:pPr>
+            <a:endParaRPr lang="it-IT" sz="1800" dirty="0"/>
           </a:p>
         </p:txBody>
       </p:sp>
@@ -23790,10 +29870,10 @@
       </p:grpSpPr>
       <p:sp>
         <p:nvSpPr>
-          <p:cNvPr id="12" name="Rectangle 11">
+          <p:cNvPr id="3" name="Rectangle 2">
             <a:extLst>
               <a:ext uri="{FF2B5EF4-FFF2-40B4-BE49-F238E27FC236}">
-                <a16:creationId xmlns:a16="http://schemas.microsoft.com/office/drawing/2014/main" id="{52E79449-FA6D-BFA1-3AC3-2FF2D2669295}"/>
+                <a16:creationId xmlns:a16="http://schemas.microsoft.com/office/drawing/2014/main" id="{C73930F1-5489-0F2F-11D2-E1C5EDE2982E}"/>
               </a:ext>
             </a:extLst>
           </p:cNvPr>
@@ -23802,8 +29882,8 @@
         </p:nvSpPr>
         <p:spPr>
           <a:xfrm>
-            <a:off x="746760" y="559838"/>
-            <a:ext cx="10698480" cy="5706966"/>
+            <a:off x="876300" y="381130"/>
+            <a:ext cx="10439401" cy="5816469"/>
           </a:xfrm>
           <a:prstGeom prst="rect">
             <a:avLst/>
@@ -24477,8 +30557,8 @@
           </a:p>
         </p:txBody>
       </p:sp>
-      <mc:AlternateContent xmlns:mc="http://schemas.openxmlformats.org/markup-compatibility/2006">
-        <mc:Choice xmlns:a14="http://schemas.microsoft.com/office/drawing/2010/main" Requires="a14">
+      <mc:AlternateContent xmlns:mc="http://schemas.openxmlformats.org/markup-compatibility/2006" xmlns:a14="http://schemas.microsoft.com/office/drawing/2010/main">
+        <mc:Choice Requires="a14">
           <p:sp>
             <p:nvSpPr>
               <p:cNvPr id="7" name="TextBox 6">
@@ -24507,7 +30587,6 @@
               </a:bodyPr>
               <a:lstStyle/>
               <a:p>
-                <a:pPr/>
                 <a:r>
                   <a:rPr lang="en-GB" dirty="0"/>
                   <a:t>			P </a:t>
@@ -24819,7 +30898,7 @@
             </p:txBody>
           </p:sp>
         </mc:Choice>
-        <mc:Fallback>
+        <mc:Fallback xmlns="">
           <p:sp>
             <p:nvSpPr>
               <p:cNvPr id="7" name="TextBox 6">
@@ -28253,18 +34332,16 @@
         </p:nvSpPr>
         <p:spPr>
           <a:xfrm>
-            <a:off x="2397760" y="1340637"/>
-            <a:ext cx="7396480" cy="610084"/>
+            <a:off x="2914224" y="1385646"/>
+            <a:ext cx="6363552" cy="610084"/>
           </a:xfrm>
           <a:ln w="28575">
-            <a:solidFill>
-              <a:schemeClr val="tx1"/>
-            </a:solidFill>
+            <a:noFill/>
           </a:ln>
         </p:spPr>
         <p:txBody>
           <a:bodyPr anchor="ctr">
-            <a:normAutofit/>
+            <a:normAutofit lnSpcReduction="10000"/>
           </a:bodyPr>
           <a:lstStyle/>
           <a:p>
@@ -28275,7 +34352,7 @@
               <a:rPr lang="it-IT" sz="2000" b="1" dirty="0">
                 <a:latin typeface="Bahnschrift SemiCondensed" panose="020B0502040204020203" pitchFamily="34" charset="0"/>
               </a:rPr>
-              <a:t>EXAMPLE OF NON SMOOTH TRANSITION</a:t>
+              <a:t>EXAMPLE OF NON SMOOTH TRANSITION – CAN BE AVOIDED WITH PROPER TUNING</a:t>
             </a:r>
           </a:p>
         </p:txBody>
@@ -28626,4 +34703,299 @@
     </a:ext>
   </a:extLst>
 </a:theme>
+</file>
+
+<file path=ppt/theme/theme2.xml><?xml version="1.0" encoding="utf-8"?>
+<a:theme xmlns:a="http://schemas.openxmlformats.org/drawingml/2006/main" name="Office Theme">
+  <a:themeElements>
+    <a:clrScheme name="Office">
+      <a:dk1>
+        <a:sysClr val="windowText" lastClr="000000"/>
+      </a:dk1>
+      <a:lt1>
+        <a:sysClr val="window" lastClr="FFFFFF"/>
+      </a:lt1>
+      <a:dk2>
+        <a:srgbClr val="44546A"/>
+      </a:dk2>
+      <a:lt2>
+        <a:srgbClr val="E7E6E6"/>
+      </a:lt2>
+      <a:accent1>
+        <a:srgbClr val="4472C4"/>
+      </a:accent1>
+      <a:accent2>
+        <a:srgbClr val="ED7D31"/>
+      </a:accent2>
+      <a:accent3>
+        <a:srgbClr val="A5A5A5"/>
+      </a:accent3>
+      <a:accent4>
+        <a:srgbClr val="FFC000"/>
+      </a:accent4>
+      <a:accent5>
+        <a:srgbClr val="5B9BD5"/>
+      </a:accent5>
+      <a:accent6>
+        <a:srgbClr val="70AD47"/>
+      </a:accent6>
+      <a:hlink>
+        <a:srgbClr val="0563C1"/>
+      </a:hlink>
+      <a:folHlink>
+        <a:srgbClr val="954F72"/>
+      </a:folHlink>
+    </a:clrScheme>
+    <a:fontScheme name="Office">
+      <a:majorFont>
+        <a:latin typeface="Calibri Light" panose="020F0302020204030204"/>
+        <a:ea typeface=""/>
+        <a:cs typeface=""/>
+        <a:font script="Jpan" typeface="游ゴシック Light"/>
+        <a:font script="Hang" typeface="맑은 고딕"/>
+        <a:font script="Hans" typeface="等线 Light"/>
+        <a:font script="Hant" typeface="新細明體"/>
+        <a:font script="Arab" typeface="Times New Roman"/>
+        <a:font script="Hebr" typeface="Times New Roman"/>
+        <a:font script="Thai" typeface="Angsana New"/>
+        <a:font script="Ethi" typeface="Nyala"/>
+        <a:font script="Beng" typeface="Vrinda"/>
+        <a:font script="Gujr" typeface="Shruti"/>
+        <a:font script="Khmr" typeface="MoolBoran"/>
+        <a:font script="Knda" typeface="Tunga"/>
+        <a:font script="Guru" typeface="Raavi"/>
+        <a:font script="Cans" typeface="Euphemia"/>
+        <a:font script="Cher" typeface="Plantagenet Cherokee"/>
+        <a:font script="Yiii" typeface="Microsoft Yi Baiti"/>
+        <a:font script="Tibt" typeface="Microsoft Himalaya"/>
+        <a:font script="Thaa" typeface="MV Boli"/>
+        <a:font script="Deva" typeface="Mangal"/>
+        <a:font script="Telu" typeface="Gautami"/>
+        <a:font script="Taml" typeface="Latha"/>
+        <a:font script="Syrc" typeface="Estrangelo Edessa"/>
+        <a:font script="Orya" typeface="Kalinga"/>
+        <a:font script="Mlym" typeface="Kartika"/>
+        <a:font script="Laoo" typeface="DokChampa"/>
+        <a:font script="Sinh" typeface="Iskoola Pota"/>
+        <a:font script="Mong" typeface="Mongolian Baiti"/>
+        <a:font script="Viet" typeface="Times New Roman"/>
+        <a:font script="Uigh" typeface="Microsoft Uighur"/>
+        <a:font script="Geor" typeface="Sylfaen"/>
+        <a:font script="Armn" typeface="Arial"/>
+        <a:font script="Bugi" typeface="Leelawadee UI"/>
+        <a:font script="Bopo" typeface="Microsoft JhengHei"/>
+        <a:font script="Java" typeface="Javanese Text"/>
+        <a:font script="Lisu" typeface="Segoe UI"/>
+        <a:font script="Mymr" typeface="Myanmar Text"/>
+        <a:font script="Nkoo" typeface="Ebrima"/>
+        <a:font script="Olck" typeface="Nirmala UI"/>
+        <a:font script="Osma" typeface="Ebrima"/>
+        <a:font script="Phag" typeface="Phagspa"/>
+        <a:font script="Syrn" typeface="Estrangelo Edessa"/>
+        <a:font script="Syrj" typeface="Estrangelo Edessa"/>
+        <a:font script="Syre" typeface="Estrangelo Edessa"/>
+        <a:font script="Sora" typeface="Nirmala UI"/>
+        <a:font script="Tale" typeface="Microsoft Tai Le"/>
+        <a:font script="Talu" typeface="Microsoft New Tai Lue"/>
+        <a:font script="Tfng" typeface="Ebrima"/>
+      </a:majorFont>
+      <a:minorFont>
+        <a:latin typeface="Calibri" panose="020F0502020204030204"/>
+        <a:ea typeface=""/>
+        <a:cs typeface=""/>
+        <a:font script="Jpan" typeface="游ゴシック"/>
+        <a:font script="Hang" typeface="맑은 고딕"/>
+        <a:font script="Hans" typeface="等线"/>
+        <a:font script="Hant" typeface="新細明體"/>
+        <a:font script="Arab" typeface="Arial"/>
+        <a:font script="Hebr" typeface="Arial"/>
+        <a:font script="Thai" typeface="Cordia New"/>
+        <a:font script="Ethi" typeface="Nyala"/>
+        <a:font script="Beng" typeface="Vrinda"/>
+        <a:font script="Gujr" typeface="Shruti"/>
+        <a:font script="Khmr" typeface="DaunPenh"/>
+        <a:font script="Knda" typeface="Tunga"/>
+        <a:font script="Guru" typeface="Raavi"/>
+        <a:font script="Cans" typeface="Euphemia"/>
+        <a:font script="Cher" typeface="Plantagenet Cherokee"/>
+        <a:font script="Yiii" typeface="Microsoft Yi Baiti"/>
+        <a:font script="Tibt" typeface="Microsoft Himalaya"/>
+        <a:font script="Thaa" typeface="MV Boli"/>
+        <a:font script="Deva" typeface="Mangal"/>
+        <a:font script="Telu" typeface="Gautami"/>
+        <a:font script="Taml" typeface="Latha"/>
+        <a:font script="Syrc" typeface="Estrangelo Edessa"/>
+        <a:font script="Orya" typeface="Kalinga"/>
+        <a:font script="Mlym" typeface="Kartika"/>
+        <a:font script="Laoo" typeface="DokChampa"/>
+        <a:font script="Sinh" typeface="Iskoola Pota"/>
+        <a:font script="Mong" typeface="Mongolian Baiti"/>
+        <a:font script="Viet" typeface="Arial"/>
+        <a:font script="Uigh" typeface="Microsoft Uighur"/>
+        <a:font script="Geor" typeface="Sylfaen"/>
+        <a:font script="Armn" typeface="Arial"/>
+        <a:font script="Bugi" typeface="Leelawadee UI"/>
+        <a:font script="Bopo" typeface="Microsoft JhengHei"/>
+        <a:font script="Java" typeface="Javanese Text"/>
+        <a:font script="Lisu" typeface="Segoe UI"/>
+        <a:font script="Mymr" typeface="Myanmar Text"/>
+        <a:font script="Nkoo" typeface="Ebrima"/>
+        <a:font script="Olck" typeface="Nirmala UI"/>
+        <a:font script="Osma" typeface="Ebrima"/>
+        <a:font script="Phag" typeface="Phagspa"/>
+        <a:font script="Syrn" typeface="Estrangelo Edessa"/>
+        <a:font script="Syrj" typeface="Estrangelo Edessa"/>
+        <a:font script="Syre" typeface="Estrangelo Edessa"/>
+        <a:font script="Sora" typeface="Nirmala UI"/>
+        <a:font script="Tale" typeface="Microsoft Tai Le"/>
+        <a:font script="Talu" typeface="Microsoft New Tai Lue"/>
+        <a:font script="Tfng" typeface="Ebrima"/>
+      </a:minorFont>
+    </a:fontScheme>
+    <a:fmtScheme name="Office">
+      <a:fillStyleLst>
+        <a:solidFill>
+          <a:schemeClr val="phClr"/>
+        </a:solidFill>
+        <a:gradFill rotWithShape="1">
+          <a:gsLst>
+            <a:gs pos="0">
+              <a:schemeClr val="phClr">
+                <a:lumMod val="110000"/>
+                <a:satMod val="105000"/>
+                <a:tint val="67000"/>
+              </a:schemeClr>
+            </a:gs>
+            <a:gs pos="50000">
+              <a:schemeClr val="phClr">
+                <a:lumMod val="105000"/>
+                <a:satMod val="103000"/>
+                <a:tint val="73000"/>
+              </a:schemeClr>
+            </a:gs>
+            <a:gs pos="100000">
+              <a:schemeClr val="phClr">
+                <a:lumMod val="105000"/>
+                <a:satMod val="109000"/>
+                <a:tint val="81000"/>
+              </a:schemeClr>
+            </a:gs>
+          </a:gsLst>
+          <a:lin ang="5400000" scaled="0"/>
+        </a:gradFill>
+        <a:gradFill rotWithShape="1">
+          <a:gsLst>
+            <a:gs pos="0">
+              <a:schemeClr val="phClr">
+                <a:satMod val="103000"/>
+                <a:lumMod val="102000"/>
+                <a:tint val="94000"/>
+              </a:schemeClr>
+            </a:gs>
+            <a:gs pos="50000">
+              <a:schemeClr val="phClr">
+                <a:satMod val="110000"/>
+                <a:lumMod val="100000"/>
+                <a:shade val="100000"/>
+              </a:schemeClr>
+            </a:gs>
+            <a:gs pos="100000">
+              <a:schemeClr val="phClr">
+                <a:lumMod val="99000"/>
+                <a:satMod val="120000"/>
+                <a:shade val="78000"/>
+              </a:schemeClr>
+            </a:gs>
+          </a:gsLst>
+          <a:lin ang="5400000" scaled="0"/>
+        </a:gradFill>
+      </a:fillStyleLst>
+      <a:lnStyleLst>
+        <a:ln w="6350" cap="flat" cmpd="sng" algn="ctr">
+          <a:solidFill>
+            <a:schemeClr val="phClr"/>
+          </a:solidFill>
+          <a:prstDash val="solid"/>
+          <a:miter lim="800000"/>
+        </a:ln>
+        <a:ln w="12700" cap="flat" cmpd="sng" algn="ctr">
+          <a:solidFill>
+            <a:schemeClr val="phClr"/>
+          </a:solidFill>
+          <a:prstDash val="solid"/>
+          <a:miter lim="800000"/>
+        </a:ln>
+        <a:ln w="19050" cap="flat" cmpd="sng" algn="ctr">
+          <a:solidFill>
+            <a:schemeClr val="phClr"/>
+          </a:solidFill>
+          <a:prstDash val="solid"/>
+          <a:miter lim="800000"/>
+        </a:ln>
+      </a:lnStyleLst>
+      <a:effectStyleLst>
+        <a:effectStyle>
+          <a:effectLst/>
+        </a:effectStyle>
+        <a:effectStyle>
+          <a:effectLst/>
+        </a:effectStyle>
+        <a:effectStyle>
+          <a:effectLst>
+            <a:outerShdw blurRad="57150" dist="19050" dir="5400000" algn="ctr" rotWithShape="0">
+              <a:srgbClr val="000000">
+                <a:alpha val="63000"/>
+              </a:srgbClr>
+            </a:outerShdw>
+          </a:effectLst>
+        </a:effectStyle>
+      </a:effectStyleLst>
+      <a:bgFillStyleLst>
+        <a:solidFill>
+          <a:schemeClr val="phClr"/>
+        </a:solidFill>
+        <a:solidFill>
+          <a:schemeClr val="phClr">
+            <a:tint val="95000"/>
+            <a:satMod val="170000"/>
+          </a:schemeClr>
+        </a:solidFill>
+        <a:gradFill rotWithShape="1">
+          <a:gsLst>
+            <a:gs pos="0">
+              <a:schemeClr val="phClr">
+                <a:tint val="93000"/>
+                <a:satMod val="150000"/>
+                <a:shade val="98000"/>
+                <a:lumMod val="102000"/>
+              </a:schemeClr>
+            </a:gs>
+            <a:gs pos="50000">
+              <a:schemeClr val="phClr">
+                <a:tint val="98000"/>
+                <a:satMod val="130000"/>
+                <a:shade val="90000"/>
+                <a:lumMod val="103000"/>
+              </a:schemeClr>
+            </a:gs>
+            <a:gs pos="100000">
+              <a:schemeClr val="phClr">
+                <a:shade val="63000"/>
+                <a:satMod val="120000"/>
+              </a:schemeClr>
+            </a:gs>
+          </a:gsLst>
+          <a:lin ang="5400000" scaled="0"/>
+        </a:gradFill>
+      </a:bgFillStyleLst>
+    </a:fmtScheme>
+  </a:themeElements>
+  <a:objectDefaults/>
+  <a:extraClrSchemeLst/>
+  <a:extLst>
+    <a:ext uri="{05A4C25C-085E-4340-85A3-A5531E510DB2}">
+      <thm15:themeFamily xmlns:thm15="http://schemas.microsoft.com/office/thememl/2012/main" name="Office Theme" id="{62F939B6-93AF-4DB8-9C6B-D6C7DFDC589F}" vid="{4A3C46E8-61CC-4603-A589-7422A47A8E4A}"/>
+    </a:ext>
+  </a:extLst>
+</a:theme>
 </file>
--- a/documentation/presentation.pptx
+++ b/documentation/presentation.pptx
@@ -228,7 +228,7 @@
           <a:p>
             <a:fld id="{3735EDBA-B138-4236-BC15-49AA070228CC}" type="datetimeFigureOut">
               <a:rPr lang="en-GB" smtClean="0"/>
-              <a:t>12/02/2024</a:t>
+              <a:t>13/02/2024</a:t>
             </a:fld>
             <a:endParaRPr lang="en-GB"/>
           </a:p>
@@ -813,7 +813,7 @@
           <a:p>
             <a:fld id="{CF74EDA2-A3D8-44A3-A89B-0F29AADCE6D8}" type="datetimeFigureOut">
               <a:rPr lang="it-IT" smtClean="0"/>
-              <a:t>12/02/2024</a:t>
+              <a:t>13/02/2024</a:t>
             </a:fld>
             <a:endParaRPr lang="it-IT"/>
           </a:p>
@@ -1013,7 +1013,7 @@
           <a:p>
             <a:fld id="{CF74EDA2-A3D8-44A3-A89B-0F29AADCE6D8}" type="datetimeFigureOut">
               <a:rPr lang="it-IT" smtClean="0"/>
-              <a:t>12/02/2024</a:t>
+              <a:t>13/02/2024</a:t>
             </a:fld>
             <a:endParaRPr lang="it-IT"/>
           </a:p>
@@ -1223,7 +1223,7 @@
           <a:p>
             <a:fld id="{CF74EDA2-A3D8-44A3-A89B-0F29AADCE6D8}" type="datetimeFigureOut">
               <a:rPr lang="it-IT" smtClean="0"/>
-              <a:t>12/02/2024</a:t>
+              <a:t>13/02/2024</a:t>
             </a:fld>
             <a:endParaRPr lang="it-IT"/>
           </a:p>
@@ -1423,7 +1423,7 @@
           <a:p>
             <a:fld id="{CF74EDA2-A3D8-44A3-A89B-0F29AADCE6D8}" type="datetimeFigureOut">
               <a:rPr lang="it-IT" smtClean="0"/>
-              <a:t>12/02/2024</a:t>
+              <a:t>13/02/2024</a:t>
             </a:fld>
             <a:endParaRPr lang="it-IT"/>
           </a:p>
@@ -1699,7 +1699,7 @@
           <a:p>
             <a:fld id="{CF74EDA2-A3D8-44A3-A89B-0F29AADCE6D8}" type="datetimeFigureOut">
               <a:rPr lang="it-IT" smtClean="0"/>
-              <a:t>12/02/2024</a:t>
+              <a:t>13/02/2024</a:t>
             </a:fld>
             <a:endParaRPr lang="it-IT"/>
           </a:p>
@@ -1967,7 +1967,7 @@
           <a:p>
             <a:fld id="{CF74EDA2-A3D8-44A3-A89B-0F29AADCE6D8}" type="datetimeFigureOut">
               <a:rPr lang="it-IT" smtClean="0"/>
-              <a:t>12/02/2024</a:t>
+              <a:t>13/02/2024</a:t>
             </a:fld>
             <a:endParaRPr lang="it-IT"/>
           </a:p>
@@ -2382,7 +2382,7 @@
           <a:p>
             <a:fld id="{CF74EDA2-A3D8-44A3-A89B-0F29AADCE6D8}" type="datetimeFigureOut">
               <a:rPr lang="it-IT" smtClean="0"/>
-              <a:t>12/02/2024</a:t>
+              <a:t>13/02/2024</a:t>
             </a:fld>
             <a:endParaRPr lang="it-IT"/>
           </a:p>
@@ -2524,7 +2524,7 @@
           <a:p>
             <a:fld id="{CF74EDA2-A3D8-44A3-A89B-0F29AADCE6D8}" type="datetimeFigureOut">
               <a:rPr lang="it-IT" smtClean="0"/>
-              <a:t>12/02/2024</a:t>
+              <a:t>13/02/2024</a:t>
             </a:fld>
             <a:endParaRPr lang="it-IT"/>
           </a:p>
@@ -2637,7 +2637,7 @@
           <a:p>
             <a:fld id="{CF74EDA2-A3D8-44A3-A89B-0F29AADCE6D8}" type="datetimeFigureOut">
               <a:rPr lang="it-IT" smtClean="0"/>
-              <a:t>12/02/2024</a:t>
+              <a:t>13/02/2024</a:t>
             </a:fld>
             <a:endParaRPr lang="it-IT"/>
           </a:p>
@@ -2950,7 +2950,7 @@
           <a:p>
             <a:fld id="{CF74EDA2-A3D8-44A3-A89B-0F29AADCE6D8}" type="datetimeFigureOut">
               <a:rPr lang="it-IT" smtClean="0"/>
-              <a:t>12/02/2024</a:t>
+              <a:t>13/02/2024</a:t>
             </a:fld>
             <a:endParaRPr lang="it-IT"/>
           </a:p>
@@ -3239,7 +3239,7 @@
           <a:p>
             <a:fld id="{CF74EDA2-A3D8-44A3-A89B-0F29AADCE6D8}" type="datetimeFigureOut">
               <a:rPr lang="it-IT" smtClean="0"/>
-              <a:t>12/02/2024</a:t>
+              <a:t>13/02/2024</a:t>
             </a:fld>
             <a:endParaRPr lang="it-IT"/>
           </a:p>
@@ -3482,7 +3482,7 @@
           <a:p>
             <a:fld id="{CF74EDA2-A3D8-44A3-A89B-0F29AADCE6D8}" type="datetimeFigureOut">
               <a:rPr lang="it-IT" smtClean="0"/>
-              <a:t>12/02/2024</a:t>
+              <a:t>13/02/2024</a:t>
             </a:fld>
             <a:endParaRPr lang="it-IT"/>
           </a:p>
@@ -10150,7 +10150,7 @@
                           <m:ctrlPr>
                             <a:rPr lang="en-GB" i="1" smtClean="0">
                               <a:solidFill>
-                                <a:srgbClr val="836967"/>
+                                <a:schemeClr val="tx1"/>
                               </a:solidFill>
                               <a:latin typeface="Cambria Math" panose="02040503050406030204" pitchFamily="18" charset="0"/>
                             </a:rPr>
@@ -10171,7 +10171,7 @@
                               <m:ctrlPr>
                                 <a:rPr lang="en-GB" i="1">
                                   <a:solidFill>
-                                    <a:srgbClr val="836967"/>
+                                    <a:schemeClr val="tx1"/>
                                   </a:solidFill>
                                   <a:latin typeface="Cambria Math" panose="02040503050406030204" pitchFamily="18" charset="0"/>
                                 </a:rPr>
@@ -10184,7 +10184,7 @@
                                     <m:ctrlPr>
                                       <a:rPr lang="en-GB" i="1">
                                         <a:solidFill>
-                                          <a:srgbClr val="836967"/>
+                                          <a:schemeClr val="tx1"/>
                                         </a:solidFill>
                                         <a:latin typeface="Cambria Math" panose="02040503050406030204" pitchFamily="18" charset="0"/>
                                       </a:rPr>
@@ -10193,6 +10193,9 @@
                                   <m:e>
                                     <m:r>
                                       <a:rPr lang="en-GB" i="1">
+                                        <a:solidFill>
+                                          <a:schemeClr val="tx1"/>
+                                        </a:solidFill>
                                         <a:latin typeface="Cambria Math" panose="02040503050406030204" pitchFamily="18" charset="0"/>
                                       </a:rPr>
                                       <m:t>𝑢</m:t>
@@ -10201,6 +10204,9 @@
                                   <m:sub>
                                     <m:r>
                                       <a:rPr lang="en-GB" i="0">
+                                        <a:solidFill>
+                                          <a:schemeClr val="tx1"/>
+                                        </a:solidFill>
                                         <a:latin typeface="Cambria Math" panose="02040503050406030204" pitchFamily="18" charset="0"/>
                                       </a:rPr>
                                       <m:t>1</m:t>
@@ -10216,7 +10222,7 @@
                                     <m:ctrlPr>
                                       <a:rPr lang="en-GB" i="1">
                                         <a:solidFill>
-                                          <a:srgbClr val="836967"/>
+                                          <a:schemeClr val="tx1"/>
                                         </a:solidFill>
                                         <a:latin typeface="Cambria Math" panose="02040503050406030204" pitchFamily="18" charset="0"/>
                                       </a:rPr>
@@ -10225,6 +10231,9 @@
                                   <m:e>
                                     <m:r>
                                       <a:rPr lang="en-GB" i="1">
+                                        <a:solidFill>
+                                          <a:schemeClr val="tx1"/>
+                                        </a:solidFill>
                                         <a:latin typeface="Cambria Math" panose="02040503050406030204" pitchFamily="18" charset="0"/>
                                       </a:rPr>
                                       <m:t>𝑢</m:t>
@@ -10233,6 +10242,9 @@
                                   <m:sub>
                                     <m:r>
                                       <a:rPr lang="en-GB" i="0">
+                                        <a:solidFill>
+                                          <a:schemeClr val="tx1"/>
+                                        </a:solidFill>
                                         <a:latin typeface="Cambria Math" panose="02040503050406030204" pitchFamily="18" charset="0"/>
                                       </a:rPr>
                                       <m:t>2</m:t>
@@ -10246,6 +10258,9 @@
                       </m:d>
                       <m:r>
                         <a:rPr lang="en-GB" i="0">
+                          <a:solidFill>
+                            <a:schemeClr val="tx1"/>
+                          </a:solidFill>
                           <a:latin typeface="Cambria Math" panose="02040503050406030204" pitchFamily="18" charset="0"/>
                         </a:rPr>
                         <m:t>=</m:t>
@@ -10257,7 +10272,7 @@
                           <m:ctrlPr>
                             <a:rPr lang="en-GB" i="1">
                               <a:solidFill>
-                                <a:srgbClr val="836967"/>
+                                <a:schemeClr val="tx1"/>
                               </a:solidFill>
                               <a:latin typeface="Cambria Math" panose="02040503050406030204" pitchFamily="18" charset="0"/>
                             </a:rPr>
@@ -10278,7 +10293,7 @@
                               <m:ctrlPr>
                                 <a:rPr lang="en-GB" i="1">
                                   <a:solidFill>
-                                    <a:srgbClr val="836967"/>
+                                    <a:schemeClr val="tx1"/>
                                   </a:solidFill>
                                   <a:latin typeface="Cambria Math" panose="02040503050406030204" pitchFamily="18" charset="0"/>
                                 </a:rPr>
@@ -10291,7 +10306,7 @@
                                     <m:ctrlPr>
                                       <a:rPr lang="en-GB" i="1">
                                         <a:solidFill>
-                                          <a:srgbClr val="836967"/>
+                                          <a:schemeClr val="tx1"/>
                                         </a:solidFill>
                                         <a:latin typeface="Cambria Math" panose="02040503050406030204" pitchFamily="18" charset="0"/>
                                       </a:rPr>
@@ -10300,12 +10315,18 @@
                                   <m:e>
                                     <m:r>
                                       <a:rPr lang="en-GB" i="0">
+                                        <a:solidFill>
+                                          <a:schemeClr val="tx1"/>
+                                        </a:solidFill>
                                         <a:latin typeface="Cambria Math" panose="02040503050406030204" pitchFamily="18" charset="0"/>
                                       </a:rPr>
                                       <m:t>−</m:t>
                                     </m:r>
                                     <m:r>
                                       <a:rPr lang="en-GB" i="1">
+                                        <a:solidFill>
+                                          <a:schemeClr val="tx1"/>
+                                        </a:solidFill>
                                         <a:latin typeface="Cambria Math" panose="02040503050406030204" pitchFamily="18" charset="0"/>
                                       </a:rPr>
                                       <m:t>𝐾</m:t>
@@ -10314,6 +10335,9 @@
                                   <m:sub>
                                     <m:r>
                                       <a:rPr lang="en-GB" i="0">
+                                        <a:solidFill>
+                                          <a:schemeClr val="tx1"/>
+                                        </a:solidFill>
                                         <a:latin typeface="Cambria Math" panose="02040503050406030204" pitchFamily="18" charset="0"/>
                                       </a:rPr>
                                       <m:t>1</m:t>
@@ -10324,6 +10348,9 @@
                               <m:e>
                                 <m:r>
                                   <a:rPr lang="en-GB" i="0">
+                                    <a:solidFill>
+                                      <a:schemeClr val="tx1"/>
+                                    </a:solidFill>
                                     <a:latin typeface="Cambria Math" panose="02040503050406030204" pitchFamily="18" charset="0"/>
                                   </a:rPr>
                                   <m:t>0</m:t>
@@ -10332,6 +10359,9 @@
                               <m:e>
                                 <m:r>
                                   <a:rPr lang="en-GB" i="0">
+                                    <a:solidFill>
+                                      <a:schemeClr val="tx1"/>
+                                    </a:solidFill>
                                     <a:latin typeface="Cambria Math" panose="02040503050406030204" pitchFamily="18" charset="0"/>
                                   </a:rPr>
                                   <m:t>0</m:t>
@@ -10342,6 +10372,9 @@
                               <m:e>
                                 <m:r>
                                   <a:rPr lang="en-GB" i="0">
+                                    <a:solidFill>
+                                      <a:schemeClr val="tx1"/>
+                                    </a:solidFill>
                                     <a:latin typeface="Cambria Math" panose="02040503050406030204" pitchFamily="18" charset="0"/>
                                   </a:rPr>
                                   <m:t>0</m:t>
@@ -10350,6 +10383,9 @@
                               <m:e>
                                 <m:r>
                                   <a:rPr lang="en-GB" i="0">
+                                    <a:solidFill>
+                                      <a:schemeClr val="tx1"/>
+                                    </a:solidFill>
                                     <a:latin typeface="Cambria Math" panose="02040503050406030204" pitchFamily="18" charset="0"/>
                                   </a:rPr>
                                   <m:t>−</m:t>
@@ -10359,7 +10395,7 @@
                                     <m:ctrlPr>
                                       <a:rPr lang="en-GB" i="1">
                                         <a:solidFill>
-                                          <a:srgbClr val="836967"/>
+                                          <a:schemeClr val="tx1"/>
                                         </a:solidFill>
                                         <a:latin typeface="Cambria Math" panose="02040503050406030204" pitchFamily="18" charset="0"/>
                                       </a:rPr>
@@ -10368,6 +10404,9 @@
                                   <m:e>
                                     <m:r>
                                       <a:rPr lang="en-GB" i="1">
+                                        <a:solidFill>
+                                          <a:schemeClr val="tx1"/>
+                                        </a:solidFill>
                                         <a:latin typeface="Cambria Math" panose="02040503050406030204" pitchFamily="18" charset="0"/>
                                       </a:rPr>
                                       <m:t>𝐾</m:t>
@@ -10376,6 +10415,9 @@
                                   <m:sub>
                                     <m:r>
                                       <a:rPr lang="en-GB" i="0">
+                                        <a:solidFill>
+                                          <a:schemeClr val="tx1"/>
+                                        </a:solidFill>
                                         <a:latin typeface="Cambria Math" panose="02040503050406030204" pitchFamily="18" charset="0"/>
                                       </a:rPr>
                                       <m:t>2</m:t>
@@ -10389,7 +10431,7 @@
                                     <m:ctrlPr>
                                       <a:rPr lang="en-GB" i="1">
                                         <a:solidFill>
-                                          <a:srgbClr val="836967"/>
+                                          <a:schemeClr val="tx1"/>
                                         </a:solidFill>
                                         <a:latin typeface="Cambria Math" panose="02040503050406030204" pitchFamily="18" charset="0"/>
                                       </a:rPr>
@@ -10398,12 +10440,18 @@
                                   <m:e>
                                     <m:r>
                                       <a:rPr lang="en-GB" i="0">
+                                        <a:solidFill>
+                                          <a:schemeClr val="tx1"/>
+                                        </a:solidFill>
                                         <a:latin typeface="Cambria Math" panose="02040503050406030204" pitchFamily="18" charset="0"/>
                                       </a:rPr>
                                       <m:t>−</m:t>
                                     </m:r>
                                     <m:r>
                                       <a:rPr lang="en-GB" i="1">
+                                        <a:solidFill>
+                                          <a:schemeClr val="tx1"/>
+                                        </a:solidFill>
                                         <a:latin typeface="Cambria Math" panose="02040503050406030204" pitchFamily="18" charset="0"/>
                                       </a:rPr>
                                       <m:t>𝐾</m:t>
@@ -10412,6 +10460,9 @@
                                   <m:sub>
                                     <m:r>
                                       <a:rPr lang="en-GB" i="0">
+                                        <a:solidFill>
+                                          <a:schemeClr val="tx1"/>
+                                        </a:solidFill>
                                         <a:latin typeface="Cambria Math" panose="02040503050406030204" pitchFamily="18" charset="0"/>
                                       </a:rPr>
                                       <m:t>3</m:t>
@@ -10430,7 +10481,7 @@
                           <m:ctrlPr>
                             <a:rPr lang="en-GB" i="1">
                               <a:solidFill>
-                                <a:srgbClr val="836967"/>
+                                <a:schemeClr val="tx1"/>
                               </a:solidFill>
                               <a:latin typeface="Cambria Math" panose="02040503050406030204" pitchFamily="18" charset="0"/>
                             </a:rPr>
@@ -10451,7 +10502,7 @@
                               <m:ctrlPr>
                                 <a:rPr lang="en-GB" i="1">
                                   <a:solidFill>
-                                    <a:srgbClr val="836967"/>
+                                    <a:schemeClr val="tx1"/>
                                   </a:solidFill>
                                   <a:latin typeface="Cambria Math" panose="02040503050406030204" pitchFamily="18" charset="0"/>
                                 </a:rPr>
@@ -10464,7 +10515,7 @@
                                     <m:ctrlPr>
                                       <a:rPr lang="en-GB" i="1">
                                         <a:solidFill>
-                                          <a:srgbClr val="836967"/>
+                                          <a:schemeClr val="tx1"/>
                                         </a:solidFill>
                                         <a:latin typeface="Cambria Math" panose="02040503050406030204" pitchFamily="18" charset="0"/>
                                       </a:rPr>
@@ -10473,6 +10524,9 @@
                                   <m:e>
                                     <m:r>
                                       <a:rPr lang="en-GB" i="1">
+                                        <a:solidFill>
+                                          <a:schemeClr val="tx1"/>
+                                        </a:solidFill>
                                         <a:latin typeface="Cambria Math" panose="02040503050406030204" pitchFamily="18" charset="0"/>
                                       </a:rPr>
                                       <m:t>𝑒</m:t>
@@ -10481,6 +10535,9 @@
                                   <m:sub>
                                     <m:r>
                                       <a:rPr lang="en-GB" i="1">
+                                        <a:solidFill>
+                                          <a:schemeClr val="tx1"/>
+                                        </a:solidFill>
                                         <a:latin typeface="Cambria Math" panose="02040503050406030204" pitchFamily="18" charset="0"/>
                                       </a:rPr>
                                       <m:t>𝑥</m:t>
@@ -10496,7 +10553,7 @@
                                     <m:ctrlPr>
                                       <a:rPr lang="en-GB" i="1">
                                         <a:solidFill>
-                                          <a:srgbClr val="836967"/>
+                                          <a:schemeClr val="tx1"/>
                                         </a:solidFill>
                                         <a:latin typeface="Cambria Math" panose="02040503050406030204" pitchFamily="18" charset="0"/>
                                       </a:rPr>
@@ -10505,6 +10562,9 @@
                                   <m:e>
                                     <m:r>
                                       <a:rPr lang="en-GB" i="1">
+                                        <a:solidFill>
+                                          <a:schemeClr val="tx1"/>
+                                        </a:solidFill>
                                         <a:latin typeface="Cambria Math" panose="02040503050406030204" pitchFamily="18" charset="0"/>
                                       </a:rPr>
                                       <m:t>𝑒</m:t>
@@ -10513,6 +10573,9 @@
                                   <m:sub>
                                     <m:r>
                                       <a:rPr lang="en-GB" i="1">
+                                        <a:solidFill>
+                                          <a:schemeClr val="tx1"/>
+                                        </a:solidFill>
                                         <a:latin typeface="Cambria Math" panose="02040503050406030204" pitchFamily="18" charset="0"/>
                                       </a:rPr>
                                       <m:t>𝑦</m:t>
@@ -10528,7 +10591,7 @@
                                     <m:ctrlPr>
                                       <a:rPr lang="en-GB" i="1">
                                         <a:solidFill>
-                                          <a:srgbClr val="836967"/>
+                                          <a:schemeClr val="tx1"/>
                                         </a:solidFill>
                                         <a:latin typeface="Cambria Math" panose="02040503050406030204" pitchFamily="18" charset="0"/>
                                       </a:rPr>
@@ -10537,6 +10600,9 @@
                                   <m:e>
                                     <m:r>
                                       <a:rPr lang="en-GB" i="1">
+                                        <a:solidFill>
+                                          <a:schemeClr val="tx1"/>
+                                        </a:solidFill>
                                         <a:latin typeface="Cambria Math" panose="02040503050406030204" pitchFamily="18" charset="0"/>
                                       </a:rPr>
                                       <m:t>𝑒</m:t>
@@ -10545,6 +10611,9 @@
                                   <m:sub>
                                     <m:r>
                                       <a:rPr lang="en-GB" i="1">
+                                        <a:solidFill>
+                                          <a:schemeClr val="tx1"/>
+                                        </a:solidFill>
                                         <a:latin typeface="Cambria Math" panose="02040503050406030204" pitchFamily="18" charset="0"/>
                                       </a:rPr>
                                       <m:t>𝜃</m:t>
@@ -11083,7 +11152,7 @@
                           <m:ctrlPr>
                             <a:rPr lang="en-GB" i="1" smtClean="0">
                               <a:solidFill>
-                                <a:srgbClr val="836967"/>
+                                <a:schemeClr val="tx1"/>
                               </a:solidFill>
                               <a:latin typeface="Cambria Math" panose="02040503050406030204" pitchFamily="18" charset="0"/>
                             </a:rPr>
@@ -11095,7 +11164,7 @@
                               <m:ctrlPr>
                                 <a:rPr lang="en-GB" i="1">
                                   <a:solidFill>
-                                    <a:srgbClr val="836967"/>
+                                    <a:schemeClr val="tx1"/>
                                   </a:solidFill>
                                   <a:latin typeface="Cambria Math" panose="02040503050406030204" pitchFamily="18" charset="0"/>
                                 </a:rPr>
@@ -11104,18 +11173,27 @@
                             <m:e>
                               <m:r>
                                 <a:rPr lang="en-GB">
+                                  <a:solidFill>
+                                    <a:schemeClr val="tx1"/>
+                                  </a:solidFill>
                                   <a:latin typeface="Cambria Math" panose="02040503050406030204" pitchFamily="18" charset="0"/>
                                 </a:rPr>
                                 <m:t>&amp;</m:t>
                               </m:r>
                               <m:r>
                                 <a:rPr lang="en-GB" i="1">
+                                  <a:solidFill>
+                                    <a:schemeClr val="tx1"/>
+                                  </a:solidFill>
                                   <a:latin typeface="Cambria Math" panose="02040503050406030204" pitchFamily="18" charset="0"/>
                                 </a:rPr>
                                 <m:t>𝑣</m:t>
                               </m:r>
                               <m:r>
                                 <a:rPr lang="en-GB" i="0">
+                                  <a:solidFill>
+                                    <a:schemeClr val="tx1"/>
+                                  </a:solidFill>
                                   <a:latin typeface="Cambria Math" panose="02040503050406030204" pitchFamily="18" charset="0"/>
                                 </a:rPr>
                                 <m:t>=</m:t>
@@ -11125,7 +11203,7 @@
                                   <m:ctrlPr>
                                     <a:rPr lang="en-GB" i="1">
                                       <a:solidFill>
-                                        <a:srgbClr val="836967"/>
+                                        <a:schemeClr val="tx1"/>
                                       </a:solidFill>
                                       <a:latin typeface="Cambria Math" panose="02040503050406030204" pitchFamily="18" charset="0"/>
                                     </a:rPr>
@@ -11134,6 +11212,9 @@
                                 <m:e>
                                   <m:r>
                                     <a:rPr lang="en-GB" i="1">
+                                      <a:solidFill>
+                                        <a:schemeClr val="tx1"/>
+                                      </a:solidFill>
                                       <a:latin typeface="Cambria Math" panose="02040503050406030204" pitchFamily="18" charset="0"/>
                                     </a:rPr>
                                     <m:t>𝑣</m:t>
@@ -11142,6 +11223,9 @@
                                 <m:sub>
                                   <m:r>
                                     <a:rPr lang="en-GB" i="1">
+                                      <a:solidFill>
+                                        <a:schemeClr val="tx1"/>
+                                      </a:solidFill>
                                       <a:latin typeface="Cambria Math" panose="02040503050406030204" pitchFamily="18" charset="0"/>
                                     </a:rPr>
                                     <m:t>𝑑</m:t>
@@ -11150,6 +11234,9 @@
                               </m:sSub>
                               <m:r>
                                 <a:rPr lang="en-GB" i="1">
+                                  <a:solidFill>
+                                    <a:schemeClr val="tx1"/>
+                                  </a:solidFill>
                                   <a:latin typeface="Cambria Math" panose="02040503050406030204" pitchFamily="18" charset="0"/>
                                 </a:rPr>
                                 <m:t>𝑐𝑜𝑠</m:t>
@@ -11159,7 +11246,7 @@
                                   <m:ctrlPr>
                                     <a:rPr lang="en-GB" i="1">
                                       <a:solidFill>
-                                        <a:srgbClr val="836967"/>
+                                        <a:schemeClr val="tx1"/>
                                       </a:solidFill>
                                       <a:latin typeface="Cambria Math" panose="02040503050406030204" pitchFamily="18" charset="0"/>
                                     </a:rPr>
@@ -11168,6 +11255,9 @@
                                 <m:e>
                                   <m:r>
                                     <a:rPr lang="en-GB" i="1">
+                                      <a:solidFill>
+                                        <a:schemeClr val="tx1"/>
+                                      </a:solidFill>
                                       <a:latin typeface="Cambria Math" panose="02040503050406030204" pitchFamily="18" charset="0"/>
                                     </a:rPr>
                                     <m:t>𝑒</m:t>
@@ -11176,6 +11266,9 @@
                                 <m:sub>
                                   <m:r>
                                     <a:rPr lang="en-GB" i="1">
+                                      <a:solidFill>
+                                        <a:schemeClr val="tx1"/>
+                                      </a:solidFill>
                                       <a:latin typeface="Cambria Math" panose="02040503050406030204" pitchFamily="18" charset="0"/>
                                     </a:rPr>
                                     <m:t>𝜃</m:t>
@@ -11184,6 +11277,9 @@
                               </m:sSub>
                               <m:r>
                                 <a:rPr lang="en-GB" i="0">
+                                  <a:solidFill>
+                                    <a:schemeClr val="tx1"/>
+                                  </a:solidFill>
                                   <a:latin typeface="Cambria Math" panose="02040503050406030204" pitchFamily="18" charset="0"/>
                                 </a:rPr>
                                 <m:t>−</m:t>
@@ -11193,7 +11289,7 @@
                                   <m:ctrlPr>
                                     <a:rPr lang="en-GB" i="1">
                                       <a:solidFill>
-                                        <a:srgbClr val="836967"/>
+                                        <a:schemeClr val="tx1"/>
                                       </a:solidFill>
                                       <a:latin typeface="Cambria Math" panose="02040503050406030204" pitchFamily="18" charset="0"/>
                                     </a:rPr>
@@ -11202,6 +11298,9 @@
                                 <m:e>
                                   <m:r>
                                     <a:rPr lang="en-GB" i="1">
+                                      <a:solidFill>
+                                        <a:schemeClr val="tx1"/>
+                                      </a:solidFill>
                                       <a:latin typeface="Cambria Math" panose="02040503050406030204" pitchFamily="18" charset="0"/>
                                     </a:rPr>
                                     <m:t>𝑢</m:t>
@@ -11210,6 +11309,9 @@
                                 <m:sub>
                                   <m:r>
                                     <a:rPr lang="en-GB" i="0">
+                                      <a:solidFill>
+                                        <a:schemeClr val="tx1"/>
+                                      </a:solidFill>
                                       <a:latin typeface="Cambria Math" panose="02040503050406030204" pitchFamily="18" charset="0"/>
                                     </a:rPr>
                                     <m:t>1</m:t>
@@ -11220,18 +11322,27 @@
                             <m:e>
                               <m:r>
                                 <a:rPr lang="en-GB" i="0">
+                                  <a:solidFill>
+                                    <a:schemeClr val="tx1"/>
+                                  </a:solidFill>
                                   <a:latin typeface="Cambria Math" panose="02040503050406030204" pitchFamily="18" charset="0"/>
                                 </a:rPr>
                                 <m:t>&amp;</m:t>
                               </m:r>
                               <m:r>
                                 <a:rPr lang="en-GB" i="1">
+                                  <a:solidFill>
+                                    <a:schemeClr val="tx1"/>
+                                  </a:solidFill>
                                   <a:latin typeface="Cambria Math" panose="02040503050406030204" pitchFamily="18" charset="0"/>
                                 </a:rPr>
                                 <m:t>𝑤</m:t>
                               </m:r>
                               <m:r>
                                 <a:rPr lang="en-GB" i="0">
+                                  <a:solidFill>
+                                    <a:schemeClr val="tx1"/>
+                                  </a:solidFill>
                                   <a:latin typeface="Cambria Math" panose="02040503050406030204" pitchFamily="18" charset="0"/>
                                 </a:rPr>
                                 <m:t>= </m:t>
@@ -11241,7 +11352,7 @@
                                   <m:ctrlPr>
                                     <a:rPr lang="en-GB" i="1">
                                       <a:solidFill>
-                                        <a:srgbClr val="836967"/>
+                                        <a:schemeClr val="tx1"/>
                                       </a:solidFill>
                                       <a:latin typeface="Cambria Math" panose="02040503050406030204" pitchFamily="18" charset="0"/>
                                     </a:rPr>
@@ -11250,6 +11361,9 @@
                                 <m:e>
                                   <m:r>
                                     <a:rPr lang="en-GB" i="1">
+                                      <a:solidFill>
+                                        <a:schemeClr val="tx1"/>
+                                      </a:solidFill>
                                       <a:latin typeface="Cambria Math" panose="02040503050406030204" pitchFamily="18" charset="0"/>
                                     </a:rPr>
                                     <m:t>𝑤</m:t>
@@ -11258,6 +11372,9 @@
                                 <m:sub>
                                   <m:r>
                                     <a:rPr lang="en-GB" i="1">
+                                      <a:solidFill>
+                                        <a:schemeClr val="tx1"/>
+                                      </a:solidFill>
                                       <a:latin typeface="Cambria Math" panose="02040503050406030204" pitchFamily="18" charset="0"/>
                                     </a:rPr>
                                     <m:t>𝑑</m:t>
@@ -11266,6 +11383,9 @@
                               </m:sSub>
                               <m:r>
                                 <a:rPr lang="en-GB" i="0">
+                                  <a:solidFill>
+                                    <a:schemeClr val="tx1"/>
+                                  </a:solidFill>
                                   <a:latin typeface="Cambria Math" panose="02040503050406030204" pitchFamily="18" charset="0"/>
                                 </a:rPr>
                                 <m:t>−</m:t>
@@ -11275,7 +11395,7 @@
                                   <m:ctrlPr>
                                     <a:rPr lang="en-GB" i="1">
                                       <a:solidFill>
-                                        <a:srgbClr val="836967"/>
+                                        <a:schemeClr val="tx1"/>
                                       </a:solidFill>
                                       <a:latin typeface="Cambria Math" panose="02040503050406030204" pitchFamily="18" charset="0"/>
                                     </a:rPr>
@@ -11284,6 +11404,9 @@
                                 <m:e>
                                   <m:r>
                                     <a:rPr lang="en-GB" i="1">
+                                      <a:solidFill>
+                                        <a:schemeClr val="tx1"/>
+                                      </a:solidFill>
                                       <a:latin typeface="Cambria Math" panose="02040503050406030204" pitchFamily="18" charset="0"/>
                                     </a:rPr>
                                     <m:t>𝑢</m:t>
@@ -11292,6 +11415,9 @@
                                 <m:sub>
                                   <m:r>
                                     <a:rPr lang="en-GB" i="0">
+                                      <a:solidFill>
+                                        <a:schemeClr val="tx1"/>
+                                      </a:solidFill>
                                       <a:latin typeface="Cambria Math" panose="02040503050406030204" pitchFamily="18" charset="0"/>
                                     </a:rPr>
                                     <m:t>2</m:t>
@@ -11979,7 +12105,7 @@
               <a:rPr lang="it-IT" sz="6600" b="1" dirty="0">
                 <a:latin typeface="Bahnschrift SemiCondensed" panose="020B0502040204020203" pitchFamily="34" charset="0"/>
               </a:rPr>
-              <a:t>00</a:t>
+              <a:t>90%</a:t>
             </a:r>
             <a:endParaRPr lang="it-IT" sz="7200" b="1" dirty="0">
               <a:latin typeface="Bahnschrift SemiCondensed" panose="020B0502040204020203" pitchFamily="34" charset="0"/>
@@ -12211,7 +12337,7 @@
               <a:rPr lang="it-IT" sz="6600" b="1" dirty="0">
                 <a:latin typeface="Bahnschrift SemiCondensed" panose="020B0502040204020203" pitchFamily="34" charset="0"/>
               </a:rPr>
-              <a:t>000</a:t>
+              <a:t>86.67%</a:t>
             </a:r>
             <a:endParaRPr lang="it-IT" sz="7200" b="1" dirty="0">
               <a:latin typeface="Bahnschrift SemiCondensed" panose="020B0502040204020203" pitchFamily="34" charset="0"/>
@@ -12479,7 +12605,7 @@
               <a:rPr lang="it-IT" sz="6600" b="1" dirty="0">
                 <a:latin typeface="Bahnschrift SemiCondensed" panose="020B0502040204020203" pitchFamily="34" charset="0"/>
               </a:rPr>
-              <a:t>000</a:t>
+              <a:t>0.240</a:t>
             </a:r>
             <a:endParaRPr lang="it-IT" sz="7200" b="1" dirty="0">
               <a:latin typeface="Bahnschrift SemiCondensed" panose="020B0502040204020203" pitchFamily="34" charset="0"/>
@@ -15672,7 +15798,7 @@
                           <m:ctrlPr>
                             <a:rPr lang="en-GB" i="1" smtClean="0">
                               <a:solidFill>
-                                <a:srgbClr val="836967"/>
+                                <a:schemeClr val="tx1"/>
                               </a:solidFill>
                               <a:latin typeface="Cambria Math" panose="02040503050406030204" pitchFamily="18" charset="0"/>
                             </a:rPr>
@@ -15684,7 +15810,7 @@
                               <m:ctrlPr>
                                 <a:rPr lang="en-GB" i="1">
                                   <a:solidFill>
-                                    <a:srgbClr val="836967"/>
+                                    <a:schemeClr val="tx1"/>
                                   </a:solidFill>
                                   <a:latin typeface="Cambria Math" panose="02040503050406030204" pitchFamily="18" charset="0"/>
                                 </a:rPr>
@@ -15693,18 +15819,27 @@
                             <m:e>
                               <m:r>
                                 <a:rPr lang="en-GB">
+                                  <a:solidFill>
+                                    <a:schemeClr val="tx1"/>
+                                  </a:solidFill>
                                   <a:latin typeface="Cambria Math" panose="02040503050406030204" pitchFamily="18" charset="0"/>
                                 </a:rPr>
                                 <m:t>&amp;</m:t>
                               </m:r>
                               <m:r>
                                 <a:rPr lang="en-GB" i="1">
+                                  <a:solidFill>
+                                    <a:schemeClr val="tx1"/>
+                                  </a:solidFill>
                                   <a:latin typeface="Cambria Math" panose="02040503050406030204" pitchFamily="18" charset="0"/>
                                 </a:rPr>
                                 <m:t>𝑣</m:t>
                               </m:r>
                               <m:r>
                                 <a:rPr lang="en-GB" i="0">
+                                  <a:solidFill>
+                                    <a:schemeClr val="tx1"/>
+                                  </a:solidFill>
                                   <a:latin typeface="Cambria Math" panose="02040503050406030204" pitchFamily="18" charset="0"/>
                                 </a:rPr>
                                 <m:t>=</m:t>
@@ -15714,7 +15849,7 @@
                                   <m:ctrlPr>
                                     <a:rPr lang="en-GB" i="1">
                                       <a:solidFill>
-                                        <a:srgbClr val="836967"/>
+                                        <a:schemeClr val="tx1"/>
                                       </a:solidFill>
                                       <a:latin typeface="Cambria Math" panose="02040503050406030204" pitchFamily="18" charset="0"/>
                                     </a:rPr>
@@ -15723,6 +15858,9 @@
                                 <m:e>
                                   <m:r>
                                     <a:rPr lang="en-GB" i="1">
+                                      <a:solidFill>
+                                        <a:schemeClr val="tx1"/>
+                                      </a:solidFill>
                                       <a:latin typeface="Cambria Math" panose="02040503050406030204" pitchFamily="18" charset="0"/>
                                     </a:rPr>
                                     <m:t>𝑣</m:t>
@@ -15731,6 +15869,9 @@
                                 <m:sub>
                                   <m:r>
                                     <a:rPr lang="en-GB" i="1">
+                                      <a:solidFill>
+                                        <a:schemeClr val="tx1"/>
+                                      </a:solidFill>
                                       <a:latin typeface="Cambria Math" panose="02040503050406030204" pitchFamily="18" charset="0"/>
                                     </a:rPr>
                                     <m:t>𝑑</m:t>
@@ -15739,6 +15880,9 @@
                               </m:sSub>
                               <m:r>
                                 <a:rPr lang="en-GB" i="1">
+                                  <a:solidFill>
+                                    <a:schemeClr val="tx1"/>
+                                  </a:solidFill>
                                   <a:latin typeface="Cambria Math" panose="02040503050406030204" pitchFamily="18" charset="0"/>
                                 </a:rPr>
                                 <m:t>𝑐𝑜𝑠</m:t>
@@ -15748,7 +15892,7 @@
                                   <m:ctrlPr>
                                     <a:rPr lang="en-GB" i="1">
                                       <a:solidFill>
-                                        <a:srgbClr val="836967"/>
+                                        <a:schemeClr val="tx1"/>
                                       </a:solidFill>
                                       <a:latin typeface="Cambria Math" panose="02040503050406030204" pitchFamily="18" charset="0"/>
                                     </a:rPr>
@@ -15757,6 +15901,9 @@
                                 <m:e>
                                   <m:r>
                                     <a:rPr lang="en-GB" i="1">
+                                      <a:solidFill>
+                                        <a:schemeClr val="tx1"/>
+                                      </a:solidFill>
                                       <a:latin typeface="Cambria Math" panose="02040503050406030204" pitchFamily="18" charset="0"/>
                                     </a:rPr>
                                     <m:t>𝑒</m:t>
@@ -15765,6 +15912,9 @@
                                 <m:sub>
                                   <m:r>
                                     <a:rPr lang="en-GB" i="1">
+                                      <a:solidFill>
+                                        <a:schemeClr val="tx1"/>
+                                      </a:solidFill>
                                       <a:latin typeface="Cambria Math" panose="02040503050406030204" pitchFamily="18" charset="0"/>
                                     </a:rPr>
                                     <m:t>𝜃</m:t>
@@ -15773,6 +15923,9 @@
                               </m:sSub>
                               <m:r>
                                 <a:rPr lang="en-GB" i="0">
+                                  <a:solidFill>
+                                    <a:schemeClr val="tx1"/>
+                                  </a:solidFill>
                                   <a:latin typeface="Cambria Math" panose="02040503050406030204" pitchFamily="18" charset="0"/>
                                 </a:rPr>
                                 <m:t>−</m:t>
@@ -15782,7 +15935,7 @@
                                   <m:ctrlPr>
                                     <a:rPr lang="en-GB" i="1">
                                       <a:solidFill>
-                                        <a:srgbClr val="836967"/>
+                                        <a:schemeClr val="tx1"/>
                                       </a:solidFill>
                                       <a:latin typeface="Cambria Math" panose="02040503050406030204" pitchFamily="18" charset="0"/>
                                     </a:rPr>
@@ -15791,6 +15944,9 @@
                                 <m:e>
                                   <m:r>
                                     <a:rPr lang="en-GB" i="1">
+                                      <a:solidFill>
+                                        <a:schemeClr val="tx1"/>
+                                      </a:solidFill>
                                       <a:latin typeface="Cambria Math" panose="02040503050406030204" pitchFamily="18" charset="0"/>
                                     </a:rPr>
                                     <m:t>𝑢</m:t>
@@ -15799,6 +15955,9 @@
                                 <m:sub>
                                   <m:r>
                                     <a:rPr lang="en-GB" i="0">
+                                      <a:solidFill>
+                                        <a:schemeClr val="tx1"/>
+                                      </a:solidFill>
                                       <a:latin typeface="Cambria Math" panose="02040503050406030204" pitchFamily="18" charset="0"/>
                                     </a:rPr>
                                     <m:t>1</m:t>
@@ -15809,18 +15968,27 @@
                             <m:e>
                               <m:r>
                                 <a:rPr lang="en-GB" i="0">
+                                  <a:solidFill>
+                                    <a:schemeClr val="tx1"/>
+                                  </a:solidFill>
                                   <a:latin typeface="Cambria Math" panose="02040503050406030204" pitchFamily="18" charset="0"/>
                                 </a:rPr>
                                 <m:t>&amp;</m:t>
                               </m:r>
                               <m:r>
                                 <a:rPr lang="en-GB" i="1">
+                                  <a:solidFill>
+                                    <a:schemeClr val="tx1"/>
+                                  </a:solidFill>
                                   <a:latin typeface="Cambria Math" panose="02040503050406030204" pitchFamily="18" charset="0"/>
                                 </a:rPr>
                                 <m:t>𝑤</m:t>
                               </m:r>
                               <m:r>
                                 <a:rPr lang="en-GB" i="0">
+                                  <a:solidFill>
+                                    <a:schemeClr val="tx1"/>
+                                  </a:solidFill>
                                   <a:latin typeface="Cambria Math" panose="02040503050406030204" pitchFamily="18" charset="0"/>
                                 </a:rPr>
                                 <m:t>= </m:t>
@@ -15830,7 +15998,7 @@
                                   <m:ctrlPr>
                                     <a:rPr lang="en-GB" i="1">
                                       <a:solidFill>
-                                        <a:srgbClr val="836967"/>
+                                        <a:schemeClr val="tx1"/>
                                       </a:solidFill>
                                       <a:latin typeface="Cambria Math" panose="02040503050406030204" pitchFamily="18" charset="0"/>
                                     </a:rPr>
@@ -15839,6 +16007,9 @@
                                 <m:e>
                                   <m:r>
                                     <a:rPr lang="en-GB" i="1">
+                                      <a:solidFill>
+                                        <a:schemeClr val="tx1"/>
+                                      </a:solidFill>
                                       <a:latin typeface="Cambria Math" panose="02040503050406030204" pitchFamily="18" charset="0"/>
                                     </a:rPr>
                                     <m:t>𝑤</m:t>
@@ -15847,6 +16018,9 @@
                                 <m:sub>
                                   <m:r>
                                     <a:rPr lang="en-GB" i="1">
+                                      <a:solidFill>
+                                        <a:schemeClr val="tx1"/>
+                                      </a:solidFill>
                                       <a:latin typeface="Cambria Math" panose="02040503050406030204" pitchFamily="18" charset="0"/>
                                     </a:rPr>
                                     <m:t>𝑑</m:t>
@@ -15855,6 +16029,9 @@
                               </m:sSub>
                               <m:r>
                                 <a:rPr lang="en-GB" i="0">
+                                  <a:solidFill>
+                                    <a:schemeClr val="tx1"/>
+                                  </a:solidFill>
                                   <a:latin typeface="Cambria Math" panose="02040503050406030204" pitchFamily="18" charset="0"/>
                                 </a:rPr>
                                 <m:t>−</m:t>
@@ -15864,7 +16041,7 @@
                                   <m:ctrlPr>
                                     <a:rPr lang="en-GB" i="1">
                                       <a:solidFill>
-                                        <a:srgbClr val="836967"/>
+                                        <a:schemeClr val="tx1"/>
                                       </a:solidFill>
                                       <a:latin typeface="Cambria Math" panose="02040503050406030204" pitchFamily="18" charset="0"/>
                                     </a:rPr>
@@ -15873,6 +16050,9 @@
                                 <m:e>
                                   <m:r>
                                     <a:rPr lang="en-GB" i="1">
+                                      <a:solidFill>
+                                        <a:schemeClr val="tx1"/>
+                                      </a:solidFill>
                                       <a:latin typeface="Cambria Math" panose="02040503050406030204" pitchFamily="18" charset="0"/>
                                     </a:rPr>
                                     <m:t>𝑢</m:t>
@@ -15881,6 +16061,9 @@
                                 <m:sub>
                                   <m:r>
                                     <a:rPr lang="en-GB" i="0">
+                                      <a:solidFill>
+                                        <a:schemeClr val="tx1"/>
+                                      </a:solidFill>
                                       <a:latin typeface="Cambria Math" panose="02040503050406030204" pitchFamily="18" charset="0"/>
                                     </a:rPr>
                                     <m:t>2</m:t>
@@ -16027,7 +16210,7 @@
                           <m:ctrlPr>
                             <a:rPr lang="en-GB" i="1" smtClean="0">
                               <a:solidFill>
-                                <a:srgbClr val="836967"/>
+                                <a:schemeClr val="tx1"/>
                               </a:solidFill>
                               <a:latin typeface="Cambria Math" panose="02040503050406030204" pitchFamily="18" charset="0"/>
                             </a:rPr>
@@ -16036,6 +16219,9 @@
                         <m:e>
                           <m:r>
                             <a:rPr lang="en-GB" i="1">
+                              <a:solidFill>
+                                <a:schemeClr val="tx1"/>
+                              </a:solidFill>
                               <a:latin typeface="Cambria Math" panose="02040503050406030204" pitchFamily="18" charset="0"/>
                             </a:rPr>
                             <m:t>𝐾</m:t>
@@ -16044,6 +16230,9 @@
                         <m:sub>
                           <m:r>
                             <a:rPr lang="en-GB" i="0">
+                              <a:solidFill>
+                                <a:schemeClr val="tx1"/>
+                              </a:solidFill>
                               <a:latin typeface="Cambria Math" panose="02040503050406030204" pitchFamily="18" charset="0"/>
                             </a:rPr>
                             <m:t>1</m:t>
@@ -16052,6 +16241,9 @@
                       </m:sSub>
                       <m:r>
                         <a:rPr lang="en-GB" i="0">
+                          <a:solidFill>
+                            <a:schemeClr val="tx1"/>
+                          </a:solidFill>
                           <a:latin typeface="Cambria Math" panose="02040503050406030204" pitchFamily="18" charset="0"/>
                         </a:rPr>
                         <m:t>=</m:t>
@@ -16061,7 +16253,7 @@
                           <m:ctrlPr>
                             <a:rPr lang="en-GB" i="1">
                               <a:solidFill>
-                                <a:srgbClr val="836967"/>
+                                <a:schemeClr val="tx1"/>
                               </a:solidFill>
                               <a:latin typeface="Cambria Math" panose="02040503050406030204" pitchFamily="18" charset="0"/>
                             </a:rPr>
@@ -16070,6 +16262,9 @@
                         <m:e>
                           <m:r>
                             <a:rPr lang="en-GB" i="1">
+                              <a:solidFill>
+                                <a:schemeClr val="tx1"/>
+                              </a:solidFill>
                               <a:latin typeface="Cambria Math" panose="02040503050406030204" pitchFamily="18" charset="0"/>
                             </a:rPr>
                             <m:t>𝐾</m:t>
@@ -16078,6 +16273,9 @@
                         <m:sub>
                           <m:r>
                             <a:rPr lang="en-GB" i="0">
+                              <a:solidFill>
+                                <a:schemeClr val="tx1"/>
+                              </a:solidFill>
                               <a:latin typeface="Cambria Math" panose="02040503050406030204" pitchFamily="18" charset="0"/>
                             </a:rPr>
                             <m:t>3</m:t>
@@ -16086,12 +16284,18 @@
                       </m:sSub>
                       <m:r>
                         <a:rPr lang="en-GB" i="0">
+                          <a:solidFill>
+                            <a:schemeClr val="tx1"/>
+                          </a:solidFill>
                           <a:latin typeface="Cambria Math" panose="02040503050406030204" pitchFamily="18" charset="0"/>
                         </a:rPr>
                         <m:t>=2</m:t>
                       </m:r>
                       <m:r>
                         <a:rPr lang="en-GB" i="1">
+                          <a:solidFill>
+                            <a:schemeClr val="tx1"/>
+                          </a:solidFill>
                           <a:latin typeface="Cambria Math" panose="02040503050406030204" pitchFamily="18" charset="0"/>
                         </a:rPr>
                         <m:t>𝜀</m:t>
@@ -16102,7 +16306,7 @@
                           <m:ctrlPr>
                             <a:rPr lang="en-GB" i="1">
                               <a:solidFill>
-                                <a:srgbClr val="836967"/>
+                                <a:schemeClr val="tx1"/>
                               </a:solidFill>
                               <a:latin typeface="Cambria Math" panose="02040503050406030204" pitchFamily="18" charset="0"/>
                             </a:rPr>
@@ -16112,6 +16316,9 @@
                         <m:e>
                           <m:r>
                             <a:rPr lang="en-GB" i="1">
+                              <a:solidFill>
+                                <a:schemeClr val="tx1"/>
+                              </a:solidFill>
                               <a:latin typeface="Cambria Math" panose="02040503050406030204" pitchFamily="18" charset="0"/>
                             </a:rPr>
                             <m:t>𝑏</m:t>
@@ -16121,7 +16328,7 @@
                               <m:ctrlPr>
                                 <a:rPr lang="en-GB" i="1">
                                   <a:solidFill>
-                                    <a:srgbClr val="836967"/>
+                                    <a:schemeClr val="tx1"/>
                                   </a:solidFill>
                                   <a:latin typeface="Cambria Math" panose="02040503050406030204" pitchFamily="18" charset="0"/>
                                 </a:rPr>
@@ -16130,6 +16337,9 @@
                             <m:e>
                               <m:r>
                                 <a:rPr lang="en-GB" i="1">
+                                  <a:solidFill>
+                                    <a:schemeClr val="tx1"/>
+                                  </a:solidFill>
                                   <a:latin typeface="Cambria Math" panose="02040503050406030204" pitchFamily="18" charset="0"/>
                                 </a:rPr>
                                 <m:t>𝑣</m:t>
@@ -16138,6 +16348,9 @@
                             <m:sub>
                               <m:r>
                                 <a:rPr lang="en-GB" i="1">
+                                  <a:solidFill>
+                                    <a:schemeClr val="tx1"/>
+                                  </a:solidFill>
                                   <a:latin typeface="Cambria Math" panose="02040503050406030204" pitchFamily="18" charset="0"/>
                                 </a:rPr>
                                 <m:t>𝑑</m:t>
@@ -16146,6 +16359,9 @@
                           </m:sSub>
                           <m:r>
                             <a:rPr lang="en-GB" i="0">
+                              <a:solidFill>
+                                <a:schemeClr val="tx1"/>
+                              </a:solidFill>
                               <a:latin typeface="Cambria Math" panose="02040503050406030204" pitchFamily="18" charset="0"/>
                             </a:rPr>
                             <m:t>+ </m:t>
@@ -16155,7 +16371,7 @@
                               <m:ctrlPr>
                                 <a:rPr lang="en-GB" i="1">
                                   <a:solidFill>
-                                    <a:srgbClr val="836967"/>
+                                    <a:schemeClr val="tx1"/>
                                   </a:solidFill>
                                   <a:latin typeface="Cambria Math" panose="02040503050406030204" pitchFamily="18" charset="0"/>
                                 </a:rPr>
@@ -16164,6 +16380,9 @@
                             <m:e>
                               <m:r>
                                 <a:rPr lang="en-GB" i="1">
+                                  <a:solidFill>
+                                    <a:schemeClr val="tx1"/>
+                                  </a:solidFill>
                                   <a:latin typeface="Cambria Math" panose="02040503050406030204" pitchFamily="18" charset="0"/>
                                 </a:rPr>
                                 <m:t>𝑤</m:t>
@@ -16172,6 +16391,9 @@
                             <m:sub>
                               <m:r>
                                 <a:rPr lang="en-GB" i="1">
+                                  <a:solidFill>
+                                    <a:schemeClr val="tx1"/>
+                                  </a:solidFill>
                                   <a:latin typeface="Cambria Math" panose="02040503050406030204" pitchFamily="18" charset="0"/>
                                 </a:rPr>
                                 <m:t>𝑑</m:t>
@@ -16180,6 +16402,9 @@
                             <m:sup>
                               <m:r>
                                 <a:rPr lang="en-GB" i="0">
+                                  <a:solidFill>
+                                    <a:schemeClr val="tx1"/>
+                                  </a:solidFill>
                                   <a:latin typeface="Cambria Math" panose="02040503050406030204" pitchFamily="18" charset="0"/>
                                 </a:rPr>
                                 <m:t>2</m:t>
@@ -16241,8 +16466,8 @@
           </p:sp>
         </mc:Fallback>
       </mc:AlternateContent>
-      <mc:AlternateContent xmlns:mc="http://schemas.openxmlformats.org/markup-compatibility/2006">
-        <mc:Choice xmlns:a14="http://schemas.microsoft.com/office/drawing/2010/main" Requires="a14">
+      <mc:AlternateContent xmlns:mc="http://schemas.openxmlformats.org/markup-compatibility/2006" xmlns:a14="http://schemas.microsoft.com/office/drawing/2010/main">
+        <mc:Choice Requires="a14">
           <p:sp>
             <p:nvSpPr>
               <p:cNvPr id="21" name="TextBox 20">
@@ -16326,7 +16551,7 @@
             </p:txBody>
           </p:sp>
         </mc:Choice>
-        <mc:Fallback>
+        <mc:Fallback xmlns="">
           <p:sp>
             <p:nvSpPr>
               <p:cNvPr id="21" name="TextBox 20">
@@ -16456,7 +16681,7 @@
                           <m:ctrlPr>
                             <a:rPr lang="en-GB" i="1" smtClean="0">
                               <a:solidFill>
-                                <a:srgbClr val="836967"/>
+                                <a:schemeClr val="tx1"/>
                               </a:solidFill>
                               <a:latin typeface="Cambria Math" panose="02040503050406030204" pitchFamily="18" charset="0"/>
                             </a:rPr>
@@ -16468,7 +16693,7 @@
                               <m:ctrlPr>
                                 <a:rPr lang="en-GB" i="1">
                                   <a:solidFill>
-                                    <a:srgbClr val="836967"/>
+                                    <a:schemeClr val="tx1"/>
                                   </a:solidFill>
                                   <a:latin typeface="Cambria Math" panose="02040503050406030204" pitchFamily="18" charset="0"/>
                                 </a:rPr>
@@ -16477,6 +16702,9 @@
                             <m:e>
                               <m:r>
                                 <a:rPr lang="en-GB">
+                                  <a:solidFill>
+                                    <a:schemeClr val="tx1"/>
+                                  </a:solidFill>
                                   <a:latin typeface="Cambria Math" panose="02040503050406030204" pitchFamily="18" charset="0"/>
                                 </a:rPr>
                                 <m:t>&amp;</m:t>
@@ -16486,7 +16714,7 @@
                                   <m:ctrlPr>
                                     <a:rPr lang="en-GB" i="1">
                                       <a:solidFill>
-                                        <a:srgbClr val="836967"/>
+                                        <a:schemeClr val="tx1"/>
                                       </a:solidFill>
                                       <a:latin typeface="Cambria Math" panose="02040503050406030204" pitchFamily="18" charset="0"/>
                                     </a:rPr>
@@ -16495,6 +16723,9 @@
                                 <m:e>
                                   <m:r>
                                     <a:rPr lang="en-GB" i="1">
+                                      <a:solidFill>
+                                        <a:schemeClr val="tx1"/>
+                                      </a:solidFill>
                                       <a:latin typeface="Cambria Math" panose="02040503050406030204" pitchFamily="18" charset="0"/>
                                     </a:rPr>
                                     <m:t>𝑢</m:t>
@@ -16503,6 +16734,9 @@
                                 <m:sub>
                                   <m:r>
                                     <a:rPr lang="en-GB" i="0">
+                                      <a:solidFill>
+                                        <a:schemeClr val="tx1"/>
+                                      </a:solidFill>
                                       <a:latin typeface="Cambria Math" panose="02040503050406030204" pitchFamily="18" charset="0"/>
                                     </a:rPr>
                                     <m:t>1</m:t>
@@ -16511,6 +16745,9 @@
                               </m:sSub>
                               <m:r>
                                 <a:rPr lang="en-GB" i="0">
+                                  <a:solidFill>
+                                    <a:schemeClr val="tx1"/>
+                                  </a:solidFill>
                                   <a:latin typeface="Cambria Math" panose="02040503050406030204" pitchFamily="18" charset="0"/>
                                 </a:rPr>
                                 <m:t>=</m:t>
@@ -16520,7 +16757,7 @@
                                   <m:ctrlPr>
                                     <a:rPr lang="en-GB" i="1">
                                       <a:solidFill>
-                                        <a:srgbClr val="836967"/>
+                                        <a:schemeClr val="tx1"/>
                                       </a:solidFill>
                                       <a:latin typeface="Cambria Math" panose="02040503050406030204" pitchFamily="18" charset="0"/>
                                     </a:rPr>
@@ -16529,12 +16766,18 @@
                                 <m:e>
                                   <m:r>
                                     <a:rPr lang="en-GB" i="0">
+                                      <a:solidFill>
+                                        <a:schemeClr val="tx1"/>
+                                      </a:solidFill>
                                       <a:latin typeface="Cambria Math" panose="02040503050406030204" pitchFamily="18" charset="0"/>
                                     </a:rPr>
                                     <m:t>−</m:t>
                                   </m:r>
                                   <m:r>
                                     <a:rPr lang="en-GB" i="1">
+                                      <a:solidFill>
+                                        <a:schemeClr val="tx1"/>
+                                      </a:solidFill>
                                       <a:latin typeface="Cambria Math" panose="02040503050406030204" pitchFamily="18" charset="0"/>
                                     </a:rPr>
                                     <m:t>𝐾</m:t>
@@ -16543,6 +16786,9 @@
                                 <m:sub>
                                   <m:r>
                                     <a:rPr lang="en-GB" i="0">
+                                      <a:solidFill>
+                                        <a:schemeClr val="tx1"/>
+                                      </a:solidFill>
                                       <a:latin typeface="Cambria Math" panose="02040503050406030204" pitchFamily="18" charset="0"/>
                                     </a:rPr>
                                     <m:t>1</m:t>
@@ -16554,7 +16800,7 @@
                                   <m:ctrlPr>
                                     <a:rPr lang="en-GB" i="1">
                                       <a:solidFill>
-                                        <a:srgbClr val="836967"/>
+                                        <a:schemeClr val="tx1"/>
                                       </a:solidFill>
                                       <a:latin typeface="Cambria Math" panose="02040503050406030204" pitchFamily="18" charset="0"/>
                                     </a:rPr>
@@ -16563,6 +16809,9 @@
                                 <m:e>
                                   <m:r>
                                     <a:rPr lang="en-GB" i="1">
+                                      <a:solidFill>
+                                        <a:schemeClr val="tx1"/>
+                                      </a:solidFill>
                                       <a:latin typeface="Cambria Math" panose="02040503050406030204" pitchFamily="18" charset="0"/>
                                     </a:rPr>
                                     <m:t>𝑒</m:t>
@@ -16571,6 +16820,9 @@
                                 <m:sub>
                                   <m:r>
                                     <a:rPr lang="en-GB" i="1">
+                                      <a:solidFill>
+                                        <a:schemeClr val="tx1"/>
+                                      </a:solidFill>
                                       <a:latin typeface="Cambria Math" panose="02040503050406030204" pitchFamily="18" charset="0"/>
                                     </a:rPr>
                                     <m:t>𝑥</m:t>
@@ -16581,6 +16833,9 @@
                             <m:e>
                               <m:r>
                                 <a:rPr lang="en-GB" i="0">
+                                  <a:solidFill>
+                                    <a:schemeClr val="tx1"/>
+                                  </a:solidFill>
                                   <a:latin typeface="Cambria Math" panose="02040503050406030204" pitchFamily="18" charset="0"/>
                                 </a:rPr>
                                 <m:t>&amp;</m:t>
@@ -16590,7 +16845,7 @@
                                   <m:ctrlPr>
                                     <a:rPr lang="en-GB" i="1">
                                       <a:solidFill>
-                                        <a:srgbClr val="836967"/>
+                                        <a:schemeClr val="tx1"/>
                                       </a:solidFill>
                                       <a:latin typeface="Cambria Math" panose="02040503050406030204" pitchFamily="18" charset="0"/>
                                     </a:rPr>
@@ -16599,6 +16854,9 @@
                                 <m:e>
                                   <m:r>
                                     <a:rPr lang="en-GB" i="1">
+                                      <a:solidFill>
+                                        <a:schemeClr val="tx1"/>
+                                      </a:solidFill>
                                       <a:latin typeface="Cambria Math" panose="02040503050406030204" pitchFamily="18" charset="0"/>
                                     </a:rPr>
                                     <m:t>𝑢</m:t>
@@ -16607,6 +16865,9 @@
                                 <m:sub>
                                   <m:r>
                                     <a:rPr lang="en-GB" i="0">
+                                      <a:solidFill>
+                                        <a:schemeClr val="tx1"/>
+                                      </a:solidFill>
                                       <a:latin typeface="Cambria Math" panose="02040503050406030204" pitchFamily="18" charset="0"/>
                                     </a:rPr>
                                     <m:t>2</m:t>
@@ -16615,6 +16876,9 @@
                               </m:sSub>
                               <m:r>
                                 <a:rPr lang="en-GB" i="0">
+                                  <a:solidFill>
+                                    <a:schemeClr val="tx1"/>
+                                  </a:solidFill>
                                   <a:latin typeface="Cambria Math" panose="02040503050406030204" pitchFamily="18" charset="0"/>
                                 </a:rPr>
                                 <m:t>=</m:t>
@@ -16624,7 +16888,7 @@
                                   <m:ctrlPr>
                                     <a:rPr lang="en-GB" i="1">
                                       <a:solidFill>
-                                        <a:srgbClr val="836967"/>
+                                        <a:schemeClr val="tx1"/>
                                       </a:solidFill>
                                       <a:latin typeface="Cambria Math" panose="02040503050406030204" pitchFamily="18" charset="0"/>
                                     </a:rPr>
@@ -16633,12 +16897,18 @@
                                 <m:e>
                                   <m:r>
                                     <a:rPr lang="en-GB" i="0">
+                                      <a:solidFill>
+                                        <a:schemeClr val="tx1"/>
+                                      </a:solidFill>
                                       <a:latin typeface="Cambria Math" panose="02040503050406030204" pitchFamily="18" charset="0"/>
                                     </a:rPr>
                                     <m:t>−</m:t>
                                   </m:r>
                                   <m:r>
                                     <a:rPr lang="en-GB" i="1">
+                                      <a:solidFill>
+                                        <a:schemeClr val="tx1"/>
+                                      </a:solidFill>
                                       <a:latin typeface="Cambria Math" panose="02040503050406030204" pitchFamily="18" charset="0"/>
                                     </a:rPr>
                                     <m:t>𝐾</m:t>
@@ -16647,6 +16917,9 @@
                                 <m:sub>
                                   <m:r>
                                     <a:rPr lang="en-GB" i="0">
+                                      <a:solidFill>
+                                        <a:schemeClr val="tx1"/>
+                                      </a:solidFill>
                                       <a:latin typeface="Cambria Math" panose="02040503050406030204" pitchFamily="18" charset="0"/>
                                     </a:rPr>
                                     <m:t>2</m:t>
@@ -16658,7 +16931,7 @@
                                   <m:ctrlPr>
                                     <a:rPr lang="en-GB" i="1">
                                       <a:solidFill>
-                                        <a:srgbClr val="836967"/>
+                                        <a:schemeClr val="tx1"/>
                                       </a:solidFill>
                                       <a:latin typeface="Cambria Math" panose="02040503050406030204" pitchFamily="18" charset="0"/>
                                     </a:rPr>
@@ -16670,7 +16943,7 @@
                                       <m:ctrlPr>
                                         <a:rPr lang="en-GB" i="1">
                                           <a:solidFill>
-                                            <a:srgbClr val="836967"/>
+                                            <a:schemeClr val="tx1"/>
                                           </a:solidFill>
                                           <a:latin typeface="Cambria Math" panose="02040503050406030204" pitchFamily="18" charset="0"/>
                                         </a:rPr>
@@ -16679,6 +16952,9 @@
                                     <m:e>
                                       <m:r>
                                         <a:rPr lang="en-GB" i="1">
+                                          <a:solidFill>
+                                            <a:schemeClr val="tx1"/>
+                                          </a:solidFill>
                                           <a:latin typeface="Cambria Math" panose="02040503050406030204" pitchFamily="18" charset="0"/>
                                         </a:rPr>
                                         <m:t>𝑣</m:t>
@@ -16687,6 +16963,9 @@
                                     <m:sub>
                                       <m:r>
                                         <a:rPr lang="en-GB" i="1">
+                                          <a:solidFill>
+                                            <a:schemeClr val="tx1"/>
+                                          </a:solidFill>
                                           <a:latin typeface="Cambria Math" panose="02040503050406030204" pitchFamily="18" charset="0"/>
                                         </a:rPr>
                                         <m:t>𝑑</m:t>
@@ -16698,7 +16977,7 @@
                                       <m:ctrlPr>
                                         <a:rPr lang="en-GB" i="1">
                                           <a:solidFill>
-                                            <a:srgbClr val="836967"/>
+                                            <a:schemeClr val="tx1"/>
                                           </a:solidFill>
                                           <a:latin typeface="Cambria Math" panose="02040503050406030204" pitchFamily="18" charset="0"/>
                                         </a:rPr>
@@ -16707,12 +16986,18 @@
                                     <m:num>
                                       <m:r>
                                         <a:rPr lang="en-GB" i="1">
+                                          <a:solidFill>
+                                            <a:schemeClr val="tx1"/>
+                                          </a:solidFill>
                                           <a:latin typeface="Cambria Math" panose="02040503050406030204" pitchFamily="18" charset="0"/>
                                         </a:rPr>
                                         <m:t>𝑠𝑖𝑛</m:t>
                                       </m:r>
                                       <m:r>
                                         <a:rPr lang="en-GB" i="0">
+                                          <a:solidFill>
+                                            <a:schemeClr val="tx1"/>
+                                          </a:solidFill>
                                           <a:latin typeface="Cambria Math" panose="02040503050406030204" pitchFamily="18" charset="0"/>
                                         </a:rPr>
                                         <m:t> </m:t>
@@ -16722,7 +17007,7 @@
                                           <m:ctrlPr>
                                             <a:rPr lang="en-GB" i="1">
                                               <a:solidFill>
-                                                <a:srgbClr val="836967"/>
+                                                <a:schemeClr val="tx1"/>
                                               </a:solidFill>
                                               <a:latin typeface="Cambria Math" panose="02040503050406030204" pitchFamily="18" charset="0"/>
                                             </a:rPr>
@@ -16731,6 +17016,9 @@
                                         <m:e>
                                           <m:r>
                                             <a:rPr lang="en-GB" i="1">
+                                              <a:solidFill>
+                                                <a:schemeClr val="tx1"/>
+                                              </a:solidFill>
                                               <a:latin typeface="Cambria Math" panose="02040503050406030204" pitchFamily="18" charset="0"/>
                                             </a:rPr>
                                             <m:t>𝑒</m:t>
@@ -16739,6 +17027,9 @@
                                         <m:sub>
                                           <m:r>
                                             <a:rPr lang="en-GB" i="1">
+                                              <a:solidFill>
+                                                <a:schemeClr val="tx1"/>
+                                              </a:solidFill>
                                               <a:latin typeface="Cambria Math" panose="02040503050406030204" pitchFamily="18" charset="0"/>
                                             </a:rPr>
                                             <m:t>𝜃</m:t>
@@ -16752,7 +17043,7 @@
                                           <m:ctrlPr>
                                             <a:rPr lang="en-GB" i="1">
                                               <a:solidFill>
-                                                <a:srgbClr val="836967"/>
+                                                <a:schemeClr val="tx1"/>
                                               </a:solidFill>
                                               <a:latin typeface="Cambria Math" panose="02040503050406030204" pitchFamily="18" charset="0"/>
                                             </a:rPr>
@@ -16761,6 +17052,9 @@
                                         <m:e>
                                           <m:r>
                                             <a:rPr lang="en-GB" i="1">
+                                              <a:solidFill>
+                                                <a:schemeClr val="tx1"/>
+                                              </a:solidFill>
                                               <a:latin typeface="Cambria Math" panose="02040503050406030204" pitchFamily="18" charset="0"/>
                                             </a:rPr>
                                             <m:t>𝑒</m:t>
@@ -16769,6 +17063,9 @@
                                         <m:sub>
                                           <m:r>
                                             <a:rPr lang="en-GB" i="1">
+                                              <a:solidFill>
+                                                <a:schemeClr val="tx1"/>
+                                              </a:solidFill>
                                               <a:latin typeface="Cambria Math" panose="02040503050406030204" pitchFamily="18" charset="0"/>
                                             </a:rPr>
                                             <m:t>𝜃</m:t>
@@ -16784,7 +17081,7 @@
                                   <m:ctrlPr>
                                     <a:rPr lang="en-GB" i="1">
                                       <a:solidFill>
-                                        <a:srgbClr val="836967"/>
+                                        <a:schemeClr val="tx1"/>
                                       </a:solidFill>
                                       <a:latin typeface="Cambria Math" panose="02040503050406030204" pitchFamily="18" charset="0"/>
                                     </a:rPr>
@@ -16793,6 +17090,9 @@
                                 <m:e>
                                   <m:r>
                                     <a:rPr lang="en-GB" i="1">
+                                      <a:solidFill>
+                                        <a:schemeClr val="tx1"/>
+                                      </a:solidFill>
                                       <a:latin typeface="Cambria Math" panose="02040503050406030204" pitchFamily="18" charset="0"/>
                                     </a:rPr>
                                     <m:t>𝑒</m:t>
@@ -16801,6 +17101,9 @@
                                 <m:sub>
                                   <m:r>
                                     <a:rPr lang="en-GB" i="1">
+                                      <a:solidFill>
+                                        <a:schemeClr val="tx1"/>
+                                      </a:solidFill>
                                       <a:latin typeface="Cambria Math" panose="02040503050406030204" pitchFamily="18" charset="0"/>
                                     </a:rPr>
                                     <m:t>𝑦</m:t>
@@ -16809,6 +17112,9 @@
                               </m:sSub>
                               <m:r>
                                 <a:rPr lang="en-GB" i="0">
+                                  <a:solidFill>
+                                    <a:schemeClr val="tx1"/>
+                                  </a:solidFill>
                                   <a:latin typeface="Cambria Math" panose="02040503050406030204" pitchFamily="18" charset="0"/>
                                 </a:rPr>
                                 <m:t>−</m:t>
@@ -16818,7 +17124,7 @@
                                   <m:ctrlPr>
                                     <a:rPr lang="en-GB" i="1">
                                       <a:solidFill>
-                                        <a:srgbClr val="836967"/>
+                                        <a:schemeClr val="tx1"/>
                                       </a:solidFill>
                                       <a:latin typeface="Cambria Math" panose="02040503050406030204" pitchFamily="18" charset="0"/>
                                     </a:rPr>
@@ -16827,6 +17133,9 @@
                                 <m:e>
                                   <m:r>
                                     <a:rPr lang="en-GB" i="1">
+                                      <a:solidFill>
+                                        <a:schemeClr val="tx1"/>
+                                      </a:solidFill>
                                       <a:latin typeface="Cambria Math" panose="02040503050406030204" pitchFamily="18" charset="0"/>
                                     </a:rPr>
                                     <m:t>𝐾</m:t>
@@ -16835,6 +17144,9 @@
                                 <m:sub>
                                   <m:r>
                                     <a:rPr lang="en-GB" i="0">
+                                      <a:solidFill>
+                                        <a:schemeClr val="tx1"/>
+                                      </a:solidFill>
                                       <a:latin typeface="Cambria Math" panose="02040503050406030204" pitchFamily="18" charset="0"/>
                                     </a:rPr>
                                     <m:t>3</m:t>
@@ -16846,7 +17158,7 @@
                                   <m:ctrlPr>
                                     <a:rPr lang="en-GB" i="1">
                                       <a:solidFill>
-                                        <a:srgbClr val="836967"/>
+                                        <a:schemeClr val="tx1"/>
                                       </a:solidFill>
                                       <a:latin typeface="Cambria Math" panose="02040503050406030204" pitchFamily="18" charset="0"/>
                                     </a:rPr>
@@ -16855,6 +17167,9 @@
                                 <m:e>
                                   <m:r>
                                     <a:rPr lang="en-GB" i="1">
+                                      <a:solidFill>
+                                        <a:schemeClr val="tx1"/>
+                                      </a:solidFill>
                                       <a:latin typeface="Cambria Math" panose="02040503050406030204" pitchFamily="18" charset="0"/>
                                     </a:rPr>
                                     <m:t>𝑒</m:t>
@@ -16863,6 +17178,9 @@
                                 <m:sub>
                                   <m:r>
                                     <a:rPr lang="en-GB" i="1">
+                                      <a:solidFill>
+                                        <a:schemeClr val="tx1"/>
+                                      </a:solidFill>
                                       <a:latin typeface="Cambria Math" panose="02040503050406030204" pitchFamily="18" charset="0"/>
                                     </a:rPr>
                                     <m:t>𝜃</m:t>
@@ -18470,7 +18788,7 @@
               <a:rPr lang="it-IT" sz="6600" b="1" dirty="0">
                 <a:latin typeface="Bahnschrift SemiCondensed" panose="020B0502040204020203" pitchFamily="34" charset="0"/>
               </a:rPr>
-              <a:t>00</a:t>
+              <a:t>100%</a:t>
             </a:r>
             <a:endParaRPr lang="it-IT" sz="7200" b="1" dirty="0">
               <a:latin typeface="Bahnschrift SemiCondensed" panose="020B0502040204020203" pitchFamily="34" charset="0"/>
@@ -18702,7 +19020,7 @@
               <a:rPr lang="it-IT" sz="6600" b="1" dirty="0">
                 <a:latin typeface="Bahnschrift SemiCondensed" panose="020B0502040204020203" pitchFamily="34" charset="0"/>
               </a:rPr>
-              <a:t>000</a:t>
+              <a:t>100%</a:t>
             </a:r>
             <a:endParaRPr lang="it-IT" sz="7200" b="1" dirty="0">
               <a:latin typeface="Bahnschrift SemiCondensed" panose="020B0502040204020203" pitchFamily="34" charset="0"/>
@@ -18958,7 +19276,7 @@
               <a:rPr lang="it-IT" sz="6600" b="1" dirty="0">
                 <a:latin typeface="Bahnschrift SemiCondensed" panose="020B0502040204020203" pitchFamily="34" charset="0"/>
               </a:rPr>
-              <a:t>000</a:t>
+              <a:t>0.235</a:t>
             </a:r>
             <a:endParaRPr lang="it-IT" sz="7200" b="1" dirty="0">
               <a:latin typeface="Bahnschrift SemiCondensed" panose="020B0502040204020203" pitchFamily="34" charset="0"/>
@@ -19016,8 +19334,8 @@
         </p:nvSpPr>
         <p:spPr>
           <a:xfrm>
-            <a:off x="876300" y="381130"/>
-            <a:ext cx="10439401" cy="5816469"/>
+            <a:off x="876300" y="0"/>
+            <a:ext cx="11315700" cy="6858000"/>
           </a:xfrm>
           <a:prstGeom prst="rect">
             <a:avLst/>
@@ -19736,6 +20054,9 @@
           </a:lstStyle>
           <a:p>
             <a:pPr marL="0" indent="0">
+              <a:lnSpc>
+                <a:spcPct val="150000"/>
+              </a:lnSpc>
               <a:buNone/>
             </a:pPr>
             <a:r>
@@ -19755,6 +20076,114 @@
                 <a:latin typeface="Bahnschrift SemiCondensed" panose="020B0502040204020203" pitchFamily="34" charset="0"/>
               </a:rPr>
               <a:t>expect</a:t>
+            </a:r>
+            <a:r>
+              <a:rPr lang="it-IT" sz="2000" dirty="0">
+                <a:latin typeface="Bahnschrift SemiCondensed" panose="020B0502040204020203" pitchFamily="34" charset="0"/>
+              </a:rPr>
+              <a:t> </a:t>
+            </a:r>
+            <a:r>
+              <a:rPr lang="it-IT" sz="2000" b="1" dirty="0" err="1">
+                <a:latin typeface="Bahnschrift SemiCondensed" panose="020B0502040204020203" pitchFamily="34" charset="0"/>
+              </a:rPr>
+              <a:t>smooth</a:t>
+            </a:r>
+            <a:r>
+              <a:rPr lang="it-IT" sz="2000" b="1" dirty="0">
+                <a:latin typeface="Bahnschrift SemiCondensed" panose="020B0502040204020203" pitchFamily="34" charset="0"/>
+              </a:rPr>
+              <a:t> </a:t>
+            </a:r>
+            <a:r>
+              <a:rPr lang="it-IT" sz="2000" b="1" dirty="0" err="1">
+                <a:latin typeface="Bahnschrift SemiCondensed" panose="020B0502040204020203" pitchFamily="34" charset="0"/>
+              </a:rPr>
+              <a:t>trajectory</a:t>
+            </a:r>
+            <a:r>
+              <a:rPr lang="it-IT" sz="2000" b="1" dirty="0">
+                <a:latin typeface="Bahnschrift SemiCondensed" panose="020B0502040204020203" pitchFamily="34" charset="0"/>
+              </a:rPr>
+              <a:t> </a:t>
+            </a:r>
+            <a:r>
+              <a:rPr lang="it-IT" sz="2000" dirty="0">
+                <a:latin typeface="Bahnschrift SemiCondensed" panose="020B0502040204020203" pitchFamily="34" charset="0"/>
+              </a:rPr>
+              <a:t>and tuning </a:t>
+            </a:r>
+            <a:r>
+              <a:rPr lang="it-IT" sz="2000" dirty="0" err="1">
+                <a:latin typeface="Bahnschrift SemiCondensed" panose="020B0502040204020203" pitchFamily="34" charset="0"/>
+              </a:rPr>
+              <a:t>flexibility</a:t>
+            </a:r>
+            <a:r>
+              <a:rPr lang="it-IT" sz="2000" dirty="0">
+                <a:latin typeface="Bahnschrift SemiCondensed" panose="020B0502040204020203" pitchFamily="34" charset="0"/>
+              </a:rPr>
+              <a:t>, </a:t>
+            </a:r>
+            <a:r>
+              <a:rPr lang="it-IT" sz="2000" dirty="0" err="1">
+                <a:latin typeface="Bahnschrift SemiCondensed" panose="020B0502040204020203" pitchFamily="34" charset="0"/>
+              </a:rPr>
+              <a:t>since</a:t>
+            </a:r>
+            <a:r>
+              <a:rPr lang="it-IT" sz="2000" dirty="0">
+                <a:latin typeface="Bahnschrift SemiCondensed" panose="020B0502040204020203" pitchFamily="34" charset="0"/>
+              </a:rPr>
+              <a:t> </a:t>
+            </a:r>
+            <a:r>
+              <a:rPr lang="it-IT" sz="2000" dirty="0" err="1">
+                <a:latin typeface="Bahnschrift SemiCondensed" panose="020B0502040204020203" pitchFamily="34" charset="0"/>
+              </a:rPr>
+              <a:t>we</a:t>
+            </a:r>
+            <a:r>
+              <a:rPr lang="it-IT" sz="2000" dirty="0">
+                <a:latin typeface="Bahnschrift SemiCondensed" panose="020B0502040204020203" pitchFamily="34" charset="0"/>
+              </a:rPr>
+              <a:t> </a:t>
+            </a:r>
+            <a:r>
+              <a:rPr lang="it-IT" sz="2000" dirty="0" err="1">
+                <a:latin typeface="Bahnschrift SemiCondensed" panose="020B0502040204020203" pitchFamily="34" charset="0"/>
+              </a:rPr>
+              <a:t>have</a:t>
+            </a:r>
+            <a:r>
+              <a:rPr lang="it-IT" sz="2000" dirty="0">
+                <a:latin typeface="Bahnschrift SemiCondensed" panose="020B0502040204020203" pitchFamily="34" charset="0"/>
+              </a:rPr>
+              <a:t> </a:t>
+            </a:r>
+            <a:r>
+              <a:rPr lang="it-IT" sz="2000" dirty="0" err="1">
+                <a:latin typeface="Bahnschrift SemiCondensed" panose="020B0502040204020203" pitchFamily="34" charset="0"/>
+              </a:rPr>
+              <a:t>decoupled</a:t>
+            </a:r>
+            <a:r>
+              <a:rPr lang="it-IT" sz="2000" dirty="0">
+                <a:latin typeface="Bahnschrift SemiCondensed" panose="020B0502040204020203" pitchFamily="34" charset="0"/>
+              </a:rPr>
+              <a:t> dynamics and </a:t>
+            </a:r>
+            <a:r>
+              <a:rPr lang="it-IT" sz="2000" dirty="0" err="1">
+                <a:latin typeface="Bahnschrift SemiCondensed" panose="020B0502040204020203" pitchFamily="34" charset="0"/>
+              </a:rPr>
+              <a:t>feedforward</a:t>
+            </a:r>
+            <a:r>
+              <a:rPr lang="it-IT" sz="2000" dirty="0">
+                <a:latin typeface="Bahnschrift SemiCondensed" panose="020B0502040204020203" pitchFamily="34" charset="0"/>
+              </a:rPr>
+              <a:t> action</a:t>
             </a:r>
             <a:endParaRPr lang="it-IT" sz="2000" b="1" dirty="0">
               <a:latin typeface="Bahnschrift SemiCondensed" panose="020B0502040204020203" pitchFamily="34" charset="0"/>
@@ -19904,7 +20333,7 @@
                           <m:ctrlPr>
                             <a:rPr lang="en-GB" i="1" smtClean="0">
                               <a:solidFill>
-                                <a:srgbClr val="836967"/>
+                                <a:schemeClr val="tx1"/>
                               </a:solidFill>
                               <a:latin typeface="Cambria Math" panose="02040503050406030204" pitchFamily="18" charset="0"/>
                             </a:rPr>
@@ -19925,7 +20354,7 @@
                               <m:ctrlPr>
                                 <a:rPr lang="en-GB" i="1">
                                   <a:solidFill>
-                                    <a:srgbClr val="836967"/>
+                                    <a:schemeClr val="tx1"/>
                                   </a:solidFill>
                                   <a:latin typeface="Cambria Math" panose="02040503050406030204" pitchFamily="18" charset="0"/>
                                 </a:rPr>
@@ -19938,7 +20367,7 @@
                                     <m:ctrlPr>
                                       <a:rPr lang="en-GB" i="1">
                                         <a:solidFill>
-                                          <a:srgbClr val="836967"/>
+                                          <a:schemeClr val="tx1"/>
                                         </a:solidFill>
                                         <a:latin typeface="Cambria Math" panose="02040503050406030204" pitchFamily="18" charset="0"/>
                                       </a:rPr>
@@ -19947,6 +20376,9 @@
                                   <m:e>
                                     <m:r>
                                       <a:rPr lang="en-GB" i="1">
+                                        <a:solidFill>
+                                          <a:schemeClr val="tx1"/>
+                                        </a:solidFill>
                                         <a:latin typeface="Cambria Math" panose="02040503050406030204" pitchFamily="18" charset="0"/>
                                       </a:rPr>
                                       <m:t>𝑢</m:t>
@@ -19955,6 +20387,9 @@
                                   <m:sub>
                                     <m:r>
                                       <a:rPr lang="en-GB" i="0">
+                                        <a:solidFill>
+                                          <a:schemeClr val="tx1"/>
+                                        </a:solidFill>
                                         <a:latin typeface="Cambria Math" panose="02040503050406030204" pitchFamily="18" charset="0"/>
                                       </a:rPr>
                                       <m:t>1</m:t>
@@ -19970,7 +20405,7 @@
                                     <m:ctrlPr>
                                       <a:rPr lang="en-GB" i="1">
                                         <a:solidFill>
-                                          <a:srgbClr val="836967"/>
+                                          <a:schemeClr val="tx1"/>
                                         </a:solidFill>
                                         <a:latin typeface="Cambria Math" panose="02040503050406030204" pitchFamily="18" charset="0"/>
                                       </a:rPr>
@@ -19979,6 +20414,9 @@
                                   <m:e>
                                     <m:r>
                                       <a:rPr lang="en-GB" i="1">
+                                        <a:solidFill>
+                                          <a:schemeClr val="tx1"/>
+                                        </a:solidFill>
                                         <a:latin typeface="Cambria Math" panose="02040503050406030204" pitchFamily="18" charset="0"/>
                                       </a:rPr>
                                       <m:t>𝑢</m:t>
@@ -19987,6 +20425,9 @@
                                   <m:sub>
                                     <m:r>
                                       <a:rPr lang="en-GB" i="0">
+                                        <a:solidFill>
+                                          <a:schemeClr val="tx1"/>
+                                        </a:solidFill>
                                         <a:latin typeface="Cambria Math" panose="02040503050406030204" pitchFamily="18" charset="0"/>
                                       </a:rPr>
                                       <m:t>2</m:t>
@@ -20000,6 +20441,9 @@
                       </m:d>
                       <m:r>
                         <a:rPr lang="en-GB" i="0">
+                          <a:solidFill>
+                            <a:schemeClr val="tx1"/>
+                          </a:solidFill>
                           <a:latin typeface="Cambria Math" panose="02040503050406030204" pitchFamily="18" charset="0"/>
                         </a:rPr>
                         <m:t>=</m:t>
@@ -20011,7 +20455,7 @@
                           <m:ctrlPr>
                             <a:rPr lang="en-GB" i="1">
                               <a:solidFill>
-                                <a:srgbClr val="836967"/>
+                                <a:schemeClr val="tx1"/>
                               </a:solidFill>
                               <a:latin typeface="Cambria Math" panose="02040503050406030204" pitchFamily="18" charset="0"/>
                             </a:rPr>
@@ -20032,7 +20476,7 @@
                               <m:ctrlPr>
                                 <a:rPr lang="en-GB" i="1">
                                   <a:solidFill>
-                                    <a:srgbClr val="836967"/>
+                                    <a:schemeClr val="tx1"/>
                                   </a:solidFill>
                                   <a:latin typeface="Cambria Math" panose="02040503050406030204" pitchFamily="18" charset="0"/>
                                 </a:rPr>
@@ -20045,7 +20489,7 @@
                                     <m:ctrlPr>
                                       <a:rPr lang="en-GB" i="1">
                                         <a:solidFill>
-                                          <a:srgbClr val="836967"/>
+                                          <a:schemeClr val="tx1"/>
                                         </a:solidFill>
                                         <a:latin typeface="Cambria Math" panose="02040503050406030204" pitchFamily="18" charset="0"/>
                                       </a:rPr>
@@ -20054,6 +20498,9 @@
                                   <m:e>
                                     <m:r>
                                       <a:rPr lang="en-GB" i="1">
+                                        <a:solidFill>
+                                          <a:schemeClr val="tx1"/>
+                                        </a:solidFill>
                                         <a:latin typeface="Cambria Math" panose="02040503050406030204" pitchFamily="18" charset="0"/>
                                       </a:rPr>
                                       <m:t>𝐾</m:t>
@@ -20062,6 +20509,9 @@
                                   <m:sub>
                                     <m:r>
                                       <a:rPr lang="en-GB" i="0">
+                                        <a:solidFill>
+                                          <a:schemeClr val="tx1"/>
+                                        </a:solidFill>
                                         <a:latin typeface="Cambria Math" panose="02040503050406030204" pitchFamily="18" charset="0"/>
                                       </a:rPr>
                                       <m:t>1</m:t>
@@ -20072,6 +20522,9 @@
                               <m:e>
                                 <m:r>
                                   <a:rPr lang="en-GB" i="0">
+                                    <a:solidFill>
+                                      <a:schemeClr val="tx1"/>
+                                    </a:solidFill>
                                     <a:latin typeface="Cambria Math" panose="02040503050406030204" pitchFamily="18" charset="0"/>
                                   </a:rPr>
                                   <m:t>0</m:t>
@@ -20082,6 +20535,9 @@
                               <m:e>
                                 <m:r>
                                   <a:rPr lang="en-GB" i="0">
+                                    <a:solidFill>
+                                      <a:schemeClr val="tx1"/>
+                                    </a:solidFill>
                                     <a:latin typeface="Cambria Math" panose="02040503050406030204" pitchFamily="18" charset="0"/>
                                   </a:rPr>
                                   <m:t>0</m:t>
@@ -20093,7 +20549,7 @@
                                     <m:ctrlPr>
                                       <a:rPr lang="en-GB" i="1">
                                         <a:solidFill>
-                                          <a:srgbClr val="836967"/>
+                                          <a:schemeClr val="tx1"/>
                                         </a:solidFill>
                                         <a:latin typeface="Cambria Math" panose="02040503050406030204" pitchFamily="18" charset="0"/>
                                       </a:rPr>
@@ -20102,6 +20558,9 @@
                                   <m:e>
                                     <m:r>
                                       <a:rPr lang="en-GB" i="1">
+                                        <a:solidFill>
+                                          <a:schemeClr val="tx1"/>
+                                        </a:solidFill>
                                         <a:latin typeface="Cambria Math" panose="02040503050406030204" pitchFamily="18" charset="0"/>
                                       </a:rPr>
                                       <m:t>𝐾</m:t>
@@ -20110,6 +20569,9 @@
                                   <m:sub>
                                     <m:r>
                                       <a:rPr lang="en-GB" i="0">
+                                        <a:solidFill>
+                                          <a:schemeClr val="tx1"/>
+                                        </a:solidFill>
                                         <a:latin typeface="Cambria Math" panose="02040503050406030204" pitchFamily="18" charset="0"/>
                                       </a:rPr>
                                       <m:t>2</m:t>
@@ -20128,7 +20590,7 @@
                           <m:ctrlPr>
                             <a:rPr lang="en-GB" i="1">
                               <a:solidFill>
-                                <a:srgbClr val="836967"/>
+                                <a:schemeClr val="tx1"/>
                               </a:solidFill>
                               <a:latin typeface="Cambria Math" panose="02040503050406030204" pitchFamily="18" charset="0"/>
                             </a:rPr>
@@ -20149,7 +20611,7 @@
                               <m:ctrlPr>
                                 <a:rPr lang="en-GB" i="1">
                                   <a:solidFill>
-                                    <a:srgbClr val="836967"/>
+                                    <a:schemeClr val="tx1"/>
                                   </a:solidFill>
                                   <a:latin typeface="Cambria Math" panose="02040503050406030204" pitchFamily="18" charset="0"/>
                                 </a:rPr>
@@ -20162,7 +20624,7 @@
                                     <m:ctrlPr>
                                       <a:rPr lang="en-GB" i="1">
                                         <a:solidFill>
-                                          <a:srgbClr val="836967"/>
+                                          <a:schemeClr val="tx1"/>
                                         </a:solidFill>
                                         <a:latin typeface="Cambria Math" panose="02040503050406030204" pitchFamily="18" charset="0"/>
                                       </a:rPr>
@@ -20171,6 +20633,9 @@
                                   <m:e>
                                     <m:r>
                                       <a:rPr lang="en-GB" i="1">
+                                        <a:solidFill>
+                                          <a:schemeClr val="tx1"/>
+                                        </a:solidFill>
                                         <a:latin typeface="Cambria Math" panose="02040503050406030204" pitchFamily="18" charset="0"/>
                                       </a:rPr>
                                       <m:t>𝑥</m:t>
@@ -20179,18 +20644,27 @@
                                   <m:sub>
                                     <m:r>
                                       <a:rPr lang="en-GB" i="1">
+                                        <a:solidFill>
+                                          <a:schemeClr val="tx1"/>
+                                        </a:solidFill>
                                         <a:latin typeface="Cambria Math" panose="02040503050406030204" pitchFamily="18" charset="0"/>
                                       </a:rPr>
                                       <m:t>𝐵</m:t>
                                     </m:r>
                                     <m:r>
                                       <a:rPr lang="en-GB" i="0">
+                                        <a:solidFill>
+                                          <a:schemeClr val="tx1"/>
+                                        </a:solidFill>
                                         <a:latin typeface="Cambria Math" panose="02040503050406030204" pitchFamily="18" charset="0"/>
                                       </a:rPr>
                                       <m:t>,</m:t>
                                     </m:r>
                                     <m:r>
                                       <a:rPr lang="en-GB" i="1">
+                                        <a:solidFill>
+                                          <a:schemeClr val="tx1"/>
+                                        </a:solidFill>
                                         <a:latin typeface="Cambria Math" panose="02040503050406030204" pitchFamily="18" charset="0"/>
                                       </a:rPr>
                                       <m:t>𝑑</m:t>
@@ -20199,12 +20673,18 @@
                                 </m:sSub>
                                 <m:r>
                                   <a:rPr lang="en-GB" i="0">
+                                    <a:solidFill>
+                                      <a:schemeClr val="tx1"/>
+                                    </a:solidFill>
                                     <a:latin typeface="Cambria Math" panose="02040503050406030204" pitchFamily="18" charset="0"/>
                                   </a:rPr>
                                   <m:t>−</m:t>
                                 </m:r>
                                 <m:r>
                                   <a:rPr lang="en-GB" i="1">
+                                    <a:solidFill>
+                                      <a:schemeClr val="tx1"/>
+                                    </a:solidFill>
                                     <a:latin typeface="Cambria Math" panose="02040503050406030204" pitchFamily="18" charset="0"/>
                                   </a:rPr>
                                   <m:t>𝑥</m:t>
@@ -20218,7 +20698,7 @@
                                     <m:ctrlPr>
                                       <a:rPr lang="en-GB" i="1">
                                         <a:solidFill>
-                                          <a:srgbClr val="836967"/>
+                                          <a:schemeClr val="tx1"/>
                                         </a:solidFill>
                                         <a:latin typeface="Cambria Math" panose="02040503050406030204" pitchFamily="18" charset="0"/>
                                       </a:rPr>
@@ -20227,6 +20707,9 @@
                                   <m:e>
                                     <m:r>
                                       <a:rPr lang="en-GB" i="1">
+                                        <a:solidFill>
+                                          <a:schemeClr val="tx1"/>
+                                        </a:solidFill>
                                         <a:latin typeface="Cambria Math" panose="02040503050406030204" pitchFamily="18" charset="0"/>
                                       </a:rPr>
                                       <m:t>𝑦</m:t>
@@ -20235,18 +20718,27 @@
                                   <m:sub>
                                     <m:r>
                                       <a:rPr lang="en-GB" i="1">
+                                        <a:solidFill>
+                                          <a:schemeClr val="tx1"/>
+                                        </a:solidFill>
                                         <a:latin typeface="Cambria Math" panose="02040503050406030204" pitchFamily="18" charset="0"/>
                                       </a:rPr>
                                       <m:t>𝐵</m:t>
                                     </m:r>
                                     <m:r>
                                       <a:rPr lang="en-GB" i="0">
+                                        <a:solidFill>
+                                          <a:schemeClr val="tx1"/>
+                                        </a:solidFill>
                                         <a:latin typeface="Cambria Math" panose="02040503050406030204" pitchFamily="18" charset="0"/>
                                       </a:rPr>
                                       <m:t>,</m:t>
                                     </m:r>
                                     <m:r>
                                       <a:rPr lang="en-GB" i="1">
+                                        <a:solidFill>
+                                          <a:schemeClr val="tx1"/>
+                                        </a:solidFill>
                                         <a:latin typeface="Cambria Math" panose="02040503050406030204" pitchFamily="18" charset="0"/>
                                       </a:rPr>
                                       <m:t>𝑑</m:t>
@@ -20255,12 +20747,18 @@
                                 </m:sSub>
                                 <m:r>
                                   <a:rPr lang="en-GB" i="0">
+                                    <a:solidFill>
+                                      <a:schemeClr val="tx1"/>
+                                    </a:solidFill>
                                     <a:latin typeface="Cambria Math" panose="02040503050406030204" pitchFamily="18" charset="0"/>
                                   </a:rPr>
                                   <m:t>−</m:t>
                                 </m:r>
                                 <m:r>
                                   <a:rPr lang="en-GB" i="1">
+                                    <a:solidFill>
+                                      <a:schemeClr val="tx1"/>
+                                    </a:solidFill>
                                     <a:latin typeface="Cambria Math" panose="02040503050406030204" pitchFamily="18" charset="0"/>
                                   </a:rPr>
                                   <m:t>𝑦</m:t>
@@ -20272,6 +20770,9 @@
                       </m:d>
                       <m:r>
                         <a:rPr lang="en-GB" i="0">
+                          <a:solidFill>
+                            <a:schemeClr val="tx1"/>
+                          </a:solidFill>
                           <a:latin typeface="Cambria Math" panose="02040503050406030204" pitchFamily="18" charset="0"/>
                         </a:rPr>
                         <m:t>+ </m:t>
@@ -20283,7 +20784,7 @@
                           <m:ctrlPr>
                             <a:rPr lang="en-GB" i="1">
                               <a:solidFill>
-                                <a:srgbClr val="836967"/>
+                                <a:schemeClr val="tx1"/>
                               </a:solidFill>
                               <a:latin typeface="Cambria Math" panose="02040503050406030204" pitchFamily="18" charset="0"/>
                             </a:rPr>
@@ -20304,7 +20805,7 @@
                               <m:ctrlPr>
                                 <a:rPr lang="en-GB" i="1">
                                   <a:solidFill>
-                                    <a:srgbClr val="836967"/>
+                                    <a:schemeClr val="tx1"/>
                                   </a:solidFill>
                                   <a:latin typeface="Cambria Math" panose="02040503050406030204" pitchFamily="18" charset="0"/>
                                 </a:rPr>
@@ -20317,7 +20818,7 @@
                                     <m:ctrlPr>
                                       <a:rPr lang="en-GB" i="1">
                                         <a:solidFill>
-                                          <a:srgbClr val="836967"/>
+                                          <a:schemeClr val="tx1"/>
                                         </a:solidFill>
                                         <a:latin typeface="Cambria Math" panose="02040503050406030204" pitchFamily="18" charset="0"/>
                                       </a:rPr>
@@ -20330,7 +20831,7 @@
                                         <m:ctrlPr>
                                           <a:rPr lang="en-GB" i="1">
                                             <a:solidFill>
-                                              <a:srgbClr val="836967"/>
+                                              <a:schemeClr val="tx1"/>
                                             </a:solidFill>
                                             <a:latin typeface="Cambria Math" panose="02040503050406030204" pitchFamily="18" charset="0"/>
                                           </a:rPr>
@@ -20339,6 +20840,9 @@
                                       <m:e>
                                         <m:r>
                                           <a:rPr lang="en-GB" i="1">
+                                            <a:solidFill>
+                                              <a:schemeClr val="tx1"/>
+                                            </a:solidFill>
                                             <a:latin typeface="Cambria Math" panose="02040503050406030204" pitchFamily="18" charset="0"/>
                                           </a:rPr>
                                           <m:t>𝑥</m:t>
@@ -20349,18 +20853,27 @@
                                   <m:sub>
                                     <m:r>
                                       <a:rPr lang="en-GB" i="1">
+                                        <a:solidFill>
+                                          <a:schemeClr val="tx1"/>
+                                        </a:solidFill>
                                         <a:latin typeface="Cambria Math" panose="02040503050406030204" pitchFamily="18" charset="0"/>
                                       </a:rPr>
                                       <m:t>𝐵</m:t>
                                     </m:r>
                                     <m:r>
                                       <a:rPr lang="en-GB" i="0">
+                                        <a:solidFill>
+                                          <a:schemeClr val="tx1"/>
+                                        </a:solidFill>
                                         <a:latin typeface="Cambria Math" panose="02040503050406030204" pitchFamily="18" charset="0"/>
                                       </a:rPr>
                                       <m:t>,</m:t>
                                     </m:r>
                                     <m:r>
                                       <a:rPr lang="en-GB" i="1">
+                                        <a:solidFill>
+                                          <a:schemeClr val="tx1"/>
+                                        </a:solidFill>
                                         <a:latin typeface="Cambria Math" panose="02040503050406030204" pitchFamily="18" charset="0"/>
                                       </a:rPr>
                                       <m:t>𝑑</m:t>
@@ -20376,7 +20889,7 @@
                                     <m:ctrlPr>
                                       <a:rPr lang="en-GB" i="1">
                                         <a:solidFill>
-                                          <a:srgbClr val="836967"/>
+                                          <a:schemeClr val="tx1"/>
                                         </a:solidFill>
                                         <a:latin typeface="Cambria Math" panose="02040503050406030204" pitchFamily="18" charset="0"/>
                                       </a:rPr>
@@ -20389,7 +20902,7 @@
                                         <m:ctrlPr>
                                           <a:rPr lang="en-GB" i="1">
                                             <a:solidFill>
-                                              <a:srgbClr val="836967"/>
+                                              <a:schemeClr val="tx1"/>
                                             </a:solidFill>
                                             <a:latin typeface="Cambria Math" panose="02040503050406030204" pitchFamily="18" charset="0"/>
                                           </a:rPr>
@@ -20398,6 +20911,9 @@
                                       <m:e>
                                         <m:r>
                                           <a:rPr lang="en-GB" i="1">
+                                            <a:solidFill>
+                                              <a:schemeClr val="tx1"/>
+                                            </a:solidFill>
                                             <a:latin typeface="Cambria Math" panose="02040503050406030204" pitchFamily="18" charset="0"/>
                                           </a:rPr>
                                           <m:t>𝑦</m:t>
@@ -20408,18 +20924,27 @@
                                   <m:sub>
                                     <m:r>
                                       <a:rPr lang="en-GB" i="1">
+                                        <a:solidFill>
+                                          <a:schemeClr val="tx1"/>
+                                        </a:solidFill>
                                         <a:latin typeface="Cambria Math" panose="02040503050406030204" pitchFamily="18" charset="0"/>
                                       </a:rPr>
                                       <m:t>𝐵</m:t>
                                     </m:r>
                                     <m:r>
                                       <a:rPr lang="en-GB" i="0">
+                                        <a:solidFill>
+                                          <a:schemeClr val="tx1"/>
+                                        </a:solidFill>
                                         <a:latin typeface="Cambria Math" panose="02040503050406030204" pitchFamily="18" charset="0"/>
                                       </a:rPr>
                                       <m:t>,</m:t>
                                     </m:r>
                                     <m:r>
                                       <a:rPr lang="en-GB" i="1">
+                                        <a:solidFill>
+                                          <a:schemeClr val="tx1"/>
+                                        </a:solidFill>
                                         <a:latin typeface="Cambria Math" panose="02040503050406030204" pitchFamily="18" charset="0"/>
                                       </a:rPr>
                                       <m:t>𝑑</m:t>
@@ -20434,7 +20959,11 @@
                     </m:oMath>
                   </m:oMathPara>
                 </a14:m>
-                <a:endParaRPr lang="en-GB" dirty="0"/>
+                <a:endParaRPr lang="en-GB" dirty="0">
+                  <a:solidFill>
+                    <a:schemeClr val="tx1"/>
+                  </a:solidFill>
+                </a:endParaRPr>
               </a:p>
             </p:txBody>
           </p:sp>
@@ -20528,7 +21057,7 @@
                           <m:ctrlPr>
                             <a:rPr lang="en-GB" i="1" smtClean="0">
                               <a:solidFill>
-                                <a:srgbClr val="836967"/>
+                                <a:schemeClr val="tx1"/>
                               </a:solidFill>
                               <a:latin typeface="Cambria Math" panose="02040503050406030204" pitchFamily="18" charset="0"/>
                             </a:rPr>
@@ -20540,7 +21069,7 @@
                               <m:ctrlPr>
                                 <a:rPr lang="en-GB" i="1">
                                   <a:solidFill>
-                                    <a:srgbClr val="836967"/>
+                                    <a:schemeClr val="tx1"/>
                                   </a:solidFill>
                                   <a:latin typeface="Cambria Math" panose="02040503050406030204" pitchFamily="18" charset="0"/>
                                 </a:rPr>
@@ -20549,6 +21078,9 @@
                             <m:e>
                               <m:r>
                                 <a:rPr lang="en-GB">
+                                  <a:solidFill>
+                                    <a:schemeClr val="tx1"/>
+                                  </a:solidFill>
                                   <a:latin typeface="Cambria Math" panose="02040503050406030204" pitchFamily="18" charset="0"/>
                                 </a:rPr>
                                 <m:t>&amp;</m:t>
@@ -20558,7 +21090,7 @@
                                   <m:ctrlPr>
                                     <a:rPr lang="en-GB" i="1">
                                       <a:solidFill>
-                                        <a:srgbClr val="836967"/>
+                                        <a:schemeClr val="tx1"/>
                                       </a:solidFill>
                                       <a:latin typeface="Cambria Math" panose="02040503050406030204" pitchFamily="18" charset="0"/>
                                     </a:rPr>
@@ -20567,6 +21099,9 @@
                                 <m:e>
                                   <m:r>
                                     <a:rPr lang="en-GB" i="1">
+                                      <a:solidFill>
+                                        <a:schemeClr val="tx1"/>
+                                      </a:solidFill>
                                       <a:latin typeface="Cambria Math" panose="02040503050406030204" pitchFamily="18" charset="0"/>
                                     </a:rPr>
                                     <m:t>𝑥</m:t>
@@ -20575,6 +21110,9 @@
                                 <m:sub>
                                   <m:r>
                                     <a:rPr lang="en-GB" i="1">
+                                      <a:solidFill>
+                                        <a:schemeClr val="tx1"/>
+                                      </a:solidFill>
                                       <a:latin typeface="Cambria Math" panose="02040503050406030204" pitchFamily="18" charset="0"/>
                                     </a:rPr>
                                     <m:t>𝐵</m:t>
@@ -20583,24 +21121,36 @@
                               </m:sSub>
                               <m:r>
                                 <a:rPr lang="en-GB" i="0">
+                                  <a:solidFill>
+                                    <a:schemeClr val="tx1"/>
+                                  </a:solidFill>
                                   <a:latin typeface="Cambria Math" panose="02040503050406030204" pitchFamily="18" charset="0"/>
                                 </a:rPr>
                                 <m:t>=</m:t>
                               </m:r>
                               <m:r>
                                 <a:rPr lang="en-GB" i="1">
+                                  <a:solidFill>
+                                    <a:schemeClr val="tx1"/>
+                                  </a:solidFill>
                                   <a:latin typeface="Cambria Math" panose="02040503050406030204" pitchFamily="18" charset="0"/>
                                 </a:rPr>
                                 <m:t>𝑥</m:t>
                               </m:r>
                               <m:r>
                                 <a:rPr lang="en-GB" i="0">
+                                  <a:solidFill>
+                                    <a:schemeClr val="tx1"/>
+                                  </a:solidFill>
                                   <a:latin typeface="Cambria Math" panose="02040503050406030204" pitchFamily="18" charset="0"/>
                                 </a:rPr>
                                 <m:t>+</m:t>
                               </m:r>
                               <m:r>
                                 <a:rPr lang="en-GB" i="1">
+                                  <a:solidFill>
+                                    <a:schemeClr val="tx1"/>
+                                  </a:solidFill>
                                   <a:latin typeface="Cambria Math" panose="02040503050406030204" pitchFamily="18" charset="0"/>
                                 </a:rPr>
                                 <m:t>𝑏</m:t>
@@ -20609,6 +21159,9 @@
                                 <m:funcPr>
                                   <m:ctrlPr>
                                     <a:rPr lang="en-GB" i="1">
+                                      <a:solidFill>
+                                        <a:schemeClr val="tx1"/>
+                                      </a:solidFill>
                                       <a:latin typeface="Cambria Math" panose="02040503050406030204" pitchFamily="18" charset="0"/>
                                     </a:rPr>
                                   </m:ctrlPr>
@@ -20619,6 +21172,9 @@
                                       <m:sty m:val="p"/>
                                     </m:rPr>
                                     <a:rPr lang="en-GB" i="0">
+                                      <a:solidFill>
+                                        <a:schemeClr val="tx1"/>
+                                      </a:solidFill>
                                       <a:latin typeface="Cambria Math" panose="02040503050406030204" pitchFamily="18" charset="0"/>
                                     </a:rPr>
                                     <m:t>cos</m:t>
@@ -20627,6 +21183,9 @@
                                 <m:e>
                                   <m:r>
                                     <a:rPr lang="en-GB" i="1">
+                                      <a:solidFill>
+                                        <a:schemeClr val="tx1"/>
+                                      </a:solidFill>
                                       <a:latin typeface="Cambria Math" panose="02040503050406030204" pitchFamily="18" charset="0"/>
                                     </a:rPr>
                                     <m:t>𝜃</m:t>
@@ -20637,6 +21196,9 @@
                             <m:e>
                               <m:r>
                                 <a:rPr lang="en-GB" i="0">
+                                  <a:solidFill>
+                                    <a:schemeClr val="tx1"/>
+                                  </a:solidFill>
                                   <a:latin typeface="Cambria Math" panose="02040503050406030204" pitchFamily="18" charset="0"/>
                                 </a:rPr>
                                 <m:t>&amp;</m:t>
@@ -20646,7 +21208,7 @@
                                   <m:ctrlPr>
                                     <a:rPr lang="en-GB" i="1">
                                       <a:solidFill>
-                                        <a:srgbClr val="836967"/>
+                                        <a:schemeClr val="tx1"/>
                                       </a:solidFill>
                                       <a:latin typeface="Cambria Math" panose="02040503050406030204" pitchFamily="18" charset="0"/>
                                     </a:rPr>
@@ -20655,6 +21217,9 @@
                                 <m:e>
                                   <m:r>
                                     <a:rPr lang="en-GB" i="1">
+                                      <a:solidFill>
+                                        <a:schemeClr val="tx1"/>
+                                      </a:solidFill>
                                       <a:latin typeface="Cambria Math" panose="02040503050406030204" pitchFamily="18" charset="0"/>
                                     </a:rPr>
                                     <m:t>𝑦</m:t>
@@ -20663,6 +21228,9 @@
                                 <m:sub>
                                   <m:r>
                                     <a:rPr lang="en-GB" i="1">
+                                      <a:solidFill>
+                                        <a:schemeClr val="tx1"/>
+                                      </a:solidFill>
                                       <a:latin typeface="Cambria Math" panose="02040503050406030204" pitchFamily="18" charset="0"/>
                                     </a:rPr>
                                     <m:t>𝐵</m:t>
@@ -20671,24 +21239,36 @@
                               </m:sSub>
                               <m:r>
                                 <a:rPr lang="en-GB" i="0">
+                                  <a:solidFill>
+                                    <a:schemeClr val="tx1"/>
+                                  </a:solidFill>
                                   <a:latin typeface="Cambria Math" panose="02040503050406030204" pitchFamily="18" charset="0"/>
                                 </a:rPr>
                                 <m:t>= </m:t>
                               </m:r>
                               <m:r>
                                 <a:rPr lang="en-GB" i="1">
+                                  <a:solidFill>
+                                    <a:schemeClr val="tx1"/>
+                                  </a:solidFill>
                                   <a:latin typeface="Cambria Math" panose="02040503050406030204" pitchFamily="18" charset="0"/>
                                 </a:rPr>
                                 <m:t>𝑦</m:t>
                               </m:r>
                               <m:r>
                                 <a:rPr lang="en-GB" i="0">
+                                  <a:solidFill>
+                                    <a:schemeClr val="tx1"/>
+                                  </a:solidFill>
                                   <a:latin typeface="Cambria Math" panose="02040503050406030204" pitchFamily="18" charset="0"/>
                                 </a:rPr>
                                 <m:t>+</m:t>
                               </m:r>
                               <m:r>
                                 <a:rPr lang="en-GB" i="1">
+                                  <a:solidFill>
+                                    <a:schemeClr val="tx1"/>
+                                  </a:solidFill>
                                   <a:latin typeface="Cambria Math" panose="02040503050406030204" pitchFamily="18" charset="0"/>
                                 </a:rPr>
                                 <m:t>𝑏</m:t>
@@ -20697,6 +21277,9 @@
                                 <m:funcPr>
                                   <m:ctrlPr>
                                     <a:rPr lang="en-GB" i="1">
+                                      <a:solidFill>
+                                        <a:schemeClr val="tx1"/>
+                                      </a:solidFill>
                                       <a:latin typeface="Cambria Math" panose="02040503050406030204" pitchFamily="18" charset="0"/>
                                     </a:rPr>
                                   </m:ctrlPr>
@@ -20707,6 +21290,9 @@
                                       <m:sty m:val="p"/>
                                     </m:rPr>
                                     <a:rPr lang="en-GB" i="0">
+                                      <a:solidFill>
+                                        <a:schemeClr val="tx1"/>
+                                      </a:solidFill>
                                       <a:latin typeface="Cambria Math" panose="02040503050406030204" pitchFamily="18" charset="0"/>
                                     </a:rPr>
                                     <m:t>sin</m:t>
@@ -20715,6 +21301,9 @@
                                 <m:e>
                                   <m:r>
                                     <a:rPr lang="en-GB" i="1">
+                                      <a:solidFill>
+                                        <a:schemeClr val="tx1"/>
+                                      </a:solidFill>
                                       <a:latin typeface="Cambria Math" panose="02040503050406030204" pitchFamily="18" charset="0"/>
                                     </a:rPr>
                                     <m:t>𝜃</m:t>
@@ -20822,7 +21411,7 @@
                           <m:ctrlPr>
                             <a:rPr lang="en-GB" i="1" smtClean="0">
                               <a:solidFill>
-                                <a:srgbClr val="836967"/>
+                                <a:schemeClr val="tx1"/>
                               </a:solidFill>
                               <a:latin typeface="Cambria Math" panose="02040503050406030204" pitchFamily="18" charset="0"/>
                             </a:rPr>
@@ -20843,7 +21432,7 @@
                               <m:ctrlPr>
                                 <a:rPr lang="en-GB" i="1">
                                   <a:solidFill>
-                                    <a:srgbClr val="836967"/>
+                                    <a:schemeClr val="tx1"/>
                                   </a:solidFill>
                                   <a:latin typeface="Cambria Math" panose="02040503050406030204" pitchFamily="18" charset="0"/>
                                 </a:rPr>
@@ -20853,6 +21442,9 @@
                               <m:e>
                                 <m:r>
                                   <a:rPr lang="en-GB" i="1">
+                                    <a:solidFill>
+                                      <a:schemeClr val="tx1"/>
+                                    </a:solidFill>
                                     <a:latin typeface="Cambria Math" panose="02040503050406030204" pitchFamily="18" charset="0"/>
                                   </a:rPr>
                                   <m:t>𝑣</m:t>
@@ -20863,6 +21455,9 @@
                               <m:e>
                                 <m:r>
                                   <a:rPr lang="en-GB" i="1">
+                                    <a:solidFill>
+                                      <a:schemeClr val="tx1"/>
+                                    </a:solidFill>
                                     <a:latin typeface="Cambria Math" panose="02040503050406030204" pitchFamily="18" charset="0"/>
                                   </a:rPr>
                                   <m:t>𝑤</m:t>
@@ -20874,6 +21469,9 @@
                       </m:d>
                       <m:r>
                         <a:rPr lang="en-GB" i="0">
+                          <a:solidFill>
+                            <a:schemeClr val="tx1"/>
+                          </a:solidFill>
                           <a:latin typeface="Cambria Math" panose="02040503050406030204" pitchFamily="18" charset="0"/>
                         </a:rPr>
                         <m:t>=</m:t>
@@ -20885,7 +21483,7 @@
                           <m:ctrlPr>
                             <a:rPr lang="en-GB" i="1">
                               <a:solidFill>
-                                <a:srgbClr val="836967"/>
+                                <a:schemeClr val="tx1"/>
                               </a:solidFill>
                               <a:latin typeface="Cambria Math" panose="02040503050406030204" pitchFamily="18" charset="0"/>
                             </a:rPr>
@@ -20906,7 +21504,7 @@
                               <m:ctrlPr>
                                 <a:rPr lang="en-GB" i="1">
                                   <a:solidFill>
-                                    <a:srgbClr val="836967"/>
+                                    <a:schemeClr val="tx1"/>
                                   </a:solidFill>
                                   <a:latin typeface="Cambria Math" panose="02040503050406030204" pitchFamily="18" charset="0"/>
                                 </a:rPr>
@@ -20918,6 +21516,9 @@
                                   <m:funcPr>
                                     <m:ctrlPr>
                                       <a:rPr lang="en-GB" i="1">
+                                        <a:solidFill>
+                                          <a:schemeClr val="tx1"/>
+                                        </a:solidFill>
                                         <a:latin typeface="Cambria Math" panose="02040503050406030204" pitchFamily="18" charset="0"/>
                                       </a:rPr>
                                     </m:ctrlPr>
@@ -20928,6 +21529,9 @@
                                         <m:sty m:val="p"/>
                                       </m:rPr>
                                       <a:rPr lang="en-GB" i="0">
+                                        <a:solidFill>
+                                          <a:schemeClr val="tx1"/>
+                                        </a:solidFill>
                                         <a:latin typeface="Cambria Math" panose="02040503050406030204" pitchFamily="18" charset="0"/>
                                       </a:rPr>
                                       <m:t>cos</m:t>
@@ -20936,6 +21540,9 @@
                                   <m:e>
                                     <m:r>
                                       <a:rPr lang="en-GB" i="1">
+                                        <a:solidFill>
+                                          <a:schemeClr val="tx1"/>
+                                        </a:solidFill>
                                         <a:latin typeface="Cambria Math" panose="02040503050406030204" pitchFamily="18" charset="0"/>
                                       </a:rPr>
                                       <m:t>𝜃</m:t>
@@ -20948,6 +21555,9 @@
                                   <m:funcPr>
                                     <m:ctrlPr>
                                       <a:rPr lang="en-GB" i="1">
+                                        <a:solidFill>
+                                          <a:schemeClr val="tx1"/>
+                                        </a:solidFill>
                                         <a:latin typeface="Cambria Math" panose="02040503050406030204" pitchFamily="18" charset="0"/>
                                       </a:rPr>
                                     </m:ctrlPr>
@@ -20958,6 +21568,9 @@
                                         <m:sty m:val="p"/>
                                       </m:rPr>
                                       <a:rPr lang="en-GB" i="0">
+                                        <a:solidFill>
+                                          <a:schemeClr val="tx1"/>
+                                        </a:solidFill>
                                         <a:latin typeface="Cambria Math" panose="02040503050406030204" pitchFamily="18" charset="0"/>
                                       </a:rPr>
                                       <m:t>sin</m:t>
@@ -20966,6 +21579,9 @@
                                   <m:e>
                                     <m:r>
                                       <a:rPr lang="en-GB" i="1">
+                                        <a:solidFill>
+                                          <a:schemeClr val="tx1"/>
+                                        </a:solidFill>
                                         <a:latin typeface="Cambria Math" panose="02040503050406030204" pitchFamily="18" charset="0"/>
                                       </a:rPr>
                                       <m:t>𝜃</m:t>
@@ -20978,6 +21594,9 @@
                               <m:e>
                                 <m:r>
                                   <a:rPr lang="en-GB" i="0">
+                                    <a:solidFill>
+                                      <a:schemeClr val="tx1"/>
+                                    </a:solidFill>
                                     <a:latin typeface="Cambria Math" panose="02040503050406030204" pitchFamily="18" charset="0"/>
                                   </a:rPr>
                                   <m:t>−</m:t>
@@ -20987,7 +21606,7 @@
                                     <m:ctrlPr>
                                       <a:rPr lang="en-GB" i="1">
                                         <a:solidFill>
-                                          <a:srgbClr val="836967"/>
+                                          <a:schemeClr val="tx1"/>
                                         </a:solidFill>
                                         <a:latin typeface="Cambria Math" panose="02040503050406030204" pitchFamily="18" charset="0"/>
                                       </a:rPr>
@@ -20998,6 +21617,9 @@
                                       <m:funcPr>
                                         <m:ctrlPr>
                                           <a:rPr lang="en-GB" i="1">
+                                            <a:solidFill>
+                                              <a:schemeClr val="tx1"/>
+                                            </a:solidFill>
                                             <a:latin typeface="Cambria Math" panose="02040503050406030204" pitchFamily="18" charset="0"/>
                                           </a:rPr>
                                         </m:ctrlPr>
@@ -21008,6 +21630,9 @@
                                             <m:sty m:val="p"/>
                                           </m:rPr>
                                           <a:rPr lang="en-GB" i="0">
+                                            <a:solidFill>
+                                              <a:schemeClr val="tx1"/>
+                                            </a:solidFill>
                                             <a:latin typeface="Cambria Math" panose="02040503050406030204" pitchFamily="18" charset="0"/>
                                           </a:rPr>
                                           <m:t>sin</m:t>
@@ -21016,6 +21641,9 @@
                                       <m:e>
                                         <m:r>
                                           <a:rPr lang="en-GB" i="1">
+                                            <a:solidFill>
+                                              <a:schemeClr val="tx1"/>
+                                            </a:solidFill>
                                             <a:latin typeface="Cambria Math" panose="02040503050406030204" pitchFamily="18" charset="0"/>
                                           </a:rPr>
                                           <m:t>𝜃</m:t>
@@ -21026,6 +21654,9 @@
                                   <m:den>
                                     <m:r>
                                       <a:rPr lang="en-GB" i="1">
+                                        <a:solidFill>
+                                          <a:schemeClr val="tx1"/>
+                                        </a:solidFill>
                                         <a:latin typeface="Cambria Math" panose="02040503050406030204" pitchFamily="18" charset="0"/>
                                       </a:rPr>
                                       <m:t>𝑏</m:t>
@@ -21039,7 +21670,7 @@
                                     <m:ctrlPr>
                                       <a:rPr lang="en-GB" i="1">
                                         <a:solidFill>
-                                          <a:srgbClr val="836967"/>
+                                          <a:schemeClr val="tx1"/>
                                         </a:solidFill>
                                         <a:latin typeface="Cambria Math" panose="02040503050406030204" pitchFamily="18" charset="0"/>
                                       </a:rPr>
@@ -21050,6 +21681,9 @@
                                       <m:funcPr>
                                         <m:ctrlPr>
                                           <a:rPr lang="en-GB" i="1">
+                                            <a:solidFill>
+                                              <a:schemeClr val="tx1"/>
+                                            </a:solidFill>
                                             <a:latin typeface="Cambria Math" panose="02040503050406030204" pitchFamily="18" charset="0"/>
                                           </a:rPr>
                                         </m:ctrlPr>
@@ -21060,6 +21694,9 @@
                                             <m:sty m:val="p"/>
                                           </m:rPr>
                                           <a:rPr lang="en-GB" i="0">
+                                            <a:solidFill>
+                                              <a:schemeClr val="tx1"/>
+                                            </a:solidFill>
                                             <a:latin typeface="Cambria Math" panose="02040503050406030204" pitchFamily="18" charset="0"/>
                                           </a:rPr>
                                           <m:t>cos</m:t>
@@ -21068,6 +21705,9 @@
                                       <m:e>
                                         <m:r>
                                           <a:rPr lang="en-GB" i="1">
+                                            <a:solidFill>
+                                              <a:schemeClr val="tx1"/>
+                                            </a:solidFill>
                                             <a:latin typeface="Cambria Math" panose="02040503050406030204" pitchFamily="18" charset="0"/>
                                           </a:rPr>
                                           <m:t>𝜃</m:t>
@@ -21078,6 +21718,9 @@
                                   <m:den>
                                     <m:r>
                                       <a:rPr lang="en-GB" i="1">
+                                        <a:solidFill>
+                                          <a:schemeClr val="tx1"/>
+                                        </a:solidFill>
                                         <a:latin typeface="Cambria Math" panose="02040503050406030204" pitchFamily="18" charset="0"/>
                                       </a:rPr>
                                       <m:t>𝑏</m:t>
@@ -21096,7 +21739,7 @@
                           <m:ctrlPr>
                             <a:rPr lang="en-GB" i="1">
                               <a:solidFill>
-                                <a:srgbClr val="836967"/>
+                                <a:schemeClr val="tx1"/>
                               </a:solidFill>
                               <a:latin typeface="Cambria Math" panose="02040503050406030204" pitchFamily="18" charset="0"/>
                             </a:rPr>
@@ -21117,7 +21760,7 @@
                               <m:ctrlPr>
                                 <a:rPr lang="en-GB" i="1">
                                   <a:solidFill>
-                                    <a:srgbClr val="836967"/>
+                                    <a:schemeClr val="tx1"/>
                                   </a:solidFill>
                                   <a:latin typeface="Cambria Math" panose="02040503050406030204" pitchFamily="18" charset="0"/>
                                 </a:rPr>
@@ -21130,7 +21773,7 @@
                                     <m:ctrlPr>
                                       <a:rPr lang="en-GB" i="1">
                                         <a:solidFill>
-                                          <a:srgbClr val="836967"/>
+                                          <a:schemeClr val="tx1"/>
                                         </a:solidFill>
                                         <a:latin typeface="Cambria Math" panose="02040503050406030204" pitchFamily="18" charset="0"/>
                                       </a:rPr>
@@ -21139,6 +21782,9 @@
                                   <m:e>
                                     <m:r>
                                       <a:rPr lang="en-GB" i="1">
+                                        <a:solidFill>
+                                          <a:schemeClr val="tx1"/>
+                                        </a:solidFill>
                                         <a:latin typeface="Cambria Math" panose="02040503050406030204" pitchFamily="18" charset="0"/>
                                       </a:rPr>
                                       <m:t>𝑢</m:t>
@@ -21147,6 +21793,9 @@
                                   <m:sub>
                                     <m:r>
                                       <a:rPr lang="en-GB" i="0">
+                                        <a:solidFill>
+                                          <a:schemeClr val="tx1"/>
+                                        </a:solidFill>
                                         <a:latin typeface="Cambria Math" panose="02040503050406030204" pitchFamily="18" charset="0"/>
                                       </a:rPr>
                                       <m:t>1</m:t>
@@ -21162,7 +21811,7 @@
                                     <m:ctrlPr>
                                       <a:rPr lang="en-GB" i="1">
                                         <a:solidFill>
-                                          <a:srgbClr val="836967"/>
+                                          <a:schemeClr val="tx1"/>
                                         </a:solidFill>
                                         <a:latin typeface="Cambria Math" panose="02040503050406030204" pitchFamily="18" charset="0"/>
                                       </a:rPr>
@@ -21171,6 +21820,9 @@
                                   <m:e>
                                     <m:r>
                                       <a:rPr lang="en-GB" i="1">
+                                        <a:solidFill>
+                                          <a:schemeClr val="tx1"/>
+                                        </a:solidFill>
                                         <a:latin typeface="Cambria Math" panose="02040503050406030204" pitchFamily="18" charset="0"/>
                                       </a:rPr>
                                       <m:t>𝑢</m:t>
@@ -21179,6 +21831,9 @@
                                   <m:sub>
                                     <m:r>
                                       <a:rPr lang="en-GB" i="0">
+                                        <a:solidFill>
+                                          <a:schemeClr val="tx1"/>
+                                        </a:solidFill>
                                         <a:latin typeface="Cambria Math" panose="02040503050406030204" pitchFamily="18" charset="0"/>
                                       </a:rPr>
                                       <m:t>2</m:t>
@@ -21907,7 +22562,7 @@
               <a:rPr lang="it-IT" sz="6600" b="1" dirty="0">
                 <a:latin typeface="Bahnschrift SemiCondensed" panose="020B0502040204020203" pitchFamily="34" charset="0"/>
               </a:rPr>
-              <a:t>00</a:t>
+              <a:t>100%</a:t>
             </a:r>
             <a:endParaRPr lang="it-IT" sz="7200" b="1" dirty="0">
               <a:latin typeface="Bahnschrift SemiCondensed" panose="020B0502040204020203" pitchFamily="34" charset="0"/>
@@ -22139,7 +22794,7 @@
               <a:rPr lang="it-IT" sz="6600" b="1" dirty="0">
                 <a:latin typeface="Bahnschrift SemiCondensed" panose="020B0502040204020203" pitchFamily="34" charset="0"/>
               </a:rPr>
-              <a:t>000</a:t>
+              <a:t>99.33%</a:t>
             </a:r>
             <a:endParaRPr lang="it-IT" sz="7200" b="1" dirty="0">
               <a:latin typeface="Bahnschrift SemiCondensed" panose="020B0502040204020203" pitchFamily="34" charset="0"/>
@@ -22395,7 +23050,7 @@
               <a:rPr lang="it-IT" sz="6600" b="1" dirty="0">
                 <a:latin typeface="Bahnschrift SemiCondensed" panose="020B0502040204020203" pitchFamily="34" charset="0"/>
               </a:rPr>
-              <a:t>000</a:t>
+              <a:t>0.300</a:t>
             </a:r>
             <a:endParaRPr lang="it-IT" sz="7200" b="1" dirty="0">
               <a:latin typeface="Bahnschrift SemiCondensed" panose="020B0502040204020203" pitchFamily="34" charset="0"/>
@@ -23215,93 +23870,68 @@
               <a:rPr lang="it-IT" sz="2000" dirty="0">
                 <a:latin typeface="Bahnschrift SemiCondensed" panose="020B0502040204020203" pitchFamily="34" charset="0"/>
               </a:rPr>
-              <a:t>:</a:t>
-            </a:r>
-          </a:p>
-          <a:p>
-            <a:r>
-              <a:rPr lang="it-IT" sz="2000" b="1" dirty="0" err="1">
-                <a:latin typeface="Bahnschrift SemiCondensed" panose="020B0502040204020203" pitchFamily="34" charset="0"/>
-              </a:rPr>
-              <a:t>Asympatotically</a:t>
-            </a:r>
-            <a:r>
-              <a:rPr lang="it-IT" sz="2000" b="1" dirty="0">
-                <a:latin typeface="Bahnschrift SemiCondensed" panose="020B0502040204020203" pitchFamily="34" charset="0"/>
-              </a:rPr>
               <a:t> </a:t>
             </a:r>
             <a:r>
-              <a:rPr lang="it-IT" sz="2000" b="1" dirty="0" err="1">
-                <a:latin typeface="Bahnschrift SemiCondensed" panose="020B0502040204020203" pitchFamily="34" charset="0"/>
-              </a:rPr>
-              <a:t>stable</a:t>
-            </a:r>
-            <a:r>
-              <a:rPr lang="it-IT" sz="2000" b="1" dirty="0">
-                <a:latin typeface="Bahnschrift SemiCondensed" panose="020B0502040204020203" pitchFamily="34" charset="0"/>
-              </a:rPr>
-              <a:t> control </a:t>
-            </a:r>
-            <a:r>
-              <a:rPr lang="it-IT" sz="2000" b="1" dirty="0" err="1">
-                <a:latin typeface="Bahnschrift SemiCondensed" panose="020B0502040204020203" pitchFamily="34" charset="0"/>
-              </a:rPr>
-              <a:t>law</a:t>
-            </a:r>
-            <a:r>
-              <a:rPr lang="it-IT" sz="2000" b="1" dirty="0">
+              <a:rPr lang="it-IT" sz="2000" dirty="0" err="1">
+                <a:latin typeface="Bahnschrift SemiCondensed" panose="020B0502040204020203" pitchFamily="34" charset="0"/>
+              </a:rPr>
+              <a:t>smooth</a:t>
+            </a:r>
+            <a:r>
+              <a:rPr lang="it-IT" sz="2000" dirty="0">
                 <a:latin typeface="Bahnschrift SemiCondensed" panose="020B0502040204020203" pitchFamily="34" charset="0"/>
               </a:rPr>
               <a:t> </a:t>
             </a:r>
-          </a:p>
-          <a:p>
-            <a:r>
-              <a:rPr lang="it-IT" sz="2000" b="1" dirty="0" err="1">
-                <a:latin typeface="Bahnschrift SemiCondensed" panose="020B0502040204020203" pitchFamily="34" charset="0"/>
-              </a:rPr>
-              <a:t>Few</a:t>
-            </a:r>
-            <a:r>
-              <a:rPr lang="it-IT" sz="2000" b="1" dirty="0">
-                <a:latin typeface="Bahnschrift SemiCondensed" panose="020B0502040204020203" pitchFamily="34" charset="0"/>
-              </a:rPr>
-              <a:t> Backup </a:t>
-            </a:r>
-            <a:r>
-              <a:rPr lang="it-IT" sz="2000" b="1" dirty="0" err="1">
-                <a:latin typeface="Bahnschrift SemiCondensed" panose="020B0502040204020203" pitchFamily="34" charset="0"/>
-              </a:rPr>
-              <a:t>manuevers</a:t>
-            </a:r>
-            <a:r>
-              <a:rPr lang="it-IT" sz="2000" b="1" dirty="0">
+            <a:r>
+              <a:rPr lang="it-IT" sz="2000" dirty="0" err="1">
+                <a:latin typeface="Bahnschrift SemiCondensed" panose="020B0502040204020203" pitchFamily="34" charset="0"/>
+              </a:rPr>
+              <a:t>trajectory</a:t>
+            </a:r>
+            <a:r>
+              <a:rPr lang="it-IT" sz="2000" dirty="0">
                 <a:latin typeface="Bahnschrift SemiCondensed" panose="020B0502040204020203" pitchFamily="34" charset="0"/>
               </a:rPr>
               <a:t> and </a:t>
             </a:r>
             <a:r>
-              <a:rPr lang="it-IT" sz="2000" b="1" dirty="0" err="1">
-                <a:latin typeface="Bahnschrift SemiCondensed" panose="020B0502040204020203" pitchFamily="34" charset="0"/>
-              </a:rPr>
-              <a:t>smooth</a:t>
-            </a:r>
-            <a:r>
-              <a:rPr lang="it-IT" sz="2000" b="1" dirty="0">
+              <a:rPr lang="it-IT" sz="2000" dirty="0" err="1">
+                <a:latin typeface="Bahnschrift SemiCondensed" panose="020B0502040204020203" pitchFamily="34" charset="0"/>
+              </a:rPr>
+              <a:t>even</a:t>
+            </a:r>
+            <a:r>
+              <a:rPr lang="it-IT" sz="2000" dirty="0">
+                <a:latin typeface="Bahnschrift SemiCondensed" panose="020B0502040204020203" pitchFamily="34" charset="0"/>
+              </a:rPr>
+              <a:t> more control </a:t>
+            </a:r>
+            <a:r>
+              <a:rPr lang="it-IT" sz="2000" dirty="0" err="1">
+                <a:latin typeface="Bahnschrift SemiCondensed" panose="020B0502040204020203" pitchFamily="34" charset="0"/>
+              </a:rPr>
+              <a:t>flexibility</a:t>
+            </a:r>
+            <a:r>
+              <a:rPr lang="it-IT" sz="2000" dirty="0">
                 <a:latin typeface="Bahnschrift SemiCondensed" panose="020B0502040204020203" pitchFamily="34" charset="0"/>
               </a:rPr>
               <a:t> </a:t>
             </a:r>
             <a:r>
-              <a:rPr lang="it-IT" sz="2000" b="1" dirty="0" err="1">
-                <a:latin typeface="Bahnschrift SemiCondensed" panose="020B0502040204020203" pitchFamily="34" charset="0"/>
-              </a:rPr>
-              <a:t>trajectory</a:t>
-            </a:r>
-            <a:endParaRPr lang="it-IT" sz="2000" b="1" dirty="0">
-              <a:latin typeface="Bahnschrift SemiCondensed" panose="020B0502040204020203" pitchFamily="34" charset="0"/>
-            </a:endParaRPr>
+              <a:rPr lang="it-IT" sz="2000" dirty="0" err="1">
+                <a:latin typeface="Bahnschrift SemiCondensed" panose="020B0502040204020203" pitchFamily="34" charset="0"/>
+              </a:rPr>
+              <a:t>since</a:t>
+            </a:r>
+            <a:r>
+              <a:rPr lang="it-IT" sz="2000" dirty="0">
+                <a:latin typeface="Bahnschrift SemiCondensed" panose="020B0502040204020203" pitchFamily="34" charset="0"/>
+              </a:rPr>
+              <a:t> </a:t>
+            </a:r>
           </a:p>
         </p:txBody>
       </p:sp>
@@ -23447,7 +24077,7 @@
                           <m:ctrlPr>
                             <a:rPr lang="en-GB" i="1" smtClean="0">
                               <a:solidFill>
-                                <a:srgbClr val="836967"/>
+                                <a:schemeClr val="tx1"/>
                               </a:solidFill>
                               <a:latin typeface="Cambria Math" panose="02040503050406030204" pitchFamily="18" charset="0"/>
                             </a:rPr>
@@ -23468,7 +24098,7 @@
                               <m:ctrlPr>
                                 <a:rPr lang="en-GB" i="1">
                                   <a:solidFill>
-                                    <a:srgbClr val="836967"/>
+                                    <a:schemeClr val="tx1"/>
                                   </a:solidFill>
                                   <a:latin typeface="Cambria Math" panose="02040503050406030204" pitchFamily="18" charset="0"/>
                                 </a:rPr>
@@ -23481,7 +24111,7 @@
                                     <m:ctrlPr>
                                       <a:rPr lang="en-GB" i="1">
                                         <a:solidFill>
-                                          <a:srgbClr val="836967"/>
+                                          <a:schemeClr val="tx1"/>
                                         </a:solidFill>
                                         <a:latin typeface="Cambria Math" panose="02040503050406030204" pitchFamily="18" charset="0"/>
                                       </a:rPr>
@@ -23490,6 +24120,9 @@
                                   <m:e>
                                     <m:r>
                                       <a:rPr lang="en-GB" i="1">
+                                        <a:solidFill>
+                                          <a:schemeClr val="tx1"/>
+                                        </a:solidFill>
                                         <a:latin typeface="Cambria Math" panose="02040503050406030204" pitchFamily="18" charset="0"/>
                                       </a:rPr>
                                       <m:t>𝑢</m:t>
@@ -23498,6 +24131,9 @@
                                   <m:sub>
                                     <m:r>
                                       <a:rPr lang="en-GB" i="0">
+                                        <a:solidFill>
+                                          <a:schemeClr val="tx1"/>
+                                        </a:solidFill>
                                         <a:latin typeface="Cambria Math" panose="02040503050406030204" pitchFamily="18" charset="0"/>
                                       </a:rPr>
                                       <m:t>1</m:t>
@@ -23513,7 +24149,7 @@
                                     <m:ctrlPr>
                                       <a:rPr lang="en-GB" i="1">
                                         <a:solidFill>
-                                          <a:srgbClr val="836967"/>
+                                          <a:schemeClr val="tx1"/>
                                         </a:solidFill>
                                         <a:latin typeface="Cambria Math" panose="02040503050406030204" pitchFamily="18" charset="0"/>
                                       </a:rPr>
@@ -23522,6 +24158,9 @@
                                   <m:e>
                                     <m:r>
                                       <a:rPr lang="en-GB" i="1">
+                                        <a:solidFill>
+                                          <a:schemeClr val="tx1"/>
+                                        </a:solidFill>
                                         <a:latin typeface="Cambria Math" panose="02040503050406030204" pitchFamily="18" charset="0"/>
                                       </a:rPr>
                                       <m:t>𝑢</m:t>
@@ -23530,6 +24169,9 @@
                                   <m:sub>
                                     <m:r>
                                       <a:rPr lang="en-GB" i="0">
+                                        <a:solidFill>
+                                          <a:schemeClr val="tx1"/>
+                                        </a:solidFill>
                                         <a:latin typeface="Cambria Math" panose="02040503050406030204" pitchFamily="18" charset="0"/>
                                       </a:rPr>
                                       <m:t>2</m:t>
@@ -23543,6 +24185,9 @@
                       </m:d>
                       <m:r>
                         <a:rPr lang="en-GB" i="0">
+                          <a:solidFill>
+                            <a:schemeClr val="tx1"/>
+                          </a:solidFill>
                           <a:latin typeface="Cambria Math" panose="02040503050406030204" pitchFamily="18" charset="0"/>
                         </a:rPr>
                         <m:t>=</m:t>
@@ -23554,7 +24199,7 @@
                           <m:ctrlPr>
                             <a:rPr lang="en-GB" i="1">
                               <a:solidFill>
-                                <a:srgbClr val="836967"/>
+                                <a:schemeClr val="tx1"/>
                               </a:solidFill>
                               <a:latin typeface="Cambria Math" panose="02040503050406030204" pitchFamily="18" charset="0"/>
                             </a:rPr>
@@ -23575,7 +24220,7 @@
                               <m:ctrlPr>
                                 <a:rPr lang="en-GB" i="1">
                                   <a:solidFill>
-                                    <a:srgbClr val="836967"/>
+                                    <a:schemeClr val="tx1"/>
                                   </a:solidFill>
                                   <a:latin typeface="Cambria Math" panose="02040503050406030204" pitchFamily="18" charset="0"/>
                                 </a:rPr>
@@ -23588,7 +24233,7 @@
                                     <m:ctrlPr>
                                       <a:rPr lang="en-GB" i="1">
                                         <a:solidFill>
-                                          <a:srgbClr val="836967"/>
+                                          <a:schemeClr val="tx1"/>
                                         </a:solidFill>
                                         <a:latin typeface="Cambria Math" panose="02040503050406030204" pitchFamily="18" charset="0"/>
                                       </a:rPr>
@@ -23597,6 +24242,9 @@
                                   <m:e>
                                     <m:r>
                                       <a:rPr lang="en-GB" i="1">
+                                        <a:solidFill>
+                                          <a:schemeClr val="tx1"/>
+                                        </a:solidFill>
                                         <a:latin typeface="Cambria Math" panose="02040503050406030204" pitchFamily="18" charset="0"/>
                                       </a:rPr>
                                       <m:t>𝐾</m:t>
@@ -23605,6 +24253,9 @@
                                   <m:sub>
                                     <m:r>
                                       <a:rPr lang="en-GB" i="0">
+                                        <a:solidFill>
+                                          <a:schemeClr val="tx1"/>
+                                        </a:solidFill>
                                         <a:latin typeface="Cambria Math" panose="02040503050406030204" pitchFamily="18" charset="0"/>
                                       </a:rPr>
                                       <m:t>1</m:t>
@@ -23615,6 +24266,9 @@
                               <m:e>
                                 <m:r>
                                   <a:rPr lang="en-GB" i="0">
+                                    <a:solidFill>
+                                      <a:schemeClr val="tx1"/>
+                                    </a:solidFill>
                                     <a:latin typeface="Cambria Math" panose="02040503050406030204" pitchFamily="18" charset="0"/>
                                   </a:rPr>
                                   <m:t>0</m:t>
@@ -23626,7 +24280,7 @@
                                     <m:ctrlPr>
                                       <a:rPr lang="en-GB" i="1">
                                         <a:solidFill>
-                                          <a:srgbClr val="836967"/>
+                                          <a:schemeClr val="tx1"/>
                                         </a:solidFill>
                                         <a:latin typeface="Cambria Math" panose="02040503050406030204" pitchFamily="18" charset="0"/>
                                       </a:rPr>
@@ -23635,6 +24289,9 @@
                                   <m:e>
                                     <m:r>
                                       <a:rPr lang="en-GB" i="1">
+                                        <a:solidFill>
+                                          <a:schemeClr val="tx1"/>
+                                        </a:solidFill>
                                         <a:latin typeface="Cambria Math" panose="02040503050406030204" pitchFamily="18" charset="0"/>
                                       </a:rPr>
                                       <m:t>𝐾</m:t>
@@ -23643,6 +24300,9 @@
                                   <m:sub>
                                     <m:r>
                                       <a:rPr lang="en-GB" i="0">
+                                        <a:solidFill>
+                                          <a:schemeClr val="tx1"/>
+                                        </a:solidFill>
                                         <a:latin typeface="Cambria Math" panose="02040503050406030204" pitchFamily="18" charset="0"/>
                                       </a:rPr>
                                       <m:t>3</m:t>
@@ -23653,6 +24313,9 @@
                               <m:e>
                                 <m:r>
                                   <a:rPr lang="en-GB" i="0">
+                                    <a:solidFill>
+                                      <a:schemeClr val="tx1"/>
+                                    </a:solidFill>
                                     <a:latin typeface="Cambria Math" panose="02040503050406030204" pitchFamily="18" charset="0"/>
                                   </a:rPr>
                                   <m:t>0</m:t>
@@ -23663,6 +24326,9 @@
                               <m:e>
                                 <m:r>
                                   <a:rPr lang="en-GB" i="0">
+                                    <a:solidFill>
+                                      <a:schemeClr val="tx1"/>
+                                    </a:solidFill>
                                     <a:latin typeface="Cambria Math" panose="02040503050406030204" pitchFamily="18" charset="0"/>
                                   </a:rPr>
                                   <m:t>0</m:t>
@@ -23674,7 +24340,7 @@
                                     <m:ctrlPr>
                                       <a:rPr lang="en-GB" i="1">
                                         <a:solidFill>
-                                          <a:srgbClr val="836967"/>
+                                          <a:schemeClr val="tx1"/>
                                         </a:solidFill>
                                         <a:latin typeface="Cambria Math" panose="02040503050406030204" pitchFamily="18" charset="0"/>
                                       </a:rPr>
@@ -23683,6 +24349,9 @@
                                   <m:e>
                                     <m:r>
                                       <a:rPr lang="en-GB" i="1">
+                                        <a:solidFill>
+                                          <a:schemeClr val="tx1"/>
+                                        </a:solidFill>
                                         <a:latin typeface="Cambria Math" panose="02040503050406030204" pitchFamily="18" charset="0"/>
                                       </a:rPr>
                                       <m:t>𝐾</m:t>
@@ -23691,6 +24360,9 @@
                                   <m:sub>
                                     <m:r>
                                       <a:rPr lang="en-GB" i="0">
+                                        <a:solidFill>
+                                          <a:schemeClr val="tx1"/>
+                                        </a:solidFill>
                                         <a:latin typeface="Cambria Math" panose="02040503050406030204" pitchFamily="18" charset="0"/>
                                       </a:rPr>
                                       <m:t>2</m:t>
@@ -23701,6 +24373,9 @@
                               <m:e>
                                 <m:r>
                                   <a:rPr lang="en-GB" i="0">
+                                    <a:solidFill>
+                                      <a:schemeClr val="tx1"/>
+                                    </a:solidFill>
                                     <a:latin typeface="Cambria Math" panose="02040503050406030204" pitchFamily="18" charset="0"/>
                                   </a:rPr>
                                   <m:t>0</m:t>
@@ -23712,7 +24387,7 @@
                                     <m:ctrlPr>
                                       <a:rPr lang="en-GB" i="1">
                                         <a:solidFill>
-                                          <a:srgbClr val="836967"/>
+                                          <a:schemeClr val="tx1"/>
                                         </a:solidFill>
                                         <a:latin typeface="Cambria Math" panose="02040503050406030204" pitchFamily="18" charset="0"/>
                                       </a:rPr>
@@ -23721,6 +24396,9 @@
                                   <m:e>
                                     <m:r>
                                       <a:rPr lang="en-GB" i="1">
+                                        <a:solidFill>
+                                          <a:schemeClr val="tx1"/>
+                                        </a:solidFill>
                                         <a:latin typeface="Cambria Math" panose="02040503050406030204" pitchFamily="18" charset="0"/>
                                       </a:rPr>
                                       <m:t>𝐾</m:t>
@@ -23729,6 +24407,9 @@
                                   <m:sub>
                                     <m:r>
                                       <a:rPr lang="en-GB" i="0">
+                                        <a:solidFill>
+                                          <a:schemeClr val="tx1"/>
+                                        </a:solidFill>
                                         <a:latin typeface="Cambria Math" panose="02040503050406030204" pitchFamily="18" charset="0"/>
                                       </a:rPr>
                                       <m:t>4</m:t>
@@ -23747,7 +24428,7 @@
                           <m:ctrlPr>
                             <a:rPr lang="en-GB" i="1">
                               <a:solidFill>
-                                <a:srgbClr val="836967"/>
+                                <a:schemeClr val="tx1"/>
                               </a:solidFill>
                               <a:latin typeface="Cambria Math" panose="02040503050406030204" pitchFamily="18" charset="0"/>
                             </a:rPr>
@@ -23768,7 +24449,7 @@
                               <m:ctrlPr>
                                 <a:rPr lang="en-GB" i="1">
                                   <a:solidFill>
-                                    <a:srgbClr val="836967"/>
+                                    <a:schemeClr val="tx1"/>
                                   </a:solidFill>
                                   <a:latin typeface="Cambria Math" panose="02040503050406030204" pitchFamily="18" charset="0"/>
                                 </a:rPr>
@@ -23781,7 +24462,7 @@
                                     <m:ctrlPr>
                                       <a:rPr lang="en-GB" i="1">
                                         <a:solidFill>
-                                          <a:srgbClr val="836967"/>
+                                          <a:schemeClr val="tx1"/>
                                         </a:solidFill>
                                         <a:latin typeface="Cambria Math" panose="02040503050406030204" pitchFamily="18" charset="0"/>
                                       </a:rPr>
@@ -23790,6 +24471,9 @@
                                   <m:e>
                                     <m:r>
                                       <a:rPr lang="en-GB" i="1">
+                                        <a:solidFill>
+                                          <a:schemeClr val="tx1"/>
+                                        </a:solidFill>
                                         <a:latin typeface="Cambria Math" panose="02040503050406030204" pitchFamily="18" charset="0"/>
                                       </a:rPr>
                                       <m:t>𝑥</m:t>
@@ -23798,6 +24482,9 @@
                                   <m:sub>
                                     <m:r>
                                       <a:rPr lang="en-GB" i="1">
+                                        <a:solidFill>
+                                          <a:schemeClr val="tx1"/>
+                                        </a:solidFill>
                                         <a:latin typeface="Cambria Math" panose="02040503050406030204" pitchFamily="18" charset="0"/>
                                       </a:rPr>
                                       <m:t>𝑑</m:t>
@@ -23806,12 +24493,18 @@
                                 </m:sSub>
                                 <m:r>
                                   <a:rPr lang="en-GB" i="0">
+                                    <a:solidFill>
+                                      <a:schemeClr val="tx1"/>
+                                    </a:solidFill>
                                     <a:latin typeface="Cambria Math" panose="02040503050406030204" pitchFamily="18" charset="0"/>
                                   </a:rPr>
                                   <m:t>−</m:t>
                                 </m:r>
                                 <m:r>
                                   <a:rPr lang="en-GB" i="1">
+                                    <a:solidFill>
+                                      <a:schemeClr val="tx1"/>
+                                    </a:solidFill>
                                     <a:latin typeface="Cambria Math" panose="02040503050406030204" pitchFamily="18" charset="0"/>
                                   </a:rPr>
                                   <m:t>𝑥</m:t>
@@ -23825,7 +24518,7 @@
                                     <m:ctrlPr>
                                       <a:rPr lang="en-GB" i="1">
                                         <a:solidFill>
-                                          <a:srgbClr val="836967"/>
+                                          <a:schemeClr val="tx1"/>
                                         </a:solidFill>
                                         <a:latin typeface="Cambria Math" panose="02040503050406030204" pitchFamily="18" charset="0"/>
                                       </a:rPr>
@@ -23834,6 +24527,9 @@
                                   <m:e>
                                     <m:r>
                                       <a:rPr lang="en-GB" i="1">
+                                        <a:solidFill>
+                                          <a:schemeClr val="tx1"/>
+                                        </a:solidFill>
                                         <a:latin typeface="Cambria Math" panose="02040503050406030204" pitchFamily="18" charset="0"/>
                                       </a:rPr>
                                       <m:t>𝑦</m:t>
@@ -23842,6 +24538,9 @@
                                   <m:sub>
                                     <m:r>
                                       <a:rPr lang="en-GB" i="1">
+                                        <a:solidFill>
+                                          <a:schemeClr val="tx1"/>
+                                        </a:solidFill>
                                         <a:latin typeface="Cambria Math" panose="02040503050406030204" pitchFamily="18" charset="0"/>
                                       </a:rPr>
                                       <m:t>𝑑</m:t>
@@ -23850,12 +24549,18 @@
                                 </m:sSub>
                                 <m:r>
                                   <a:rPr lang="en-GB" i="0">
+                                    <a:solidFill>
+                                      <a:schemeClr val="tx1"/>
+                                    </a:solidFill>
                                     <a:latin typeface="Cambria Math" panose="02040503050406030204" pitchFamily="18" charset="0"/>
                                   </a:rPr>
                                   <m:t>−</m:t>
                                 </m:r>
                                 <m:r>
                                   <a:rPr lang="en-GB" i="1">
+                                    <a:solidFill>
+                                      <a:schemeClr val="tx1"/>
+                                    </a:solidFill>
                                     <a:latin typeface="Cambria Math" panose="02040503050406030204" pitchFamily="18" charset="0"/>
                                   </a:rPr>
                                   <m:t>𝑦</m:t>
@@ -23869,7 +24574,7 @@
                                     <m:ctrlPr>
                                       <a:rPr lang="en-GB" i="1">
                                         <a:solidFill>
-                                          <a:srgbClr val="836967"/>
+                                          <a:schemeClr val="tx1"/>
                                         </a:solidFill>
                                         <a:latin typeface="Cambria Math" panose="02040503050406030204" pitchFamily="18" charset="0"/>
                                       </a:rPr>
@@ -23882,7 +24587,7 @@
                                         <m:ctrlPr>
                                           <a:rPr lang="en-GB" i="1">
                                             <a:solidFill>
-                                              <a:srgbClr val="836967"/>
+                                              <a:schemeClr val="tx1"/>
                                             </a:solidFill>
                                             <a:latin typeface="Cambria Math" panose="02040503050406030204" pitchFamily="18" charset="0"/>
                                           </a:rPr>
@@ -23891,6 +24596,9 @@
                                       <m:e>
                                         <m:r>
                                           <a:rPr lang="en-GB" i="1">
+                                            <a:solidFill>
+                                              <a:schemeClr val="tx1"/>
+                                            </a:solidFill>
                                             <a:latin typeface="Cambria Math" panose="02040503050406030204" pitchFamily="18" charset="0"/>
                                           </a:rPr>
                                           <m:t>𝑥</m:t>
@@ -23901,6 +24609,9 @@
                                   <m:sub>
                                     <m:r>
                                       <a:rPr lang="en-GB" i="1">
+                                        <a:solidFill>
+                                          <a:schemeClr val="tx1"/>
+                                        </a:solidFill>
                                         <a:latin typeface="Cambria Math" panose="02040503050406030204" pitchFamily="18" charset="0"/>
                                       </a:rPr>
                                       <m:t>𝑑</m:t>
@@ -23909,6 +24620,9 @@
                                 </m:sSub>
                                 <m:r>
                                   <a:rPr lang="en-GB" i="0">
+                                    <a:solidFill>
+                                      <a:schemeClr val="tx1"/>
+                                    </a:solidFill>
                                     <a:latin typeface="Cambria Math" panose="02040503050406030204" pitchFamily="18" charset="0"/>
                                   </a:rPr>
                                   <m:t>−</m:t>
@@ -23919,7 +24633,7 @@
                                     <m:ctrlPr>
                                       <a:rPr lang="en-GB" i="1">
                                         <a:solidFill>
-                                          <a:srgbClr val="836967"/>
+                                          <a:schemeClr val="tx1"/>
                                         </a:solidFill>
                                         <a:latin typeface="Cambria Math" panose="02040503050406030204" pitchFamily="18" charset="0"/>
                                       </a:rPr>
@@ -23928,6 +24642,9 @@
                                   <m:e>
                                     <m:r>
                                       <a:rPr lang="en-GB" i="1">
+                                        <a:solidFill>
+                                          <a:schemeClr val="tx1"/>
+                                        </a:solidFill>
                                         <a:latin typeface="Cambria Math" panose="02040503050406030204" pitchFamily="18" charset="0"/>
                                       </a:rPr>
                                       <m:t>𝑥</m:t>
@@ -23943,7 +24660,7 @@
                                     <m:ctrlPr>
                                       <a:rPr lang="en-GB" i="1">
                                         <a:solidFill>
-                                          <a:srgbClr val="836967"/>
+                                          <a:schemeClr val="tx1"/>
                                         </a:solidFill>
                                         <a:latin typeface="Cambria Math" panose="02040503050406030204" pitchFamily="18" charset="0"/>
                                       </a:rPr>
@@ -23956,7 +24673,7 @@
                                         <m:ctrlPr>
                                           <a:rPr lang="en-GB" i="1">
                                             <a:solidFill>
-                                              <a:srgbClr val="836967"/>
+                                              <a:schemeClr val="tx1"/>
                                             </a:solidFill>
                                             <a:latin typeface="Cambria Math" panose="02040503050406030204" pitchFamily="18" charset="0"/>
                                           </a:rPr>
@@ -23965,6 +24682,9 @@
                                       <m:e>
                                         <m:r>
                                           <a:rPr lang="en-GB" i="1">
+                                            <a:solidFill>
+                                              <a:schemeClr val="tx1"/>
+                                            </a:solidFill>
                                             <a:latin typeface="Cambria Math" panose="02040503050406030204" pitchFamily="18" charset="0"/>
                                           </a:rPr>
                                           <m:t>𝑦</m:t>
@@ -23975,6 +24695,9 @@
                                   <m:sub>
                                     <m:r>
                                       <a:rPr lang="en-GB" i="1">
+                                        <a:solidFill>
+                                          <a:schemeClr val="tx1"/>
+                                        </a:solidFill>
                                         <a:latin typeface="Cambria Math" panose="02040503050406030204" pitchFamily="18" charset="0"/>
                                       </a:rPr>
                                       <m:t>𝑑</m:t>
@@ -23983,6 +24706,9 @@
                                 </m:sSub>
                                 <m:r>
                                   <a:rPr lang="en-GB" i="0">
+                                    <a:solidFill>
+                                      <a:schemeClr val="tx1"/>
+                                    </a:solidFill>
                                     <a:latin typeface="Cambria Math" panose="02040503050406030204" pitchFamily="18" charset="0"/>
                                   </a:rPr>
                                   <m:t>−</m:t>
@@ -23993,7 +24719,7 @@
                                     <m:ctrlPr>
                                       <a:rPr lang="en-GB" i="1">
                                         <a:solidFill>
-                                          <a:srgbClr val="836967"/>
+                                          <a:schemeClr val="tx1"/>
                                         </a:solidFill>
                                         <a:latin typeface="Cambria Math" panose="02040503050406030204" pitchFamily="18" charset="0"/>
                                       </a:rPr>
@@ -24002,6 +24728,9 @@
                                   <m:e>
                                     <m:r>
                                       <a:rPr lang="en-GB" i="1">
+                                        <a:solidFill>
+                                          <a:schemeClr val="tx1"/>
+                                        </a:solidFill>
                                         <a:latin typeface="Cambria Math" panose="02040503050406030204" pitchFamily="18" charset="0"/>
                                       </a:rPr>
                                       <m:t>𝑦</m:t>
@@ -24015,6 +24744,9 @@
                       </m:d>
                       <m:r>
                         <a:rPr lang="en-GB" i="0">
+                          <a:solidFill>
+                            <a:schemeClr val="tx1"/>
+                          </a:solidFill>
                           <a:latin typeface="Cambria Math" panose="02040503050406030204" pitchFamily="18" charset="0"/>
                         </a:rPr>
                         <m:t>+ </m:t>
@@ -24024,9 +24756,9 @@
                           <m:begChr m:val="["/>
                           <m:endChr m:val="]"/>
                           <m:ctrlPr>
-                            <a:rPr lang="en-GB" i="1">
+                            <a:rPr lang="en-GB" i="1" smtClean="0">
                               <a:solidFill>
-                                <a:srgbClr val="836967"/>
+                                <a:schemeClr val="tx1"/>
                               </a:solidFill>
                               <a:latin typeface="Cambria Math" panose="02040503050406030204" pitchFamily="18" charset="0"/>
                             </a:rPr>
@@ -24047,7 +24779,7 @@
                               <m:ctrlPr>
                                 <a:rPr lang="en-GB" i="1">
                                   <a:solidFill>
-                                    <a:srgbClr val="836967"/>
+                                    <a:schemeClr val="tx1"/>
                                   </a:solidFill>
                                   <a:latin typeface="Cambria Math" panose="02040503050406030204" pitchFamily="18" charset="0"/>
                                 </a:rPr>
@@ -24060,7 +24792,7 @@
                                     <m:ctrlPr>
                                       <a:rPr lang="en-GB" i="1">
                                         <a:solidFill>
-                                          <a:srgbClr val="836967"/>
+                                          <a:schemeClr val="tx1"/>
                                         </a:solidFill>
                                         <a:latin typeface="Cambria Math" panose="02040503050406030204" pitchFamily="18" charset="0"/>
                                       </a:rPr>
@@ -24069,11 +24801,11 @@
                                   <m:e>
                                     <m:acc>
                                       <m:accPr>
-                                        <m:chr m:val="̇"/>
+                                        <m:chr m:val="̈"/>
                                         <m:ctrlPr>
-                                          <a:rPr lang="en-GB" i="1">
+                                          <a:rPr lang="en-GB" i="1" smtClean="0">
                                             <a:solidFill>
-                                              <a:srgbClr val="836967"/>
+                                              <a:schemeClr val="tx1"/>
                                             </a:solidFill>
                                             <a:latin typeface="Cambria Math" panose="02040503050406030204" pitchFamily="18" charset="0"/>
                                           </a:rPr>
@@ -24081,7 +24813,10 @@
                                       </m:accPr>
                                       <m:e>
                                         <m:r>
-                                          <a:rPr lang="en-GB" i="1">
+                                          <a:rPr lang="it-IT" b="0" i="1" smtClean="0">
+                                            <a:solidFill>
+                                              <a:schemeClr val="tx1"/>
+                                            </a:solidFill>
                                             <a:latin typeface="Cambria Math" panose="02040503050406030204" pitchFamily="18" charset="0"/>
                                           </a:rPr>
                                           <m:t>𝑥</m:t>
@@ -24092,6 +24827,9 @@
                                   <m:sub>
                                     <m:r>
                                       <a:rPr lang="en-GB" i="1">
+                                        <a:solidFill>
+                                          <a:schemeClr val="tx1"/>
+                                        </a:solidFill>
                                         <a:latin typeface="Cambria Math" panose="02040503050406030204" pitchFamily="18" charset="0"/>
                                       </a:rPr>
                                       <m:t>𝑑</m:t>
@@ -24107,7 +24845,7 @@
                                     <m:ctrlPr>
                                       <a:rPr lang="en-GB" i="1">
                                         <a:solidFill>
-                                          <a:srgbClr val="836967"/>
+                                          <a:schemeClr val="tx1"/>
                                         </a:solidFill>
                                         <a:latin typeface="Cambria Math" panose="02040503050406030204" pitchFamily="18" charset="0"/>
                                       </a:rPr>
@@ -24116,11 +24854,11 @@
                                   <m:e>
                                     <m:acc>
                                       <m:accPr>
-                                        <m:chr m:val="̇"/>
+                                        <m:chr m:val="̈"/>
                                         <m:ctrlPr>
-                                          <a:rPr lang="en-GB" i="1">
+                                          <a:rPr lang="en-GB" i="1" smtClean="0">
                                             <a:solidFill>
-                                              <a:srgbClr val="836967"/>
+                                              <a:schemeClr val="tx1"/>
                                             </a:solidFill>
                                             <a:latin typeface="Cambria Math" panose="02040503050406030204" pitchFamily="18" charset="0"/>
                                           </a:rPr>
@@ -24128,7 +24866,10 @@
                                       </m:accPr>
                                       <m:e>
                                         <m:r>
-                                          <a:rPr lang="en-GB" i="1">
+                                          <a:rPr lang="it-IT" b="0" i="1" smtClean="0">
+                                            <a:solidFill>
+                                              <a:schemeClr val="tx1"/>
+                                            </a:solidFill>
                                             <a:latin typeface="Cambria Math" panose="02040503050406030204" pitchFamily="18" charset="0"/>
                                           </a:rPr>
                                           <m:t>𝑦</m:t>
@@ -24139,6 +24880,9 @@
                                   <m:sub>
                                     <m:r>
                                       <a:rPr lang="en-GB" i="1">
+                                        <a:solidFill>
+                                          <a:schemeClr val="tx1"/>
+                                        </a:solidFill>
                                         <a:latin typeface="Cambria Math" panose="02040503050406030204" pitchFamily="18" charset="0"/>
                                       </a:rPr>
                                       <m:t>𝑑</m:t>
@@ -24153,7 +24897,11 @@
                     </m:oMath>
                   </m:oMathPara>
                 </a14:m>
-                <a:endParaRPr lang="en-GB" dirty="0"/>
+                <a:endParaRPr lang="en-GB" dirty="0">
+                  <a:solidFill>
+                    <a:schemeClr val="tx1"/>
+                  </a:solidFill>
+                </a:endParaRPr>
               </a:p>
             </p:txBody>
           </p:sp>
@@ -24247,7 +24995,7 @@
                           <m:ctrlPr>
                             <a:rPr lang="en-GB" i="1" smtClean="0">
                               <a:solidFill>
-                                <a:srgbClr val="836967"/>
+                                <a:schemeClr val="tx1"/>
                               </a:solidFill>
                               <a:latin typeface="Cambria Math" panose="02040503050406030204" pitchFamily="18" charset="0"/>
                             </a:rPr>
@@ -24268,7 +25016,7 @@
                               <m:ctrlPr>
                                 <a:rPr lang="en-GB" i="1">
                                   <a:solidFill>
-                                    <a:srgbClr val="836967"/>
+                                    <a:schemeClr val="tx1"/>
                                   </a:solidFill>
                                   <a:latin typeface="Cambria Math" panose="02040503050406030204" pitchFamily="18" charset="0"/>
                                 </a:rPr>
@@ -24278,6 +25026,9 @@
                               <m:e>
                                 <m:r>
                                   <a:rPr lang="en-GB" i="1">
+                                    <a:solidFill>
+                                      <a:schemeClr val="tx1"/>
+                                    </a:solidFill>
                                     <a:latin typeface="Cambria Math" panose="02040503050406030204" pitchFamily="18" charset="0"/>
                                   </a:rPr>
                                   <m:t>𝑎</m:t>
@@ -24288,6 +25039,9 @@
                               <m:e>
                                 <m:r>
                                   <a:rPr lang="en-GB" i="1">
+                                    <a:solidFill>
+                                      <a:schemeClr val="tx1"/>
+                                    </a:solidFill>
                                     <a:latin typeface="Cambria Math" panose="02040503050406030204" pitchFamily="18" charset="0"/>
                                   </a:rPr>
                                   <m:t>𝑤</m:t>
@@ -24299,6 +25053,9 @@
                       </m:d>
                       <m:r>
                         <a:rPr lang="en-GB" i="0">
+                          <a:solidFill>
+                            <a:schemeClr val="tx1"/>
+                          </a:solidFill>
                           <a:latin typeface="Cambria Math" panose="02040503050406030204" pitchFamily="18" charset="0"/>
                         </a:rPr>
                         <m:t>=</m:t>
@@ -24310,7 +25067,7 @@
                           <m:ctrlPr>
                             <a:rPr lang="en-GB" i="1">
                               <a:solidFill>
-                                <a:srgbClr val="836967"/>
+                                <a:schemeClr val="tx1"/>
                               </a:solidFill>
                               <a:latin typeface="Cambria Math" panose="02040503050406030204" pitchFamily="18" charset="0"/>
                             </a:rPr>
@@ -24331,7 +25088,7 @@
                               <m:ctrlPr>
                                 <a:rPr lang="en-GB" i="1">
                                   <a:solidFill>
-                                    <a:srgbClr val="836967"/>
+                                    <a:schemeClr val="tx1"/>
                                   </a:solidFill>
                                   <a:latin typeface="Cambria Math" panose="02040503050406030204" pitchFamily="18" charset="0"/>
                                 </a:rPr>
@@ -24343,6 +25100,9 @@
                                   <m:funcPr>
                                     <m:ctrlPr>
                                       <a:rPr lang="en-GB" i="1">
+                                        <a:solidFill>
+                                          <a:schemeClr val="tx1"/>
+                                        </a:solidFill>
                                         <a:latin typeface="Cambria Math" panose="02040503050406030204" pitchFamily="18" charset="0"/>
                                       </a:rPr>
                                     </m:ctrlPr>
@@ -24353,6 +25113,9 @@
                                         <m:sty m:val="p"/>
                                       </m:rPr>
                                       <a:rPr lang="en-GB" i="0">
+                                        <a:solidFill>
+                                          <a:schemeClr val="tx1"/>
+                                        </a:solidFill>
                                         <a:latin typeface="Cambria Math" panose="02040503050406030204" pitchFamily="18" charset="0"/>
                                       </a:rPr>
                                       <m:t>cos</m:t>
@@ -24361,6 +25124,9 @@
                                   <m:e>
                                     <m:r>
                                       <a:rPr lang="en-GB" i="1">
+                                        <a:solidFill>
+                                          <a:schemeClr val="tx1"/>
+                                        </a:solidFill>
                                         <a:latin typeface="Cambria Math" panose="02040503050406030204" pitchFamily="18" charset="0"/>
                                       </a:rPr>
                                       <m:t>𝜃</m:t>
@@ -24373,6 +25139,9 @@
                                   <m:funcPr>
                                     <m:ctrlPr>
                                       <a:rPr lang="en-GB" i="1">
+                                        <a:solidFill>
+                                          <a:schemeClr val="tx1"/>
+                                        </a:solidFill>
                                         <a:latin typeface="Cambria Math" panose="02040503050406030204" pitchFamily="18" charset="0"/>
                                       </a:rPr>
                                     </m:ctrlPr>
@@ -24383,6 +25152,9 @@
                                         <m:sty m:val="p"/>
                                       </m:rPr>
                                       <a:rPr lang="en-GB" i="0">
+                                        <a:solidFill>
+                                          <a:schemeClr val="tx1"/>
+                                        </a:solidFill>
                                         <a:latin typeface="Cambria Math" panose="02040503050406030204" pitchFamily="18" charset="0"/>
                                       </a:rPr>
                                       <m:t>sin</m:t>
@@ -24391,6 +25163,9 @@
                                   <m:e>
                                     <m:r>
                                       <a:rPr lang="en-GB" i="1">
+                                        <a:solidFill>
+                                          <a:schemeClr val="tx1"/>
+                                        </a:solidFill>
                                         <a:latin typeface="Cambria Math" panose="02040503050406030204" pitchFamily="18" charset="0"/>
                                       </a:rPr>
                                       <m:t>𝜃</m:t>
@@ -24403,6 +25178,9 @@
                               <m:e>
                                 <m:r>
                                   <a:rPr lang="en-GB" i="0">
+                                    <a:solidFill>
+                                      <a:schemeClr val="tx1"/>
+                                    </a:solidFill>
                                     <a:latin typeface="Cambria Math" panose="02040503050406030204" pitchFamily="18" charset="0"/>
                                   </a:rPr>
                                   <m:t>−</m:t>
@@ -24412,7 +25190,7 @@
                                     <m:ctrlPr>
                                       <a:rPr lang="en-GB" i="1">
                                         <a:solidFill>
-                                          <a:srgbClr val="836967"/>
+                                          <a:schemeClr val="tx1"/>
                                         </a:solidFill>
                                         <a:latin typeface="Cambria Math" panose="02040503050406030204" pitchFamily="18" charset="0"/>
                                       </a:rPr>
@@ -24423,6 +25201,9 @@
                                       <m:funcPr>
                                         <m:ctrlPr>
                                           <a:rPr lang="en-GB" i="1">
+                                            <a:solidFill>
+                                              <a:schemeClr val="tx1"/>
+                                            </a:solidFill>
                                             <a:latin typeface="Cambria Math" panose="02040503050406030204" pitchFamily="18" charset="0"/>
                                           </a:rPr>
                                         </m:ctrlPr>
@@ -24433,6 +25214,9 @@
                                             <m:sty m:val="p"/>
                                           </m:rPr>
                                           <a:rPr lang="en-GB" i="0">
+                                            <a:solidFill>
+                                              <a:schemeClr val="tx1"/>
+                                            </a:solidFill>
                                             <a:latin typeface="Cambria Math" panose="02040503050406030204" pitchFamily="18" charset="0"/>
                                           </a:rPr>
                                           <m:t>sin</m:t>
@@ -24441,6 +25225,9 @@
                                       <m:e>
                                         <m:r>
                                           <a:rPr lang="en-GB" i="1">
+                                            <a:solidFill>
+                                              <a:schemeClr val="tx1"/>
+                                            </a:solidFill>
                                             <a:latin typeface="Cambria Math" panose="02040503050406030204" pitchFamily="18" charset="0"/>
                                           </a:rPr>
                                           <m:t>𝜃</m:t>
@@ -24451,6 +25238,9 @@
                                   <m:den>
                                     <m:r>
                                       <a:rPr lang="en-GB" i="1">
+                                        <a:solidFill>
+                                          <a:schemeClr val="tx1"/>
+                                        </a:solidFill>
                                         <a:latin typeface="Cambria Math" panose="02040503050406030204" pitchFamily="18" charset="0"/>
                                       </a:rPr>
                                       <m:t>𝑣</m:t>
@@ -24464,7 +25254,7 @@
                                     <m:ctrlPr>
                                       <a:rPr lang="en-GB" i="1">
                                         <a:solidFill>
-                                          <a:srgbClr val="836967"/>
+                                          <a:schemeClr val="tx1"/>
                                         </a:solidFill>
                                         <a:latin typeface="Cambria Math" panose="02040503050406030204" pitchFamily="18" charset="0"/>
                                       </a:rPr>
@@ -24475,6 +25265,9 @@
                                       <m:funcPr>
                                         <m:ctrlPr>
                                           <a:rPr lang="en-GB" i="1">
+                                            <a:solidFill>
+                                              <a:schemeClr val="tx1"/>
+                                            </a:solidFill>
                                             <a:latin typeface="Cambria Math" panose="02040503050406030204" pitchFamily="18" charset="0"/>
                                           </a:rPr>
                                         </m:ctrlPr>
@@ -24485,6 +25278,9 @@
                                             <m:sty m:val="p"/>
                                           </m:rPr>
                                           <a:rPr lang="en-GB" i="0">
+                                            <a:solidFill>
+                                              <a:schemeClr val="tx1"/>
+                                            </a:solidFill>
                                             <a:latin typeface="Cambria Math" panose="02040503050406030204" pitchFamily="18" charset="0"/>
                                           </a:rPr>
                                           <m:t>cos</m:t>
@@ -24493,6 +25289,9 @@
                                       <m:e>
                                         <m:r>
                                           <a:rPr lang="en-GB" i="1">
+                                            <a:solidFill>
+                                              <a:schemeClr val="tx1"/>
+                                            </a:solidFill>
                                             <a:latin typeface="Cambria Math" panose="02040503050406030204" pitchFamily="18" charset="0"/>
                                           </a:rPr>
                                           <m:t>𝜃</m:t>
@@ -24503,6 +25302,9 @@
                                   <m:den>
                                     <m:r>
                                       <a:rPr lang="en-GB" i="1">
+                                        <a:solidFill>
+                                          <a:schemeClr val="tx1"/>
+                                        </a:solidFill>
                                         <a:latin typeface="Cambria Math" panose="02040503050406030204" pitchFamily="18" charset="0"/>
                                       </a:rPr>
                                       <m:t>𝑣</m:t>
@@ -24521,7 +25323,7 @@
                           <m:ctrlPr>
                             <a:rPr lang="en-GB" i="1">
                               <a:solidFill>
-                                <a:srgbClr val="836967"/>
+                                <a:schemeClr val="tx1"/>
                               </a:solidFill>
                               <a:latin typeface="Cambria Math" panose="02040503050406030204" pitchFamily="18" charset="0"/>
                             </a:rPr>
@@ -24542,7 +25344,7 @@
                               <m:ctrlPr>
                                 <a:rPr lang="en-GB" i="1">
                                   <a:solidFill>
-                                    <a:srgbClr val="836967"/>
+                                    <a:schemeClr val="tx1"/>
                                   </a:solidFill>
                                   <a:latin typeface="Cambria Math" panose="02040503050406030204" pitchFamily="18" charset="0"/>
                                 </a:rPr>
@@ -24555,7 +25357,7 @@
                                     <m:ctrlPr>
                                       <a:rPr lang="en-GB" i="1">
                                         <a:solidFill>
-                                          <a:srgbClr val="836967"/>
+                                          <a:schemeClr val="tx1"/>
                                         </a:solidFill>
                                         <a:latin typeface="Cambria Math" panose="02040503050406030204" pitchFamily="18" charset="0"/>
                                       </a:rPr>
@@ -24564,6 +25366,9 @@
                                   <m:e>
                                     <m:r>
                                       <a:rPr lang="en-GB" i="1">
+                                        <a:solidFill>
+                                          <a:schemeClr val="tx1"/>
+                                        </a:solidFill>
                                         <a:latin typeface="Cambria Math" panose="02040503050406030204" pitchFamily="18" charset="0"/>
                                       </a:rPr>
                                       <m:t>𝑢</m:t>
@@ -24572,6 +25377,9 @@
                                   <m:sub>
                                     <m:r>
                                       <a:rPr lang="en-GB" i="0">
+                                        <a:solidFill>
+                                          <a:schemeClr val="tx1"/>
+                                        </a:solidFill>
                                         <a:latin typeface="Cambria Math" panose="02040503050406030204" pitchFamily="18" charset="0"/>
                                       </a:rPr>
                                       <m:t>1</m:t>
@@ -24587,7 +25395,7 @@
                                     <m:ctrlPr>
                                       <a:rPr lang="en-GB" i="1">
                                         <a:solidFill>
-                                          <a:srgbClr val="836967"/>
+                                          <a:schemeClr val="tx1"/>
                                         </a:solidFill>
                                         <a:latin typeface="Cambria Math" panose="02040503050406030204" pitchFamily="18" charset="0"/>
                                       </a:rPr>
@@ -24596,6 +25404,9 @@
                                   <m:e>
                                     <m:r>
                                       <a:rPr lang="en-GB" i="1">
+                                        <a:solidFill>
+                                          <a:schemeClr val="tx1"/>
+                                        </a:solidFill>
                                         <a:latin typeface="Cambria Math" panose="02040503050406030204" pitchFamily="18" charset="0"/>
                                       </a:rPr>
                                       <m:t>𝑢</m:t>
@@ -24604,6 +25415,9 @@
                                   <m:sub>
                                     <m:r>
                                       <a:rPr lang="en-GB" i="0">
+                                        <a:solidFill>
+                                          <a:schemeClr val="tx1"/>
+                                        </a:solidFill>
                                         <a:latin typeface="Cambria Math" panose="02040503050406030204" pitchFamily="18" charset="0"/>
                                       </a:rPr>
                                       <m:t>2</m:t>
@@ -24712,7 +25526,7 @@
                           <m:ctrlPr>
                             <a:rPr lang="en-GB" i="1" smtClean="0">
                               <a:solidFill>
-                                <a:srgbClr val="836967"/>
+                                <a:schemeClr val="tx1"/>
                               </a:solidFill>
                               <a:latin typeface="Cambria Math" panose="02040503050406030204" pitchFamily="18" charset="0"/>
                             </a:rPr>
@@ -24724,7 +25538,7 @@
                               <m:ctrlPr>
                                 <a:rPr lang="en-GB" i="1">
                                   <a:solidFill>
-                                    <a:srgbClr val="836967"/>
+                                    <a:schemeClr val="tx1"/>
                                   </a:solidFill>
                                   <a:latin typeface="Cambria Math" panose="02040503050406030204" pitchFamily="18" charset="0"/>
                                 </a:rPr>
@@ -24733,6 +25547,9 @@
                             <m:e>
                               <m:r>
                                 <a:rPr lang="en-GB">
+                                  <a:solidFill>
+                                    <a:schemeClr val="tx1"/>
+                                  </a:solidFill>
                                   <a:latin typeface="Cambria Math" panose="02040503050406030204" pitchFamily="18" charset="0"/>
                                 </a:rPr>
                                 <m:t>&amp;</m:t>
@@ -24742,7 +25559,7 @@
                                   <m:ctrlPr>
                                     <a:rPr lang="en-GB" i="1">
                                       <a:solidFill>
-                                        <a:srgbClr val="836967"/>
+                                        <a:schemeClr val="tx1"/>
                                       </a:solidFill>
                                       <a:latin typeface="Cambria Math" panose="02040503050406030204" pitchFamily="18" charset="0"/>
                                     </a:rPr>
@@ -24751,6 +25568,9 @@
                                 <m:e>
                                   <m:r>
                                     <a:rPr lang="en-GB" i="1">
+                                      <a:solidFill>
+                                        <a:schemeClr val="tx1"/>
+                                      </a:solidFill>
                                       <a:latin typeface="Cambria Math" panose="02040503050406030204" pitchFamily="18" charset="0"/>
                                     </a:rPr>
                                     <m:t>𝑧</m:t>
@@ -24759,6 +25579,9 @@
                                 <m:sub>
                                   <m:r>
                                     <a:rPr lang="en-GB" i="0">
+                                      <a:solidFill>
+                                        <a:schemeClr val="tx1"/>
+                                      </a:solidFill>
                                       <a:latin typeface="Cambria Math" panose="02040503050406030204" pitchFamily="18" charset="0"/>
                                     </a:rPr>
                                     <m:t>1</m:t>
@@ -24767,12 +25590,18 @@
                               </m:sSub>
                               <m:r>
                                 <a:rPr lang="en-GB" i="0">
+                                  <a:solidFill>
+                                    <a:schemeClr val="tx1"/>
+                                  </a:solidFill>
                                   <a:latin typeface="Cambria Math" panose="02040503050406030204" pitchFamily="18" charset="0"/>
                                 </a:rPr>
                                 <m:t>=</m:t>
                               </m:r>
                               <m:r>
                                 <a:rPr lang="en-GB" i="1">
+                                  <a:solidFill>
+                                    <a:schemeClr val="tx1"/>
+                                  </a:solidFill>
                                   <a:latin typeface="Cambria Math" panose="02040503050406030204" pitchFamily="18" charset="0"/>
                                 </a:rPr>
                                 <m:t>𝑥</m:t>
@@ -24781,6 +25610,9 @@
                             <m:e>
                               <m:r>
                                 <a:rPr lang="en-GB" i="0">
+                                  <a:solidFill>
+                                    <a:schemeClr val="tx1"/>
+                                  </a:solidFill>
                                   <a:latin typeface="Cambria Math" panose="02040503050406030204" pitchFamily="18" charset="0"/>
                                 </a:rPr>
                                 <m:t>&amp;</m:t>
@@ -24790,7 +25622,7 @@
                                   <m:ctrlPr>
                                     <a:rPr lang="en-GB" i="1">
                                       <a:solidFill>
-                                        <a:srgbClr val="836967"/>
+                                        <a:schemeClr val="tx1"/>
                                       </a:solidFill>
                                       <a:latin typeface="Cambria Math" panose="02040503050406030204" pitchFamily="18" charset="0"/>
                                     </a:rPr>
@@ -24799,6 +25631,9 @@
                                 <m:e>
                                   <m:r>
                                     <a:rPr lang="en-GB" i="1">
+                                      <a:solidFill>
+                                        <a:schemeClr val="tx1"/>
+                                      </a:solidFill>
                                       <a:latin typeface="Cambria Math" panose="02040503050406030204" pitchFamily="18" charset="0"/>
                                     </a:rPr>
                                     <m:t>𝑧</m:t>
@@ -24807,6 +25642,9 @@
                                 <m:sub>
                                   <m:r>
                                     <a:rPr lang="en-GB" i="0">
+                                      <a:solidFill>
+                                        <a:schemeClr val="tx1"/>
+                                      </a:solidFill>
                                       <a:latin typeface="Cambria Math" panose="02040503050406030204" pitchFamily="18" charset="0"/>
                                     </a:rPr>
                                     <m:t>2</m:t>
@@ -24815,12 +25653,18 @@
                               </m:sSub>
                               <m:r>
                                 <a:rPr lang="en-GB" i="0">
+                                  <a:solidFill>
+                                    <a:schemeClr val="tx1"/>
+                                  </a:solidFill>
                                   <a:latin typeface="Cambria Math" panose="02040503050406030204" pitchFamily="18" charset="0"/>
                                 </a:rPr>
                                 <m:t>=</m:t>
                               </m:r>
                               <m:r>
                                 <a:rPr lang="en-GB" i="1">
+                                  <a:solidFill>
+                                    <a:schemeClr val="tx1"/>
+                                  </a:solidFill>
                                   <a:latin typeface="Cambria Math" panose="02040503050406030204" pitchFamily="18" charset="0"/>
                                 </a:rPr>
                                 <m:t>𝑦</m:t>
@@ -24829,6 +25673,9 @@
                             <m:e>
                               <m:r>
                                 <a:rPr lang="en-GB" i="0">
+                                  <a:solidFill>
+                                    <a:schemeClr val="tx1"/>
+                                  </a:solidFill>
                                   <a:latin typeface="Cambria Math" panose="02040503050406030204" pitchFamily="18" charset="0"/>
                                 </a:rPr>
                                 <m:t>&amp;</m:t>
@@ -24838,7 +25685,7 @@
                                   <m:ctrlPr>
                                     <a:rPr lang="en-GB" i="1">
                                       <a:solidFill>
-                                        <a:srgbClr val="836967"/>
+                                        <a:schemeClr val="tx1"/>
                                       </a:solidFill>
                                       <a:latin typeface="Cambria Math" panose="02040503050406030204" pitchFamily="18" charset="0"/>
                                     </a:rPr>
@@ -24847,6 +25694,9 @@
                                 <m:e>
                                   <m:r>
                                     <a:rPr lang="en-GB" i="1">
+                                      <a:solidFill>
+                                        <a:schemeClr val="tx1"/>
+                                      </a:solidFill>
                                       <a:latin typeface="Cambria Math" panose="02040503050406030204" pitchFamily="18" charset="0"/>
                                     </a:rPr>
                                     <m:t>𝑧</m:t>
@@ -24855,6 +25705,9 @@
                                 <m:sub>
                                   <m:r>
                                     <a:rPr lang="en-GB" i="0">
+                                      <a:solidFill>
+                                        <a:schemeClr val="tx1"/>
+                                      </a:solidFill>
                                       <a:latin typeface="Cambria Math" panose="02040503050406030204" pitchFamily="18" charset="0"/>
                                     </a:rPr>
                                     <m:t>3</m:t>
@@ -24863,6 +25716,9 @@
                               </m:sSub>
                               <m:r>
                                 <a:rPr lang="en-GB" i="0">
+                                  <a:solidFill>
+                                    <a:schemeClr val="tx1"/>
+                                  </a:solidFill>
                                   <a:latin typeface="Cambria Math" panose="02040503050406030204" pitchFamily="18" charset="0"/>
                                 </a:rPr>
                                 <m:t>=</m:t>
@@ -24873,7 +25729,7 @@
                                   <m:ctrlPr>
                                     <a:rPr lang="en-GB" i="1">
                                       <a:solidFill>
-                                        <a:srgbClr val="836967"/>
+                                        <a:schemeClr val="tx1"/>
                                       </a:solidFill>
                                       <a:latin typeface="Cambria Math" panose="02040503050406030204" pitchFamily="18" charset="0"/>
                                     </a:rPr>
@@ -24882,6 +25738,9 @@
                                 <m:e>
                                   <m:r>
                                     <a:rPr lang="en-GB" i="1">
+                                      <a:solidFill>
+                                        <a:schemeClr val="tx1"/>
+                                      </a:solidFill>
                                       <a:latin typeface="Cambria Math" panose="02040503050406030204" pitchFamily="18" charset="0"/>
                                     </a:rPr>
                                     <m:t>𝑥</m:t>
@@ -24892,6 +25751,9 @@
                             <m:e>
                               <m:r>
                                 <a:rPr lang="en-GB" i="0">
+                                  <a:solidFill>
+                                    <a:schemeClr val="tx1"/>
+                                  </a:solidFill>
                                   <a:latin typeface="Cambria Math" panose="02040503050406030204" pitchFamily="18" charset="0"/>
                                 </a:rPr>
                                 <m:t>&amp;</m:t>
@@ -24901,7 +25763,7 @@
                                   <m:ctrlPr>
                                     <a:rPr lang="en-GB" i="1">
                                       <a:solidFill>
-                                        <a:srgbClr val="836967"/>
+                                        <a:schemeClr val="tx1"/>
                                       </a:solidFill>
                                       <a:latin typeface="Cambria Math" panose="02040503050406030204" pitchFamily="18" charset="0"/>
                                     </a:rPr>
@@ -24910,6 +25772,9 @@
                                 <m:e>
                                   <m:r>
                                     <a:rPr lang="en-GB" i="1">
+                                      <a:solidFill>
+                                        <a:schemeClr val="tx1"/>
+                                      </a:solidFill>
                                       <a:latin typeface="Cambria Math" panose="02040503050406030204" pitchFamily="18" charset="0"/>
                                     </a:rPr>
                                     <m:t>𝑧</m:t>
@@ -24918,6 +25783,9 @@
                                 <m:sub>
                                   <m:r>
                                     <a:rPr lang="en-GB" i="0">
+                                      <a:solidFill>
+                                        <a:schemeClr val="tx1"/>
+                                      </a:solidFill>
                                       <a:latin typeface="Cambria Math" panose="02040503050406030204" pitchFamily="18" charset="0"/>
                                     </a:rPr>
                                     <m:t>4</m:t>
@@ -24926,6 +25794,9 @@
                               </m:sSub>
                               <m:r>
                                 <a:rPr lang="en-GB" i="0">
+                                  <a:solidFill>
+                                    <a:schemeClr val="tx1"/>
+                                  </a:solidFill>
                                   <a:latin typeface="Cambria Math" panose="02040503050406030204" pitchFamily="18" charset="0"/>
                                 </a:rPr>
                                 <m:t>=</m:t>
@@ -24936,7 +25807,7 @@
                                   <m:ctrlPr>
                                     <a:rPr lang="en-GB" i="1">
                                       <a:solidFill>
-                                        <a:srgbClr val="836967"/>
+                                        <a:schemeClr val="tx1"/>
                                       </a:solidFill>
                                       <a:latin typeface="Cambria Math" panose="02040503050406030204" pitchFamily="18" charset="0"/>
                                     </a:rPr>
@@ -24945,6 +25816,9 @@
                                 <m:e>
                                   <m:r>
                                     <a:rPr lang="en-GB" i="1">
+                                      <a:solidFill>
+                                        <a:schemeClr val="tx1"/>
+                                      </a:solidFill>
                                       <a:latin typeface="Cambria Math" panose="02040503050406030204" pitchFamily="18" charset="0"/>
                                     </a:rPr>
                                     <m:t>𝑦</m:t>
@@ -25672,7 +26546,7 @@
               <a:rPr lang="it-IT" sz="6600" b="1" dirty="0">
                 <a:latin typeface="Bahnschrift SemiCondensed" panose="020B0502040204020203" pitchFamily="34" charset="0"/>
               </a:rPr>
-              <a:t>00</a:t>
+              <a:t>94%</a:t>
             </a:r>
             <a:endParaRPr lang="it-IT" sz="7200" b="1" dirty="0">
               <a:latin typeface="Bahnschrift SemiCondensed" panose="020B0502040204020203" pitchFamily="34" charset="0"/>
@@ -25904,7 +26778,7 @@
               <a:rPr lang="it-IT" sz="6600" b="1" dirty="0">
                 <a:latin typeface="Bahnschrift SemiCondensed" panose="020B0502040204020203" pitchFamily="34" charset="0"/>
               </a:rPr>
-              <a:t>000</a:t>
+              <a:t>78%</a:t>
             </a:r>
             <a:endParaRPr lang="it-IT" sz="7200" b="1" dirty="0">
               <a:latin typeface="Bahnschrift SemiCondensed" panose="020B0502040204020203" pitchFamily="34" charset="0"/>
@@ -26160,7 +27034,7 @@
               <a:rPr lang="it-IT" sz="6600" b="1" dirty="0">
                 <a:latin typeface="Bahnschrift SemiCondensed" panose="020B0502040204020203" pitchFamily="34" charset="0"/>
               </a:rPr>
-              <a:t>000</a:t>
+              <a:t>0.262</a:t>
             </a:r>
             <a:endParaRPr lang="it-IT" sz="7200" b="1" dirty="0">
               <a:latin typeface="Bahnschrift SemiCondensed" panose="020B0502040204020203" pitchFamily="34" charset="0"/>
@@ -28568,19 +29442,7 @@
               <a:rPr lang="it-IT" sz="2400" dirty="0">
                 <a:latin typeface="Bahnschrift SemiCondensed" panose="020B0502040204020203" pitchFamily="34" charset="0"/>
               </a:rPr>
-              <a:t>Solution</a:t>
-            </a:r>
-            <a:r>
-              <a:rPr lang="it-IT" sz="2400">
-                <a:latin typeface="Bahnschrift SemiCondensed" panose="020B0502040204020203" pitchFamily="34" charset="0"/>
-              </a:rPr>
-              <a:t>: Set </a:t>
-            </a:r>
-            <a:r>
-              <a:rPr lang="it-IT" sz="2400" dirty="0">
-                <a:latin typeface="Bahnschrift SemiCondensed" panose="020B0502040204020203" pitchFamily="34" charset="0"/>
-              </a:rPr>
-              <a:t>the minimum linear </a:t>
+              <a:t>Solution: Set the minimum linear </a:t>
             </a:r>
             <a:r>
               <a:rPr lang="it-IT" sz="2400" dirty="0" err="1">
@@ -28597,8 +29459,8 @@
           </a:p>
         </p:txBody>
       </p:sp>
-      <mc:AlternateContent xmlns:mc="http://schemas.openxmlformats.org/markup-compatibility/2006">
-        <mc:Choice xmlns:a14="http://schemas.microsoft.com/office/drawing/2010/main" Requires="a14">
+      <mc:AlternateContent xmlns:mc="http://schemas.openxmlformats.org/markup-compatibility/2006" xmlns:a14="http://schemas.microsoft.com/office/drawing/2010/main">
+        <mc:Choice Requires="a14">
           <p:sp>
             <p:nvSpPr>
               <p:cNvPr id="3" name="TextBox 2">
@@ -28941,7 +29803,7 @@
             </p:txBody>
           </p:sp>
         </mc:Choice>
-        <mc:Fallback>
+        <mc:Fallback xmlns="">
           <p:sp>
             <p:nvSpPr>
               <p:cNvPr id="3" name="TextBox 2">
@@ -30451,7 +31313,7 @@
           <p:nvPr>
             <p:extLst>
               <p:ext uri="{D42A27DB-BD31-4B8C-83A1-F6EECF244321}">
-                <p14:modId xmlns:p14="http://schemas.microsoft.com/office/powerpoint/2010/main" val="1957949735"/>
+                <p14:modId xmlns:p14="http://schemas.microsoft.com/office/powerpoint/2010/main" val="2371441661"/>
               </p:ext>
             </p:extLst>
           </p:nvPr>
@@ -31013,6 +31875,80 @@
                             <a:schemeClr val="tx1"/>
                           </a:solidFill>
                         </a:rPr>
+                        <a:t>HARD</a:t>
+                      </a:r>
+                    </a:p>
+                  </a:txBody>
+                  <a:tcPr anchor="ctr">
+                    <a:lnL w="12700" cap="flat" cmpd="sng" algn="ctr">
+                      <a:solidFill>
+                        <a:schemeClr val="bg1">
+                          <a:lumMod val="95000"/>
+                        </a:schemeClr>
+                      </a:solidFill>
+                      <a:prstDash val="solid"/>
+                      <a:round/>
+                      <a:headEnd type="none" w="med" len="med"/>
+                      <a:tailEnd type="none" w="med" len="med"/>
+                    </a:lnL>
+                    <a:lnR w="12700" cap="flat" cmpd="sng" algn="ctr">
+                      <a:solidFill>
+                        <a:schemeClr val="bg1">
+                          <a:lumMod val="95000"/>
+                        </a:schemeClr>
+                      </a:solidFill>
+                      <a:prstDash val="solid"/>
+                      <a:round/>
+                      <a:headEnd type="none" w="med" len="med"/>
+                      <a:tailEnd type="none" w="med" len="med"/>
+                    </a:lnR>
+                    <a:lnT w="12700" cap="flat" cmpd="sng" algn="ctr">
+                      <a:solidFill>
+                        <a:schemeClr val="bg1">
+                          <a:lumMod val="95000"/>
+                        </a:schemeClr>
+                      </a:solidFill>
+                      <a:prstDash val="solid"/>
+                      <a:round/>
+                      <a:headEnd type="none" w="med" len="med"/>
+                      <a:tailEnd type="none" w="med" len="med"/>
+                    </a:lnT>
+                    <a:lnB w="12700" cap="flat" cmpd="sng" algn="ctr">
+                      <a:solidFill>
+                        <a:schemeClr val="bg1">
+                          <a:lumMod val="95000"/>
+                        </a:schemeClr>
+                      </a:solidFill>
+                      <a:prstDash val="solid"/>
+                      <a:round/>
+                      <a:headEnd type="none" w="med" len="med"/>
+                      <a:tailEnd type="none" w="med" len="med"/>
+                    </a:lnB>
+                    <a:lnTlToBr w="12700" cmpd="sng">
+                      <a:noFill/>
+                      <a:prstDash val="solid"/>
+                    </a:lnTlToBr>
+                    <a:lnBlToTr w="12700" cmpd="sng">
+                      <a:noFill/>
+                      <a:prstDash val="solid"/>
+                    </a:lnBlToTr>
+                    <a:solidFill>
+                      <a:srgbClr val="CF4548"/>
+                    </a:solidFill>
+                  </a:tcPr>
+                </a:tc>
+                <a:tc>
+                  <a:txBody>
+                    <a:bodyPr/>
+                    <a:lstStyle/>
+                    <a:p>
+                      <a:pPr algn="ctr"/>
+                      <a:r>
+                        <a:rPr lang="en-GB" dirty="0">
+                          <a:solidFill>
+                            <a:schemeClr val="tx1"/>
+                          </a:solidFill>
+                        </a:rPr>
                         <a:t>EASY</a:t>
                       </a:r>
                     </a:p>
@@ -31072,80 +32008,6 @@
                     </a:lnBlToTr>
                     <a:solidFill>
                       <a:srgbClr val="92D050"/>
-                    </a:solidFill>
-                  </a:tcPr>
-                </a:tc>
-                <a:tc>
-                  <a:txBody>
-                    <a:bodyPr/>
-                    <a:lstStyle/>
-                    <a:p>
-                      <a:pPr algn="ctr"/>
-                      <a:r>
-                        <a:rPr lang="en-GB" dirty="0">
-                          <a:solidFill>
-                            <a:schemeClr val="tx1"/>
-                          </a:solidFill>
-                        </a:rPr>
-                        <a:t>HARD</a:t>
-                      </a:r>
-                    </a:p>
-                  </a:txBody>
-                  <a:tcPr anchor="ctr">
-                    <a:lnL w="12700" cap="flat" cmpd="sng" algn="ctr">
-                      <a:solidFill>
-                        <a:schemeClr val="bg1">
-                          <a:lumMod val="95000"/>
-                        </a:schemeClr>
-                      </a:solidFill>
-                      <a:prstDash val="solid"/>
-                      <a:round/>
-                      <a:headEnd type="none" w="med" len="med"/>
-                      <a:tailEnd type="none" w="med" len="med"/>
-                    </a:lnL>
-                    <a:lnR w="12700" cap="flat" cmpd="sng" algn="ctr">
-                      <a:solidFill>
-                        <a:schemeClr val="bg1">
-                          <a:lumMod val="95000"/>
-                        </a:schemeClr>
-                      </a:solidFill>
-                      <a:prstDash val="solid"/>
-                      <a:round/>
-                      <a:headEnd type="none" w="med" len="med"/>
-                      <a:tailEnd type="none" w="med" len="med"/>
-                    </a:lnR>
-                    <a:lnT w="12700" cap="flat" cmpd="sng" algn="ctr">
-                      <a:solidFill>
-                        <a:schemeClr val="bg1">
-                          <a:lumMod val="95000"/>
-                        </a:schemeClr>
-                      </a:solidFill>
-                      <a:prstDash val="solid"/>
-                      <a:round/>
-                      <a:headEnd type="none" w="med" len="med"/>
-                      <a:tailEnd type="none" w="med" len="med"/>
-                    </a:lnT>
-                    <a:lnB w="12700" cap="flat" cmpd="sng" algn="ctr">
-                      <a:solidFill>
-                        <a:schemeClr val="bg1">
-                          <a:lumMod val="95000"/>
-                        </a:schemeClr>
-                      </a:solidFill>
-                      <a:prstDash val="solid"/>
-                      <a:round/>
-                      <a:headEnd type="none" w="med" len="med"/>
-                      <a:tailEnd type="none" w="med" len="med"/>
-                    </a:lnB>
-                    <a:lnTlToBr w="12700" cmpd="sng">
-                      <a:noFill/>
-                      <a:prstDash val="solid"/>
-                    </a:lnTlToBr>
-                    <a:lnBlToTr w="12700" cmpd="sng">
-                      <a:noFill/>
-                      <a:prstDash val="solid"/>
-                    </a:lnBlToTr>
-                    <a:solidFill>
-                      <a:srgbClr val="CF4548"/>
                     </a:solidFill>
                   </a:tcPr>
                 </a:tc>
@@ -31970,7 +32832,7 @@
                             <a:schemeClr val="tx1"/>
                           </a:solidFill>
                         </a:rPr>
-                        <a:t>CONV. SPEED</a:t>
+                        <a:t>CONV. TIME</a:t>
                       </a:r>
                     </a:p>
                   </a:txBody>
@@ -32031,11 +32893,14 @@
                     <a:lstStyle/>
                     <a:p>
                       <a:pPr algn="ctr"/>
-                      <a:endParaRPr lang="en-GB" dirty="0">
-                        <a:solidFill>
-                          <a:schemeClr val="tx1"/>
-                        </a:solidFill>
-                      </a:endParaRPr>
+                      <a:r>
+                        <a:rPr lang="en-GB" dirty="0">
+                          <a:solidFill>
+                            <a:schemeClr val="tx1"/>
+                          </a:solidFill>
+                        </a:rPr>
+                        <a:t>3.915</a:t>
+                      </a:r>
                     </a:p>
                   </a:txBody>
                   <a:tcPr anchor="ctr">
@@ -32091,6 +32956,9 @@
                       <a:noFill/>
                       <a:prstDash val="solid"/>
                     </a:lnBlToTr>
+                    <a:solidFill>
+                      <a:srgbClr val="CF4548"/>
+                    </a:solidFill>
                   </a:tcPr>
                 </a:tc>
                 <a:tc>
@@ -32099,11 +32967,14 @@
                     <a:lstStyle/>
                     <a:p>
                       <a:pPr algn="ctr"/>
-                      <a:endParaRPr lang="en-GB" dirty="0">
-                        <a:solidFill>
-                          <a:schemeClr val="tx1"/>
-                        </a:solidFill>
-                      </a:endParaRPr>
+                      <a:r>
+                        <a:rPr lang="en-GB" dirty="0">
+                          <a:solidFill>
+                            <a:schemeClr val="tx1"/>
+                          </a:solidFill>
+                        </a:rPr>
+                        <a:t>2.876</a:t>
+                      </a:r>
                     </a:p>
                   </a:txBody>
                   <a:tcPr anchor="ctr">
@@ -32159,6 +33030,9 @@
                       <a:noFill/>
                       <a:prstDash val="solid"/>
                     </a:lnBlToTr>
+                    <a:solidFill>
+                      <a:srgbClr val="92D050"/>
+                    </a:solidFill>
                   </a:tcPr>
                 </a:tc>
                 <a:tc>
@@ -32167,11 +33041,14 @@
                     <a:lstStyle/>
                     <a:p>
                       <a:pPr algn="ctr"/>
-                      <a:endParaRPr lang="en-GB" dirty="0">
-                        <a:solidFill>
-                          <a:schemeClr val="tx1"/>
-                        </a:solidFill>
-                      </a:endParaRPr>
+                      <a:r>
+                        <a:rPr lang="en-GB" dirty="0">
+                          <a:solidFill>
+                            <a:schemeClr val="tx1"/>
+                          </a:solidFill>
+                        </a:rPr>
+                        <a:t>2.268</a:t>
+                      </a:r>
                     </a:p>
                   </a:txBody>
                   <a:tcPr anchor="ctr">
@@ -32227,6 +33104,9 @@
                       <a:noFill/>
                       <a:prstDash val="solid"/>
                     </a:lnBlToTr>
+                    <a:solidFill>
+                      <a:srgbClr val="92D050"/>
+                    </a:solidFill>
                   </a:tcPr>
                 </a:tc>
                 <a:tc>
@@ -32235,11 +33115,14 @@
                     <a:lstStyle/>
                     <a:p>
                       <a:pPr algn="ctr"/>
-                      <a:endParaRPr lang="en-GB" dirty="0">
-                        <a:solidFill>
-                          <a:schemeClr val="tx1"/>
-                        </a:solidFill>
-                      </a:endParaRPr>
+                      <a:r>
+                        <a:rPr lang="en-GB" dirty="0">
+                          <a:solidFill>
+                            <a:schemeClr val="tx1"/>
+                          </a:solidFill>
+                        </a:rPr>
+                        <a:t>3.319</a:t>
+                      </a:r>
                     </a:p>
                   </a:txBody>
                   <a:tcPr anchor="ctr">
@@ -32291,6 +33174,12 @@
                       <a:noFill/>
                       <a:prstDash val="solid"/>
                     </a:lnBlToTr>
+                    <a:solidFill>
+                      <a:schemeClr val="accent4">
+                        <a:lumMod val="60000"/>
+                        <a:lumOff val="40000"/>
+                      </a:schemeClr>
+                    </a:solidFill>
                   </a:tcPr>
                 </a:tc>
                 <a:extLst>
@@ -32369,11 +33258,14 @@
                     <a:lstStyle/>
                     <a:p>
                       <a:pPr algn="ctr"/>
-                      <a:endParaRPr lang="en-GB" dirty="0">
-                        <a:solidFill>
-                          <a:schemeClr val="tx1"/>
-                        </a:solidFill>
-                      </a:endParaRPr>
+                      <a:r>
+                        <a:rPr lang="en-GB" dirty="0">
+                          <a:solidFill>
+                            <a:schemeClr val="tx1"/>
+                          </a:solidFill>
+                        </a:rPr>
+                        <a:t>MEDIUM</a:t>
+                      </a:r>
                     </a:p>
                   </a:txBody>
                   <a:tcPr anchor="ctr">
@@ -32425,6 +33317,12 @@
                       <a:noFill/>
                       <a:prstDash val="solid"/>
                     </a:lnBlToTr>
+                    <a:solidFill>
+                      <a:schemeClr val="accent4">
+                        <a:lumMod val="60000"/>
+                        <a:lumOff val="40000"/>
+                      </a:schemeClr>
+                    </a:solidFill>
                   </a:tcPr>
                 </a:tc>
                 <a:tc>
@@ -32433,11 +33331,14 @@
                     <a:lstStyle/>
                     <a:p>
                       <a:pPr algn="ctr"/>
-                      <a:endParaRPr lang="en-GB">
-                        <a:solidFill>
-                          <a:schemeClr val="tx1"/>
-                        </a:solidFill>
-                      </a:endParaRPr>
+                      <a:r>
+                        <a:rPr lang="en-GB" dirty="0">
+                          <a:solidFill>
+                            <a:schemeClr val="tx1"/>
+                          </a:solidFill>
+                        </a:rPr>
+                        <a:t>LOW</a:t>
+                      </a:r>
                     </a:p>
                   </a:txBody>
                   <a:tcPr anchor="ctr">
@@ -32489,6 +33390,9 @@
                       <a:noFill/>
                       <a:prstDash val="solid"/>
                     </a:lnBlToTr>
+                    <a:solidFill>
+                      <a:srgbClr val="92D050"/>
+                    </a:solidFill>
                   </a:tcPr>
                 </a:tc>
                 <a:tc>
@@ -32497,11 +33401,14 @@
                     <a:lstStyle/>
                     <a:p>
                       <a:pPr algn="ctr"/>
-                      <a:endParaRPr lang="en-GB">
-                        <a:solidFill>
-                          <a:schemeClr val="tx1"/>
-                        </a:solidFill>
-                      </a:endParaRPr>
+                      <a:r>
+                        <a:rPr lang="en-GB" dirty="0">
+                          <a:solidFill>
+                            <a:schemeClr val="tx1"/>
+                          </a:solidFill>
+                        </a:rPr>
+                        <a:t>LOW</a:t>
+                      </a:r>
                     </a:p>
                   </a:txBody>
                   <a:tcPr anchor="ctr">
@@ -32553,6 +33460,9 @@
                       <a:noFill/>
                       <a:prstDash val="solid"/>
                     </a:lnBlToTr>
+                    <a:solidFill>
+                      <a:srgbClr val="92D050"/>
+                    </a:solidFill>
                   </a:tcPr>
                 </a:tc>
                 <a:tc>
@@ -32561,11 +33471,14 @@
                     <a:lstStyle/>
                     <a:p>
                       <a:pPr algn="ctr"/>
-                      <a:endParaRPr lang="en-GB" dirty="0">
-                        <a:solidFill>
-                          <a:schemeClr val="tx1"/>
-                        </a:solidFill>
-                      </a:endParaRPr>
+                      <a:r>
+                        <a:rPr lang="en-GB" dirty="0">
+                          <a:solidFill>
+                            <a:schemeClr val="tx1"/>
+                          </a:solidFill>
+                        </a:rPr>
+                        <a:t>HIGH</a:t>
+                      </a:r>
                     </a:p>
                   </a:txBody>
                   <a:tcPr anchor="ctr">
@@ -32613,6 +33526,9 @@
                       <a:noFill/>
                       <a:prstDash val="solid"/>
                     </a:lnBlToTr>
+                    <a:solidFill>
+                      <a:srgbClr val="CF4548"/>
+                    </a:solidFill>
                   </a:tcPr>
                 </a:tc>
                 <a:extLst>
@@ -32915,7 +33831,7 @@
           <p:nvPr>
             <p:extLst>
               <p:ext uri="{D42A27DB-BD31-4B8C-83A1-F6EECF244321}">
-                <p14:modId xmlns:p14="http://schemas.microsoft.com/office/powerpoint/2010/main" val="32354506"/>
+                <p14:modId xmlns:p14="http://schemas.microsoft.com/office/powerpoint/2010/main" val="2840527234"/>
               </p:ext>
             </p:extLst>
           </p:nvPr>
@@ -33169,7 +34085,7 @@
                     <a:p>
                       <a:pPr algn="ctr"/>
                       <a:r>
-                        <a:rPr lang="en-GB" dirty="0"/>
+                        <a:rPr lang="en-GB" b="1" dirty="0"/>
                         <a:t>LINEAR</a:t>
                       </a:r>
                     </a:p>
@@ -33237,14 +34153,14 @@
                     <a:p>
                       <a:pPr algn="ctr"/>
                       <a:r>
-                        <a:rPr lang="en-GB" dirty="0"/>
+                        <a:rPr lang="en-GB" b="1" dirty="0"/>
                         <a:t>Linear dynamics</a:t>
                       </a:r>
                     </a:p>
                     <a:p>
                       <a:pPr algn="ctr"/>
                       <a:r>
-                        <a:rPr lang="en-GB" dirty="0"/>
+                        <a:rPr lang="en-GB" b="1" dirty="0"/>
                         <a:t>Poles allocation rule</a:t>
                       </a:r>
                     </a:p>
@@ -33317,28 +34233,28 @@
                     <a:p>
                       <a:pPr algn="ctr"/>
                       <a:r>
-                        <a:rPr lang="en-GB" sz="1400" dirty="0"/>
+                        <a:rPr lang="en-GB" sz="1400" b="1" dirty="0"/>
                         <a:t>Sensitivity</a:t>
                       </a:r>
                     </a:p>
                     <a:p>
                       <a:pPr algn="ctr"/>
                       <a:r>
-                        <a:rPr lang="en-GB" sz="1400" dirty="0"/>
+                        <a:rPr lang="en-GB" sz="1400" b="1" dirty="0"/>
                         <a:t>Approximation around equilibrium</a:t>
                       </a:r>
                     </a:p>
                     <a:p>
                       <a:pPr algn="ctr"/>
                       <a:r>
-                        <a:rPr lang="en-GB" sz="1400" dirty="0"/>
+                        <a:rPr lang="en-GB" sz="1400" b="1" dirty="0"/>
                         <a:t>Differential Flatness needed</a:t>
                       </a:r>
                     </a:p>
                     <a:p>
                       <a:pPr algn="ctr"/>
                       <a:r>
-                        <a:rPr lang="en-GB" sz="1400" dirty="0"/>
+                        <a:rPr lang="en-GB" sz="1400" b="1" dirty="0"/>
                         <a:t>Stability only for specific conditions</a:t>
                       </a:r>
                     </a:p>
@@ -33411,7 +34327,7 @@
                     <a:p>
                       <a:pPr algn="ctr"/>
                       <a:r>
-                        <a:rPr lang="en-GB" dirty="0"/>
+                        <a:rPr lang="en-GB" b="1" dirty="0"/>
                         <a:t>NON-LINEAR</a:t>
                       </a:r>
                     </a:p>
@@ -33477,14 +34393,14 @@
                     <a:p>
                       <a:pPr algn="ctr"/>
                       <a:r>
-                        <a:rPr lang="en-GB" dirty="0"/>
+                        <a:rPr lang="en-GB" b="1" dirty="0"/>
                         <a:t>No approximation needed</a:t>
                       </a:r>
                     </a:p>
                     <a:p>
                       <a:pPr algn="ctr"/>
                       <a:r>
-                        <a:rPr lang="en-GB" dirty="0"/>
+                        <a:rPr lang="en-GB" b="1" dirty="0"/>
                         <a:t>Non linear control law</a:t>
                       </a:r>
                     </a:p>
@@ -33557,7 +34473,7 @@
                     <a:p>
                       <a:pPr algn="ctr"/>
                       <a:r>
-                        <a:rPr lang="en-GB" sz="1400" dirty="0"/>
+                        <a:rPr lang="en-GB" sz="1400" b="1" dirty="0"/>
                         <a:t>Non-linear dynamics</a:t>
                       </a:r>
                     </a:p>
@@ -33580,7 +34496,7 @@
                         <a:defRPr/>
                       </a:pPr>
                       <a:r>
-                        <a:rPr lang="en-GB" sz="1400" dirty="0"/>
+                        <a:rPr lang="en-GB" sz="1400" b="1" dirty="0"/>
                         <a:t>Differential Flatness needed</a:t>
                       </a:r>
                     </a:p>
@@ -33653,7 +34569,7 @@
                     <a:p>
                       <a:pPr algn="ctr"/>
                       <a:r>
-                        <a:rPr lang="en-GB" dirty="0"/>
+                        <a:rPr lang="en-GB" b="1" dirty="0"/>
                         <a:t>SAGITTAL</a:t>
                       </a:r>
                     </a:p>
@@ -33721,28 +34637,28 @@
                     <a:p>
                       <a:pPr algn="ctr"/>
                       <a:r>
-                        <a:rPr lang="en-GB" sz="1600" dirty="0"/>
+                        <a:rPr lang="en-GB" sz="1600" b="1" dirty="0"/>
                         <a:t>Decoupled dynamics</a:t>
                       </a:r>
                     </a:p>
                     <a:p>
                       <a:pPr algn="ctr"/>
                       <a:r>
-                        <a:rPr lang="en-GB" sz="1600" dirty="0"/>
+                        <a:rPr lang="en-GB" sz="1600" b="1" dirty="0"/>
                         <a:t>No differential flatness</a:t>
                       </a:r>
                     </a:p>
                     <a:p>
                       <a:pPr algn="ctr"/>
                       <a:r>
-                        <a:rPr lang="en-GB" sz="1600" dirty="0"/>
+                        <a:rPr lang="en-GB" sz="1600" b="1" dirty="0"/>
                         <a:t>Linear control law</a:t>
                       </a:r>
                     </a:p>
                     <a:p>
                       <a:pPr algn="ctr"/>
                       <a:r>
-                        <a:rPr lang="en-GB" sz="1600" dirty="0"/>
+                        <a:rPr lang="en-GB" sz="1600" b="1" dirty="0"/>
                         <a:t>Feedforward action</a:t>
                       </a:r>
                     </a:p>
@@ -33815,21 +34731,21 @@
                     <a:p>
                       <a:pPr algn="ctr"/>
                       <a:r>
-                        <a:rPr lang="en-GB" sz="1400" dirty="0"/>
+                        <a:rPr lang="en-GB" sz="1400" b="1" dirty="0"/>
                         <a:t>Smooth desired trajectory</a:t>
                       </a:r>
                     </a:p>
                     <a:p>
                       <a:pPr algn="ctr"/>
                       <a:r>
-                        <a:rPr lang="en-GB" sz="1400" dirty="0"/>
+                        <a:rPr lang="en-GB" sz="1400" b="1" dirty="0"/>
                         <a:t>Theta is not controllable</a:t>
                       </a:r>
                     </a:p>
                     <a:p>
                       <a:pPr algn="ctr"/>
                       <a:r>
-                        <a:rPr lang="en-GB" sz="1400" dirty="0"/>
+                        <a:rPr lang="en-GB" sz="1400" b="1" dirty="0"/>
                         <a:t>Constraint on b</a:t>
                       </a:r>
                     </a:p>
@@ -33902,7 +34818,7 @@
                     <a:p>
                       <a:pPr algn="ctr"/>
                       <a:r>
-                        <a:rPr lang="en-GB" dirty="0"/>
+                        <a:rPr lang="en-GB" b="1" dirty="0"/>
                         <a:t>DOUBLE DERIVATIVES</a:t>
                       </a:r>
                     </a:p>
@@ -33980,7 +34896,7 @@
                         <a:defRPr/>
                       </a:pPr>
                       <a:r>
-                        <a:rPr lang="en-GB" sz="1600" dirty="0"/>
+                        <a:rPr lang="en-GB" sz="1600" b="1" dirty="0"/>
                         <a:t>Decoupled dynamics</a:t>
                       </a:r>
                     </a:p>
@@ -34003,7 +34919,7 @@
                         <a:defRPr/>
                       </a:pPr>
                       <a:r>
-                        <a:rPr lang="en-GB" sz="1600" dirty="0"/>
+                        <a:rPr lang="en-GB" sz="1600" b="1" dirty="0"/>
                         <a:t>No differential flatness</a:t>
                       </a:r>
                     </a:p>
@@ -34026,7 +34942,7 @@
                         <a:defRPr/>
                       </a:pPr>
                       <a:r>
-                        <a:rPr lang="en-GB" sz="1600" dirty="0"/>
+                        <a:rPr lang="en-GB" sz="1600" b="1" dirty="0"/>
                         <a:t>Linear control law</a:t>
                       </a:r>
                     </a:p>
@@ -34049,7 +34965,7 @@
                         <a:defRPr/>
                       </a:pPr>
                       <a:r>
-                        <a:rPr lang="en-GB" sz="1600" dirty="0"/>
+                        <a:rPr lang="en-GB" sz="1600" b="1" dirty="0"/>
                         <a:t>Feedforward action</a:t>
                       </a:r>
                     </a:p>
@@ -34118,14 +35034,14 @@
                     <a:p>
                       <a:pPr algn="ctr"/>
                       <a:r>
-                        <a:rPr lang="en-GB" sz="1400" dirty="0"/>
+                        <a:rPr lang="en-GB" sz="1400" b="1" dirty="0"/>
                         <a:t>Relies on second order derivatives</a:t>
                       </a:r>
                     </a:p>
                     <a:p>
                       <a:pPr algn="ctr"/>
                       <a:r>
-                        <a:rPr lang="en-GB" sz="1400" dirty="0"/>
+                        <a:rPr lang="en-GB" sz="1400" b="1" dirty="0"/>
                         <a:t>Constraint on linear velocity v</a:t>
                       </a:r>
                     </a:p>
@@ -35488,8 +36404,8 @@
           </a:p>
         </p:txBody>
       </p:sp>
-      <mc:AlternateContent xmlns:mc="http://schemas.openxmlformats.org/markup-compatibility/2006">
-        <mc:Choice xmlns:a14="http://schemas.microsoft.com/office/drawing/2010/main" Requires="a14">
+      <mc:AlternateContent xmlns:mc="http://schemas.openxmlformats.org/markup-compatibility/2006" xmlns:a14="http://schemas.microsoft.com/office/drawing/2010/main">
+        <mc:Choice Requires="a14">
           <p:sp>
             <p:nvSpPr>
               <p:cNvPr id="7" name="TextBox 6">
@@ -35840,7 +36756,7 @@
             </p:txBody>
           </p:sp>
         </mc:Choice>
-        <mc:Fallback>
+        <mc:Fallback xmlns="">
           <p:sp>
             <p:nvSpPr>
               <p:cNvPr id="7" name="TextBox 6">
@@ -35885,8 +36801,8 @@
           </p:sp>
         </mc:Fallback>
       </mc:AlternateContent>
-      <mc:AlternateContent xmlns:mc="http://schemas.openxmlformats.org/markup-compatibility/2006">
-        <mc:Choice xmlns:a14="http://schemas.microsoft.com/office/drawing/2010/main" Requires="a14">
+      <mc:AlternateContent xmlns:mc="http://schemas.openxmlformats.org/markup-compatibility/2006" xmlns:a14="http://schemas.microsoft.com/office/drawing/2010/main">
+        <mc:Choice Requires="a14">
           <p:sp>
             <p:nvSpPr>
               <p:cNvPr id="2" name="Content Placeholder 2">
@@ -36110,7 +37026,7 @@
                     <m:d>
                       <m:dPr>
                         <m:ctrlPr>
-                          <a:rPr lang="it-IT" sz="2000" b="0" i="0" smtClean="0">
+                          <a:rPr lang="it-IT" sz="2000" b="0" i="1" smtClean="0">
                             <a:latin typeface="Cambria Math" panose="02040503050406030204" pitchFamily="18" charset="0"/>
                           </a:rPr>
                         </m:ctrlPr>
@@ -36277,7 +37193,7 @@
             </p:txBody>
           </p:sp>
         </mc:Choice>
-        <mc:Fallback>
+        <mc:Fallback xmlns="">
           <p:sp>
             <p:nvSpPr>
               <p:cNvPr id="2" name="Content Placeholder 2">
@@ -36763,8 +37679,8 @@
           </a:p>
         </p:txBody>
       </p:sp>
-      <mc:AlternateContent xmlns:mc="http://schemas.openxmlformats.org/markup-compatibility/2006">
-        <mc:Choice xmlns:a14="http://schemas.microsoft.com/office/drawing/2010/main" Requires="a14">
+      <mc:AlternateContent xmlns:mc="http://schemas.openxmlformats.org/markup-compatibility/2006" xmlns:a14="http://schemas.microsoft.com/office/drawing/2010/main">
+        <mc:Choice Requires="a14">
           <p:sp>
             <p:nvSpPr>
               <p:cNvPr id="13" name="TextBox 12">
@@ -37055,7 +37971,7 @@
             </p:txBody>
           </p:sp>
         </mc:Choice>
-        <mc:Fallback>
+        <mc:Fallback xmlns="">
           <p:sp>
             <p:nvSpPr>
               <p:cNvPr id="13" name="TextBox 12">

--- a/documentation/presentation.pptx
+++ b/documentation/presentation.pptx
@@ -387,7 +387,7 @@
           <a:p>
             <a:fld id="{23448C75-6FAC-4900-AA69-1876E864B2D3}" type="slidenum">
               <a:rPr lang="en-GB" smtClean="0"/>
-              <a:t>‹#›</a:t>
+              <a:t>‹N›</a:t>
             </a:fld>
             <a:endParaRPr lang="en-GB"/>
           </a:p>
@@ -813,7 +813,7 @@
           <a:p>
             <a:fld id="{CF74EDA2-A3D8-44A3-A89B-0F29AADCE6D8}" type="datetimeFigureOut">
               <a:rPr lang="it-IT" smtClean="0"/>
-              <a:t>13/02/2024</a:t>
+              <a:t>13/02/24</a:t>
             </a:fld>
             <a:endParaRPr lang="it-IT"/>
           </a:p>
@@ -867,7 +867,7 @@
           <a:p>
             <a:fld id="{56FCA6E2-E168-450F-A79D-65183BD15D2A}" type="slidenum">
               <a:rPr lang="it-IT" smtClean="0"/>
-              <a:t>‹#›</a:t>
+              <a:t>‹N›</a:t>
             </a:fld>
             <a:endParaRPr lang="it-IT"/>
           </a:p>
@@ -1013,7 +1013,7 @@
           <a:p>
             <a:fld id="{CF74EDA2-A3D8-44A3-A89B-0F29AADCE6D8}" type="datetimeFigureOut">
               <a:rPr lang="it-IT" smtClean="0"/>
-              <a:t>13/02/2024</a:t>
+              <a:t>13/02/24</a:t>
             </a:fld>
             <a:endParaRPr lang="it-IT"/>
           </a:p>
@@ -1067,7 +1067,7 @@
           <a:p>
             <a:fld id="{56FCA6E2-E168-450F-A79D-65183BD15D2A}" type="slidenum">
               <a:rPr lang="it-IT" smtClean="0"/>
-              <a:t>‹#›</a:t>
+              <a:t>‹N›</a:t>
             </a:fld>
             <a:endParaRPr lang="it-IT"/>
           </a:p>
@@ -1223,7 +1223,7 @@
           <a:p>
             <a:fld id="{CF74EDA2-A3D8-44A3-A89B-0F29AADCE6D8}" type="datetimeFigureOut">
               <a:rPr lang="it-IT" smtClean="0"/>
-              <a:t>13/02/2024</a:t>
+              <a:t>13/02/24</a:t>
             </a:fld>
             <a:endParaRPr lang="it-IT"/>
           </a:p>
@@ -1277,7 +1277,7 @@
           <a:p>
             <a:fld id="{56FCA6E2-E168-450F-A79D-65183BD15D2A}" type="slidenum">
               <a:rPr lang="it-IT" smtClean="0"/>
-              <a:t>‹#›</a:t>
+              <a:t>‹N›</a:t>
             </a:fld>
             <a:endParaRPr lang="it-IT"/>
           </a:p>
@@ -1423,7 +1423,7 @@
           <a:p>
             <a:fld id="{CF74EDA2-A3D8-44A3-A89B-0F29AADCE6D8}" type="datetimeFigureOut">
               <a:rPr lang="it-IT" smtClean="0"/>
-              <a:t>13/02/2024</a:t>
+              <a:t>13/02/24</a:t>
             </a:fld>
             <a:endParaRPr lang="it-IT"/>
           </a:p>
@@ -1477,7 +1477,7 @@
           <a:p>
             <a:fld id="{56FCA6E2-E168-450F-A79D-65183BD15D2A}" type="slidenum">
               <a:rPr lang="it-IT" smtClean="0"/>
-              <a:t>‹#›</a:t>
+              <a:t>‹N›</a:t>
             </a:fld>
             <a:endParaRPr lang="it-IT"/>
           </a:p>
@@ -1699,7 +1699,7 @@
           <a:p>
             <a:fld id="{CF74EDA2-A3D8-44A3-A89B-0F29AADCE6D8}" type="datetimeFigureOut">
               <a:rPr lang="it-IT" smtClean="0"/>
-              <a:t>13/02/2024</a:t>
+              <a:t>13/02/24</a:t>
             </a:fld>
             <a:endParaRPr lang="it-IT"/>
           </a:p>
@@ -1753,7 +1753,7 @@
           <a:p>
             <a:fld id="{56FCA6E2-E168-450F-A79D-65183BD15D2A}" type="slidenum">
               <a:rPr lang="it-IT" smtClean="0"/>
-              <a:t>‹#›</a:t>
+              <a:t>‹N›</a:t>
             </a:fld>
             <a:endParaRPr lang="it-IT"/>
           </a:p>
@@ -1967,7 +1967,7 @@
           <a:p>
             <a:fld id="{CF74EDA2-A3D8-44A3-A89B-0F29AADCE6D8}" type="datetimeFigureOut">
               <a:rPr lang="it-IT" smtClean="0"/>
-              <a:t>13/02/2024</a:t>
+              <a:t>13/02/24</a:t>
             </a:fld>
             <a:endParaRPr lang="it-IT"/>
           </a:p>
@@ -2021,7 +2021,7 @@
           <a:p>
             <a:fld id="{56FCA6E2-E168-450F-A79D-65183BD15D2A}" type="slidenum">
               <a:rPr lang="it-IT" smtClean="0"/>
-              <a:t>‹#›</a:t>
+              <a:t>‹N›</a:t>
             </a:fld>
             <a:endParaRPr lang="it-IT"/>
           </a:p>
@@ -2382,7 +2382,7 @@
           <a:p>
             <a:fld id="{CF74EDA2-A3D8-44A3-A89B-0F29AADCE6D8}" type="datetimeFigureOut">
               <a:rPr lang="it-IT" smtClean="0"/>
-              <a:t>13/02/2024</a:t>
+              <a:t>13/02/24</a:t>
             </a:fld>
             <a:endParaRPr lang="it-IT"/>
           </a:p>
@@ -2436,7 +2436,7 @@
           <a:p>
             <a:fld id="{56FCA6E2-E168-450F-A79D-65183BD15D2A}" type="slidenum">
               <a:rPr lang="it-IT" smtClean="0"/>
-              <a:t>‹#›</a:t>
+              <a:t>‹N›</a:t>
             </a:fld>
             <a:endParaRPr lang="it-IT"/>
           </a:p>
@@ -2524,7 +2524,7 @@
           <a:p>
             <a:fld id="{CF74EDA2-A3D8-44A3-A89B-0F29AADCE6D8}" type="datetimeFigureOut">
               <a:rPr lang="it-IT" smtClean="0"/>
-              <a:t>13/02/2024</a:t>
+              <a:t>13/02/24</a:t>
             </a:fld>
             <a:endParaRPr lang="it-IT"/>
           </a:p>
@@ -2578,7 +2578,7 @@
           <a:p>
             <a:fld id="{56FCA6E2-E168-450F-A79D-65183BD15D2A}" type="slidenum">
               <a:rPr lang="it-IT" smtClean="0"/>
-              <a:t>‹#›</a:t>
+              <a:t>‹N›</a:t>
             </a:fld>
             <a:endParaRPr lang="it-IT"/>
           </a:p>
@@ -2637,7 +2637,7 @@
           <a:p>
             <a:fld id="{CF74EDA2-A3D8-44A3-A89B-0F29AADCE6D8}" type="datetimeFigureOut">
               <a:rPr lang="it-IT" smtClean="0"/>
-              <a:t>13/02/2024</a:t>
+              <a:t>13/02/24</a:t>
             </a:fld>
             <a:endParaRPr lang="it-IT"/>
           </a:p>
@@ -2691,7 +2691,7 @@
           <a:p>
             <a:fld id="{56FCA6E2-E168-450F-A79D-65183BD15D2A}" type="slidenum">
               <a:rPr lang="it-IT" smtClean="0"/>
-              <a:t>‹#›</a:t>
+              <a:t>‹N›</a:t>
             </a:fld>
             <a:endParaRPr lang="it-IT"/>
           </a:p>
@@ -2950,7 +2950,7 @@
           <a:p>
             <a:fld id="{CF74EDA2-A3D8-44A3-A89B-0F29AADCE6D8}" type="datetimeFigureOut">
               <a:rPr lang="it-IT" smtClean="0"/>
-              <a:t>13/02/2024</a:t>
+              <a:t>13/02/24</a:t>
             </a:fld>
             <a:endParaRPr lang="it-IT"/>
           </a:p>
@@ -3004,7 +3004,7 @@
           <a:p>
             <a:fld id="{56FCA6E2-E168-450F-A79D-65183BD15D2A}" type="slidenum">
               <a:rPr lang="it-IT" smtClean="0"/>
-              <a:t>‹#›</a:t>
+              <a:t>‹N›</a:t>
             </a:fld>
             <a:endParaRPr lang="it-IT"/>
           </a:p>
@@ -3239,7 +3239,7 @@
           <a:p>
             <a:fld id="{CF74EDA2-A3D8-44A3-A89B-0F29AADCE6D8}" type="datetimeFigureOut">
               <a:rPr lang="it-IT" smtClean="0"/>
-              <a:t>13/02/2024</a:t>
+              <a:t>13/02/24</a:t>
             </a:fld>
             <a:endParaRPr lang="it-IT"/>
           </a:p>
@@ -3293,7 +3293,7 @@
           <a:p>
             <a:fld id="{56FCA6E2-E168-450F-A79D-65183BD15D2A}" type="slidenum">
               <a:rPr lang="it-IT" smtClean="0"/>
-              <a:t>‹#›</a:t>
+              <a:t>‹N›</a:t>
             </a:fld>
             <a:endParaRPr lang="it-IT"/>
           </a:p>
@@ -3482,7 +3482,7 @@
           <a:p>
             <a:fld id="{CF74EDA2-A3D8-44A3-A89B-0F29AADCE6D8}" type="datetimeFigureOut">
               <a:rPr lang="it-IT" smtClean="0"/>
-              <a:t>13/02/2024</a:t>
+              <a:t>13/02/24</a:t>
             </a:fld>
             <a:endParaRPr lang="it-IT"/>
           </a:p>
@@ -3572,7 +3572,7 @@
           <a:p>
             <a:fld id="{56FCA6E2-E168-450F-A79D-65183BD15D2A}" type="slidenum">
               <a:rPr lang="it-IT" smtClean="0"/>
-              <a:t>‹#›</a:t>
+              <a:t>‹N›</a:t>
             </a:fld>
             <a:endParaRPr lang="it-IT"/>
           </a:p>
@@ -10106,8 +10106,8 @@
           </a:p>
         </p:txBody>
       </p:sp>
-      <mc:AlternateContent xmlns:mc="http://schemas.openxmlformats.org/markup-compatibility/2006">
-        <mc:Choice xmlns:a14="http://schemas.microsoft.com/office/drawing/2010/main" Requires="a14">
+      <mc:AlternateContent xmlns:mc="http://schemas.openxmlformats.org/markup-compatibility/2006" xmlns:a14="http://schemas.microsoft.com/office/drawing/2010/main">
+        <mc:Choice Requires="a14">
           <p:sp>
             <p:nvSpPr>
               <p:cNvPr id="7" name="TextBox 6">
@@ -10633,7 +10633,7 @@
             </p:txBody>
           </p:sp>
         </mc:Choice>
-        <mc:Fallback>
+        <mc:Fallback xmlns="">
           <p:sp>
             <p:nvSpPr>
               <p:cNvPr id="7" name="TextBox 6">
@@ -11108,8 +11108,8 @@
           </mc:Fallback>
         </mc:AlternateContent>
       </p:grpSp>
-      <mc:AlternateContent xmlns:mc="http://schemas.openxmlformats.org/markup-compatibility/2006">
-        <mc:Choice xmlns:a14="http://schemas.microsoft.com/office/drawing/2010/main" Requires="a14">
+      <mc:AlternateContent xmlns:mc="http://schemas.openxmlformats.org/markup-compatibility/2006" xmlns:a14="http://schemas.microsoft.com/office/drawing/2010/main">
+        <mc:Choice Requires="a14">
           <p:sp>
             <p:nvSpPr>
               <p:cNvPr id="20" name="TextBox 19">
@@ -11436,7 +11436,7 @@
             </p:txBody>
           </p:sp>
         </mc:Choice>
-        <mc:Fallback>
+        <mc:Fallback xmlns="">
           <p:sp>
             <p:nvSpPr>
               <p:cNvPr id="20" name="TextBox 19">
@@ -15754,8 +15754,8 @@
           </a:p>
         </p:txBody>
       </p:sp>
-      <mc:AlternateContent xmlns:mc="http://schemas.openxmlformats.org/markup-compatibility/2006">
-        <mc:Choice xmlns:a14="http://schemas.microsoft.com/office/drawing/2010/main" Requires="a14">
+      <mc:AlternateContent xmlns:mc="http://schemas.openxmlformats.org/markup-compatibility/2006" xmlns:a14="http://schemas.microsoft.com/office/drawing/2010/main">
+        <mc:Choice Requires="a14">
           <p:sp>
             <p:nvSpPr>
               <p:cNvPr id="13" name="TextBox 12">
@@ -16082,7 +16082,7 @@
             </p:txBody>
           </p:sp>
         </mc:Choice>
-        <mc:Fallback>
+        <mc:Fallback xmlns="">
           <p:sp>
             <p:nvSpPr>
               <p:cNvPr id="13" name="TextBox 12">
@@ -16168,8 +16168,8 @@
           </a:p>
         </p:txBody>
       </p:sp>
-      <mc:AlternateContent xmlns:mc="http://schemas.openxmlformats.org/markup-compatibility/2006">
-        <mc:Choice xmlns:a14="http://schemas.microsoft.com/office/drawing/2010/main" Requires="a14">
+      <mc:AlternateContent xmlns:mc="http://schemas.openxmlformats.org/markup-compatibility/2006" xmlns:a14="http://schemas.microsoft.com/office/drawing/2010/main">
+        <mc:Choice Requires="a14">
           <p:sp>
             <p:nvSpPr>
               <p:cNvPr id="19" name="TextBox 18">
@@ -16421,7 +16421,7 @@
             </p:txBody>
           </p:sp>
         </mc:Choice>
-        <mc:Fallback>
+        <mc:Fallback xmlns="">
           <p:sp>
             <p:nvSpPr>
               <p:cNvPr id="19" name="TextBox 18">
@@ -16637,8 +16637,8 @@
           </a:p>
         </p:txBody>
       </p:sp>
-      <mc:AlternateContent xmlns:mc="http://schemas.openxmlformats.org/markup-compatibility/2006">
-        <mc:Choice xmlns:a14="http://schemas.microsoft.com/office/drawing/2010/main" Requires="a14">
+      <mc:AlternateContent xmlns:mc="http://schemas.openxmlformats.org/markup-compatibility/2006" xmlns:a14="http://schemas.microsoft.com/office/drawing/2010/main">
+        <mc:Choice Requires="a14">
           <p:sp>
             <p:nvSpPr>
               <p:cNvPr id="24" name="TextBox 23">
@@ -17199,7 +17199,7 @@
             </p:txBody>
           </p:sp>
         </mc:Choice>
-        <mc:Fallback>
+        <mc:Fallback xmlns="">
           <p:sp>
             <p:nvSpPr>
               <p:cNvPr id="24" name="TextBox 23">
@@ -20289,8 +20289,8 @@
           </a:p>
         </p:txBody>
       </p:sp>
-      <mc:AlternateContent xmlns:mc="http://schemas.openxmlformats.org/markup-compatibility/2006">
-        <mc:Choice xmlns:a14="http://schemas.microsoft.com/office/drawing/2010/main" Requires="a14">
+      <mc:AlternateContent xmlns:mc="http://schemas.openxmlformats.org/markup-compatibility/2006" xmlns:a14="http://schemas.microsoft.com/office/drawing/2010/main">
+        <mc:Choice Requires="a14">
           <p:sp>
             <p:nvSpPr>
               <p:cNvPr id="14" name="TextBox 13">
@@ -20968,7 +20968,7 @@
             </p:txBody>
           </p:sp>
         </mc:Choice>
-        <mc:Fallback>
+        <mc:Fallback xmlns="">
           <p:sp>
             <p:nvSpPr>
               <p:cNvPr id="14" name="TextBox 13">
@@ -21013,8 +21013,8 @@
           </p:sp>
         </mc:Fallback>
       </mc:AlternateContent>
-      <mc:AlternateContent xmlns:mc="http://schemas.openxmlformats.org/markup-compatibility/2006">
-        <mc:Choice xmlns:a14="http://schemas.microsoft.com/office/drawing/2010/main" Requires="a14">
+      <mc:AlternateContent xmlns:mc="http://schemas.openxmlformats.org/markup-compatibility/2006" xmlns:a14="http://schemas.microsoft.com/office/drawing/2010/main">
+        <mc:Choice Requires="a14">
           <p:sp>
             <p:nvSpPr>
               <p:cNvPr id="17" name="TextBox 16">
@@ -21322,7 +21322,7 @@
             </p:txBody>
           </p:sp>
         </mc:Choice>
-        <mc:Fallback>
+        <mc:Fallback xmlns="">
           <p:sp>
             <p:nvSpPr>
               <p:cNvPr id="17" name="TextBox 16">
@@ -21367,8 +21367,8 @@
           </p:sp>
         </mc:Fallback>
       </mc:AlternateContent>
-      <mc:AlternateContent xmlns:mc="http://schemas.openxmlformats.org/markup-compatibility/2006">
-        <mc:Choice xmlns:a14="http://schemas.microsoft.com/office/drawing/2010/main" Requires="a14">
+      <mc:AlternateContent xmlns:mc="http://schemas.openxmlformats.org/markup-compatibility/2006" xmlns:a14="http://schemas.microsoft.com/office/drawing/2010/main">
+        <mc:Choice Requires="a14">
           <p:sp>
             <p:nvSpPr>
               <p:cNvPr id="19" name="TextBox 18">
@@ -21853,7 +21853,7 @@
             </p:txBody>
           </p:sp>
         </mc:Choice>
-        <mc:Fallback>
+        <mc:Fallback xmlns="">
           <p:sp>
             <p:nvSpPr>
               <p:cNvPr id="19" name="TextBox 18">
@@ -24033,8 +24033,8 @@
           </a:p>
         </p:txBody>
       </p:sp>
-      <mc:AlternateContent xmlns:mc="http://schemas.openxmlformats.org/markup-compatibility/2006">
-        <mc:Choice xmlns:a14="http://schemas.microsoft.com/office/drawing/2010/main" Requires="a14">
+      <mc:AlternateContent xmlns:mc="http://schemas.openxmlformats.org/markup-compatibility/2006" xmlns:a14="http://schemas.microsoft.com/office/drawing/2010/main">
+        <mc:Choice Requires="a14">
           <p:sp>
             <p:nvSpPr>
               <p:cNvPr id="13" name="TextBox 12">
@@ -24906,7 +24906,7 @@
             </p:txBody>
           </p:sp>
         </mc:Choice>
-        <mc:Fallback>
+        <mc:Fallback xmlns="">
           <p:sp>
             <p:nvSpPr>
               <p:cNvPr id="13" name="TextBox 12">
@@ -24951,8 +24951,8 @@
           </p:sp>
         </mc:Fallback>
       </mc:AlternateContent>
-      <mc:AlternateContent xmlns:mc="http://schemas.openxmlformats.org/markup-compatibility/2006">
-        <mc:Choice xmlns:a14="http://schemas.microsoft.com/office/drawing/2010/main" Requires="a14">
+      <mc:AlternateContent xmlns:mc="http://schemas.openxmlformats.org/markup-compatibility/2006" xmlns:a14="http://schemas.microsoft.com/office/drawing/2010/main">
+        <mc:Choice Requires="a14">
           <p:sp>
             <p:nvSpPr>
               <p:cNvPr id="16" name="TextBox 15">
@@ -25437,7 +25437,7 @@
             </p:txBody>
           </p:sp>
         </mc:Choice>
-        <mc:Fallback>
+        <mc:Fallback xmlns="">
           <p:sp>
             <p:nvSpPr>
               <p:cNvPr id="16" name="TextBox 15">
@@ -25482,8 +25482,8 @@
           </p:sp>
         </mc:Fallback>
       </mc:AlternateContent>
-      <mc:AlternateContent xmlns:mc="http://schemas.openxmlformats.org/markup-compatibility/2006">
-        <mc:Choice xmlns:a14="http://schemas.microsoft.com/office/drawing/2010/main" Requires="a14">
+      <mc:AlternateContent xmlns:mc="http://schemas.openxmlformats.org/markup-compatibility/2006" xmlns:a14="http://schemas.microsoft.com/office/drawing/2010/main">
+        <mc:Choice Requires="a14">
           <p:sp>
             <p:nvSpPr>
               <p:cNvPr id="18" name="TextBox 17">
@@ -25837,7 +25837,7 @@
             </p:txBody>
           </p:sp>
         </mc:Choice>
-        <mc:Fallback>
+        <mc:Fallback xmlns="">
           <p:sp>
             <p:nvSpPr>
               <p:cNvPr id="18" name="TextBox 17">
@@ -36000,18 +36000,48 @@
               <a:buFont typeface="Arial" panose="020B0604020202020204" pitchFamily="34" charset="0"/>
               <a:buNone/>
             </a:pPr>
-            <a:r>
-              <a:rPr lang="it-IT" sz="2000" b="1" dirty="0">
-                <a:latin typeface="Bahnschrift SemiCondensed" panose="020B0502040204020203" pitchFamily="34" charset="0"/>
-              </a:rPr>
-              <a:t>MISSING IMAGE</a:t>
-            </a:r>
             <a:endParaRPr lang="it-IT" sz="2000" dirty="0">
               <a:latin typeface="Bahnschrift SemiCondensed" panose="020B0502040204020203" pitchFamily="34" charset="0"/>
             </a:endParaRPr>
           </a:p>
         </p:txBody>
       </p:sp>
+      <p:pic>
+        <p:nvPicPr>
+          <p:cNvPr id="7" name="Immagine 6" descr="Immagine che contiene schizzo, linea, diagramma, design&#10;&#10;Descrizione generata automaticamente">
+            <a:extLst>
+              <a:ext uri="{FF2B5EF4-FFF2-40B4-BE49-F238E27FC236}">
+                <a16:creationId xmlns:a16="http://schemas.microsoft.com/office/drawing/2014/main" id="{7F28BD37-BC92-B43C-AF57-152EA3CEFD23}"/>
+              </a:ext>
+            </a:extLst>
+          </p:cNvPr>
+          <p:cNvPicPr>
+            <a:picLocks noChangeAspect="1"/>
+          </p:cNvPicPr>
+          <p:nvPr/>
+        </p:nvPicPr>
+        <p:blipFill>
+          <a:blip r:embed="rId2">
+            <a:extLst>
+              <a:ext uri="{28A0092B-C50C-407E-A947-70E740481C1C}">
+                <a14:useLocalDpi xmlns:a14="http://schemas.microsoft.com/office/drawing/2010/main" val="0"/>
+              </a:ext>
+            </a:extLst>
+          </a:blip>
+          <a:stretch>
+            <a:fillRect/>
+          </a:stretch>
+        </p:blipFill>
+        <p:spPr>
+          <a:xfrm>
+            <a:off x="3722085" y="2768538"/>
+            <a:ext cx="4747831" cy="3649628"/>
+          </a:xfrm>
+          <a:prstGeom prst="rect">
+            <a:avLst/>
+          </a:prstGeom>
+        </p:spPr>
+      </p:pic>
     </p:spTree>
     <p:extLst>
       <p:ext uri="{BB962C8B-B14F-4D97-AF65-F5344CB8AC3E}">

--- a/documentation/presentation.pptx
+++ b/documentation/presentation.pptx
@@ -4161,7 +4161,7 @@
               <a:rPr lang="it-IT" dirty="0">
                 <a:latin typeface="Bahnschrift Condensed" panose="020B0502040204020203" pitchFamily="34" charset="0"/>
               </a:rPr>
-              <a:t>Cristian Lorenzi – IL GOAT</a:t>
+              <a:t>Cristian Lorenzi</a:t>
             </a:r>
           </a:p>
           <a:p>
@@ -4169,7 +4169,7 @@
               <a:rPr lang="it-IT" dirty="0">
                 <a:latin typeface="Bahnschrift Condensed" panose="020B0502040204020203" pitchFamily="34" charset="0"/>
               </a:rPr>
-              <a:t>Filippo Gottardo – THE DUNGEON MASTER</a:t>
+              <a:t>Filippo Gottardo</a:t>
             </a:r>
           </a:p>
           <a:p>
@@ -4177,7 +4177,7 @@
               <a:rPr lang="it-IT" dirty="0">
                 <a:latin typeface="Bahnschrift Condensed" panose="020B0502040204020203" pitchFamily="34" charset="0"/>
               </a:rPr>
-              <a:t>Giulia Pegoraro – THE C1 ENGLISH TEACHER</a:t>
+              <a:t>Giulia Pegoraro</a:t>
             </a:r>
           </a:p>
           <a:p>
@@ -14804,19 +14804,7 @@
               <a:rPr lang="it-IT" sz="2000" dirty="0">
                 <a:latin typeface="Bahnschrift SemiCondensed" panose="020B0502040204020203" pitchFamily="34" charset="0"/>
               </a:rPr>
-              <a:t>First </a:t>
-            </a:r>
-            <a:r>
-              <a:rPr lang="it-IT" sz="2000" dirty="0" err="1">
-                <a:latin typeface="Bahnschrift SemiCondensed" panose="020B0502040204020203" pitchFamily="34" charset="0"/>
-              </a:rPr>
-              <a:t>order</a:t>
-            </a:r>
-            <a:r>
-              <a:rPr lang="it-IT" sz="2000" dirty="0">
-                <a:latin typeface="Bahnschrift SemiCondensed" panose="020B0502040204020203" pitchFamily="34" charset="0"/>
-              </a:rPr>
-              <a:t> high pass filter</a:t>
+              <a:t>First order high pass filter.</a:t>
             </a:r>
           </a:p>
         </p:txBody>
@@ -15073,7 +15061,7 @@
               <a:rPr lang="it-IT" sz="2000" dirty="0">
                 <a:latin typeface="Bahnschrift SemiCondensed" panose="020B0502040204020203" pitchFamily="34" charset="0"/>
               </a:rPr>
-              <a:t> time to </a:t>
+              <a:t> time to the </a:t>
             </a:r>
             <a:r>
               <a:rPr lang="it-IT" sz="2000" dirty="0" err="1">
@@ -15105,9 +15093,12 @@
               </a:rPr>
               <a:t>manuevers</a:t>
             </a:r>
-            <a:endParaRPr lang="it-IT" sz="2000" dirty="0">
-              <a:latin typeface="Bahnschrift SemiCondensed" panose="020B0502040204020203" pitchFamily="34" charset="0"/>
-            </a:endParaRPr>
+            <a:r>
+              <a:rPr lang="it-IT" sz="2000" dirty="0">
+                <a:latin typeface="Bahnschrift SemiCondensed" panose="020B0502040204020203" pitchFamily="34" charset="0"/>
+              </a:rPr>
+              <a:t>.</a:t>
+            </a:r>
           </a:p>
         </p:txBody>
       </p:sp>
@@ -17640,73 +17631,73 @@
               <a:rPr lang="it-IT" sz="2000" dirty="0">
                 <a:latin typeface="Bahnschrift SemiCondensed" panose="020B0502040204020203" pitchFamily="34" charset="0"/>
               </a:rPr>
-              <a:t> on a rendez-vous point, </a:t>
+              <a:t> on a rendez-vous point and </a:t>
             </a:r>
             <a:r>
               <a:rPr lang="it-IT" sz="2000" dirty="0" err="1">
                 <a:latin typeface="Bahnschrift SemiCondensed" panose="020B0502040204020203" pitchFamily="34" charset="0"/>
               </a:rPr>
-              <a:t>then</a:t>
+              <a:t>when</a:t>
             </a:r>
             <a:r>
               <a:rPr lang="it-IT" sz="2000" dirty="0">
                 <a:latin typeface="Bahnschrift SemiCondensed" panose="020B0502040204020203" pitchFamily="34" charset="0"/>
               </a:rPr>
-              <a:t>, </a:t>
+              <a:t> in </a:t>
             </a:r>
             <a:r>
               <a:rPr lang="it-IT" sz="2000" dirty="0" err="1">
                 <a:latin typeface="Bahnschrift SemiCondensed" panose="020B0502040204020203" pitchFamily="34" charset="0"/>
               </a:rPr>
-              <a:t>when</a:t>
+              <a:t>proximity</a:t>
             </a:r>
             <a:r>
               <a:rPr lang="it-IT" sz="2000" dirty="0">
                 <a:latin typeface="Bahnschrift SemiCondensed" panose="020B0502040204020203" pitchFamily="34" charset="0"/>
               </a:rPr>
-              <a:t> in </a:t>
+              <a:t> of </a:t>
             </a:r>
             <a:r>
               <a:rPr lang="it-IT" sz="2000" dirty="0" err="1">
                 <a:latin typeface="Bahnschrift SemiCondensed" panose="020B0502040204020203" pitchFamily="34" charset="0"/>
               </a:rPr>
-              <a:t>proximity</a:t>
+              <a:t>such</a:t>
             </a:r>
             <a:r>
               <a:rPr lang="it-IT" sz="2000" dirty="0">
                 <a:latin typeface="Bahnschrift SemiCondensed" panose="020B0502040204020203" pitchFamily="34" charset="0"/>
               </a:rPr>
-              <a:t> of </a:t>
+              <a:t> point, </a:t>
             </a:r>
             <a:r>
               <a:rPr lang="it-IT" sz="2000" dirty="0" err="1">
                 <a:latin typeface="Bahnschrift SemiCondensed" panose="020B0502040204020203" pitchFamily="34" charset="0"/>
               </a:rPr>
-              <a:t>such</a:t>
+              <a:t>they</a:t>
             </a:r>
             <a:r>
               <a:rPr lang="it-IT" sz="2000" dirty="0">
                 <a:latin typeface="Bahnschrift SemiCondensed" panose="020B0502040204020203" pitchFamily="34" charset="0"/>
               </a:rPr>
-              <a:t> point, </a:t>
+              <a:t> start a tracking task over a </a:t>
             </a:r>
             <a:r>
               <a:rPr lang="it-IT" sz="2000" dirty="0" err="1">
                 <a:latin typeface="Bahnschrift SemiCondensed" panose="020B0502040204020203" pitchFamily="34" charset="0"/>
               </a:rPr>
-              <a:t>they</a:t>
+              <a:t>circular</a:t>
             </a:r>
             <a:r>
               <a:rPr lang="it-IT" sz="2000" dirty="0">
                 <a:latin typeface="Bahnschrift SemiCondensed" panose="020B0502040204020203" pitchFamily="34" charset="0"/>
               </a:rPr>
-              <a:t> start a tracking task over a </a:t>
+              <a:t> </a:t>
             </a:r>
             <a:r>
               <a:rPr lang="it-IT" sz="2000" dirty="0" err="1">
                 <a:latin typeface="Bahnschrift SemiCondensed" panose="020B0502040204020203" pitchFamily="34" charset="0"/>
               </a:rPr>
-              <a:t>circular</a:t>
+              <a:t>trajectory</a:t>
             </a:r>
             <a:r>
               <a:rPr lang="it-IT" sz="2000" dirty="0">
@@ -17718,13 +17709,13 @@
               <a:rPr lang="it-IT" sz="2000" dirty="0" err="1">
                 <a:latin typeface="Bahnschrift SemiCondensed" panose="020B0502040204020203" pitchFamily="34" charset="0"/>
               </a:rPr>
-              <a:t>trajectory</a:t>
+              <a:t>centered</a:t>
             </a:r>
             <a:r>
               <a:rPr lang="it-IT" sz="2000" dirty="0">
                 <a:latin typeface="Bahnschrift SemiCondensed" panose="020B0502040204020203" pitchFamily="34" charset="0"/>
               </a:rPr>
-              <a:t>.</a:t>
+              <a:t> in the rendez-vous point.</a:t>
             </a:r>
           </a:p>
         </p:txBody>
@@ -23662,7 +23653,7 @@
         <p:spPr>
           <a:xfrm>
             <a:off x="7086601" y="978408"/>
-            <a:ext cx="3721608" cy="2450592"/>
+            <a:ext cx="3632199" cy="2450592"/>
           </a:xfrm>
           <a:prstGeom prst="rect">
             <a:avLst/>
@@ -23913,18 +23904,6 @@
                 <a:latin typeface="Bahnschrift SemiCondensed" panose="020B0502040204020203" pitchFamily="34" charset="0"/>
               </a:rPr>
               <a:t>flexibility</a:t>
-            </a:r>
-            <a:r>
-              <a:rPr lang="it-IT" sz="2000" dirty="0">
-                <a:latin typeface="Bahnschrift SemiCondensed" panose="020B0502040204020203" pitchFamily="34" charset="0"/>
-              </a:rPr>
-              <a:t> </a:t>
-            </a:r>
-            <a:r>
-              <a:rPr lang="it-IT" sz="2000" dirty="0" err="1">
-                <a:latin typeface="Bahnschrift SemiCondensed" panose="020B0502040204020203" pitchFamily="34" charset="0"/>
-              </a:rPr>
-              <a:t>since</a:t>
             </a:r>
             <a:r>
               <a:rPr lang="it-IT" sz="2000" dirty="0">
@@ -30823,6 +30802,10 @@
           </a:p>
           <a:p>
             <a:r>
+              <a:rPr lang="it-IT" dirty="0"/>
+              <a:t>- </a:t>
+            </a:r>
+            <a:r>
               <a:rPr lang="it-IT" dirty="0" err="1"/>
               <a:t>Linearization</a:t>
             </a:r>
@@ -30842,7 +30825,7 @@
           <a:p>
             <a:r>
               <a:rPr lang="it-IT" dirty="0"/>
-              <a:t>Non-linear controller of state </a:t>
+              <a:t>- Non-linear controller of state </a:t>
             </a:r>
             <a:r>
               <a:rPr lang="it-IT" dirty="0" err="1"/>
@@ -30856,7 +30839,7 @@
           <a:p>
             <a:r>
               <a:rPr lang="it-IT" dirty="0"/>
-              <a:t>Feedback </a:t>
+              <a:t>- Feedback </a:t>
             </a:r>
             <a:r>
               <a:rPr lang="it-IT" dirty="0" err="1"/>
@@ -30888,7 +30871,7 @@
             </a:r>
             <a:r>
               <a:rPr lang="it-IT" dirty="0"/>
-              <a:t> </a:t>
+              <a:t>      </a:t>
             </a:r>
             <a:r>
               <a:rPr lang="it-IT" dirty="0" err="1"/>
@@ -30899,7 +30882,7 @@
           <a:p>
             <a:r>
               <a:rPr lang="it-IT" dirty="0"/>
-              <a:t>Feedback </a:t>
+              <a:t>- Feedback </a:t>
             </a:r>
             <a:r>
               <a:rPr lang="it-IT" dirty="0" err="1"/>
@@ -30915,15 +30898,7 @@
             </a:r>
             <a:r>
               <a:rPr lang="it-IT" dirty="0"/>
-              <a:t> on second </a:t>
-            </a:r>
-            <a:r>
-              <a:rPr lang="it-IT" dirty="0" err="1"/>
-              <a:t>order</a:t>
-            </a:r>
-            <a:r>
-              <a:rPr lang="it-IT" dirty="0"/>
-              <a:t> </a:t>
+              <a:t> on second order </a:t>
             </a:r>
             <a:r>
               <a:rPr lang="it-IT" dirty="0" err="1"/>
@@ -33831,7 +33806,7 @@
           <p:nvPr>
             <p:extLst>
               <p:ext uri="{D42A27DB-BD31-4B8C-83A1-F6EECF244321}">
-                <p14:modId xmlns:p14="http://schemas.microsoft.com/office/powerpoint/2010/main" val="2840527234"/>
+                <p14:modId xmlns:p14="http://schemas.microsoft.com/office/powerpoint/2010/main" val="166900153"/>
               </p:ext>
             </p:extLst>
           </p:nvPr>
@@ -34400,8 +34375,12 @@
                     <a:p>
                       <a:pPr algn="ctr"/>
                       <a:r>
+                        <a:rPr lang="en-GB" b="1"/>
+                        <a:t>Non-linear </a:t>
+                      </a:r>
+                      <a:r>
                         <a:rPr lang="en-GB" b="1" dirty="0"/>
-                        <a:t>Non linear control law</a:t>
+                        <a:t>control law</a:t>
                       </a:r>
                     </a:p>
                   </a:txBody>
@@ -35755,7 +35734,7 @@
               <a:rPr lang="it-IT" sz="2000" dirty="0">
                 <a:latin typeface="Bahnschrift SemiCondensed" panose="020B0502040204020203" pitchFamily="34" charset="0"/>
               </a:rPr>
-              <a:t> control action and </a:t>
+              <a:t> the control action and </a:t>
             </a:r>
             <a:r>
               <a:rPr lang="it-IT" sz="2400" b="1" dirty="0" err="1">

--- a/documentation/presentation.pptx
+++ b/documentation/presentation.pptx
@@ -228,7 +228,7 @@
           <a:p>
             <a:fld id="{3735EDBA-B138-4236-BC15-49AA070228CC}" type="datetimeFigureOut">
               <a:rPr lang="en-GB" smtClean="0"/>
-              <a:t>13/02/2024</a:t>
+              <a:t>14/02/2024</a:t>
             </a:fld>
             <a:endParaRPr lang="en-GB"/>
           </a:p>
@@ -387,7 +387,7 @@
           <a:p>
             <a:fld id="{23448C75-6FAC-4900-AA69-1876E864B2D3}" type="slidenum">
               <a:rPr lang="en-GB" smtClean="0"/>
-              <a:t>‹N›</a:t>
+              <a:t>‹#›</a:t>
             </a:fld>
             <a:endParaRPr lang="en-GB"/>
           </a:p>
@@ -813,7 +813,7 @@
           <a:p>
             <a:fld id="{CF74EDA2-A3D8-44A3-A89B-0F29AADCE6D8}" type="datetimeFigureOut">
               <a:rPr lang="it-IT" smtClean="0"/>
-              <a:t>13/02/24</a:t>
+              <a:t>14/02/2024</a:t>
             </a:fld>
             <a:endParaRPr lang="it-IT"/>
           </a:p>
@@ -867,7 +867,7 @@
           <a:p>
             <a:fld id="{56FCA6E2-E168-450F-A79D-65183BD15D2A}" type="slidenum">
               <a:rPr lang="it-IT" smtClean="0"/>
-              <a:t>‹N›</a:t>
+              <a:t>‹#›</a:t>
             </a:fld>
             <a:endParaRPr lang="it-IT"/>
           </a:p>
@@ -1013,7 +1013,7 @@
           <a:p>
             <a:fld id="{CF74EDA2-A3D8-44A3-A89B-0F29AADCE6D8}" type="datetimeFigureOut">
               <a:rPr lang="it-IT" smtClean="0"/>
-              <a:t>13/02/24</a:t>
+              <a:t>14/02/2024</a:t>
             </a:fld>
             <a:endParaRPr lang="it-IT"/>
           </a:p>
@@ -1067,7 +1067,7 @@
           <a:p>
             <a:fld id="{56FCA6E2-E168-450F-A79D-65183BD15D2A}" type="slidenum">
               <a:rPr lang="it-IT" smtClean="0"/>
-              <a:t>‹N›</a:t>
+              <a:t>‹#›</a:t>
             </a:fld>
             <a:endParaRPr lang="it-IT"/>
           </a:p>
@@ -1223,7 +1223,7 @@
           <a:p>
             <a:fld id="{CF74EDA2-A3D8-44A3-A89B-0F29AADCE6D8}" type="datetimeFigureOut">
               <a:rPr lang="it-IT" smtClean="0"/>
-              <a:t>13/02/24</a:t>
+              <a:t>14/02/2024</a:t>
             </a:fld>
             <a:endParaRPr lang="it-IT"/>
           </a:p>
@@ -1277,7 +1277,7 @@
           <a:p>
             <a:fld id="{56FCA6E2-E168-450F-A79D-65183BD15D2A}" type="slidenum">
               <a:rPr lang="it-IT" smtClean="0"/>
-              <a:t>‹N›</a:t>
+              <a:t>‹#›</a:t>
             </a:fld>
             <a:endParaRPr lang="it-IT"/>
           </a:p>
@@ -1423,7 +1423,7 @@
           <a:p>
             <a:fld id="{CF74EDA2-A3D8-44A3-A89B-0F29AADCE6D8}" type="datetimeFigureOut">
               <a:rPr lang="it-IT" smtClean="0"/>
-              <a:t>13/02/24</a:t>
+              <a:t>14/02/2024</a:t>
             </a:fld>
             <a:endParaRPr lang="it-IT"/>
           </a:p>
@@ -1477,7 +1477,7 @@
           <a:p>
             <a:fld id="{56FCA6E2-E168-450F-A79D-65183BD15D2A}" type="slidenum">
               <a:rPr lang="it-IT" smtClean="0"/>
-              <a:t>‹N›</a:t>
+              <a:t>‹#›</a:t>
             </a:fld>
             <a:endParaRPr lang="it-IT"/>
           </a:p>
@@ -1699,7 +1699,7 @@
           <a:p>
             <a:fld id="{CF74EDA2-A3D8-44A3-A89B-0F29AADCE6D8}" type="datetimeFigureOut">
               <a:rPr lang="it-IT" smtClean="0"/>
-              <a:t>13/02/24</a:t>
+              <a:t>14/02/2024</a:t>
             </a:fld>
             <a:endParaRPr lang="it-IT"/>
           </a:p>
@@ -1753,7 +1753,7 @@
           <a:p>
             <a:fld id="{56FCA6E2-E168-450F-A79D-65183BD15D2A}" type="slidenum">
               <a:rPr lang="it-IT" smtClean="0"/>
-              <a:t>‹N›</a:t>
+              <a:t>‹#›</a:t>
             </a:fld>
             <a:endParaRPr lang="it-IT"/>
           </a:p>
@@ -1967,7 +1967,7 @@
           <a:p>
             <a:fld id="{CF74EDA2-A3D8-44A3-A89B-0F29AADCE6D8}" type="datetimeFigureOut">
               <a:rPr lang="it-IT" smtClean="0"/>
-              <a:t>13/02/24</a:t>
+              <a:t>14/02/2024</a:t>
             </a:fld>
             <a:endParaRPr lang="it-IT"/>
           </a:p>
@@ -2021,7 +2021,7 @@
           <a:p>
             <a:fld id="{56FCA6E2-E168-450F-A79D-65183BD15D2A}" type="slidenum">
               <a:rPr lang="it-IT" smtClean="0"/>
-              <a:t>‹N›</a:t>
+              <a:t>‹#›</a:t>
             </a:fld>
             <a:endParaRPr lang="it-IT"/>
           </a:p>
@@ -2382,7 +2382,7 @@
           <a:p>
             <a:fld id="{CF74EDA2-A3D8-44A3-A89B-0F29AADCE6D8}" type="datetimeFigureOut">
               <a:rPr lang="it-IT" smtClean="0"/>
-              <a:t>13/02/24</a:t>
+              <a:t>14/02/2024</a:t>
             </a:fld>
             <a:endParaRPr lang="it-IT"/>
           </a:p>
@@ -2436,7 +2436,7 @@
           <a:p>
             <a:fld id="{56FCA6E2-E168-450F-A79D-65183BD15D2A}" type="slidenum">
               <a:rPr lang="it-IT" smtClean="0"/>
-              <a:t>‹N›</a:t>
+              <a:t>‹#›</a:t>
             </a:fld>
             <a:endParaRPr lang="it-IT"/>
           </a:p>
@@ -2524,7 +2524,7 @@
           <a:p>
             <a:fld id="{CF74EDA2-A3D8-44A3-A89B-0F29AADCE6D8}" type="datetimeFigureOut">
               <a:rPr lang="it-IT" smtClean="0"/>
-              <a:t>13/02/24</a:t>
+              <a:t>14/02/2024</a:t>
             </a:fld>
             <a:endParaRPr lang="it-IT"/>
           </a:p>
@@ -2578,7 +2578,7 @@
           <a:p>
             <a:fld id="{56FCA6E2-E168-450F-A79D-65183BD15D2A}" type="slidenum">
               <a:rPr lang="it-IT" smtClean="0"/>
-              <a:t>‹N›</a:t>
+              <a:t>‹#›</a:t>
             </a:fld>
             <a:endParaRPr lang="it-IT"/>
           </a:p>
@@ -2637,7 +2637,7 @@
           <a:p>
             <a:fld id="{CF74EDA2-A3D8-44A3-A89B-0F29AADCE6D8}" type="datetimeFigureOut">
               <a:rPr lang="it-IT" smtClean="0"/>
-              <a:t>13/02/24</a:t>
+              <a:t>14/02/2024</a:t>
             </a:fld>
             <a:endParaRPr lang="it-IT"/>
           </a:p>
@@ -2691,7 +2691,7 @@
           <a:p>
             <a:fld id="{56FCA6E2-E168-450F-A79D-65183BD15D2A}" type="slidenum">
               <a:rPr lang="it-IT" smtClean="0"/>
-              <a:t>‹N›</a:t>
+              <a:t>‹#›</a:t>
             </a:fld>
             <a:endParaRPr lang="it-IT"/>
           </a:p>
@@ -2950,7 +2950,7 @@
           <a:p>
             <a:fld id="{CF74EDA2-A3D8-44A3-A89B-0F29AADCE6D8}" type="datetimeFigureOut">
               <a:rPr lang="it-IT" smtClean="0"/>
-              <a:t>13/02/24</a:t>
+              <a:t>14/02/2024</a:t>
             </a:fld>
             <a:endParaRPr lang="it-IT"/>
           </a:p>
@@ -3004,7 +3004,7 @@
           <a:p>
             <a:fld id="{56FCA6E2-E168-450F-A79D-65183BD15D2A}" type="slidenum">
               <a:rPr lang="it-IT" smtClean="0"/>
-              <a:t>‹N›</a:t>
+              <a:t>‹#›</a:t>
             </a:fld>
             <a:endParaRPr lang="it-IT"/>
           </a:p>
@@ -3239,7 +3239,7 @@
           <a:p>
             <a:fld id="{CF74EDA2-A3D8-44A3-A89B-0F29AADCE6D8}" type="datetimeFigureOut">
               <a:rPr lang="it-IT" smtClean="0"/>
-              <a:t>13/02/24</a:t>
+              <a:t>14/02/2024</a:t>
             </a:fld>
             <a:endParaRPr lang="it-IT"/>
           </a:p>
@@ -3293,7 +3293,7 @@
           <a:p>
             <a:fld id="{56FCA6E2-E168-450F-A79D-65183BD15D2A}" type="slidenum">
               <a:rPr lang="it-IT" smtClean="0"/>
-              <a:t>‹N›</a:t>
+              <a:t>‹#›</a:t>
             </a:fld>
             <a:endParaRPr lang="it-IT"/>
           </a:p>
@@ -3482,7 +3482,7 @@
           <a:p>
             <a:fld id="{CF74EDA2-A3D8-44A3-A89B-0F29AADCE6D8}" type="datetimeFigureOut">
               <a:rPr lang="it-IT" smtClean="0"/>
-              <a:t>13/02/24</a:t>
+              <a:t>14/02/2024</a:t>
             </a:fld>
             <a:endParaRPr lang="it-IT"/>
           </a:p>
@@ -3572,7 +3572,7 @@
           <a:p>
             <a:fld id="{56FCA6E2-E168-450F-A79D-65183BD15D2A}" type="slidenum">
               <a:rPr lang="it-IT" smtClean="0"/>
-              <a:t>‹N›</a:t>
+              <a:t>‹#›</a:t>
             </a:fld>
             <a:endParaRPr lang="it-IT"/>
           </a:p>
@@ -18233,7 +18233,7 @@
               <a:rPr lang="it-IT" sz="2000" dirty="0">
                 <a:latin typeface="Bahnschrift SemiCondensed" panose="020B0502040204020203" pitchFamily="34" charset="0"/>
               </a:rPr>
-              <a:t> 4 or 0.5;</a:t>
+              <a:t> 4;</a:t>
             </a:r>
           </a:p>
         </p:txBody>
@@ -23837,6 +23837,9 @@
           </a:lstStyle>
           <a:p>
             <a:pPr marL="0" indent="0">
+              <a:lnSpc>
+                <a:spcPct val="150000"/>
+              </a:lnSpc>
               <a:buNone/>
             </a:pPr>
             <a:r>
@@ -33806,7 +33809,7 @@
           <p:nvPr>
             <p:extLst>
               <p:ext uri="{D42A27DB-BD31-4B8C-83A1-F6EECF244321}">
-                <p14:modId xmlns:p14="http://schemas.microsoft.com/office/powerpoint/2010/main" val="166900153"/>
+                <p14:modId xmlns:p14="http://schemas.microsoft.com/office/powerpoint/2010/main" val="1330748483"/>
               </p:ext>
             </p:extLst>
           </p:nvPr>
@@ -34209,13 +34212,6 @@
                       <a:pPr algn="ctr"/>
                       <a:r>
                         <a:rPr lang="en-GB" sz="1400" b="1" dirty="0"/>
-                        <a:t>Sensitivity</a:t>
-                      </a:r>
-                    </a:p>
-                    <a:p>
-                      <a:pPr algn="ctr"/>
-                      <a:r>
-                        <a:rPr lang="en-GB" sz="1400" b="1" dirty="0"/>
                         <a:t>Approximation around equilibrium</a:t>
                       </a:r>
                     </a:p>
@@ -34375,12 +34371,8 @@
                     <a:p>
                       <a:pPr algn="ctr"/>
                       <a:r>
-                        <a:rPr lang="en-GB" b="1"/>
-                        <a:t>Non-linear </a:t>
-                      </a:r>
-                      <a:r>
                         <a:rPr lang="en-GB" b="1" dirty="0"/>
-                        <a:t>control law</a:t>
+                        <a:t>Robustness</a:t>
                       </a:r>
                     </a:p>
                   </a:txBody>
@@ -34725,7 +34717,7 @@
                       <a:pPr algn="ctr"/>
                       <a:r>
                         <a:rPr lang="en-GB" sz="1400" b="1" dirty="0"/>
-                        <a:t>Constraint on b</a:t>
+                        <a:t>Choice of parameter b</a:t>
                       </a:r>
                     </a:p>
                   </a:txBody>
@@ -35024,6 +35016,13 @@
                         <a:t>Constraint on linear velocity v</a:t>
                       </a:r>
                     </a:p>
+                    <a:p>
+                      <a:pPr algn="ctr"/>
+                      <a:r>
+                        <a:rPr lang="en-GB" sz="1400" b="1" dirty="0"/>
+                        <a:t>Sensitivity</a:t>
+                      </a:r>
+                    </a:p>
                   </a:txBody>
                   <a:tcPr anchor="ctr">
                     <a:lnL w="12700" cap="flat" cmpd="sng" algn="ctr">
@@ -35268,61 +35267,6 @@
           <a:p>
             <a:pPr algn="ctr"/>
             <a:endParaRPr lang="en-GB"/>
-          </a:p>
-        </p:txBody>
-      </p:sp>
-      <p:sp>
-        <p:nvSpPr>
-          <p:cNvPr id="2" name="Titolo 1">
-            <a:extLst>
-              <a:ext uri="{FF2B5EF4-FFF2-40B4-BE49-F238E27FC236}">
-                <a16:creationId xmlns:a16="http://schemas.microsoft.com/office/drawing/2014/main" id="{8DA21873-61F6-2EF0-33C0-85E6F450827A}"/>
-              </a:ext>
-            </a:extLst>
-          </p:cNvPr>
-          <p:cNvSpPr>
-            <a:spLocks noGrp="1"/>
-          </p:cNvSpPr>
-          <p:nvPr>
-            <p:ph type="title"/>
-          </p:nvPr>
-        </p:nvSpPr>
-        <p:spPr/>
-        <p:txBody>
-          <a:bodyPr/>
-          <a:lstStyle/>
-          <a:p>
-            <a:endParaRPr lang="it-IT" dirty="0"/>
-          </a:p>
-        </p:txBody>
-      </p:sp>
-      <p:sp>
-        <p:nvSpPr>
-          <p:cNvPr id="3" name="Segnaposto contenuto 2">
-            <a:extLst>
-              <a:ext uri="{FF2B5EF4-FFF2-40B4-BE49-F238E27FC236}">
-                <a16:creationId xmlns:a16="http://schemas.microsoft.com/office/drawing/2014/main" id="{8504FD33-00B8-4055-DE61-7939B41F279F}"/>
-              </a:ext>
-            </a:extLst>
-          </p:cNvPr>
-          <p:cNvSpPr>
-            <a:spLocks noGrp="1"/>
-          </p:cNvSpPr>
-          <p:nvPr>
-            <p:ph idx="1"/>
-          </p:nvPr>
-        </p:nvSpPr>
-        <p:spPr/>
-        <p:txBody>
-          <a:bodyPr>
-            <a:normAutofit/>
-          </a:bodyPr>
-          <a:lstStyle/>
-          <a:p>
-            <a:pPr marL="0" indent="0">
-              <a:buNone/>
-            </a:pPr>
-            <a:endParaRPr lang="it-IT" sz="1800" dirty="0"/>
           </a:p>
         </p:txBody>
       </p:sp>
@@ -36322,7 +36266,7 @@
         <p:spPr>
           <a:xfrm>
             <a:off x="2047205" y="2555975"/>
-            <a:ext cx="4685275" cy="948717"/>
+            <a:ext cx="4926663" cy="948717"/>
           </a:xfrm>
           <a:solidFill>
             <a:srgbClr val="BFBFBF">
@@ -36381,7 +36325,7 @@
               <a:rPr lang="it-IT" sz="1800" dirty="0">
                 <a:latin typeface="Bahnschrift SemiCondensed" panose="020B0502040204020203" pitchFamily="34" charset="0"/>
               </a:rPr>
-              <a:t> </a:t>
+              <a:t> Primitive and </a:t>
             </a:r>
             <a:r>
               <a:rPr lang="it-IT" sz="1800" dirty="0" err="1">
